--- a/lessons/5_handwriting_by_linear_layer/ppt/用全连接层识别手写数字.pptx
+++ b/lessons/5_handwriting_by_linear_layer/ppt/用全连接层识别手写数字.pptx
@@ -5,47 +5,50 @@
     <p:sldMasterId id="2147483648" r:id="rId1"/>
   </p:sldMasterIdLst>
   <p:notesMasterIdLst>
-    <p:notesMasterId r:id="rId32"/>
+    <p:notesMasterId r:id="rId35"/>
   </p:notesMasterIdLst>
   <p:handoutMasterIdLst>
-    <p:handoutMasterId r:id="rId33"/>
+    <p:handoutMasterId r:id="rId36"/>
   </p:handoutMasterIdLst>
   <p:sldIdLst>
     <p:sldId id="307" r:id="rId2"/>
     <p:sldId id="308" r:id="rId3"/>
     <p:sldId id="284" r:id="rId4"/>
     <p:sldId id="1004" r:id="rId5"/>
-    <p:sldId id="1054" r:id="rId6"/>
-    <p:sldId id="1044" r:id="rId7"/>
-    <p:sldId id="1001" r:id="rId8"/>
-    <p:sldId id="1055" r:id="rId9"/>
-    <p:sldId id="1056" r:id="rId10"/>
-    <p:sldId id="1057" r:id="rId11"/>
-    <p:sldId id="1058" r:id="rId12"/>
-    <p:sldId id="1059" r:id="rId13"/>
-    <p:sldId id="1060" r:id="rId14"/>
-    <p:sldId id="1045" r:id="rId15"/>
-    <p:sldId id="1046" r:id="rId16"/>
-    <p:sldId id="1051" r:id="rId17"/>
-    <p:sldId id="1061" r:id="rId18"/>
-    <p:sldId id="1047" r:id="rId19"/>
-    <p:sldId id="1062" r:id="rId20"/>
-    <p:sldId id="1052" r:id="rId21"/>
-    <p:sldId id="1063" r:id="rId22"/>
-    <p:sldId id="1053" r:id="rId23"/>
-    <p:sldId id="1064" r:id="rId24"/>
-    <p:sldId id="537" r:id="rId25"/>
-    <p:sldId id="536" r:id="rId26"/>
-    <p:sldId id="1014" r:id="rId27"/>
-    <p:sldId id="1013" r:id="rId28"/>
-    <p:sldId id="997" r:id="rId29"/>
-    <p:sldId id="998" r:id="rId30"/>
-    <p:sldId id="653" r:id="rId31"/>
+    <p:sldId id="1044" r:id="rId6"/>
+    <p:sldId id="1001" r:id="rId7"/>
+    <p:sldId id="1072" r:id="rId8"/>
+    <p:sldId id="1066" r:id="rId9"/>
+    <p:sldId id="1080" r:id="rId10"/>
+    <p:sldId id="1081" r:id="rId11"/>
+    <p:sldId id="1074" r:id="rId12"/>
+    <p:sldId id="1067" r:id="rId13"/>
+    <p:sldId id="1075" r:id="rId14"/>
+    <p:sldId id="1068" r:id="rId15"/>
+    <p:sldId id="1076" r:id="rId16"/>
+    <p:sldId id="1069" r:id="rId17"/>
+    <p:sldId id="1078" r:id="rId18"/>
+    <p:sldId id="1083" r:id="rId19"/>
+    <p:sldId id="1084" r:id="rId20"/>
+    <p:sldId id="1085" r:id="rId21"/>
+    <p:sldId id="1086" r:id="rId22"/>
+    <p:sldId id="1071" r:id="rId23"/>
+    <p:sldId id="1077" r:id="rId24"/>
+    <p:sldId id="1070" r:id="rId25"/>
+    <p:sldId id="1079" r:id="rId26"/>
+    <p:sldId id="1087" r:id="rId27"/>
+    <p:sldId id="537" r:id="rId28"/>
+    <p:sldId id="536" r:id="rId29"/>
+    <p:sldId id="1014" r:id="rId30"/>
+    <p:sldId id="1013" r:id="rId31"/>
+    <p:sldId id="997" r:id="rId32"/>
+    <p:sldId id="998" r:id="rId33"/>
+    <p:sldId id="653" r:id="rId34"/>
   </p:sldIdLst>
   <p:sldSz cx="12192000" cy="6858000"/>
   <p:notesSz cx="6858000" cy="9144000"/>
   <p:custDataLst>
-    <p:tags r:id="rId34"/>
+    <p:tags r:id="rId37"/>
   </p:custDataLst>
   <p:defaultTextStyle>
     <a:defPPr>
@@ -238,7 +241,7 @@
                 <a:latin typeface="微软雅黑" panose="020B0503020204020204" charset="-122"/>
                 <a:ea typeface="微软雅黑" panose="020B0503020204020204" charset="-122"/>
               </a:rPr>
-              <a:t>2022/11/6</a:t>
+              <a:t>2022/11/7</a:t>
             </a:fld>
             <a:endParaRPr lang="zh-CN" altLang="en-US">
               <a:latin typeface="微软雅黑" panose="020B0503020204020204" charset="-122"/>
@@ -421,7 +424,7 @@
           <a:p>
             <a:fld id="{1AC49D05-6128-4D0D-A32A-06A5E73B386C}" type="datetimeFigureOut">
               <a:rPr lang="zh-CN" altLang="en-US" smtClean="0"/>
-              <a:t>2022/11/6</a:t>
+              <a:t>2022/11/7</a:t>
             </a:fld>
             <a:endParaRPr lang="zh-CN" altLang="en-US"/>
           </a:p>
@@ -1083,7 +1086,7 @@
           <a:p>
             <a:fld id="{9EFD9D74-47D9-4702-A33C-335B63B48DBF}" type="datetimeFigureOut">
               <a:rPr lang="zh-CN" altLang="en-US" smtClean="0"/>
-              <a:t>2022/11/6</a:t>
+              <a:t>2022/11/7</a:t>
             </a:fld>
             <a:endParaRPr lang="zh-CN" altLang="en-US" dirty="0"/>
           </a:p>
@@ -1416,7 +1419,7 @@
           <a:p>
             <a:fld id="{760FBDFE-C587-4B4C-A407-44438C67B59E}" type="datetimeFigureOut">
               <a:rPr lang="zh-CN" altLang="en-US" smtClean="0"/>
-              <a:t>2022/11/6</a:t>
+              <a:t>2022/11/7</a:t>
             </a:fld>
             <a:endParaRPr lang="zh-CN" altLang="en-US"/>
           </a:p>
@@ -1589,7 +1592,7 @@
           <a:p>
             <a:fld id="{9EFD9D74-47D9-4702-A33C-335B63B48DBF}" type="datetimeFigureOut">
               <a:rPr lang="zh-CN" altLang="en-US" smtClean="0"/>
-              <a:t>2022/11/6</a:t>
+              <a:t>2022/11/7</a:t>
             </a:fld>
             <a:endParaRPr lang="zh-CN" altLang="en-US" dirty="0"/>
           </a:p>
@@ -2114,7 +2117,7 @@
           <a:p>
             <a:fld id="{760FBDFE-C587-4B4C-A407-44438C67B59E}" type="datetimeFigureOut">
               <a:rPr lang="zh-CN" altLang="en-US" smtClean="0"/>
-              <a:t>2022/11/6</a:t>
+              <a:t>2022/11/7</a:t>
             </a:fld>
             <a:endParaRPr lang="zh-CN" altLang="en-US"/>
           </a:p>
@@ -2862,7 +2865,7 @@
           <a:p>
             <a:fld id="{760FBDFE-C587-4B4C-A407-44438C67B59E}" type="datetimeFigureOut">
               <a:rPr lang="zh-CN" altLang="en-US" smtClean="0"/>
-              <a:t>2022/11/6</a:t>
+              <a:t>2022/11/7</a:t>
             </a:fld>
             <a:endParaRPr lang="zh-CN" altLang="en-US"/>
           </a:p>
@@ -3028,7 +3031,7 @@
           <a:p>
             <a:fld id="{760FBDFE-C587-4B4C-A407-44438C67B59E}" type="datetimeFigureOut">
               <a:rPr lang="zh-CN" altLang="en-US" smtClean="0"/>
-              <a:t>2022/11/6</a:t>
+              <a:t>2022/11/7</a:t>
             </a:fld>
             <a:endParaRPr lang="zh-CN" altLang="en-US"/>
           </a:p>
@@ -3142,7 +3145,7 @@
           <a:p>
             <a:fld id="{760FBDFE-C587-4B4C-A407-44438C67B59E}" type="datetimeFigureOut">
               <a:rPr lang="zh-CN" altLang="en-US" smtClean="0"/>
-              <a:t>2022/11/6</a:t>
+              <a:t>2022/11/7</a:t>
             </a:fld>
             <a:endParaRPr lang="zh-CN" altLang="en-US"/>
           </a:p>
@@ -3472,7 +3475,7 @@
           <a:p>
             <a:fld id="{9EFD9D74-47D9-4702-A33C-335B63B48DBF}" type="datetimeFigureOut">
               <a:rPr lang="zh-CN" altLang="en-US" smtClean="0"/>
-              <a:t>2022/11/6</a:t>
+              <a:t>2022/11/7</a:t>
             </a:fld>
             <a:endParaRPr lang="zh-CN" altLang="en-US" dirty="0"/>
           </a:p>
@@ -3985,7 +3988,7 @@
           <a:p>
             <a:fld id="{760FBDFE-C587-4B4C-A407-44438C67B59E}" type="datetimeFigureOut">
               <a:rPr lang="zh-CN" altLang="en-US" smtClean="0"/>
-              <a:t>2022/11/6</a:t>
+              <a:t>2022/11/7</a:t>
             </a:fld>
             <a:endParaRPr lang="zh-CN" altLang="en-US"/>
           </a:p>
@@ -4099,7 +4102,7 @@
           <a:p>
             <a:fld id="{760FBDFE-C587-4B4C-A407-44438C67B59E}" type="datetimeFigureOut">
               <a:rPr lang="zh-CN" altLang="en-US" smtClean="0"/>
-              <a:t>2022/11/6</a:t>
+              <a:t>2022/11/7</a:t>
             </a:fld>
             <a:endParaRPr lang="zh-CN" altLang="en-US"/>
           </a:p>
@@ -4387,7 +4390,7 @@
           <a:p>
             <a:fld id="{82F288E0-7875-42C4-84C8-98DBBD3BF4D2}" type="datetimeFigureOut">
               <a:rPr lang="zh-CN" altLang="en-US" smtClean="0"/>
-              <a:t>2022/11/6</a:t>
+              <a:t>2022/11/7</a:t>
             </a:fld>
             <a:endParaRPr lang="zh-CN" altLang="en-US"/>
           </a:p>
@@ -4846,7 +4849,7 @@
           <a:p>
             <a:fld id="{760FBDFE-C587-4B4C-A407-44438C67B59E}" type="datetimeFigureOut">
               <a:rPr lang="zh-CN" altLang="en-US" smtClean="0"/>
-              <a:t>2022/11/6</a:t>
+              <a:t>2022/11/7</a:t>
             </a:fld>
             <a:endParaRPr lang="zh-CN" altLang="en-US"/>
           </a:p>
@@ -5515,7 +5518,7 @@
           <a:p>
             <a:fld id="{9EFD9D74-47D9-4702-A33C-335B63B48DBF}" type="datetimeFigureOut">
               <a:rPr lang="zh-CN" altLang="en-US" smtClean="0"/>
-              <a:t>2022/11/6</a:t>
+              <a:t>2022/11/7</a:t>
             </a:fld>
             <a:endParaRPr lang="zh-CN" altLang="en-US" dirty="0"/>
           </a:p>
@@ -5663,7 +5666,7 @@
           <a:p>
             <a:fld id="{9EFD9D74-47D9-4702-A33C-335B63B48DBF}" type="datetimeFigureOut">
               <a:rPr lang="zh-CN" altLang="en-US" smtClean="0"/>
-              <a:t>2022/11/6</a:t>
+              <a:t>2022/11/7</a:t>
             </a:fld>
             <a:endParaRPr lang="zh-CN" altLang="en-US" dirty="0"/>
           </a:p>
@@ -6491,6 +6494,84 @@
       </p:grpSpPr>
       <p:sp>
         <p:nvSpPr>
+          <p:cNvPr id="2" name="标题 1"/>
+          <p:cNvSpPr>
+            <a:spLocks noGrp="1"/>
+          </p:cNvSpPr>
+          <p:nvPr>
+            <p:ph type="title"/>
+          </p:nvPr>
+        </p:nvSpPr>
+        <p:spPr/>
+        <p:txBody>
+          <a:bodyPr/>
+          <a:lstStyle/>
+          <a:p>
+            <a:r>
+              <a:rPr dirty="0">
+                <a:sym typeface="+mn-ea"/>
+              </a:rPr>
+              <a:t>主问题：</a:t>
+            </a:r>
+            <a:r>
+              <a:rPr lang="en-US" dirty="0">
+                <a:sym typeface="+mn-ea"/>
+              </a:rPr>
+              <a:t>	</a:t>
+            </a:r>
+            <a:br>
+              <a:rPr lang="en-US" dirty="0">
+                <a:sym typeface="+mn-ea"/>
+              </a:rPr>
+            </a:br>
+            <a:r>
+              <a:rPr lang="en-US" dirty="0" err="1">
+                <a:sym typeface="+mn-ea"/>
+              </a:rPr>
+              <a:t>神经网络的结构是什么</a:t>
+            </a:r>
+            <a:r>
+              <a:rPr lang="zh-CN" altLang="en-US" dirty="0"/>
+              <a:t>？</a:t>
+            </a:r>
+          </a:p>
+        </p:txBody>
+      </p:sp>
+    </p:spTree>
+    <p:custDataLst>
+      <p:tags r:id="rId1"/>
+    </p:custDataLst>
+    <p:extLst>
+      <p:ext uri="{BB962C8B-B14F-4D97-AF65-F5344CB8AC3E}">
+        <p14:creationId xmlns:p14="http://schemas.microsoft.com/office/powerpoint/2010/main" val="3361786540"/>
+      </p:ext>
+    </p:extLst>
+  </p:cSld>
+  <p:clrMapOvr>
+    <a:masterClrMapping/>
+  </p:clrMapOvr>
+</p:sld>
+</file>
+
+<file path=ppt/slides/slide11.xml><?xml version="1.0" encoding="utf-8"?>
+<p:sld xmlns:a="http://schemas.openxmlformats.org/drawingml/2006/main" xmlns:r="http://schemas.openxmlformats.org/officeDocument/2006/relationships" xmlns:p="http://schemas.openxmlformats.org/presentationml/2006/main">
+  <p:cSld>
+    <p:spTree>
+      <p:nvGrpSpPr>
+        <p:cNvPr id="1" name=""/>
+        <p:cNvGrpSpPr/>
+        <p:nvPr/>
+      </p:nvGrpSpPr>
+      <p:grpSpPr>
+        <a:xfrm>
+          <a:off x="0" y="0"/>
+          <a:ext cx="0" cy="0"/>
+          <a:chOff x="0" y="0"/>
+          <a:chExt cx="0" cy="0"/>
+        </a:xfrm>
+      </p:grpSpPr>
+      <p:sp>
+        <p:nvSpPr>
           <p:cNvPr id="3" name="标题 2"/>
           <p:cNvSpPr>
             <a:spLocks noGrp="1"/>
@@ -6505,8 +6586,14 @@
           <a:lstStyle/>
           <a:p>
             <a:r>
+              <a:rPr lang="zh-CN" altLang="en-US" dirty="0">
+                <a:sym typeface="+mn-ea"/>
+              </a:rPr>
+              <a:t>主问题：	神经网络的结构是什么</a:t>
+            </a:r>
+            <a:r>
               <a:rPr lang="zh-CN" altLang="en-US" dirty="0"/>
-              <a:t>任务：实现改进的导数的计算</a:t>
+              <a:t>？</a:t>
             </a:r>
             <a:endParaRPr dirty="0">
               <a:sym typeface="+mn-ea"/>
@@ -6749,65 +6836,56 @@
             </a:pPr>
             <a:r>
               <a:rPr lang="zh-CN" altLang="en-US" dirty="0"/>
-              <a:t>如何修改导数的定义公式，从而减小误差</a:t>
+              <a:t>已知每个数字图片的像素数量为</a:t>
             </a:r>
             <a:r>
               <a:rPr lang="en-US" altLang="zh-CN" dirty="0"/>
-              <a:t>?</a:t>
-            </a:r>
-          </a:p>
-          <a:p>
-            <a:pPr marL="742950" lvl="1" indent="-285750">
-              <a:buFont typeface="Arial" panose="020B0604020202020204" pitchFamily="34" charset="0"/>
-              <a:buChar char="•"/>
-            </a:pPr>
+              <a:t>28*28=784</a:t>
+            </a:r>
             <a:r>
               <a:rPr lang="zh-CN" altLang="en-US" dirty="0"/>
-              <a:t>如该图所示，红色是真实的导数</a:t>
+              <a:t>，那么输入层节点数（神经元的个数）是多少？</a:t>
             </a:r>
             <a:endParaRPr lang="en-US" altLang="zh-CN" dirty="0"/>
           </a:p>
           <a:p>
-            <a:pPr marL="742950" lvl="1" indent="-285750">
+            <a:pPr marL="285750" indent="-285750">
               <a:buFont typeface="Arial" panose="020B0604020202020204" pitchFamily="34" charset="0"/>
               <a:buChar char="•"/>
             </a:pPr>
             <a:r>
               <a:rPr lang="zh-CN" altLang="en-US" dirty="0"/>
-              <a:t>蓝色虚线是目前导数定义求得的导数</a:t>
+              <a:t>输出层节点数是多少？</a:t>
             </a:r>
             <a:endParaRPr lang="en-US" altLang="zh-CN" dirty="0"/>
           </a:p>
           <a:p>
-            <a:pPr marL="1200150" lvl="2" indent="-285750">
+            <a:pPr marL="285750" indent="-285750">
               <a:buFont typeface="Arial" panose="020B0604020202020204" pitchFamily="34" charset="0"/>
               <a:buChar char="•"/>
             </a:pPr>
             <a:r>
               <a:rPr lang="zh-CN" altLang="en-US" dirty="0"/>
-              <a:t>为什么？</a:t>
+              <a:t>我们使用</a:t>
+            </a:r>
+            <a:r>
+              <a:rPr lang="en-US" altLang="zh-CN" dirty="0"/>
+              <a:t>1</a:t>
+            </a:r>
+            <a:r>
+              <a:rPr lang="zh-CN" altLang="en-US" dirty="0"/>
+              <a:t>层隐藏层</a:t>
             </a:r>
             <a:endParaRPr lang="en-US" altLang="zh-CN" dirty="0"/>
           </a:p>
           <a:p>
-            <a:pPr marL="742950" lvl="1" indent="-285750">
+            <a:pPr marL="285750" indent="-285750">
               <a:buFont typeface="Arial" panose="020B0604020202020204" pitchFamily="34" charset="0"/>
               <a:buChar char="•"/>
             </a:pPr>
             <a:r>
               <a:rPr lang="zh-CN" altLang="en-US" dirty="0"/>
-              <a:t>如何修改导数的定义公式为绿色的虚线？</a:t>
-            </a:r>
-            <a:endParaRPr lang="en-US" altLang="zh-CN" dirty="0"/>
-          </a:p>
-          <a:p>
-            <a:pPr marL="285750" indent="-285750">
-              <a:buFont typeface="Arial" panose="020B0604020202020204" pitchFamily="34" charset="0"/>
-              <a:buChar char="•"/>
-            </a:pPr>
-            <a:r>
-              <a:rPr lang="zh-CN" altLang="en-US" dirty="0"/>
-              <a:t>请实现改进的导数的计算</a:t>
+              <a:t>隐藏层节点数是多少？</a:t>
             </a:r>
             <a:endParaRPr lang="en-US" altLang="zh-CN" dirty="0"/>
           </a:p>
@@ -6895,10 +6973,10 @@
       </p:sp>
       <p:pic>
         <p:nvPicPr>
-          <p:cNvPr id="7" name="图片 6">
+          <p:cNvPr id="4" name="图片 3">
             <a:extLst>
               <a:ext uri="{FF2B5EF4-FFF2-40B4-BE49-F238E27FC236}">
-                <a16:creationId xmlns:a16="http://schemas.microsoft.com/office/drawing/2014/main" id="{A9E8DE22-CA37-CFC2-07DA-D3E0D86757F9}"/>
+                <a16:creationId xmlns:a16="http://schemas.microsoft.com/office/drawing/2014/main" id="{9B9D2D8B-1DD7-DEEA-B4FB-C1AA60AFF9F9}"/>
               </a:ext>
             </a:extLst>
           </p:cNvPr>
@@ -6921,80 +6999,8 @@
         </p:blipFill>
         <p:spPr>
           <a:xfrm>
-            <a:off x="7044452" y="2124743"/>
-            <a:ext cx="4628743" cy="4091707"/>
-          </a:xfrm>
-          <a:prstGeom prst="rect">
-            <a:avLst/>
-          </a:prstGeom>
-        </p:spPr>
-      </p:pic>
-      <p:pic>
-        <p:nvPicPr>
-          <p:cNvPr id="9" name="图片 8">
-            <a:extLst>
-              <a:ext uri="{FF2B5EF4-FFF2-40B4-BE49-F238E27FC236}">
-                <a16:creationId xmlns:a16="http://schemas.microsoft.com/office/drawing/2014/main" id="{B50DC119-5074-25E4-A850-399411F63C8B}"/>
-              </a:ext>
-            </a:extLst>
-          </p:cNvPr>
-          <p:cNvPicPr>
-            <a:picLocks noChangeAspect="1"/>
-          </p:cNvPicPr>
-          <p:nvPr/>
-        </p:nvPicPr>
-        <p:blipFill>
-          <a:blip r:embed="rId4">
-            <a:extLst>
-              <a:ext uri="{28A0092B-C50C-407E-A947-70E740481C1C}">
-                <a14:useLocalDpi xmlns:a14="http://schemas.microsoft.com/office/drawing/2010/main" val="0"/>
-              </a:ext>
-            </a:extLst>
-          </a:blip>
-          <a:stretch>
-            <a:fillRect/>
-          </a:stretch>
-        </p:blipFill>
-        <p:spPr>
-          <a:xfrm>
-            <a:off x="7043172" y="1513539"/>
-            <a:ext cx="2946400" cy="876300"/>
-          </a:xfrm>
-          <a:prstGeom prst="rect">
-            <a:avLst/>
-          </a:prstGeom>
-        </p:spPr>
-      </p:pic>
-      <p:pic>
-        <p:nvPicPr>
-          <p:cNvPr id="12" name="图片 11">
-            <a:extLst>
-              <a:ext uri="{FF2B5EF4-FFF2-40B4-BE49-F238E27FC236}">
-                <a16:creationId xmlns:a16="http://schemas.microsoft.com/office/drawing/2014/main" id="{F786A999-9422-00E2-62CC-CF8E5C5176D9}"/>
-              </a:ext>
-            </a:extLst>
-          </p:cNvPr>
-          <p:cNvPicPr>
-            <a:picLocks noChangeAspect="1"/>
-          </p:cNvPicPr>
-          <p:nvPr/>
-        </p:nvPicPr>
-        <p:blipFill>
-          <a:blip r:embed="rId5">
-            <a:extLst>
-              <a:ext uri="{28A0092B-C50C-407E-A947-70E740481C1C}">
-                <a14:useLocalDpi xmlns:a14="http://schemas.microsoft.com/office/drawing/2010/main" val="0"/>
-              </a:ext>
-            </a:extLst>
-          </a:blip>
-          <a:stretch>
-            <a:fillRect/>
-          </a:stretch>
-        </p:blipFill>
-        <p:spPr>
-          <a:xfrm>
-            <a:off x="3706655" y="4658661"/>
-            <a:ext cx="3492500" cy="685800"/>
+            <a:off x="5777801" y="3050373"/>
+            <a:ext cx="2654509" cy="2955680"/>
           </a:xfrm>
           <a:prstGeom prst="rect">
             <a:avLst/>
@@ -7007,500 +7013,7 @@
     </p:custDataLst>
     <p:extLst>
       <p:ext uri="{BB962C8B-B14F-4D97-AF65-F5344CB8AC3E}">
-        <p14:creationId xmlns:p14="http://schemas.microsoft.com/office/powerpoint/2010/main" val="1913484887"/>
-      </p:ext>
-    </p:extLst>
-  </p:cSld>
-  <p:clrMapOvr>
-    <a:masterClrMapping/>
-  </p:clrMapOvr>
-  <p:timing>
-    <p:tnLst>
-      <p:par>
-        <p:cTn id="1" dur="indefinite" restart="never" nodeType="tmRoot">
-          <p:childTnLst>
-            <p:seq concurrent="1" nextAc="seek">
-              <p:cTn id="2" dur="indefinite" nodeType="mainSeq">
-                <p:childTnLst>
-                  <p:par>
-                    <p:cTn id="3" fill="hold">
-                      <p:stCondLst>
-                        <p:cond delay="indefinite"/>
-                      </p:stCondLst>
-                      <p:childTnLst>
-                        <p:par>
-                          <p:cTn id="4" fill="hold">
-                            <p:stCondLst>
-                              <p:cond delay="0"/>
-                            </p:stCondLst>
-                            <p:childTnLst>
-                              <p:par>
-                                <p:cTn id="5" presetID="1" presetClass="entr" presetSubtype="0" fill="hold" grpId="0" nodeType="clickEffect">
-                                  <p:stCondLst>
-                                    <p:cond delay="0"/>
-                                  </p:stCondLst>
-                                  <p:childTnLst>
-                                    <p:set>
-                                      <p:cBhvr>
-                                        <p:cTn id="6" dur="1" fill="hold">
-                                          <p:stCondLst>
-                                            <p:cond delay="0"/>
-                                          </p:stCondLst>
-                                        </p:cTn>
-                                        <p:tgtEl>
-                                          <p:spTgt spid="6"/>
-                                        </p:tgtEl>
-                                        <p:attrNameLst>
-                                          <p:attrName>style.visibility</p:attrName>
-                                        </p:attrNameLst>
-                                      </p:cBhvr>
-                                      <p:to>
-                                        <p:strVal val="visible"/>
-                                      </p:to>
-                                    </p:set>
-                                  </p:childTnLst>
-                                </p:cTn>
-                              </p:par>
-                            </p:childTnLst>
-                          </p:cTn>
-                        </p:par>
-                      </p:childTnLst>
-                    </p:cTn>
-                  </p:par>
-                </p:childTnLst>
-              </p:cTn>
-              <p:prevCondLst>
-                <p:cond evt="onPrev" delay="0">
-                  <p:tgtEl>
-                    <p:sldTgt/>
-                  </p:tgtEl>
-                </p:cond>
-              </p:prevCondLst>
-              <p:nextCondLst>
-                <p:cond evt="onNext" delay="0">
-                  <p:tgtEl>
-                    <p:sldTgt/>
-                  </p:tgtEl>
-                </p:cond>
-              </p:nextCondLst>
-            </p:seq>
-          </p:childTnLst>
-        </p:cTn>
-      </p:par>
-    </p:tnLst>
-    <p:bldLst>
-      <p:bldP spid="6" grpId="0"/>
-    </p:bldLst>
-  </p:timing>
-</p:sld>
-</file>
-
-<file path=ppt/slides/slide11.xml><?xml version="1.0" encoding="utf-8"?>
-<p:sld xmlns:a="http://schemas.openxmlformats.org/drawingml/2006/main" xmlns:r="http://schemas.openxmlformats.org/officeDocument/2006/relationships" xmlns:p="http://schemas.openxmlformats.org/presentationml/2006/main">
-  <p:cSld>
-    <p:spTree>
-      <p:nvGrpSpPr>
-        <p:cNvPr id="1" name=""/>
-        <p:cNvGrpSpPr/>
-        <p:nvPr/>
-      </p:nvGrpSpPr>
-      <p:grpSpPr>
-        <a:xfrm>
-          <a:off x="0" y="0"/>
-          <a:ext cx="0" cy="0"/>
-          <a:chOff x="0" y="0"/>
-          <a:chExt cx="0" cy="0"/>
-        </a:xfrm>
-      </p:grpSpPr>
-      <p:sp>
-        <p:nvSpPr>
-          <p:cNvPr id="3" name="标题 2"/>
-          <p:cNvSpPr>
-            <a:spLocks noGrp="1"/>
-          </p:cNvSpPr>
-          <p:nvPr>
-            <p:ph type="title"/>
-          </p:nvPr>
-        </p:nvSpPr>
-        <p:spPr/>
-        <p:txBody>
-          <a:bodyPr/>
-          <a:lstStyle/>
-          <a:p>
-            <a:r>
-              <a:rPr lang="zh-CN" altLang="en-US" dirty="0"/>
-              <a:t>任务：计算函数的导数</a:t>
-            </a:r>
-            <a:endParaRPr dirty="0">
-              <a:sym typeface="+mn-ea"/>
-            </a:endParaRPr>
-          </a:p>
-        </p:txBody>
-      </p:sp>
-      <p:sp>
-        <p:nvSpPr>
-          <p:cNvPr id="6" name="文本占位符 1">
-            <a:extLst>
-              <a:ext uri="{FF2B5EF4-FFF2-40B4-BE49-F238E27FC236}">
-                <a16:creationId xmlns:a16="http://schemas.microsoft.com/office/drawing/2014/main" id="{BA88068A-4FDC-6963-46A5-ADEC46CDA15E}"/>
-              </a:ext>
-            </a:extLst>
-          </p:cNvPr>
-          <p:cNvSpPr txBox="1">
-            <a:spLocks/>
-          </p:cNvSpPr>
-          <p:nvPr/>
-        </p:nvSpPr>
-        <p:spPr>
-          <a:xfrm>
-            <a:off x="822325" y="1778635"/>
-            <a:ext cx="10852150" cy="4553585"/>
-          </a:xfrm>
-        </p:spPr>
-        <p:txBody>
-          <a:bodyPr lIns="101600" tIns="38100" rIns="76200" bIns="38100">
-            <a:noAutofit/>
-          </a:bodyPr>
-          <a:lstStyle>
-            <a:lvl1pPr marL="0" indent="0" algn="l" defTabSz="914400" rtl="0" eaLnBrk="1" fontAlgn="auto" latinLnBrk="0" hangingPunct="1">
-              <a:lnSpc>
-                <a:spcPct val="130000"/>
-              </a:lnSpc>
-              <a:spcBef>
-                <a:spcPts val="0"/>
-              </a:spcBef>
-              <a:spcAft>
-                <a:spcPts val="1000"/>
-              </a:spcAft>
-              <a:buFont typeface="Arial" panose="020B0604020202020204" pitchFamily="34" charset="0"/>
-              <a:buNone/>
-              <a:defRPr kumimoji="0" lang="zh-CN" altLang="en-US" sz="1600" b="0" i="0" u="none" strike="noStrike" kern="1200" cap="none" spc="150" normalizeH="0" baseline="0" noProof="1">
-                <a:solidFill>
-                  <a:schemeClr val="tx1"/>
-                </a:solidFill>
-                <a:uFillTx/>
-                <a:latin typeface="+mn-lt"/>
-                <a:ea typeface="+mn-ea"/>
-                <a:cs typeface="+mn-cs"/>
-                <a:sym typeface="+mn-ea"/>
-              </a:defRPr>
-            </a:lvl1pPr>
-            <a:lvl2pPr marL="457200" indent="0" algn="l" defTabSz="914400" rtl="0" eaLnBrk="1" fontAlgn="auto" latinLnBrk="0" hangingPunct="1">
-              <a:lnSpc>
-                <a:spcPct val="130000"/>
-              </a:lnSpc>
-              <a:spcBef>
-                <a:spcPts val="0"/>
-              </a:spcBef>
-              <a:spcAft>
-                <a:spcPts val="1000"/>
-              </a:spcAft>
-              <a:buFont typeface="Arial" panose="020B0604020202020204" pitchFamily="34" charset="0"/>
-              <a:buNone/>
-              <a:tabLst>
-                <a:tab pos="1609725" algn="l"/>
-              </a:tabLst>
-              <a:defRPr sz="2000" u="none" strike="noStrike" kern="1200" cap="none" spc="150" normalizeH="0" baseline="0">
-                <a:solidFill>
-                  <a:schemeClr val="tx1">
-                    <a:tint val="75000"/>
-                  </a:schemeClr>
-                </a:solidFill>
-                <a:uFillTx/>
-                <a:latin typeface="+mn-lt"/>
-                <a:ea typeface="+mn-ea"/>
-                <a:cs typeface="+mn-cs"/>
-              </a:defRPr>
-            </a:lvl2pPr>
-            <a:lvl3pPr marL="914400" indent="0" algn="l" defTabSz="914400" rtl="0" eaLnBrk="1" fontAlgn="auto" latinLnBrk="0" hangingPunct="1">
-              <a:lnSpc>
-                <a:spcPct val="130000"/>
-              </a:lnSpc>
-              <a:spcBef>
-                <a:spcPts val="0"/>
-              </a:spcBef>
-              <a:spcAft>
-                <a:spcPts val="1000"/>
-              </a:spcAft>
-              <a:buFont typeface="Arial" panose="020B0604020202020204" pitchFamily="34" charset="0"/>
-              <a:buNone/>
-              <a:defRPr sz="1800" u="none" strike="noStrike" kern="1200" cap="none" spc="150" normalizeH="0" baseline="0">
-                <a:solidFill>
-                  <a:schemeClr val="tx1">
-                    <a:tint val="75000"/>
-                  </a:schemeClr>
-                </a:solidFill>
-                <a:uFillTx/>
-                <a:latin typeface="+mn-lt"/>
-                <a:ea typeface="+mn-ea"/>
-                <a:cs typeface="+mn-cs"/>
-              </a:defRPr>
-            </a:lvl3pPr>
-            <a:lvl4pPr marL="1371600" indent="0" algn="l" defTabSz="914400" rtl="0" eaLnBrk="1" fontAlgn="auto" latinLnBrk="0" hangingPunct="1">
-              <a:lnSpc>
-                <a:spcPct val="130000"/>
-              </a:lnSpc>
-              <a:spcBef>
-                <a:spcPts val="0"/>
-              </a:spcBef>
-              <a:spcAft>
-                <a:spcPts val="1000"/>
-              </a:spcAft>
-              <a:buFont typeface="Arial" panose="020B0604020202020204" pitchFamily="34" charset="0"/>
-              <a:buNone/>
-              <a:defRPr sz="1600" u="none" strike="noStrike" kern="1200" cap="none" spc="150" normalizeH="0" baseline="0">
-                <a:solidFill>
-                  <a:schemeClr val="tx1">
-                    <a:tint val="75000"/>
-                  </a:schemeClr>
-                </a:solidFill>
-                <a:uFillTx/>
-                <a:latin typeface="+mn-lt"/>
-                <a:ea typeface="+mn-ea"/>
-                <a:cs typeface="+mn-cs"/>
-              </a:defRPr>
-            </a:lvl4pPr>
-            <a:lvl5pPr marL="1828800" indent="0" algn="l" defTabSz="914400" rtl="0" eaLnBrk="1" fontAlgn="auto" latinLnBrk="0" hangingPunct="1">
-              <a:lnSpc>
-                <a:spcPct val="130000"/>
-              </a:lnSpc>
-              <a:spcBef>
-                <a:spcPts val="0"/>
-              </a:spcBef>
-              <a:spcAft>
-                <a:spcPts val="1000"/>
-              </a:spcAft>
-              <a:buFont typeface="Arial" panose="020B0604020202020204" pitchFamily="34" charset="0"/>
-              <a:buNone/>
-              <a:defRPr sz="1600" u="none" strike="noStrike" kern="1200" cap="none" spc="150" normalizeH="0" baseline="0">
-                <a:solidFill>
-                  <a:schemeClr val="tx1">
-                    <a:tint val="75000"/>
-                  </a:schemeClr>
-                </a:solidFill>
-                <a:uFillTx/>
-                <a:latin typeface="+mn-lt"/>
-                <a:ea typeface="+mn-ea"/>
-                <a:cs typeface="+mn-cs"/>
-              </a:defRPr>
-            </a:lvl5pPr>
-            <a:lvl6pPr marL="2286000" indent="0" algn="l" defTabSz="914400" rtl="0" eaLnBrk="1" latinLnBrk="0" hangingPunct="1">
-              <a:lnSpc>
-                <a:spcPct val="90000"/>
-              </a:lnSpc>
-              <a:spcBef>
-                <a:spcPts val="500"/>
-              </a:spcBef>
-              <a:buFont typeface="Arial" panose="020B0604020202020204" pitchFamily="34" charset="0"/>
-              <a:buNone/>
-              <a:defRPr sz="1600" kern="1200">
-                <a:solidFill>
-                  <a:schemeClr val="tx1">
-                    <a:tint val="75000"/>
-                  </a:schemeClr>
-                </a:solidFill>
-                <a:latin typeface="+mn-lt"/>
-                <a:ea typeface="+mn-ea"/>
-                <a:cs typeface="+mn-cs"/>
-              </a:defRPr>
-            </a:lvl6pPr>
-            <a:lvl7pPr marL="2743200" indent="0" algn="l" defTabSz="914400" rtl="0" eaLnBrk="1" latinLnBrk="0" hangingPunct="1">
-              <a:lnSpc>
-                <a:spcPct val="90000"/>
-              </a:lnSpc>
-              <a:spcBef>
-                <a:spcPts val="500"/>
-              </a:spcBef>
-              <a:buFont typeface="Arial" panose="020B0604020202020204" pitchFamily="34" charset="0"/>
-              <a:buNone/>
-              <a:defRPr sz="1600" kern="1200">
-                <a:solidFill>
-                  <a:schemeClr val="tx1">
-                    <a:tint val="75000"/>
-                  </a:schemeClr>
-                </a:solidFill>
-                <a:latin typeface="+mn-lt"/>
-                <a:ea typeface="+mn-ea"/>
-                <a:cs typeface="+mn-cs"/>
-              </a:defRPr>
-            </a:lvl7pPr>
-            <a:lvl8pPr marL="3200400" indent="0" algn="l" defTabSz="914400" rtl="0" eaLnBrk="1" latinLnBrk="0" hangingPunct="1">
-              <a:lnSpc>
-                <a:spcPct val="90000"/>
-              </a:lnSpc>
-              <a:spcBef>
-                <a:spcPts val="500"/>
-              </a:spcBef>
-              <a:buFont typeface="Arial" panose="020B0604020202020204" pitchFamily="34" charset="0"/>
-              <a:buNone/>
-              <a:defRPr sz="1600" kern="1200">
-                <a:solidFill>
-                  <a:schemeClr val="tx1">
-                    <a:tint val="75000"/>
-                  </a:schemeClr>
-                </a:solidFill>
-                <a:latin typeface="+mn-lt"/>
-                <a:ea typeface="+mn-ea"/>
-                <a:cs typeface="+mn-cs"/>
-              </a:defRPr>
-            </a:lvl8pPr>
-            <a:lvl9pPr marL="3657600" indent="0" algn="l" defTabSz="914400" rtl="0" eaLnBrk="1" latinLnBrk="0" hangingPunct="1">
-              <a:lnSpc>
-                <a:spcPct val="90000"/>
-              </a:lnSpc>
-              <a:spcBef>
-                <a:spcPts val="500"/>
-              </a:spcBef>
-              <a:buFont typeface="Arial" panose="020B0604020202020204" pitchFamily="34" charset="0"/>
-              <a:buNone/>
-              <a:defRPr sz="1600" kern="1200">
-                <a:solidFill>
-                  <a:schemeClr val="tx1">
-                    <a:tint val="75000"/>
-                  </a:schemeClr>
-                </a:solidFill>
-                <a:latin typeface="+mn-lt"/>
-                <a:ea typeface="+mn-ea"/>
-                <a:cs typeface="+mn-cs"/>
-              </a:defRPr>
-            </a:lvl9pPr>
-          </a:lstStyle>
-          <a:p>
-            <a:pPr marL="285750" indent="-285750">
-              <a:buFont typeface="Arial" panose="020B0604020202020204" pitchFamily="34" charset="0"/>
-              <a:buChar char="•"/>
-            </a:pPr>
-            <a:r>
-              <a:rPr lang="zh-CN" altLang="en-US" dirty="0"/>
-              <a:t>请用刚刚写的代码计算下面的函数，查看误差是否变小了？</a:t>
-            </a:r>
-            <a:endParaRPr lang="en-US" altLang="zh-CN" dirty="0"/>
-          </a:p>
-          <a:p>
-            <a:pPr marL="285750" indent="-285750">
-              <a:buFont typeface="Arial" panose="020B0604020202020204" pitchFamily="34" charset="0"/>
-              <a:buChar char="•"/>
-            </a:pPr>
-            <a:endParaRPr lang="en-US" altLang="zh-CN" dirty="0"/>
-          </a:p>
-          <a:p>
-            <a:pPr marL="285750" indent="-285750">
-              <a:buFont typeface="Arial" panose="020B0604020202020204" pitchFamily="34" charset="0"/>
-              <a:buChar char="•"/>
-            </a:pPr>
-            <a:r>
-              <a:rPr lang="zh-CN" altLang="en-US" dirty="0"/>
-              <a:t>自学、展学</a:t>
-            </a:r>
-          </a:p>
-          <a:p>
-            <a:pPr marL="285750" indent="-285750">
-              <a:buFont typeface="Arial" panose="020B0604020202020204" pitchFamily="34" charset="0"/>
-              <a:buChar char="•"/>
-            </a:pPr>
-            <a:endParaRPr lang="zh-CN" altLang="en-US" dirty="0"/>
-          </a:p>
-          <a:p>
-            <a:pPr marL="285750" indent="-285750">
-              <a:buFont typeface="Arial" panose="020B0604020202020204" pitchFamily="34" charset="0"/>
-              <a:buChar char="•"/>
-            </a:pPr>
-            <a:endParaRPr lang="en-US" altLang="zh-CN" dirty="0"/>
-          </a:p>
-          <a:p>
-            <a:pPr marL="285750" indent="-285750">
-              <a:buFont typeface="Arial" panose="020B0604020202020204" pitchFamily="34" charset="0"/>
-              <a:buChar char="•"/>
-            </a:pPr>
-            <a:endParaRPr lang="zh-CN" altLang="en-US" dirty="0"/>
-          </a:p>
-          <a:p>
-            <a:pPr marL="285750" indent="-285750">
-              <a:buFont typeface="Arial" panose="020B0604020202020204" pitchFamily="34" charset="0"/>
-              <a:buChar char="•"/>
-            </a:pPr>
-            <a:endParaRPr lang="zh-CN" altLang="en-US" dirty="0"/>
-          </a:p>
-          <a:p>
-            <a:pPr marL="285750" indent="-285750">
-              <a:buFont typeface="Arial" panose="020B0604020202020204" pitchFamily="34" charset="0"/>
-              <a:buChar char="•"/>
-            </a:pPr>
-            <a:endParaRPr lang="zh-CN" altLang="en-US" dirty="0"/>
-          </a:p>
-          <a:p>
-            <a:pPr marL="285750" indent="-285750">
-              <a:buFont typeface="Arial" panose="020B0604020202020204" pitchFamily="34" charset="0"/>
-              <a:buChar char="•"/>
-            </a:pPr>
-            <a:endParaRPr lang="zh-CN" altLang="en-US" dirty="0"/>
-          </a:p>
-          <a:p>
-            <a:pPr marL="285750" indent="-285750">
-              <a:buFont typeface="Arial" panose="020B0604020202020204" pitchFamily="34" charset="0"/>
-              <a:buChar char="•"/>
-            </a:pPr>
-            <a:endParaRPr lang="zh-CN" altLang="en-US" dirty="0"/>
-          </a:p>
-          <a:p>
-            <a:pPr marL="285750" indent="-285750">
-              <a:buFont typeface="Arial" panose="020B0604020202020204" pitchFamily="34" charset="0"/>
-              <a:buChar char="•"/>
-            </a:pPr>
-            <a:endParaRPr lang="zh-CN" altLang="en-US" dirty="0"/>
-          </a:p>
-          <a:p>
-            <a:pPr marL="285750" indent="-285750">
-              <a:buFont typeface="Arial" panose="020B0604020202020204" pitchFamily="34" charset="0"/>
-              <a:buChar char="•"/>
-            </a:pPr>
-            <a:endParaRPr lang="zh-CN" altLang="en-US" dirty="0"/>
-          </a:p>
-        </p:txBody>
-      </p:sp>
-      <p:pic>
-        <p:nvPicPr>
-          <p:cNvPr id="2" name="图片 1">
-            <a:extLst>
-              <a:ext uri="{FF2B5EF4-FFF2-40B4-BE49-F238E27FC236}">
-                <a16:creationId xmlns:a16="http://schemas.microsoft.com/office/drawing/2014/main" id="{3FA6BDAC-BABD-0061-F3EE-2D9FCA382121}"/>
-              </a:ext>
-            </a:extLst>
-          </p:cNvPr>
-          <p:cNvPicPr>
-            <a:picLocks noChangeAspect="1"/>
-          </p:cNvPicPr>
-          <p:nvPr/>
-        </p:nvPicPr>
-        <p:blipFill>
-          <a:blip r:embed="rId3">
-            <a:extLst>
-              <a:ext uri="{28A0092B-C50C-407E-A947-70E740481C1C}">
-                <a14:useLocalDpi xmlns:a14="http://schemas.microsoft.com/office/drawing/2010/main" val="0"/>
-              </a:ext>
-            </a:extLst>
-          </a:blip>
-          <a:stretch>
-            <a:fillRect/>
-          </a:stretch>
-        </p:blipFill>
-        <p:spPr>
-          <a:xfrm>
-            <a:off x="7698991" y="1778635"/>
-            <a:ext cx="1778000" cy="508000"/>
-          </a:xfrm>
-          <a:prstGeom prst="rect">
-            <a:avLst/>
-          </a:prstGeom>
-        </p:spPr>
-      </p:pic>
-    </p:spTree>
-    <p:custDataLst>
-      <p:tags r:id="rId1"/>
-    </p:custDataLst>
-    <p:extLst>
-      <p:ext uri="{BB962C8B-B14F-4D97-AF65-F5344CB8AC3E}">
-        <p14:creationId xmlns:p14="http://schemas.microsoft.com/office/powerpoint/2010/main" val="2040578817"/>
+        <p14:creationId xmlns:p14="http://schemas.microsoft.com/office/powerpoint/2010/main" val="3005130836"/>
       </p:ext>
     </p:extLst>
   </p:cSld>
@@ -7627,10 +7140,16 @@
               <a:t>主问题：</a:t>
             </a:r>
             <a:r>
-              <a:rPr lang="zh-CN" altLang="en-US" dirty="0">
+              <a:rPr lang="en-US" dirty="0">
                 <a:sym typeface="+mn-ea"/>
               </a:rPr>
-              <a:t>梯度检查的思路是什么</a:t>
+              <a:t>	</a:t>
+            </a:r>
+            <a:r>
+              <a:rPr lang="en-US" dirty="0" err="1">
+                <a:sym typeface="+mn-ea"/>
+              </a:rPr>
+              <a:t>如何判断训练是否收敛</a:t>
             </a:r>
             <a:r>
               <a:rPr lang="zh-CN" altLang="en-US" dirty="0"/>
@@ -7645,7 +7164,7 @@
     </p:custDataLst>
     <p:extLst>
       <p:ext uri="{BB962C8B-B14F-4D97-AF65-F5344CB8AC3E}">
-        <p14:creationId xmlns:p14="http://schemas.microsoft.com/office/powerpoint/2010/main" val="3835540084"/>
+        <p14:creationId xmlns:p14="http://schemas.microsoft.com/office/powerpoint/2010/main" val="1309111417"/>
       </p:ext>
     </p:extLst>
   </p:cSld>
@@ -7691,7 +7210,7 @@
               <a:rPr lang="zh-CN" altLang="en-US" dirty="0">
                 <a:sym typeface="+mn-ea"/>
               </a:rPr>
-              <a:t>主问题：梯度检查的思路是什么</a:t>
+              <a:t>主问题：	如何判断训练是否收敛</a:t>
             </a:r>
             <a:r>
               <a:rPr lang="zh-CN" altLang="en-US" dirty="0"/>
@@ -7938,7 +7457,7 @@
             </a:pPr>
             <a:r>
               <a:rPr lang="zh-CN" altLang="en-US" dirty="0"/>
-              <a:t>梯度是否为导数？</a:t>
+              <a:t>我们之前是如何判断的？</a:t>
             </a:r>
             <a:endParaRPr lang="en-US" altLang="zh-CN" dirty="0"/>
           </a:p>
@@ -7949,26 +7468,41 @@
             </a:pPr>
             <a:r>
               <a:rPr lang="zh-CN" altLang="en-US" dirty="0"/>
-              <a:t>如何用导数定义的公式计算梯度？</a:t>
+              <a:t>现在还行得通吗？</a:t>
             </a:r>
             <a:endParaRPr lang="en-US" altLang="zh-CN" dirty="0"/>
           </a:p>
           <a:p>
-            <a:pPr marL="285750" indent="-285750">
+            <a:pPr marL="742950" lvl="1" indent="-285750">
               <a:buFont typeface="Arial" panose="020B0604020202020204" pitchFamily="34" charset="0"/>
               <a:buChar char="•"/>
             </a:pPr>
             <a:r>
               <a:rPr lang="zh-CN" altLang="en-US" dirty="0"/>
-              <a:t>所以如何检查梯度是否正确？</a:t>
+              <a:t>损失函数需要改变吗？</a:t>
             </a:r>
             <a:endParaRPr lang="en-US" altLang="zh-CN" dirty="0"/>
           </a:p>
           <a:p>
-            <a:pPr marL="285750" indent="-285750">
-              <a:buFont typeface="Arial" panose="020B0604020202020204" pitchFamily="34" charset="0"/>
-              <a:buChar char="•"/>
-            </a:pPr>
+            <a:pPr marL="742950" lvl="1" indent="-285750">
+              <a:buFont typeface="Arial" panose="020B0604020202020204" pitchFamily="34" charset="0"/>
+              <a:buChar char="•"/>
+            </a:pPr>
+            <a:r>
+              <a:rPr lang="zh-CN" altLang="en-US" dirty="0"/>
+              <a:t>如何改变？</a:t>
+            </a:r>
+            <a:endParaRPr lang="en-US" altLang="zh-CN" dirty="0"/>
+          </a:p>
+          <a:p>
+            <a:pPr marL="285750" indent="-285750">
+              <a:buFont typeface="Arial" panose="020B0604020202020204" pitchFamily="34" charset="0"/>
+              <a:buChar char="•"/>
+            </a:pPr>
+            <a:r>
+              <a:rPr lang="zh-CN" altLang="en-US" dirty="0"/>
+              <a:t>除了判断误差的方法，还有其它的方法吗？</a:t>
+            </a:r>
             <a:endParaRPr lang="en-US" altLang="zh-CN" dirty="0"/>
           </a:p>
           <a:p>
@@ -8055,10 +7589,10 @@
       </p:sp>
       <p:pic>
         <p:nvPicPr>
-          <p:cNvPr id="5" name="图片 4">
+          <p:cNvPr id="2" name="图片 1">
             <a:extLst>
               <a:ext uri="{FF2B5EF4-FFF2-40B4-BE49-F238E27FC236}">
-                <a16:creationId xmlns:a16="http://schemas.microsoft.com/office/drawing/2014/main" id="{87E70998-9A62-ABF9-182A-D6DA071F087A}"/>
+                <a16:creationId xmlns:a16="http://schemas.microsoft.com/office/drawing/2014/main" id="{CA600057-D2C2-83AA-1092-E4DC0154BC43}"/>
               </a:ext>
             </a:extLst>
           </p:cNvPr>
@@ -8081,197 +7615,8 @@
         </p:blipFill>
         <p:spPr>
           <a:xfrm>
-            <a:off x="4581281" y="1685865"/>
-            <a:ext cx="825500" cy="774700"/>
-          </a:xfrm>
-          <a:prstGeom prst="rect">
-            <a:avLst/>
-          </a:prstGeom>
-        </p:spPr>
-      </p:pic>
-      <p:sp>
-        <p:nvSpPr>
-          <p:cNvPr id="11" name="文本框 10">
-            <a:extLst>
-              <a:ext uri="{FF2B5EF4-FFF2-40B4-BE49-F238E27FC236}">
-                <a16:creationId xmlns:a16="http://schemas.microsoft.com/office/drawing/2014/main" id="{069A95F0-6D65-2D80-0CC2-47C99580F3D7}"/>
-              </a:ext>
-            </a:extLst>
-          </p:cNvPr>
-          <p:cNvSpPr txBox="1"/>
-          <p:nvPr/>
-        </p:nvSpPr>
-        <p:spPr>
-          <a:xfrm>
-            <a:off x="3649088" y="4969862"/>
-            <a:ext cx="7141934" cy="1200329"/>
-          </a:xfrm>
-          <a:prstGeom prst="rect">
-            <a:avLst/>
-          </a:prstGeom>
-          <a:noFill/>
-        </p:spPr>
-        <p:txBody>
-          <a:bodyPr wrap="square" rtlCol="0">
-            <a:spAutoFit/>
-          </a:bodyPr>
-          <a:lstStyle/>
-          <a:p>
-            <a:r>
-              <a:rPr lang="zh-CN" altLang="en-US" b="0" i="0" dirty="0">
-                <a:solidFill>
-                  <a:srgbClr val="333333"/>
-                </a:solidFill>
-                <a:effectLst/>
-                <a:latin typeface="PingFang SC" panose="020B0400000000000000" pitchFamily="34" charset="-122"/>
-                <a:ea typeface="PingFang SC" panose="020B0400000000000000" pitchFamily="34" charset="-122"/>
-              </a:rPr>
-              <a:t>我们使用导数定义公式来计算的值；</a:t>
-            </a:r>
-            <a:endParaRPr lang="en-US" altLang="zh-CN" b="0" i="0" dirty="0">
-              <a:solidFill>
-                <a:srgbClr val="333333"/>
-              </a:solidFill>
-              <a:effectLst/>
-              <a:latin typeface="PingFang SC" panose="020B0400000000000000" pitchFamily="34" charset="-122"/>
-              <a:ea typeface="PingFang SC" panose="020B0400000000000000" pitchFamily="34" charset="-122"/>
-            </a:endParaRPr>
-          </a:p>
-          <a:p>
-            <a:r>
-              <a:rPr lang="zh-CN" altLang="en-US" b="0" i="0" dirty="0">
-                <a:solidFill>
-                  <a:srgbClr val="333333"/>
-                </a:solidFill>
-                <a:effectLst/>
-                <a:latin typeface="PingFang SC" panose="020B0400000000000000" pitchFamily="34" charset="-122"/>
-                <a:ea typeface="PingFang SC" panose="020B0400000000000000" pitchFamily="34" charset="-122"/>
-              </a:rPr>
-              <a:t>然后同后向传播计算的梯度值进行比较。</a:t>
-            </a:r>
-            <a:endParaRPr lang="en-US" altLang="zh-CN" b="0" i="0" dirty="0">
-              <a:solidFill>
-                <a:srgbClr val="333333"/>
-              </a:solidFill>
-              <a:effectLst/>
-              <a:latin typeface="PingFang SC" panose="020B0400000000000000" pitchFamily="34" charset="-122"/>
-              <a:ea typeface="PingFang SC" panose="020B0400000000000000" pitchFamily="34" charset="-122"/>
-            </a:endParaRPr>
-          </a:p>
-          <a:p>
-            <a:endParaRPr lang="en-US" altLang="zh-CN" b="0" i="0" dirty="0">
-              <a:solidFill>
-                <a:srgbClr val="333333"/>
-              </a:solidFill>
-              <a:effectLst/>
-              <a:latin typeface="PingFang SC" panose="020B0400000000000000" pitchFamily="34" charset="-122"/>
-              <a:ea typeface="PingFang SC" panose="020B0400000000000000" pitchFamily="34" charset="-122"/>
-            </a:endParaRPr>
-          </a:p>
-          <a:p>
-            <a:r>
-              <a:rPr lang="zh-CN" altLang="en-US" b="0" i="0" dirty="0">
-                <a:solidFill>
-                  <a:srgbClr val="333333"/>
-                </a:solidFill>
-                <a:effectLst/>
-                <a:latin typeface="PingFang SC" panose="020B0400000000000000" pitchFamily="34" charset="-122"/>
-                <a:ea typeface="PingFang SC" panose="020B0400000000000000" pitchFamily="34" charset="-122"/>
-              </a:rPr>
-              <a:t>如果两者的误差小于</a:t>
-            </a:r>
-            <a:r>
-              <a:rPr lang="en-US" altLang="zh-CN" b="0" i="0" dirty="0">
-                <a:solidFill>
-                  <a:srgbClr val="333333"/>
-                </a:solidFill>
-                <a:effectLst/>
-                <a:latin typeface="PingFang SC" panose="020B0400000000000000" pitchFamily="34" charset="-122"/>
-                <a:ea typeface="PingFang SC" panose="020B0400000000000000" pitchFamily="34" charset="-122"/>
-              </a:rPr>
-              <a:t>1e-4</a:t>
-            </a:r>
-            <a:r>
-              <a:rPr lang="zh-CN" altLang="en-US" b="0" i="0" dirty="0">
-                <a:solidFill>
-                  <a:srgbClr val="333333"/>
-                </a:solidFill>
-                <a:effectLst/>
-                <a:latin typeface="PingFang SC" panose="020B0400000000000000" pitchFamily="34" charset="-122"/>
-                <a:ea typeface="PingFang SC" panose="020B0400000000000000" pitchFamily="34" charset="-122"/>
-              </a:rPr>
-              <a:t>，那么就说明后向传播的代码是正确的。</a:t>
-            </a:r>
-            <a:endParaRPr kumimoji="1" lang="zh-CN" altLang="en-US" dirty="0"/>
-          </a:p>
-        </p:txBody>
-      </p:sp>
-      <p:pic>
-        <p:nvPicPr>
-          <p:cNvPr id="12" name="图片 11">
-            <a:extLst>
-              <a:ext uri="{FF2B5EF4-FFF2-40B4-BE49-F238E27FC236}">
-                <a16:creationId xmlns:a16="http://schemas.microsoft.com/office/drawing/2014/main" id="{6C726B10-0C9C-3A91-CCE7-6A7FC561E26E}"/>
-              </a:ext>
-            </a:extLst>
-          </p:cNvPr>
-          <p:cNvPicPr>
-            <a:picLocks noChangeAspect="1"/>
-          </p:cNvPicPr>
-          <p:nvPr/>
-        </p:nvPicPr>
-        <p:blipFill>
-          <a:blip r:embed="rId4">
-            <a:extLst>
-              <a:ext uri="{28A0092B-C50C-407E-A947-70E740481C1C}">
-                <a14:useLocalDpi xmlns:a14="http://schemas.microsoft.com/office/drawing/2010/main" val="0"/>
-              </a:ext>
-            </a:extLst>
-          </a:blip>
-          <a:stretch>
-            <a:fillRect/>
-          </a:stretch>
-        </p:blipFill>
-        <p:spPr>
-          <a:xfrm>
-            <a:off x="6978372" y="2019308"/>
-            <a:ext cx="3492500" cy="685800"/>
-          </a:xfrm>
-          <a:prstGeom prst="rect">
-            <a:avLst/>
-          </a:prstGeom>
-        </p:spPr>
-      </p:pic>
-      <p:pic>
-        <p:nvPicPr>
-          <p:cNvPr id="13" name="图片 12">
-            <a:extLst>
-              <a:ext uri="{FF2B5EF4-FFF2-40B4-BE49-F238E27FC236}">
-                <a16:creationId xmlns:a16="http://schemas.microsoft.com/office/drawing/2014/main" id="{6A463681-D002-97CA-86E6-3274768368B8}"/>
-              </a:ext>
-            </a:extLst>
-          </p:cNvPr>
-          <p:cNvPicPr>
-            <a:picLocks noChangeAspect="1"/>
-          </p:cNvPicPr>
-          <p:nvPr/>
-        </p:nvPicPr>
-        <p:blipFill>
-          <a:blip r:embed="rId5">
-            <a:extLst>
-              <a:ext uri="{28A0092B-C50C-407E-A947-70E740481C1C}">
-                <a14:useLocalDpi xmlns:a14="http://schemas.microsoft.com/office/drawing/2010/main" val="0"/>
-              </a:ext>
-            </a:extLst>
-          </a:blip>
-          <a:stretch>
-            <a:fillRect/>
-          </a:stretch>
-        </p:blipFill>
-        <p:spPr>
-          <a:xfrm>
-            <a:off x="5968720" y="2898059"/>
-            <a:ext cx="5122845" cy="1801575"/>
+            <a:off x="6914818" y="2187018"/>
+            <a:ext cx="4454857" cy="1539420"/>
           </a:xfrm>
           <a:prstGeom prst="rect">
             <a:avLst/>
@@ -8284,7 +7629,682 @@
     </p:custDataLst>
     <p:extLst>
       <p:ext uri="{BB962C8B-B14F-4D97-AF65-F5344CB8AC3E}">
-        <p14:creationId xmlns:p14="http://schemas.microsoft.com/office/powerpoint/2010/main" val="2254005285"/>
+        <p14:creationId xmlns:p14="http://schemas.microsoft.com/office/powerpoint/2010/main" val="2718947421"/>
+      </p:ext>
+    </p:extLst>
+  </p:cSld>
+  <p:clrMapOvr>
+    <a:masterClrMapping/>
+  </p:clrMapOvr>
+  <p:timing>
+    <p:tnLst>
+      <p:par>
+        <p:cTn id="1" dur="indefinite" restart="never" nodeType="tmRoot">
+          <p:childTnLst>
+            <p:seq concurrent="1" nextAc="seek">
+              <p:cTn id="2" dur="indefinite" nodeType="mainSeq">
+                <p:childTnLst>
+                  <p:par>
+                    <p:cTn id="3" fill="hold">
+                      <p:stCondLst>
+                        <p:cond delay="indefinite"/>
+                      </p:stCondLst>
+                      <p:childTnLst>
+                        <p:par>
+                          <p:cTn id="4" fill="hold">
+                            <p:stCondLst>
+                              <p:cond delay="0"/>
+                            </p:stCondLst>
+                            <p:childTnLst>
+                              <p:par>
+                                <p:cTn id="5" presetID="1" presetClass="entr" presetSubtype="0" fill="hold" grpId="0" nodeType="clickEffect">
+                                  <p:stCondLst>
+                                    <p:cond delay="0"/>
+                                  </p:stCondLst>
+                                  <p:childTnLst>
+                                    <p:set>
+                                      <p:cBhvr>
+                                        <p:cTn id="6" dur="1" fill="hold">
+                                          <p:stCondLst>
+                                            <p:cond delay="0"/>
+                                          </p:stCondLst>
+                                        </p:cTn>
+                                        <p:tgtEl>
+                                          <p:spTgt spid="6"/>
+                                        </p:tgtEl>
+                                        <p:attrNameLst>
+                                          <p:attrName>style.visibility</p:attrName>
+                                        </p:attrNameLst>
+                                      </p:cBhvr>
+                                      <p:to>
+                                        <p:strVal val="visible"/>
+                                      </p:to>
+                                    </p:set>
+                                  </p:childTnLst>
+                                </p:cTn>
+                              </p:par>
+                            </p:childTnLst>
+                          </p:cTn>
+                        </p:par>
+                      </p:childTnLst>
+                    </p:cTn>
+                  </p:par>
+                  <p:par>
+                    <p:cTn id="7" fill="hold">
+                      <p:stCondLst>
+                        <p:cond delay="indefinite"/>
+                      </p:stCondLst>
+                      <p:childTnLst>
+                        <p:par>
+                          <p:cTn id="8" fill="hold">
+                            <p:stCondLst>
+                              <p:cond delay="0"/>
+                            </p:stCondLst>
+                            <p:childTnLst>
+                              <p:par>
+                                <p:cTn id="9" presetID="1" presetClass="entr" presetSubtype="0" fill="hold" nodeType="clickEffect">
+                                  <p:stCondLst>
+                                    <p:cond delay="0"/>
+                                  </p:stCondLst>
+                                  <p:childTnLst>
+                                    <p:set>
+                                      <p:cBhvr>
+                                        <p:cTn id="10" dur="1" fill="hold">
+                                          <p:stCondLst>
+                                            <p:cond delay="0"/>
+                                          </p:stCondLst>
+                                        </p:cTn>
+                                        <p:tgtEl>
+                                          <p:spTgt spid="2"/>
+                                        </p:tgtEl>
+                                        <p:attrNameLst>
+                                          <p:attrName>style.visibility</p:attrName>
+                                        </p:attrNameLst>
+                                      </p:cBhvr>
+                                      <p:to>
+                                        <p:strVal val="visible"/>
+                                      </p:to>
+                                    </p:set>
+                                  </p:childTnLst>
+                                </p:cTn>
+                              </p:par>
+                            </p:childTnLst>
+                          </p:cTn>
+                        </p:par>
+                      </p:childTnLst>
+                    </p:cTn>
+                  </p:par>
+                </p:childTnLst>
+              </p:cTn>
+              <p:prevCondLst>
+                <p:cond evt="onPrev" delay="0">
+                  <p:tgtEl>
+                    <p:sldTgt/>
+                  </p:tgtEl>
+                </p:cond>
+              </p:prevCondLst>
+              <p:nextCondLst>
+                <p:cond evt="onNext" delay="0">
+                  <p:tgtEl>
+                    <p:sldTgt/>
+                  </p:tgtEl>
+                </p:cond>
+              </p:nextCondLst>
+            </p:seq>
+          </p:childTnLst>
+        </p:cTn>
+      </p:par>
+    </p:tnLst>
+    <p:bldLst>
+      <p:bldP spid="6" grpId="0"/>
+    </p:bldLst>
+  </p:timing>
+</p:sld>
+</file>
+
+<file path=ppt/slides/slide14.xml><?xml version="1.0" encoding="utf-8"?>
+<p:sld xmlns:a="http://schemas.openxmlformats.org/drawingml/2006/main" xmlns:r="http://schemas.openxmlformats.org/officeDocument/2006/relationships" xmlns:p="http://schemas.openxmlformats.org/presentationml/2006/main">
+  <p:cSld>
+    <p:spTree>
+      <p:nvGrpSpPr>
+        <p:cNvPr id="1" name=""/>
+        <p:cNvGrpSpPr/>
+        <p:nvPr/>
+      </p:nvGrpSpPr>
+      <p:grpSpPr>
+        <a:xfrm>
+          <a:off x="0" y="0"/>
+          <a:ext cx="0" cy="0"/>
+          <a:chOff x="0" y="0"/>
+          <a:chExt cx="0" cy="0"/>
+        </a:xfrm>
+      </p:grpSpPr>
+      <p:sp>
+        <p:nvSpPr>
+          <p:cNvPr id="2" name="标题 1"/>
+          <p:cNvSpPr>
+            <a:spLocks noGrp="1"/>
+          </p:cNvSpPr>
+          <p:nvPr>
+            <p:ph type="title"/>
+          </p:nvPr>
+        </p:nvSpPr>
+        <p:spPr/>
+        <p:txBody>
+          <a:bodyPr/>
+          <a:lstStyle/>
+          <a:p>
+            <a:r>
+              <a:rPr lang="zh-CN" altLang="en-US" dirty="0">
+                <a:sym typeface="+mn-ea"/>
+              </a:rPr>
+              <a:t>任务</a:t>
+            </a:r>
+            <a:r>
+              <a:rPr dirty="0">
+                <a:sym typeface="+mn-ea"/>
+              </a:rPr>
+              <a:t>：</a:t>
+            </a:r>
+            <a:r>
+              <a:rPr lang="en-US" dirty="0" err="1">
+                <a:sym typeface="+mn-ea"/>
+              </a:rPr>
+              <a:t>实现</a:t>
+            </a:r>
+            <a:r>
+              <a:rPr lang="zh-CN" altLang="en-US" dirty="0">
+                <a:sym typeface="+mn-ea"/>
+              </a:rPr>
+              <a:t>训练</a:t>
+            </a:r>
+            <a:endParaRPr lang="zh-CN" altLang="en-US" dirty="0"/>
+          </a:p>
+        </p:txBody>
+      </p:sp>
+    </p:spTree>
+    <p:custDataLst>
+      <p:tags r:id="rId1"/>
+    </p:custDataLst>
+    <p:extLst>
+      <p:ext uri="{BB962C8B-B14F-4D97-AF65-F5344CB8AC3E}">
+        <p14:creationId xmlns:p14="http://schemas.microsoft.com/office/powerpoint/2010/main" val="1274209751"/>
+      </p:ext>
+    </p:extLst>
+  </p:cSld>
+  <p:clrMapOvr>
+    <a:masterClrMapping/>
+  </p:clrMapOvr>
+</p:sld>
+</file>
+
+<file path=ppt/slides/slide15.xml><?xml version="1.0" encoding="utf-8"?>
+<p:sld xmlns:a="http://schemas.openxmlformats.org/drawingml/2006/main" xmlns:r="http://schemas.openxmlformats.org/officeDocument/2006/relationships" xmlns:p="http://schemas.openxmlformats.org/presentationml/2006/main">
+  <p:cSld>
+    <p:spTree>
+      <p:nvGrpSpPr>
+        <p:cNvPr id="1" name=""/>
+        <p:cNvGrpSpPr/>
+        <p:nvPr/>
+      </p:nvGrpSpPr>
+      <p:grpSpPr>
+        <a:xfrm>
+          <a:off x="0" y="0"/>
+          <a:ext cx="0" cy="0"/>
+          <a:chOff x="0" y="0"/>
+          <a:chExt cx="0" cy="0"/>
+        </a:xfrm>
+      </p:grpSpPr>
+      <p:sp>
+        <p:nvSpPr>
+          <p:cNvPr id="3" name="标题 2"/>
+          <p:cNvSpPr>
+            <a:spLocks noGrp="1"/>
+          </p:cNvSpPr>
+          <p:nvPr>
+            <p:ph type="title"/>
+          </p:nvPr>
+        </p:nvSpPr>
+        <p:spPr/>
+        <p:txBody>
+          <a:bodyPr/>
+          <a:lstStyle/>
+          <a:p>
+            <a:r>
+              <a:rPr lang="zh-CN" altLang="en-US" dirty="0">
+                <a:sym typeface="+mn-ea"/>
+              </a:rPr>
+              <a:t>任务：实现训练</a:t>
+            </a:r>
+            <a:endParaRPr dirty="0">
+              <a:sym typeface="+mn-ea"/>
+            </a:endParaRPr>
+          </a:p>
+        </p:txBody>
+      </p:sp>
+      <p:sp>
+        <p:nvSpPr>
+          <p:cNvPr id="6" name="文本占位符 1">
+            <a:extLst>
+              <a:ext uri="{FF2B5EF4-FFF2-40B4-BE49-F238E27FC236}">
+                <a16:creationId xmlns:a16="http://schemas.microsoft.com/office/drawing/2014/main" id="{BA88068A-4FDC-6963-46A5-ADEC46CDA15E}"/>
+              </a:ext>
+            </a:extLst>
+          </p:cNvPr>
+          <p:cNvSpPr txBox="1">
+            <a:spLocks/>
+          </p:cNvSpPr>
+          <p:nvPr/>
+        </p:nvSpPr>
+        <p:spPr>
+          <a:xfrm>
+            <a:off x="822325" y="1778635"/>
+            <a:ext cx="10852150" cy="4553585"/>
+          </a:xfrm>
+        </p:spPr>
+        <p:txBody>
+          <a:bodyPr lIns="101600" tIns="38100" rIns="76200" bIns="38100">
+            <a:noAutofit/>
+          </a:bodyPr>
+          <a:lstStyle>
+            <a:lvl1pPr marL="0" indent="0" algn="l" defTabSz="914400" rtl="0" eaLnBrk="1" fontAlgn="auto" latinLnBrk="0" hangingPunct="1">
+              <a:lnSpc>
+                <a:spcPct val="130000"/>
+              </a:lnSpc>
+              <a:spcBef>
+                <a:spcPts val="0"/>
+              </a:spcBef>
+              <a:spcAft>
+                <a:spcPts val="1000"/>
+              </a:spcAft>
+              <a:buFont typeface="Arial" panose="020B0604020202020204" pitchFamily="34" charset="0"/>
+              <a:buNone/>
+              <a:defRPr kumimoji="0" lang="zh-CN" altLang="en-US" sz="1600" b="0" i="0" u="none" strike="noStrike" kern="1200" cap="none" spc="150" normalizeH="0" baseline="0" noProof="1">
+                <a:solidFill>
+                  <a:schemeClr val="tx1"/>
+                </a:solidFill>
+                <a:uFillTx/>
+                <a:latin typeface="+mn-lt"/>
+                <a:ea typeface="+mn-ea"/>
+                <a:cs typeface="+mn-cs"/>
+                <a:sym typeface="+mn-ea"/>
+              </a:defRPr>
+            </a:lvl1pPr>
+            <a:lvl2pPr marL="457200" indent="0" algn="l" defTabSz="914400" rtl="0" eaLnBrk="1" fontAlgn="auto" latinLnBrk="0" hangingPunct="1">
+              <a:lnSpc>
+                <a:spcPct val="130000"/>
+              </a:lnSpc>
+              <a:spcBef>
+                <a:spcPts val="0"/>
+              </a:spcBef>
+              <a:spcAft>
+                <a:spcPts val="1000"/>
+              </a:spcAft>
+              <a:buFont typeface="Arial" panose="020B0604020202020204" pitchFamily="34" charset="0"/>
+              <a:buNone/>
+              <a:tabLst>
+                <a:tab pos="1609725" algn="l"/>
+              </a:tabLst>
+              <a:defRPr sz="2000" u="none" strike="noStrike" kern="1200" cap="none" spc="150" normalizeH="0" baseline="0">
+                <a:solidFill>
+                  <a:schemeClr val="tx1">
+                    <a:tint val="75000"/>
+                  </a:schemeClr>
+                </a:solidFill>
+                <a:uFillTx/>
+                <a:latin typeface="+mn-lt"/>
+                <a:ea typeface="+mn-ea"/>
+                <a:cs typeface="+mn-cs"/>
+              </a:defRPr>
+            </a:lvl2pPr>
+            <a:lvl3pPr marL="914400" indent="0" algn="l" defTabSz="914400" rtl="0" eaLnBrk="1" fontAlgn="auto" latinLnBrk="0" hangingPunct="1">
+              <a:lnSpc>
+                <a:spcPct val="130000"/>
+              </a:lnSpc>
+              <a:spcBef>
+                <a:spcPts val="0"/>
+              </a:spcBef>
+              <a:spcAft>
+                <a:spcPts val="1000"/>
+              </a:spcAft>
+              <a:buFont typeface="Arial" panose="020B0604020202020204" pitchFamily="34" charset="0"/>
+              <a:buNone/>
+              <a:defRPr sz="1800" u="none" strike="noStrike" kern="1200" cap="none" spc="150" normalizeH="0" baseline="0">
+                <a:solidFill>
+                  <a:schemeClr val="tx1">
+                    <a:tint val="75000"/>
+                  </a:schemeClr>
+                </a:solidFill>
+                <a:uFillTx/>
+                <a:latin typeface="+mn-lt"/>
+                <a:ea typeface="+mn-ea"/>
+                <a:cs typeface="+mn-cs"/>
+              </a:defRPr>
+            </a:lvl3pPr>
+            <a:lvl4pPr marL="1371600" indent="0" algn="l" defTabSz="914400" rtl="0" eaLnBrk="1" fontAlgn="auto" latinLnBrk="0" hangingPunct="1">
+              <a:lnSpc>
+                <a:spcPct val="130000"/>
+              </a:lnSpc>
+              <a:spcBef>
+                <a:spcPts val="0"/>
+              </a:spcBef>
+              <a:spcAft>
+                <a:spcPts val="1000"/>
+              </a:spcAft>
+              <a:buFont typeface="Arial" panose="020B0604020202020204" pitchFamily="34" charset="0"/>
+              <a:buNone/>
+              <a:defRPr sz="1600" u="none" strike="noStrike" kern="1200" cap="none" spc="150" normalizeH="0" baseline="0">
+                <a:solidFill>
+                  <a:schemeClr val="tx1">
+                    <a:tint val="75000"/>
+                  </a:schemeClr>
+                </a:solidFill>
+                <a:uFillTx/>
+                <a:latin typeface="+mn-lt"/>
+                <a:ea typeface="+mn-ea"/>
+                <a:cs typeface="+mn-cs"/>
+              </a:defRPr>
+            </a:lvl4pPr>
+            <a:lvl5pPr marL="1828800" indent="0" algn="l" defTabSz="914400" rtl="0" eaLnBrk="1" fontAlgn="auto" latinLnBrk="0" hangingPunct="1">
+              <a:lnSpc>
+                <a:spcPct val="130000"/>
+              </a:lnSpc>
+              <a:spcBef>
+                <a:spcPts val="0"/>
+              </a:spcBef>
+              <a:spcAft>
+                <a:spcPts val="1000"/>
+              </a:spcAft>
+              <a:buFont typeface="Arial" panose="020B0604020202020204" pitchFamily="34" charset="0"/>
+              <a:buNone/>
+              <a:defRPr sz="1600" u="none" strike="noStrike" kern="1200" cap="none" spc="150" normalizeH="0" baseline="0">
+                <a:solidFill>
+                  <a:schemeClr val="tx1">
+                    <a:tint val="75000"/>
+                  </a:schemeClr>
+                </a:solidFill>
+                <a:uFillTx/>
+                <a:latin typeface="+mn-lt"/>
+                <a:ea typeface="+mn-ea"/>
+                <a:cs typeface="+mn-cs"/>
+              </a:defRPr>
+            </a:lvl5pPr>
+            <a:lvl6pPr marL="2286000" indent="0" algn="l" defTabSz="914400" rtl="0" eaLnBrk="1" latinLnBrk="0" hangingPunct="1">
+              <a:lnSpc>
+                <a:spcPct val="90000"/>
+              </a:lnSpc>
+              <a:spcBef>
+                <a:spcPts val="500"/>
+              </a:spcBef>
+              <a:buFont typeface="Arial" panose="020B0604020202020204" pitchFamily="34" charset="0"/>
+              <a:buNone/>
+              <a:defRPr sz="1600" kern="1200">
+                <a:solidFill>
+                  <a:schemeClr val="tx1">
+                    <a:tint val="75000"/>
+                  </a:schemeClr>
+                </a:solidFill>
+                <a:latin typeface="+mn-lt"/>
+                <a:ea typeface="+mn-ea"/>
+                <a:cs typeface="+mn-cs"/>
+              </a:defRPr>
+            </a:lvl6pPr>
+            <a:lvl7pPr marL="2743200" indent="0" algn="l" defTabSz="914400" rtl="0" eaLnBrk="1" latinLnBrk="0" hangingPunct="1">
+              <a:lnSpc>
+                <a:spcPct val="90000"/>
+              </a:lnSpc>
+              <a:spcBef>
+                <a:spcPts val="500"/>
+              </a:spcBef>
+              <a:buFont typeface="Arial" panose="020B0604020202020204" pitchFamily="34" charset="0"/>
+              <a:buNone/>
+              <a:defRPr sz="1600" kern="1200">
+                <a:solidFill>
+                  <a:schemeClr val="tx1">
+                    <a:tint val="75000"/>
+                  </a:schemeClr>
+                </a:solidFill>
+                <a:latin typeface="+mn-lt"/>
+                <a:ea typeface="+mn-ea"/>
+                <a:cs typeface="+mn-cs"/>
+              </a:defRPr>
+            </a:lvl7pPr>
+            <a:lvl8pPr marL="3200400" indent="0" algn="l" defTabSz="914400" rtl="0" eaLnBrk="1" latinLnBrk="0" hangingPunct="1">
+              <a:lnSpc>
+                <a:spcPct val="90000"/>
+              </a:lnSpc>
+              <a:spcBef>
+                <a:spcPts val="500"/>
+              </a:spcBef>
+              <a:buFont typeface="Arial" panose="020B0604020202020204" pitchFamily="34" charset="0"/>
+              <a:buNone/>
+              <a:defRPr sz="1600" kern="1200">
+                <a:solidFill>
+                  <a:schemeClr val="tx1">
+                    <a:tint val="75000"/>
+                  </a:schemeClr>
+                </a:solidFill>
+                <a:latin typeface="+mn-lt"/>
+                <a:ea typeface="+mn-ea"/>
+                <a:cs typeface="+mn-cs"/>
+              </a:defRPr>
+            </a:lvl8pPr>
+            <a:lvl9pPr marL="3657600" indent="0" algn="l" defTabSz="914400" rtl="0" eaLnBrk="1" latinLnBrk="0" hangingPunct="1">
+              <a:lnSpc>
+                <a:spcPct val="90000"/>
+              </a:lnSpc>
+              <a:spcBef>
+                <a:spcPts val="500"/>
+              </a:spcBef>
+              <a:buFont typeface="Arial" panose="020B0604020202020204" pitchFamily="34" charset="0"/>
+              <a:buNone/>
+              <a:defRPr sz="1600" kern="1200">
+                <a:solidFill>
+                  <a:schemeClr val="tx1">
+                    <a:tint val="75000"/>
+                  </a:schemeClr>
+                </a:solidFill>
+                <a:latin typeface="+mn-lt"/>
+                <a:ea typeface="+mn-ea"/>
+                <a:cs typeface="+mn-cs"/>
+              </a:defRPr>
+            </a:lvl9pPr>
+          </a:lstStyle>
+          <a:p>
+            <a:pPr marL="285750" indent="-285750">
+              <a:buFont typeface="Arial" panose="020B0604020202020204" pitchFamily="34" charset="0"/>
+              <a:buChar char="•"/>
+            </a:pPr>
+            <a:r>
+              <a:rPr lang="zh-CN" altLang="en-US" dirty="0"/>
+              <a:t>什么是训练集，什么是测试集？</a:t>
+            </a:r>
+            <a:endParaRPr lang="en-US" altLang="zh-CN" dirty="0"/>
+          </a:p>
+          <a:p>
+            <a:pPr marL="285750" indent="-285750">
+              <a:buFont typeface="Arial" panose="020B0604020202020204" pitchFamily="34" charset="0"/>
+              <a:buChar char="•"/>
+            </a:pPr>
+            <a:r>
+              <a:rPr lang="zh-CN" altLang="en-US" dirty="0"/>
+              <a:t>介绍</a:t>
+            </a:r>
+            <a:r>
+              <a:rPr lang="en-US" altLang="zh-CN" dirty="0" err="1">
+                <a:hlinkClick r:id="rId3"/>
+              </a:rPr>
+              <a:t>mnist</a:t>
+            </a:r>
+            <a:r>
+              <a:rPr lang="zh-CN" altLang="en-US" dirty="0">
+                <a:hlinkClick r:id="rId3"/>
+              </a:rPr>
+              <a:t>数据集</a:t>
+            </a:r>
+            <a:endParaRPr lang="en-US" altLang="zh-CN" dirty="0"/>
+          </a:p>
+          <a:p>
+            <a:pPr marL="285750" indent="-285750">
+              <a:buFont typeface="Arial" panose="020B0604020202020204" pitchFamily="34" charset="0"/>
+              <a:buChar char="•"/>
+            </a:pPr>
+            <a:r>
+              <a:rPr lang="zh-CN" altLang="en-US" dirty="0"/>
+              <a:t>请实现训练的代码</a:t>
+            </a:r>
+            <a:endParaRPr lang="en-US" altLang="zh-CN" dirty="0"/>
+          </a:p>
+          <a:p>
+            <a:pPr marL="285750" indent="-285750">
+              <a:buFont typeface="Arial" panose="020B0604020202020204" pitchFamily="34" charset="0"/>
+              <a:buChar char="•"/>
+            </a:pPr>
+            <a:r>
+              <a:rPr lang="zh-CN" altLang="en-US" dirty="0"/>
+              <a:t>使用训练集训练，检查是否收敛？</a:t>
+            </a:r>
+            <a:endParaRPr lang="en-US" altLang="zh-CN" dirty="0"/>
+          </a:p>
+          <a:p>
+            <a:pPr marL="285750" indent="-285750">
+              <a:buFont typeface="Arial" panose="020B0604020202020204" pitchFamily="34" charset="0"/>
+              <a:buChar char="•"/>
+            </a:pPr>
+            <a:r>
+              <a:rPr lang="zh-CN" altLang="en-US" dirty="0"/>
+              <a:t>请每个同学都运行“训练数据集”的代码</a:t>
+            </a:r>
+            <a:endParaRPr lang="en-US" altLang="zh-CN" dirty="0"/>
+          </a:p>
+          <a:p>
+            <a:endParaRPr lang="en-US" altLang="zh-CN" dirty="0"/>
+          </a:p>
+          <a:p>
+            <a:pPr marL="285750" indent="-285750">
+              <a:buFont typeface="Arial" panose="020B0604020202020204" pitchFamily="34" charset="0"/>
+              <a:buChar char="•"/>
+            </a:pPr>
+            <a:r>
+              <a:rPr lang="zh-CN" altLang="en-US" dirty="0"/>
+              <a:t>自学、展学</a:t>
+            </a:r>
+          </a:p>
+          <a:p>
+            <a:pPr marL="285750" indent="-285750">
+              <a:buFont typeface="Arial" panose="020B0604020202020204" pitchFamily="34" charset="0"/>
+              <a:buChar char="•"/>
+            </a:pPr>
+            <a:endParaRPr lang="zh-CN" altLang="en-US" dirty="0"/>
+          </a:p>
+          <a:p>
+            <a:pPr marL="285750" indent="-285750">
+              <a:buFont typeface="Arial" panose="020B0604020202020204" pitchFamily="34" charset="0"/>
+              <a:buChar char="•"/>
+            </a:pPr>
+            <a:endParaRPr lang="en-US" altLang="zh-CN" dirty="0"/>
+          </a:p>
+          <a:p>
+            <a:pPr marL="285750" indent="-285750">
+              <a:buFont typeface="Arial" panose="020B0604020202020204" pitchFamily="34" charset="0"/>
+              <a:buChar char="•"/>
+            </a:pPr>
+            <a:endParaRPr lang="zh-CN" altLang="en-US" dirty="0"/>
+          </a:p>
+          <a:p>
+            <a:pPr marL="285750" indent="-285750">
+              <a:buFont typeface="Arial" panose="020B0604020202020204" pitchFamily="34" charset="0"/>
+              <a:buChar char="•"/>
+            </a:pPr>
+            <a:endParaRPr lang="zh-CN" altLang="en-US" dirty="0"/>
+          </a:p>
+          <a:p>
+            <a:pPr marL="285750" indent="-285750">
+              <a:buFont typeface="Arial" panose="020B0604020202020204" pitchFamily="34" charset="0"/>
+              <a:buChar char="•"/>
+            </a:pPr>
+            <a:endParaRPr lang="zh-CN" altLang="en-US" dirty="0"/>
+          </a:p>
+          <a:p>
+            <a:pPr marL="285750" indent="-285750">
+              <a:buFont typeface="Arial" panose="020B0604020202020204" pitchFamily="34" charset="0"/>
+              <a:buChar char="•"/>
+            </a:pPr>
+            <a:endParaRPr lang="zh-CN" altLang="en-US" dirty="0"/>
+          </a:p>
+          <a:p>
+            <a:pPr marL="285750" indent="-285750">
+              <a:buFont typeface="Arial" panose="020B0604020202020204" pitchFamily="34" charset="0"/>
+              <a:buChar char="•"/>
+            </a:pPr>
+            <a:endParaRPr lang="zh-CN" altLang="en-US" dirty="0"/>
+          </a:p>
+          <a:p>
+            <a:pPr marL="285750" indent="-285750">
+              <a:buFont typeface="Arial" panose="020B0604020202020204" pitchFamily="34" charset="0"/>
+              <a:buChar char="•"/>
+            </a:pPr>
+            <a:endParaRPr lang="zh-CN" altLang="en-US" dirty="0"/>
+          </a:p>
+          <a:p>
+            <a:pPr marL="285750" indent="-285750">
+              <a:buFont typeface="Arial" panose="020B0604020202020204" pitchFamily="34" charset="0"/>
+              <a:buChar char="•"/>
+            </a:pPr>
+            <a:endParaRPr lang="zh-CN" altLang="en-US" dirty="0"/>
+          </a:p>
+        </p:txBody>
+      </p:sp>
+      <p:sp>
+        <p:nvSpPr>
+          <p:cNvPr id="2" name="文本框 1">
+            <a:extLst>
+              <a:ext uri="{FF2B5EF4-FFF2-40B4-BE49-F238E27FC236}">
+                <a16:creationId xmlns:a16="http://schemas.microsoft.com/office/drawing/2014/main" id="{61380762-27CD-A3FD-4A4B-F2B0CD19ABF8}"/>
+              </a:ext>
+            </a:extLst>
+          </p:cNvPr>
+          <p:cNvSpPr txBox="1"/>
+          <p:nvPr/>
+        </p:nvSpPr>
+        <p:spPr>
+          <a:xfrm>
+            <a:off x="5446206" y="2692958"/>
+            <a:ext cx="4108817" cy="369332"/>
+          </a:xfrm>
+          <a:prstGeom prst="rect">
+            <a:avLst/>
+          </a:prstGeom>
+          <a:noFill/>
+        </p:spPr>
+        <p:txBody>
+          <a:bodyPr wrap="none" rtlCol="0">
+            <a:spAutoFit/>
+          </a:bodyPr>
+          <a:lstStyle/>
+          <a:p>
+            <a:r>
+              <a:rPr kumimoji="1" lang="zh-CN" altLang="en-US" dirty="0"/>
+              <a:t>没有收敛，正确率一直卡在</a:t>
+            </a:r>
+            <a:r>
+              <a:rPr kumimoji="1" lang="en-US" altLang="zh-CN" dirty="0"/>
+              <a:t>10%</a:t>
+            </a:r>
+            <a:r>
+              <a:rPr kumimoji="1" lang="zh-CN" altLang="en-US" dirty="0"/>
+              <a:t>上不去</a:t>
+            </a:r>
+          </a:p>
+        </p:txBody>
+      </p:sp>
+    </p:spTree>
+    <p:custDataLst>
+      <p:tags r:id="rId1"/>
+    </p:custDataLst>
+    <p:extLst>
+      <p:ext uri="{BB962C8B-B14F-4D97-AF65-F5344CB8AC3E}">
+        <p14:creationId xmlns:p14="http://schemas.microsoft.com/office/powerpoint/2010/main" val="730521713"/>
       </p:ext>
     </p:extLst>
   </p:cSld>
@@ -8372,7 +8392,7 @@
 </p:sld>
 </file>
 
-<file path=ppt/slides/slide14.xml><?xml version="1.0" encoding="utf-8"?>
+<file path=ppt/slides/slide16.xml><?xml version="1.0" encoding="utf-8"?>
 <p:sld xmlns:a="http://schemas.openxmlformats.org/drawingml/2006/main" xmlns:r="http://schemas.openxmlformats.org/officeDocument/2006/relationships" xmlns:p="http://schemas.openxmlformats.org/presentationml/2006/main">
   <p:cSld>
     <p:spTree>
@@ -8405,21 +8425,34 @@
           <a:lstStyle/>
           <a:p>
             <a:r>
+              <a:rPr lang="zh-CN" altLang="en-US" dirty="0"/>
+              <a:t>主问题</a:t>
+            </a:r>
+            <a:r>
               <a:rPr dirty="0">
                 <a:sym typeface="+mn-ea"/>
               </a:rPr>
-              <a:t>主问题：</a:t>
+              <a:t>：</a:t>
+            </a:r>
+            <a:r>
+              <a:rPr lang="en-US" dirty="0">
+                <a:sym typeface="+mn-ea"/>
+              </a:rPr>
+              <a:t>	</a:t>
+            </a:r>
+            <a:r>
+              <a:rPr lang="en-US" dirty="0" err="1">
+                <a:sym typeface="+mn-ea"/>
+              </a:rPr>
+              <a:t>如何使训练收敛</a:t>
             </a:r>
             <a:r>
               <a:rPr lang="zh-CN" altLang="en-US" dirty="0">
                 <a:sym typeface="+mn-ea"/>
               </a:rPr>
-              <a:t>如何对输出层进行梯度检查</a:t>
-            </a:r>
-            <a:r>
-              <a:rPr lang="zh-CN" altLang="en-US" dirty="0"/>
               <a:t>？</a:t>
             </a:r>
+            <a:endParaRPr lang="zh-CN" altLang="en-US" dirty="0"/>
           </a:p>
         </p:txBody>
       </p:sp>
@@ -8429,7 +8462,7 @@
     </p:custDataLst>
     <p:extLst>
       <p:ext uri="{BB962C8B-B14F-4D97-AF65-F5344CB8AC3E}">
-        <p14:creationId xmlns:p14="http://schemas.microsoft.com/office/powerpoint/2010/main" val="750352729"/>
+        <p14:creationId xmlns:p14="http://schemas.microsoft.com/office/powerpoint/2010/main" val="1502730987"/>
       </p:ext>
     </p:extLst>
   </p:cSld>
@@ -8439,7 +8472,7 @@
 </p:sld>
 </file>
 
-<file path=ppt/slides/slide15.xml><?xml version="1.0" encoding="utf-8"?>
+<file path=ppt/slides/slide17.xml><?xml version="1.0" encoding="utf-8"?>
 <p:sld xmlns:a="http://schemas.openxmlformats.org/drawingml/2006/main" xmlns:r="http://schemas.openxmlformats.org/officeDocument/2006/relationships" xmlns:p="http://schemas.openxmlformats.org/presentationml/2006/main">
   <p:cSld>
     <p:spTree>
@@ -8458,67 +8491,6 @@
       </p:grpSpPr>
       <p:sp>
         <p:nvSpPr>
-          <p:cNvPr id="2" name="文本占位符 1"/>
-          <p:cNvSpPr>
-            <a:spLocks noGrp="1"/>
-          </p:cNvSpPr>
-          <p:nvPr>
-            <p:ph type="body" idx="1"/>
-          </p:nvPr>
-        </p:nvSpPr>
-        <p:spPr/>
-        <p:txBody>
-          <a:bodyPr/>
-          <a:lstStyle/>
-          <a:p>
-            <a:pPr marL="285750" indent="-285750">
-              <a:buFont typeface="Arial" panose="020B0604020202020204" pitchFamily="34" charset="0"/>
-              <a:buChar char="•"/>
-            </a:pPr>
-            <a:endParaRPr lang="en-US" altLang="zh-CN" dirty="0"/>
-          </a:p>
-          <a:p>
-            <a:pPr marL="285750" indent="-285750">
-              <a:buFont typeface="Arial" panose="020B0604020202020204" pitchFamily="34" charset="0"/>
-              <a:buChar char="•"/>
-            </a:pPr>
-            <a:endParaRPr lang="en-US" altLang="zh-CN" dirty="0"/>
-          </a:p>
-          <a:p>
-            <a:pPr marL="285750" indent="-285750">
-              <a:buFont typeface="Arial" panose="020B0604020202020204" pitchFamily="34" charset="0"/>
-              <a:buChar char="•"/>
-            </a:pPr>
-            <a:endParaRPr lang="en-US" altLang="zh-CN" dirty="0"/>
-          </a:p>
-          <a:p>
-            <a:pPr marL="285750" indent="-285750">
-              <a:buFont typeface="Arial" panose="020B0604020202020204" pitchFamily="34" charset="0"/>
-              <a:buChar char="•"/>
-            </a:pPr>
-            <a:endParaRPr lang="en-US" altLang="zh-CN" dirty="0"/>
-          </a:p>
-          <a:p>
-            <a:pPr marL="285750" indent="-285750">
-              <a:buFont typeface="Arial" panose="020B0604020202020204" pitchFamily="34" charset="0"/>
-              <a:buChar char="•"/>
-            </a:pPr>
-            <a:endParaRPr lang="en-US" altLang="zh-CN" dirty="0"/>
-          </a:p>
-          <a:p>
-            <a:pPr marL="285750" indent="-285750">
-              <a:buFont typeface="Arial" panose="020B0604020202020204" pitchFamily="34" charset="0"/>
-              <a:buChar char="•"/>
-            </a:pPr>
-            <a:endParaRPr lang="en-US" altLang="zh-CN" dirty="0"/>
-          </a:p>
-          <a:p>
-            <a:endParaRPr lang="en-US" altLang="zh-CN" dirty="0"/>
-          </a:p>
-        </p:txBody>
-      </p:sp>
-      <p:sp>
-        <p:nvSpPr>
           <p:cNvPr id="3" name="标题 2"/>
           <p:cNvSpPr>
             <a:spLocks noGrp="1"/>
@@ -8533,14 +8505,14 @@
           <a:lstStyle/>
           <a:p>
             <a:r>
+              <a:rPr lang="zh-CN" altLang="en-US" dirty="0"/>
+              <a:t>主问题</a:t>
+            </a:r>
+            <a:r>
               <a:rPr lang="zh-CN" altLang="en-US" dirty="0">
                 <a:sym typeface="+mn-ea"/>
               </a:rPr>
-              <a:t>主问题：如何对输出层进行梯度检查</a:t>
-            </a:r>
-            <a:r>
-              <a:rPr lang="zh-CN" altLang="en-US" dirty="0"/>
-              <a:t>？</a:t>
+              <a:t>：	如何使训练收敛？</a:t>
             </a:r>
             <a:endParaRPr dirty="0">
               <a:sym typeface="+mn-ea"/>
@@ -8783,7 +8755,7 @@
             </a:pPr>
             <a:r>
               <a:rPr lang="zh-CN" altLang="en-US" dirty="0"/>
-              <a:t>对输出层进行梯度检查的步骤是什么？</a:t>
+              <a:t>如何调试？</a:t>
             </a:r>
             <a:endParaRPr lang="en-US" altLang="zh-CN" dirty="0"/>
           </a:p>
@@ -8794,15 +8766,15 @@
             </a:pPr>
             <a:r>
               <a:rPr lang="zh-CN" altLang="en-US" dirty="0"/>
-              <a:t>在通过后向传播计算梯度时，</a:t>
+              <a:t>应该在哪些地方</a:t>
             </a:r>
             <a:r>
               <a:rPr lang="en-US" altLang="zh-CN" dirty="0"/>
-              <a:t>n</a:t>
+              <a:t>log</a:t>
             </a:r>
             <a:r>
               <a:rPr lang="zh-CN" altLang="en-US" dirty="0"/>
-              <a:t>是多少？</a:t>
+              <a:t>？</a:t>
             </a:r>
             <a:endParaRPr lang="en-US" altLang="zh-CN" dirty="0"/>
           </a:p>
@@ -8818,51 +8790,9 @@
               <a:buFont typeface="Arial" panose="020B0604020202020204" pitchFamily="34" charset="0"/>
               <a:buChar char="•"/>
             </a:pPr>
-            <a:endParaRPr lang="en-US" altLang="zh-CN" dirty="0"/>
-          </a:p>
-          <a:p>
-            <a:pPr marL="285750" indent="-285750">
-              <a:buFont typeface="Arial" panose="020B0604020202020204" pitchFamily="34" charset="0"/>
-              <a:buChar char="•"/>
-            </a:pPr>
-            <a:endParaRPr lang="en-US" altLang="zh-CN" dirty="0"/>
-          </a:p>
-          <a:p>
-            <a:pPr marL="285750" indent="-285750">
-              <a:buFont typeface="Arial" panose="020B0604020202020204" pitchFamily="34" charset="0"/>
-              <a:buChar char="•"/>
-            </a:pPr>
-            <a:endParaRPr lang="en-US" altLang="zh-CN" dirty="0"/>
-          </a:p>
-          <a:p>
-            <a:pPr marL="285750" indent="-285750">
-              <a:buFont typeface="Arial" panose="020B0604020202020204" pitchFamily="34" charset="0"/>
-              <a:buChar char="•"/>
-            </a:pPr>
-            <a:endParaRPr lang="en-US" altLang="zh-CN" dirty="0"/>
-          </a:p>
-          <a:p>
-            <a:pPr marL="285750" indent="-285750">
-              <a:buFont typeface="Arial" panose="020B0604020202020204" pitchFamily="34" charset="0"/>
-              <a:buChar char="•"/>
-            </a:pPr>
-            <a:endParaRPr lang="en-US" altLang="zh-CN" dirty="0"/>
-          </a:p>
-          <a:p>
-            <a:pPr marL="285750" indent="-285750">
-              <a:buFont typeface="Arial" panose="020B0604020202020204" pitchFamily="34" charset="0"/>
-              <a:buChar char="•"/>
-            </a:pPr>
-            <a:endParaRPr lang="en-US" altLang="zh-CN" dirty="0"/>
-          </a:p>
-          <a:p>
-            <a:pPr marL="285750" indent="-285750">
-              <a:buFont typeface="Arial" panose="020B0604020202020204" pitchFamily="34" charset="0"/>
-              <a:buChar char="•"/>
-            </a:pPr>
             <a:r>
               <a:rPr lang="zh-CN" altLang="en-US" dirty="0"/>
-              <a:t>自学、互学、展学</a:t>
+              <a:t>自学、展学</a:t>
             </a:r>
           </a:p>
           <a:p>
@@ -8930,1196 +8860,46 @@
           </a:p>
         </p:txBody>
       </p:sp>
-      <mc:AlternateContent xmlns:mc="http://schemas.openxmlformats.org/markup-compatibility/2006">
-        <mc:Choice xmlns:a14="http://schemas.microsoft.com/office/drawing/2010/main" Requires="a14">
-          <p:sp>
-            <p:nvSpPr>
-              <p:cNvPr id="7" name="文本框 6">
-                <a:extLst>
-                  <a:ext uri="{FF2B5EF4-FFF2-40B4-BE49-F238E27FC236}">
-                    <a16:creationId xmlns:a16="http://schemas.microsoft.com/office/drawing/2014/main" id="{7AA7B2B5-D256-E3DC-10EF-0AA544BFF924}"/>
-                  </a:ext>
-                </a:extLst>
-              </p:cNvPr>
-              <p:cNvSpPr txBox="1"/>
-              <p:nvPr/>
-            </p:nvSpPr>
-            <p:spPr>
-              <a:xfrm>
-                <a:off x="540971" y="4123129"/>
-                <a:ext cx="11031418" cy="1524969"/>
-              </a:xfrm>
-              <a:prstGeom prst="rect">
-                <a:avLst/>
-              </a:prstGeom>
-              <a:noFill/>
-            </p:spPr>
-            <p:txBody>
-              <a:bodyPr wrap="none" rtlCol="0">
-                <a:spAutoFit/>
-              </a:bodyPr>
-              <a:lstStyle/>
-              <a:p>
-                <a:pPr algn="l"/>
-                <a:r>
-                  <a:rPr lang="en-US" altLang="zh-CN" b="0" i="0" dirty="0">
-                    <a:solidFill>
-                      <a:srgbClr val="333333"/>
-                    </a:solidFill>
-                    <a:effectLst/>
-                    <a:latin typeface="PingFang SC" panose="020B0400000000000000" pitchFamily="34" charset="-122"/>
-                    <a:ea typeface="PingFang SC" panose="020B0400000000000000" pitchFamily="34" charset="-122"/>
-                  </a:rPr>
-                  <a:t>1</a:t>
-                </a:r>
-                <a:r>
-                  <a:rPr lang="zh-CN" altLang="en-US" b="0" i="0" dirty="0">
-                    <a:solidFill>
-                      <a:srgbClr val="333333"/>
-                    </a:solidFill>
-                    <a:effectLst/>
-                    <a:latin typeface="PingFang SC" panose="020B0400000000000000" pitchFamily="34" charset="-122"/>
-                    <a:ea typeface="PingFang SC" panose="020B0400000000000000" pitchFamily="34" charset="-122"/>
-                  </a:rPr>
-                  <a:t>、使用一个样本</a:t>
-                </a:r>
-                <a:r>
-                  <a:rPr lang="en" altLang="zh-CN" b="0" i="0" dirty="0">
-                    <a:solidFill>
-                      <a:srgbClr val="333333"/>
-                    </a:solidFill>
-                    <a:effectLst/>
-                    <a:latin typeface="PingFang SC" panose="020B0400000000000000" pitchFamily="34" charset="-122"/>
-                    <a:ea typeface="PingFang SC" panose="020B0400000000000000" pitchFamily="34" charset="-122"/>
-                  </a:rPr>
-                  <a:t>d</a:t>
-                </a:r>
-                <a:r>
-                  <a:rPr lang="zh-CN" altLang="en-US" dirty="0">
-                    <a:solidFill>
-                      <a:srgbClr val="333333"/>
-                    </a:solidFill>
-                    <a:latin typeface="PingFang SC" panose="020B0400000000000000" pitchFamily="34" charset="-122"/>
-                    <a:ea typeface="PingFang SC" panose="020B0400000000000000" pitchFamily="34" charset="-122"/>
-                  </a:rPr>
-                  <a:t>进行前向传播和后向传播</a:t>
-                </a:r>
-                <a:r>
-                  <a:rPr lang="zh-CN" altLang="en-US" b="0" i="0" dirty="0">
-                    <a:solidFill>
-                      <a:srgbClr val="333333"/>
-                    </a:solidFill>
-                    <a:effectLst/>
-                    <a:latin typeface="PingFang SC" panose="020B0400000000000000" pitchFamily="34" charset="-122"/>
-                    <a:ea typeface="PingFang SC" panose="020B0400000000000000" pitchFamily="34" charset="-122"/>
-                  </a:rPr>
-                  <a:t>，这样就能得到输出层的一个神经元</a:t>
-                </a:r>
-                <a:r>
-                  <a:rPr lang="en-US" altLang="zh-CN" b="0" i="0" dirty="0">
-                    <a:solidFill>
-                      <a:srgbClr val="333333"/>
-                    </a:solidFill>
-                    <a:effectLst/>
-                    <a:latin typeface="PingFang SC" panose="020B0400000000000000" pitchFamily="34" charset="-122"/>
-                    <a:ea typeface="PingFang SC" panose="020B0400000000000000" pitchFamily="34" charset="-122"/>
-                  </a:rPr>
-                  <a:t>k</a:t>
-                </a:r>
-                <a:r>
-                  <a:rPr lang="zh-CN" altLang="en-US" b="0" i="0" dirty="0">
-                    <a:solidFill>
-                      <a:srgbClr val="333333"/>
-                    </a:solidFill>
-                    <a:effectLst/>
-                    <a:latin typeface="PingFang SC" panose="020B0400000000000000" pitchFamily="34" charset="-122"/>
-                    <a:ea typeface="PingFang SC" panose="020B0400000000000000" pitchFamily="34" charset="-122"/>
-                  </a:rPr>
-                  <a:t>的</a:t>
-                </a:r>
-                <a:r>
-                  <a:rPr lang="zh-CN" altLang="en-US" dirty="0">
-                    <a:solidFill>
-                      <a:srgbClr val="333333"/>
-                    </a:solidFill>
-                    <a:latin typeface="PingFang SC" panose="020B0400000000000000" pitchFamily="34" charset="-122"/>
-                    <a:ea typeface="PingFang SC" panose="020B0400000000000000" pitchFamily="34" charset="-122"/>
-                  </a:rPr>
-                  <a:t>梯度</a:t>
-                </a:r>
-                <a:endParaRPr lang="zh-CN" altLang="en-US" b="0" i="0" dirty="0">
-                  <a:solidFill>
-                    <a:srgbClr val="333333"/>
-                  </a:solidFill>
-                  <a:effectLst/>
-                  <a:latin typeface="PingFang SC" panose="020B0400000000000000" pitchFamily="34" charset="-122"/>
-                  <a:ea typeface="PingFang SC" panose="020B0400000000000000" pitchFamily="34" charset="-122"/>
-                </a:endParaRPr>
-              </a:p>
-              <a:p>
-                <a:pPr algn="l"/>
-                <a:r>
-                  <a:rPr lang="en-US" altLang="zh-CN" b="0" i="0" dirty="0">
-                    <a:solidFill>
-                      <a:srgbClr val="333333"/>
-                    </a:solidFill>
-                    <a:effectLst/>
-                    <a:latin typeface="PingFang SC" panose="020B0400000000000000" pitchFamily="34" charset="-122"/>
-                    <a:ea typeface="PingFang SC" panose="020B0400000000000000" pitchFamily="34" charset="-122"/>
-                  </a:rPr>
-                  <a:t>2</a:t>
-                </a:r>
-                <a:r>
-                  <a:rPr lang="zh-CN" altLang="en-US" b="0" i="0" dirty="0">
-                    <a:solidFill>
-                      <a:srgbClr val="333333"/>
-                    </a:solidFill>
-                    <a:effectLst/>
-                    <a:latin typeface="PingFang SC" panose="020B0400000000000000" pitchFamily="34" charset="-122"/>
-                    <a:ea typeface="PingFang SC" panose="020B0400000000000000" pitchFamily="34" charset="-122"/>
-                  </a:rPr>
-                  <a:t>、将神经元</a:t>
-                </a:r>
-                <a:r>
-                  <a:rPr lang="en-US" altLang="zh-CN" b="0" i="0" dirty="0">
-                    <a:solidFill>
-                      <a:srgbClr val="333333"/>
-                    </a:solidFill>
-                    <a:effectLst/>
-                    <a:latin typeface="PingFang SC" panose="020B0400000000000000" pitchFamily="34" charset="-122"/>
-                    <a:ea typeface="PingFang SC" panose="020B0400000000000000" pitchFamily="34" charset="-122"/>
-                  </a:rPr>
-                  <a:t>k</a:t>
-                </a:r>
-                <a:r>
-                  <a:rPr lang="zh-CN" altLang="en-US" b="0" i="0" dirty="0">
-                    <a:solidFill>
-                      <a:srgbClr val="333333"/>
-                    </a:solidFill>
-                    <a:effectLst/>
-                    <a:latin typeface="PingFang SC" panose="020B0400000000000000" pitchFamily="34" charset="-122"/>
-                    <a:ea typeface="PingFang SC" panose="020B0400000000000000" pitchFamily="34" charset="-122"/>
-                  </a:rPr>
-                  <a:t>的一个权重值</a:t>
-                </a:r>
-                <a14:m>
-                  <m:oMath xmlns:m="http://schemas.openxmlformats.org/officeDocument/2006/math">
-                    <m:sSub>
-                      <m:sSubPr>
-                        <m:ctrlPr>
-                          <a:rPr lang="en-US" altLang="zh-CN" b="0" i="1" smtClean="0">
-                            <a:solidFill>
-                              <a:srgbClr val="333333"/>
-                            </a:solidFill>
-                            <a:effectLst/>
-                            <a:latin typeface="Cambria Math" panose="02040503050406030204" pitchFamily="18" charset="0"/>
-                            <a:ea typeface="PingFang SC" panose="020B0400000000000000" pitchFamily="34" charset="-122"/>
-                          </a:rPr>
-                        </m:ctrlPr>
-                      </m:sSubPr>
-                      <m:e>
-                        <m:r>
-                          <a:rPr lang="en-US" altLang="zh-CN" b="0" i="1" smtClean="0">
-                            <a:solidFill>
-                              <a:srgbClr val="333333"/>
-                            </a:solidFill>
-                            <a:effectLst/>
-                            <a:latin typeface="Cambria Math" panose="02040503050406030204" pitchFamily="18" charset="0"/>
-                            <a:ea typeface="PingFang SC" panose="020B0400000000000000" pitchFamily="34" charset="-122"/>
-                          </a:rPr>
-                          <m:t>𝑤</m:t>
-                        </m:r>
-                      </m:e>
-                      <m:sub>
-                        <m:r>
-                          <a:rPr lang="en-US" altLang="zh-CN" b="0" i="1" smtClean="0">
-                            <a:solidFill>
-                              <a:srgbClr val="333333"/>
-                            </a:solidFill>
-                            <a:effectLst/>
-                            <a:latin typeface="Cambria Math" panose="02040503050406030204" pitchFamily="18" charset="0"/>
-                            <a:ea typeface="PingFang SC" panose="020B0400000000000000" pitchFamily="34" charset="-122"/>
-                          </a:rPr>
-                          <m:t>𝑗𝑖</m:t>
-                        </m:r>
-                      </m:sub>
-                    </m:sSub>
-                  </m:oMath>
-                </a14:m>
-                <a:r>
-                  <a:rPr lang="zh-CN" altLang="en-US" b="0" i="0" dirty="0">
-                    <a:solidFill>
-                      <a:srgbClr val="333333"/>
-                    </a:solidFill>
-                    <a:effectLst/>
-                    <a:latin typeface="PingFang SC" panose="020B0400000000000000" pitchFamily="34" charset="-122"/>
-                    <a:ea typeface="PingFang SC" panose="020B0400000000000000" pitchFamily="34" charset="-122"/>
-                  </a:rPr>
-                  <a:t>加上一个很小的值</a:t>
-                </a:r>
-                <a14:m>
-                  <m:oMath xmlns:m="http://schemas.openxmlformats.org/officeDocument/2006/math">
-                    <m:r>
-                      <a:rPr lang="zh-CN" altLang="en-US" b="0" i="1" smtClean="0">
-                        <a:solidFill>
-                          <a:srgbClr val="333333"/>
-                        </a:solidFill>
-                        <a:effectLst/>
-                        <a:latin typeface="Cambria Math" panose="02040503050406030204" pitchFamily="18" charset="0"/>
-                        <a:ea typeface="PingFang SC" panose="020B0400000000000000" pitchFamily="34" charset="-122"/>
-                      </a:rPr>
-                      <m:t>𝜀</m:t>
-                    </m:r>
-                  </m:oMath>
-                </a14:m>
-                <a:r>
-                  <a:rPr lang="en-US" altLang="zh-CN" b="0" i="0" dirty="0">
-                    <a:solidFill>
-                      <a:srgbClr val="333333"/>
-                    </a:solidFill>
-                    <a:effectLst/>
-                    <a:latin typeface="PingFang SC" panose="020B0400000000000000" pitchFamily="34" charset="-122"/>
-                    <a:ea typeface="PingFang SC" panose="020B0400000000000000" pitchFamily="34" charset="-122"/>
-                  </a:rPr>
-                  <a:t>(</a:t>
-                </a:r>
-                <a:r>
-                  <a:rPr lang="en-US" altLang="zh-CN" b="0" i="0" dirty="0">
-                    <a:solidFill>
-                      <a:srgbClr val="333333"/>
-                    </a:solidFill>
-                    <a:effectLst/>
-                    <a:latin typeface="MJXc-TeX-main-R"/>
-                    <a:ea typeface="PingFang SC" panose="020B0400000000000000" pitchFamily="34" charset="-122"/>
-                  </a:rPr>
-                  <a:t>1e-4</a:t>
-                </a:r>
-                <a:r>
-                  <a:rPr lang="zh-CN" altLang="en-US" b="0" i="0" dirty="0">
-                    <a:solidFill>
-                      <a:srgbClr val="333333"/>
-                    </a:solidFill>
-                    <a:effectLst/>
-                    <a:latin typeface="PingFang SC" panose="020B0400000000000000" pitchFamily="34" charset="-122"/>
-                    <a:ea typeface="PingFang SC" panose="020B0400000000000000" pitchFamily="34" charset="-122"/>
-                  </a:rPr>
-                  <a:t> ），重新计算神经网络在这个样本</a:t>
-                </a:r>
-                <a:r>
-                  <a:rPr lang="en" altLang="zh-CN" b="0" i="0" dirty="0">
-                    <a:solidFill>
-                      <a:srgbClr val="333333"/>
-                    </a:solidFill>
-                    <a:effectLst/>
-                    <a:latin typeface="PingFang SC" panose="020B0400000000000000" pitchFamily="34" charset="-122"/>
-                    <a:ea typeface="PingFang SC" panose="020B0400000000000000" pitchFamily="34" charset="-122"/>
-                  </a:rPr>
-                  <a:t>d</a:t>
-                </a:r>
-                <a:r>
-                  <a:rPr lang="zh-CN" altLang="en-US" b="0" i="0" dirty="0">
-                    <a:solidFill>
-                      <a:srgbClr val="333333"/>
-                    </a:solidFill>
-                    <a:effectLst/>
-                    <a:latin typeface="PingFang SC" panose="020B0400000000000000" pitchFamily="34" charset="-122"/>
-                    <a:ea typeface="PingFang SC" panose="020B0400000000000000" pitchFamily="34" charset="-122"/>
-                  </a:rPr>
-                  <a:t>的</a:t>
-                </a:r>
-                <a:r>
-                  <a:rPr lang="en" altLang="zh-CN" b="0" i="0" dirty="0">
-                    <a:solidFill>
-                      <a:srgbClr val="333333"/>
-                    </a:solidFill>
-                    <a:effectLst/>
-                    <a:latin typeface="PingFang SC" panose="020B0400000000000000" pitchFamily="34" charset="-122"/>
-                    <a:ea typeface="PingFang SC" panose="020B0400000000000000" pitchFamily="34" charset="-122"/>
-                  </a:rPr>
-                  <a:t>E</a:t>
-                </a:r>
-                <a:r>
-                  <a:rPr lang="zh-CN" altLang="en-US" b="0" i="0" dirty="0">
-                    <a:solidFill>
-                      <a:srgbClr val="333333"/>
-                    </a:solidFill>
-                    <a:effectLst/>
-                    <a:latin typeface="PingFang SC" panose="020B0400000000000000" pitchFamily="34" charset="-122"/>
-                    <a:ea typeface="PingFang SC" panose="020B0400000000000000" pitchFamily="34" charset="-122"/>
-                  </a:rPr>
-                  <a:t>：</a:t>
-                </a:r>
-                <a14:m>
-                  <m:oMath xmlns:m="http://schemas.openxmlformats.org/officeDocument/2006/math">
-                    <m:r>
-                      <m:rPr>
-                        <m:sty m:val="p"/>
-                      </m:rPr>
-                      <a:rPr lang="en-US" altLang="zh-CN" b="0" i="0" smtClean="0">
-                        <a:solidFill>
-                          <a:srgbClr val="333333"/>
-                        </a:solidFill>
-                        <a:effectLst/>
-                        <a:latin typeface="Cambria Math" panose="02040503050406030204" pitchFamily="18" charset="0"/>
-                        <a:ea typeface="PingFang SC" panose="020B0400000000000000" pitchFamily="34" charset="-122"/>
-                      </a:rPr>
-                      <m:t>E</m:t>
-                    </m:r>
-                    <m:r>
-                      <a:rPr lang="en-US" altLang="zh-CN" b="0" i="1" smtClean="0">
-                        <a:solidFill>
-                          <a:srgbClr val="333333"/>
-                        </a:solidFill>
-                        <a:effectLst/>
-                        <a:latin typeface="Cambria Math" panose="02040503050406030204" pitchFamily="18" charset="0"/>
-                        <a:ea typeface="PingFang SC" panose="020B0400000000000000" pitchFamily="34" charset="-122"/>
-                      </a:rPr>
-                      <m:t>(</m:t>
-                    </m:r>
-                    <m:sSub>
-                      <m:sSubPr>
-                        <m:ctrlPr>
-                          <a:rPr lang="en-US" altLang="zh-CN" b="0" i="1" smtClean="0">
-                            <a:solidFill>
-                              <a:srgbClr val="333333"/>
-                            </a:solidFill>
-                            <a:effectLst/>
-                            <a:latin typeface="Cambria Math" panose="02040503050406030204" pitchFamily="18" charset="0"/>
-                            <a:ea typeface="PingFang SC" panose="020B0400000000000000" pitchFamily="34" charset="-122"/>
-                          </a:rPr>
-                        </m:ctrlPr>
-                      </m:sSubPr>
-                      <m:e>
-                        <m:r>
-                          <a:rPr lang="en-US" altLang="zh-CN" b="0" i="1" smtClean="0">
-                            <a:solidFill>
-                              <a:srgbClr val="333333"/>
-                            </a:solidFill>
-                            <a:effectLst/>
-                            <a:latin typeface="Cambria Math" panose="02040503050406030204" pitchFamily="18" charset="0"/>
-                            <a:ea typeface="PingFang SC" panose="020B0400000000000000" pitchFamily="34" charset="-122"/>
-                          </a:rPr>
-                          <m:t>𝑤</m:t>
-                        </m:r>
-                      </m:e>
-                      <m:sub>
-                        <m:r>
-                          <a:rPr lang="en-US" altLang="zh-CN" b="0" i="1" smtClean="0">
-                            <a:solidFill>
-                              <a:srgbClr val="333333"/>
-                            </a:solidFill>
-                            <a:effectLst/>
-                            <a:latin typeface="Cambria Math" panose="02040503050406030204" pitchFamily="18" charset="0"/>
-                            <a:ea typeface="PingFang SC" panose="020B0400000000000000" pitchFamily="34" charset="-122"/>
-                          </a:rPr>
-                          <m:t>𝑗𝑖</m:t>
-                        </m:r>
-                      </m:sub>
-                    </m:sSub>
-                    <m:r>
-                      <a:rPr lang="en-US" altLang="zh-CN" b="0" i="1" smtClean="0">
-                        <a:solidFill>
-                          <a:srgbClr val="333333"/>
-                        </a:solidFill>
-                        <a:effectLst/>
-                        <a:latin typeface="Cambria Math" panose="02040503050406030204" pitchFamily="18" charset="0"/>
-                        <a:ea typeface="PingFang SC" panose="020B0400000000000000" pitchFamily="34" charset="-122"/>
-                      </a:rPr>
-                      <m:t>+</m:t>
-                    </m:r>
-                    <m:r>
-                      <a:rPr lang="en-US" altLang="zh-CN" b="0" i="1" smtClean="0">
-                        <a:solidFill>
-                          <a:srgbClr val="333333"/>
-                        </a:solidFill>
-                        <a:effectLst/>
-                        <a:latin typeface="Cambria Math" panose="02040503050406030204" pitchFamily="18" charset="0"/>
-                        <a:ea typeface="Cambria Math" panose="02040503050406030204" pitchFamily="18" charset="0"/>
-                      </a:rPr>
-                      <m:t>𝜀</m:t>
-                    </m:r>
-                    <m:r>
-                      <a:rPr lang="en-US" altLang="zh-CN" b="0" i="1" smtClean="0">
-                        <a:solidFill>
-                          <a:srgbClr val="333333"/>
-                        </a:solidFill>
-                        <a:effectLst/>
-                        <a:latin typeface="Cambria Math" panose="02040503050406030204" pitchFamily="18" charset="0"/>
-                        <a:ea typeface="PingFang SC" panose="020B0400000000000000" pitchFamily="34" charset="-122"/>
-                      </a:rPr>
-                      <m:t>)</m:t>
-                    </m:r>
-                  </m:oMath>
-                </a14:m>
-                <a:endParaRPr lang="en" altLang="zh-CN" b="0" i="0" dirty="0">
-                  <a:solidFill>
-                    <a:srgbClr val="333333"/>
-                  </a:solidFill>
-                  <a:effectLst/>
-                  <a:latin typeface="PingFang SC" panose="020B0400000000000000" pitchFamily="34" charset="-122"/>
-                  <a:ea typeface="PingFang SC" panose="020B0400000000000000" pitchFamily="34" charset="-122"/>
-                </a:endParaRPr>
-              </a:p>
-              <a:p>
-                <a:r>
-                  <a:rPr lang="en" altLang="zh-CN" b="0" i="0" dirty="0">
-                    <a:solidFill>
-                      <a:srgbClr val="333333"/>
-                    </a:solidFill>
-                    <a:effectLst/>
-                    <a:latin typeface="PingFang SC" panose="020B0400000000000000" pitchFamily="34" charset="-122"/>
-                    <a:ea typeface="PingFang SC" panose="020B0400000000000000" pitchFamily="34" charset="-122"/>
-                  </a:rPr>
-                  <a:t>3</a:t>
-                </a:r>
-                <a:r>
-                  <a:rPr lang="zh-CN" altLang="en" b="0" i="0" dirty="0">
-                    <a:solidFill>
-                      <a:srgbClr val="333333"/>
-                    </a:solidFill>
-                    <a:effectLst/>
-                    <a:latin typeface="PingFang SC" panose="020B0400000000000000" pitchFamily="34" charset="-122"/>
-                    <a:ea typeface="PingFang SC" panose="020B0400000000000000" pitchFamily="34" charset="-122"/>
-                  </a:rPr>
-                  <a:t>、</a:t>
-                </a:r>
-                <a:r>
-                  <a:rPr lang="zh-CN" altLang="en-US" dirty="0">
-                    <a:solidFill>
-                      <a:srgbClr val="333333"/>
-                    </a:solidFill>
-                    <a:latin typeface="PingFang SC" panose="020B0400000000000000" pitchFamily="34" charset="-122"/>
-                    <a:ea typeface="PingFang SC" panose="020B0400000000000000" pitchFamily="34" charset="-122"/>
-                  </a:rPr>
-                  <a:t>将神经元</a:t>
-                </a:r>
-                <a:r>
-                  <a:rPr lang="en-US" altLang="zh-CN" dirty="0">
-                    <a:solidFill>
-                      <a:srgbClr val="333333"/>
-                    </a:solidFill>
-                    <a:latin typeface="PingFang SC" panose="020B0400000000000000" pitchFamily="34" charset="-122"/>
-                    <a:ea typeface="PingFang SC" panose="020B0400000000000000" pitchFamily="34" charset="-122"/>
-                  </a:rPr>
-                  <a:t>k</a:t>
-                </a:r>
-                <a:r>
-                  <a:rPr lang="zh-CN" altLang="en-US" dirty="0">
-                    <a:solidFill>
-                      <a:srgbClr val="333333"/>
-                    </a:solidFill>
-                    <a:latin typeface="PingFang SC" panose="020B0400000000000000" pitchFamily="34" charset="-122"/>
-                    <a:ea typeface="PingFang SC" panose="020B0400000000000000" pitchFamily="34" charset="-122"/>
-                  </a:rPr>
-                  <a:t>的一</a:t>
-                </a:r>
-                <a:r>
-                  <a:rPr lang="zh-CN" altLang="en-US" b="0" i="0" dirty="0">
-                    <a:solidFill>
-                      <a:srgbClr val="333333"/>
-                    </a:solidFill>
-                    <a:effectLst/>
-                    <a:latin typeface="PingFang SC" panose="020B0400000000000000" pitchFamily="34" charset="-122"/>
-                    <a:ea typeface="PingFang SC" panose="020B0400000000000000" pitchFamily="34" charset="-122"/>
-                  </a:rPr>
-                  <a:t>个权重值</a:t>
-                </a:r>
-                <a14:m>
-                  <m:oMath xmlns:m="http://schemas.openxmlformats.org/officeDocument/2006/math">
-                    <m:sSub>
-                      <m:sSubPr>
-                        <m:ctrlPr>
-                          <a:rPr lang="en-US" altLang="zh-CN" b="0" i="1" smtClean="0">
-                            <a:solidFill>
-                              <a:srgbClr val="333333"/>
-                            </a:solidFill>
-                            <a:effectLst/>
-                            <a:latin typeface="Cambria Math" panose="02040503050406030204" pitchFamily="18" charset="0"/>
-                            <a:ea typeface="PingFang SC" panose="020B0400000000000000" pitchFamily="34" charset="-122"/>
-                          </a:rPr>
-                        </m:ctrlPr>
-                      </m:sSubPr>
-                      <m:e>
-                        <m:r>
-                          <a:rPr lang="en-US" altLang="zh-CN" b="0" i="1" smtClean="0">
-                            <a:solidFill>
-                              <a:srgbClr val="333333"/>
-                            </a:solidFill>
-                            <a:effectLst/>
-                            <a:latin typeface="Cambria Math" panose="02040503050406030204" pitchFamily="18" charset="0"/>
-                            <a:ea typeface="PingFang SC" panose="020B0400000000000000" pitchFamily="34" charset="-122"/>
-                          </a:rPr>
-                          <m:t>𝑤</m:t>
-                        </m:r>
-                      </m:e>
-                      <m:sub>
-                        <m:r>
-                          <a:rPr lang="en-US" altLang="zh-CN" b="0" i="1" smtClean="0">
-                            <a:solidFill>
-                              <a:srgbClr val="333333"/>
-                            </a:solidFill>
-                            <a:effectLst/>
-                            <a:latin typeface="Cambria Math" panose="02040503050406030204" pitchFamily="18" charset="0"/>
-                            <a:ea typeface="PingFang SC" panose="020B0400000000000000" pitchFamily="34" charset="-122"/>
-                          </a:rPr>
-                          <m:t>𝑗𝑖</m:t>
-                        </m:r>
-                      </m:sub>
-                    </m:sSub>
-                    <m:r>
-                      <a:rPr lang="zh-CN" altLang="en-US" i="1">
-                        <a:solidFill>
-                          <a:srgbClr val="333333"/>
-                        </a:solidFill>
-                        <a:latin typeface="Cambria Math" panose="02040503050406030204" pitchFamily="18" charset="0"/>
-                        <a:ea typeface="PingFang SC" panose="020B0400000000000000" pitchFamily="34" charset="-122"/>
-                      </a:rPr>
-                      <m:t>减去</m:t>
-                    </m:r>
-                  </m:oMath>
-                </a14:m>
-                <a:r>
-                  <a:rPr lang="zh-CN" altLang="en-US" b="0" i="0" dirty="0">
-                    <a:solidFill>
-                      <a:srgbClr val="333333"/>
-                    </a:solidFill>
-                    <a:effectLst/>
-                    <a:latin typeface="PingFang SC" panose="020B0400000000000000" pitchFamily="34" charset="-122"/>
-                    <a:ea typeface="PingFang SC" panose="020B0400000000000000" pitchFamily="34" charset="-122"/>
-                  </a:rPr>
-                  <a:t>一个很小的值</a:t>
-                </a:r>
-                <a14:m>
-                  <m:oMath xmlns:m="http://schemas.openxmlformats.org/officeDocument/2006/math">
-                    <m:r>
-                      <a:rPr lang="zh-CN" altLang="en-US" b="0" i="1" smtClean="0">
-                        <a:solidFill>
-                          <a:srgbClr val="333333"/>
-                        </a:solidFill>
-                        <a:effectLst/>
-                        <a:latin typeface="Cambria Math" panose="02040503050406030204" pitchFamily="18" charset="0"/>
-                        <a:ea typeface="PingFang SC" panose="020B0400000000000000" pitchFamily="34" charset="-122"/>
-                      </a:rPr>
-                      <m:t>𝜀</m:t>
-                    </m:r>
-                  </m:oMath>
-                </a14:m>
-                <a:r>
-                  <a:rPr lang="en-US" altLang="zh-CN" b="0" i="0" dirty="0">
-                    <a:solidFill>
-                      <a:srgbClr val="333333"/>
-                    </a:solidFill>
-                    <a:effectLst/>
-                    <a:latin typeface="PingFang SC" panose="020B0400000000000000" pitchFamily="34" charset="-122"/>
-                    <a:ea typeface="PingFang SC" panose="020B0400000000000000" pitchFamily="34" charset="-122"/>
-                  </a:rPr>
-                  <a:t>(</a:t>
-                </a:r>
-                <a:r>
-                  <a:rPr lang="en-US" altLang="zh-CN" b="0" i="0" dirty="0">
-                    <a:solidFill>
-                      <a:srgbClr val="333333"/>
-                    </a:solidFill>
-                    <a:effectLst/>
-                    <a:latin typeface="MJXc-TeX-main-R"/>
-                    <a:ea typeface="PingFang SC" panose="020B0400000000000000" pitchFamily="34" charset="-122"/>
-                  </a:rPr>
-                  <a:t>1e-4</a:t>
-                </a:r>
-                <a:r>
-                  <a:rPr lang="zh-CN" altLang="en-US" b="0" i="0" dirty="0">
-                    <a:solidFill>
-                      <a:srgbClr val="333333"/>
-                    </a:solidFill>
-                    <a:effectLst/>
-                    <a:latin typeface="PingFang SC" panose="020B0400000000000000" pitchFamily="34" charset="-122"/>
-                    <a:ea typeface="PingFang SC" panose="020B0400000000000000" pitchFamily="34" charset="-122"/>
-                  </a:rPr>
-                  <a:t> ），重新计算神经网络在这个样本</a:t>
-                </a:r>
-                <a:r>
-                  <a:rPr lang="en" altLang="zh-CN" b="0" i="0" dirty="0">
-                    <a:solidFill>
-                      <a:srgbClr val="333333"/>
-                    </a:solidFill>
-                    <a:effectLst/>
-                    <a:latin typeface="PingFang SC" panose="020B0400000000000000" pitchFamily="34" charset="-122"/>
-                    <a:ea typeface="PingFang SC" panose="020B0400000000000000" pitchFamily="34" charset="-122"/>
-                  </a:rPr>
-                  <a:t>d</a:t>
-                </a:r>
-                <a:r>
-                  <a:rPr lang="zh-CN" altLang="en-US" b="0" i="0" dirty="0">
-                    <a:solidFill>
-                      <a:srgbClr val="333333"/>
-                    </a:solidFill>
-                    <a:effectLst/>
-                    <a:latin typeface="PingFang SC" panose="020B0400000000000000" pitchFamily="34" charset="-122"/>
-                    <a:ea typeface="PingFang SC" panose="020B0400000000000000" pitchFamily="34" charset="-122"/>
-                  </a:rPr>
-                  <a:t>的</a:t>
-                </a:r>
-                <a:r>
-                  <a:rPr lang="en" altLang="zh-CN" b="0" i="0" dirty="0">
-                    <a:solidFill>
-                      <a:srgbClr val="333333"/>
-                    </a:solidFill>
-                    <a:effectLst/>
-                    <a:latin typeface="PingFang SC" panose="020B0400000000000000" pitchFamily="34" charset="-122"/>
-                    <a:ea typeface="PingFang SC" panose="020B0400000000000000" pitchFamily="34" charset="-122"/>
-                  </a:rPr>
-                  <a:t>E</a:t>
-                </a:r>
-                <a:r>
-                  <a:rPr lang="zh-CN" altLang="en-US" b="0" i="0" dirty="0">
-                    <a:solidFill>
-                      <a:srgbClr val="333333"/>
-                    </a:solidFill>
-                    <a:effectLst/>
-                    <a:latin typeface="PingFang SC" panose="020B0400000000000000" pitchFamily="34" charset="-122"/>
-                    <a:ea typeface="PingFang SC" panose="020B0400000000000000" pitchFamily="34" charset="-122"/>
-                  </a:rPr>
-                  <a:t>：</a:t>
-                </a:r>
-                <a14:m>
-                  <m:oMath xmlns:m="http://schemas.openxmlformats.org/officeDocument/2006/math">
-                    <m:r>
-                      <m:rPr>
-                        <m:sty m:val="p"/>
-                      </m:rPr>
-                      <a:rPr lang="en-US" altLang="zh-CN" b="0" i="0" smtClean="0">
-                        <a:solidFill>
-                          <a:srgbClr val="333333"/>
-                        </a:solidFill>
-                        <a:effectLst/>
-                        <a:latin typeface="Cambria Math" panose="02040503050406030204" pitchFamily="18" charset="0"/>
-                        <a:ea typeface="PingFang SC" panose="020B0400000000000000" pitchFamily="34" charset="-122"/>
-                      </a:rPr>
-                      <m:t>E</m:t>
-                    </m:r>
-                    <m:r>
-                      <a:rPr lang="en-US" altLang="zh-CN" b="0" i="1" smtClean="0">
-                        <a:solidFill>
-                          <a:srgbClr val="333333"/>
-                        </a:solidFill>
-                        <a:effectLst/>
-                        <a:latin typeface="Cambria Math" panose="02040503050406030204" pitchFamily="18" charset="0"/>
-                        <a:ea typeface="PingFang SC" panose="020B0400000000000000" pitchFamily="34" charset="-122"/>
-                      </a:rPr>
-                      <m:t>(</m:t>
-                    </m:r>
-                    <m:sSub>
-                      <m:sSubPr>
-                        <m:ctrlPr>
-                          <a:rPr lang="en-US" altLang="zh-CN" b="0" i="1" smtClean="0">
-                            <a:solidFill>
-                              <a:srgbClr val="333333"/>
-                            </a:solidFill>
-                            <a:effectLst/>
-                            <a:latin typeface="Cambria Math" panose="02040503050406030204" pitchFamily="18" charset="0"/>
-                            <a:ea typeface="PingFang SC" panose="020B0400000000000000" pitchFamily="34" charset="-122"/>
-                          </a:rPr>
-                        </m:ctrlPr>
-                      </m:sSubPr>
-                      <m:e>
-                        <m:r>
-                          <a:rPr lang="en-US" altLang="zh-CN" b="0" i="1" smtClean="0">
-                            <a:solidFill>
-                              <a:srgbClr val="333333"/>
-                            </a:solidFill>
-                            <a:effectLst/>
-                            <a:latin typeface="Cambria Math" panose="02040503050406030204" pitchFamily="18" charset="0"/>
-                            <a:ea typeface="PingFang SC" panose="020B0400000000000000" pitchFamily="34" charset="-122"/>
-                          </a:rPr>
-                          <m:t>𝑤</m:t>
-                        </m:r>
-                      </m:e>
-                      <m:sub>
-                        <m:r>
-                          <a:rPr lang="en-US" altLang="zh-CN" b="0" i="1" smtClean="0">
-                            <a:solidFill>
-                              <a:srgbClr val="333333"/>
-                            </a:solidFill>
-                            <a:effectLst/>
-                            <a:latin typeface="Cambria Math" panose="02040503050406030204" pitchFamily="18" charset="0"/>
-                            <a:ea typeface="PingFang SC" panose="020B0400000000000000" pitchFamily="34" charset="-122"/>
-                          </a:rPr>
-                          <m:t>𝑗𝑖</m:t>
-                        </m:r>
-                      </m:sub>
-                    </m:sSub>
-                    <m:r>
-                      <a:rPr lang="en-US" altLang="zh-CN" b="0" i="1" smtClean="0">
-                        <a:solidFill>
-                          <a:srgbClr val="333333"/>
-                        </a:solidFill>
-                        <a:effectLst/>
-                        <a:latin typeface="Cambria Math" panose="02040503050406030204" pitchFamily="18" charset="0"/>
-                        <a:ea typeface="PingFang SC" panose="020B0400000000000000" pitchFamily="34" charset="-122"/>
-                      </a:rPr>
-                      <m:t>−</m:t>
-                    </m:r>
-                    <m:r>
-                      <a:rPr lang="en-US" altLang="zh-CN" b="0" i="1" smtClean="0">
-                        <a:solidFill>
-                          <a:srgbClr val="333333"/>
-                        </a:solidFill>
-                        <a:effectLst/>
-                        <a:latin typeface="Cambria Math" panose="02040503050406030204" pitchFamily="18" charset="0"/>
-                        <a:ea typeface="Cambria Math" panose="02040503050406030204" pitchFamily="18" charset="0"/>
-                      </a:rPr>
-                      <m:t>𝜀</m:t>
-                    </m:r>
-                    <m:r>
-                      <a:rPr lang="en-US" altLang="zh-CN" b="0" i="1" smtClean="0">
-                        <a:solidFill>
-                          <a:srgbClr val="333333"/>
-                        </a:solidFill>
-                        <a:effectLst/>
-                        <a:latin typeface="Cambria Math" panose="02040503050406030204" pitchFamily="18" charset="0"/>
-                        <a:ea typeface="PingFang SC" panose="020B0400000000000000" pitchFamily="34" charset="-122"/>
-                      </a:rPr>
-                      <m:t>)</m:t>
-                    </m:r>
-                  </m:oMath>
-                </a14:m>
-                <a:endParaRPr lang="zh-CN" altLang="en" b="0" i="0" dirty="0">
-                  <a:solidFill>
-                    <a:srgbClr val="333333"/>
-                  </a:solidFill>
-                  <a:effectLst/>
-                  <a:latin typeface="PingFang SC" panose="020B0400000000000000" pitchFamily="34" charset="-122"/>
-                  <a:ea typeface="PingFang SC" panose="020B0400000000000000" pitchFamily="34" charset="-122"/>
-                </a:endParaRPr>
-              </a:p>
-              <a:p>
-                <a:pPr algn="l"/>
-                <a:r>
-                  <a:rPr lang="en" altLang="zh-CN" b="0" i="0" dirty="0">
-                    <a:solidFill>
-                      <a:srgbClr val="333333"/>
-                    </a:solidFill>
-                    <a:effectLst/>
-                    <a:latin typeface="PingFang SC" panose="020B0400000000000000" pitchFamily="34" charset="-122"/>
-                    <a:ea typeface="PingFang SC" panose="020B0400000000000000" pitchFamily="34" charset="-122"/>
-                  </a:rPr>
-                  <a:t>4</a:t>
-                </a:r>
-                <a:r>
-                  <a:rPr lang="zh-CN" altLang="en" b="0" i="0" dirty="0">
-                    <a:solidFill>
-                      <a:srgbClr val="333333"/>
-                    </a:solidFill>
-                    <a:effectLst/>
-                    <a:latin typeface="PingFang SC" panose="020B0400000000000000" pitchFamily="34" charset="-122"/>
-                    <a:ea typeface="PingFang SC" panose="020B0400000000000000" pitchFamily="34" charset="-122"/>
-                  </a:rPr>
-                  <a:t>、</a:t>
-                </a:r>
-                <a:r>
-                  <a:rPr lang="zh-CN" altLang="en-US" b="0" i="0" dirty="0">
-                    <a:solidFill>
-                      <a:srgbClr val="333333"/>
-                    </a:solidFill>
-                    <a:effectLst/>
-                    <a:latin typeface="PingFang SC" panose="020B0400000000000000" pitchFamily="34" charset="-122"/>
-                    <a:ea typeface="PingFang SC" panose="020B0400000000000000" pitchFamily="34" charset="-122"/>
-                  </a:rPr>
-                  <a:t>根据导数定义公式计算出期望的梯度值，和第一步获得的梯度值进行比较，误差小于</a:t>
-                </a:r>
-                <a:r>
-                  <a:rPr lang="en-US" altLang="zh-CN" b="0" i="0" dirty="0">
-                    <a:solidFill>
-                      <a:srgbClr val="333333"/>
-                    </a:solidFill>
-                    <a:effectLst/>
-                    <a:latin typeface="PingFang SC" panose="020B0400000000000000" pitchFamily="34" charset="-122"/>
-                    <a:ea typeface="PingFang SC" panose="020B0400000000000000" pitchFamily="34" charset="-122"/>
-                  </a:rPr>
-                  <a:t>1e-4</a:t>
-                </a:r>
-              </a:p>
-              <a:p>
-                <a:pPr algn="l"/>
-                <a:r>
-                  <a:rPr lang="en-US" altLang="zh-CN" dirty="0">
-                    <a:solidFill>
-                      <a:srgbClr val="333333"/>
-                    </a:solidFill>
-                    <a:latin typeface="PingFang SC" panose="020B0400000000000000" pitchFamily="34" charset="-122"/>
-                    <a:ea typeface="PingFang SC" panose="020B0400000000000000" pitchFamily="34" charset="-122"/>
-                  </a:rPr>
-                  <a:t>5</a:t>
-                </a:r>
-                <a:r>
-                  <a:rPr lang="zh-CN" altLang="en-US" dirty="0">
-                    <a:solidFill>
-                      <a:srgbClr val="333333"/>
-                    </a:solidFill>
-                    <a:latin typeface="PingFang SC" panose="020B0400000000000000" pitchFamily="34" charset="-122"/>
-                    <a:ea typeface="PingFang SC" panose="020B0400000000000000" pitchFamily="34" charset="-122"/>
-                  </a:rPr>
-                  <a:t>、</a:t>
-                </a:r>
-                <a:r>
-                  <a:rPr lang="zh-CN" altLang="en-US" b="0" i="0" dirty="0">
-                    <a:solidFill>
-                      <a:srgbClr val="333333"/>
-                    </a:solidFill>
-                    <a:effectLst/>
-                    <a:latin typeface="PingFang SC" panose="020B0400000000000000" pitchFamily="34" charset="-122"/>
-                    <a:ea typeface="PingFang SC" panose="020B0400000000000000" pitchFamily="34" charset="-122"/>
-                  </a:rPr>
-                  <a:t>重复上面的过程，对输出层的每个神经元以及神经元的每个权重进行检查</a:t>
-                </a:r>
-                <a:endParaRPr kumimoji="1" lang="zh-CN" altLang="en-US" dirty="0"/>
-              </a:p>
-            </p:txBody>
-          </p:sp>
-        </mc:Choice>
-        <mc:Fallback>
-          <p:sp>
-            <p:nvSpPr>
-              <p:cNvPr id="7" name="文本框 6">
-                <a:extLst>
-                  <a:ext uri="{FF2B5EF4-FFF2-40B4-BE49-F238E27FC236}">
-                    <a16:creationId xmlns:a16="http://schemas.microsoft.com/office/drawing/2014/main" id="{7AA7B2B5-D256-E3DC-10EF-0AA544BFF924}"/>
-                  </a:ext>
-                </a:extLst>
-              </p:cNvPr>
-              <p:cNvSpPr txBox="1">
-                <a:spLocks noRot="1" noChangeAspect="1" noMove="1" noResize="1" noEditPoints="1" noAdjustHandles="1" noChangeArrowheads="1" noChangeShapeType="1" noTextEdit="1"/>
-              </p:cNvSpPr>
-              <p:nvPr/>
-            </p:nvSpPr>
-            <p:spPr>
-              <a:xfrm>
-                <a:off x="540971" y="4123129"/>
-                <a:ext cx="11031418" cy="1524969"/>
-              </a:xfrm>
-              <a:prstGeom prst="rect">
-                <a:avLst/>
-              </a:prstGeom>
-              <a:blipFill>
-                <a:blip r:embed="rId3"/>
-                <a:stretch>
-                  <a:fillRect l="-460" t="-1653" b="-5785"/>
-                </a:stretch>
-              </a:blipFill>
-            </p:spPr>
-            <p:txBody>
-              <a:bodyPr/>
-              <a:lstStyle/>
-              <a:p>
-                <a:r>
-                  <a:rPr lang="zh-CN" altLang="en-US">
-                    <a:noFill/>
-                  </a:rPr>
-                  <a:t> </a:t>
-                </a:r>
-              </a:p>
-            </p:txBody>
-          </p:sp>
-        </mc:Fallback>
-      </mc:AlternateContent>
-      <p:pic>
-        <p:nvPicPr>
-          <p:cNvPr id="11" name="图片 10">
+      <p:sp>
+        <p:nvSpPr>
+          <p:cNvPr id="2" name="文本框 1">
             <a:extLst>
               <a:ext uri="{FF2B5EF4-FFF2-40B4-BE49-F238E27FC236}">
-                <a16:creationId xmlns:a16="http://schemas.microsoft.com/office/drawing/2014/main" id="{D9B5DD49-FD3D-7446-5E50-C824830ECA82}"/>
+                <a16:creationId xmlns:a16="http://schemas.microsoft.com/office/drawing/2014/main" id="{5AA1468A-515D-517C-1468-21D146087852}"/>
               </a:ext>
             </a:extLst>
           </p:cNvPr>
-          <p:cNvPicPr>
-            <a:picLocks noChangeAspect="1"/>
-          </p:cNvPicPr>
+          <p:cNvSpPr txBox="1"/>
           <p:nvPr/>
-        </p:nvPicPr>
-        <p:blipFill>
-          <a:blip r:embed="rId4">
-            <a:extLst>
-              <a:ext uri="{28A0092B-C50C-407E-A947-70E740481C1C}">
-                <a14:useLocalDpi xmlns:a14="http://schemas.microsoft.com/office/drawing/2010/main" val="0"/>
-              </a:ext>
-            </a:extLst>
-          </a:blip>
-          <a:stretch>
-            <a:fillRect/>
-          </a:stretch>
-        </p:blipFill>
+        </p:nvSpPr>
         <p:spPr>
           <a:xfrm>
-            <a:off x="7701329" y="1473833"/>
-            <a:ext cx="4254500" cy="1003300"/>
+            <a:off x="6430946" y="1748567"/>
+            <a:ext cx="2262158" cy="369332"/>
           </a:xfrm>
           <a:prstGeom prst="rect">
             <a:avLst/>
           </a:prstGeom>
+          <a:noFill/>
         </p:spPr>
-      </p:pic>
-      <p:pic>
-        <p:nvPicPr>
-          <p:cNvPr id="13" name="图片 12">
-            <a:extLst>
-              <a:ext uri="{FF2B5EF4-FFF2-40B4-BE49-F238E27FC236}">
-                <a16:creationId xmlns:a16="http://schemas.microsoft.com/office/drawing/2014/main" id="{6D17AFA6-B54C-3AD6-8614-95E4B38CA9F8}"/>
-              </a:ext>
-            </a:extLst>
-          </p:cNvPr>
-          <p:cNvPicPr>
-            <a:picLocks noChangeAspect="1"/>
-          </p:cNvPicPr>
-          <p:nvPr/>
-        </p:nvPicPr>
-        <p:blipFill>
-          <a:blip r:embed="rId5">
-            <a:extLst>
-              <a:ext uri="{28A0092B-C50C-407E-A947-70E740481C1C}">
-                <a14:useLocalDpi xmlns:a14="http://schemas.microsoft.com/office/drawing/2010/main" val="0"/>
-              </a:ext>
-            </a:extLst>
-          </a:blip>
-          <a:stretch>
-            <a:fillRect/>
-          </a:stretch>
-        </p:blipFill>
-        <p:spPr>
-          <a:xfrm>
-            <a:off x="5487726" y="2629533"/>
-            <a:ext cx="5727700" cy="965200"/>
-          </a:xfrm>
-          <a:prstGeom prst="rect">
-            <a:avLst/>
-          </a:prstGeom>
-        </p:spPr>
-      </p:pic>
-      <p:pic>
-        <p:nvPicPr>
-          <p:cNvPr id="14" name="图片 13">
-            <a:extLst>
-              <a:ext uri="{FF2B5EF4-FFF2-40B4-BE49-F238E27FC236}">
-                <a16:creationId xmlns:a16="http://schemas.microsoft.com/office/drawing/2014/main" id="{1D057AF2-711E-86FD-43D6-BDAFD4029977}"/>
-              </a:ext>
-            </a:extLst>
-          </p:cNvPr>
-          <p:cNvPicPr>
-            <a:picLocks noChangeAspect="1"/>
-          </p:cNvPicPr>
-          <p:nvPr/>
-        </p:nvPicPr>
-        <p:blipFill>
-          <a:blip r:embed="rId6">
-            <a:extLst>
-              <a:ext uri="{28A0092B-C50C-407E-A947-70E740481C1C}">
-                <a14:useLocalDpi xmlns:a14="http://schemas.microsoft.com/office/drawing/2010/main" val="0"/>
-              </a:ext>
-            </a:extLst>
-          </a:blip>
-          <a:stretch>
-            <a:fillRect/>
-          </a:stretch>
-        </p:blipFill>
-        <p:spPr>
-          <a:xfrm>
-            <a:off x="1919236" y="2807765"/>
-            <a:ext cx="2832155" cy="978679"/>
-          </a:xfrm>
-          <a:prstGeom prst="rect">
-            <a:avLst/>
-          </a:prstGeom>
-        </p:spPr>
-      </p:pic>
-    </p:spTree>
-    <p:custDataLst>
-      <p:tags r:id="rId1"/>
-    </p:custDataLst>
-    <p:extLst>
-      <p:ext uri="{BB962C8B-B14F-4D97-AF65-F5344CB8AC3E}">
-        <p14:creationId xmlns:p14="http://schemas.microsoft.com/office/powerpoint/2010/main" val="1462724034"/>
-      </p:ext>
-    </p:extLst>
-  </p:cSld>
-  <p:clrMapOvr>
-    <a:masterClrMapping/>
-  </p:clrMapOvr>
-  <p:timing>
-    <p:tnLst>
-      <p:par>
-        <p:cTn id="1" dur="indefinite" restart="never" nodeType="tmRoot">
-          <p:childTnLst>
-            <p:seq concurrent="1" nextAc="seek">
-              <p:cTn id="2" dur="indefinite" nodeType="mainSeq">
-                <p:childTnLst>
-                  <p:par>
-                    <p:cTn id="3" fill="hold">
-                      <p:stCondLst>
-                        <p:cond delay="indefinite"/>
-                      </p:stCondLst>
-                      <p:childTnLst>
-                        <p:par>
-                          <p:cTn id="4" fill="hold">
-                            <p:stCondLst>
-                              <p:cond delay="0"/>
-                            </p:stCondLst>
-                            <p:childTnLst>
-                              <p:par>
-                                <p:cTn id="5" presetID="1" presetClass="entr" presetSubtype="0" fill="hold" grpId="0" nodeType="clickEffect">
-                                  <p:stCondLst>
-                                    <p:cond delay="0"/>
-                                  </p:stCondLst>
-                                  <p:childTnLst>
-                                    <p:set>
-                                      <p:cBhvr>
-                                        <p:cTn id="6" dur="1" fill="hold">
-                                          <p:stCondLst>
-                                            <p:cond delay="0"/>
-                                          </p:stCondLst>
-                                        </p:cTn>
-                                        <p:tgtEl>
-                                          <p:spTgt spid="6"/>
-                                        </p:tgtEl>
-                                        <p:attrNameLst>
-                                          <p:attrName>style.visibility</p:attrName>
-                                        </p:attrNameLst>
-                                      </p:cBhvr>
-                                      <p:to>
-                                        <p:strVal val="visible"/>
-                                      </p:to>
-                                    </p:set>
-                                  </p:childTnLst>
-                                </p:cTn>
-                              </p:par>
-                            </p:childTnLst>
-                          </p:cTn>
-                        </p:par>
-                      </p:childTnLst>
-                    </p:cTn>
-                  </p:par>
-                  <p:par>
-                    <p:cTn id="7" fill="hold">
-                      <p:stCondLst>
-                        <p:cond delay="indefinite"/>
-                      </p:stCondLst>
-                      <p:childTnLst>
-                        <p:par>
-                          <p:cTn id="8" fill="hold">
-                            <p:stCondLst>
-                              <p:cond delay="0"/>
-                            </p:stCondLst>
-                            <p:childTnLst>
-                              <p:par>
-                                <p:cTn id="9" presetID="1" presetClass="entr" presetSubtype="0" fill="hold" nodeType="clickEffect">
-                                  <p:stCondLst>
-                                    <p:cond delay="0"/>
-                                  </p:stCondLst>
-                                  <p:childTnLst>
-                                    <p:set>
-                                      <p:cBhvr>
-                                        <p:cTn id="10" dur="1" fill="hold">
-                                          <p:stCondLst>
-                                            <p:cond delay="0"/>
-                                          </p:stCondLst>
-                                        </p:cTn>
-                                        <p:tgtEl>
-                                          <p:spTgt spid="14"/>
-                                        </p:tgtEl>
-                                        <p:attrNameLst>
-                                          <p:attrName>style.visibility</p:attrName>
-                                        </p:attrNameLst>
-                                      </p:cBhvr>
-                                      <p:to>
-                                        <p:strVal val="visible"/>
-                                      </p:to>
-                                    </p:set>
-                                  </p:childTnLst>
-                                </p:cTn>
-                              </p:par>
-                            </p:childTnLst>
-                          </p:cTn>
-                        </p:par>
-                      </p:childTnLst>
-                    </p:cTn>
-                  </p:par>
-                </p:childTnLst>
-              </p:cTn>
-              <p:prevCondLst>
-                <p:cond evt="onPrev" delay="0">
-                  <p:tgtEl>
-                    <p:sldTgt/>
-                  </p:tgtEl>
-                </p:cond>
-              </p:prevCondLst>
-              <p:nextCondLst>
-                <p:cond evt="onNext" delay="0">
-                  <p:tgtEl>
-                    <p:sldTgt/>
-                  </p:tgtEl>
-                </p:cond>
-              </p:nextCondLst>
-            </p:seq>
-          </p:childTnLst>
-        </p:cTn>
-      </p:par>
-    </p:tnLst>
-    <p:bldLst>
-      <p:bldP spid="6" grpId="0"/>
-    </p:bldLst>
-  </p:timing>
-</p:sld>
-</file>
-
-<file path=ppt/slides/slide16.xml><?xml version="1.0" encoding="utf-8"?>
-<p:sld xmlns:a="http://schemas.openxmlformats.org/drawingml/2006/main" xmlns:r="http://schemas.openxmlformats.org/officeDocument/2006/relationships" xmlns:p="http://schemas.openxmlformats.org/presentationml/2006/main">
-  <p:cSld>
-    <p:spTree>
-      <p:nvGrpSpPr>
-        <p:cNvPr id="1" name=""/>
-        <p:cNvGrpSpPr/>
-        <p:nvPr/>
-      </p:nvGrpSpPr>
-      <p:grpSpPr>
-        <a:xfrm>
-          <a:off x="0" y="0"/>
-          <a:ext cx="0" cy="0"/>
-          <a:chOff x="0" y="0"/>
-          <a:chExt cx="0" cy="0"/>
-        </a:xfrm>
-      </p:grpSpPr>
-      <p:sp>
-        <p:nvSpPr>
-          <p:cNvPr id="2" name="标题 1"/>
-          <p:cNvSpPr>
-            <a:spLocks noGrp="1"/>
-          </p:cNvSpPr>
-          <p:nvPr>
-            <p:ph type="title"/>
-          </p:nvPr>
-        </p:nvSpPr>
-        <p:spPr/>
         <p:txBody>
-          <a:bodyPr/>
+          <a:bodyPr wrap="none" rtlCol="0">
+            <a:spAutoFit/>
+          </a:bodyPr>
           <a:lstStyle/>
           <a:p>
             <a:r>
-              <a:rPr lang="zh-CN" altLang="en-US" dirty="0">
-                <a:sym typeface="+mn-ea"/>
-              </a:rPr>
-              <a:t>任务</a:t>
-            </a:r>
-            <a:r>
-              <a:rPr dirty="0">
-                <a:sym typeface="+mn-ea"/>
-              </a:rPr>
-              <a:t>：</a:t>
-            </a:r>
-            <a:r>
-              <a:rPr lang="zh-CN" altLang="en-US" dirty="0">
-                <a:sym typeface="+mn-ea"/>
-              </a:rPr>
-              <a:t>实现输出层的梯度检查</a:t>
-            </a:r>
-            <a:endParaRPr lang="zh-CN" altLang="en-US" dirty="0"/>
+              <a:rPr kumimoji="1" lang="zh-CN" altLang="en-US" dirty="0"/>
+              <a:t>通过打印</a:t>
+            </a:r>
+            <a:r>
+              <a:rPr kumimoji="1" lang="en-US" altLang="zh-CN" dirty="0"/>
+              <a:t>(log)</a:t>
+            </a:r>
+            <a:r>
+              <a:rPr kumimoji="1" lang="zh-CN" altLang="en-US" dirty="0"/>
+              <a:t>来调试</a:t>
+            </a:r>
           </a:p>
         </p:txBody>
       </p:sp>
@@ -10129,496 +8909,7 @@
     </p:custDataLst>
     <p:extLst>
       <p:ext uri="{BB962C8B-B14F-4D97-AF65-F5344CB8AC3E}">
-        <p14:creationId xmlns:p14="http://schemas.microsoft.com/office/powerpoint/2010/main" val="3364006809"/>
-      </p:ext>
-    </p:extLst>
-  </p:cSld>
-  <p:clrMapOvr>
-    <a:masterClrMapping/>
-  </p:clrMapOvr>
-</p:sld>
-</file>
-
-<file path=ppt/slides/slide17.xml><?xml version="1.0" encoding="utf-8"?>
-<p:sld xmlns:a="http://schemas.openxmlformats.org/drawingml/2006/main" xmlns:r="http://schemas.openxmlformats.org/officeDocument/2006/relationships" xmlns:p="http://schemas.openxmlformats.org/presentationml/2006/main">
-  <p:cSld>
-    <p:spTree>
-      <p:nvGrpSpPr>
-        <p:cNvPr id="1" name=""/>
-        <p:cNvGrpSpPr/>
-        <p:nvPr/>
-      </p:nvGrpSpPr>
-      <p:grpSpPr>
-        <a:xfrm>
-          <a:off x="0" y="0"/>
-          <a:ext cx="0" cy="0"/>
-          <a:chOff x="0" y="0"/>
-          <a:chExt cx="0" cy="0"/>
-        </a:xfrm>
-      </p:grpSpPr>
-      <p:sp>
-        <p:nvSpPr>
-          <p:cNvPr id="2" name="文本占位符 1"/>
-          <p:cNvSpPr>
-            <a:spLocks noGrp="1"/>
-          </p:cNvSpPr>
-          <p:nvPr>
-            <p:ph type="body" idx="1"/>
-          </p:nvPr>
-        </p:nvSpPr>
-        <p:spPr/>
-        <p:txBody>
-          <a:bodyPr/>
-          <a:lstStyle/>
-          <a:p>
-            <a:pPr marL="285750" indent="-285750">
-              <a:buFont typeface="Arial" panose="020B0604020202020204" pitchFamily="34" charset="0"/>
-              <a:buChar char="•"/>
-            </a:pPr>
-            <a:endParaRPr lang="en-US" altLang="zh-CN" dirty="0"/>
-          </a:p>
-          <a:p>
-            <a:pPr marL="285750" indent="-285750">
-              <a:buFont typeface="Arial" panose="020B0604020202020204" pitchFamily="34" charset="0"/>
-              <a:buChar char="•"/>
-            </a:pPr>
-            <a:endParaRPr lang="en-US" altLang="zh-CN" dirty="0"/>
-          </a:p>
-          <a:p>
-            <a:pPr marL="285750" indent="-285750">
-              <a:buFont typeface="Arial" panose="020B0604020202020204" pitchFamily="34" charset="0"/>
-              <a:buChar char="•"/>
-            </a:pPr>
-            <a:endParaRPr lang="en-US" altLang="zh-CN" dirty="0"/>
-          </a:p>
-          <a:p>
-            <a:pPr marL="285750" indent="-285750">
-              <a:buFont typeface="Arial" panose="020B0604020202020204" pitchFamily="34" charset="0"/>
-              <a:buChar char="•"/>
-            </a:pPr>
-            <a:endParaRPr lang="en-US" altLang="zh-CN" dirty="0"/>
-          </a:p>
-          <a:p>
-            <a:pPr marL="285750" indent="-285750">
-              <a:buFont typeface="Arial" panose="020B0604020202020204" pitchFamily="34" charset="0"/>
-              <a:buChar char="•"/>
-            </a:pPr>
-            <a:endParaRPr lang="en-US" altLang="zh-CN" dirty="0"/>
-          </a:p>
-          <a:p>
-            <a:pPr marL="285750" indent="-285750">
-              <a:buFont typeface="Arial" panose="020B0604020202020204" pitchFamily="34" charset="0"/>
-              <a:buChar char="•"/>
-            </a:pPr>
-            <a:endParaRPr lang="en-US" altLang="zh-CN" dirty="0"/>
-          </a:p>
-          <a:p>
-            <a:endParaRPr lang="en-US" altLang="zh-CN" dirty="0"/>
-          </a:p>
-        </p:txBody>
-      </p:sp>
-      <p:sp>
-        <p:nvSpPr>
-          <p:cNvPr id="3" name="标题 2"/>
-          <p:cNvSpPr>
-            <a:spLocks noGrp="1"/>
-          </p:cNvSpPr>
-          <p:nvPr>
-            <p:ph type="title"/>
-          </p:nvPr>
-        </p:nvSpPr>
-        <p:spPr/>
-        <p:txBody>
-          <a:bodyPr/>
-          <a:lstStyle/>
-          <a:p>
-            <a:r>
-              <a:rPr lang="zh-CN" altLang="en-US" dirty="0">
-                <a:sym typeface="+mn-ea"/>
-              </a:rPr>
-              <a:t>任务：实现输出层的梯度检查</a:t>
-            </a:r>
-            <a:endParaRPr dirty="0">
-              <a:sym typeface="+mn-ea"/>
-            </a:endParaRPr>
-          </a:p>
-        </p:txBody>
-      </p:sp>
-      <p:sp>
-        <p:nvSpPr>
-          <p:cNvPr id="6" name="文本占位符 1">
-            <a:extLst>
-              <a:ext uri="{FF2B5EF4-FFF2-40B4-BE49-F238E27FC236}">
-                <a16:creationId xmlns:a16="http://schemas.microsoft.com/office/drawing/2014/main" id="{BA88068A-4FDC-6963-46A5-ADEC46CDA15E}"/>
-              </a:ext>
-            </a:extLst>
-          </p:cNvPr>
-          <p:cNvSpPr txBox="1">
-            <a:spLocks/>
-          </p:cNvSpPr>
-          <p:nvPr/>
-        </p:nvSpPr>
-        <p:spPr>
-          <a:xfrm>
-            <a:off x="822325" y="1778635"/>
-            <a:ext cx="10852150" cy="4553585"/>
-          </a:xfrm>
-        </p:spPr>
-        <p:txBody>
-          <a:bodyPr lIns="101600" tIns="38100" rIns="76200" bIns="38100">
-            <a:noAutofit/>
-          </a:bodyPr>
-          <a:lstStyle>
-            <a:lvl1pPr marL="0" indent="0" algn="l" defTabSz="914400" rtl="0" eaLnBrk="1" fontAlgn="auto" latinLnBrk="0" hangingPunct="1">
-              <a:lnSpc>
-                <a:spcPct val="130000"/>
-              </a:lnSpc>
-              <a:spcBef>
-                <a:spcPts val="0"/>
-              </a:spcBef>
-              <a:spcAft>
-                <a:spcPts val="1000"/>
-              </a:spcAft>
-              <a:buFont typeface="Arial" panose="020B0604020202020204" pitchFamily="34" charset="0"/>
-              <a:buNone/>
-              <a:defRPr kumimoji="0" lang="zh-CN" altLang="en-US" sz="1600" b="0" i="0" u="none" strike="noStrike" kern="1200" cap="none" spc="150" normalizeH="0" baseline="0" noProof="1">
-                <a:solidFill>
-                  <a:schemeClr val="tx1"/>
-                </a:solidFill>
-                <a:uFillTx/>
-                <a:latin typeface="+mn-lt"/>
-                <a:ea typeface="+mn-ea"/>
-                <a:cs typeface="+mn-cs"/>
-                <a:sym typeface="+mn-ea"/>
-              </a:defRPr>
-            </a:lvl1pPr>
-            <a:lvl2pPr marL="457200" indent="0" algn="l" defTabSz="914400" rtl="0" eaLnBrk="1" fontAlgn="auto" latinLnBrk="0" hangingPunct="1">
-              <a:lnSpc>
-                <a:spcPct val="130000"/>
-              </a:lnSpc>
-              <a:spcBef>
-                <a:spcPts val="0"/>
-              </a:spcBef>
-              <a:spcAft>
-                <a:spcPts val="1000"/>
-              </a:spcAft>
-              <a:buFont typeface="Arial" panose="020B0604020202020204" pitchFamily="34" charset="0"/>
-              <a:buNone/>
-              <a:tabLst>
-                <a:tab pos="1609725" algn="l"/>
-              </a:tabLst>
-              <a:defRPr sz="2000" u="none" strike="noStrike" kern="1200" cap="none" spc="150" normalizeH="0" baseline="0">
-                <a:solidFill>
-                  <a:schemeClr val="tx1">
-                    <a:tint val="75000"/>
-                  </a:schemeClr>
-                </a:solidFill>
-                <a:uFillTx/>
-                <a:latin typeface="+mn-lt"/>
-                <a:ea typeface="+mn-ea"/>
-                <a:cs typeface="+mn-cs"/>
-              </a:defRPr>
-            </a:lvl2pPr>
-            <a:lvl3pPr marL="914400" indent="0" algn="l" defTabSz="914400" rtl="0" eaLnBrk="1" fontAlgn="auto" latinLnBrk="0" hangingPunct="1">
-              <a:lnSpc>
-                <a:spcPct val="130000"/>
-              </a:lnSpc>
-              <a:spcBef>
-                <a:spcPts val="0"/>
-              </a:spcBef>
-              <a:spcAft>
-                <a:spcPts val="1000"/>
-              </a:spcAft>
-              <a:buFont typeface="Arial" panose="020B0604020202020204" pitchFamily="34" charset="0"/>
-              <a:buNone/>
-              <a:defRPr sz="1800" u="none" strike="noStrike" kern="1200" cap="none" spc="150" normalizeH="0" baseline="0">
-                <a:solidFill>
-                  <a:schemeClr val="tx1">
-                    <a:tint val="75000"/>
-                  </a:schemeClr>
-                </a:solidFill>
-                <a:uFillTx/>
-                <a:latin typeface="+mn-lt"/>
-                <a:ea typeface="+mn-ea"/>
-                <a:cs typeface="+mn-cs"/>
-              </a:defRPr>
-            </a:lvl3pPr>
-            <a:lvl4pPr marL="1371600" indent="0" algn="l" defTabSz="914400" rtl="0" eaLnBrk="1" fontAlgn="auto" latinLnBrk="0" hangingPunct="1">
-              <a:lnSpc>
-                <a:spcPct val="130000"/>
-              </a:lnSpc>
-              <a:spcBef>
-                <a:spcPts val="0"/>
-              </a:spcBef>
-              <a:spcAft>
-                <a:spcPts val="1000"/>
-              </a:spcAft>
-              <a:buFont typeface="Arial" panose="020B0604020202020204" pitchFamily="34" charset="0"/>
-              <a:buNone/>
-              <a:defRPr sz="1600" u="none" strike="noStrike" kern="1200" cap="none" spc="150" normalizeH="0" baseline="0">
-                <a:solidFill>
-                  <a:schemeClr val="tx1">
-                    <a:tint val="75000"/>
-                  </a:schemeClr>
-                </a:solidFill>
-                <a:uFillTx/>
-                <a:latin typeface="+mn-lt"/>
-                <a:ea typeface="+mn-ea"/>
-                <a:cs typeface="+mn-cs"/>
-              </a:defRPr>
-            </a:lvl4pPr>
-            <a:lvl5pPr marL="1828800" indent="0" algn="l" defTabSz="914400" rtl="0" eaLnBrk="1" fontAlgn="auto" latinLnBrk="0" hangingPunct="1">
-              <a:lnSpc>
-                <a:spcPct val="130000"/>
-              </a:lnSpc>
-              <a:spcBef>
-                <a:spcPts val="0"/>
-              </a:spcBef>
-              <a:spcAft>
-                <a:spcPts val="1000"/>
-              </a:spcAft>
-              <a:buFont typeface="Arial" panose="020B0604020202020204" pitchFamily="34" charset="0"/>
-              <a:buNone/>
-              <a:defRPr sz="1600" u="none" strike="noStrike" kern="1200" cap="none" spc="150" normalizeH="0" baseline="0">
-                <a:solidFill>
-                  <a:schemeClr val="tx1">
-                    <a:tint val="75000"/>
-                  </a:schemeClr>
-                </a:solidFill>
-                <a:uFillTx/>
-                <a:latin typeface="+mn-lt"/>
-                <a:ea typeface="+mn-ea"/>
-                <a:cs typeface="+mn-cs"/>
-              </a:defRPr>
-            </a:lvl5pPr>
-            <a:lvl6pPr marL="2286000" indent="0" algn="l" defTabSz="914400" rtl="0" eaLnBrk="1" latinLnBrk="0" hangingPunct="1">
-              <a:lnSpc>
-                <a:spcPct val="90000"/>
-              </a:lnSpc>
-              <a:spcBef>
-                <a:spcPts val="500"/>
-              </a:spcBef>
-              <a:buFont typeface="Arial" panose="020B0604020202020204" pitchFamily="34" charset="0"/>
-              <a:buNone/>
-              <a:defRPr sz="1600" kern="1200">
-                <a:solidFill>
-                  <a:schemeClr val="tx1">
-                    <a:tint val="75000"/>
-                  </a:schemeClr>
-                </a:solidFill>
-                <a:latin typeface="+mn-lt"/>
-                <a:ea typeface="+mn-ea"/>
-                <a:cs typeface="+mn-cs"/>
-              </a:defRPr>
-            </a:lvl6pPr>
-            <a:lvl7pPr marL="2743200" indent="0" algn="l" defTabSz="914400" rtl="0" eaLnBrk="1" latinLnBrk="0" hangingPunct="1">
-              <a:lnSpc>
-                <a:spcPct val="90000"/>
-              </a:lnSpc>
-              <a:spcBef>
-                <a:spcPts val="500"/>
-              </a:spcBef>
-              <a:buFont typeface="Arial" panose="020B0604020202020204" pitchFamily="34" charset="0"/>
-              <a:buNone/>
-              <a:defRPr sz="1600" kern="1200">
-                <a:solidFill>
-                  <a:schemeClr val="tx1">
-                    <a:tint val="75000"/>
-                  </a:schemeClr>
-                </a:solidFill>
-                <a:latin typeface="+mn-lt"/>
-                <a:ea typeface="+mn-ea"/>
-                <a:cs typeface="+mn-cs"/>
-              </a:defRPr>
-            </a:lvl7pPr>
-            <a:lvl8pPr marL="3200400" indent="0" algn="l" defTabSz="914400" rtl="0" eaLnBrk="1" latinLnBrk="0" hangingPunct="1">
-              <a:lnSpc>
-                <a:spcPct val="90000"/>
-              </a:lnSpc>
-              <a:spcBef>
-                <a:spcPts val="500"/>
-              </a:spcBef>
-              <a:buFont typeface="Arial" panose="020B0604020202020204" pitchFamily="34" charset="0"/>
-              <a:buNone/>
-              <a:defRPr sz="1600" kern="1200">
-                <a:solidFill>
-                  <a:schemeClr val="tx1">
-                    <a:tint val="75000"/>
-                  </a:schemeClr>
-                </a:solidFill>
-                <a:latin typeface="+mn-lt"/>
-                <a:ea typeface="+mn-ea"/>
-                <a:cs typeface="+mn-cs"/>
-              </a:defRPr>
-            </a:lvl8pPr>
-            <a:lvl9pPr marL="3657600" indent="0" algn="l" defTabSz="914400" rtl="0" eaLnBrk="1" latinLnBrk="0" hangingPunct="1">
-              <a:lnSpc>
-                <a:spcPct val="90000"/>
-              </a:lnSpc>
-              <a:spcBef>
-                <a:spcPts val="500"/>
-              </a:spcBef>
-              <a:buFont typeface="Arial" panose="020B0604020202020204" pitchFamily="34" charset="0"/>
-              <a:buNone/>
-              <a:defRPr sz="1600" kern="1200">
-                <a:solidFill>
-                  <a:schemeClr val="tx1">
-                    <a:tint val="75000"/>
-                  </a:schemeClr>
-                </a:solidFill>
-                <a:latin typeface="+mn-lt"/>
-                <a:ea typeface="+mn-ea"/>
-                <a:cs typeface="+mn-cs"/>
-              </a:defRPr>
-            </a:lvl9pPr>
-          </a:lstStyle>
-          <a:p>
-            <a:pPr marL="285750" indent="-285750">
-              <a:buFont typeface="Arial" panose="020B0604020202020204" pitchFamily="34" charset="0"/>
-              <a:buChar char="•"/>
-            </a:pPr>
-            <a:r>
-              <a:rPr lang="zh-CN" altLang="en-US" dirty="0"/>
-              <a:t>请实现输出层的梯度检查</a:t>
-            </a:r>
-            <a:endParaRPr lang="en-US" altLang="zh-CN" dirty="0"/>
-          </a:p>
-          <a:p>
-            <a:pPr marL="285750" indent="-285750">
-              <a:buFont typeface="Arial" panose="020B0604020202020204" pitchFamily="34" charset="0"/>
-              <a:buChar char="•"/>
-            </a:pPr>
-            <a:r>
-              <a:rPr lang="zh-CN" altLang="en-US" dirty="0"/>
-              <a:t>运行代码，验证检查是否通过</a:t>
-            </a:r>
-            <a:endParaRPr lang="en-US" altLang="zh-CN" dirty="0"/>
-          </a:p>
-          <a:p>
-            <a:pPr marL="285750" indent="-285750">
-              <a:buFont typeface="Arial" panose="020B0604020202020204" pitchFamily="34" charset="0"/>
-              <a:buChar char="•"/>
-            </a:pPr>
-            <a:endParaRPr lang="en-US" altLang="zh-CN" dirty="0"/>
-          </a:p>
-          <a:p>
-            <a:pPr marL="285750" indent="-285750">
-              <a:buFont typeface="Arial" panose="020B0604020202020204" pitchFamily="34" charset="0"/>
-              <a:buChar char="•"/>
-            </a:pPr>
-            <a:r>
-              <a:rPr lang="zh-CN" altLang="en-US" dirty="0"/>
-              <a:t>自学、展学</a:t>
-            </a:r>
-          </a:p>
-          <a:p>
-            <a:pPr marL="285750" indent="-285750">
-              <a:buFont typeface="Arial" panose="020B0604020202020204" pitchFamily="34" charset="0"/>
-              <a:buChar char="•"/>
-            </a:pPr>
-            <a:endParaRPr lang="zh-CN" altLang="en-US" dirty="0"/>
-          </a:p>
-          <a:p>
-            <a:pPr marL="285750" indent="-285750">
-              <a:buFont typeface="Arial" panose="020B0604020202020204" pitchFamily="34" charset="0"/>
-              <a:buChar char="•"/>
-            </a:pPr>
-            <a:endParaRPr lang="en-US" altLang="zh-CN" dirty="0"/>
-          </a:p>
-          <a:p>
-            <a:pPr marL="285750" indent="-285750">
-              <a:buFont typeface="Arial" panose="020B0604020202020204" pitchFamily="34" charset="0"/>
-              <a:buChar char="•"/>
-            </a:pPr>
-            <a:endParaRPr lang="zh-CN" altLang="en-US" dirty="0"/>
-          </a:p>
-          <a:p>
-            <a:pPr marL="285750" indent="-285750">
-              <a:buFont typeface="Arial" panose="020B0604020202020204" pitchFamily="34" charset="0"/>
-              <a:buChar char="•"/>
-            </a:pPr>
-            <a:endParaRPr lang="zh-CN" altLang="en-US" dirty="0"/>
-          </a:p>
-          <a:p>
-            <a:pPr marL="285750" indent="-285750">
-              <a:buFont typeface="Arial" panose="020B0604020202020204" pitchFamily="34" charset="0"/>
-              <a:buChar char="•"/>
-            </a:pPr>
-            <a:endParaRPr lang="zh-CN" altLang="en-US" dirty="0"/>
-          </a:p>
-          <a:p>
-            <a:pPr marL="285750" indent="-285750">
-              <a:buFont typeface="Arial" panose="020B0604020202020204" pitchFamily="34" charset="0"/>
-              <a:buChar char="•"/>
-            </a:pPr>
-            <a:endParaRPr lang="zh-CN" altLang="en-US" dirty="0"/>
-          </a:p>
-          <a:p>
-            <a:pPr marL="285750" indent="-285750">
-              <a:buFont typeface="Arial" panose="020B0604020202020204" pitchFamily="34" charset="0"/>
-              <a:buChar char="•"/>
-            </a:pPr>
-            <a:endParaRPr lang="zh-CN" altLang="en-US" dirty="0"/>
-          </a:p>
-          <a:p>
-            <a:pPr marL="285750" indent="-285750">
-              <a:buFont typeface="Arial" panose="020B0604020202020204" pitchFamily="34" charset="0"/>
-              <a:buChar char="•"/>
-            </a:pPr>
-            <a:endParaRPr lang="zh-CN" altLang="en-US" dirty="0"/>
-          </a:p>
-          <a:p>
-            <a:pPr marL="285750" indent="-285750">
-              <a:buFont typeface="Arial" panose="020B0604020202020204" pitchFamily="34" charset="0"/>
-              <a:buChar char="•"/>
-            </a:pPr>
-            <a:endParaRPr lang="zh-CN" altLang="en-US" dirty="0"/>
-          </a:p>
-        </p:txBody>
-      </p:sp>
-      <p:pic>
-        <p:nvPicPr>
-          <p:cNvPr id="4" name="图片 3">
-            <a:extLst>
-              <a:ext uri="{FF2B5EF4-FFF2-40B4-BE49-F238E27FC236}">
-                <a16:creationId xmlns:a16="http://schemas.microsoft.com/office/drawing/2014/main" id="{05284E2F-8C5F-4F82-19FC-678969AC41A0}"/>
-              </a:ext>
-            </a:extLst>
-          </p:cNvPr>
-          <p:cNvPicPr>
-            <a:picLocks noChangeAspect="1"/>
-          </p:cNvPicPr>
-          <p:nvPr/>
-        </p:nvPicPr>
-        <p:blipFill>
-          <a:blip r:embed="rId3">
-            <a:extLst>
-              <a:ext uri="{28A0092B-C50C-407E-A947-70E740481C1C}">
-                <a14:useLocalDpi xmlns:a14="http://schemas.microsoft.com/office/drawing/2010/main" val="0"/>
-              </a:ext>
-            </a:extLst>
-          </a:blip>
-          <a:stretch>
-            <a:fillRect/>
-          </a:stretch>
-        </p:blipFill>
-        <p:spPr>
-          <a:xfrm>
-            <a:off x="7394575" y="1622146"/>
-            <a:ext cx="4127500" cy="2667000"/>
-          </a:xfrm>
-          <a:prstGeom prst="rect">
-            <a:avLst/>
-          </a:prstGeom>
-        </p:spPr>
-      </p:pic>
-    </p:spTree>
-    <p:custDataLst>
-      <p:tags r:id="rId1"/>
-    </p:custDataLst>
-    <p:extLst>
-      <p:ext uri="{BB962C8B-B14F-4D97-AF65-F5344CB8AC3E}">
-        <p14:creationId xmlns:p14="http://schemas.microsoft.com/office/powerpoint/2010/main" val="1245886013"/>
+        <p14:creationId xmlns:p14="http://schemas.microsoft.com/office/powerpoint/2010/main" val="3306258386"/>
       </p:ext>
     </p:extLst>
   </p:cSld>
@@ -10725,128 +9016,6 @@
       </p:grpSpPr>
       <p:sp>
         <p:nvSpPr>
-          <p:cNvPr id="2" name="标题 1"/>
-          <p:cNvSpPr>
-            <a:spLocks noGrp="1"/>
-          </p:cNvSpPr>
-          <p:nvPr>
-            <p:ph type="title"/>
-          </p:nvPr>
-        </p:nvSpPr>
-        <p:spPr/>
-        <p:txBody>
-          <a:bodyPr/>
-          <a:lstStyle/>
-          <a:p>
-            <a:r>
-              <a:rPr lang="zh-CN" altLang="en-US" dirty="0">
-                <a:sym typeface="+mn-ea"/>
-              </a:rPr>
-              <a:t>主问题：如何对隐藏层进行梯度检查</a:t>
-            </a:r>
-            <a:r>
-              <a:rPr lang="zh-CN" altLang="en-US" dirty="0"/>
-              <a:t>？</a:t>
-            </a:r>
-          </a:p>
-        </p:txBody>
-      </p:sp>
-    </p:spTree>
-    <p:custDataLst>
-      <p:tags r:id="rId1"/>
-    </p:custDataLst>
-    <p:extLst>
-      <p:ext uri="{BB962C8B-B14F-4D97-AF65-F5344CB8AC3E}">
-        <p14:creationId xmlns:p14="http://schemas.microsoft.com/office/powerpoint/2010/main" val="3245218580"/>
-      </p:ext>
-    </p:extLst>
-  </p:cSld>
-  <p:clrMapOvr>
-    <a:masterClrMapping/>
-  </p:clrMapOvr>
-</p:sld>
-</file>
-
-<file path=ppt/slides/slide19.xml><?xml version="1.0" encoding="utf-8"?>
-<p:sld xmlns:a="http://schemas.openxmlformats.org/drawingml/2006/main" xmlns:r="http://schemas.openxmlformats.org/officeDocument/2006/relationships" xmlns:p="http://schemas.openxmlformats.org/presentationml/2006/main">
-  <p:cSld>
-    <p:spTree>
-      <p:nvGrpSpPr>
-        <p:cNvPr id="1" name=""/>
-        <p:cNvGrpSpPr/>
-        <p:nvPr/>
-      </p:nvGrpSpPr>
-      <p:grpSpPr>
-        <a:xfrm>
-          <a:off x="0" y="0"/>
-          <a:ext cx="0" cy="0"/>
-          <a:chOff x="0" y="0"/>
-          <a:chExt cx="0" cy="0"/>
-        </a:xfrm>
-      </p:grpSpPr>
-      <p:sp>
-        <p:nvSpPr>
-          <p:cNvPr id="2" name="文本占位符 1"/>
-          <p:cNvSpPr>
-            <a:spLocks noGrp="1"/>
-          </p:cNvSpPr>
-          <p:nvPr>
-            <p:ph type="body" idx="1"/>
-          </p:nvPr>
-        </p:nvSpPr>
-        <p:spPr/>
-        <p:txBody>
-          <a:bodyPr/>
-          <a:lstStyle/>
-          <a:p>
-            <a:pPr marL="285750" indent="-285750">
-              <a:buFont typeface="Arial" panose="020B0604020202020204" pitchFamily="34" charset="0"/>
-              <a:buChar char="•"/>
-            </a:pPr>
-            <a:endParaRPr lang="en-US" altLang="zh-CN" dirty="0"/>
-          </a:p>
-          <a:p>
-            <a:pPr marL="285750" indent="-285750">
-              <a:buFont typeface="Arial" panose="020B0604020202020204" pitchFamily="34" charset="0"/>
-              <a:buChar char="•"/>
-            </a:pPr>
-            <a:endParaRPr lang="en-US" altLang="zh-CN" dirty="0"/>
-          </a:p>
-          <a:p>
-            <a:pPr marL="285750" indent="-285750">
-              <a:buFont typeface="Arial" panose="020B0604020202020204" pitchFamily="34" charset="0"/>
-              <a:buChar char="•"/>
-            </a:pPr>
-            <a:endParaRPr lang="en-US" altLang="zh-CN" dirty="0"/>
-          </a:p>
-          <a:p>
-            <a:pPr marL="285750" indent="-285750">
-              <a:buFont typeface="Arial" panose="020B0604020202020204" pitchFamily="34" charset="0"/>
-              <a:buChar char="•"/>
-            </a:pPr>
-            <a:endParaRPr lang="en-US" altLang="zh-CN" dirty="0"/>
-          </a:p>
-          <a:p>
-            <a:pPr marL="285750" indent="-285750">
-              <a:buFont typeface="Arial" panose="020B0604020202020204" pitchFamily="34" charset="0"/>
-              <a:buChar char="•"/>
-            </a:pPr>
-            <a:endParaRPr lang="en-US" altLang="zh-CN" dirty="0"/>
-          </a:p>
-          <a:p>
-            <a:pPr marL="285750" indent="-285750">
-              <a:buFont typeface="Arial" panose="020B0604020202020204" pitchFamily="34" charset="0"/>
-              <a:buChar char="•"/>
-            </a:pPr>
-            <a:endParaRPr lang="en-US" altLang="zh-CN" dirty="0"/>
-          </a:p>
-          <a:p>
-            <a:endParaRPr lang="en-US" altLang="zh-CN" dirty="0"/>
-          </a:p>
-        </p:txBody>
-      </p:sp>
-      <p:sp>
-        <p:nvSpPr>
           <p:cNvPr id="3" name="标题 2"/>
           <p:cNvSpPr>
             <a:spLocks noGrp="1"/>
@@ -10864,11 +9033,7 @@
               <a:rPr lang="zh-CN" altLang="en-US" dirty="0">
                 <a:sym typeface="+mn-ea"/>
               </a:rPr>
-              <a:t>主问题：如何对隐藏层进行梯度检查</a:t>
-            </a:r>
-            <a:r>
-              <a:rPr lang="zh-CN" altLang="en-US" dirty="0"/>
-              <a:t>？</a:t>
+              <a:t>任务：找到未收敛的原因</a:t>
             </a:r>
             <a:endParaRPr dirty="0">
               <a:sym typeface="+mn-ea"/>
@@ -11111,118 +9276,53 @@
             </a:pPr>
             <a:r>
               <a:rPr lang="zh-CN" altLang="en-US" dirty="0"/>
-              <a:t>对隐藏层进行梯度检查的步骤是什么？</a:t>
+              <a:t>请通过打印的方法调试，找到原因</a:t>
+            </a:r>
+            <a:br>
+              <a:rPr lang="en-US" altLang="zh-CN" dirty="0"/>
+            </a:br>
+            <a:r>
+              <a:rPr lang="en-US" altLang="zh-CN" dirty="0"/>
+              <a:t>TODO </a:t>
+            </a:r>
+            <a:r>
+              <a:rPr lang="zh-CN" altLang="en-US" dirty="0"/>
+              <a:t>给出</a:t>
+            </a:r>
+            <a:r>
+              <a:rPr lang="en-US" altLang="zh-CN" dirty="0" err="1"/>
+              <a:t>Log.res</a:t>
             </a:r>
             <a:endParaRPr lang="en-US" altLang="zh-CN" dirty="0"/>
           </a:p>
           <a:p>
+            <a:endParaRPr lang="en-US" altLang="zh-CN" dirty="0"/>
+          </a:p>
+          <a:p>
             <a:pPr marL="285750" indent="-285750">
               <a:buFont typeface="Arial" panose="020B0604020202020204" pitchFamily="34" charset="0"/>
               <a:buChar char="•"/>
             </a:pPr>
             <a:r>
               <a:rPr lang="zh-CN" altLang="en-US" dirty="0"/>
-              <a:t>在通过后向传播计算梯度时，需要输出层的误差项，它是多少？</a:t>
-            </a:r>
+              <a:t>自学、展学</a:t>
+            </a:r>
+          </a:p>
+          <a:p>
+            <a:pPr marL="285750" indent="-285750">
+              <a:buFont typeface="Arial" panose="020B0604020202020204" pitchFamily="34" charset="0"/>
+              <a:buChar char="•"/>
+            </a:pPr>
+            <a:endParaRPr lang="zh-CN" altLang="en-US" dirty="0"/>
+          </a:p>
+          <a:p>
+            <a:pPr marL="285750" indent="-285750">
+              <a:buFont typeface="Arial" panose="020B0604020202020204" pitchFamily="34" charset="0"/>
+              <a:buChar char="•"/>
+            </a:pPr>
             <a:endParaRPr lang="en-US" altLang="zh-CN" dirty="0"/>
           </a:p>
           <a:p>
-            <a:pPr marL="742950" lvl="1" indent="-285750">
-              <a:buFont typeface="Arial" panose="020B0604020202020204" pitchFamily="34" charset="0"/>
-              <a:buChar char="•"/>
-            </a:pPr>
-            <a:r>
-              <a:rPr lang="zh-CN" altLang="en-US" dirty="0"/>
-              <a:t>损失函数</a:t>
-            </a:r>
-            <a:r>
-              <a:rPr lang="en-US" altLang="zh-CN" dirty="0"/>
-              <a:t>E</a:t>
-            </a:r>
-            <a:r>
-              <a:rPr lang="zh-CN" altLang="en-US" dirty="0"/>
-              <a:t>应该设计成什么，以及输出层应该选择什么激活函数（</a:t>
-            </a:r>
-            <a:r>
-              <a:rPr lang="en-US" altLang="zh-CN" dirty="0"/>
-              <a:t>sigmoid/linear</a:t>
-            </a:r>
-            <a:r>
-              <a:rPr lang="zh-CN" altLang="en-US" dirty="0"/>
-              <a:t>），才能使输出层的误差向量的值全为</a:t>
-            </a:r>
-            <a:r>
-              <a:rPr lang="en-US" altLang="zh-CN" dirty="0"/>
-              <a:t>1</a:t>
-            </a:r>
-            <a:r>
-              <a:rPr lang="zh-CN" altLang="en-US" dirty="0"/>
-              <a:t>？</a:t>
-            </a:r>
-            <a:endParaRPr lang="en-US" altLang="zh-CN" dirty="0"/>
-          </a:p>
-          <a:p>
-            <a:pPr marL="742950" lvl="1" indent="-285750">
-              <a:buFont typeface="Arial" panose="020B0604020202020204" pitchFamily="34" charset="0"/>
-              <a:buChar char="•"/>
-            </a:pPr>
-            <a:r>
-              <a:rPr lang="zh-CN" altLang="en-US" dirty="0"/>
-              <a:t>隐藏层的激活</a:t>
-            </a:r>
-            <a:r>
-              <a:rPr lang="zh-CN" altLang="en-US"/>
-              <a:t>函数也必须是</a:t>
-            </a:r>
-            <a:r>
-              <a:rPr lang="en-US" altLang="zh-CN" dirty="0"/>
-              <a:t>linear</a:t>
-            </a:r>
-            <a:r>
-              <a:rPr lang="zh-CN" altLang="en-US" dirty="0"/>
-              <a:t>吗？</a:t>
-            </a:r>
-            <a:endParaRPr lang="en-US" altLang="zh-CN" dirty="0"/>
-          </a:p>
-          <a:p>
-            <a:pPr marL="285750" indent="-285750">
-              <a:buFont typeface="Arial" panose="020B0604020202020204" pitchFamily="34" charset="0"/>
-              <a:buChar char="•"/>
-            </a:pPr>
-            <a:endParaRPr lang="en-US" altLang="zh-CN" dirty="0"/>
-          </a:p>
-          <a:p>
-            <a:pPr marL="285750" indent="-285750">
-              <a:buFont typeface="Arial" panose="020B0604020202020204" pitchFamily="34" charset="0"/>
-              <a:buChar char="•"/>
-            </a:pPr>
-            <a:endParaRPr lang="en-US" altLang="zh-CN" dirty="0"/>
-          </a:p>
-          <a:p>
-            <a:pPr marL="285750" indent="-285750">
-              <a:buFont typeface="Arial" panose="020B0604020202020204" pitchFamily="34" charset="0"/>
-              <a:buChar char="•"/>
-            </a:pPr>
-            <a:endParaRPr lang="en-US" altLang="zh-CN" dirty="0"/>
-          </a:p>
-          <a:p>
-            <a:pPr marL="285750" indent="-285750">
-              <a:buFont typeface="Arial" panose="020B0604020202020204" pitchFamily="34" charset="0"/>
-              <a:buChar char="•"/>
-            </a:pPr>
-            <a:endParaRPr lang="en-US" altLang="zh-CN" dirty="0"/>
-          </a:p>
-          <a:p>
-            <a:pPr marL="285750" indent="-285750">
-              <a:buFont typeface="Arial" panose="020B0604020202020204" pitchFamily="34" charset="0"/>
-              <a:buChar char="•"/>
-            </a:pPr>
-            <a:r>
-              <a:rPr lang="zh-CN" altLang="en-US" dirty="0"/>
-              <a:t>自学、互学、展学</a:t>
-            </a:r>
-          </a:p>
-          <a:p>
             <a:pPr marL="285750" indent="-285750">
               <a:buFont typeface="Arial" panose="020B0604020202020204" pitchFamily="34" charset="0"/>
               <a:buChar char="•"/>
@@ -11234,13 +9334,6 @@
               <a:buFont typeface="Arial" panose="020B0604020202020204" pitchFamily="34" charset="0"/>
               <a:buChar char="•"/>
             </a:pPr>
-            <a:endParaRPr lang="en-US" altLang="zh-CN" dirty="0"/>
-          </a:p>
-          <a:p>
-            <a:pPr marL="285750" indent="-285750">
-              <a:buFont typeface="Arial" panose="020B0604020202020204" pitchFamily="34" charset="0"/>
-              <a:buChar char="•"/>
-            </a:pPr>
             <a:endParaRPr lang="zh-CN" altLang="en-US" dirty="0"/>
           </a:p>
           <a:p>
@@ -11278,21 +9371,491 @@
             </a:pPr>
             <a:endParaRPr lang="zh-CN" altLang="en-US" dirty="0"/>
           </a:p>
-          <a:p>
-            <a:pPr marL="285750" indent="-285750">
-              <a:buFont typeface="Arial" panose="020B0604020202020204" pitchFamily="34" charset="0"/>
-              <a:buChar char="•"/>
-            </a:pPr>
-            <a:endParaRPr lang="zh-CN" altLang="en-US" dirty="0"/>
+        </p:txBody>
+      </p:sp>
+    </p:spTree>
+    <p:custDataLst>
+      <p:tags r:id="rId1"/>
+    </p:custDataLst>
+    <p:extLst>
+      <p:ext uri="{BB962C8B-B14F-4D97-AF65-F5344CB8AC3E}">
+        <p14:creationId xmlns:p14="http://schemas.microsoft.com/office/powerpoint/2010/main" val="2809942981"/>
+      </p:ext>
+    </p:extLst>
+  </p:cSld>
+  <p:clrMapOvr>
+    <a:masterClrMapping/>
+  </p:clrMapOvr>
+  <p:timing>
+    <p:tnLst>
+      <p:par>
+        <p:cTn id="1" dur="indefinite" restart="never" nodeType="tmRoot">
+          <p:childTnLst>
+            <p:seq concurrent="1" nextAc="seek">
+              <p:cTn id="2" dur="indefinite" nodeType="mainSeq">
+                <p:childTnLst>
+                  <p:par>
+                    <p:cTn id="3" fill="hold">
+                      <p:stCondLst>
+                        <p:cond delay="indefinite"/>
+                      </p:stCondLst>
+                      <p:childTnLst>
+                        <p:par>
+                          <p:cTn id="4" fill="hold">
+                            <p:stCondLst>
+                              <p:cond delay="0"/>
+                            </p:stCondLst>
+                            <p:childTnLst>
+                              <p:par>
+                                <p:cTn id="5" presetID="1" presetClass="entr" presetSubtype="0" fill="hold" grpId="0" nodeType="clickEffect">
+                                  <p:stCondLst>
+                                    <p:cond delay="0"/>
+                                  </p:stCondLst>
+                                  <p:childTnLst>
+                                    <p:set>
+                                      <p:cBhvr>
+                                        <p:cTn id="6" dur="1" fill="hold">
+                                          <p:stCondLst>
+                                            <p:cond delay="0"/>
+                                          </p:stCondLst>
+                                        </p:cTn>
+                                        <p:tgtEl>
+                                          <p:spTgt spid="6"/>
+                                        </p:tgtEl>
+                                        <p:attrNameLst>
+                                          <p:attrName>style.visibility</p:attrName>
+                                        </p:attrNameLst>
+                                      </p:cBhvr>
+                                      <p:to>
+                                        <p:strVal val="visible"/>
+                                      </p:to>
+                                    </p:set>
+                                  </p:childTnLst>
+                                </p:cTn>
+                              </p:par>
+                            </p:childTnLst>
+                          </p:cTn>
+                        </p:par>
+                      </p:childTnLst>
+                    </p:cTn>
+                  </p:par>
+                </p:childTnLst>
+              </p:cTn>
+              <p:prevCondLst>
+                <p:cond evt="onPrev" delay="0">
+                  <p:tgtEl>
+                    <p:sldTgt/>
+                  </p:tgtEl>
+                </p:cond>
+              </p:prevCondLst>
+              <p:nextCondLst>
+                <p:cond evt="onNext" delay="0">
+                  <p:tgtEl>
+                    <p:sldTgt/>
+                  </p:tgtEl>
+                </p:cond>
+              </p:nextCondLst>
+            </p:seq>
+          </p:childTnLst>
+        </p:cTn>
+      </p:par>
+    </p:tnLst>
+    <p:bldLst>
+      <p:bldP spid="6" grpId="0"/>
+    </p:bldLst>
+  </p:timing>
+</p:sld>
+</file>
+
+<file path=ppt/slides/slide19.xml><?xml version="1.0" encoding="utf-8"?>
+<p:sld xmlns:a="http://schemas.openxmlformats.org/drawingml/2006/main" xmlns:r="http://schemas.openxmlformats.org/officeDocument/2006/relationships" xmlns:p="http://schemas.openxmlformats.org/presentationml/2006/main">
+  <p:cSld>
+    <p:spTree>
+      <p:nvGrpSpPr>
+        <p:cNvPr id="1" name=""/>
+        <p:cNvGrpSpPr/>
+        <p:nvPr/>
+      </p:nvGrpSpPr>
+      <p:grpSpPr>
+        <a:xfrm>
+          <a:off x="0" y="0"/>
+          <a:ext cx="0" cy="0"/>
+          <a:chOff x="0" y="0"/>
+          <a:chExt cx="0" cy="0"/>
+        </a:xfrm>
+      </p:grpSpPr>
+      <p:sp>
+        <p:nvSpPr>
+          <p:cNvPr id="3" name="标题 2"/>
+          <p:cNvSpPr>
+            <a:spLocks noGrp="1"/>
+          </p:cNvSpPr>
+          <p:nvPr>
+            <p:ph type="title"/>
+          </p:nvPr>
+        </p:nvSpPr>
+        <p:spPr/>
+        <p:txBody>
+          <a:bodyPr/>
+          <a:lstStyle/>
+          <a:p>
+            <a:r>
+              <a:rPr lang="zh-CN" altLang="en-US" dirty="0">
+                <a:sym typeface="+mn-ea"/>
+              </a:rPr>
+              <a:t>任务：修复</a:t>
+            </a:r>
+            <a:endParaRPr dirty="0">
+              <a:sym typeface="+mn-ea"/>
+            </a:endParaRPr>
           </a:p>
         </p:txBody>
       </p:sp>
       <p:sp>
         <p:nvSpPr>
-          <p:cNvPr id="7" name="文本框 6">
+          <p:cNvPr id="6" name="文本占位符 1">
             <a:extLst>
               <a:ext uri="{FF2B5EF4-FFF2-40B4-BE49-F238E27FC236}">
-                <a16:creationId xmlns:a16="http://schemas.microsoft.com/office/drawing/2014/main" id="{7AA7B2B5-D256-E3DC-10EF-0AA544BFF924}"/>
+                <a16:creationId xmlns:a16="http://schemas.microsoft.com/office/drawing/2014/main" id="{BA88068A-4FDC-6963-46A5-ADEC46CDA15E}"/>
+              </a:ext>
+            </a:extLst>
+          </p:cNvPr>
+          <p:cNvSpPr txBox="1">
+            <a:spLocks/>
+          </p:cNvSpPr>
+          <p:nvPr/>
+        </p:nvSpPr>
+        <p:spPr>
+          <a:xfrm>
+            <a:off x="822325" y="1778635"/>
+            <a:ext cx="10852150" cy="4553585"/>
+          </a:xfrm>
+        </p:spPr>
+        <p:txBody>
+          <a:bodyPr lIns="101600" tIns="38100" rIns="76200" bIns="38100">
+            <a:noAutofit/>
+          </a:bodyPr>
+          <a:lstStyle>
+            <a:lvl1pPr marL="0" indent="0" algn="l" defTabSz="914400" rtl="0" eaLnBrk="1" fontAlgn="auto" latinLnBrk="0" hangingPunct="1">
+              <a:lnSpc>
+                <a:spcPct val="130000"/>
+              </a:lnSpc>
+              <a:spcBef>
+                <a:spcPts val="0"/>
+              </a:spcBef>
+              <a:spcAft>
+                <a:spcPts val="1000"/>
+              </a:spcAft>
+              <a:buFont typeface="Arial" panose="020B0604020202020204" pitchFamily="34" charset="0"/>
+              <a:buNone/>
+              <a:defRPr kumimoji="0" lang="zh-CN" altLang="en-US" sz="1600" b="0" i="0" u="none" strike="noStrike" kern="1200" cap="none" spc="150" normalizeH="0" baseline="0" noProof="1">
+                <a:solidFill>
+                  <a:schemeClr val="tx1"/>
+                </a:solidFill>
+                <a:uFillTx/>
+                <a:latin typeface="+mn-lt"/>
+                <a:ea typeface="+mn-ea"/>
+                <a:cs typeface="+mn-cs"/>
+                <a:sym typeface="+mn-ea"/>
+              </a:defRPr>
+            </a:lvl1pPr>
+            <a:lvl2pPr marL="457200" indent="0" algn="l" defTabSz="914400" rtl="0" eaLnBrk="1" fontAlgn="auto" latinLnBrk="0" hangingPunct="1">
+              <a:lnSpc>
+                <a:spcPct val="130000"/>
+              </a:lnSpc>
+              <a:spcBef>
+                <a:spcPts val="0"/>
+              </a:spcBef>
+              <a:spcAft>
+                <a:spcPts val="1000"/>
+              </a:spcAft>
+              <a:buFont typeface="Arial" panose="020B0604020202020204" pitchFamily="34" charset="0"/>
+              <a:buNone/>
+              <a:tabLst>
+                <a:tab pos="1609725" algn="l"/>
+              </a:tabLst>
+              <a:defRPr sz="2000" u="none" strike="noStrike" kern="1200" cap="none" spc="150" normalizeH="0" baseline="0">
+                <a:solidFill>
+                  <a:schemeClr val="tx1">
+                    <a:tint val="75000"/>
+                  </a:schemeClr>
+                </a:solidFill>
+                <a:uFillTx/>
+                <a:latin typeface="+mn-lt"/>
+                <a:ea typeface="+mn-ea"/>
+                <a:cs typeface="+mn-cs"/>
+              </a:defRPr>
+            </a:lvl2pPr>
+            <a:lvl3pPr marL="914400" indent="0" algn="l" defTabSz="914400" rtl="0" eaLnBrk="1" fontAlgn="auto" latinLnBrk="0" hangingPunct="1">
+              <a:lnSpc>
+                <a:spcPct val="130000"/>
+              </a:lnSpc>
+              <a:spcBef>
+                <a:spcPts val="0"/>
+              </a:spcBef>
+              <a:spcAft>
+                <a:spcPts val="1000"/>
+              </a:spcAft>
+              <a:buFont typeface="Arial" panose="020B0604020202020204" pitchFamily="34" charset="0"/>
+              <a:buNone/>
+              <a:defRPr sz="1800" u="none" strike="noStrike" kern="1200" cap="none" spc="150" normalizeH="0" baseline="0">
+                <a:solidFill>
+                  <a:schemeClr val="tx1">
+                    <a:tint val="75000"/>
+                  </a:schemeClr>
+                </a:solidFill>
+                <a:uFillTx/>
+                <a:latin typeface="+mn-lt"/>
+                <a:ea typeface="+mn-ea"/>
+                <a:cs typeface="+mn-cs"/>
+              </a:defRPr>
+            </a:lvl3pPr>
+            <a:lvl4pPr marL="1371600" indent="0" algn="l" defTabSz="914400" rtl="0" eaLnBrk="1" fontAlgn="auto" latinLnBrk="0" hangingPunct="1">
+              <a:lnSpc>
+                <a:spcPct val="130000"/>
+              </a:lnSpc>
+              <a:spcBef>
+                <a:spcPts val="0"/>
+              </a:spcBef>
+              <a:spcAft>
+                <a:spcPts val="1000"/>
+              </a:spcAft>
+              <a:buFont typeface="Arial" panose="020B0604020202020204" pitchFamily="34" charset="0"/>
+              <a:buNone/>
+              <a:defRPr sz="1600" u="none" strike="noStrike" kern="1200" cap="none" spc="150" normalizeH="0" baseline="0">
+                <a:solidFill>
+                  <a:schemeClr val="tx1">
+                    <a:tint val="75000"/>
+                  </a:schemeClr>
+                </a:solidFill>
+                <a:uFillTx/>
+                <a:latin typeface="+mn-lt"/>
+                <a:ea typeface="+mn-ea"/>
+                <a:cs typeface="+mn-cs"/>
+              </a:defRPr>
+            </a:lvl4pPr>
+            <a:lvl5pPr marL="1828800" indent="0" algn="l" defTabSz="914400" rtl="0" eaLnBrk="1" fontAlgn="auto" latinLnBrk="0" hangingPunct="1">
+              <a:lnSpc>
+                <a:spcPct val="130000"/>
+              </a:lnSpc>
+              <a:spcBef>
+                <a:spcPts val="0"/>
+              </a:spcBef>
+              <a:spcAft>
+                <a:spcPts val="1000"/>
+              </a:spcAft>
+              <a:buFont typeface="Arial" panose="020B0604020202020204" pitchFamily="34" charset="0"/>
+              <a:buNone/>
+              <a:defRPr sz="1600" u="none" strike="noStrike" kern="1200" cap="none" spc="150" normalizeH="0" baseline="0">
+                <a:solidFill>
+                  <a:schemeClr val="tx1">
+                    <a:tint val="75000"/>
+                  </a:schemeClr>
+                </a:solidFill>
+                <a:uFillTx/>
+                <a:latin typeface="+mn-lt"/>
+                <a:ea typeface="+mn-ea"/>
+                <a:cs typeface="+mn-cs"/>
+              </a:defRPr>
+            </a:lvl5pPr>
+            <a:lvl6pPr marL="2286000" indent="0" algn="l" defTabSz="914400" rtl="0" eaLnBrk="1" latinLnBrk="0" hangingPunct="1">
+              <a:lnSpc>
+                <a:spcPct val="90000"/>
+              </a:lnSpc>
+              <a:spcBef>
+                <a:spcPts val="500"/>
+              </a:spcBef>
+              <a:buFont typeface="Arial" panose="020B0604020202020204" pitchFamily="34" charset="0"/>
+              <a:buNone/>
+              <a:defRPr sz="1600" kern="1200">
+                <a:solidFill>
+                  <a:schemeClr val="tx1">
+                    <a:tint val="75000"/>
+                  </a:schemeClr>
+                </a:solidFill>
+                <a:latin typeface="+mn-lt"/>
+                <a:ea typeface="+mn-ea"/>
+                <a:cs typeface="+mn-cs"/>
+              </a:defRPr>
+            </a:lvl6pPr>
+            <a:lvl7pPr marL="2743200" indent="0" algn="l" defTabSz="914400" rtl="0" eaLnBrk="1" latinLnBrk="0" hangingPunct="1">
+              <a:lnSpc>
+                <a:spcPct val="90000"/>
+              </a:lnSpc>
+              <a:spcBef>
+                <a:spcPts val="500"/>
+              </a:spcBef>
+              <a:buFont typeface="Arial" panose="020B0604020202020204" pitchFamily="34" charset="0"/>
+              <a:buNone/>
+              <a:defRPr sz="1600" kern="1200">
+                <a:solidFill>
+                  <a:schemeClr val="tx1">
+                    <a:tint val="75000"/>
+                  </a:schemeClr>
+                </a:solidFill>
+                <a:latin typeface="+mn-lt"/>
+                <a:ea typeface="+mn-ea"/>
+                <a:cs typeface="+mn-cs"/>
+              </a:defRPr>
+            </a:lvl7pPr>
+            <a:lvl8pPr marL="3200400" indent="0" algn="l" defTabSz="914400" rtl="0" eaLnBrk="1" latinLnBrk="0" hangingPunct="1">
+              <a:lnSpc>
+                <a:spcPct val="90000"/>
+              </a:lnSpc>
+              <a:spcBef>
+                <a:spcPts val="500"/>
+              </a:spcBef>
+              <a:buFont typeface="Arial" panose="020B0604020202020204" pitchFamily="34" charset="0"/>
+              <a:buNone/>
+              <a:defRPr sz="1600" kern="1200">
+                <a:solidFill>
+                  <a:schemeClr val="tx1">
+                    <a:tint val="75000"/>
+                  </a:schemeClr>
+                </a:solidFill>
+                <a:latin typeface="+mn-lt"/>
+                <a:ea typeface="+mn-ea"/>
+                <a:cs typeface="+mn-cs"/>
+              </a:defRPr>
+            </a:lvl8pPr>
+            <a:lvl9pPr marL="3657600" indent="0" algn="l" defTabSz="914400" rtl="0" eaLnBrk="1" latinLnBrk="0" hangingPunct="1">
+              <a:lnSpc>
+                <a:spcPct val="90000"/>
+              </a:lnSpc>
+              <a:spcBef>
+                <a:spcPts val="500"/>
+              </a:spcBef>
+              <a:buFont typeface="Arial" panose="020B0604020202020204" pitchFamily="34" charset="0"/>
+              <a:buNone/>
+              <a:defRPr sz="1600" kern="1200">
+                <a:solidFill>
+                  <a:schemeClr val="tx1">
+                    <a:tint val="75000"/>
+                  </a:schemeClr>
+                </a:solidFill>
+                <a:latin typeface="+mn-lt"/>
+                <a:ea typeface="+mn-ea"/>
+                <a:cs typeface="+mn-cs"/>
+              </a:defRPr>
+            </a:lvl9pPr>
+          </a:lstStyle>
+          <a:p>
+            <a:pPr marL="285750" indent="-285750">
+              <a:buFont typeface="Arial" panose="020B0604020202020204" pitchFamily="34" charset="0"/>
+              <a:buChar char="•"/>
+            </a:pPr>
+            <a:r>
+              <a:rPr lang="zh-CN" altLang="en-US" dirty="0"/>
+              <a:t>如何修复？</a:t>
+            </a:r>
+            <a:endParaRPr lang="en-US" altLang="zh-CN" dirty="0"/>
+          </a:p>
+          <a:p>
+            <a:pPr marL="285750" indent="-285750">
+              <a:buFont typeface="Arial" panose="020B0604020202020204" pitchFamily="34" charset="0"/>
+              <a:buChar char="•"/>
+            </a:pPr>
+            <a:r>
+              <a:rPr lang="zh-CN" altLang="en-US" dirty="0"/>
+              <a:t>请实现修复</a:t>
+            </a:r>
+            <a:endParaRPr lang="en-US" altLang="zh-CN" dirty="0"/>
+          </a:p>
+          <a:p>
+            <a:pPr marL="285750" indent="-285750">
+              <a:buFont typeface="Arial" panose="020B0604020202020204" pitchFamily="34" charset="0"/>
+              <a:buChar char="•"/>
+            </a:pPr>
+            <a:r>
+              <a:rPr lang="zh-CN" altLang="en-US" dirty="0"/>
+              <a:t>请每个同学都运行修复后的代码，看下是否收敛？</a:t>
+            </a:r>
+            <a:endParaRPr lang="en-US" altLang="zh-CN" dirty="0"/>
+          </a:p>
+          <a:p>
+            <a:endParaRPr lang="en-US" altLang="zh-CN" dirty="0"/>
+          </a:p>
+          <a:p>
+            <a:pPr marL="285750" indent="-285750">
+              <a:buFont typeface="Arial" panose="020B0604020202020204" pitchFamily="34" charset="0"/>
+              <a:buChar char="•"/>
+            </a:pPr>
+            <a:r>
+              <a:rPr lang="zh-CN" altLang="en-US" dirty="0"/>
+              <a:t>自学、展学</a:t>
+            </a:r>
+          </a:p>
+          <a:p>
+            <a:pPr marL="285750" indent="-285750">
+              <a:buFont typeface="Arial" panose="020B0604020202020204" pitchFamily="34" charset="0"/>
+              <a:buChar char="•"/>
+            </a:pPr>
+            <a:endParaRPr lang="zh-CN" altLang="en-US" dirty="0"/>
+          </a:p>
+          <a:p>
+            <a:pPr marL="285750" indent="-285750">
+              <a:buFont typeface="Arial" panose="020B0604020202020204" pitchFamily="34" charset="0"/>
+              <a:buChar char="•"/>
+            </a:pPr>
+            <a:endParaRPr lang="en-US" altLang="zh-CN" dirty="0"/>
+          </a:p>
+          <a:p>
+            <a:pPr marL="285750" indent="-285750">
+              <a:buFont typeface="Arial" panose="020B0604020202020204" pitchFamily="34" charset="0"/>
+              <a:buChar char="•"/>
+            </a:pPr>
+            <a:endParaRPr lang="zh-CN" altLang="en-US" dirty="0"/>
+          </a:p>
+          <a:p>
+            <a:pPr marL="285750" indent="-285750">
+              <a:buFont typeface="Arial" panose="020B0604020202020204" pitchFamily="34" charset="0"/>
+              <a:buChar char="•"/>
+            </a:pPr>
+            <a:endParaRPr lang="zh-CN" altLang="en-US" dirty="0"/>
+          </a:p>
+          <a:p>
+            <a:pPr marL="285750" indent="-285750">
+              <a:buFont typeface="Arial" panose="020B0604020202020204" pitchFamily="34" charset="0"/>
+              <a:buChar char="•"/>
+            </a:pPr>
+            <a:endParaRPr lang="zh-CN" altLang="en-US" dirty="0"/>
+          </a:p>
+          <a:p>
+            <a:pPr marL="285750" indent="-285750">
+              <a:buFont typeface="Arial" panose="020B0604020202020204" pitchFamily="34" charset="0"/>
+              <a:buChar char="•"/>
+            </a:pPr>
+            <a:endParaRPr lang="zh-CN" altLang="en-US" dirty="0"/>
+          </a:p>
+          <a:p>
+            <a:pPr marL="285750" indent="-285750">
+              <a:buFont typeface="Arial" panose="020B0604020202020204" pitchFamily="34" charset="0"/>
+              <a:buChar char="•"/>
+            </a:pPr>
+            <a:endParaRPr lang="zh-CN" altLang="en-US" dirty="0"/>
+          </a:p>
+          <a:p>
+            <a:pPr marL="285750" indent="-285750">
+              <a:buFont typeface="Arial" panose="020B0604020202020204" pitchFamily="34" charset="0"/>
+              <a:buChar char="•"/>
+            </a:pPr>
+            <a:endParaRPr lang="zh-CN" altLang="en-US" dirty="0"/>
+          </a:p>
+          <a:p>
+            <a:pPr marL="285750" indent="-285750">
+              <a:buFont typeface="Arial" panose="020B0604020202020204" pitchFamily="34" charset="0"/>
+              <a:buChar char="•"/>
+            </a:pPr>
+            <a:endParaRPr lang="zh-CN" altLang="en-US" dirty="0"/>
+          </a:p>
+        </p:txBody>
+      </p:sp>
+      <p:sp>
+        <p:nvSpPr>
+          <p:cNvPr id="4" name="文本框 3">
+            <a:extLst>
+              <a:ext uri="{FF2B5EF4-FFF2-40B4-BE49-F238E27FC236}">
+                <a16:creationId xmlns:a16="http://schemas.microsoft.com/office/drawing/2014/main" id="{D41A8F72-449C-EAA6-0B76-7706CA88B4A2}"/>
               </a:ext>
             </a:extLst>
           </p:cNvPr>
@@ -11301,8 +9864,8 @@
         </p:nvSpPr>
         <p:spPr>
           <a:xfrm>
-            <a:off x="2378510" y="5047099"/>
-            <a:ext cx="3647152" cy="369332"/>
+            <a:off x="6692202" y="1889090"/>
+            <a:ext cx="2089033" cy="646331"/>
           </a:xfrm>
           <a:prstGeom prst="rect">
             <a:avLst/>
@@ -11315,101 +9878,35 @@
           </a:bodyPr>
           <a:lstStyle/>
           <a:p>
-            <a:pPr algn="l"/>
-            <a:r>
-              <a:rPr lang="zh-CN" altLang="en-US" b="0" i="0" dirty="0">
-                <a:solidFill>
-                  <a:srgbClr val="333333"/>
-                </a:solidFill>
-                <a:effectLst/>
-                <a:latin typeface="PingFang SC" panose="020B0400000000000000" pitchFamily="34" charset="-122"/>
-                <a:ea typeface="PingFang SC" panose="020B0400000000000000" pitchFamily="34" charset="-122"/>
-              </a:rPr>
-              <a:t>步骤与对输出层进行梯度检查相同</a:t>
-            </a:r>
-            <a:endParaRPr kumimoji="1" lang="zh-CN" altLang="en-US" dirty="0"/>
+            <a:pPr marL="285750" indent="-285750">
+              <a:buFont typeface="Arial" panose="020B0604020202020204" pitchFamily="34" charset="0"/>
+              <a:buChar char="•"/>
+            </a:pPr>
+            <a:r>
+              <a:rPr kumimoji="1" lang="zh-CN" altLang="en-US" dirty="0"/>
+              <a:t>增大学习率</a:t>
+            </a:r>
+            <a:endParaRPr kumimoji="1" lang="en-US" altLang="zh-CN" dirty="0"/>
+          </a:p>
+          <a:p>
+            <a:pPr marL="285750" indent="-285750">
+              <a:buFont typeface="Arial" panose="020B0604020202020204" pitchFamily="34" charset="0"/>
+              <a:buChar char="•"/>
+            </a:pPr>
+            <a:r>
+              <a:rPr kumimoji="1" lang="zh-CN" altLang="en-US" dirty="0"/>
+              <a:t>避免加权和过大</a:t>
+            </a:r>
           </a:p>
         </p:txBody>
       </p:sp>
-      <p:pic>
-        <p:nvPicPr>
-          <p:cNvPr id="4" name="图片 3">
-            <a:extLst>
-              <a:ext uri="{FF2B5EF4-FFF2-40B4-BE49-F238E27FC236}">
-                <a16:creationId xmlns:a16="http://schemas.microsoft.com/office/drawing/2014/main" id="{95279FF4-3BC8-8B88-E6AE-8D3F193B47E2}"/>
-              </a:ext>
-            </a:extLst>
-          </p:cNvPr>
-          <p:cNvPicPr>
-            <a:picLocks noChangeAspect="1"/>
-          </p:cNvPicPr>
-          <p:nvPr/>
-        </p:nvPicPr>
-        <p:blipFill>
-          <a:blip r:embed="rId3">
-            <a:extLst>
-              <a:ext uri="{28A0092B-C50C-407E-A947-70E740481C1C}">
-                <a14:useLocalDpi xmlns:a14="http://schemas.microsoft.com/office/drawing/2010/main" val="0"/>
-              </a:ext>
-            </a:extLst>
-          </a:blip>
-          <a:stretch>
-            <a:fillRect/>
-          </a:stretch>
-        </p:blipFill>
-        <p:spPr>
-          <a:xfrm>
-            <a:off x="7701329" y="1473833"/>
-            <a:ext cx="4254500" cy="1003300"/>
-          </a:xfrm>
-          <a:prstGeom prst="rect">
-            <a:avLst/>
-          </a:prstGeom>
-        </p:spPr>
-      </p:pic>
-      <p:pic>
-        <p:nvPicPr>
-          <p:cNvPr id="8" name="图片 7">
-            <a:extLst>
-              <a:ext uri="{FF2B5EF4-FFF2-40B4-BE49-F238E27FC236}">
-                <a16:creationId xmlns:a16="http://schemas.microsoft.com/office/drawing/2014/main" id="{981FD247-5AEC-8227-6BFA-15B9D3D15986}"/>
-              </a:ext>
-            </a:extLst>
-          </p:cNvPr>
-          <p:cNvPicPr>
-            <a:picLocks noChangeAspect="1"/>
-          </p:cNvPicPr>
-          <p:nvPr/>
-        </p:nvPicPr>
-        <p:blipFill>
-          <a:blip r:embed="rId4">
-            <a:extLst>
-              <a:ext uri="{28A0092B-C50C-407E-A947-70E740481C1C}">
-                <a14:useLocalDpi xmlns:a14="http://schemas.microsoft.com/office/drawing/2010/main" val="0"/>
-              </a:ext>
-            </a:extLst>
-          </a:blip>
-          <a:stretch>
-            <a:fillRect/>
-          </a:stretch>
-        </p:blipFill>
-        <p:spPr>
-          <a:xfrm>
-            <a:off x="8641129" y="3592355"/>
-            <a:ext cx="2374900" cy="2044700"/>
-          </a:xfrm>
-          <a:prstGeom prst="rect">
-            <a:avLst/>
-          </a:prstGeom>
-        </p:spPr>
-      </p:pic>
     </p:spTree>
     <p:custDataLst>
       <p:tags r:id="rId1"/>
     </p:custDataLst>
     <p:extLst>
       <p:ext uri="{BB962C8B-B14F-4D97-AF65-F5344CB8AC3E}">
-        <p14:creationId xmlns:p14="http://schemas.microsoft.com/office/powerpoint/2010/main" val="1634904656"/>
+        <p14:creationId xmlns:p14="http://schemas.microsoft.com/office/powerpoint/2010/main" val="293921898"/>
       </p:ext>
     </p:extLst>
   </p:cSld>
@@ -11536,7 +10033,18 @@
           <a:p>
             <a:r>
               <a:rPr lang="zh-CN" altLang="en-US" dirty="0"/>
-              <a:t>第四节课：全连接层的梯度检查</a:t>
+              <a:t>第五节课：</a:t>
+            </a:r>
+            <a:br>
+              <a:rPr lang="en-US" altLang="zh-CN"/>
+            </a:br>
+            <a:r>
+              <a:rPr lang="zh-CN" altLang="en-US"/>
+              <a:t>用</a:t>
+            </a:r>
+            <a:r>
+              <a:rPr lang="zh-CN" altLang="en-US" dirty="0"/>
+              <a:t>全连接层识别手写数字</a:t>
             </a:r>
           </a:p>
         </p:txBody>
@@ -11571,137 +10079,6 @@
       </p:grpSpPr>
       <p:sp>
         <p:nvSpPr>
-          <p:cNvPr id="2" name="标题 1"/>
-          <p:cNvSpPr>
-            <a:spLocks noGrp="1"/>
-          </p:cNvSpPr>
-          <p:nvPr>
-            <p:ph type="title"/>
-          </p:nvPr>
-        </p:nvSpPr>
-        <p:spPr/>
-        <p:txBody>
-          <a:bodyPr/>
-          <a:lstStyle/>
-          <a:p>
-            <a:r>
-              <a:rPr lang="zh-CN" altLang="en-US" dirty="0">
-                <a:sym typeface="+mn-ea"/>
-              </a:rPr>
-              <a:t>任务</a:t>
-            </a:r>
-            <a:r>
-              <a:rPr dirty="0">
-                <a:sym typeface="+mn-ea"/>
-              </a:rPr>
-              <a:t>：</a:t>
-            </a:r>
-            <a:r>
-              <a:rPr lang="zh-CN" altLang="en-US" dirty="0">
-                <a:sym typeface="+mn-ea"/>
-              </a:rPr>
-              <a:t>实现隐藏层的梯度检查</a:t>
-            </a:r>
-            <a:endParaRPr lang="zh-CN" altLang="en-US" dirty="0"/>
-          </a:p>
-        </p:txBody>
-      </p:sp>
-    </p:spTree>
-    <p:custDataLst>
-      <p:tags r:id="rId1"/>
-    </p:custDataLst>
-    <p:extLst>
-      <p:ext uri="{BB962C8B-B14F-4D97-AF65-F5344CB8AC3E}">
-        <p14:creationId xmlns:p14="http://schemas.microsoft.com/office/powerpoint/2010/main" val="2530220228"/>
-      </p:ext>
-    </p:extLst>
-  </p:cSld>
-  <p:clrMapOvr>
-    <a:masterClrMapping/>
-  </p:clrMapOvr>
-</p:sld>
-</file>
-
-<file path=ppt/slides/slide21.xml><?xml version="1.0" encoding="utf-8"?>
-<p:sld xmlns:a="http://schemas.openxmlformats.org/drawingml/2006/main" xmlns:r="http://schemas.openxmlformats.org/officeDocument/2006/relationships" xmlns:p="http://schemas.openxmlformats.org/presentationml/2006/main">
-  <p:cSld>
-    <p:spTree>
-      <p:nvGrpSpPr>
-        <p:cNvPr id="1" name=""/>
-        <p:cNvGrpSpPr/>
-        <p:nvPr/>
-      </p:nvGrpSpPr>
-      <p:grpSpPr>
-        <a:xfrm>
-          <a:off x="0" y="0"/>
-          <a:ext cx="0" cy="0"/>
-          <a:chOff x="0" y="0"/>
-          <a:chExt cx="0" cy="0"/>
-        </a:xfrm>
-      </p:grpSpPr>
-      <p:sp>
-        <p:nvSpPr>
-          <p:cNvPr id="2" name="文本占位符 1"/>
-          <p:cNvSpPr>
-            <a:spLocks noGrp="1"/>
-          </p:cNvSpPr>
-          <p:nvPr>
-            <p:ph type="body" idx="1"/>
-          </p:nvPr>
-        </p:nvSpPr>
-        <p:spPr/>
-        <p:txBody>
-          <a:bodyPr/>
-          <a:lstStyle/>
-          <a:p>
-            <a:pPr marL="285750" indent="-285750">
-              <a:buFont typeface="Arial" panose="020B0604020202020204" pitchFamily="34" charset="0"/>
-              <a:buChar char="•"/>
-            </a:pPr>
-            <a:endParaRPr lang="en-US" altLang="zh-CN" dirty="0"/>
-          </a:p>
-          <a:p>
-            <a:pPr marL="285750" indent="-285750">
-              <a:buFont typeface="Arial" panose="020B0604020202020204" pitchFamily="34" charset="0"/>
-              <a:buChar char="•"/>
-            </a:pPr>
-            <a:endParaRPr lang="en-US" altLang="zh-CN" dirty="0"/>
-          </a:p>
-          <a:p>
-            <a:pPr marL="285750" indent="-285750">
-              <a:buFont typeface="Arial" panose="020B0604020202020204" pitchFamily="34" charset="0"/>
-              <a:buChar char="•"/>
-            </a:pPr>
-            <a:endParaRPr lang="en-US" altLang="zh-CN" dirty="0"/>
-          </a:p>
-          <a:p>
-            <a:pPr marL="285750" indent="-285750">
-              <a:buFont typeface="Arial" panose="020B0604020202020204" pitchFamily="34" charset="0"/>
-              <a:buChar char="•"/>
-            </a:pPr>
-            <a:endParaRPr lang="en-US" altLang="zh-CN" dirty="0"/>
-          </a:p>
-          <a:p>
-            <a:pPr marL="285750" indent="-285750">
-              <a:buFont typeface="Arial" panose="020B0604020202020204" pitchFamily="34" charset="0"/>
-              <a:buChar char="•"/>
-            </a:pPr>
-            <a:endParaRPr lang="en-US" altLang="zh-CN" dirty="0"/>
-          </a:p>
-          <a:p>
-            <a:pPr marL="285750" indent="-285750">
-              <a:buFont typeface="Arial" panose="020B0604020202020204" pitchFamily="34" charset="0"/>
-              <a:buChar char="•"/>
-            </a:pPr>
-            <a:endParaRPr lang="en-US" altLang="zh-CN" dirty="0"/>
-          </a:p>
-          <a:p>
-            <a:endParaRPr lang="en-US" altLang="zh-CN" dirty="0"/>
-          </a:p>
-        </p:txBody>
-      </p:sp>
-      <p:sp>
-        <p:nvSpPr>
           <p:cNvPr id="3" name="标题 2"/>
           <p:cNvSpPr>
             <a:spLocks noGrp="1"/>
@@ -11719,7 +10096,7 @@
               <a:rPr lang="zh-CN" altLang="en-US" dirty="0">
                 <a:sym typeface="+mn-ea"/>
               </a:rPr>
-              <a:t>任务：实现隐藏层的梯度检查</a:t>
+              <a:t>任务：重构调试代码</a:t>
             </a:r>
             <a:endParaRPr dirty="0">
               <a:sym typeface="+mn-ea"/>
@@ -11962,7 +10339,7 @@
             </a:pPr>
             <a:r>
               <a:rPr lang="zh-CN" altLang="en-US" dirty="0"/>
-              <a:t>请实现隐藏层的梯度检查</a:t>
+              <a:t>一个一个去手动检查打印的值太麻烦，如何才能自动化地检查？</a:t>
             </a:r>
             <a:endParaRPr lang="en-US" altLang="zh-CN" dirty="0"/>
           </a:p>
@@ -11973,7 +10350,7 @@
             </a:pPr>
             <a:r>
               <a:rPr lang="zh-CN" altLang="en-US" dirty="0"/>
-              <a:t>运行代码，验证检查是否通过</a:t>
+              <a:t>请实现代码</a:t>
             </a:r>
             <a:endParaRPr lang="en-US" altLang="zh-CN" dirty="0"/>
           </a:p>
@@ -11982,6 +10359,13 @@
               <a:buFont typeface="Arial" panose="020B0604020202020204" pitchFamily="34" charset="0"/>
               <a:buChar char="•"/>
             </a:pPr>
+            <a:r>
+              <a:rPr lang="zh-CN" altLang="en-US" dirty="0"/>
+              <a:t>请每个同学都运行代码，看下是否通过了自动化检查？</a:t>
+            </a:r>
+            <a:endParaRPr lang="en-US" altLang="zh-CN" dirty="0"/>
+          </a:p>
+          <a:p>
             <a:endParaRPr lang="en-US" altLang="zh-CN" dirty="0"/>
           </a:p>
           <a:p>
@@ -12059,49 +10443,492 @@
           </a:p>
         </p:txBody>
       </p:sp>
-      <p:pic>
-        <p:nvPicPr>
-          <p:cNvPr id="4" name="图片 3">
-            <a:extLst>
-              <a:ext uri="{FF2B5EF4-FFF2-40B4-BE49-F238E27FC236}">
-                <a16:creationId xmlns:a16="http://schemas.microsoft.com/office/drawing/2014/main" id="{E882F5E6-1E03-237C-7E03-2081AA856603}"/>
-              </a:ext>
-            </a:extLst>
-          </p:cNvPr>
-          <p:cNvPicPr>
-            <a:picLocks noChangeAspect="1"/>
-          </p:cNvPicPr>
-          <p:nvPr/>
-        </p:nvPicPr>
-        <p:blipFill>
-          <a:blip r:embed="rId3">
-            <a:extLst>
-              <a:ext uri="{28A0092B-C50C-407E-A947-70E740481C1C}">
-                <a14:useLocalDpi xmlns:a14="http://schemas.microsoft.com/office/drawing/2010/main" val="0"/>
-              </a:ext>
-            </a:extLst>
-          </a:blip>
-          <a:stretch>
-            <a:fillRect/>
-          </a:stretch>
-        </p:blipFill>
-        <p:spPr>
-          <a:xfrm>
-            <a:off x="7394575" y="1622146"/>
-            <a:ext cx="4127500" cy="2667000"/>
-          </a:xfrm>
-          <a:prstGeom prst="rect">
-            <a:avLst/>
-          </a:prstGeom>
-        </p:spPr>
-      </p:pic>
     </p:spTree>
     <p:custDataLst>
       <p:tags r:id="rId1"/>
     </p:custDataLst>
     <p:extLst>
       <p:ext uri="{BB962C8B-B14F-4D97-AF65-F5344CB8AC3E}">
-        <p14:creationId xmlns:p14="http://schemas.microsoft.com/office/powerpoint/2010/main" val="1406412483"/>
+        <p14:creationId xmlns:p14="http://schemas.microsoft.com/office/powerpoint/2010/main" val="1613480914"/>
+      </p:ext>
+    </p:extLst>
+  </p:cSld>
+  <p:clrMapOvr>
+    <a:masterClrMapping/>
+  </p:clrMapOvr>
+  <p:timing>
+    <p:tnLst>
+      <p:par>
+        <p:cTn id="1" dur="indefinite" restart="never" nodeType="tmRoot">
+          <p:childTnLst>
+            <p:seq concurrent="1" nextAc="seek">
+              <p:cTn id="2" dur="indefinite" nodeType="mainSeq">
+                <p:childTnLst>
+                  <p:par>
+                    <p:cTn id="3" fill="hold">
+                      <p:stCondLst>
+                        <p:cond delay="indefinite"/>
+                      </p:stCondLst>
+                      <p:childTnLst>
+                        <p:par>
+                          <p:cTn id="4" fill="hold">
+                            <p:stCondLst>
+                              <p:cond delay="0"/>
+                            </p:stCondLst>
+                            <p:childTnLst>
+                              <p:par>
+                                <p:cTn id="5" presetID="1" presetClass="entr" presetSubtype="0" fill="hold" grpId="0" nodeType="clickEffect">
+                                  <p:stCondLst>
+                                    <p:cond delay="0"/>
+                                  </p:stCondLst>
+                                  <p:childTnLst>
+                                    <p:set>
+                                      <p:cBhvr>
+                                        <p:cTn id="6" dur="1" fill="hold">
+                                          <p:stCondLst>
+                                            <p:cond delay="0"/>
+                                          </p:stCondLst>
+                                        </p:cTn>
+                                        <p:tgtEl>
+                                          <p:spTgt spid="6"/>
+                                        </p:tgtEl>
+                                        <p:attrNameLst>
+                                          <p:attrName>style.visibility</p:attrName>
+                                        </p:attrNameLst>
+                                      </p:cBhvr>
+                                      <p:to>
+                                        <p:strVal val="visible"/>
+                                      </p:to>
+                                    </p:set>
+                                  </p:childTnLst>
+                                </p:cTn>
+                              </p:par>
+                            </p:childTnLst>
+                          </p:cTn>
+                        </p:par>
+                      </p:childTnLst>
+                    </p:cTn>
+                  </p:par>
+                </p:childTnLst>
+              </p:cTn>
+              <p:prevCondLst>
+                <p:cond evt="onPrev" delay="0">
+                  <p:tgtEl>
+                    <p:sldTgt/>
+                  </p:tgtEl>
+                </p:cond>
+              </p:prevCondLst>
+              <p:nextCondLst>
+                <p:cond evt="onNext" delay="0">
+                  <p:tgtEl>
+                    <p:sldTgt/>
+                  </p:tgtEl>
+                </p:cond>
+              </p:nextCondLst>
+            </p:seq>
+          </p:childTnLst>
+        </p:cTn>
+      </p:par>
+    </p:tnLst>
+    <p:bldLst>
+      <p:bldP spid="6" grpId="0"/>
+    </p:bldLst>
+  </p:timing>
+</p:sld>
+</file>
+
+<file path=ppt/slides/slide21.xml><?xml version="1.0" encoding="utf-8"?>
+<p:sld xmlns:a="http://schemas.openxmlformats.org/drawingml/2006/main" xmlns:r="http://schemas.openxmlformats.org/officeDocument/2006/relationships" xmlns:p="http://schemas.openxmlformats.org/presentationml/2006/main">
+  <p:cSld>
+    <p:spTree>
+      <p:nvGrpSpPr>
+        <p:cNvPr id="1" name=""/>
+        <p:cNvGrpSpPr/>
+        <p:nvPr/>
+      </p:nvGrpSpPr>
+      <p:grpSpPr>
+        <a:xfrm>
+          <a:off x="0" y="0"/>
+          <a:ext cx="0" cy="0"/>
+          <a:chOff x="0" y="0"/>
+          <a:chExt cx="0" cy="0"/>
+        </a:xfrm>
+      </p:grpSpPr>
+      <p:sp>
+        <p:nvSpPr>
+          <p:cNvPr id="3" name="标题 2"/>
+          <p:cNvSpPr>
+            <a:spLocks noGrp="1"/>
+          </p:cNvSpPr>
+          <p:nvPr>
+            <p:ph type="title"/>
+          </p:nvPr>
+        </p:nvSpPr>
+        <p:spPr/>
+        <p:txBody>
+          <a:bodyPr/>
+          <a:lstStyle/>
+          <a:p>
+            <a:r>
+              <a:rPr lang="zh-CN" altLang="en-US" dirty="0"/>
+              <a:t>结学</a:t>
+            </a:r>
+            <a:endParaRPr dirty="0">
+              <a:sym typeface="+mn-ea"/>
+            </a:endParaRPr>
+          </a:p>
+        </p:txBody>
+      </p:sp>
+      <p:sp>
+        <p:nvSpPr>
+          <p:cNvPr id="6" name="文本占位符 1">
+            <a:extLst>
+              <a:ext uri="{FF2B5EF4-FFF2-40B4-BE49-F238E27FC236}">
+                <a16:creationId xmlns:a16="http://schemas.microsoft.com/office/drawing/2014/main" id="{BA88068A-4FDC-6963-46A5-ADEC46CDA15E}"/>
+              </a:ext>
+            </a:extLst>
+          </p:cNvPr>
+          <p:cNvSpPr txBox="1">
+            <a:spLocks/>
+          </p:cNvSpPr>
+          <p:nvPr/>
+        </p:nvSpPr>
+        <p:spPr>
+          <a:xfrm>
+            <a:off x="822325" y="1778635"/>
+            <a:ext cx="10852150" cy="4553585"/>
+          </a:xfrm>
+        </p:spPr>
+        <p:txBody>
+          <a:bodyPr lIns="101600" tIns="38100" rIns="76200" bIns="38100">
+            <a:noAutofit/>
+          </a:bodyPr>
+          <a:lstStyle>
+            <a:lvl1pPr marL="0" indent="0" algn="l" defTabSz="914400" rtl="0" eaLnBrk="1" fontAlgn="auto" latinLnBrk="0" hangingPunct="1">
+              <a:lnSpc>
+                <a:spcPct val="130000"/>
+              </a:lnSpc>
+              <a:spcBef>
+                <a:spcPts val="0"/>
+              </a:spcBef>
+              <a:spcAft>
+                <a:spcPts val="1000"/>
+              </a:spcAft>
+              <a:buFont typeface="Arial" panose="020B0604020202020204" pitchFamily="34" charset="0"/>
+              <a:buNone/>
+              <a:defRPr kumimoji="0" lang="zh-CN" altLang="en-US" sz="1600" b="0" i="0" u="none" strike="noStrike" kern="1200" cap="none" spc="150" normalizeH="0" baseline="0" noProof="1">
+                <a:solidFill>
+                  <a:schemeClr val="tx1"/>
+                </a:solidFill>
+                <a:uFillTx/>
+                <a:latin typeface="+mn-lt"/>
+                <a:ea typeface="+mn-ea"/>
+                <a:cs typeface="+mn-cs"/>
+                <a:sym typeface="+mn-ea"/>
+              </a:defRPr>
+            </a:lvl1pPr>
+            <a:lvl2pPr marL="457200" indent="0" algn="l" defTabSz="914400" rtl="0" eaLnBrk="1" fontAlgn="auto" latinLnBrk="0" hangingPunct="1">
+              <a:lnSpc>
+                <a:spcPct val="130000"/>
+              </a:lnSpc>
+              <a:spcBef>
+                <a:spcPts val="0"/>
+              </a:spcBef>
+              <a:spcAft>
+                <a:spcPts val="1000"/>
+              </a:spcAft>
+              <a:buFont typeface="Arial" panose="020B0604020202020204" pitchFamily="34" charset="0"/>
+              <a:buNone/>
+              <a:tabLst>
+                <a:tab pos="1609725" algn="l"/>
+              </a:tabLst>
+              <a:defRPr sz="2000" u="none" strike="noStrike" kern="1200" cap="none" spc="150" normalizeH="0" baseline="0">
+                <a:solidFill>
+                  <a:schemeClr val="tx1">
+                    <a:tint val="75000"/>
+                  </a:schemeClr>
+                </a:solidFill>
+                <a:uFillTx/>
+                <a:latin typeface="+mn-lt"/>
+                <a:ea typeface="+mn-ea"/>
+                <a:cs typeface="+mn-cs"/>
+              </a:defRPr>
+            </a:lvl2pPr>
+            <a:lvl3pPr marL="914400" indent="0" algn="l" defTabSz="914400" rtl="0" eaLnBrk="1" fontAlgn="auto" latinLnBrk="0" hangingPunct="1">
+              <a:lnSpc>
+                <a:spcPct val="130000"/>
+              </a:lnSpc>
+              <a:spcBef>
+                <a:spcPts val="0"/>
+              </a:spcBef>
+              <a:spcAft>
+                <a:spcPts val="1000"/>
+              </a:spcAft>
+              <a:buFont typeface="Arial" panose="020B0604020202020204" pitchFamily="34" charset="0"/>
+              <a:buNone/>
+              <a:defRPr sz="1800" u="none" strike="noStrike" kern="1200" cap="none" spc="150" normalizeH="0" baseline="0">
+                <a:solidFill>
+                  <a:schemeClr val="tx1">
+                    <a:tint val="75000"/>
+                  </a:schemeClr>
+                </a:solidFill>
+                <a:uFillTx/>
+                <a:latin typeface="+mn-lt"/>
+                <a:ea typeface="+mn-ea"/>
+                <a:cs typeface="+mn-cs"/>
+              </a:defRPr>
+            </a:lvl3pPr>
+            <a:lvl4pPr marL="1371600" indent="0" algn="l" defTabSz="914400" rtl="0" eaLnBrk="1" fontAlgn="auto" latinLnBrk="0" hangingPunct="1">
+              <a:lnSpc>
+                <a:spcPct val="130000"/>
+              </a:lnSpc>
+              <a:spcBef>
+                <a:spcPts val="0"/>
+              </a:spcBef>
+              <a:spcAft>
+                <a:spcPts val="1000"/>
+              </a:spcAft>
+              <a:buFont typeface="Arial" panose="020B0604020202020204" pitchFamily="34" charset="0"/>
+              <a:buNone/>
+              <a:defRPr sz="1600" u="none" strike="noStrike" kern="1200" cap="none" spc="150" normalizeH="0" baseline="0">
+                <a:solidFill>
+                  <a:schemeClr val="tx1">
+                    <a:tint val="75000"/>
+                  </a:schemeClr>
+                </a:solidFill>
+                <a:uFillTx/>
+                <a:latin typeface="+mn-lt"/>
+                <a:ea typeface="+mn-ea"/>
+                <a:cs typeface="+mn-cs"/>
+              </a:defRPr>
+            </a:lvl4pPr>
+            <a:lvl5pPr marL="1828800" indent="0" algn="l" defTabSz="914400" rtl="0" eaLnBrk="1" fontAlgn="auto" latinLnBrk="0" hangingPunct="1">
+              <a:lnSpc>
+                <a:spcPct val="130000"/>
+              </a:lnSpc>
+              <a:spcBef>
+                <a:spcPts val="0"/>
+              </a:spcBef>
+              <a:spcAft>
+                <a:spcPts val="1000"/>
+              </a:spcAft>
+              <a:buFont typeface="Arial" panose="020B0604020202020204" pitchFamily="34" charset="0"/>
+              <a:buNone/>
+              <a:defRPr sz="1600" u="none" strike="noStrike" kern="1200" cap="none" spc="150" normalizeH="0" baseline="0">
+                <a:solidFill>
+                  <a:schemeClr val="tx1">
+                    <a:tint val="75000"/>
+                  </a:schemeClr>
+                </a:solidFill>
+                <a:uFillTx/>
+                <a:latin typeface="+mn-lt"/>
+                <a:ea typeface="+mn-ea"/>
+                <a:cs typeface="+mn-cs"/>
+              </a:defRPr>
+            </a:lvl5pPr>
+            <a:lvl6pPr marL="2286000" indent="0" algn="l" defTabSz="914400" rtl="0" eaLnBrk="1" latinLnBrk="0" hangingPunct="1">
+              <a:lnSpc>
+                <a:spcPct val="90000"/>
+              </a:lnSpc>
+              <a:spcBef>
+                <a:spcPts val="500"/>
+              </a:spcBef>
+              <a:buFont typeface="Arial" panose="020B0604020202020204" pitchFamily="34" charset="0"/>
+              <a:buNone/>
+              <a:defRPr sz="1600" kern="1200">
+                <a:solidFill>
+                  <a:schemeClr val="tx1">
+                    <a:tint val="75000"/>
+                  </a:schemeClr>
+                </a:solidFill>
+                <a:latin typeface="+mn-lt"/>
+                <a:ea typeface="+mn-ea"/>
+                <a:cs typeface="+mn-cs"/>
+              </a:defRPr>
+            </a:lvl6pPr>
+            <a:lvl7pPr marL="2743200" indent="0" algn="l" defTabSz="914400" rtl="0" eaLnBrk="1" latinLnBrk="0" hangingPunct="1">
+              <a:lnSpc>
+                <a:spcPct val="90000"/>
+              </a:lnSpc>
+              <a:spcBef>
+                <a:spcPts val="500"/>
+              </a:spcBef>
+              <a:buFont typeface="Arial" panose="020B0604020202020204" pitchFamily="34" charset="0"/>
+              <a:buNone/>
+              <a:defRPr sz="1600" kern="1200">
+                <a:solidFill>
+                  <a:schemeClr val="tx1">
+                    <a:tint val="75000"/>
+                  </a:schemeClr>
+                </a:solidFill>
+                <a:latin typeface="+mn-lt"/>
+                <a:ea typeface="+mn-ea"/>
+                <a:cs typeface="+mn-cs"/>
+              </a:defRPr>
+            </a:lvl7pPr>
+            <a:lvl8pPr marL="3200400" indent="0" algn="l" defTabSz="914400" rtl="0" eaLnBrk="1" latinLnBrk="0" hangingPunct="1">
+              <a:lnSpc>
+                <a:spcPct val="90000"/>
+              </a:lnSpc>
+              <a:spcBef>
+                <a:spcPts val="500"/>
+              </a:spcBef>
+              <a:buFont typeface="Arial" panose="020B0604020202020204" pitchFamily="34" charset="0"/>
+              <a:buNone/>
+              <a:defRPr sz="1600" kern="1200">
+                <a:solidFill>
+                  <a:schemeClr val="tx1">
+                    <a:tint val="75000"/>
+                  </a:schemeClr>
+                </a:solidFill>
+                <a:latin typeface="+mn-lt"/>
+                <a:ea typeface="+mn-ea"/>
+                <a:cs typeface="+mn-cs"/>
+              </a:defRPr>
+            </a:lvl8pPr>
+            <a:lvl9pPr marL="3657600" indent="0" algn="l" defTabSz="914400" rtl="0" eaLnBrk="1" latinLnBrk="0" hangingPunct="1">
+              <a:lnSpc>
+                <a:spcPct val="90000"/>
+              </a:lnSpc>
+              <a:spcBef>
+                <a:spcPts val="500"/>
+              </a:spcBef>
+              <a:buFont typeface="Arial" panose="020B0604020202020204" pitchFamily="34" charset="0"/>
+              <a:buNone/>
+              <a:defRPr sz="1600" kern="1200">
+                <a:solidFill>
+                  <a:schemeClr val="tx1">
+                    <a:tint val="75000"/>
+                  </a:schemeClr>
+                </a:solidFill>
+                <a:latin typeface="+mn-lt"/>
+                <a:ea typeface="+mn-ea"/>
+                <a:cs typeface="+mn-cs"/>
+              </a:defRPr>
+            </a:lvl9pPr>
+          </a:lstStyle>
+          <a:p>
+            <a:pPr marL="285750" indent="-285750">
+              <a:buFont typeface="Arial" panose="020B0604020202020204" pitchFamily="34" charset="0"/>
+              <a:buChar char="•"/>
+            </a:pPr>
+            <a:r>
+              <a:rPr lang="zh-CN" altLang="en-US" dirty="0"/>
+              <a:t>未收敛的原因的原因是什么？</a:t>
+            </a:r>
+            <a:endParaRPr lang="en-US" altLang="zh-CN" dirty="0"/>
+          </a:p>
+          <a:p>
+            <a:pPr marL="285750" indent="-285750">
+              <a:buFont typeface="Arial" panose="020B0604020202020204" pitchFamily="34" charset="0"/>
+              <a:buChar char="•"/>
+            </a:pPr>
+            <a:r>
+              <a:rPr lang="zh-CN" altLang="en-US" dirty="0"/>
+              <a:t>如何修复？</a:t>
+            </a:r>
+            <a:endParaRPr lang="en-US" altLang="zh-CN" dirty="0"/>
+          </a:p>
+          <a:p>
+            <a:pPr marL="285750" indent="-285750">
+              <a:buFont typeface="Arial" panose="020B0604020202020204" pitchFamily="34" charset="0"/>
+              <a:buChar char="•"/>
+            </a:pPr>
+            <a:r>
+              <a:rPr lang="zh-CN" altLang="en-US" dirty="0"/>
+              <a:t>如何自动化地检查？</a:t>
+            </a:r>
+            <a:endParaRPr lang="en-US" altLang="zh-CN" dirty="0"/>
+          </a:p>
+          <a:p>
+            <a:pPr marL="285750" indent="-285750">
+              <a:buFont typeface="Arial" panose="020B0604020202020204" pitchFamily="34" charset="0"/>
+              <a:buChar char="•"/>
+            </a:pPr>
+            <a:endParaRPr lang="en-US" altLang="zh-CN" dirty="0"/>
+          </a:p>
+          <a:p>
+            <a:pPr marL="285750" indent="-285750">
+              <a:buFont typeface="Arial" panose="020B0604020202020204" pitchFamily="34" charset="0"/>
+              <a:buChar char="•"/>
+            </a:pPr>
+            <a:r>
+              <a:rPr lang="zh-CN" altLang="en-US" dirty="0"/>
+              <a:t>自学、展学</a:t>
+            </a:r>
+          </a:p>
+          <a:p>
+            <a:pPr marL="285750" indent="-285750">
+              <a:buFont typeface="Arial" panose="020B0604020202020204" pitchFamily="34" charset="0"/>
+              <a:buChar char="•"/>
+            </a:pPr>
+            <a:endParaRPr lang="zh-CN" altLang="en-US" dirty="0"/>
+          </a:p>
+          <a:p>
+            <a:pPr marL="285750" indent="-285750">
+              <a:buFont typeface="Arial" panose="020B0604020202020204" pitchFamily="34" charset="0"/>
+              <a:buChar char="•"/>
+            </a:pPr>
+            <a:endParaRPr lang="en-US" altLang="zh-CN" dirty="0"/>
+          </a:p>
+          <a:p>
+            <a:pPr marL="285750" indent="-285750">
+              <a:buFont typeface="Arial" panose="020B0604020202020204" pitchFamily="34" charset="0"/>
+              <a:buChar char="•"/>
+            </a:pPr>
+            <a:endParaRPr lang="zh-CN" altLang="en-US" dirty="0"/>
+          </a:p>
+          <a:p>
+            <a:pPr marL="285750" indent="-285750">
+              <a:buFont typeface="Arial" panose="020B0604020202020204" pitchFamily="34" charset="0"/>
+              <a:buChar char="•"/>
+            </a:pPr>
+            <a:endParaRPr lang="zh-CN" altLang="en-US" dirty="0"/>
+          </a:p>
+          <a:p>
+            <a:pPr marL="285750" indent="-285750">
+              <a:buFont typeface="Arial" panose="020B0604020202020204" pitchFamily="34" charset="0"/>
+              <a:buChar char="•"/>
+            </a:pPr>
+            <a:endParaRPr lang="zh-CN" altLang="en-US" dirty="0"/>
+          </a:p>
+          <a:p>
+            <a:pPr marL="285750" indent="-285750">
+              <a:buFont typeface="Arial" panose="020B0604020202020204" pitchFamily="34" charset="0"/>
+              <a:buChar char="•"/>
+            </a:pPr>
+            <a:endParaRPr lang="zh-CN" altLang="en-US" dirty="0"/>
+          </a:p>
+          <a:p>
+            <a:pPr marL="285750" indent="-285750">
+              <a:buFont typeface="Arial" panose="020B0604020202020204" pitchFamily="34" charset="0"/>
+              <a:buChar char="•"/>
+            </a:pPr>
+            <a:endParaRPr lang="zh-CN" altLang="en-US" dirty="0"/>
+          </a:p>
+          <a:p>
+            <a:pPr marL="285750" indent="-285750">
+              <a:buFont typeface="Arial" panose="020B0604020202020204" pitchFamily="34" charset="0"/>
+              <a:buChar char="•"/>
+            </a:pPr>
+            <a:endParaRPr lang="zh-CN" altLang="en-US" dirty="0"/>
+          </a:p>
+          <a:p>
+            <a:pPr marL="285750" indent="-285750">
+              <a:buFont typeface="Arial" panose="020B0604020202020204" pitchFamily="34" charset="0"/>
+              <a:buChar char="•"/>
+            </a:pPr>
+            <a:endParaRPr lang="zh-CN" altLang="en-US" dirty="0"/>
+          </a:p>
+        </p:txBody>
+      </p:sp>
+    </p:spTree>
+    <p:custDataLst>
+      <p:tags r:id="rId1"/>
+    </p:custDataLst>
+    <p:extLst>
+      <p:ext uri="{BB962C8B-B14F-4D97-AF65-F5344CB8AC3E}">
+        <p14:creationId xmlns:p14="http://schemas.microsoft.com/office/powerpoint/2010/main" val="11973512"/>
       </p:ext>
     </p:extLst>
   </p:cSld>
@@ -12234,14 +11061,10 @@
               <a:t>：</a:t>
             </a:r>
             <a:r>
-              <a:rPr lang="zh-CN" altLang="en-US" dirty="0"/>
-              <a:t>整合</a:t>
-            </a:r>
-            <a:r>
-              <a:rPr lang="zh-CN" altLang="en-US" dirty="0">
+              <a:rPr lang="en-US" dirty="0" err="1">
                 <a:sym typeface="+mn-ea"/>
               </a:rPr>
-              <a:t>全连接层的梯度检查</a:t>
+              <a:t>实现推理</a:t>
             </a:r>
             <a:endParaRPr lang="zh-CN" altLang="en-US" dirty="0"/>
           </a:p>
@@ -12253,7 +11076,7 @@
     </p:custDataLst>
     <p:extLst>
       <p:ext uri="{BB962C8B-B14F-4D97-AF65-F5344CB8AC3E}">
-        <p14:creationId xmlns:p14="http://schemas.microsoft.com/office/powerpoint/2010/main" val="3581730394"/>
+        <p14:creationId xmlns:p14="http://schemas.microsoft.com/office/powerpoint/2010/main" val="2374098428"/>
       </p:ext>
     </p:extLst>
   </p:cSld>
@@ -12282,67 +11105,6 @@
       </p:grpSpPr>
       <p:sp>
         <p:nvSpPr>
-          <p:cNvPr id="2" name="文本占位符 1"/>
-          <p:cNvSpPr>
-            <a:spLocks noGrp="1"/>
-          </p:cNvSpPr>
-          <p:nvPr>
-            <p:ph type="body" idx="1"/>
-          </p:nvPr>
-        </p:nvSpPr>
-        <p:spPr/>
-        <p:txBody>
-          <a:bodyPr/>
-          <a:lstStyle/>
-          <a:p>
-            <a:pPr marL="285750" indent="-285750">
-              <a:buFont typeface="Arial" panose="020B0604020202020204" pitchFamily="34" charset="0"/>
-              <a:buChar char="•"/>
-            </a:pPr>
-            <a:endParaRPr lang="en-US" altLang="zh-CN" dirty="0"/>
-          </a:p>
-          <a:p>
-            <a:pPr marL="285750" indent="-285750">
-              <a:buFont typeface="Arial" panose="020B0604020202020204" pitchFamily="34" charset="0"/>
-              <a:buChar char="•"/>
-            </a:pPr>
-            <a:endParaRPr lang="en-US" altLang="zh-CN" dirty="0"/>
-          </a:p>
-          <a:p>
-            <a:pPr marL="285750" indent="-285750">
-              <a:buFont typeface="Arial" panose="020B0604020202020204" pitchFamily="34" charset="0"/>
-              <a:buChar char="•"/>
-            </a:pPr>
-            <a:endParaRPr lang="en-US" altLang="zh-CN" dirty="0"/>
-          </a:p>
-          <a:p>
-            <a:pPr marL="285750" indent="-285750">
-              <a:buFont typeface="Arial" panose="020B0604020202020204" pitchFamily="34" charset="0"/>
-              <a:buChar char="•"/>
-            </a:pPr>
-            <a:endParaRPr lang="en-US" altLang="zh-CN" dirty="0"/>
-          </a:p>
-          <a:p>
-            <a:pPr marL="285750" indent="-285750">
-              <a:buFont typeface="Arial" panose="020B0604020202020204" pitchFamily="34" charset="0"/>
-              <a:buChar char="•"/>
-            </a:pPr>
-            <a:endParaRPr lang="en-US" altLang="zh-CN" dirty="0"/>
-          </a:p>
-          <a:p>
-            <a:pPr marL="285750" indent="-285750">
-              <a:buFont typeface="Arial" panose="020B0604020202020204" pitchFamily="34" charset="0"/>
-              <a:buChar char="•"/>
-            </a:pPr>
-            <a:endParaRPr lang="en-US" altLang="zh-CN" dirty="0"/>
-          </a:p>
-          <a:p>
-            <a:endParaRPr lang="en-US" altLang="zh-CN" dirty="0"/>
-          </a:p>
-        </p:txBody>
-      </p:sp>
-      <p:sp>
-        <p:nvSpPr>
           <p:cNvPr id="3" name="标题 2"/>
           <p:cNvSpPr>
             <a:spLocks noGrp="1"/>
@@ -12360,17 +11122,7 @@
               <a:rPr lang="zh-CN" altLang="en-US" dirty="0">
                 <a:sym typeface="+mn-ea"/>
               </a:rPr>
-              <a:t>任务：</a:t>
-            </a:r>
-            <a:r>
-              <a:rPr lang="zh-CN" altLang="en-US" dirty="0"/>
-              <a:t>整合</a:t>
-            </a:r>
-            <a:r>
-              <a:rPr lang="zh-CN" altLang="en-US" dirty="0">
-                <a:sym typeface="+mn-ea"/>
-              </a:rPr>
-              <a:t>全连接层的梯度检查</a:t>
+              <a:t>任务：实现推理</a:t>
             </a:r>
             <a:endParaRPr dirty="0">
               <a:sym typeface="+mn-ea"/>
@@ -12613,7 +11365,15 @@
             </a:pPr>
             <a:r>
               <a:rPr lang="zh-CN" altLang="en-US" dirty="0"/>
-              <a:t>请整合输出层和隐藏层的梯度检查</a:t>
+              <a:t>请实现“使用</a:t>
+            </a:r>
+            <a:r>
+              <a:rPr lang="en-US" altLang="zh-CN" dirty="0" err="1"/>
+              <a:t>mnist</a:t>
+            </a:r>
+            <a:r>
+              <a:rPr lang="zh-CN" altLang="en-US" dirty="0"/>
+              <a:t>的测试集推理一个样本”的代码</a:t>
             </a:r>
             <a:endParaRPr lang="en-US" altLang="zh-CN" dirty="0"/>
           </a:p>
@@ -12624,7 +11384,7 @@
             </a:pPr>
             <a:r>
               <a:rPr lang="zh-CN" altLang="en-US" dirty="0"/>
-              <a:t>运行代码，验证检查是否通过</a:t>
+              <a:t>请每个同学都运行代码，看下是否推理正确？</a:t>
             </a:r>
             <a:endParaRPr lang="en-US" altLang="zh-CN" dirty="0"/>
           </a:p>
@@ -12635,7 +11395,15 @@
             </a:pPr>
             <a:r>
               <a:rPr lang="zh-CN" altLang="en-US" dirty="0"/>
-              <a:t>请重构代码，消除重复代码</a:t>
+              <a:t>请实现“使用</a:t>
+            </a:r>
+            <a:r>
+              <a:rPr lang="en-US" altLang="zh-CN" dirty="0" err="1"/>
+              <a:t>mnist</a:t>
+            </a:r>
+            <a:r>
+              <a:rPr lang="zh-CN" altLang="en-US" dirty="0"/>
+              <a:t>的测试集推理多个样本，给出正确率”的代码</a:t>
             </a:r>
             <a:endParaRPr lang="en-US" altLang="zh-CN" dirty="0"/>
           </a:p>
@@ -12644,6 +11412,13 @@
               <a:buFont typeface="Arial" panose="020B0604020202020204" pitchFamily="34" charset="0"/>
               <a:buChar char="•"/>
             </a:pPr>
+            <a:r>
+              <a:rPr lang="zh-CN" altLang="en-US" dirty="0"/>
+              <a:t>请每个同学都运行代码，查看正确率</a:t>
+            </a:r>
+            <a:endParaRPr lang="en-US" altLang="zh-CN" dirty="0"/>
+          </a:p>
+          <a:p>
             <a:endParaRPr lang="en-US" altLang="zh-CN" dirty="0"/>
           </a:p>
           <a:p>
@@ -12727,7 +11502,7 @@
     </p:custDataLst>
     <p:extLst>
       <p:ext uri="{BB962C8B-B14F-4D97-AF65-F5344CB8AC3E}">
-        <p14:creationId xmlns:p14="http://schemas.microsoft.com/office/powerpoint/2010/main" val="1096562286"/>
+        <p14:creationId xmlns:p14="http://schemas.microsoft.com/office/powerpoint/2010/main" val="4281530691"/>
       </p:ext>
     </p:extLst>
   </p:cSld>
@@ -12848,6 +11623,1070 @@
           <a:lstStyle/>
           <a:p>
             <a:r>
+              <a:rPr lang="zh-CN" altLang="en-US" dirty="0">
+                <a:sym typeface="+mn-ea"/>
+              </a:rPr>
+              <a:t>主问题：如何解决过拟合？</a:t>
+            </a:r>
+            <a:endParaRPr lang="zh-CN" altLang="en-US" dirty="0"/>
+          </a:p>
+        </p:txBody>
+      </p:sp>
+    </p:spTree>
+    <p:custDataLst>
+      <p:tags r:id="rId1"/>
+    </p:custDataLst>
+    <p:extLst>
+      <p:ext uri="{BB962C8B-B14F-4D97-AF65-F5344CB8AC3E}">
+        <p14:creationId xmlns:p14="http://schemas.microsoft.com/office/powerpoint/2010/main" val="330186799"/>
+      </p:ext>
+    </p:extLst>
+  </p:cSld>
+  <p:clrMapOvr>
+    <a:masterClrMapping/>
+  </p:clrMapOvr>
+</p:sld>
+</file>
+
+<file path=ppt/slides/slide25.xml><?xml version="1.0" encoding="utf-8"?>
+<p:sld xmlns:a="http://schemas.openxmlformats.org/drawingml/2006/main" xmlns:r="http://schemas.openxmlformats.org/officeDocument/2006/relationships" xmlns:p="http://schemas.openxmlformats.org/presentationml/2006/main">
+  <p:cSld>
+    <p:spTree>
+      <p:nvGrpSpPr>
+        <p:cNvPr id="1" name=""/>
+        <p:cNvGrpSpPr/>
+        <p:nvPr/>
+      </p:nvGrpSpPr>
+      <p:grpSpPr>
+        <a:xfrm>
+          <a:off x="0" y="0"/>
+          <a:ext cx="0" cy="0"/>
+          <a:chOff x="0" y="0"/>
+          <a:chExt cx="0" cy="0"/>
+        </a:xfrm>
+      </p:grpSpPr>
+      <p:sp>
+        <p:nvSpPr>
+          <p:cNvPr id="3" name="标题 2"/>
+          <p:cNvSpPr>
+            <a:spLocks noGrp="1"/>
+          </p:cNvSpPr>
+          <p:nvPr>
+            <p:ph type="title"/>
+          </p:nvPr>
+        </p:nvSpPr>
+        <p:spPr/>
+        <p:txBody>
+          <a:bodyPr/>
+          <a:lstStyle/>
+          <a:p>
+            <a:r>
+              <a:rPr lang="zh-CN" altLang="en-US" dirty="0">
+                <a:sym typeface="+mn-ea"/>
+              </a:rPr>
+              <a:t>主问题：如何解决过拟合？</a:t>
+            </a:r>
+            <a:endParaRPr dirty="0">
+              <a:sym typeface="+mn-ea"/>
+            </a:endParaRPr>
+          </a:p>
+        </p:txBody>
+      </p:sp>
+      <p:sp>
+        <p:nvSpPr>
+          <p:cNvPr id="6" name="文本占位符 1">
+            <a:extLst>
+              <a:ext uri="{FF2B5EF4-FFF2-40B4-BE49-F238E27FC236}">
+                <a16:creationId xmlns:a16="http://schemas.microsoft.com/office/drawing/2014/main" id="{BA88068A-4FDC-6963-46A5-ADEC46CDA15E}"/>
+              </a:ext>
+            </a:extLst>
+          </p:cNvPr>
+          <p:cNvSpPr txBox="1">
+            <a:spLocks/>
+          </p:cNvSpPr>
+          <p:nvPr/>
+        </p:nvSpPr>
+        <p:spPr>
+          <a:xfrm>
+            <a:off x="822325" y="1778635"/>
+            <a:ext cx="10852150" cy="4553585"/>
+          </a:xfrm>
+        </p:spPr>
+        <p:txBody>
+          <a:bodyPr lIns="101600" tIns="38100" rIns="76200" bIns="38100">
+            <a:noAutofit/>
+          </a:bodyPr>
+          <a:lstStyle>
+            <a:lvl1pPr marL="0" indent="0" algn="l" defTabSz="914400" rtl="0" eaLnBrk="1" fontAlgn="auto" latinLnBrk="0" hangingPunct="1">
+              <a:lnSpc>
+                <a:spcPct val="130000"/>
+              </a:lnSpc>
+              <a:spcBef>
+                <a:spcPts val="0"/>
+              </a:spcBef>
+              <a:spcAft>
+                <a:spcPts val="1000"/>
+              </a:spcAft>
+              <a:buFont typeface="Arial" panose="020B0604020202020204" pitchFamily="34" charset="0"/>
+              <a:buNone/>
+              <a:defRPr kumimoji="0" lang="zh-CN" altLang="en-US" sz="1600" b="0" i="0" u="none" strike="noStrike" kern="1200" cap="none" spc="150" normalizeH="0" baseline="0" noProof="1">
+                <a:solidFill>
+                  <a:schemeClr val="tx1"/>
+                </a:solidFill>
+                <a:uFillTx/>
+                <a:latin typeface="+mn-lt"/>
+                <a:ea typeface="+mn-ea"/>
+                <a:cs typeface="+mn-cs"/>
+                <a:sym typeface="+mn-ea"/>
+              </a:defRPr>
+            </a:lvl1pPr>
+            <a:lvl2pPr marL="457200" indent="0" algn="l" defTabSz="914400" rtl="0" eaLnBrk="1" fontAlgn="auto" latinLnBrk="0" hangingPunct="1">
+              <a:lnSpc>
+                <a:spcPct val="130000"/>
+              </a:lnSpc>
+              <a:spcBef>
+                <a:spcPts val="0"/>
+              </a:spcBef>
+              <a:spcAft>
+                <a:spcPts val="1000"/>
+              </a:spcAft>
+              <a:buFont typeface="Arial" panose="020B0604020202020204" pitchFamily="34" charset="0"/>
+              <a:buNone/>
+              <a:tabLst>
+                <a:tab pos="1609725" algn="l"/>
+              </a:tabLst>
+              <a:defRPr sz="2000" u="none" strike="noStrike" kern="1200" cap="none" spc="150" normalizeH="0" baseline="0">
+                <a:solidFill>
+                  <a:schemeClr val="tx1">
+                    <a:tint val="75000"/>
+                  </a:schemeClr>
+                </a:solidFill>
+                <a:uFillTx/>
+                <a:latin typeface="+mn-lt"/>
+                <a:ea typeface="+mn-ea"/>
+                <a:cs typeface="+mn-cs"/>
+              </a:defRPr>
+            </a:lvl2pPr>
+            <a:lvl3pPr marL="914400" indent="0" algn="l" defTabSz="914400" rtl="0" eaLnBrk="1" fontAlgn="auto" latinLnBrk="0" hangingPunct="1">
+              <a:lnSpc>
+                <a:spcPct val="130000"/>
+              </a:lnSpc>
+              <a:spcBef>
+                <a:spcPts val="0"/>
+              </a:spcBef>
+              <a:spcAft>
+                <a:spcPts val="1000"/>
+              </a:spcAft>
+              <a:buFont typeface="Arial" panose="020B0604020202020204" pitchFamily="34" charset="0"/>
+              <a:buNone/>
+              <a:defRPr sz="1800" u="none" strike="noStrike" kern="1200" cap="none" spc="150" normalizeH="0" baseline="0">
+                <a:solidFill>
+                  <a:schemeClr val="tx1">
+                    <a:tint val="75000"/>
+                  </a:schemeClr>
+                </a:solidFill>
+                <a:uFillTx/>
+                <a:latin typeface="+mn-lt"/>
+                <a:ea typeface="+mn-ea"/>
+                <a:cs typeface="+mn-cs"/>
+              </a:defRPr>
+            </a:lvl3pPr>
+            <a:lvl4pPr marL="1371600" indent="0" algn="l" defTabSz="914400" rtl="0" eaLnBrk="1" fontAlgn="auto" latinLnBrk="0" hangingPunct="1">
+              <a:lnSpc>
+                <a:spcPct val="130000"/>
+              </a:lnSpc>
+              <a:spcBef>
+                <a:spcPts val="0"/>
+              </a:spcBef>
+              <a:spcAft>
+                <a:spcPts val="1000"/>
+              </a:spcAft>
+              <a:buFont typeface="Arial" panose="020B0604020202020204" pitchFamily="34" charset="0"/>
+              <a:buNone/>
+              <a:defRPr sz="1600" u="none" strike="noStrike" kern="1200" cap="none" spc="150" normalizeH="0" baseline="0">
+                <a:solidFill>
+                  <a:schemeClr val="tx1">
+                    <a:tint val="75000"/>
+                  </a:schemeClr>
+                </a:solidFill>
+                <a:uFillTx/>
+                <a:latin typeface="+mn-lt"/>
+                <a:ea typeface="+mn-ea"/>
+                <a:cs typeface="+mn-cs"/>
+              </a:defRPr>
+            </a:lvl4pPr>
+            <a:lvl5pPr marL="1828800" indent="0" algn="l" defTabSz="914400" rtl="0" eaLnBrk="1" fontAlgn="auto" latinLnBrk="0" hangingPunct="1">
+              <a:lnSpc>
+                <a:spcPct val="130000"/>
+              </a:lnSpc>
+              <a:spcBef>
+                <a:spcPts val="0"/>
+              </a:spcBef>
+              <a:spcAft>
+                <a:spcPts val="1000"/>
+              </a:spcAft>
+              <a:buFont typeface="Arial" panose="020B0604020202020204" pitchFamily="34" charset="0"/>
+              <a:buNone/>
+              <a:defRPr sz="1600" u="none" strike="noStrike" kern="1200" cap="none" spc="150" normalizeH="0" baseline="0">
+                <a:solidFill>
+                  <a:schemeClr val="tx1">
+                    <a:tint val="75000"/>
+                  </a:schemeClr>
+                </a:solidFill>
+                <a:uFillTx/>
+                <a:latin typeface="+mn-lt"/>
+                <a:ea typeface="+mn-ea"/>
+                <a:cs typeface="+mn-cs"/>
+              </a:defRPr>
+            </a:lvl5pPr>
+            <a:lvl6pPr marL="2286000" indent="0" algn="l" defTabSz="914400" rtl="0" eaLnBrk="1" latinLnBrk="0" hangingPunct="1">
+              <a:lnSpc>
+                <a:spcPct val="90000"/>
+              </a:lnSpc>
+              <a:spcBef>
+                <a:spcPts val="500"/>
+              </a:spcBef>
+              <a:buFont typeface="Arial" panose="020B0604020202020204" pitchFamily="34" charset="0"/>
+              <a:buNone/>
+              <a:defRPr sz="1600" kern="1200">
+                <a:solidFill>
+                  <a:schemeClr val="tx1">
+                    <a:tint val="75000"/>
+                  </a:schemeClr>
+                </a:solidFill>
+                <a:latin typeface="+mn-lt"/>
+                <a:ea typeface="+mn-ea"/>
+                <a:cs typeface="+mn-cs"/>
+              </a:defRPr>
+            </a:lvl6pPr>
+            <a:lvl7pPr marL="2743200" indent="0" algn="l" defTabSz="914400" rtl="0" eaLnBrk="1" latinLnBrk="0" hangingPunct="1">
+              <a:lnSpc>
+                <a:spcPct val="90000"/>
+              </a:lnSpc>
+              <a:spcBef>
+                <a:spcPts val="500"/>
+              </a:spcBef>
+              <a:buFont typeface="Arial" panose="020B0604020202020204" pitchFamily="34" charset="0"/>
+              <a:buNone/>
+              <a:defRPr sz="1600" kern="1200">
+                <a:solidFill>
+                  <a:schemeClr val="tx1">
+                    <a:tint val="75000"/>
+                  </a:schemeClr>
+                </a:solidFill>
+                <a:latin typeface="+mn-lt"/>
+                <a:ea typeface="+mn-ea"/>
+                <a:cs typeface="+mn-cs"/>
+              </a:defRPr>
+            </a:lvl7pPr>
+            <a:lvl8pPr marL="3200400" indent="0" algn="l" defTabSz="914400" rtl="0" eaLnBrk="1" latinLnBrk="0" hangingPunct="1">
+              <a:lnSpc>
+                <a:spcPct val="90000"/>
+              </a:lnSpc>
+              <a:spcBef>
+                <a:spcPts val="500"/>
+              </a:spcBef>
+              <a:buFont typeface="Arial" panose="020B0604020202020204" pitchFamily="34" charset="0"/>
+              <a:buNone/>
+              <a:defRPr sz="1600" kern="1200">
+                <a:solidFill>
+                  <a:schemeClr val="tx1">
+                    <a:tint val="75000"/>
+                  </a:schemeClr>
+                </a:solidFill>
+                <a:latin typeface="+mn-lt"/>
+                <a:ea typeface="+mn-ea"/>
+                <a:cs typeface="+mn-cs"/>
+              </a:defRPr>
+            </a:lvl8pPr>
+            <a:lvl9pPr marL="3657600" indent="0" algn="l" defTabSz="914400" rtl="0" eaLnBrk="1" latinLnBrk="0" hangingPunct="1">
+              <a:lnSpc>
+                <a:spcPct val="90000"/>
+              </a:lnSpc>
+              <a:spcBef>
+                <a:spcPts val="500"/>
+              </a:spcBef>
+              <a:buFont typeface="Arial" panose="020B0604020202020204" pitchFamily="34" charset="0"/>
+              <a:buNone/>
+              <a:defRPr sz="1600" kern="1200">
+                <a:solidFill>
+                  <a:schemeClr val="tx1">
+                    <a:tint val="75000"/>
+                  </a:schemeClr>
+                </a:solidFill>
+                <a:latin typeface="+mn-lt"/>
+                <a:ea typeface="+mn-ea"/>
+                <a:cs typeface="+mn-cs"/>
+              </a:defRPr>
+            </a:lvl9pPr>
+          </a:lstStyle>
+          <a:p>
+            <a:pPr marL="285750" indent="-285750">
+              <a:buFont typeface="Arial" panose="020B0604020202020204" pitchFamily="34" charset="0"/>
+              <a:buChar char="•"/>
+            </a:pPr>
+            <a:r>
+              <a:rPr lang="zh-CN" altLang="en-US" dirty="0"/>
+              <a:t>什么是过拟合？</a:t>
+            </a:r>
+            <a:endParaRPr lang="en-US" altLang="zh-CN" dirty="0"/>
+          </a:p>
+          <a:p>
+            <a:pPr marL="285750" indent="-285750">
+              <a:buFont typeface="Arial" panose="020B0604020202020204" pitchFamily="34" charset="0"/>
+              <a:buChar char="•"/>
+            </a:pPr>
+            <a:r>
+              <a:rPr lang="zh-CN" altLang="en-US" dirty="0"/>
+              <a:t>如何解决现在遇到的过拟合的问题？</a:t>
+            </a:r>
+            <a:endParaRPr lang="en-US" altLang="zh-CN" dirty="0"/>
+          </a:p>
+          <a:p>
+            <a:pPr marL="285750" indent="-285750">
+              <a:buFont typeface="Arial" panose="020B0604020202020204" pitchFamily="34" charset="0"/>
+              <a:buChar char="•"/>
+            </a:pPr>
+            <a:r>
+              <a:rPr lang="zh-CN" altLang="en-US" dirty="0"/>
+              <a:t>为什么</a:t>
+            </a:r>
+            <a:r>
+              <a:rPr lang="en-US" altLang="zh-CN" dirty="0"/>
+              <a:t>Shuffle</a:t>
+            </a:r>
+            <a:r>
+              <a:rPr lang="zh-CN" altLang="en-US" dirty="0"/>
+              <a:t>能避免过拟合？</a:t>
+            </a:r>
+            <a:endParaRPr lang="en-US" altLang="zh-CN" dirty="0"/>
+          </a:p>
+          <a:p>
+            <a:pPr marL="285750" indent="-285750">
+              <a:buFont typeface="Arial" panose="020B0604020202020204" pitchFamily="34" charset="0"/>
+              <a:buChar char="•"/>
+            </a:pPr>
+            <a:endParaRPr lang="en-US" altLang="zh-CN" dirty="0"/>
+          </a:p>
+          <a:p>
+            <a:pPr marL="285750" indent="-285750">
+              <a:buFont typeface="Arial" panose="020B0604020202020204" pitchFamily="34" charset="0"/>
+              <a:buChar char="•"/>
+            </a:pPr>
+            <a:r>
+              <a:rPr lang="zh-CN" altLang="en-US" dirty="0"/>
+              <a:t>自学、展学</a:t>
+            </a:r>
+          </a:p>
+          <a:p>
+            <a:pPr marL="285750" indent="-285750">
+              <a:buFont typeface="Arial" panose="020B0604020202020204" pitchFamily="34" charset="0"/>
+              <a:buChar char="•"/>
+            </a:pPr>
+            <a:endParaRPr lang="zh-CN" altLang="en-US" dirty="0"/>
+          </a:p>
+          <a:p>
+            <a:pPr marL="285750" indent="-285750">
+              <a:buFont typeface="Arial" panose="020B0604020202020204" pitchFamily="34" charset="0"/>
+              <a:buChar char="•"/>
+            </a:pPr>
+            <a:endParaRPr lang="en-US" altLang="zh-CN" dirty="0"/>
+          </a:p>
+          <a:p>
+            <a:pPr marL="285750" indent="-285750">
+              <a:buFont typeface="Arial" panose="020B0604020202020204" pitchFamily="34" charset="0"/>
+              <a:buChar char="•"/>
+            </a:pPr>
+            <a:endParaRPr lang="zh-CN" altLang="en-US" dirty="0"/>
+          </a:p>
+          <a:p>
+            <a:pPr marL="285750" indent="-285750">
+              <a:buFont typeface="Arial" panose="020B0604020202020204" pitchFamily="34" charset="0"/>
+              <a:buChar char="•"/>
+            </a:pPr>
+            <a:endParaRPr lang="zh-CN" altLang="en-US" dirty="0"/>
+          </a:p>
+          <a:p>
+            <a:pPr marL="285750" indent="-285750">
+              <a:buFont typeface="Arial" panose="020B0604020202020204" pitchFamily="34" charset="0"/>
+              <a:buChar char="•"/>
+            </a:pPr>
+            <a:endParaRPr lang="zh-CN" altLang="en-US" dirty="0"/>
+          </a:p>
+          <a:p>
+            <a:pPr marL="285750" indent="-285750">
+              <a:buFont typeface="Arial" panose="020B0604020202020204" pitchFamily="34" charset="0"/>
+              <a:buChar char="•"/>
+            </a:pPr>
+            <a:endParaRPr lang="zh-CN" altLang="en-US" dirty="0"/>
+          </a:p>
+          <a:p>
+            <a:pPr marL="285750" indent="-285750">
+              <a:buFont typeface="Arial" panose="020B0604020202020204" pitchFamily="34" charset="0"/>
+              <a:buChar char="•"/>
+            </a:pPr>
+            <a:endParaRPr lang="zh-CN" altLang="en-US" dirty="0"/>
+          </a:p>
+          <a:p>
+            <a:pPr marL="285750" indent="-285750">
+              <a:buFont typeface="Arial" panose="020B0604020202020204" pitchFamily="34" charset="0"/>
+              <a:buChar char="•"/>
+            </a:pPr>
+            <a:endParaRPr lang="zh-CN" altLang="en-US" dirty="0"/>
+          </a:p>
+          <a:p>
+            <a:pPr marL="285750" indent="-285750">
+              <a:buFont typeface="Arial" panose="020B0604020202020204" pitchFamily="34" charset="0"/>
+              <a:buChar char="•"/>
+            </a:pPr>
+            <a:endParaRPr lang="zh-CN" altLang="en-US" dirty="0"/>
+          </a:p>
+        </p:txBody>
+      </p:sp>
+      <p:sp>
+        <p:nvSpPr>
+          <p:cNvPr id="2" name="文本框 1">
+            <a:extLst>
+              <a:ext uri="{FF2B5EF4-FFF2-40B4-BE49-F238E27FC236}">
+                <a16:creationId xmlns:a16="http://schemas.microsoft.com/office/drawing/2014/main" id="{6AA9B263-38AB-9B0F-CF95-CE8AF4847553}"/>
+              </a:ext>
+            </a:extLst>
+          </p:cNvPr>
+          <p:cNvSpPr txBox="1"/>
+          <p:nvPr/>
+        </p:nvSpPr>
+        <p:spPr>
+          <a:xfrm>
+            <a:off x="4873451" y="3265714"/>
+            <a:ext cx="6933362" cy="646331"/>
+          </a:xfrm>
+          <a:prstGeom prst="rect">
+            <a:avLst/>
+          </a:prstGeom>
+          <a:noFill/>
+        </p:spPr>
+        <p:txBody>
+          <a:bodyPr wrap="square" rtlCol="0">
+            <a:spAutoFit/>
+          </a:bodyPr>
+          <a:lstStyle/>
+          <a:p>
+            <a:r>
+              <a:rPr lang="zh-CN" altLang="en-US" b="0" i="0" dirty="0">
+                <a:solidFill>
+                  <a:srgbClr val="121212"/>
+                </a:solidFill>
+                <a:effectLst/>
+                <a:latin typeface="-apple-system"/>
+              </a:rPr>
+              <a:t>固定的数据集顺序意味着固定的训练样本，也就意味着权值更新的方向是固定的，而无顺序的数据集，意味着更新方向是随机的</a:t>
+            </a:r>
+            <a:endParaRPr kumimoji="1" lang="zh-CN" altLang="en-US" dirty="0"/>
+          </a:p>
+        </p:txBody>
+      </p:sp>
+    </p:spTree>
+    <p:custDataLst>
+      <p:tags r:id="rId1"/>
+    </p:custDataLst>
+    <p:extLst>
+      <p:ext uri="{BB962C8B-B14F-4D97-AF65-F5344CB8AC3E}">
+        <p14:creationId xmlns:p14="http://schemas.microsoft.com/office/powerpoint/2010/main" val="3934053307"/>
+      </p:ext>
+    </p:extLst>
+  </p:cSld>
+  <p:clrMapOvr>
+    <a:masterClrMapping/>
+  </p:clrMapOvr>
+  <p:timing>
+    <p:tnLst>
+      <p:par>
+        <p:cTn id="1" dur="indefinite" restart="never" nodeType="tmRoot">
+          <p:childTnLst>
+            <p:seq concurrent="1" nextAc="seek">
+              <p:cTn id="2" dur="indefinite" nodeType="mainSeq">
+                <p:childTnLst>
+                  <p:par>
+                    <p:cTn id="3" fill="hold">
+                      <p:stCondLst>
+                        <p:cond delay="indefinite"/>
+                      </p:stCondLst>
+                      <p:childTnLst>
+                        <p:par>
+                          <p:cTn id="4" fill="hold">
+                            <p:stCondLst>
+                              <p:cond delay="0"/>
+                            </p:stCondLst>
+                            <p:childTnLst>
+                              <p:par>
+                                <p:cTn id="5" presetID="1" presetClass="entr" presetSubtype="0" fill="hold" grpId="0" nodeType="clickEffect">
+                                  <p:stCondLst>
+                                    <p:cond delay="0"/>
+                                  </p:stCondLst>
+                                  <p:childTnLst>
+                                    <p:set>
+                                      <p:cBhvr>
+                                        <p:cTn id="6" dur="1" fill="hold">
+                                          <p:stCondLst>
+                                            <p:cond delay="0"/>
+                                          </p:stCondLst>
+                                        </p:cTn>
+                                        <p:tgtEl>
+                                          <p:spTgt spid="6"/>
+                                        </p:tgtEl>
+                                        <p:attrNameLst>
+                                          <p:attrName>style.visibility</p:attrName>
+                                        </p:attrNameLst>
+                                      </p:cBhvr>
+                                      <p:to>
+                                        <p:strVal val="visible"/>
+                                      </p:to>
+                                    </p:set>
+                                  </p:childTnLst>
+                                </p:cTn>
+                              </p:par>
+                            </p:childTnLst>
+                          </p:cTn>
+                        </p:par>
+                      </p:childTnLst>
+                    </p:cTn>
+                  </p:par>
+                </p:childTnLst>
+              </p:cTn>
+              <p:prevCondLst>
+                <p:cond evt="onPrev" delay="0">
+                  <p:tgtEl>
+                    <p:sldTgt/>
+                  </p:tgtEl>
+                </p:cond>
+              </p:prevCondLst>
+              <p:nextCondLst>
+                <p:cond evt="onNext" delay="0">
+                  <p:tgtEl>
+                    <p:sldTgt/>
+                  </p:tgtEl>
+                </p:cond>
+              </p:nextCondLst>
+            </p:seq>
+          </p:childTnLst>
+        </p:cTn>
+      </p:par>
+    </p:tnLst>
+    <p:bldLst>
+      <p:bldP spid="6" grpId="0"/>
+    </p:bldLst>
+  </p:timing>
+</p:sld>
+</file>
+
+<file path=ppt/slides/slide26.xml><?xml version="1.0" encoding="utf-8"?>
+<p:sld xmlns:a="http://schemas.openxmlformats.org/drawingml/2006/main" xmlns:r="http://schemas.openxmlformats.org/officeDocument/2006/relationships" xmlns:p="http://schemas.openxmlformats.org/presentationml/2006/main">
+  <p:cSld>
+    <p:spTree>
+      <p:nvGrpSpPr>
+        <p:cNvPr id="1" name=""/>
+        <p:cNvGrpSpPr/>
+        <p:nvPr/>
+      </p:nvGrpSpPr>
+      <p:grpSpPr>
+        <a:xfrm>
+          <a:off x="0" y="0"/>
+          <a:ext cx="0" cy="0"/>
+          <a:chOff x="0" y="0"/>
+          <a:chExt cx="0" cy="0"/>
+        </a:xfrm>
+      </p:grpSpPr>
+      <p:sp>
+        <p:nvSpPr>
+          <p:cNvPr id="3" name="标题 2"/>
+          <p:cNvSpPr>
+            <a:spLocks noGrp="1"/>
+          </p:cNvSpPr>
+          <p:nvPr>
+            <p:ph type="title"/>
+          </p:nvPr>
+        </p:nvSpPr>
+        <p:spPr/>
+        <p:txBody>
+          <a:bodyPr/>
+          <a:lstStyle/>
+          <a:p>
+            <a:r>
+              <a:rPr lang="zh-CN" altLang="en-US" dirty="0">
+                <a:sym typeface="+mn-ea"/>
+              </a:rPr>
+              <a:t>任务：实现</a:t>
+            </a:r>
+            <a:r>
+              <a:rPr lang="en-US" altLang="zh-CN" dirty="0">
+                <a:sym typeface="+mn-ea"/>
+              </a:rPr>
+              <a:t>Shuffle</a:t>
+            </a:r>
+            <a:endParaRPr dirty="0">
+              <a:sym typeface="+mn-ea"/>
+            </a:endParaRPr>
+          </a:p>
+        </p:txBody>
+      </p:sp>
+      <p:sp>
+        <p:nvSpPr>
+          <p:cNvPr id="6" name="文本占位符 1">
+            <a:extLst>
+              <a:ext uri="{FF2B5EF4-FFF2-40B4-BE49-F238E27FC236}">
+                <a16:creationId xmlns:a16="http://schemas.microsoft.com/office/drawing/2014/main" id="{BA88068A-4FDC-6963-46A5-ADEC46CDA15E}"/>
+              </a:ext>
+            </a:extLst>
+          </p:cNvPr>
+          <p:cNvSpPr txBox="1">
+            <a:spLocks/>
+          </p:cNvSpPr>
+          <p:nvPr/>
+        </p:nvSpPr>
+        <p:spPr>
+          <a:xfrm>
+            <a:off x="822325" y="1778635"/>
+            <a:ext cx="10852150" cy="4553585"/>
+          </a:xfrm>
+        </p:spPr>
+        <p:txBody>
+          <a:bodyPr lIns="101600" tIns="38100" rIns="76200" bIns="38100">
+            <a:noAutofit/>
+          </a:bodyPr>
+          <a:lstStyle>
+            <a:lvl1pPr marL="0" indent="0" algn="l" defTabSz="914400" rtl="0" eaLnBrk="1" fontAlgn="auto" latinLnBrk="0" hangingPunct="1">
+              <a:lnSpc>
+                <a:spcPct val="130000"/>
+              </a:lnSpc>
+              <a:spcBef>
+                <a:spcPts val="0"/>
+              </a:spcBef>
+              <a:spcAft>
+                <a:spcPts val="1000"/>
+              </a:spcAft>
+              <a:buFont typeface="Arial" panose="020B0604020202020204" pitchFamily="34" charset="0"/>
+              <a:buNone/>
+              <a:defRPr kumimoji="0" lang="zh-CN" altLang="en-US" sz="1600" b="0" i="0" u="none" strike="noStrike" kern="1200" cap="none" spc="150" normalizeH="0" baseline="0" noProof="1">
+                <a:solidFill>
+                  <a:schemeClr val="tx1"/>
+                </a:solidFill>
+                <a:uFillTx/>
+                <a:latin typeface="+mn-lt"/>
+                <a:ea typeface="+mn-ea"/>
+                <a:cs typeface="+mn-cs"/>
+                <a:sym typeface="+mn-ea"/>
+              </a:defRPr>
+            </a:lvl1pPr>
+            <a:lvl2pPr marL="457200" indent="0" algn="l" defTabSz="914400" rtl="0" eaLnBrk="1" fontAlgn="auto" latinLnBrk="0" hangingPunct="1">
+              <a:lnSpc>
+                <a:spcPct val="130000"/>
+              </a:lnSpc>
+              <a:spcBef>
+                <a:spcPts val="0"/>
+              </a:spcBef>
+              <a:spcAft>
+                <a:spcPts val="1000"/>
+              </a:spcAft>
+              <a:buFont typeface="Arial" panose="020B0604020202020204" pitchFamily="34" charset="0"/>
+              <a:buNone/>
+              <a:tabLst>
+                <a:tab pos="1609725" algn="l"/>
+              </a:tabLst>
+              <a:defRPr sz="2000" u="none" strike="noStrike" kern="1200" cap="none" spc="150" normalizeH="0" baseline="0">
+                <a:solidFill>
+                  <a:schemeClr val="tx1">
+                    <a:tint val="75000"/>
+                  </a:schemeClr>
+                </a:solidFill>
+                <a:uFillTx/>
+                <a:latin typeface="+mn-lt"/>
+                <a:ea typeface="+mn-ea"/>
+                <a:cs typeface="+mn-cs"/>
+              </a:defRPr>
+            </a:lvl2pPr>
+            <a:lvl3pPr marL="914400" indent="0" algn="l" defTabSz="914400" rtl="0" eaLnBrk="1" fontAlgn="auto" latinLnBrk="0" hangingPunct="1">
+              <a:lnSpc>
+                <a:spcPct val="130000"/>
+              </a:lnSpc>
+              <a:spcBef>
+                <a:spcPts val="0"/>
+              </a:spcBef>
+              <a:spcAft>
+                <a:spcPts val="1000"/>
+              </a:spcAft>
+              <a:buFont typeface="Arial" panose="020B0604020202020204" pitchFamily="34" charset="0"/>
+              <a:buNone/>
+              <a:defRPr sz="1800" u="none" strike="noStrike" kern="1200" cap="none" spc="150" normalizeH="0" baseline="0">
+                <a:solidFill>
+                  <a:schemeClr val="tx1">
+                    <a:tint val="75000"/>
+                  </a:schemeClr>
+                </a:solidFill>
+                <a:uFillTx/>
+                <a:latin typeface="+mn-lt"/>
+                <a:ea typeface="+mn-ea"/>
+                <a:cs typeface="+mn-cs"/>
+              </a:defRPr>
+            </a:lvl3pPr>
+            <a:lvl4pPr marL="1371600" indent="0" algn="l" defTabSz="914400" rtl="0" eaLnBrk="1" fontAlgn="auto" latinLnBrk="0" hangingPunct="1">
+              <a:lnSpc>
+                <a:spcPct val="130000"/>
+              </a:lnSpc>
+              <a:spcBef>
+                <a:spcPts val="0"/>
+              </a:spcBef>
+              <a:spcAft>
+                <a:spcPts val="1000"/>
+              </a:spcAft>
+              <a:buFont typeface="Arial" panose="020B0604020202020204" pitchFamily="34" charset="0"/>
+              <a:buNone/>
+              <a:defRPr sz="1600" u="none" strike="noStrike" kern="1200" cap="none" spc="150" normalizeH="0" baseline="0">
+                <a:solidFill>
+                  <a:schemeClr val="tx1">
+                    <a:tint val="75000"/>
+                  </a:schemeClr>
+                </a:solidFill>
+                <a:uFillTx/>
+                <a:latin typeface="+mn-lt"/>
+                <a:ea typeface="+mn-ea"/>
+                <a:cs typeface="+mn-cs"/>
+              </a:defRPr>
+            </a:lvl4pPr>
+            <a:lvl5pPr marL="1828800" indent="0" algn="l" defTabSz="914400" rtl="0" eaLnBrk="1" fontAlgn="auto" latinLnBrk="0" hangingPunct="1">
+              <a:lnSpc>
+                <a:spcPct val="130000"/>
+              </a:lnSpc>
+              <a:spcBef>
+                <a:spcPts val="0"/>
+              </a:spcBef>
+              <a:spcAft>
+                <a:spcPts val="1000"/>
+              </a:spcAft>
+              <a:buFont typeface="Arial" panose="020B0604020202020204" pitchFamily="34" charset="0"/>
+              <a:buNone/>
+              <a:defRPr sz="1600" u="none" strike="noStrike" kern="1200" cap="none" spc="150" normalizeH="0" baseline="0">
+                <a:solidFill>
+                  <a:schemeClr val="tx1">
+                    <a:tint val="75000"/>
+                  </a:schemeClr>
+                </a:solidFill>
+                <a:uFillTx/>
+                <a:latin typeface="+mn-lt"/>
+                <a:ea typeface="+mn-ea"/>
+                <a:cs typeface="+mn-cs"/>
+              </a:defRPr>
+            </a:lvl5pPr>
+            <a:lvl6pPr marL="2286000" indent="0" algn="l" defTabSz="914400" rtl="0" eaLnBrk="1" latinLnBrk="0" hangingPunct="1">
+              <a:lnSpc>
+                <a:spcPct val="90000"/>
+              </a:lnSpc>
+              <a:spcBef>
+                <a:spcPts val="500"/>
+              </a:spcBef>
+              <a:buFont typeface="Arial" panose="020B0604020202020204" pitchFamily="34" charset="0"/>
+              <a:buNone/>
+              <a:defRPr sz="1600" kern="1200">
+                <a:solidFill>
+                  <a:schemeClr val="tx1">
+                    <a:tint val="75000"/>
+                  </a:schemeClr>
+                </a:solidFill>
+                <a:latin typeface="+mn-lt"/>
+                <a:ea typeface="+mn-ea"/>
+                <a:cs typeface="+mn-cs"/>
+              </a:defRPr>
+            </a:lvl6pPr>
+            <a:lvl7pPr marL="2743200" indent="0" algn="l" defTabSz="914400" rtl="0" eaLnBrk="1" latinLnBrk="0" hangingPunct="1">
+              <a:lnSpc>
+                <a:spcPct val="90000"/>
+              </a:lnSpc>
+              <a:spcBef>
+                <a:spcPts val="500"/>
+              </a:spcBef>
+              <a:buFont typeface="Arial" panose="020B0604020202020204" pitchFamily="34" charset="0"/>
+              <a:buNone/>
+              <a:defRPr sz="1600" kern="1200">
+                <a:solidFill>
+                  <a:schemeClr val="tx1">
+                    <a:tint val="75000"/>
+                  </a:schemeClr>
+                </a:solidFill>
+                <a:latin typeface="+mn-lt"/>
+                <a:ea typeface="+mn-ea"/>
+                <a:cs typeface="+mn-cs"/>
+              </a:defRPr>
+            </a:lvl7pPr>
+            <a:lvl8pPr marL="3200400" indent="0" algn="l" defTabSz="914400" rtl="0" eaLnBrk="1" latinLnBrk="0" hangingPunct="1">
+              <a:lnSpc>
+                <a:spcPct val="90000"/>
+              </a:lnSpc>
+              <a:spcBef>
+                <a:spcPts val="500"/>
+              </a:spcBef>
+              <a:buFont typeface="Arial" panose="020B0604020202020204" pitchFamily="34" charset="0"/>
+              <a:buNone/>
+              <a:defRPr sz="1600" kern="1200">
+                <a:solidFill>
+                  <a:schemeClr val="tx1">
+                    <a:tint val="75000"/>
+                  </a:schemeClr>
+                </a:solidFill>
+                <a:latin typeface="+mn-lt"/>
+                <a:ea typeface="+mn-ea"/>
+                <a:cs typeface="+mn-cs"/>
+              </a:defRPr>
+            </a:lvl8pPr>
+            <a:lvl9pPr marL="3657600" indent="0" algn="l" defTabSz="914400" rtl="0" eaLnBrk="1" latinLnBrk="0" hangingPunct="1">
+              <a:lnSpc>
+                <a:spcPct val="90000"/>
+              </a:lnSpc>
+              <a:spcBef>
+                <a:spcPts val="500"/>
+              </a:spcBef>
+              <a:buFont typeface="Arial" panose="020B0604020202020204" pitchFamily="34" charset="0"/>
+              <a:buNone/>
+              <a:defRPr sz="1600" kern="1200">
+                <a:solidFill>
+                  <a:schemeClr val="tx1">
+                    <a:tint val="75000"/>
+                  </a:schemeClr>
+                </a:solidFill>
+                <a:latin typeface="+mn-lt"/>
+                <a:ea typeface="+mn-ea"/>
+                <a:cs typeface="+mn-cs"/>
+              </a:defRPr>
+            </a:lvl9pPr>
+          </a:lstStyle>
+          <a:p>
+            <a:pPr marL="285750" indent="-285750">
+              <a:buFont typeface="Arial" panose="020B0604020202020204" pitchFamily="34" charset="0"/>
+              <a:buChar char="•"/>
+            </a:pPr>
+            <a:r>
+              <a:rPr lang="zh-CN" altLang="en-US" dirty="0"/>
+              <a:t>请实现</a:t>
+            </a:r>
+            <a:r>
+              <a:rPr lang="en-US" altLang="zh-CN" dirty="0"/>
+              <a:t>Shuffle</a:t>
+            </a:r>
+          </a:p>
+          <a:p>
+            <a:pPr marL="285750" indent="-285750">
+              <a:buFont typeface="Arial" panose="020B0604020202020204" pitchFamily="34" charset="0"/>
+              <a:buChar char="•"/>
+            </a:pPr>
+            <a:r>
+              <a:rPr lang="zh-CN" altLang="en-US" dirty="0"/>
+              <a:t>请每个同学都运行代码，看下是否提高了推理正确率？</a:t>
+            </a:r>
+            <a:endParaRPr lang="en-US" altLang="zh-CN" dirty="0"/>
+          </a:p>
+          <a:p>
+            <a:endParaRPr lang="en-US" altLang="zh-CN" dirty="0"/>
+          </a:p>
+          <a:p>
+            <a:pPr marL="285750" indent="-285750">
+              <a:buFont typeface="Arial" panose="020B0604020202020204" pitchFamily="34" charset="0"/>
+              <a:buChar char="•"/>
+            </a:pPr>
+            <a:r>
+              <a:rPr lang="zh-CN" altLang="en-US" dirty="0"/>
+              <a:t>自学、展学</a:t>
+            </a:r>
+          </a:p>
+          <a:p>
+            <a:pPr marL="285750" indent="-285750">
+              <a:buFont typeface="Arial" panose="020B0604020202020204" pitchFamily="34" charset="0"/>
+              <a:buChar char="•"/>
+            </a:pPr>
+            <a:endParaRPr lang="zh-CN" altLang="en-US" dirty="0"/>
+          </a:p>
+          <a:p>
+            <a:pPr marL="285750" indent="-285750">
+              <a:buFont typeface="Arial" panose="020B0604020202020204" pitchFamily="34" charset="0"/>
+              <a:buChar char="•"/>
+            </a:pPr>
+            <a:endParaRPr lang="en-US" altLang="zh-CN" dirty="0"/>
+          </a:p>
+          <a:p>
+            <a:pPr marL="285750" indent="-285750">
+              <a:buFont typeface="Arial" panose="020B0604020202020204" pitchFamily="34" charset="0"/>
+              <a:buChar char="•"/>
+            </a:pPr>
+            <a:endParaRPr lang="zh-CN" altLang="en-US" dirty="0"/>
+          </a:p>
+          <a:p>
+            <a:pPr marL="285750" indent="-285750">
+              <a:buFont typeface="Arial" panose="020B0604020202020204" pitchFamily="34" charset="0"/>
+              <a:buChar char="•"/>
+            </a:pPr>
+            <a:endParaRPr lang="zh-CN" altLang="en-US" dirty="0"/>
+          </a:p>
+          <a:p>
+            <a:pPr marL="285750" indent="-285750">
+              <a:buFont typeface="Arial" panose="020B0604020202020204" pitchFamily="34" charset="0"/>
+              <a:buChar char="•"/>
+            </a:pPr>
+            <a:endParaRPr lang="zh-CN" altLang="en-US" dirty="0"/>
+          </a:p>
+          <a:p>
+            <a:pPr marL="285750" indent="-285750">
+              <a:buFont typeface="Arial" panose="020B0604020202020204" pitchFamily="34" charset="0"/>
+              <a:buChar char="•"/>
+            </a:pPr>
+            <a:endParaRPr lang="zh-CN" altLang="en-US" dirty="0"/>
+          </a:p>
+          <a:p>
+            <a:pPr marL="285750" indent="-285750">
+              <a:buFont typeface="Arial" panose="020B0604020202020204" pitchFamily="34" charset="0"/>
+              <a:buChar char="•"/>
+            </a:pPr>
+            <a:endParaRPr lang="zh-CN" altLang="en-US" dirty="0"/>
+          </a:p>
+          <a:p>
+            <a:pPr marL="285750" indent="-285750">
+              <a:buFont typeface="Arial" panose="020B0604020202020204" pitchFamily="34" charset="0"/>
+              <a:buChar char="•"/>
+            </a:pPr>
+            <a:endParaRPr lang="zh-CN" altLang="en-US" dirty="0"/>
+          </a:p>
+          <a:p>
+            <a:pPr marL="285750" indent="-285750">
+              <a:buFont typeface="Arial" panose="020B0604020202020204" pitchFamily="34" charset="0"/>
+              <a:buChar char="•"/>
+            </a:pPr>
+            <a:endParaRPr lang="zh-CN" altLang="en-US" dirty="0"/>
+          </a:p>
+        </p:txBody>
+      </p:sp>
+    </p:spTree>
+    <p:custDataLst>
+      <p:tags r:id="rId1"/>
+    </p:custDataLst>
+    <p:extLst>
+      <p:ext uri="{BB962C8B-B14F-4D97-AF65-F5344CB8AC3E}">
+        <p14:creationId xmlns:p14="http://schemas.microsoft.com/office/powerpoint/2010/main" val="3787498677"/>
+      </p:ext>
+    </p:extLst>
+  </p:cSld>
+  <p:clrMapOvr>
+    <a:masterClrMapping/>
+  </p:clrMapOvr>
+  <p:timing>
+    <p:tnLst>
+      <p:par>
+        <p:cTn id="1" dur="indefinite" restart="never" nodeType="tmRoot">
+          <p:childTnLst>
+            <p:seq concurrent="1" nextAc="seek">
+              <p:cTn id="2" dur="indefinite" nodeType="mainSeq">
+                <p:childTnLst>
+                  <p:par>
+                    <p:cTn id="3" fill="hold">
+                      <p:stCondLst>
+                        <p:cond delay="indefinite"/>
+                      </p:stCondLst>
+                      <p:childTnLst>
+                        <p:par>
+                          <p:cTn id="4" fill="hold">
+                            <p:stCondLst>
+                              <p:cond delay="0"/>
+                            </p:stCondLst>
+                            <p:childTnLst>
+                              <p:par>
+                                <p:cTn id="5" presetID="1" presetClass="entr" presetSubtype="0" fill="hold" grpId="0" nodeType="clickEffect">
+                                  <p:stCondLst>
+                                    <p:cond delay="0"/>
+                                  </p:stCondLst>
+                                  <p:childTnLst>
+                                    <p:set>
+                                      <p:cBhvr>
+                                        <p:cTn id="6" dur="1" fill="hold">
+                                          <p:stCondLst>
+                                            <p:cond delay="0"/>
+                                          </p:stCondLst>
+                                        </p:cTn>
+                                        <p:tgtEl>
+                                          <p:spTgt spid="6"/>
+                                        </p:tgtEl>
+                                        <p:attrNameLst>
+                                          <p:attrName>style.visibility</p:attrName>
+                                        </p:attrNameLst>
+                                      </p:cBhvr>
+                                      <p:to>
+                                        <p:strVal val="visible"/>
+                                      </p:to>
+                                    </p:set>
+                                  </p:childTnLst>
+                                </p:cTn>
+                              </p:par>
+                            </p:childTnLst>
+                          </p:cTn>
+                        </p:par>
+                      </p:childTnLst>
+                    </p:cTn>
+                  </p:par>
+                </p:childTnLst>
+              </p:cTn>
+              <p:prevCondLst>
+                <p:cond evt="onPrev" delay="0">
+                  <p:tgtEl>
+                    <p:sldTgt/>
+                  </p:tgtEl>
+                </p:cond>
+              </p:prevCondLst>
+              <p:nextCondLst>
+                <p:cond evt="onNext" delay="0">
+                  <p:tgtEl>
+                    <p:sldTgt/>
+                  </p:tgtEl>
+                </p:cond>
+              </p:nextCondLst>
+            </p:seq>
+          </p:childTnLst>
+        </p:cTn>
+      </p:par>
+    </p:tnLst>
+    <p:bldLst>
+      <p:bldP spid="6" grpId="0"/>
+    </p:bldLst>
+  </p:timing>
+</p:sld>
+</file>
+
+<file path=ppt/slides/slide27.xml><?xml version="1.0" encoding="utf-8"?>
+<p:sld xmlns:a="http://schemas.openxmlformats.org/drawingml/2006/main" xmlns:r="http://schemas.openxmlformats.org/officeDocument/2006/relationships" xmlns:p="http://schemas.openxmlformats.org/presentationml/2006/main">
+  <p:cSld>
+    <p:spTree>
+      <p:nvGrpSpPr>
+        <p:cNvPr id="1" name=""/>
+        <p:cNvGrpSpPr/>
+        <p:nvPr/>
+      </p:nvGrpSpPr>
+      <p:grpSpPr>
+        <a:xfrm>
+          <a:off x="0" y="0"/>
+          <a:ext cx="0" cy="0"/>
+          <a:chOff x="0" y="0"/>
+          <a:chExt cx="0" cy="0"/>
+        </a:xfrm>
+      </p:grpSpPr>
+      <p:sp>
+        <p:nvSpPr>
+          <p:cNvPr id="2" name="标题 1"/>
+          <p:cNvSpPr>
+            <a:spLocks noGrp="1"/>
+          </p:cNvSpPr>
+          <p:nvPr>
+            <p:ph type="title"/>
+          </p:nvPr>
+        </p:nvSpPr>
+        <p:spPr/>
+        <p:txBody>
+          <a:bodyPr/>
+          <a:lstStyle/>
+          <a:p>
+            <a:r>
               <a:rPr lang="zh-CN" altLang="en-US"/>
               <a:t>总结</a:t>
             </a:r>
@@ -12865,7 +12704,7 @@
 </p:sld>
 </file>
 
-<file path=ppt/slides/slide25.xml><?xml version="1.0" encoding="utf-8"?>
+<file path=ppt/slides/slide28.xml><?xml version="1.0" encoding="utf-8"?>
 <p:sld xmlns:a="http://schemas.openxmlformats.org/drawingml/2006/main" xmlns:r="http://schemas.openxmlformats.org/officeDocument/2006/relationships" xmlns:p="http://schemas.openxmlformats.org/presentationml/2006/main">
   <p:cSld>
     <p:spTree>
@@ -13175,269 +13014,6 @@
 </p:sld>
 </file>
 
-<file path=ppt/slides/slide26.xml><?xml version="1.0" encoding="utf-8"?>
-<p:sld xmlns:a="http://schemas.openxmlformats.org/drawingml/2006/main" xmlns:r="http://schemas.openxmlformats.org/officeDocument/2006/relationships" xmlns:p="http://schemas.openxmlformats.org/presentationml/2006/main">
-  <p:cSld>
-    <p:spTree>
-      <p:nvGrpSpPr>
-        <p:cNvPr id="1" name=""/>
-        <p:cNvGrpSpPr/>
-        <p:nvPr/>
-      </p:nvGrpSpPr>
-      <p:grpSpPr>
-        <a:xfrm>
-          <a:off x="0" y="0"/>
-          <a:ext cx="0" cy="0"/>
-          <a:chOff x="0" y="0"/>
-          <a:chExt cx="0" cy="0"/>
-        </a:xfrm>
-      </p:grpSpPr>
-      <p:sp>
-        <p:nvSpPr>
-          <p:cNvPr id="2" name="文本占位符 1"/>
-          <p:cNvSpPr>
-            <a:spLocks noGrp="1"/>
-          </p:cNvSpPr>
-          <p:nvPr>
-            <p:ph type="body" idx="1"/>
-          </p:nvPr>
-        </p:nvSpPr>
-        <p:spPr/>
-        <p:txBody>
-          <a:bodyPr/>
-          <a:lstStyle/>
-          <a:p>
-            <a:pPr marL="285750" indent="-285750">
-              <a:buFont typeface="Arial" panose="020B0604020202020204" pitchFamily="34" charset="0"/>
-              <a:buChar char="•"/>
-            </a:pPr>
-            <a:r>
-              <a:rPr lang="en-US" altLang="zh-CN" dirty="0">
-                <a:sym typeface="+mn-ea"/>
-                <a:hlinkClick r:id="rId3"/>
-              </a:rPr>
-              <a:t>12.2 </a:t>
-            </a:r>
-            <a:r>
-              <a:rPr lang="zh-CN" altLang="en-US" dirty="0">
-                <a:sym typeface="+mn-ea"/>
-                <a:hlinkClick r:id="rId3"/>
-              </a:rPr>
-              <a:t>梯度检查</a:t>
-            </a:r>
-            <a:endParaRPr dirty="0">
-              <a:sym typeface="+mn-ea"/>
-            </a:endParaRPr>
-          </a:p>
-        </p:txBody>
-      </p:sp>
-      <p:sp>
-        <p:nvSpPr>
-          <p:cNvPr id="3" name="标题 2"/>
-          <p:cNvSpPr>
-            <a:spLocks noGrp="1"/>
-          </p:cNvSpPr>
-          <p:nvPr>
-            <p:ph type="title"/>
-          </p:nvPr>
-        </p:nvSpPr>
-        <p:spPr/>
-        <p:txBody>
-          <a:bodyPr/>
-          <a:lstStyle/>
-          <a:p>
-            <a:r>
-              <a:rPr lang="zh-CN" altLang="en-US" dirty="0"/>
-              <a:t>参考资料</a:t>
-            </a:r>
-          </a:p>
-        </p:txBody>
-      </p:sp>
-      <p:graphicFrame>
-        <p:nvGraphicFramePr>
-          <p:cNvPr id="4" name="对象 3">
-            <a:hlinkClick r:id="" action="ppaction://ole?verb=0"/>
-          </p:cNvPr>
-          <p:cNvGraphicFramePr>
-            <a:graphicFrameLocks noChangeAspect="1"/>
-          </p:cNvGraphicFramePr>
-          <p:nvPr/>
-        </p:nvGraphicFramePr>
-        <p:xfrm>
-          <a:off x="5638800" y="3244850"/>
-          <a:ext cx="914400" cy="368300"/>
-        </p:xfrm>
-        <a:graphic>
-          <a:graphicData uri="http://schemas.openxmlformats.org/presentationml/2006/ole">
-            <mc:AlternateContent xmlns:mc="http://schemas.openxmlformats.org/markup-compatibility/2006">
-              <mc:Choice xmlns:v="urn:schemas-microsoft-com:vml" Requires="v">
-                <p:oleObj r:id="rId4" imgW="914400" imgH="368300" progId="Equation.KSEE3">
-                  <p:embed/>
-                </p:oleObj>
-              </mc:Choice>
-              <mc:Fallback>
-                <p:oleObj r:id="rId4" imgW="914400" imgH="368300" progId="Equation.KSEE3">
-                  <p:embed/>
-                  <p:pic>
-                    <p:nvPicPr>
-                      <p:cNvPr id="4" name="对象 3">
-                        <a:hlinkClick r:id="" action="ppaction://ole?verb=0"/>
-                      </p:cNvPr>
-                      <p:cNvPicPr/>
-                      <p:nvPr/>
-                    </p:nvPicPr>
-                    <p:blipFill>
-                      <a:blip r:embed="rId5"/>
-                      <a:stretch>
-                        <a:fillRect/>
-                      </a:stretch>
-                    </p:blipFill>
-                    <p:spPr>
-                      <a:xfrm>
-                        <a:off x="5638800" y="3244850"/>
-                        <a:ext cx="914400" cy="368300"/>
-                      </a:xfrm>
-                      <a:prstGeom prst="rect">
-                        <a:avLst/>
-                      </a:prstGeom>
-                    </p:spPr>
-                  </p:pic>
-                </p:oleObj>
-              </mc:Fallback>
-            </mc:AlternateContent>
-          </a:graphicData>
-        </a:graphic>
-      </p:graphicFrame>
-    </p:spTree>
-    <p:custDataLst>
-      <p:tags r:id="rId1"/>
-    </p:custDataLst>
-    <p:extLst>
-      <p:ext uri="{BB962C8B-B14F-4D97-AF65-F5344CB8AC3E}">
-        <p14:creationId xmlns:p14="http://schemas.microsoft.com/office/powerpoint/2010/main" val="2517994622"/>
-      </p:ext>
-    </p:extLst>
-  </p:cSld>
-  <p:clrMapOvr>
-    <a:masterClrMapping/>
-  </p:clrMapOvr>
-</p:sld>
-</file>
-
-<file path=ppt/slides/slide27.xml><?xml version="1.0" encoding="utf-8"?>
-<p:sld xmlns:a="http://schemas.openxmlformats.org/drawingml/2006/main" xmlns:r="http://schemas.openxmlformats.org/officeDocument/2006/relationships" xmlns:p="http://schemas.openxmlformats.org/presentationml/2006/main">
-  <p:cSld>
-    <p:spTree>
-      <p:nvGrpSpPr>
-        <p:cNvPr id="1" name=""/>
-        <p:cNvGrpSpPr/>
-        <p:nvPr/>
-      </p:nvGrpSpPr>
-      <p:grpSpPr>
-        <a:xfrm>
-          <a:off x="0" y="0"/>
-          <a:ext cx="0" cy="0"/>
-          <a:chOff x="0" y="0"/>
-          <a:chExt cx="0" cy="0"/>
-        </a:xfrm>
-      </p:grpSpPr>
-      <p:sp>
-        <p:nvSpPr>
-          <p:cNvPr id="2" name="文本占位符 1"/>
-          <p:cNvSpPr>
-            <a:spLocks noGrp="1"/>
-          </p:cNvSpPr>
-          <p:nvPr>
-            <p:ph type="body" idx="1"/>
-          </p:nvPr>
-        </p:nvSpPr>
-        <p:spPr/>
-        <p:txBody>
-          <a:bodyPr/>
-          <a:lstStyle/>
-          <a:p>
-            <a:pPr marL="285750" indent="-285750">
-              <a:buFont typeface="Arial" panose="020B0604020202020204" pitchFamily="34" charset="0"/>
-              <a:buChar char="•"/>
-            </a:pPr>
-            <a:r>
-              <a:rPr lang="zh-CN" altLang="en-US" dirty="0">
-                <a:sym typeface="+mn-ea"/>
-              </a:rPr>
-              <a:t>用全连接层识别手写数字</a:t>
-            </a:r>
-            <a:endParaRPr dirty="0">
-              <a:sym typeface="+mn-ea"/>
-            </a:endParaRPr>
-          </a:p>
-        </p:txBody>
-      </p:sp>
-      <p:sp>
-        <p:nvSpPr>
-          <p:cNvPr id="3" name="标题 2"/>
-          <p:cNvSpPr>
-            <a:spLocks noGrp="1"/>
-          </p:cNvSpPr>
-          <p:nvPr>
-            <p:ph type="title"/>
-          </p:nvPr>
-        </p:nvSpPr>
-        <p:spPr/>
-        <p:txBody>
-          <a:bodyPr/>
-          <a:lstStyle/>
-          <a:p>
-            <a:r>
-              <a:rPr lang="zh-CN" altLang="en-US"/>
-              <a:t>下节课预告</a:t>
-            </a:r>
-          </a:p>
-        </p:txBody>
-      </p:sp>
-    </p:spTree>
-    <p:custDataLst>
-      <p:tags r:id="rId1"/>
-    </p:custDataLst>
-    <p:extLst>
-      <p:ext uri="{BB962C8B-B14F-4D97-AF65-F5344CB8AC3E}">
-        <p14:creationId xmlns:p14="http://schemas.microsoft.com/office/powerpoint/2010/main" val="1027050507"/>
-      </p:ext>
-    </p:extLst>
-  </p:cSld>
-  <p:clrMapOvr>
-    <a:masterClrMapping/>
-  </p:clrMapOvr>
-</p:sld>
-</file>
-
-<file path=ppt/slides/slide28.xml><?xml version="1.0" encoding="utf-8"?>
-<p:sld xmlns:a="http://schemas.openxmlformats.org/drawingml/2006/main" xmlns:r="http://schemas.openxmlformats.org/officeDocument/2006/relationships" xmlns:p="http://schemas.openxmlformats.org/presentationml/2006/main">
-  <p:cSld>
-    <p:spTree>
-      <p:nvGrpSpPr>
-        <p:cNvPr id="1" name=""/>
-        <p:cNvGrpSpPr/>
-        <p:nvPr/>
-      </p:nvGrpSpPr>
-      <p:grpSpPr>
-        <a:xfrm>
-          <a:off x="0" y="0"/>
-          <a:ext cx="0" cy="0"/>
-          <a:chOff x="0" y="0"/>
-          <a:chExt cx="0" cy="0"/>
-        </a:xfrm>
-      </p:grpSpPr>
-    </p:spTree>
-    <p:custDataLst>
-      <p:tags r:id="rId1"/>
-    </p:custDataLst>
-  </p:cSld>
-  <p:clrMapOvr>
-    <a:masterClrMapping/>
-  </p:clrMapOvr>
-</p:sld>
-</file>
-
 <file path=ppt/slides/slide29.xml><?xml version="1.0" encoding="utf-8"?>
 <p:sld xmlns:a="http://schemas.openxmlformats.org/drawingml/2006/main" xmlns:r="http://schemas.openxmlformats.org/officeDocument/2006/relationships" xmlns:p="http://schemas.openxmlformats.org/presentationml/2006/main">
   <p:cSld>
@@ -13474,7 +13050,76 @@
               <a:buFont typeface="Arial" panose="020B0604020202020204" pitchFamily="34" charset="0"/>
               <a:buChar char="•"/>
             </a:pPr>
-            <a:endParaRPr lang="en-US" altLang="zh-CN" dirty="0"/>
+            <a:r>
+              <a:rPr lang="zh-CN" altLang="en-US" dirty="0">
+                <a:sym typeface="+mn-ea"/>
+                <a:hlinkClick r:id="rId3"/>
+              </a:rPr>
+              <a:t>零基础入门深度学习 </a:t>
+            </a:r>
+            <a:r>
+              <a:rPr lang="en-US" altLang="zh-CN" dirty="0">
+                <a:sym typeface="+mn-ea"/>
+                <a:hlinkClick r:id="rId3"/>
+              </a:rPr>
+              <a:t>| </a:t>
+            </a:r>
+            <a:r>
+              <a:rPr lang="zh-CN" altLang="en-US" dirty="0">
+                <a:sym typeface="+mn-ea"/>
+                <a:hlinkClick r:id="rId3"/>
+              </a:rPr>
+              <a:t>第三章：神经网络和反向传播算法</a:t>
+            </a:r>
+            <a:endParaRPr lang="en-US" altLang="zh-CN" dirty="0">
+              <a:sym typeface="+mn-ea"/>
+            </a:endParaRPr>
+          </a:p>
+          <a:p>
+            <a:pPr marL="285750" indent="-285750">
+              <a:buFont typeface="Arial" panose="020B0604020202020204" pitchFamily="34" charset="0"/>
+              <a:buChar char="•"/>
+            </a:pPr>
+            <a:r>
+              <a:rPr lang="zh-CN" altLang="en-US" dirty="0">
+                <a:sym typeface="+mn-ea"/>
+                <a:hlinkClick r:id="rId4"/>
+              </a:rPr>
+              <a:t>机器学习笔记：训练集、验证集和测试集区别</a:t>
+            </a:r>
+            <a:endParaRPr lang="en-US" altLang="zh-CN" dirty="0">
+              <a:sym typeface="+mn-ea"/>
+            </a:endParaRPr>
+          </a:p>
+          <a:p>
+            <a:pPr marL="285750" indent="-285750">
+              <a:buFont typeface="Arial" panose="020B0604020202020204" pitchFamily="34" charset="0"/>
+              <a:buChar char="•"/>
+            </a:pPr>
+            <a:r>
+              <a:rPr lang="zh-CN" altLang="en-US" dirty="0">
+                <a:sym typeface="+mn-ea"/>
+                <a:hlinkClick r:id="rId5"/>
+              </a:rPr>
+              <a:t>数据集</a:t>
+            </a:r>
+            <a:r>
+              <a:rPr lang="en" dirty="0">
+                <a:sym typeface="+mn-ea"/>
+                <a:hlinkClick r:id="rId5"/>
+              </a:rPr>
+              <a:t>shuffle</a:t>
+            </a:r>
+            <a:r>
+              <a:rPr lang="zh-CN" altLang="en-US" dirty="0">
+                <a:sym typeface="+mn-ea"/>
+                <a:hlinkClick r:id="rId5"/>
+              </a:rPr>
+              <a:t>的重要性</a:t>
+            </a:r>
+            <a:endParaRPr dirty="0">
+              <a:sym typeface="+mn-ea"/>
+            </a:endParaRPr>
           </a:p>
         </p:txBody>
       </p:sp>
@@ -13495,15 +13140,75 @@
           <a:p>
             <a:r>
               <a:rPr lang="zh-CN" altLang="en-US" dirty="0"/>
-              <a:t>问答</a:t>
+              <a:t>参考资料</a:t>
             </a:r>
           </a:p>
         </p:txBody>
       </p:sp>
+      <p:graphicFrame>
+        <p:nvGraphicFramePr>
+          <p:cNvPr id="4" name="对象 3">
+            <a:hlinkClick r:id="" action="ppaction://ole?verb=0"/>
+          </p:cNvPr>
+          <p:cNvGraphicFramePr>
+            <a:graphicFrameLocks noChangeAspect="1"/>
+          </p:cNvGraphicFramePr>
+          <p:nvPr/>
+        </p:nvGraphicFramePr>
+        <p:xfrm>
+          <a:off x="5638800" y="3244850"/>
+          <a:ext cx="914400" cy="368300"/>
+        </p:xfrm>
+        <a:graphic>
+          <a:graphicData uri="http://schemas.openxmlformats.org/presentationml/2006/ole">
+            <mc:AlternateContent xmlns:mc="http://schemas.openxmlformats.org/markup-compatibility/2006">
+              <mc:Choice xmlns:v="urn:schemas-microsoft-com:vml" Requires="v">
+                <p:oleObj r:id="rId6" imgW="914400" imgH="368300" progId="Equation.KSEE3">
+                  <p:embed/>
+                </p:oleObj>
+              </mc:Choice>
+              <mc:Fallback>
+                <p:oleObj r:id="rId6" imgW="914400" imgH="368300" progId="Equation.KSEE3">
+                  <p:embed/>
+                  <p:pic>
+                    <p:nvPicPr>
+                      <p:cNvPr id="4" name="对象 3">
+                        <a:hlinkClick r:id="" action="ppaction://ole?verb=0"/>
+                      </p:cNvPr>
+                      <p:cNvPicPr/>
+                      <p:nvPr/>
+                    </p:nvPicPr>
+                    <p:blipFill>
+                      <a:blip r:embed="rId7"/>
+                      <a:stretch>
+                        <a:fillRect/>
+                      </a:stretch>
+                    </p:blipFill>
+                    <p:spPr>
+                      <a:xfrm>
+                        <a:off x="5638800" y="3244850"/>
+                        <a:ext cx="914400" cy="368300"/>
+                      </a:xfrm>
+                      <a:prstGeom prst="rect">
+                        <a:avLst/>
+                      </a:prstGeom>
+                    </p:spPr>
+                  </p:pic>
+                </p:oleObj>
+              </mc:Fallback>
+            </mc:AlternateContent>
+          </a:graphicData>
+        </a:graphic>
+      </p:graphicFrame>
     </p:spTree>
     <p:custDataLst>
       <p:tags r:id="rId1"/>
     </p:custDataLst>
+    <p:extLst>
+      <p:ext uri="{BB962C8B-B14F-4D97-AF65-F5344CB8AC3E}">
+        <p14:creationId xmlns:p14="http://schemas.microsoft.com/office/powerpoint/2010/main" val="2517994622"/>
+      </p:ext>
+    </p:extLst>
   </p:cSld>
   <p:clrMapOvr>
     <a:masterClrMapping/>
@@ -13746,6 +13451,187 @@
           <a:chExt cx="0" cy="0"/>
         </a:xfrm>
       </p:grpSpPr>
+      <p:sp>
+        <p:nvSpPr>
+          <p:cNvPr id="2" name="文本占位符 1"/>
+          <p:cNvSpPr>
+            <a:spLocks noGrp="1"/>
+          </p:cNvSpPr>
+          <p:nvPr>
+            <p:ph type="body" idx="1"/>
+          </p:nvPr>
+        </p:nvSpPr>
+        <p:spPr/>
+        <p:txBody>
+          <a:bodyPr/>
+          <a:lstStyle/>
+          <a:p>
+            <a:pPr marL="285750" indent="-285750">
+              <a:buFont typeface="Arial" panose="020B0604020202020204" pitchFamily="34" charset="0"/>
+              <a:buChar char="•"/>
+            </a:pPr>
+            <a:endParaRPr dirty="0">
+              <a:sym typeface="+mn-ea"/>
+            </a:endParaRPr>
+          </a:p>
+        </p:txBody>
+      </p:sp>
+      <p:sp>
+        <p:nvSpPr>
+          <p:cNvPr id="3" name="标题 2"/>
+          <p:cNvSpPr>
+            <a:spLocks noGrp="1"/>
+          </p:cNvSpPr>
+          <p:nvPr>
+            <p:ph type="title"/>
+          </p:nvPr>
+        </p:nvSpPr>
+        <p:spPr/>
+        <p:txBody>
+          <a:bodyPr/>
+          <a:lstStyle/>
+          <a:p>
+            <a:r>
+              <a:rPr lang="zh-CN" altLang="en-US"/>
+              <a:t>下节课预告</a:t>
+            </a:r>
+          </a:p>
+        </p:txBody>
+      </p:sp>
+    </p:spTree>
+    <p:custDataLst>
+      <p:tags r:id="rId1"/>
+    </p:custDataLst>
+    <p:extLst>
+      <p:ext uri="{BB962C8B-B14F-4D97-AF65-F5344CB8AC3E}">
+        <p14:creationId xmlns:p14="http://schemas.microsoft.com/office/powerpoint/2010/main" val="1027050507"/>
+      </p:ext>
+    </p:extLst>
+  </p:cSld>
+  <p:clrMapOvr>
+    <a:masterClrMapping/>
+  </p:clrMapOvr>
+</p:sld>
+</file>
+
+<file path=ppt/slides/slide31.xml><?xml version="1.0" encoding="utf-8"?>
+<p:sld xmlns:a="http://schemas.openxmlformats.org/drawingml/2006/main" xmlns:r="http://schemas.openxmlformats.org/officeDocument/2006/relationships" xmlns:p="http://schemas.openxmlformats.org/presentationml/2006/main">
+  <p:cSld>
+    <p:spTree>
+      <p:nvGrpSpPr>
+        <p:cNvPr id="1" name=""/>
+        <p:cNvGrpSpPr/>
+        <p:nvPr/>
+      </p:nvGrpSpPr>
+      <p:grpSpPr>
+        <a:xfrm>
+          <a:off x="0" y="0"/>
+          <a:ext cx="0" cy="0"/>
+          <a:chOff x="0" y="0"/>
+          <a:chExt cx="0" cy="0"/>
+        </a:xfrm>
+      </p:grpSpPr>
+    </p:spTree>
+    <p:custDataLst>
+      <p:tags r:id="rId1"/>
+    </p:custDataLst>
+  </p:cSld>
+  <p:clrMapOvr>
+    <a:masterClrMapping/>
+  </p:clrMapOvr>
+</p:sld>
+</file>
+
+<file path=ppt/slides/slide32.xml><?xml version="1.0" encoding="utf-8"?>
+<p:sld xmlns:a="http://schemas.openxmlformats.org/drawingml/2006/main" xmlns:r="http://schemas.openxmlformats.org/officeDocument/2006/relationships" xmlns:p="http://schemas.openxmlformats.org/presentationml/2006/main">
+  <p:cSld>
+    <p:spTree>
+      <p:nvGrpSpPr>
+        <p:cNvPr id="1" name=""/>
+        <p:cNvGrpSpPr/>
+        <p:nvPr/>
+      </p:nvGrpSpPr>
+      <p:grpSpPr>
+        <a:xfrm>
+          <a:off x="0" y="0"/>
+          <a:ext cx="0" cy="0"/>
+          <a:chOff x="0" y="0"/>
+          <a:chExt cx="0" cy="0"/>
+        </a:xfrm>
+      </p:grpSpPr>
+      <p:sp>
+        <p:nvSpPr>
+          <p:cNvPr id="2" name="文本占位符 1"/>
+          <p:cNvSpPr>
+            <a:spLocks noGrp="1"/>
+          </p:cNvSpPr>
+          <p:nvPr>
+            <p:ph type="body" idx="1"/>
+          </p:nvPr>
+        </p:nvSpPr>
+        <p:spPr/>
+        <p:txBody>
+          <a:bodyPr/>
+          <a:lstStyle/>
+          <a:p>
+            <a:pPr marL="285750" indent="-285750">
+              <a:buFont typeface="Arial" panose="020B0604020202020204" pitchFamily="34" charset="0"/>
+              <a:buChar char="•"/>
+            </a:pPr>
+            <a:endParaRPr lang="en-US" altLang="zh-CN" dirty="0"/>
+          </a:p>
+        </p:txBody>
+      </p:sp>
+      <p:sp>
+        <p:nvSpPr>
+          <p:cNvPr id="3" name="标题 2"/>
+          <p:cNvSpPr>
+            <a:spLocks noGrp="1"/>
+          </p:cNvSpPr>
+          <p:nvPr>
+            <p:ph type="title"/>
+          </p:nvPr>
+        </p:nvSpPr>
+        <p:spPr/>
+        <p:txBody>
+          <a:bodyPr/>
+          <a:lstStyle/>
+          <a:p>
+            <a:r>
+              <a:rPr lang="zh-CN" altLang="en-US" dirty="0"/>
+              <a:t>问答</a:t>
+            </a:r>
+          </a:p>
+        </p:txBody>
+      </p:sp>
+    </p:spTree>
+    <p:custDataLst>
+      <p:tags r:id="rId1"/>
+    </p:custDataLst>
+  </p:cSld>
+  <p:clrMapOvr>
+    <a:masterClrMapping/>
+  </p:clrMapOvr>
+</p:sld>
+</file>
+
+<file path=ppt/slides/slide33.xml><?xml version="1.0" encoding="utf-8"?>
+<p:sld xmlns:a="http://schemas.openxmlformats.org/drawingml/2006/main" xmlns:r="http://schemas.openxmlformats.org/officeDocument/2006/relationships" xmlns:p="http://schemas.openxmlformats.org/presentationml/2006/main">
+  <p:cSld>
+    <p:spTree>
+      <p:nvGrpSpPr>
+        <p:cNvPr id="1" name=""/>
+        <p:cNvGrpSpPr/>
+        <p:nvPr/>
+      </p:nvGrpSpPr>
+      <p:grpSpPr>
+        <a:xfrm>
+          <a:off x="0" y="0"/>
+          <a:ext cx="0" cy="0"/>
+          <a:chOff x="0" y="0"/>
+          <a:chExt cx="0" cy="0"/>
+        </a:xfrm>
+      </p:grpSpPr>
     </p:spTree>
     <p:custDataLst>
       <p:tags r:id="rId1"/>
@@ -13794,36 +13680,9 @@
               <a:buChar char="•"/>
             </a:pPr>
             <a:r>
-              <a:rPr lang="zh-CN" altLang="en-US" dirty="0"/>
-              <a:t>第二节课“判断性别”</a:t>
-            </a:r>
-            <a:r>
-              <a:rPr lang="en" altLang="zh-CN" dirty="0"/>
-              <a:t>Demo</a:t>
-            </a:r>
-            <a:r>
-              <a:rPr lang="zh-CN" altLang="en-US" dirty="0"/>
-              <a:t>需求分析和初步设计（下</a:t>
-            </a:r>
-            <a:r>
               <a:rPr lang="en-US" altLang="zh-CN" dirty="0"/>
-              <a:t>1</a:t>
-            </a:r>
-            <a:r>
-              <a:rPr lang="zh-CN" altLang="en-US" dirty="0"/>
-              <a:t>） </a:t>
-            </a:r>
-          </a:p>
-          <a:p>
-            <a:pPr marL="742950" lvl="1" indent="-285750">
-              <a:buFont typeface="Arial" panose="020B0604020202020204" pitchFamily="34" charset="0"/>
-              <a:buChar char="•"/>
-            </a:pPr>
-            <a:r>
-              <a:rPr lang="zh-CN" altLang="en-US" dirty="0"/>
-              <a:t>求损失函数的极小值点的梯度下降公式是什么？</a:t>
-            </a:r>
-            <a:endParaRPr lang="en-US" altLang="zh-CN" dirty="0"/>
+              <a:t>TODO</a:t>
+            </a:r>
           </a:p>
           <a:p>
             <a:pPr lvl="1"/>
@@ -13881,53 +13740,6 @@
           </a:p>
         </p:txBody>
       </p:sp>
-      <p:pic>
-        <p:nvPicPr>
-          <p:cNvPr id="1030" name="Picture 6" descr="image">
-            <a:extLst>
-              <a:ext uri="{FF2B5EF4-FFF2-40B4-BE49-F238E27FC236}">
-                <a16:creationId xmlns:a16="http://schemas.microsoft.com/office/drawing/2014/main" id="{853990F4-8942-31A1-9061-3E45D607D4F2}"/>
-              </a:ext>
-            </a:extLst>
-          </p:cNvPr>
-          <p:cNvPicPr>
-            <a:picLocks noChangeAspect="1" noChangeArrowheads="1"/>
-          </p:cNvPicPr>
-          <p:nvPr/>
-        </p:nvPicPr>
-        <p:blipFill>
-          <a:blip r:embed="rId4">
-            <a:extLst>
-              <a:ext uri="{28A0092B-C50C-407E-A947-70E740481C1C}">
-                <a14:useLocalDpi xmlns:a14="http://schemas.microsoft.com/office/drawing/2010/main" val="0"/>
-              </a:ext>
-            </a:extLst>
-          </a:blip>
-          <a:srcRect/>
-          <a:stretch>
-            <a:fillRect/>
-          </a:stretch>
-        </p:blipFill>
-        <p:spPr bwMode="auto">
-          <a:xfrm>
-            <a:off x="4986378" y="2869952"/>
-            <a:ext cx="1971710" cy="1355551"/>
-          </a:xfrm>
-          <a:prstGeom prst="rect">
-            <a:avLst/>
-          </a:prstGeom>
-          <a:noFill/>
-          <a:extLst>
-            <a:ext uri="{909E8E84-426E-40DD-AFC4-6F175D3DCCD1}">
-              <a14:hiddenFill xmlns:a14="http://schemas.microsoft.com/office/drawing/2010/main">
-                <a:solidFill>
-                  <a:srgbClr val="FFFFFF"/>
-                </a:solidFill>
-              </a14:hiddenFill>
-            </a:ext>
-          </a:extLst>
-        </p:spPr>
-      </p:pic>
     </p:spTree>
     <p:custDataLst>
       <p:tags r:id="rId1"/>
@@ -13980,100 +13792,6 @@
                                               <p:pRg st="0" end="0"/>
                                             </p:txEl>
                                           </p:spTgt>
-                                        </p:tgtEl>
-                                        <p:attrNameLst>
-                                          <p:attrName>style.visibility</p:attrName>
-                                        </p:attrNameLst>
-                                      </p:cBhvr>
-                                      <p:to>
-                                        <p:strVal val="visible"/>
-                                      </p:to>
-                                    </p:set>
-                                  </p:childTnLst>
-                                </p:cTn>
-                              </p:par>
-                            </p:childTnLst>
-                          </p:cTn>
-                        </p:par>
-                      </p:childTnLst>
-                    </p:cTn>
-                  </p:par>
-                  <p:par>
-                    <p:cTn id="7" fill="hold">
-                      <p:stCondLst>
-                        <p:cond delay="indefinite"/>
-                      </p:stCondLst>
-                      <p:childTnLst>
-                        <p:par>
-                          <p:cTn id="8" fill="hold">
-                            <p:stCondLst>
-                              <p:cond delay="0"/>
-                            </p:stCondLst>
-                            <p:childTnLst>
-                              <p:par>
-                                <p:cTn id="9" presetID="1" presetClass="entr" presetSubtype="0" fill="hold" nodeType="clickEffect">
-                                  <p:stCondLst>
-                                    <p:cond delay="0"/>
-                                  </p:stCondLst>
-                                  <p:childTnLst>
-                                    <p:set>
-                                      <p:cBhvr>
-                                        <p:cTn id="10" dur="1" fill="hold">
-                                          <p:stCondLst>
-                                            <p:cond delay="0"/>
-                                          </p:stCondLst>
-                                        </p:cTn>
-                                        <p:tgtEl>
-                                          <p:spTgt spid="2">
-                                            <p:txEl>
-                                              <p:pRg st="1" end="1"/>
-                                            </p:txEl>
-                                          </p:spTgt>
-                                        </p:tgtEl>
-                                        <p:attrNameLst>
-                                          <p:attrName>style.visibility</p:attrName>
-                                        </p:attrNameLst>
-                                      </p:cBhvr>
-                                      <p:to>
-                                        <p:strVal val="visible"/>
-                                      </p:to>
-                                    </p:set>
-                                  </p:childTnLst>
-                                </p:cTn>
-                              </p:par>
-                            </p:childTnLst>
-                          </p:cTn>
-                        </p:par>
-                      </p:childTnLst>
-                    </p:cTn>
-                  </p:par>
-                  <p:par>
-                    <p:cTn id="11" fill="hold">
-                      <p:stCondLst>
-                        <p:cond delay="indefinite"/>
-                      </p:stCondLst>
-                      <p:childTnLst>
-                        <p:par>
-                          <p:cTn id="12" fill="hold">
-                            <p:stCondLst>
-                              <p:cond delay="0"/>
-                            </p:stCondLst>
-                            <p:childTnLst>
-                              <p:par>
-                                <p:cTn id="13" presetID="1" presetClass="entr" presetSubtype="0" fill="hold" nodeType="clickEffect">
-                                  <p:stCondLst>
-                                    <p:cond delay="0"/>
-                                  </p:stCondLst>
-                                  <p:childTnLst>
-                                    <p:set>
-                                      <p:cBhvr>
-                                        <p:cTn id="14" dur="1" fill="hold">
-                                          <p:stCondLst>
-                                            <p:cond delay="0"/>
-                                          </p:stCondLst>
-                                        </p:cTn>
-                                        <p:tgtEl>
-                                          <p:spTgt spid="1030"/>
                                         </p:tgtEl>
                                         <p:attrNameLst>
                                           <p:attrName>style.visibility</p:attrName>
@@ -14155,44 +13873,16 @@
             </a:pPr>
             <a:r>
               <a:rPr lang="zh-CN" altLang="en-US" dirty="0"/>
-              <a:t>第三节课：全连接层的前向和后向传播推导（下）</a:t>
-            </a:r>
-          </a:p>
-          <a:p>
-            <a:pPr marL="742950" lvl="1" indent="-285750">
-              <a:buFont typeface="Arial" panose="020B0604020202020204" pitchFamily="34" charset="0"/>
-              <a:buChar char="•"/>
-            </a:pPr>
-            <a:r>
-              <a:rPr lang="zh-CN" altLang="en-US" dirty="0"/>
-              <a:t>反向传播算法计算的结果是什么？</a:t>
+              <a:t>如何用全连接层识别手写数字？</a:t>
             </a:r>
             <a:endParaRPr lang="en-US" altLang="zh-CN" dirty="0"/>
           </a:p>
           <a:p>
-            <a:pPr marL="742950" lvl="1" indent="-285750">
-              <a:buFont typeface="Arial" panose="020B0604020202020204" pitchFamily="34" charset="0"/>
-              <a:buChar char="•"/>
-            </a:pPr>
-            <a:r>
-              <a:rPr lang="zh-CN" altLang="en-US" dirty="0"/>
-              <a:t>计算梯度有什么用？</a:t>
-            </a:r>
+            <a:pPr marL="285750" indent="-285750">
+              <a:buFont typeface="Arial" panose="020B0604020202020204" pitchFamily="34" charset="0"/>
+              <a:buChar char="•"/>
+            </a:pPr>
             <a:endParaRPr lang="en-US" altLang="zh-CN" dirty="0"/>
-          </a:p>
-          <a:p>
-            <a:pPr lvl="1"/>
-            <a:endParaRPr lang="zh-CN" altLang="en-US" dirty="0"/>
-          </a:p>
-          <a:p>
-            <a:pPr marL="285750" indent="-285750">
-              <a:buFont typeface="Arial" panose="020B0604020202020204" pitchFamily="34" charset="0"/>
-              <a:buChar char="•"/>
-            </a:pPr>
-            <a:r>
-              <a:rPr lang="zh-CN" altLang="en-US" dirty="0"/>
-              <a:t>自学、展学</a:t>
-            </a:r>
           </a:p>
           <a:p>
             <a:br>
@@ -14228,7 +13918,7 @@
           <a:p>
             <a:r>
               <a:rPr lang="zh-CN" altLang="en-US" dirty="0"/>
-              <a:t>回顾相关课程内容</a:t>
+              <a:t>为什么要学习本课</a:t>
             </a:r>
             <a:endParaRPr dirty="0">
               <a:sym typeface="+mn-ea"/>
@@ -14236,323 +13926,53 @@
           </a:p>
         </p:txBody>
       </p:sp>
-    </p:spTree>
-    <p:custDataLst>
-      <p:tags r:id="rId1"/>
-    </p:custDataLst>
-    <p:extLst>
-      <p:ext uri="{BB962C8B-B14F-4D97-AF65-F5344CB8AC3E}">
-        <p14:creationId xmlns:p14="http://schemas.microsoft.com/office/powerpoint/2010/main" val="4073036849"/>
-      </p:ext>
-    </p:extLst>
-  </p:cSld>
-  <p:clrMapOvr>
-    <a:masterClrMapping/>
-  </p:clrMapOvr>
-  <p:timing>
-    <p:tnLst>
-      <p:par>
-        <p:cTn id="1" dur="indefinite" restart="never" nodeType="tmRoot">
-          <p:childTnLst>
-            <p:seq concurrent="1" nextAc="seek">
-              <p:cTn id="2" dur="indefinite" nodeType="mainSeq">
-                <p:childTnLst>
-                  <p:par>
-                    <p:cTn id="3" fill="hold">
-                      <p:stCondLst>
-                        <p:cond delay="indefinite"/>
-                      </p:stCondLst>
-                      <p:childTnLst>
-                        <p:par>
-                          <p:cTn id="4" fill="hold">
-                            <p:stCondLst>
-                              <p:cond delay="0"/>
-                            </p:stCondLst>
-                            <p:childTnLst>
-                              <p:par>
-                                <p:cTn id="5" presetID="1" presetClass="entr" presetSubtype="0" fill="hold" nodeType="clickEffect">
-                                  <p:stCondLst>
-                                    <p:cond delay="0"/>
-                                  </p:stCondLst>
-                                  <p:childTnLst>
-                                    <p:set>
-                                      <p:cBhvr>
-                                        <p:cTn id="6" dur="1" fill="hold">
-                                          <p:stCondLst>
-                                            <p:cond delay="0"/>
-                                          </p:stCondLst>
-                                        </p:cTn>
-                                        <p:tgtEl>
-                                          <p:spTgt spid="2">
-                                            <p:txEl>
-                                              <p:pRg st="0" end="0"/>
-                                            </p:txEl>
-                                          </p:spTgt>
-                                        </p:tgtEl>
-                                        <p:attrNameLst>
-                                          <p:attrName>style.visibility</p:attrName>
-                                        </p:attrNameLst>
-                                      </p:cBhvr>
-                                      <p:to>
-                                        <p:strVal val="visible"/>
-                                      </p:to>
-                                    </p:set>
-                                  </p:childTnLst>
-                                </p:cTn>
-                              </p:par>
-                            </p:childTnLst>
-                          </p:cTn>
-                        </p:par>
-                      </p:childTnLst>
-                    </p:cTn>
-                  </p:par>
-                  <p:par>
-                    <p:cTn id="7" fill="hold">
-                      <p:stCondLst>
-                        <p:cond delay="indefinite"/>
-                      </p:stCondLst>
-                      <p:childTnLst>
-                        <p:par>
-                          <p:cTn id="8" fill="hold">
-                            <p:stCondLst>
-                              <p:cond delay="0"/>
-                            </p:stCondLst>
-                            <p:childTnLst>
-                              <p:par>
-                                <p:cTn id="9" presetID="1" presetClass="entr" presetSubtype="0" fill="hold" nodeType="clickEffect">
-                                  <p:stCondLst>
-                                    <p:cond delay="0"/>
-                                  </p:stCondLst>
-                                  <p:childTnLst>
-                                    <p:set>
-                                      <p:cBhvr>
-                                        <p:cTn id="10" dur="1" fill="hold">
-                                          <p:stCondLst>
-                                            <p:cond delay="0"/>
-                                          </p:stCondLst>
-                                        </p:cTn>
-                                        <p:tgtEl>
-                                          <p:spTgt spid="2">
-                                            <p:txEl>
-                                              <p:pRg st="1" end="1"/>
-                                            </p:txEl>
-                                          </p:spTgt>
-                                        </p:tgtEl>
-                                        <p:attrNameLst>
-                                          <p:attrName>style.visibility</p:attrName>
-                                        </p:attrNameLst>
-                                      </p:cBhvr>
-                                      <p:to>
-                                        <p:strVal val="visible"/>
-                                      </p:to>
-                                    </p:set>
-                                  </p:childTnLst>
-                                </p:cTn>
-                              </p:par>
-                            </p:childTnLst>
-                          </p:cTn>
-                        </p:par>
-                      </p:childTnLst>
-                    </p:cTn>
-                  </p:par>
-                  <p:par>
-                    <p:cTn id="11" fill="hold">
-                      <p:stCondLst>
-                        <p:cond delay="indefinite"/>
-                      </p:stCondLst>
-                      <p:childTnLst>
-                        <p:par>
-                          <p:cTn id="12" fill="hold">
-                            <p:stCondLst>
-                              <p:cond delay="0"/>
-                            </p:stCondLst>
-                            <p:childTnLst>
-                              <p:par>
-                                <p:cTn id="13" presetID="1" presetClass="entr" presetSubtype="0" fill="hold" nodeType="clickEffect">
-                                  <p:stCondLst>
-                                    <p:cond delay="0"/>
-                                  </p:stCondLst>
-                                  <p:childTnLst>
-                                    <p:set>
-                                      <p:cBhvr>
-                                        <p:cTn id="14" dur="1" fill="hold">
-                                          <p:stCondLst>
-                                            <p:cond delay="0"/>
-                                          </p:stCondLst>
-                                        </p:cTn>
-                                        <p:tgtEl>
-                                          <p:spTgt spid="2">
-                                            <p:txEl>
-                                              <p:pRg st="2" end="2"/>
-                                            </p:txEl>
-                                          </p:spTgt>
-                                        </p:tgtEl>
-                                        <p:attrNameLst>
-                                          <p:attrName>style.visibility</p:attrName>
-                                        </p:attrNameLst>
-                                      </p:cBhvr>
-                                      <p:to>
-                                        <p:strVal val="visible"/>
-                                      </p:to>
-                                    </p:set>
-                                  </p:childTnLst>
-                                </p:cTn>
-                              </p:par>
-                            </p:childTnLst>
-                          </p:cTn>
-                        </p:par>
-                      </p:childTnLst>
-                    </p:cTn>
-                  </p:par>
-                </p:childTnLst>
-              </p:cTn>
-              <p:prevCondLst>
-                <p:cond evt="onPrev" delay="0">
-                  <p:tgtEl>
-                    <p:sldTgt/>
-                  </p:tgtEl>
-                </p:cond>
-              </p:prevCondLst>
-              <p:nextCondLst>
-                <p:cond evt="onNext" delay="0">
-                  <p:tgtEl>
-                    <p:sldTgt/>
-                  </p:tgtEl>
-                </p:cond>
-              </p:nextCondLst>
-            </p:seq>
-          </p:childTnLst>
-        </p:cTn>
-      </p:par>
-    </p:tnLst>
-  </p:timing>
-</p:sld>
-</file>
-
-<file path=ppt/slides/slide6.xml><?xml version="1.0" encoding="utf-8"?>
-<p:sld xmlns:a="http://schemas.openxmlformats.org/drawingml/2006/main" xmlns:r="http://schemas.openxmlformats.org/officeDocument/2006/relationships" xmlns:p="http://schemas.openxmlformats.org/presentationml/2006/main">
-  <p:cSld>
-    <p:spTree>
-      <p:nvGrpSpPr>
-        <p:cNvPr id="1" name=""/>
-        <p:cNvGrpSpPr/>
-        <p:nvPr/>
-      </p:nvGrpSpPr>
-      <p:grpSpPr>
-        <a:xfrm>
-          <a:off x="0" y="0"/>
-          <a:ext cx="0" cy="0"/>
-          <a:chOff x="0" y="0"/>
-          <a:chExt cx="0" cy="0"/>
-        </a:xfrm>
-      </p:grpSpPr>
-      <p:sp>
-        <p:nvSpPr>
-          <p:cNvPr id="2" name="文本占位符 1"/>
-          <p:cNvSpPr>
-            <a:spLocks noGrp="1"/>
-          </p:cNvSpPr>
-          <p:nvPr>
-            <p:ph type="body" idx="1"/>
-          </p:nvPr>
-        </p:nvSpPr>
-        <p:spPr/>
-        <p:txBody>
-          <a:bodyPr/>
-          <a:lstStyle/>
-          <a:p>
-            <a:pPr marL="285750" indent="-285750">
-              <a:buFont typeface="Arial" panose="020B0604020202020204" pitchFamily="34" charset="0"/>
-              <a:buChar char="•"/>
-            </a:pPr>
-            <a:r>
-              <a:rPr lang="zh-CN" altLang="en-US" dirty="0"/>
-              <a:t>如何验证反向传播计算的梯度是否正确？</a:t>
-            </a:r>
-            <a:endParaRPr lang="en-US" altLang="zh-CN" dirty="0"/>
-          </a:p>
-          <a:p>
-            <a:pPr marL="742950" lvl="1" indent="-285750">
-              <a:buFont typeface="Arial" panose="020B0604020202020204" pitchFamily="34" charset="0"/>
-              <a:buChar char="•"/>
-            </a:pPr>
-            <a:r>
-              <a:rPr lang="zh-CN" altLang="en-US" dirty="0"/>
-              <a:t>通过测试用例来验证神经网络的输入和输出？</a:t>
-            </a:r>
-            <a:endParaRPr lang="en-US" altLang="zh-CN" dirty="0"/>
-          </a:p>
-          <a:p>
-            <a:pPr marL="742950" lvl="1" indent="-285750">
-              <a:buFont typeface="Arial" panose="020B0604020202020204" pitchFamily="34" charset="0"/>
-              <a:buChar char="•"/>
-            </a:pPr>
-            <a:r>
-              <a:rPr lang="zh-CN" altLang="en-US" dirty="0"/>
-              <a:t>如何保证输出是正确的？</a:t>
-            </a:r>
-            <a:endParaRPr lang="en-US" altLang="zh-CN" dirty="0"/>
-          </a:p>
-          <a:p>
-            <a:pPr marL="742950" lvl="1" indent="-285750">
-              <a:buFont typeface="Arial" panose="020B0604020202020204" pitchFamily="34" charset="0"/>
-              <a:buChar char="•"/>
-            </a:pPr>
-            <a:r>
-              <a:rPr lang="zh-CN" altLang="en-US" dirty="0"/>
-              <a:t>还有其它办法吗？</a:t>
-            </a:r>
-            <a:endParaRPr lang="en-US" altLang="zh-CN" dirty="0"/>
-          </a:p>
-          <a:p>
-            <a:pPr marL="285750" indent="-285750">
-              <a:buFont typeface="Arial" panose="020B0604020202020204" pitchFamily="34" charset="0"/>
-              <a:buChar char="•"/>
-            </a:pPr>
-            <a:endParaRPr lang="en-US" altLang="zh-CN" dirty="0"/>
-          </a:p>
-          <a:p>
-            <a:br>
-              <a:rPr lang="zh-CN" altLang="en-US" dirty="0"/>
-            </a:br>
-            <a:endParaRPr lang="zh-CN" altLang="en-US" dirty="0">
-              <a:hlinkClick r:id="rId3" action="ppaction://hlinkfile"/>
-            </a:endParaRPr>
-          </a:p>
-          <a:p>
-            <a:pPr marL="285750" indent="-285750">
-              <a:buFont typeface="Arial" panose="020B0604020202020204" pitchFamily="34" charset="0"/>
-              <a:buChar char="•"/>
-            </a:pPr>
-            <a:endParaRPr lang="zh-CN" altLang="en-US" dirty="0"/>
-          </a:p>
-        </p:txBody>
-      </p:sp>
-      <p:sp>
-        <p:nvSpPr>
-          <p:cNvPr id="3" name="标题 2"/>
-          <p:cNvSpPr>
-            <a:spLocks noGrp="1"/>
-          </p:cNvSpPr>
-          <p:nvPr>
-            <p:ph type="title"/>
-          </p:nvPr>
-        </p:nvSpPr>
-        <p:spPr/>
-        <p:txBody>
-          <a:bodyPr/>
-          <a:lstStyle/>
-          <a:p>
-            <a:r>
-              <a:rPr lang="zh-CN" altLang="en-US" dirty="0"/>
-              <a:t>为什么要学习本课</a:t>
-            </a:r>
-            <a:endParaRPr dirty="0">
-              <a:sym typeface="+mn-ea"/>
-            </a:endParaRPr>
-          </a:p>
-        </p:txBody>
-      </p:sp>
+      <p:pic>
+        <p:nvPicPr>
+          <p:cNvPr id="1028" name="Picture 4" descr="BP神经网络实现手写数字识别- 知乎">
+            <a:extLst>
+              <a:ext uri="{FF2B5EF4-FFF2-40B4-BE49-F238E27FC236}">
+                <a16:creationId xmlns:a16="http://schemas.microsoft.com/office/drawing/2014/main" id="{454DE156-76A4-95F3-7829-CC21A821C083}"/>
+              </a:ext>
+            </a:extLst>
+          </p:cNvPr>
+          <p:cNvPicPr>
+            <a:picLocks noChangeAspect="1" noChangeArrowheads="1"/>
+          </p:cNvPicPr>
+          <p:nvPr/>
+        </p:nvPicPr>
+        <p:blipFill>
+          <a:blip r:embed="rId4">
+            <a:extLst>
+              <a:ext uri="{28A0092B-C50C-407E-A947-70E740481C1C}">
+                <a14:useLocalDpi xmlns:a14="http://schemas.microsoft.com/office/drawing/2010/main" val="0"/>
+              </a:ext>
+            </a:extLst>
+          </a:blip>
+          <a:srcRect/>
+          <a:stretch>
+            <a:fillRect/>
+          </a:stretch>
+        </p:blipFill>
+        <p:spPr bwMode="auto">
+          <a:xfrm>
+            <a:off x="4571791" y="1937518"/>
+            <a:ext cx="3771900" cy="2159000"/>
+          </a:xfrm>
+          <a:prstGeom prst="rect">
+            <a:avLst/>
+          </a:prstGeom>
+          <a:noFill/>
+          <a:extLst>
+            <a:ext uri="{909E8E84-426E-40DD-AFC4-6F175D3DCCD1}">
+              <a14:hiddenFill xmlns:a14="http://schemas.microsoft.com/office/drawing/2010/main">
+                <a:solidFill>
+                  <a:srgbClr val="FFFFFF"/>
+                </a:solidFill>
+              </a14:hiddenFill>
+            </a:ext>
+          </a:extLst>
+        </p:spPr>
+      </p:pic>
     </p:spTree>
     <p:custDataLst>
       <p:tags r:id="rId1"/>
@@ -14569,7 +13989,7 @@
 </p:sld>
 </file>
 
-<file path=ppt/slides/slide7.xml><?xml version="1.0" encoding="utf-8"?>
+<file path=ppt/slides/slide6.xml><?xml version="1.0" encoding="utf-8"?>
 <p:sld xmlns:a="http://schemas.openxmlformats.org/drawingml/2006/main" xmlns:r="http://schemas.openxmlformats.org/officeDocument/2006/relationships" xmlns:p="http://schemas.openxmlformats.org/presentationml/2006/main">
   <p:cSld>
     <p:spTree>
@@ -14602,16 +14022,21 @@
           <a:lstStyle/>
           <a:p>
             <a:r>
-              <a:rPr dirty="0">
-                <a:sym typeface="+mn-ea"/>
-              </a:rPr>
-              <a:t>主问题：</a:t>
-            </a:r>
-            <a:r>
               <a:rPr lang="zh-CN" altLang="en-US" dirty="0">
                 <a:sym typeface="+mn-ea"/>
               </a:rPr>
-              <a:t>如何以最小的误差计算导数</a:t>
+              <a:t>主问题：	</a:t>
+            </a:r>
+            <a:br>
+              <a:rPr lang="en-US" altLang="zh-CN" dirty="0">
+                <a:sym typeface="+mn-ea"/>
+              </a:rPr>
+            </a:br>
+            <a:r>
+              <a:rPr lang="zh-CN" altLang="en-US" dirty="0">
+                <a:sym typeface="+mn-ea"/>
+              </a:rPr>
+              <a:t>全连接层的输入是什么</a:t>
             </a:r>
             <a:r>
               <a:rPr lang="zh-CN" altLang="en-US" dirty="0"/>
@@ -14636,7 +14061,7 @@
 </p:sld>
 </file>
 
-<file path=ppt/slides/slide8.xml><?xml version="1.0" encoding="utf-8"?>
+<file path=ppt/slides/slide7.xml><?xml version="1.0" encoding="utf-8"?>
 <p:sld xmlns:a="http://schemas.openxmlformats.org/drawingml/2006/main" xmlns:r="http://schemas.openxmlformats.org/officeDocument/2006/relationships" xmlns:p="http://schemas.openxmlformats.org/presentationml/2006/main">
   <p:cSld>
     <p:spTree>
@@ -14669,8 +14094,14 @@
           <a:lstStyle/>
           <a:p>
             <a:r>
+              <a:rPr lang="zh-CN" altLang="en-US" dirty="0">
+                <a:sym typeface="+mn-ea"/>
+              </a:rPr>
+              <a:t>主问题：	全连接层的输入是什么</a:t>
+            </a:r>
+            <a:r>
               <a:rPr lang="zh-CN" altLang="en-US" dirty="0"/>
-              <a:t>任务：实现导数的计算</a:t>
+              <a:t>？</a:t>
             </a:r>
             <a:endParaRPr dirty="0">
               <a:sym typeface="+mn-ea"/>
@@ -14913,7 +14344,7 @@
             </a:pPr>
             <a:r>
               <a:rPr lang="zh-CN" altLang="en-US" dirty="0"/>
-              <a:t>导数的定义是什么？</a:t>
+              <a:t>输入层的输入数据是什么？</a:t>
             </a:r>
             <a:endParaRPr lang="en-US" altLang="zh-CN" dirty="0"/>
           </a:p>
@@ -14924,25 +14355,43 @@
             </a:pPr>
             <a:r>
               <a:rPr lang="zh-CN" altLang="en-US" dirty="0"/>
-              <a:t>请实现导数的计算</a:t>
+              <a:t>如何处理输入数据？</a:t>
             </a:r>
             <a:endParaRPr lang="en-US" altLang="zh-CN" dirty="0"/>
           </a:p>
           <a:p>
-            <a:pPr marL="285750" indent="-285750">
-              <a:buFont typeface="Arial" panose="020B0604020202020204" pitchFamily="34" charset="0"/>
-              <a:buChar char="•"/>
-            </a:pPr>
+            <a:pPr marL="742950" lvl="1" indent="-285750">
+              <a:buFont typeface="Arial" panose="020B0604020202020204" pitchFamily="34" charset="0"/>
+              <a:buChar char="•"/>
+            </a:pPr>
+            <a:r>
+              <a:rPr lang="zh-CN" altLang="en-US" dirty="0"/>
+              <a:t>把整个手写数字图片作为输入数据会有什么问题？</a:t>
+            </a:r>
             <a:endParaRPr lang="en-US" altLang="zh-CN" dirty="0"/>
           </a:p>
           <a:p>
-            <a:pPr marL="285750" indent="-285750">
+            <a:pPr marL="742950" lvl="1" indent="-285750">
               <a:buFont typeface="Arial" panose="020B0604020202020204" pitchFamily="34" charset="0"/>
               <a:buChar char="•"/>
             </a:pPr>
             <a:r>
               <a:rPr lang="zh-CN" altLang="en-US" dirty="0"/>
-              <a:t>自学、展学</a:t>
+              <a:t>如何解决该问题？</a:t>
+            </a:r>
+            <a:endParaRPr lang="en-US" altLang="zh-CN" dirty="0"/>
+          </a:p>
+          <a:p>
+            <a:endParaRPr lang="en-US" altLang="zh-CN" dirty="0"/>
+          </a:p>
+          <a:p>
+            <a:pPr marL="285750" indent="-285750">
+              <a:buFont typeface="Arial" panose="020B0604020202020204" pitchFamily="34" charset="0"/>
+              <a:buChar char="•"/>
+            </a:pPr>
+            <a:r>
+              <a:rPr lang="zh-CN" altLang="en-US" dirty="0"/>
+              <a:t>自学、互学、展学</a:t>
             </a:r>
           </a:p>
           <a:p>
@@ -15012,15 +14461,15 @@
       </p:sp>
       <p:pic>
         <p:nvPicPr>
-          <p:cNvPr id="8" name="图片 7">
+          <p:cNvPr id="2" name="Picture 2" descr="AI实战】训练第一个AI模型：MNIST手写数字识别模型_雪饼ai的博客-CSDN博客">
             <a:extLst>
               <a:ext uri="{FF2B5EF4-FFF2-40B4-BE49-F238E27FC236}">
-                <a16:creationId xmlns:a16="http://schemas.microsoft.com/office/drawing/2014/main" id="{A7D76668-4B9E-BE1B-1168-60A1562269A0}"/>
+                <a16:creationId xmlns:a16="http://schemas.microsoft.com/office/drawing/2014/main" id="{B33C7149-5C4D-5EFF-DA4B-ABF5E146CEA3}"/>
               </a:ext>
             </a:extLst>
           </p:cNvPr>
           <p:cNvPicPr>
-            <a:picLocks noChangeAspect="1"/>
+            <a:picLocks noChangeAspect="1" noChangeArrowheads="1"/>
           </p:cNvPicPr>
           <p:nvPr/>
         </p:nvPicPr>
@@ -15032,31 +14481,42 @@
               </a:ext>
             </a:extLst>
           </a:blip>
+          <a:srcRect/>
           <a:stretch>
             <a:fillRect/>
           </a:stretch>
         </p:blipFill>
-        <p:spPr>
+        <p:spPr bwMode="auto">
           <a:xfrm>
-            <a:off x="3608824" y="1730905"/>
-            <a:ext cx="1638300" cy="558800"/>
+            <a:off x="5433880" y="3694949"/>
+            <a:ext cx="6138479" cy="2810388"/>
           </a:xfrm>
           <a:prstGeom prst="rect">
             <a:avLst/>
           </a:prstGeom>
+          <a:noFill/>
+          <a:extLst>
+            <a:ext uri="{909E8E84-426E-40DD-AFC4-6F175D3DCCD1}">
+              <a14:hiddenFill xmlns:a14="http://schemas.microsoft.com/office/drawing/2010/main">
+                <a:solidFill>
+                  <a:srgbClr val="FFFFFF"/>
+                </a:solidFill>
+              </a14:hiddenFill>
+            </a:ext>
+          </a:extLst>
         </p:spPr>
       </p:pic>
       <p:pic>
         <p:nvPicPr>
-          <p:cNvPr id="10" name="图片 9">
+          <p:cNvPr id="4" name="Picture 4" descr="BP神经网络实现手写数字识别- 知乎">
             <a:extLst>
               <a:ext uri="{FF2B5EF4-FFF2-40B4-BE49-F238E27FC236}">
-                <a16:creationId xmlns:a16="http://schemas.microsoft.com/office/drawing/2014/main" id="{9EACFB27-CEDE-2B45-A9BA-EE721E44F3C8}"/>
+                <a16:creationId xmlns:a16="http://schemas.microsoft.com/office/drawing/2014/main" id="{0C343487-7965-3EC6-B52F-F907679E184C}"/>
               </a:ext>
             </a:extLst>
           </p:cNvPr>
           <p:cNvPicPr>
-            <a:picLocks noChangeAspect="1"/>
+            <a:picLocks noChangeAspect="1" noChangeArrowheads="1"/>
           </p:cNvPicPr>
           <p:nvPr/>
         </p:nvPicPr>
@@ -15068,27 +14528,73 @@
               </a:ext>
             </a:extLst>
           </a:blip>
+          <a:srcRect/>
           <a:stretch>
             <a:fillRect/>
           </a:stretch>
         </p:blipFill>
-        <p:spPr>
+        <p:spPr bwMode="auto">
           <a:xfrm>
-            <a:off x="7044452" y="1572155"/>
-            <a:ext cx="2946400" cy="876300"/>
+            <a:off x="8120435" y="1362832"/>
+            <a:ext cx="3771900" cy="2159000"/>
           </a:xfrm>
           <a:prstGeom prst="rect">
             <a:avLst/>
           </a:prstGeom>
+          <a:noFill/>
+          <a:extLst>
+            <a:ext uri="{909E8E84-426E-40DD-AFC4-6F175D3DCCD1}">
+              <a14:hiddenFill xmlns:a14="http://schemas.microsoft.com/office/drawing/2010/main">
+                <a:solidFill>
+                  <a:srgbClr val="FFFFFF"/>
+                </a:solidFill>
+              </a14:hiddenFill>
+            </a:ext>
+          </a:extLst>
         </p:spPr>
       </p:pic>
+      <p:sp>
+        <p:nvSpPr>
+          <p:cNvPr id="5" name="文本框 4">
+            <a:extLst>
+              <a:ext uri="{FF2B5EF4-FFF2-40B4-BE49-F238E27FC236}">
+                <a16:creationId xmlns:a16="http://schemas.microsoft.com/office/drawing/2014/main" id="{FC0677BA-B68B-5C3D-E915-E599389963F6}"/>
+              </a:ext>
+            </a:extLst>
+          </p:cNvPr>
+          <p:cNvSpPr txBox="1"/>
+          <p:nvPr/>
+        </p:nvSpPr>
+        <p:spPr>
+          <a:xfrm>
+            <a:off x="5433880" y="3276022"/>
+            <a:ext cx="2954655" cy="369332"/>
+          </a:xfrm>
+          <a:prstGeom prst="rect">
+            <a:avLst/>
+          </a:prstGeom>
+          <a:noFill/>
+        </p:spPr>
+        <p:txBody>
+          <a:bodyPr wrap="none" rtlCol="0">
+            <a:spAutoFit/>
+          </a:bodyPr>
+          <a:lstStyle/>
+          <a:p>
+            <a:r>
+              <a:rPr kumimoji="1" lang="zh-CN" altLang="en-US" dirty="0"/>
+              <a:t>拆分成每个数字一张图片：</a:t>
+            </a:r>
+          </a:p>
+        </p:txBody>
+      </p:sp>
     </p:spTree>
     <p:custDataLst>
       <p:tags r:id="rId1"/>
     </p:custDataLst>
     <p:extLst>
       <p:ext uri="{BB962C8B-B14F-4D97-AF65-F5344CB8AC3E}">
-        <p14:creationId xmlns:p14="http://schemas.microsoft.com/office/powerpoint/2010/main" val="3819472605"/>
+        <p14:creationId xmlns:p14="http://schemas.microsoft.com/office/powerpoint/2010/main" val="1424024194"/>
       </p:ext>
     </p:extLst>
   </p:cSld>
@@ -15176,6 +14682,84 @@
 </p:sld>
 </file>
 
+<file path=ppt/slides/slide8.xml><?xml version="1.0" encoding="utf-8"?>
+<p:sld xmlns:a="http://schemas.openxmlformats.org/drawingml/2006/main" xmlns:r="http://schemas.openxmlformats.org/officeDocument/2006/relationships" xmlns:p="http://schemas.openxmlformats.org/presentationml/2006/main">
+  <p:cSld>
+    <p:spTree>
+      <p:nvGrpSpPr>
+        <p:cNvPr id="1" name=""/>
+        <p:cNvGrpSpPr/>
+        <p:nvPr/>
+      </p:nvGrpSpPr>
+      <p:grpSpPr>
+        <a:xfrm>
+          <a:off x="0" y="0"/>
+          <a:ext cx="0" cy="0"/>
+          <a:chOff x="0" y="0"/>
+          <a:chExt cx="0" cy="0"/>
+        </a:xfrm>
+      </p:grpSpPr>
+      <p:sp>
+        <p:nvSpPr>
+          <p:cNvPr id="2" name="标题 1"/>
+          <p:cNvSpPr>
+            <a:spLocks noGrp="1"/>
+          </p:cNvSpPr>
+          <p:nvPr>
+            <p:ph type="title"/>
+          </p:nvPr>
+        </p:nvSpPr>
+        <p:spPr/>
+        <p:txBody>
+          <a:bodyPr/>
+          <a:lstStyle/>
+          <a:p>
+            <a:r>
+              <a:rPr dirty="0">
+                <a:sym typeface="+mn-ea"/>
+              </a:rPr>
+              <a:t>主问题：</a:t>
+            </a:r>
+            <a:r>
+              <a:rPr lang="en-US" dirty="0">
+                <a:sym typeface="+mn-ea"/>
+              </a:rPr>
+              <a:t>	</a:t>
+            </a:r>
+            <a:br>
+              <a:rPr lang="en-US" dirty="0">
+                <a:sym typeface="+mn-ea"/>
+              </a:rPr>
+            </a:br>
+            <a:r>
+              <a:rPr lang="en-US" dirty="0" err="1">
+                <a:sym typeface="+mn-ea"/>
+              </a:rPr>
+              <a:t>全连接层的输出是什么</a:t>
+            </a:r>
+            <a:r>
+              <a:rPr lang="zh-CN" altLang="en-US" dirty="0"/>
+              <a:t>？</a:t>
+            </a:r>
+          </a:p>
+        </p:txBody>
+      </p:sp>
+    </p:spTree>
+    <p:custDataLst>
+      <p:tags r:id="rId1"/>
+    </p:custDataLst>
+    <p:extLst>
+      <p:ext uri="{BB962C8B-B14F-4D97-AF65-F5344CB8AC3E}">
+        <p14:creationId xmlns:p14="http://schemas.microsoft.com/office/powerpoint/2010/main" val="2341060356"/>
+      </p:ext>
+    </p:extLst>
+  </p:cSld>
+  <p:clrMapOvr>
+    <a:masterClrMapping/>
+  </p:clrMapOvr>
+</p:sld>
+</file>
+
 <file path=ppt/slides/slide9.xml><?xml version="1.0" encoding="utf-8"?>
 <p:sld xmlns:a="http://schemas.openxmlformats.org/drawingml/2006/main" xmlns:r="http://schemas.openxmlformats.org/officeDocument/2006/relationships" xmlns:p="http://schemas.openxmlformats.org/presentationml/2006/main">
   <p:cSld>
@@ -15209,8 +14793,14 @@
           <a:lstStyle/>
           <a:p>
             <a:r>
+              <a:rPr lang="zh-CN" altLang="en-US" dirty="0">
+                <a:sym typeface="+mn-ea"/>
+              </a:rPr>
+              <a:t>主问题：	全连接层的输出是什么</a:t>
+            </a:r>
+            <a:r>
               <a:rPr lang="zh-CN" altLang="en-US" dirty="0"/>
-              <a:t>任务：计算函数的导数</a:t>
+              <a:t>？</a:t>
             </a:r>
             <a:endParaRPr dirty="0">
               <a:sym typeface="+mn-ea"/>
@@ -15453,58 +15043,49 @@
             </a:pPr>
             <a:r>
               <a:rPr lang="zh-CN" altLang="en-US" dirty="0"/>
-              <a:t>请用刚刚写的代码计算下面的函数，查看是否有误差？</a:t>
+              <a:t>输出层的输出数据是什么？</a:t>
             </a:r>
             <a:endParaRPr lang="en-US" altLang="zh-CN" dirty="0"/>
           </a:p>
           <a:p>
-            <a:pPr marL="742950" lvl="1" indent="-285750">
-              <a:buFont typeface="Arial" panose="020B0604020202020204" pitchFamily="34" charset="0"/>
-              <a:buChar char="•"/>
-            </a:pPr>
-            <a:r>
-              <a:rPr lang="en-US" altLang="zh-CN" dirty="0"/>
-              <a:t>h</a:t>
-            </a:r>
+            <a:pPr marL="285750" indent="-285750">
+              <a:buFont typeface="Arial" panose="020B0604020202020204" pitchFamily="34" charset="0"/>
+              <a:buChar char="•"/>
+            </a:pPr>
             <a:r>
               <a:rPr lang="zh-CN" altLang="en-US" dirty="0"/>
-              <a:t>如果太小（如</a:t>
-            </a:r>
-            <a:r>
-              <a:rPr lang="en-US" altLang="zh-CN" dirty="0"/>
-              <a:t>1e-11</a:t>
-            </a:r>
+              <a:t>如何确定输出的是哪个数字？</a:t>
+            </a:r>
+            <a:endParaRPr lang="en-US" altLang="zh-CN" dirty="0"/>
+          </a:p>
+          <a:p>
+            <a:endParaRPr lang="en-US" altLang="zh-CN" dirty="0"/>
+          </a:p>
+          <a:p>
+            <a:pPr marL="285750" indent="-285750">
+              <a:buFont typeface="Arial" panose="020B0604020202020204" pitchFamily="34" charset="0"/>
+              <a:buChar char="•"/>
+            </a:pPr>
             <a:r>
               <a:rPr lang="zh-CN" altLang="en-US" dirty="0"/>
-              <a:t>），结果是什么？为什么？</a:t>
-            </a:r>
+              <a:t>自学、互学、展学</a:t>
+            </a:r>
+          </a:p>
+          <a:p>
+            <a:pPr marL="285750" indent="-285750">
+              <a:buFont typeface="Arial" panose="020B0604020202020204" pitchFamily="34" charset="0"/>
+              <a:buChar char="•"/>
+            </a:pPr>
+            <a:endParaRPr lang="zh-CN" altLang="en-US" dirty="0"/>
+          </a:p>
+          <a:p>
+            <a:pPr marL="285750" indent="-285750">
+              <a:buFont typeface="Arial" panose="020B0604020202020204" pitchFamily="34" charset="0"/>
+              <a:buChar char="•"/>
+            </a:pPr>
             <a:endParaRPr lang="en-US" altLang="zh-CN" dirty="0"/>
           </a:p>
           <a:p>
-            <a:pPr marL="742950" lvl="1" indent="-285750">
-              <a:buFont typeface="Arial" panose="020B0604020202020204" pitchFamily="34" charset="0"/>
-              <a:buChar char="•"/>
-            </a:pPr>
-            <a:endParaRPr lang="en-US" altLang="zh-CN" dirty="0"/>
-          </a:p>
-          <a:p>
-            <a:pPr marL="285750" indent="-285750">
-              <a:buFont typeface="Arial" panose="020B0604020202020204" pitchFamily="34" charset="0"/>
-              <a:buChar char="•"/>
-            </a:pPr>
-            <a:endParaRPr lang="en-US" altLang="zh-CN" dirty="0"/>
-          </a:p>
-          <a:p>
-            <a:pPr marL="285750" indent="-285750">
-              <a:buFont typeface="Arial" panose="020B0604020202020204" pitchFamily="34" charset="0"/>
-              <a:buChar char="•"/>
-            </a:pPr>
-            <a:r>
-              <a:rPr lang="zh-CN" altLang="en-US" dirty="0"/>
-              <a:t>自学、展学</a:t>
-            </a:r>
-          </a:p>
-          <a:p>
             <a:pPr marL="285750" indent="-285750">
               <a:buFont typeface="Arial" panose="020B0604020202020204" pitchFamily="34" charset="0"/>
               <a:buChar char="•"/>
@@ -15516,13 +15097,6 @@
               <a:buFont typeface="Arial" panose="020B0604020202020204" pitchFamily="34" charset="0"/>
               <a:buChar char="•"/>
             </a:pPr>
-            <a:endParaRPr lang="en-US" altLang="zh-CN" dirty="0"/>
-          </a:p>
-          <a:p>
-            <a:pPr marL="285750" indent="-285750">
-              <a:buFont typeface="Arial" panose="020B0604020202020204" pitchFamily="34" charset="0"/>
-              <a:buChar char="•"/>
-            </a:pPr>
             <a:endParaRPr lang="zh-CN" altLang="en-US" dirty="0"/>
           </a:p>
           <a:p>
@@ -15559,160 +15133,6 @@
               <a:buChar char="•"/>
             </a:pPr>
             <a:endParaRPr lang="zh-CN" altLang="en-US" dirty="0"/>
-          </a:p>
-          <a:p>
-            <a:pPr marL="285750" indent="-285750">
-              <a:buFont typeface="Arial" panose="020B0604020202020204" pitchFamily="34" charset="0"/>
-              <a:buChar char="•"/>
-            </a:pPr>
-            <a:endParaRPr lang="zh-CN" altLang="en-US" dirty="0"/>
-          </a:p>
-        </p:txBody>
-      </p:sp>
-      <p:pic>
-        <p:nvPicPr>
-          <p:cNvPr id="4" name="图片 3">
-            <a:extLst>
-              <a:ext uri="{FF2B5EF4-FFF2-40B4-BE49-F238E27FC236}">
-                <a16:creationId xmlns:a16="http://schemas.microsoft.com/office/drawing/2014/main" id="{59A3725F-8E8F-BBDC-F489-8D9EB6950171}"/>
-              </a:ext>
-            </a:extLst>
-          </p:cNvPr>
-          <p:cNvPicPr>
-            <a:picLocks noChangeAspect="1"/>
-          </p:cNvPicPr>
-          <p:nvPr/>
-        </p:nvPicPr>
-        <p:blipFill>
-          <a:blip r:embed="rId3">
-            <a:extLst>
-              <a:ext uri="{28A0092B-C50C-407E-A947-70E740481C1C}">
-                <a14:useLocalDpi xmlns:a14="http://schemas.microsoft.com/office/drawing/2010/main" val="0"/>
-              </a:ext>
-            </a:extLst>
-          </a:blip>
-          <a:stretch>
-            <a:fillRect/>
-          </a:stretch>
-        </p:blipFill>
-        <p:spPr>
-          <a:xfrm>
-            <a:off x="7698991" y="1778635"/>
-            <a:ext cx="1778000" cy="508000"/>
-          </a:xfrm>
-          <a:prstGeom prst="rect">
-            <a:avLst/>
-          </a:prstGeom>
-        </p:spPr>
-      </p:pic>
-      <p:sp>
-        <p:nvSpPr>
-          <p:cNvPr id="5" name="文本框 4">
-            <a:extLst>
-              <a:ext uri="{FF2B5EF4-FFF2-40B4-BE49-F238E27FC236}">
-                <a16:creationId xmlns:a16="http://schemas.microsoft.com/office/drawing/2014/main" id="{B22094FD-7B78-5035-9AB0-34B5C56D023A}"/>
-              </a:ext>
-            </a:extLst>
-          </p:cNvPr>
-          <p:cNvSpPr txBox="1"/>
-          <p:nvPr/>
-        </p:nvSpPr>
-        <p:spPr>
-          <a:xfrm>
-            <a:off x="4383034" y="3551226"/>
-            <a:ext cx="6631913" cy="1200329"/>
-          </a:xfrm>
-          <a:prstGeom prst="rect">
-            <a:avLst/>
-          </a:prstGeom>
-          <a:noFill/>
-        </p:spPr>
-        <p:txBody>
-          <a:bodyPr wrap="square" rtlCol="0">
-            <a:spAutoFit/>
-          </a:bodyPr>
-          <a:lstStyle/>
-          <a:p>
-            <a:r>
-              <a:rPr lang="zh-CN" altLang="en-US" b="0" i="0" dirty="0">
-                <a:effectLst/>
-                <a:latin typeface="Roboto" panose="02000000000000000000" pitchFamily="2" charset="0"/>
-              </a:rPr>
-              <a:t>因为计算机的舍入误差的原因，</a:t>
-            </a:r>
-            <a:r>
-              <a:rPr lang="en" altLang="zh-CN" dirty="0"/>
-              <a:t>h</a:t>
-            </a:r>
-            <a:r>
-              <a:rPr lang="zh-CN" altLang="en-US" b="0" i="0" dirty="0">
-                <a:effectLst/>
-                <a:latin typeface="Roboto" panose="02000000000000000000" pitchFamily="2" charset="0"/>
-              </a:rPr>
-              <a:t>不能太小，比如</a:t>
-            </a:r>
-            <a:r>
-              <a:rPr lang="en-US" altLang="zh-CN" dirty="0"/>
-              <a:t>1</a:t>
-            </a:r>
-            <a:r>
-              <a:rPr lang="en" altLang="zh-CN" dirty="0"/>
-              <a:t>e-10</a:t>
-            </a:r>
-            <a:r>
-              <a:rPr lang="zh-CN" altLang="en" b="0" i="0" dirty="0">
-                <a:effectLst/>
-                <a:latin typeface="Roboto" panose="02000000000000000000" pitchFamily="2" charset="0"/>
-              </a:rPr>
-              <a:t>，</a:t>
-            </a:r>
-            <a:r>
-              <a:rPr lang="zh-CN" altLang="en-US" b="0" i="0" dirty="0">
-                <a:effectLst/>
-                <a:latin typeface="Roboto" panose="02000000000000000000" pitchFamily="2" charset="0"/>
-              </a:rPr>
-              <a:t>会造成计算结果上的误差，所以我们一般用</a:t>
-            </a:r>
-            <a:r>
-              <a:rPr lang="en-US" altLang="zh-CN" dirty="0"/>
-              <a:t>[1</a:t>
-            </a:r>
-            <a:r>
-              <a:rPr lang="en" altLang="zh-CN" dirty="0"/>
-              <a:t>e-4,1e-7]</a:t>
-            </a:r>
-            <a:r>
-              <a:rPr lang="zh-CN" altLang="en-US" b="0" i="0" dirty="0">
-                <a:effectLst/>
-                <a:latin typeface="Roboto" panose="02000000000000000000" pitchFamily="2" charset="0"/>
-              </a:rPr>
-              <a:t>之间的数值。</a:t>
-            </a:r>
-            <a:endParaRPr lang="en-US" altLang="zh-CN" b="0" i="0" dirty="0">
-              <a:effectLst/>
-              <a:latin typeface="Roboto" panose="02000000000000000000" pitchFamily="2" charset="0"/>
-            </a:endParaRPr>
-          </a:p>
-          <a:p>
-            <a:endParaRPr lang="en-US" altLang="zh-CN" b="0" i="0" dirty="0">
-              <a:effectLst/>
-              <a:latin typeface="Roboto" panose="02000000000000000000" pitchFamily="2" charset="0"/>
-            </a:endParaRPr>
-          </a:p>
-          <a:p>
-            <a:r>
-              <a:rPr kumimoji="1" lang="zh-CN" altLang="en-US" dirty="0">
-                <a:latin typeface="Roboto" panose="02000000000000000000" pitchFamily="2" charset="0"/>
-              </a:rPr>
-              <a:t>我们这里使用</a:t>
-            </a:r>
-            <a:r>
-              <a:rPr kumimoji="1" lang="en-US" altLang="zh-CN" dirty="0">
-                <a:latin typeface="Roboto" panose="02000000000000000000" pitchFamily="2" charset="0"/>
-              </a:rPr>
-              <a:t>1e-4</a:t>
-            </a:r>
-            <a:endParaRPr kumimoji="1" lang="zh-CN" altLang="en-US" dirty="0"/>
           </a:p>
         </p:txBody>
       </p:sp>
@@ -15722,7 +15142,7 @@
     </p:custDataLst>
     <p:extLst>
       <p:ext uri="{BB962C8B-B14F-4D97-AF65-F5344CB8AC3E}">
-        <p14:creationId xmlns:p14="http://schemas.microsoft.com/office/powerpoint/2010/main" val="56045681"/>
+        <p14:creationId xmlns:p14="http://schemas.microsoft.com/office/powerpoint/2010/main" val="1040660923"/>
       </p:ext>
     </p:extLst>
   </p:cSld>
@@ -15827,6 +15247,33 @@
   <p:tag name="KSO_WM_UNIT_LAYERLEVEL" val="1"/>
   <p:tag name="KSO_WM_TAG_VERSION" val="1.0"/>
   <p:tag name="KSO_WM_BEAUTIFY_FLAG" val="#wm#"/>
+</p:tagLst>
+</file>
+
+<file path=ppt/tags/tag100.xml><?xml version="1.0" encoding="utf-8"?>
+<p:tagLst xmlns:a="http://schemas.openxmlformats.org/drawingml/2006/main" xmlns:r="http://schemas.openxmlformats.org/officeDocument/2006/relationships" xmlns:p="http://schemas.openxmlformats.org/presentationml/2006/main">
+  <p:tag name="KSO_WM_BEAUTIFY_FLAG" val="#wm#"/>
+  <p:tag name="KSO_WM_TEMPLATE_CATEGORY" val="custom"/>
+  <p:tag name="KSO_WM_TEMPLATE_INDEX" val="20187308"/>
+  <p:tag name="KSO_WM_SPECIAL_SOURCE" val="bdnull"/>
+</p:tagLst>
+</file>
+
+<file path=ppt/tags/tag101.xml><?xml version="1.0" encoding="utf-8"?>
+<p:tagLst xmlns:a="http://schemas.openxmlformats.org/drawingml/2006/main" xmlns:r="http://schemas.openxmlformats.org/officeDocument/2006/relationships" xmlns:p="http://schemas.openxmlformats.org/presentationml/2006/main">
+  <p:tag name="KSO_WM_BEAUTIFY_FLAG" val="#wm#"/>
+  <p:tag name="KSO_WM_TEMPLATE_CATEGORY" val="custom"/>
+  <p:tag name="KSO_WM_TEMPLATE_INDEX" val="20187308"/>
+  <p:tag name="KSO_WM_SPECIAL_SOURCE" val="bdnull"/>
+</p:tagLst>
+</file>
+
+<file path=ppt/tags/tag102.xml><?xml version="1.0" encoding="utf-8"?>
+<p:tagLst xmlns:a="http://schemas.openxmlformats.org/drawingml/2006/main" xmlns:r="http://schemas.openxmlformats.org/officeDocument/2006/relationships" xmlns:p="http://schemas.openxmlformats.org/presentationml/2006/main">
+  <p:tag name="KSO_WM_BEAUTIFY_FLAG" val="#wm#"/>
+  <p:tag name="KSO_WM_TEMPLATE_CATEGORY" val="custom"/>
+  <p:tag name="KSO_WM_TEMPLATE_INDEX" val="20187308"/>
+  <p:tag name="KSO_WM_SPECIAL_SOURCE" val="bdnull"/>
 </p:tagLst>
 </file>
 

--- a/lessons/5_handwriting_by_linear_layer/ppt/用全连接层识别手写数字.pptx
+++ b/lessons/5_handwriting_by_linear_layer/ppt/用全连接层识别手写数字.pptx
@@ -14,8 +14,8 @@
     <p:sldId id="307" r:id="rId2"/>
     <p:sldId id="308" r:id="rId3"/>
     <p:sldId id="284" r:id="rId4"/>
-    <p:sldId id="1004" r:id="rId5"/>
-    <p:sldId id="1044" r:id="rId6"/>
+    <p:sldId id="1044" r:id="rId5"/>
+    <p:sldId id="1004" r:id="rId6"/>
     <p:sldId id="1001" r:id="rId7"/>
     <p:sldId id="1072" r:id="rId8"/>
     <p:sldId id="1066" r:id="rId9"/>
@@ -241,7 +241,7 @@
                 <a:latin typeface="微软雅黑" panose="020B0503020204020204" charset="-122"/>
                 <a:ea typeface="微软雅黑" panose="020B0503020204020204" charset="-122"/>
               </a:rPr>
-              <a:t>2022/11/7</a:t>
+              <a:t>2022/11/14</a:t>
             </a:fld>
             <a:endParaRPr lang="zh-CN" altLang="en-US">
               <a:latin typeface="微软雅黑" panose="020B0503020204020204" charset="-122"/>
@@ -424,7 +424,7 @@
           <a:p>
             <a:fld id="{1AC49D05-6128-4D0D-A32A-06A5E73B386C}" type="datetimeFigureOut">
               <a:rPr lang="zh-CN" altLang="en-US" smtClean="0"/>
-              <a:t>2022/11/7</a:t>
+              <a:t>2022/11/14</a:t>
             </a:fld>
             <a:endParaRPr lang="zh-CN" altLang="en-US"/>
           </a:p>
@@ -1086,7 +1086,7 @@
           <a:p>
             <a:fld id="{9EFD9D74-47D9-4702-A33C-335B63B48DBF}" type="datetimeFigureOut">
               <a:rPr lang="zh-CN" altLang="en-US" smtClean="0"/>
-              <a:t>2022/11/7</a:t>
+              <a:t>2022/11/14</a:t>
             </a:fld>
             <a:endParaRPr lang="zh-CN" altLang="en-US" dirty="0"/>
           </a:p>
@@ -1419,7 +1419,7 @@
           <a:p>
             <a:fld id="{760FBDFE-C587-4B4C-A407-44438C67B59E}" type="datetimeFigureOut">
               <a:rPr lang="zh-CN" altLang="en-US" smtClean="0"/>
-              <a:t>2022/11/7</a:t>
+              <a:t>2022/11/14</a:t>
             </a:fld>
             <a:endParaRPr lang="zh-CN" altLang="en-US"/>
           </a:p>
@@ -1592,7 +1592,7 @@
           <a:p>
             <a:fld id="{9EFD9D74-47D9-4702-A33C-335B63B48DBF}" type="datetimeFigureOut">
               <a:rPr lang="zh-CN" altLang="en-US" smtClean="0"/>
-              <a:t>2022/11/7</a:t>
+              <a:t>2022/11/14</a:t>
             </a:fld>
             <a:endParaRPr lang="zh-CN" altLang="en-US" dirty="0"/>
           </a:p>
@@ -2117,7 +2117,7 @@
           <a:p>
             <a:fld id="{760FBDFE-C587-4B4C-A407-44438C67B59E}" type="datetimeFigureOut">
               <a:rPr lang="zh-CN" altLang="en-US" smtClean="0"/>
-              <a:t>2022/11/7</a:t>
+              <a:t>2022/11/14</a:t>
             </a:fld>
             <a:endParaRPr lang="zh-CN" altLang="en-US"/>
           </a:p>
@@ -2865,7 +2865,7 @@
           <a:p>
             <a:fld id="{760FBDFE-C587-4B4C-A407-44438C67B59E}" type="datetimeFigureOut">
               <a:rPr lang="zh-CN" altLang="en-US" smtClean="0"/>
-              <a:t>2022/11/7</a:t>
+              <a:t>2022/11/14</a:t>
             </a:fld>
             <a:endParaRPr lang="zh-CN" altLang="en-US"/>
           </a:p>
@@ -3031,7 +3031,7 @@
           <a:p>
             <a:fld id="{760FBDFE-C587-4B4C-A407-44438C67B59E}" type="datetimeFigureOut">
               <a:rPr lang="zh-CN" altLang="en-US" smtClean="0"/>
-              <a:t>2022/11/7</a:t>
+              <a:t>2022/11/14</a:t>
             </a:fld>
             <a:endParaRPr lang="zh-CN" altLang="en-US"/>
           </a:p>
@@ -3145,7 +3145,7 @@
           <a:p>
             <a:fld id="{760FBDFE-C587-4B4C-A407-44438C67B59E}" type="datetimeFigureOut">
               <a:rPr lang="zh-CN" altLang="en-US" smtClean="0"/>
-              <a:t>2022/11/7</a:t>
+              <a:t>2022/11/14</a:t>
             </a:fld>
             <a:endParaRPr lang="zh-CN" altLang="en-US"/>
           </a:p>
@@ -3475,7 +3475,7 @@
           <a:p>
             <a:fld id="{9EFD9D74-47D9-4702-A33C-335B63B48DBF}" type="datetimeFigureOut">
               <a:rPr lang="zh-CN" altLang="en-US" smtClean="0"/>
-              <a:t>2022/11/7</a:t>
+              <a:t>2022/11/14</a:t>
             </a:fld>
             <a:endParaRPr lang="zh-CN" altLang="en-US" dirty="0"/>
           </a:p>
@@ -3988,7 +3988,7 @@
           <a:p>
             <a:fld id="{760FBDFE-C587-4B4C-A407-44438C67B59E}" type="datetimeFigureOut">
               <a:rPr lang="zh-CN" altLang="en-US" smtClean="0"/>
-              <a:t>2022/11/7</a:t>
+              <a:t>2022/11/14</a:t>
             </a:fld>
             <a:endParaRPr lang="zh-CN" altLang="en-US"/>
           </a:p>
@@ -4102,7 +4102,7 @@
           <a:p>
             <a:fld id="{760FBDFE-C587-4B4C-A407-44438C67B59E}" type="datetimeFigureOut">
               <a:rPr lang="zh-CN" altLang="en-US" smtClean="0"/>
-              <a:t>2022/11/7</a:t>
+              <a:t>2022/11/14</a:t>
             </a:fld>
             <a:endParaRPr lang="zh-CN" altLang="en-US"/>
           </a:p>
@@ -4390,7 +4390,7 @@
           <a:p>
             <a:fld id="{82F288E0-7875-42C4-84C8-98DBBD3BF4D2}" type="datetimeFigureOut">
               <a:rPr lang="zh-CN" altLang="en-US" smtClean="0"/>
-              <a:t>2022/11/7</a:t>
+              <a:t>2022/11/14</a:t>
             </a:fld>
             <a:endParaRPr lang="zh-CN" altLang="en-US"/>
           </a:p>
@@ -4849,7 +4849,7 @@
           <a:p>
             <a:fld id="{760FBDFE-C587-4B4C-A407-44438C67B59E}" type="datetimeFigureOut">
               <a:rPr lang="zh-CN" altLang="en-US" smtClean="0"/>
-              <a:t>2022/11/7</a:t>
+              <a:t>2022/11/14</a:t>
             </a:fld>
             <a:endParaRPr lang="zh-CN" altLang="en-US"/>
           </a:p>
@@ -5518,7 +5518,7 @@
           <a:p>
             <a:fld id="{9EFD9D74-47D9-4702-A33C-335B63B48DBF}" type="datetimeFigureOut">
               <a:rPr lang="zh-CN" altLang="en-US" smtClean="0"/>
-              <a:t>2022/11/7</a:t>
+              <a:t>2022/11/14</a:t>
             </a:fld>
             <a:endParaRPr lang="zh-CN" altLang="en-US" dirty="0"/>
           </a:p>
@@ -5666,7 +5666,7 @@
           <a:p>
             <a:fld id="{9EFD9D74-47D9-4702-A33C-335B63B48DBF}" type="datetimeFigureOut">
               <a:rPr lang="zh-CN" altLang="en-US" smtClean="0"/>
-              <a:t>2022/11/7</a:t>
+              <a:t>2022/11/14</a:t>
             </a:fld>
             <a:endParaRPr lang="zh-CN" altLang="en-US" dirty="0"/>
           </a:p>
@@ -6514,21 +6514,10 @@
               <a:t>主问题：</a:t>
             </a:r>
             <a:r>
-              <a:rPr lang="en-US" dirty="0">
-                <a:sym typeface="+mn-ea"/>
-              </a:rPr>
-              <a:t>	</a:t>
-            </a:r>
-            <a:br>
-              <a:rPr lang="en-US" dirty="0">
-                <a:sym typeface="+mn-ea"/>
-              </a:rPr>
-            </a:br>
-            <a:r>
               <a:rPr lang="en-US" dirty="0" err="1">
                 <a:sym typeface="+mn-ea"/>
               </a:rPr>
-              <a:t>神经网络的结构是什么</a:t>
+              <a:t>网络结构是什么</a:t>
             </a:r>
             <a:r>
               <a:rPr lang="zh-CN" altLang="en-US" dirty="0"/>
@@ -6589,7 +6578,7 @@
               <a:rPr lang="zh-CN" altLang="en-US" dirty="0">
                 <a:sym typeface="+mn-ea"/>
               </a:rPr>
-              <a:t>主问题：	神经网络的结构是什么</a:t>
+              <a:t>主问题：	网络结构是什么</a:t>
             </a:r>
             <a:r>
               <a:rPr lang="zh-CN" altLang="en-US" dirty="0"/>
@@ -7041,7 +7030,7 @@
                             </p:stCondLst>
                             <p:childTnLst>
                               <p:par>
-                                <p:cTn id="5" presetID="1" presetClass="entr" presetSubtype="0" fill="hold" grpId="0" nodeType="clickEffect">
+                                <p:cTn id="5" presetID="1" presetClass="entr" presetSubtype="0" fill="hold" nodeType="clickEffect">
                                   <p:stCondLst>
                                     <p:cond delay="0"/>
                                   </p:stCondLst>
@@ -7054,7 +7043,203 @@
                                           </p:stCondLst>
                                         </p:cTn>
                                         <p:tgtEl>
-                                          <p:spTgt spid="6"/>
+                                          <p:spTgt spid="6">
+                                            <p:txEl>
+                                              <p:pRg st="0" end="0"/>
+                                            </p:txEl>
+                                          </p:spTgt>
+                                        </p:tgtEl>
+                                        <p:attrNameLst>
+                                          <p:attrName>style.visibility</p:attrName>
+                                        </p:attrNameLst>
+                                      </p:cBhvr>
+                                      <p:to>
+                                        <p:strVal val="visible"/>
+                                      </p:to>
+                                    </p:set>
+                                  </p:childTnLst>
+                                </p:cTn>
+                              </p:par>
+                            </p:childTnLst>
+                          </p:cTn>
+                        </p:par>
+                      </p:childTnLst>
+                    </p:cTn>
+                  </p:par>
+                  <p:par>
+                    <p:cTn id="7" fill="hold">
+                      <p:stCondLst>
+                        <p:cond delay="indefinite"/>
+                      </p:stCondLst>
+                      <p:childTnLst>
+                        <p:par>
+                          <p:cTn id="8" fill="hold">
+                            <p:stCondLst>
+                              <p:cond delay="0"/>
+                            </p:stCondLst>
+                            <p:childTnLst>
+                              <p:par>
+                                <p:cTn id="9" presetID="1" presetClass="entr" presetSubtype="0" fill="hold" nodeType="clickEffect">
+                                  <p:stCondLst>
+                                    <p:cond delay="0"/>
+                                  </p:stCondLst>
+                                  <p:childTnLst>
+                                    <p:set>
+                                      <p:cBhvr>
+                                        <p:cTn id="10" dur="1" fill="hold">
+                                          <p:stCondLst>
+                                            <p:cond delay="0"/>
+                                          </p:stCondLst>
+                                        </p:cTn>
+                                        <p:tgtEl>
+                                          <p:spTgt spid="6">
+                                            <p:txEl>
+                                              <p:pRg st="1" end="1"/>
+                                            </p:txEl>
+                                          </p:spTgt>
+                                        </p:tgtEl>
+                                        <p:attrNameLst>
+                                          <p:attrName>style.visibility</p:attrName>
+                                        </p:attrNameLst>
+                                      </p:cBhvr>
+                                      <p:to>
+                                        <p:strVal val="visible"/>
+                                      </p:to>
+                                    </p:set>
+                                  </p:childTnLst>
+                                </p:cTn>
+                              </p:par>
+                            </p:childTnLst>
+                          </p:cTn>
+                        </p:par>
+                      </p:childTnLst>
+                    </p:cTn>
+                  </p:par>
+                  <p:par>
+                    <p:cTn id="11" fill="hold">
+                      <p:stCondLst>
+                        <p:cond delay="indefinite"/>
+                      </p:stCondLst>
+                      <p:childTnLst>
+                        <p:par>
+                          <p:cTn id="12" fill="hold">
+                            <p:stCondLst>
+                              <p:cond delay="0"/>
+                            </p:stCondLst>
+                            <p:childTnLst>
+                              <p:par>
+                                <p:cTn id="13" presetID="1" presetClass="entr" presetSubtype="0" fill="hold" nodeType="clickEffect">
+                                  <p:stCondLst>
+                                    <p:cond delay="0"/>
+                                  </p:stCondLst>
+                                  <p:childTnLst>
+                                    <p:set>
+                                      <p:cBhvr>
+                                        <p:cTn id="14" dur="1" fill="hold">
+                                          <p:stCondLst>
+                                            <p:cond delay="0"/>
+                                          </p:stCondLst>
+                                        </p:cTn>
+                                        <p:tgtEl>
+                                          <p:spTgt spid="6">
+                                            <p:txEl>
+                                              <p:pRg st="2" end="2"/>
+                                            </p:txEl>
+                                          </p:spTgt>
+                                        </p:tgtEl>
+                                        <p:attrNameLst>
+                                          <p:attrName>style.visibility</p:attrName>
+                                        </p:attrNameLst>
+                                      </p:cBhvr>
+                                      <p:to>
+                                        <p:strVal val="visible"/>
+                                      </p:to>
+                                    </p:set>
+                                  </p:childTnLst>
+                                </p:cTn>
+                              </p:par>
+                            </p:childTnLst>
+                          </p:cTn>
+                        </p:par>
+                      </p:childTnLst>
+                    </p:cTn>
+                  </p:par>
+                  <p:par>
+                    <p:cTn id="15" fill="hold">
+                      <p:stCondLst>
+                        <p:cond delay="indefinite"/>
+                      </p:stCondLst>
+                      <p:childTnLst>
+                        <p:par>
+                          <p:cTn id="16" fill="hold">
+                            <p:stCondLst>
+                              <p:cond delay="0"/>
+                            </p:stCondLst>
+                            <p:childTnLst>
+                              <p:par>
+                                <p:cTn id="17" presetID="1" presetClass="entr" presetSubtype="0" fill="hold" nodeType="clickEffect">
+                                  <p:stCondLst>
+                                    <p:cond delay="0"/>
+                                  </p:stCondLst>
+                                  <p:childTnLst>
+                                    <p:set>
+                                      <p:cBhvr>
+                                        <p:cTn id="18" dur="1" fill="hold">
+                                          <p:stCondLst>
+                                            <p:cond delay="0"/>
+                                          </p:stCondLst>
+                                        </p:cTn>
+                                        <p:tgtEl>
+                                          <p:spTgt spid="6">
+                                            <p:txEl>
+                                              <p:pRg st="3" end="3"/>
+                                            </p:txEl>
+                                          </p:spTgt>
+                                        </p:tgtEl>
+                                        <p:attrNameLst>
+                                          <p:attrName>style.visibility</p:attrName>
+                                        </p:attrNameLst>
+                                      </p:cBhvr>
+                                      <p:to>
+                                        <p:strVal val="visible"/>
+                                      </p:to>
+                                    </p:set>
+                                  </p:childTnLst>
+                                </p:cTn>
+                              </p:par>
+                            </p:childTnLst>
+                          </p:cTn>
+                        </p:par>
+                      </p:childTnLst>
+                    </p:cTn>
+                  </p:par>
+                  <p:par>
+                    <p:cTn id="19" fill="hold">
+                      <p:stCondLst>
+                        <p:cond delay="indefinite"/>
+                      </p:stCondLst>
+                      <p:childTnLst>
+                        <p:par>
+                          <p:cTn id="20" fill="hold">
+                            <p:stCondLst>
+                              <p:cond delay="0"/>
+                            </p:stCondLst>
+                            <p:childTnLst>
+                              <p:par>
+                                <p:cTn id="21" presetID="1" presetClass="entr" presetSubtype="0" fill="hold" nodeType="clickEffect">
+                                  <p:stCondLst>
+                                    <p:cond delay="0"/>
+                                  </p:stCondLst>
+                                  <p:childTnLst>
+                                    <p:set>
+                                      <p:cBhvr>
+                                        <p:cTn id="22" dur="1" fill="hold">
+                                          <p:stCondLst>
+                                            <p:cond delay="0"/>
+                                          </p:stCondLst>
+                                        </p:cTn>
+                                        <p:tgtEl>
+                                          <p:spTgt spid="4"/>
                                         </p:tgtEl>
                                         <p:attrNameLst>
                                           <p:attrName>style.visibility</p:attrName>
@@ -7094,9 +7279,6 @@
         </p:cTn>
       </p:par>
     </p:tnLst>
-    <p:bldLst>
-      <p:bldP spid="6" grpId="0"/>
-    </p:bldLst>
   </p:timing>
 </p:sld>
 </file>
@@ -7145,6 +7327,11 @@
               </a:rPr>
               <a:t>	</a:t>
             </a:r>
+            <a:br>
+              <a:rPr lang="en-US" dirty="0">
+                <a:sym typeface="+mn-ea"/>
+              </a:rPr>
+            </a:br>
             <a:r>
               <a:rPr lang="en-US" dirty="0" err="1">
                 <a:sym typeface="+mn-ea"/>
@@ -7501,7 +7688,7 @@
             </a:pPr>
             <a:r>
               <a:rPr lang="zh-CN" altLang="en-US" dirty="0"/>
-              <a:t>除了判断误差的方法，还有其它的方法吗？</a:t>
+              <a:t>除了判断误差的方法，还有其它的方法来判断是否收敛吗？</a:t>
             </a:r>
             <a:endParaRPr lang="en-US" altLang="zh-CN" dirty="0"/>
           </a:p>
@@ -7615,8 +7802,44 @@
         </p:blipFill>
         <p:spPr>
           <a:xfrm>
-            <a:off x="6914818" y="2187018"/>
-            <a:ext cx="4454857" cy="1539420"/>
+            <a:off x="7455877" y="1778635"/>
+            <a:ext cx="3913798" cy="1352452"/>
+          </a:xfrm>
+          <a:prstGeom prst="rect">
+            <a:avLst/>
+          </a:prstGeom>
+        </p:spPr>
+      </p:pic>
+      <p:pic>
+        <p:nvPicPr>
+          <p:cNvPr id="5" name="图片 4">
+            <a:extLst>
+              <a:ext uri="{FF2B5EF4-FFF2-40B4-BE49-F238E27FC236}">
+                <a16:creationId xmlns:a16="http://schemas.microsoft.com/office/drawing/2014/main" id="{86AF3EE2-79CF-DE06-7943-1C3B0E575762}"/>
+              </a:ext>
+            </a:extLst>
+          </p:cNvPr>
+          <p:cNvPicPr>
+            <a:picLocks noChangeAspect="1"/>
+          </p:cNvPicPr>
+          <p:nvPr/>
+        </p:nvPicPr>
+        <p:blipFill>
+          <a:blip r:embed="rId4">
+            <a:extLst>
+              <a:ext uri="{28A0092B-C50C-407E-A947-70E740481C1C}">
+                <a14:useLocalDpi xmlns:a14="http://schemas.microsoft.com/office/drawing/2010/main" val="0"/>
+              </a:ext>
+            </a:extLst>
+          </a:blip>
+          <a:stretch>
+            <a:fillRect/>
+          </a:stretch>
+        </p:blipFill>
+        <p:spPr>
+          <a:xfrm>
+            <a:off x="7455877" y="3726914"/>
+            <a:ext cx="4057353" cy="1352451"/>
           </a:xfrm>
           <a:prstGeom prst="rect">
             <a:avLst/>
@@ -7657,7 +7880,7 @@
                             </p:stCondLst>
                             <p:childTnLst>
                               <p:par>
-                                <p:cTn id="5" presetID="1" presetClass="entr" presetSubtype="0" fill="hold" grpId="0" nodeType="clickEffect">
+                                <p:cTn id="5" presetID="1" presetClass="entr" presetSubtype="0" fill="hold" nodeType="clickEffect">
                                   <p:stCondLst>
                                     <p:cond delay="0"/>
                                   </p:stCondLst>
@@ -7670,7 +7893,11 @@
                                           </p:stCondLst>
                                         </p:cTn>
                                         <p:tgtEl>
-                                          <p:spTgt spid="6"/>
+                                          <p:spTgt spid="6">
+                                            <p:txEl>
+                                              <p:pRg st="0" end="0"/>
+                                            </p:txEl>
+                                          </p:spTgt>
                                         </p:tgtEl>
                                         <p:attrNameLst>
                                           <p:attrName>style.visibility</p:attrName>
@@ -7715,7 +7942,248 @@
                                           </p:stCondLst>
                                         </p:cTn>
                                         <p:tgtEl>
+                                          <p:spTgt spid="6">
+                                            <p:txEl>
+                                              <p:pRg st="1" end="1"/>
+                                            </p:txEl>
+                                          </p:spTgt>
+                                        </p:tgtEl>
+                                        <p:attrNameLst>
+                                          <p:attrName>style.visibility</p:attrName>
+                                        </p:attrNameLst>
+                                      </p:cBhvr>
+                                      <p:to>
+                                        <p:strVal val="visible"/>
+                                      </p:to>
+                                    </p:set>
+                                  </p:childTnLst>
+                                </p:cTn>
+                              </p:par>
+                            </p:childTnLst>
+                          </p:cTn>
+                        </p:par>
+                      </p:childTnLst>
+                    </p:cTn>
+                  </p:par>
+                  <p:par>
+                    <p:cTn id="11" fill="hold">
+                      <p:stCondLst>
+                        <p:cond delay="indefinite"/>
+                      </p:stCondLst>
+                      <p:childTnLst>
+                        <p:par>
+                          <p:cTn id="12" fill="hold">
+                            <p:stCondLst>
+                              <p:cond delay="0"/>
+                            </p:stCondLst>
+                            <p:childTnLst>
+                              <p:par>
+                                <p:cTn id="13" presetID="1" presetClass="entr" presetSubtype="0" fill="hold" nodeType="clickEffect">
+                                  <p:stCondLst>
+                                    <p:cond delay="0"/>
+                                  </p:stCondLst>
+                                  <p:childTnLst>
+                                    <p:set>
+                                      <p:cBhvr>
+                                        <p:cTn id="14" dur="1" fill="hold">
+                                          <p:stCondLst>
+                                            <p:cond delay="0"/>
+                                          </p:stCondLst>
+                                        </p:cTn>
+                                        <p:tgtEl>
+                                          <p:spTgt spid="6">
+                                            <p:txEl>
+                                              <p:pRg st="2" end="2"/>
+                                            </p:txEl>
+                                          </p:spTgt>
+                                        </p:tgtEl>
+                                        <p:attrNameLst>
+                                          <p:attrName>style.visibility</p:attrName>
+                                        </p:attrNameLst>
+                                      </p:cBhvr>
+                                      <p:to>
+                                        <p:strVal val="visible"/>
+                                      </p:to>
+                                    </p:set>
+                                  </p:childTnLst>
+                                </p:cTn>
+                              </p:par>
+                            </p:childTnLst>
+                          </p:cTn>
+                        </p:par>
+                      </p:childTnLst>
+                    </p:cTn>
+                  </p:par>
+                  <p:par>
+                    <p:cTn id="15" fill="hold">
+                      <p:stCondLst>
+                        <p:cond delay="indefinite"/>
+                      </p:stCondLst>
+                      <p:childTnLst>
+                        <p:par>
+                          <p:cTn id="16" fill="hold">
+                            <p:stCondLst>
+                              <p:cond delay="0"/>
+                            </p:stCondLst>
+                            <p:childTnLst>
+                              <p:par>
+                                <p:cTn id="17" presetID="1" presetClass="entr" presetSubtype="0" fill="hold" nodeType="clickEffect">
+                                  <p:stCondLst>
+                                    <p:cond delay="0"/>
+                                  </p:stCondLst>
+                                  <p:childTnLst>
+                                    <p:set>
+                                      <p:cBhvr>
+                                        <p:cTn id="18" dur="1" fill="hold">
+                                          <p:stCondLst>
+                                            <p:cond delay="0"/>
+                                          </p:stCondLst>
+                                        </p:cTn>
+                                        <p:tgtEl>
                                           <p:spTgt spid="2"/>
+                                        </p:tgtEl>
+                                        <p:attrNameLst>
+                                          <p:attrName>style.visibility</p:attrName>
+                                        </p:attrNameLst>
+                                      </p:cBhvr>
+                                      <p:to>
+                                        <p:strVal val="visible"/>
+                                      </p:to>
+                                    </p:set>
+                                  </p:childTnLst>
+                                </p:cTn>
+                              </p:par>
+                            </p:childTnLst>
+                          </p:cTn>
+                        </p:par>
+                      </p:childTnLst>
+                    </p:cTn>
+                  </p:par>
+                  <p:par>
+                    <p:cTn id="19" fill="hold">
+                      <p:stCondLst>
+                        <p:cond delay="indefinite"/>
+                      </p:stCondLst>
+                      <p:childTnLst>
+                        <p:par>
+                          <p:cTn id="20" fill="hold">
+                            <p:stCondLst>
+                              <p:cond delay="0"/>
+                            </p:stCondLst>
+                            <p:childTnLst>
+                              <p:par>
+                                <p:cTn id="21" presetID="1" presetClass="entr" presetSubtype="0" fill="hold" nodeType="clickEffect">
+                                  <p:stCondLst>
+                                    <p:cond delay="0"/>
+                                  </p:stCondLst>
+                                  <p:childTnLst>
+                                    <p:set>
+                                      <p:cBhvr>
+                                        <p:cTn id="22" dur="1" fill="hold">
+                                          <p:stCondLst>
+                                            <p:cond delay="0"/>
+                                          </p:stCondLst>
+                                        </p:cTn>
+                                        <p:tgtEl>
+                                          <p:spTgt spid="6">
+                                            <p:txEl>
+                                              <p:pRg st="3" end="3"/>
+                                            </p:txEl>
+                                          </p:spTgt>
+                                        </p:tgtEl>
+                                        <p:attrNameLst>
+                                          <p:attrName>style.visibility</p:attrName>
+                                        </p:attrNameLst>
+                                      </p:cBhvr>
+                                      <p:to>
+                                        <p:strVal val="visible"/>
+                                      </p:to>
+                                    </p:set>
+                                  </p:childTnLst>
+                                </p:cTn>
+                              </p:par>
+                            </p:childTnLst>
+                          </p:cTn>
+                        </p:par>
+                      </p:childTnLst>
+                    </p:cTn>
+                  </p:par>
+                  <p:par>
+                    <p:cTn id="23" fill="hold">
+                      <p:stCondLst>
+                        <p:cond delay="indefinite"/>
+                      </p:stCondLst>
+                      <p:childTnLst>
+                        <p:par>
+                          <p:cTn id="24" fill="hold">
+                            <p:stCondLst>
+                              <p:cond delay="0"/>
+                            </p:stCondLst>
+                            <p:childTnLst>
+                              <p:par>
+                                <p:cTn id="25" presetID="1" presetClass="entr" presetSubtype="0" fill="hold" nodeType="clickEffect">
+                                  <p:stCondLst>
+                                    <p:cond delay="0"/>
+                                  </p:stCondLst>
+                                  <p:childTnLst>
+                                    <p:set>
+                                      <p:cBhvr>
+                                        <p:cTn id="26" dur="1" fill="hold">
+                                          <p:stCondLst>
+                                            <p:cond delay="0"/>
+                                          </p:stCondLst>
+                                        </p:cTn>
+                                        <p:tgtEl>
+                                          <p:spTgt spid="5"/>
+                                        </p:tgtEl>
+                                        <p:attrNameLst>
+                                          <p:attrName>style.visibility</p:attrName>
+                                        </p:attrNameLst>
+                                      </p:cBhvr>
+                                      <p:to>
+                                        <p:strVal val="visible"/>
+                                      </p:to>
+                                    </p:set>
+                                  </p:childTnLst>
+                                </p:cTn>
+                              </p:par>
+                            </p:childTnLst>
+                          </p:cTn>
+                        </p:par>
+                      </p:childTnLst>
+                    </p:cTn>
+                  </p:par>
+                  <p:par>
+                    <p:cTn id="27" fill="hold">
+                      <p:stCondLst>
+                        <p:cond delay="indefinite"/>
+                      </p:stCondLst>
+                      <p:childTnLst>
+                        <p:par>
+                          <p:cTn id="28" fill="hold">
+                            <p:stCondLst>
+                              <p:cond delay="0"/>
+                            </p:stCondLst>
+                            <p:childTnLst>
+                              <p:par>
+                                <p:cTn id="29" presetID="1" presetClass="entr" presetSubtype="0" fill="hold" nodeType="clickEffect">
+                                  <p:stCondLst>
+                                    <p:cond delay="0"/>
+                                  </p:stCondLst>
+                                  <p:childTnLst>
+                                    <p:set>
+                                      <p:cBhvr>
+                                        <p:cTn id="30" dur="1" fill="hold">
+                                          <p:stCondLst>
+                                            <p:cond delay="0"/>
+                                          </p:stCondLst>
+                                        </p:cTn>
+                                        <p:tgtEl>
+                                          <p:spTgt spid="6">
+                                            <p:txEl>
+                                              <p:pRg st="4" end="4"/>
+                                            </p:txEl>
+                                          </p:spTgt>
                                         </p:tgtEl>
                                         <p:attrNameLst>
                                           <p:attrName>style.visibility</p:attrName>
@@ -7755,9 +8223,6 @@
         </p:cTn>
       </p:par>
     </p:tnLst>
-    <p:bldLst>
-      <p:bldP spid="6" grpId="0"/>
-    </p:bldLst>
   </p:timing>
 </p:sld>
 </file>
@@ -8131,7 +8596,7 @@
               <a:t>介绍</a:t>
             </a:r>
             <a:r>
-              <a:rPr lang="en-US" altLang="zh-CN" dirty="0" err="1">
+              <a:rPr lang="en-US" altLang="zh-CN" dirty="0">
                 <a:hlinkClick r:id="rId3"/>
               </a:rPr>
               <a:t>mnist</a:t>
@@ -8151,7 +8616,15 @@
             </a:pPr>
             <a:r>
               <a:rPr lang="zh-CN" altLang="en-US" dirty="0"/>
-              <a:t>请实现训练的代码</a:t>
+              <a:t>请参考</a:t>
+            </a:r>
+            <a:r>
+              <a:rPr lang="en" altLang="zh-CN" dirty="0" err="1"/>
+              <a:t>LinearLayerGradientCheck_answer</a:t>
+            </a:r>
+            <a:r>
+              <a:rPr lang="zh-CN" altLang="en-US" dirty="0"/>
+              <a:t>，实现训练的代码</a:t>
             </a:r>
             <a:endParaRPr lang="en-US" altLang="zh-CN" dirty="0"/>
           </a:p>
@@ -8162,18 +8635,7 @@
             </a:pPr>
             <a:r>
               <a:rPr lang="zh-CN" altLang="en-US" dirty="0"/>
-              <a:t>使用训练集训练，检查是否收敛？</a:t>
-            </a:r>
-            <a:endParaRPr lang="en-US" altLang="zh-CN" dirty="0"/>
-          </a:p>
-          <a:p>
-            <a:pPr marL="285750" indent="-285750">
-              <a:buFont typeface="Arial" panose="020B0604020202020204" pitchFamily="34" charset="0"/>
-              <a:buChar char="•"/>
-            </a:pPr>
-            <a:r>
-              <a:rPr lang="zh-CN" altLang="en-US" dirty="0"/>
-              <a:t>请每个同学都运行“训练数据集”的代码</a:t>
+              <a:t>请每个同学都运行“训练数据集”的代码，检查训练是否收敛？</a:t>
             </a:r>
             <a:endParaRPr lang="en-US" altLang="zh-CN" dirty="0"/>
           </a:p>
@@ -8269,7 +8731,7 @@
         </p:nvSpPr>
         <p:spPr>
           <a:xfrm>
-            <a:off x="5446206" y="2692958"/>
+            <a:off x="5833019" y="3870761"/>
             <a:ext cx="4108817" cy="369332"/>
           </a:xfrm>
           <a:prstGeom prst="rect">
@@ -8332,7 +8794,7 @@
                             </p:stCondLst>
                             <p:childTnLst>
                               <p:par>
-                                <p:cTn id="5" presetID="1" presetClass="entr" presetSubtype="0" fill="hold" grpId="0" nodeType="clickEffect">
+                                <p:cTn id="5" presetID="1" presetClass="entr" presetSubtype="0" fill="hold" nodeType="clickEffect">
                                   <p:stCondLst>
                                     <p:cond delay="0"/>
                                   </p:stCondLst>
@@ -8345,7 +8807,203 @@
                                           </p:stCondLst>
                                         </p:cTn>
                                         <p:tgtEl>
-                                          <p:spTgt spid="6"/>
+                                          <p:spTgt spid="6">
+                                            <p:txEl>
+                                              <p:pRg st="0" end="0"/>
+                                            </p:txEl>
+                                          </p:spTgt>
+                                        </p:tgtEl>
+                                        <p:attrNameLst>
+                                          <p:attrName>style.visibility</p:attrName>
+                                        </p:attrNameLst>
+                                      </p:cBhvr>
+                                      <p:to>
+                                        <p:strVal val="visible"/>
+                                      </p:to>
+                                    </p:set>
+                                  </p:childTnLst>
+                                </p:cTn>
+                              </p:par>
+                            </p:childTnLst>
+                          </p:cTn>
+                        </p:par>
+                      </p:childTnLst>
+                    </p:cTn>
+                  </p:par>
+                  <p:par>
+                    <p:cTn id="7" fill="hold">
+                      <p:stCondLst>
+                        <p:cond delay="indefinite"/>
+                      </p:stCondLst>
+                      <p:childTnLst>
+                        <p:par>
+                          <p:cTn id="8" fill="hold">
+                            <p:stCondLst>
+                              <p:cond delay="0"/>
+                            </p:stCondLst>
+                            <p:childTnLst>
+                              <p:par>
+                                <p:cTn id="9" presetID="1" presetClass="entr" presetSubtype="0" fill="hold" nodeType="clickEffect">
+                                  <p:stCondLst>
+                                    <p:cond delay="0"/>
+                                  </p:stCondLst>
+                                  <p:childTnLst>
+                                    <p:set>
+                                      <p:cBhvr>
+                                        <p:cTn id="10" dur="1" fill="hold">
+                                          <p:stCondLst>
+                                            <p:cond delay="0"/>
+                                          </p:stCondLst>
+                                        </p:cTn>
+                                        <p:tgtEl>
+                                          <p:spTgt spid="6">
+                                            <p:txEl>
+                                              <p:pRg st="1" end="1"/>
+                                            </p:txEl>
+                                          </p:spTgt>
+                                        </p:tgtEl>
+                                        <p:attrNameLst>
+                                          <p:attrName>style.visibility</p:attrName>
+                                        </p:attrNameLst>
+                                      </p:cBhvr>
+                                      <p:to>
+                                        <p:strVal val="visible"/>
+                                      </p:to>
+                                    </p:set>
+                                  </p:childTnLst>
+                                </p:cTn>
+                              </p:par>
+                            </p:childTnLst>
+                          </p:cTn>
+                        </p:par>
+                      </p:childTnLst>
+                    </p:cTn>
+                  </p:par>
+                  <p:par>
+                    <p:cTn id="11" fill="hold">
+                      <p:stCondLst>
+                        <p:cond delay="indefinite"/>
+                      </p:stCondLst>
+                      <p:childTnLst>
+                        <p:par>
+                          <p:cTn id="12" fill="hold">
+                            <p:stCondLst>
+                              <p:cond delay="0"/>
+                            </p:stCondLst>
+                            <p:childTnLst>
+                              <p:par>
+                                <p:cTn id="13" presetID="1" presetClass="entr" presetSubtype="0" fill="hold" nodeType="clickEffect">
+                                  <p:stCondLst>
+                                    <p:cond delay="0"/>
+                                  </p:stCondLst>
+                                  <p:childTnLst>
+                                    <p:set>
+                                      <p:cBhvr>
+                                        <p:cTn id="14" dur="1" fill="hold">
+                                          <p:stCondLst>
+                                            <p:cond delay="0"/>
+                                          </p:stCondLst>
+                                        </p:cTn>
+                                        <p:tgtEl>
+                                          <p:spTgt spid="6">
+                                            <p:txEl>
+                                              <p:pRg st="2" end="2"/>
+                                            </p:txEl>
+                                          </p:spTgt>
+                                        </p:tgtEl>
+                                        <p:attrNameLst>
+                                          <p:attrName>style.visibility</p:attrName>
+                                        </p:attrNameLst>
+                                      </p:cBhvr>
+                                      <p:to>
+                                        <p:strVal val="visible"/>
+                                      </p:to>
+                                    </p:set>
+                                  </p:childTnLst>
+                                </p:cTn>
+                              </p:par>
+                            </p:childTnLst>
+                          </p:cTn>
+                        </p:par>
+                      </p:childTnLst>
+                    </p:cTn>
+                  </p:par>
+                  <p:par>
+                    <p:cTn id="15" fill="hold">
+                      <p:stCondLst>
+                        <p:cond delay="indefinite"/>
+                      </p:stCondLst>
+                      <p:childTnLst>
+                        <p:par>
+                          <p:cTn id="16" fill="hold">
+                            <p:stCondLst>
+                              <p:cond delay="0"/>
+                            </p:stCondLst>
+                            <p:childTnLst>
+                              <p:par>
+                                <p:cTn id="17" presetID="1" presetClass="entr" presetSubtype="0" fill="hold" nodeType="clickEffect">
+                                  <p:stCondLst>
+                                    <p:cond delay="0"/>
+                                  </p:stCondLst>
+                                  <p:childTnLst>
+                                    <p:set>
+                                      <p:cBhvr>
+                                        <p:cTn id="18" dur="1" fill="hold">
+                                          <p:stCondLst>
+                                            <p:cond delay="0"/>
+                                          </p:stCondLst>
+                                        </p:cTn>
+                                        <p:tgtEl>
+                                          <p:spTgt spid="6">
+                                            <p:txEl>
+                                              <p:pRg st="3" end="3"/>
+                                            </p:txEl>
+                                          </p:spTgt>
+                                        </p:tgtEl>
+                                        <p:attrNameLst>
+                                          <p:attrName>style.visibility</p:attrName>
+                                        </p:attrNameLst>
+                                      </p:cBhvr>
+                                      <p:to>
+                                        <p:strVal val="visible"/>
+                                      </p:to>
+                                    </p:set>
+                                  </p:childTnLst>
+                                </p:cTn>
+                              </p:par>
+                            </p:childTnLst>
+                          </p:cTn>
+                        </p:par>
+                      </p:childTnLst>
+                    </p:cTn>
+                  </p:par>
+                  <p:par>
+                    <p:cTn id="19" fill="hold">
+                      <p:stCondLst>
+                        <p:cond delay="indefinite"/>
+                      </p:stCondLst>
+                      <p:childTnLst>
+                        <p:par>
+                          <p:cTn id="20" fill="hold">
+                            <p:stCondLst>
+                              <p:cond delay="0"/>
+                            </p:stCondLst>
+                            <p:childTnLst>
+                              <p:par>
+                                <p:cTn id="21" presetID="1" presetClass="entr" presetSubtype="0" fill="hold" grpId="0" nodeType="clickEffect">
+                                  <p:stCondLst>
+                                    <p:cond delay="0"/>
+                                  </p:stCondLst>
+                                  <p:childTnLst>
+                                    <p:set>
+                                      <p:cBhvr>
+                                        <p:cTn id="22" dur="1" fill="hold">
+                                          <p:stCondLst>
+                                            <p:cond delay="0"/>
+                                          </p:stCondLst>
+                                        </p:cTn>
+                                        <p:tgtEl>
+                                          <p:spTgt spid="2"/>
                                         </p:tgtEl>
                                         <p:attrNameLst>
                                           <p:attrName>style.visibility</p:attrName>
@@ -8386,7 +9044,7 @@
       </p:par>
     </p:tnLst>
     <p:bldLst>
-      <p:bldP spid="6" grpId="0"/>
+      <p:bldP spid="2" grpId="0"/>
     </p:bldLst>
   </p:timing>
 </p:sld>
@@ -8433,12 +9091,6 @@
                 <a:sym typeface="+mn-ea"/>
               </a:rPr>
               <a:t>：</a:t>
-            </a:r>
-            <a:r>
-              <a:rPr lang="en-US" dirty="0">
-                <a:sym typeface="+mn-ea"/>
-              </a:rPr>
-              <a:t>	</a:t>
             </a:r>
             <a:r>
               <a:rPr lang="en-US" dirty="0" err="1">
@@ -10036,15 +10688,11 @@
               <a:t>第五节课：</a:t>
             </a:r>
             <a:br>
-              <a:rPr lang="en-US" altLang="zh-CN"/>
+              <a:rPr lang="en-US" altLang="zh-CN" dirty="0"/>
             </a:br>
             <a:r>
-              <a:rPr lang="zh-CN" altLang="en-US"/>
-              <a:t>用</a:t>
-            </a:r>
-            <a:r>
               <a:rPr lang="zh-CN" altLang="en-US" dirty="0"/>
-              <a:t>全连接层识别手写数字</a:t>
+              <a:t>用全连接层识别手写数字</a:t>
             </a:r>
           </a:p>
         </p:txBody>
@@ -10362,6 +11010,17 @@
             <a:r>
               <a:rPr lang="zh-CN" altLang="en-US" dirty="0"/>
               <a:t>请每个同学都运行代码，看下是否通过了自动化检查？</a:t>
+            </a:r>
+            <a:endParaRPr lang="en-US" altLang="zh-CN" dirty="0"/>
+          </a:p>
+          <a:p>
+            <a:pPr marL="285750" indent="-285750">
+              <a:buFont typeface="Arial" panose="020B0604020202020204" pitchFamily="34" charset="0"/>
+              <a:buChar char="•"/>
+            </a:pPr>
+            <a:r>
+              <a:rPr lang="zh-CN" altLang="en-US" dirty="0"/>
+              <a:t>恢复梯度检查后的代码是什么？</a:t>
             </a:r>
             <a:endParaRPr lang="en-US" altLang="zh-CN" dirty="0"/>
           </a:p>
@@ -13254,6 +13913,17 @@
             </a:pPr>
             <a:r>
               <a:rPr lang="zh-CN" altLang="en-US" dirty="0"/>
+              <a:t>为什么要学习本课？</a:t>
+            </a:r>
+            <a:endParaRPr lang="en-US" altLang="zh-CN" dirty="0"/>
+          </a:p>
+          <a:p>
+            <a:pPr marL="285750" indent="-285750">
+              <a:buFont typeface="Arial" panose="020B0604020202020204" pitchFamily="34" charset="0"/>
+              <a:buChar char="•"/>
+            </a:pPr>
+            <a:r>
+              <a:rPr lang="zh-CN" altLang="en-US" dirty="0"/>
               <a:t>回顾相关课程内容</a:t>
             </a:r>
             <a:endParaRPr lang="en-US" altLang="zh-CN" dirty="0"/>
@@ -13264,9 +13934,61 @@
               <a:buChar char="•"/>
             </a:pPr>
             <a:r>
-              <a:rPr lang="en-US" altLang="zh-CN" dirty="0"/>
-              <a:t>TODO</a:t>
-            </a:r>
+              <a:rPr lang="zh-CN" altLang="en-US" dirty="0"/>
+              <a:t>主问题：输入是什么？</a:t>
+            </a:r>
+            <a:endParaRPr lang="en-US" altLang="zh-CN" dirty="0"/>
+          </a:p>
+          <a:p>
+            <a:pPr marL="285750" indent="-285750">
+              <a:buFont typeface="Arial" panose="020B0604020202020204" pitchFamily="34" charset="0"/>
+              <a:buChar char="•"/>
+            </a:pPr>
+            <a:r>
+              <a:rPr lang="zh-CN" altLang="en-US" dirty="0"/>
+              <a:t>主问题：输出是什么？</a:t>
+            </a:r>
+            <a:endParaRPr lang="en-US" altLang="zh-CN" dirty="0"/>
+          </a:p>
+          <a:p>
+            <a:pPr marL="285750" indent="-285750">
+              <a:buFont typeface="Arial" panose="020B0604020202020204" pitchFamily="34" charset="0"/>
+              <a:buChar char="•"/>
+            </a:pPr>
+            <a:r>
+              <a:rPr lang="zh-CN" altLang="en-US" dirty="0"/>
+              <a:t>主问题：网络结构是什么？</a:t>
+            </a:r>
+            <a:endParaRPr lang="en-US" altLang="zh-CN" dirty="0"/>
+          </a:p>
+          <a:p>
+            <a:pPr marL="285750" indent="-285750">
+              <a:buFont typeface="Arial" panose="020B0604020202020204" pitchFamily="34" charset="0"/>
+              <a:buChar char="•"/>
+            </a:pPr>
+            <a:r>
+              <a:rPr lang="zh-CN" altLang="en-US" dirty="0"/>
+              <a:t>主问题：如何判断训练是否收敛？</a:t>
+            </a:r>
+            <a:endParaRPr lang="en-US" altLang="zh-CN" dirty="0"/>
+          </a:p>
+          <a:p>
+            <a:pPr marL="285750" indent="-285750">
+              <a:buFont typeface="Arial" panose="020B0604020202020204" pitchFamily="34" charset="0"/>
+              <a:buChar char="•"/>
+            </a:pPr>
+            <a:r>
+              <a:rPr lang="zh-CN" altLang="en-US" dirty="0"/>
+              <a:t>任务：实现训练</a:t>
+            </a:r>
+            <a:endParaRPr lang="en-US" altLang="zh-CN" dirty="0"/>
+          </a:p>
+          <a:p>
+            <a:pPr marL="285750" indent="-285750">
+              <a:buFont typeface="Arial" panose="020B0604020202020204" pitchFamily="34" charset="0"/>
+              <a:buChar char="•"/>
+            </a:pPr>
+            <a:endParaRPr lang="en-US" altLang="zh-CN" dirty="0"/>
           </a:p>
         </p:txBody>
       </p:sp>
@@ -13406,6 +14128,251 @@
                       </p:childTnLst>
                     </p:cTn>
                   </p:par>
+                  <p:par>
+                    <p:cTn id="11" fill="hold">
+                      <p:stCondLst>
+                        <p:cond delay="indefinite"/>
+                      </p:stCondLst>
+                      <p:childTnLst>
+                        <p:par>
+                          <p:cTn id="12" fill="hold">
+                            <p:stCondLst>
+                              <p:cond delay="0"/>
+                            </p:stCondLst>
+                            <p:childTnLst>
+                              <p:par>
+                                <p:cTn id="13" presetID="1" presetClass="entr" presetSubtype="0" fill="hold" grpId="0" nodeType="clickEffect">
+                                  <p:stCondLst>
+                                    <p:cond delay="0"/>
+                                  </p:stCondLst>
+                                  <p:childTnLst>
+                                    <p:set>
+                                      <p:cBhvr>
+                                        <p:cTn id="14" dur="1" fill="hold">
+                                          <p:stCondLst>
+                                            <p:cond delay="0"/>
+                                          </p:stCondLst>
+                                        </p:cTn>
+                                        <p:tgtEl>
+                                          <p:spTgt spid="2">
+                                            <p:txEl>
+                                              <p:pRg st="2" end="2"/>
+                                            </p:txEl>
+                                          </p:spTgt>
+                                        </p:tgtEl>
+                                        <p:attrNameLst>
+                                          <p:attrName>style.visibility</p:attrName>
+                                        </p:attrNameLst>
+                                      </p:cBhvr>
+                                      <p:to>
+                                        <p:strVal val="visible"/>
+                                      </p:to>
+                                    </p:set>
+                                  </p:childTnLst>
+                                </p:cTn>
+                              </p:par>
+                            </p:childTnLst>
+                          </p:cTn>
+                        </p:par>
+                      </p:childTnLst>
+                    </p:cTn>
+                  </p:par>
+                  <p:par>
+                    <p:cTn id="15" fill="hold">
+                      <p:stCondLst>
+                        <p:cond delay="indefinite"/>
+                      </p:stCondLst>
+                      <p:childTnLst>
+                        <p:par>
+                          <p:cTn id="16" fill="hold">
+                            <p:stCondLst>
+                              <p:cond delay="0"/>
+                            </p:stCondLst>
+                            <p:childTnLst>
+                              <p:par>
+                                <p:cTn id="17" presetID="1" presetClass="entr" presetSubtype="0" fill="hold" grpId="0" nodeType="clickEffect">
+                                  <p:stCondLst>
+                                    <p:cond delay="0"/>
+                                  </p:stCondLst>
+                                  <p:childTnLst>
+                                    <p:set>
+                                      <p:cBhvr>
+                                        <p:cTn id="18" dur="1" fill="hold">
+                                          <p:stCondLst>
+                                            <p:cond delay="0"/>
+                                          </p:stCondLst>
+                                        </p:cTn>
+                                        <p:tgtEl>
+                                          <p:spTgt spid="2">
+                                            <p:txEl>
+                                              <p:pRg st="3" end="3"/>
+                                            </p:txEl>
+                                          </p:spTgt>
+                                        </p:tgtEl>
+                                        <p:attrNameLst>
+                                          <p:attrName>style.visibility</p:attrName>
+                                        </p:attrNameLst>
+                                      </p:cBhvr>
+                                      <p:to>
+                                        <p:strVal val="visible"/>
+                                      </p:to>
+                                    </p:set>
+                                  </p:childTnLst>
+                                </p:cTn>
+                              </p:par>
+                            </p:childTnLst>
+                          </p:cTn>
+                        </p:par>
+                      </p:childTnLst>
+                    </p:cTn>
+                  </p:par>
+                  <p:par>
+                    <p:cTn id="19" fill="hold">
+                      <p:stCondLst>
+                        <p:cond delay="indefinite"/>
+                      </p:stCondLst>
+                      <p:childTnLst>
+                        <p:par>
+                          <p:cTn id="20" fill="hold">
+                            <p:stCondLst>
+                              <p:cond delay="0"/>
+                            </p:stCondLst>
+                            <p:childTnLst>
+                              <p:par>
+                                <p:cTn id="21" presetID="1" presetClass="entr" presetSubtype="0" fill="hold" grpId="0" nodeType="clickEffect">
+                                  <p:stCondLst>
+                                    <p:cond delay="0"/>
+                                  </p:stCondLst>
+                                  <p:childTnLst>
+                                    <p:set>
+                                      <p:cBhvr>
+                                        <p:cTn id="22" dur="1" fill="hold">
+                                          <p:stCondLst>
+                                            <p:cond delay="0"/>
+                                          </p:stCondLst>
+                                        </p:cTn>
+                                        <p:tgtEl>
+                                          <p:spTgt spid="2">
+                                            <p:txEl>
+                                              <p:pRg st="4" end="4"/>
+                                            </p:txEl>
+                                          </p:spTgt>
+                                        </p:tgtEl>
+                                        <p:attrNameLst>
+                                          <p:attrName>style.visibility</p:attrName>
+                                        </p:attrNameLst>
+                                      </p:cBhvr>
+                                      <p:to>
+                                        <p:strVal val="visible"/>
+                                      </p:to>
+                                    </p:set>
+                                  </p:childTnLst>
+                                </p:cTn>
+                              </p:par>
+                            </p:childTnLst>
+                          </p:cTn>
+                        </p:par>
+                      </p:childTnLst>
+                    </p:cTn>
+                  </p:par>
+                  <p:par>
+                    <p:cTn id="23" fill="hold">
+                      <p:stCondLst>
+                        <p:cond delay="indefinite"/>
+                      </p:stCondLst>
+                      <p:childTnLst>
+                        <p:par>
+                          <p:cTn id="24" fill="hold">
+                            <p:stCondLst>
+                              <p:cond delay="0"/>
+                            </p:stCondLst>
+                            <p:childTnLst>
+                              <p:par>
+                                <p:cTn id="25" presetID="1" presetClass="entr" presetSubtype="0" fill="hold" grpId="0" nodeType="clickEffect">
+                                  <p:stCondLst>
+                                    <p:cond delay="0"/>
+                                  </p:stCondLst>
+                                  <p:childTnLst>
+                                    <p:set>
+                                      <p:cBhvr>
+                                        <p:cTn id="26" dur="1" fill="hold">
+                                          <p:stCondLst>
+                                            <p:cond delay="0"/>
+                                          </p:stCondLst>
+                                        </p:cTn>
+                                        <p:tgtEl>
+                                          <p:spTgt spid="2">
+                                            <p:txEl>
+                                              <p:pRg st="5" end="5"/>
+                                            </p:txEl>
+                                          </p:spTgt>
+                                        </p:tgtEl>
+                                        <p:attrNameLst>
+                                          <p:attrName>style.visibility</p:attrName>
+                                        </p:attrNameLst>
+                                      </p:cBhvr>
+                                      <p:to>
+                                        <p:strVal val="visible"/>
+                                      </p:to>
+                                    </p:set>
+                                  </p:childTnLst>
+                                </p:cTn>
+                              </p:par>
+                            </p:childTnLst>
+                          </p:cTn>
+                        </p:par>
+                      </p:childTnLst>
+                    </p:cTn>
+                  </p:par>
+                  <p:par>
+                    <p:cTn id="27" fill="hold">
+                      <p:stCondLst>
+                        <p:cond delay="indefinite"/>
+                      </p:stCondLst>
+                      <p:childTnLst>
+                        <p:par>
+                          <p:cTn id="28" fill="hold">
+                            <p:stCondLst>
+                              <p:cond delay="0"/>
+                            </p:stCondLst>
+                            <p:childTnLst>
+                              <p:par>
+                                <p:cTn id="29" presetID="1" presetClass="entr" presetSubtype="0" fill="hold" grpId="0" nodeType="clickEffect">
+                                  <p:stCondLst>
+                                    <p:cond delay="0"/>
+                                  </p:stCondLst>
+                                  <p:childTnLst>
+                                    <p:set>
+                                      <p:cBhvr>
+                                        <p:cTn id="30" dur="1" fill="hold">
+                                          <p:stCondLst>
+                                            <p:cond delay="0"/>
+                                          </p:stCondLst>
+                                        </p:cTn>
+                                        <p:tgtEl>
+                                          <p:spTgt spid="2">
+                                            <p:txEl>
+                                              <p:pRg st="6" end="6"/>
+                                            </p:txEl>
+                                          </p:spTgt>
+                                        </p:tgtEl>
+                                        <p:attrNameLst>
+                                          <p:attrName>style.visibility</p:attrName>
+                                        </p:attrNameLst>
+                                      </p:cBhvr>
+                                      <p:to>
+                                        <p:strVal val="visible"/>
+                                      </p:to>
+                                    </p:set>
+                                  </p:childTnLst>
+                                </p:cTn>
+                              </p:par>
+                            </p:childTnLst>
+                          </p:cTn>
+                        </p:par>
+                      </p:childTnLst>
+                    </p:cTn>
+                  </p:par>
                 </p:childTnLst>
               </p:cTn>
               <p:prevCondLst>
@@ -13680,23 +14647,17 @@
               <a:buChar char="•"/>
             </a:pPr>
             <a:r>
-              <a:rPr lang="en-US" altLang="zh-CN" dirty="0"/>
-              <a:t>TODO</a:t>
-            </a:r>
-          </a:p>
-          <a:p>
-            <a:pPr lvl="1"/>
-            <a:endParaRPr lang="zh-CN" altLang="en-US" dirty="0"/>
-          </a:p>
-          <a:p>
-            <a:pPr marL="285750" indent="-285750">
-              <a:buFont typeface="Arial" panose="020B0604020202020204" pitchFamily="34" charset="0"/>
-              <a:buChar char="•"/>
-            </a:pPr>
-            <a:r>
               <a:rPr lang="zh-CN" altLang="en-US" dirty="0"/>
-              <a:t>自学、展学</a:t>
-            </a:r>
+              <a:t>如何用全连接层识别下面的手写数字？</a:t>
+            </a:r>
+            <a:endParaRPr lang="en-US" altLang="zh-CN" dirty="0"/>
+          </a:p>
+          <a:p>
+            <a:pPr marL="285750" indent="-285750">
+              <a:buFont typeface="Arial" panose="020B0604020202020204" pitchFamily="34" charset="0"/>
+              <a:buChar char="•"/>
+            </a:pPr>
+            <a:endParaRPr lang="en-US" altLang="zh-CN" dirty="0"/>
           </a:p>
           <a:p>
             <a:br>
@@ -13732,7 +14693,7 @@
           <a:p>
             <a:r>
               <a:rPr lang="zh-CN" altLang="en-US" dirty="0"/>
-              <a:t>回顾相关课程内容</a:t>
+              <a:t>为什么要学习本课</a:t>
             </a:r>
             <a:endParaRPr dirty="0">
               <a:sym typeface="+mn-ea"/>
@@ -13740,13 +14701,60 @@
           </a:p>
         </p:txBody>
       </p:sp>
+      <p:pic>
+        <p:nvPicPr>
+          <p:cNvPr id="1028" name="Picture 4" descr="BP神经网络实现手写数字识别- 知乎">
+            <a:extLst>
+              <a:ext uri="{FF2B5EF4-FFF2-40B4-BE49-F238E27FC236}">
+                <a16:creationId xmlns:a16="http://schemas.microsoft.com/office/drawing/2014/main" id="{454DE156-76A4-95F3-7829-CC21A821C083}"/>
+              </a:ext>
+            </a:extLst>
+          </p:cNvPr>
+          <p:cNvPicPr>
+            <a:picLocks noChangeAspect="1" noChangeArrowheads="1"/>
+          </p:cNvPicPr>
+          <p:nvPr/>
+        </p:nvPicPr>
+        <p:blipFill>
+          <a:blip r:embed="rId4">
+            <a:extLst>
+              <a:ext uri="{28A0092B-C50C-407E-A947-70E740481C1C}">
+                <a14:useLocalDpi xmlns:a14="http://schemas.microsoft.com/office/drawing/2010/main" val="0"/>
+              </a:ext>
+            </a:extLst>
+          </a:blip>
+          <a:srcRect/>
+          <a:stretch>
+            <a:fillRect/>
+          </a:stretch>
+        </p:blipFill>
+        <p:spPr bwMode="auto">
+          <a:xfrm>
+            <a:off x="4625579" y="2139224"/>
+            <a:ext cx="3771900" cy="2159000"/>
+          </a:xfrm>
+          <a:prstGeom prst="rect">
+            <a:avLst/>
+          </a:prstGeom>
+          <a:noFill/>
+          <a:extLst>
+            <a:ext uri="{909E8E84-426E-40DD-AFC4-6F175D3DCCD1}">
+              <a14:hiddenFill xmlns:a14="http://schemas.microsoft.com/office/drawing/2010/main">
+                <a:solidFill>
+                  <a:srgbClr val="FFFFFF"/>
+                </a:solidFill>
+              </a14:hiddenFill>
+            </a:ext>
+          </a:extLst>
+        </p:spPr>
+      </p:pic>
     </p:spTree>
     <p:custDataLst>
       <p:tags r:id="rId1"/>
     </p:custDataLst>
     <p:extLst>
       <p:ext uri="{BB962C8B-B14F-4D97-AF65-F5344CB8AC3E}">
-        <p14:creationId xmlns:p14="http://schemas.microsoft.com/office/powerpoint/2010/main" val="534233520"/>
+        <p14:creationId xmlns:p14="http://schemas.microsoft.com/office/powerpoint/2010/main" val="1916671536"/>
       </p:ext>
     </p:extLst>
   </p:cSld>
@@ -13792,6 +14800,51 @@
                                               <p:pRg st="0" end="0"/>
                                             </p:txEl>
                                           </p:spTgt>
+                                        </p:tgtEl>
+                                        <p:attrNameLst>
+                                          <p:attrName>style.visibility</p:attrName>
+                                        </p:attrNameLst>
+                                      </p:cBhvr>
+                                      <p:to>
+                                        <p:strVal val="visible"/>
+                                      </p:to>
+                                    </p:set>
+                                  </p:childTnLst>
+                                </p:cTn>
+                              </p:par>
+                            </p:childTnLst>
+                          </p:cTn>
+                        </p:par>
+                      </p:childTnLst>
+                    </p:cTn>
+                  </p:par>
+                  <p:par>
+                    <p:cTn id="7" fill="hold">
+                      <p:stCondLst>
+                        <p:cond delay="indefinite"/>
+                      </p:stCondLst>
+                      <p:childTnLst>
+                        <p:par>
+                          <p:cTn id="8" fill="hold">
+                            <p:stCondLst>
+                              <p:cond delay="0"/>
+                            </p:stCondLst>
+                            <p:childTnLst>
+                              <p:par>
+                                <p:cTn id="9" presetID="1" presetClass="entr" presetSubtype="0" fill="hold" nodeType="clickEffect">
+                                  <p:stCondLst>
+                                    <p:cond delay="0"/>
+                                  </p:stCondLst>
+                                  <p:childTnLst>
+                                    <p:set>
+                                      <p:cBhvr>
+                                        <p:cTn id="10" dur="1" fill="hold">
+                                          <p:stCondLst>
+                                            <p:cond delay="0"/>
+                                          </p:stCondLst>
+                                        </p:cTn>
+                                        <p:tgtEl>
+                                          <p:spTgt spid="1028"/>
                                         </p:tgtEl>
                                         <p:attrNameLst>
                                           <p:attrName>style.visibility</p:attrName>
@@ -13873,16 +14926,89 @@
             </a:pPr>
             <a:r>
               <a:rPr lang="zh-CN" altLang="en-US" dirty="0"/>
-              <a:t>如何用全连接层识别手写数字？</a:t>
+              <a:t>第三节课：全连接层的前向和后向传播推导</a:t>
             </a:r>
             <a:endParaRPr lang="en-US" altLang="zh-CN" dirty="0"/>
           </a:p>
           <a:p>
-            <a:pPr marL="285750" indent="-285750">
-              <a:buFont typeface="Arial" panose="020B0604020202020204" pitchFamily="34" charset="0"/>
-              <a:buChar char="•"/>
-            </a:pPr>
+            <a:pPr marL="742950" lvl="1" indent="-285750">
+              <a:buFont typeface="Arial" panose="020B0604020202020204" pitchFamily="34" charset="0"/>
+              <a:buChar char="•"/>
+            </a:pPr>
+            <a:r>
+              <a:rPr lang="zh-CN" altLang="en-US" dirty="0"/>
+              <a:t>全连接层的网络结构是什么？</a:t>
+            </a:r>
             <a:endParaRPr lang="en-US" altLang="zh-CN" dirty="0"/>
+          </a:p>
+          <a:p>
+            <a:pPr marL="742950" lvl="1" indent="-285750">
+              <a:buFont typeface="Arial" panose="020B0604020202020204" pitchFamily="34" charset="0"/>
+              <a:buChar char="•"/>
+            </a:pPr>
+            <a:r>
+              <a:rPr lang="zh-CN" altLang="en-US" dirty="0"/>
+              <a:t>如何实现前向传播？</a:t>
+            </a:r>
+            <a:endParaRPr lang="en-US" altLang="zh-CN" dirty="0"/>
+          </a:p>
+          <a:p>
+            <a:pPr marL="742950" lvl="1" indent="-285750">
+              <a:buFont typeface="Arial" panose="020B0604020202020204" pitchFamily="34" charset="0"/>
+              <a:buChar char="•"/>
+            </a:pPr>
+            <a:r>
+              <a:rPr lang="zh-CN" altLang="en-US" dirty="0"/>
+              <a:t>如何实现后向传播？</a:t>
+            </a:r>
+            <a:endParaRPr lang="en-US" altLang="zh-CN" dirty="0"/>
+          </a:p>
+          <a:p>
+            <a:pPr marL="742950" lvl="1" indent="-285750">
+              <a:buFont typeface="Arial" panose="020B0604020202020204" pitchFamily="34" charset="0"/>
+              <a:buChar char="•"/>
+            </a:pPr>
+            <a:r>
+              <a:rPr lang="zh-CN" altLang="en-US" dirty="0"/>
+              <a:t>如何实现训练？</a:t>
+            </a:r>
+            <a:endParaRPr lang="en-US" altLang="zh-CN" dirty="0"/>
+          </a:p>
+          <a:p>
+            <a:pPr marL="742950" lvl="1" indent="-285750">
+              <a:buFont typeface="Arial" panose="020B0604020202020204" pitchFamily="34" charset="0"/>
+              <a:buChar char="•"/>
+            </a:pPr>
+            <a:r>
+              <a:rPr lang="zh-CN" altLang="en-US" dirty="0"/>
+              <a:t>如何使用全连接层实现“判断性别</a:t>
+            </a:r>
+            <a:r>
+              <a:rPr lang="en" altLang="zh-CN" dirty="0"/>
+              <a:t>Demo”</a:t>
+            </a:r>
+            <a:r>
+              <a:rPr lang="zh-CN" altLang="en-US" dirty="0"/>
+              <a:t>？</a:t>
+            </a:r>
+            <a:endParaRPr lang="en" altLang="zh-CN" dirty="0"/>
+          </a:p>
+          <a:p>
+            <a:endParaRPr lang="en-US" altLang="zh-CN" dirty="0"/>
+          </a:p>
+          <a:p>
+            <a:pPr lvl="1"/>
+            <a:endParaRPr lang="zh-CN" altLang="en-US" dirty="0"/>
+          </a:p>
+          <a:p>
+            <a:pPr marL="285750" indent="-285750">
+              <a:buFont typeface="Arial" panose="020B0604020202020204" pitchFamily="34" charset="0"/>
+              <a:buChar char="•"/>
+            </a:pPr>
+            <a:r>
+              <a:rPr lang="zh-CN" altLang="en-US" dirty="0"/>
+              <a:t>自学、展学</a:t>
+            </a:r>
           </a:p>
           <a:p>
             <a:br>
@@ -13918,7 +15044,7 @@
           <a:p>
             <a:r>
               <a:rPr lang="zh-CN" altLang="en-US" dirty="0"/>
-              <a:t>为什么要学习本课</a:t>
+              <a:t>回顾相关课程内容</a:t>
             </a:r>
             <a:endParaRPr dirty="0">
               <a:sym typeface="+mn-ea"/>
@@ -13928,10 +15054,10 @@
       </p:sp>
       <p:pic>
         <p:nvPicPr>
-          <p:cNvPr id="1028" name="Picture 4" descr="BP神经网络实现手写数字识别- 知乎">
+          <p:cNvPr id="1026" name="Picture 2" descr="image">
             <a:extLst>
               <a:ext uri="{FF2B5EF4-FFF2-40B4-BE49-F238E27FC236}">
-                <a16:creationId xmlns:a16="http://schemas.microsoft.com/office/drawing/2014/main" id="{454DE156-76A4-95F3-7829-CC21A821C083}"/>
+                <a16:creationId xmlns:a16="http://schemas.microsoft.com/office/drawing/2014/main" id="{89D5B728-8F66-DBF2-E7E5-BB4D14D085EF}"/>
               </a:ext>
             </a:extLst>
           </p:cNvPr>
@@ -13955,8 +15081,8 @@
         </p:blipFill>
         <p:spPr bwMode="auto">
           <a:xfrm>
-            <a:off x="4571791" y="1937518"/>
-            <a:ext cx="3771900" cy="2159000"/>
+            <a:off x="7795106" y="1451229"/>
+            <a:ext cx="3582349" cy="2451798"/>
           </a:xfrm>
           <a:prstGeom prst="rect">
             <a:avLst/>
@@ -13979,13 +15105,382 @@
     </p:custDataLst>
     <p:extLst>
       <p:ext uri="{BB962C8B-B14F-4D97-AF65-F5344CB8AC3E}">
-        <p14:creationId xmlns:p14="http://schemas.microsoft.com/office/powerpoint/2010/main" val="1916671536"/>
+        <p14:creationId xmlns:p14="http://schemas.microsoft.com/office/powerpoint/2010/main" val="534233520"/>
       </p:ext>
     </p:extLst>
   </p:cSld>
   <p:clrMapOvr>
     <a:masterClrMapping/>
   </p:clrMapOvr>
+  <p:timing>
+    <p:tnLst>
+      <p:par>
+        <p:cTn id="1" dur="indefinite" restart="never" nodeType="tmRoot">
+          <p:childTnLst>
+            <p:seq concurrent="1" nextAc="seek">
+              <p:cTn id="2" dur="indefinite" nodeType="mainSeq">
+                <p:childTnLst>
+                  <p:par>
+                    <p:cTn id="3" fill="hold">
+                      <p:stCondLst>
+                        <p:cond delay="indefinite"/>
+                      </p:stCondLst>
+                      <p:childTnLst>
+                        <p:par>
+                          <p:cTn id="4" fill="hold">
+                            <p:stCondLst>
+                              <p:cond delay="0"/>
+                            </p:stCondLst>
+                            <p:childTnLst>
+                              <p:par>
+                                <p:cTn id="5" presetID="1" presetClass="entr" presetSubtype="0" fill="hold" nodeType="clickEffect">
+                                  <p:stCondLst>
+                                    <p:cond delay="0"/>
+                                  </p:stCondLst>
+                                  <p:childTnLst>
+                                    <p:set>
+                                      <p:cBhvr>
+                                        <p:cTn id="6" dur="1" fill="hold">
+                                          <p:stCondLst>
+                                            <p:cond delay="0"/>
+                                          </p:stCondLst>
+                                        </p:cTn>
+                                        <p:tgtEl>
+                                          <p:spTgt spid="2">
+                                            <p:txEl>
+                                              <p:pRg st="0" end="0"/>
+                                            </p:txEl>
+                                          </p:spTgt>
+                                        </p:tgtEl>
+                                        <p:attrNameLst>
+                                          <p:attrName>style.visibility</p:attrName>
+                                        </p:attrNameLst>
+                                      </p:cBhvr>
+                                      <p:to>
+                                        <p:strVal val="visible"/>
+                                      </p:to>
+                                    </p:set>
+                                  </p:childTnLst>
+                                </p:cTn>
+                              </p:par>
+                            </p:childTnLst>
+                          </p:cTn>
+                        </p:par>
+                      </p:childTnLst>
+                    </p:cTn>
+                  </p:par>
+                  <p:par>
+                    <p:cTn id="7" fill="hold">
+                      <p:stCondLst>
+                        <p:cond delay="indefinite"/>
+                      </p:stCondLst>
+                      <p:childTnLst>
+                        <p:par>
+                          <p:cTn id="8" fill="hold">
+                            <p:stCondLst>
+                              <p:cond delay="0"/>
+                            </p:stCondLst>
+                            <p:childTnLst>
+                              <p:par>
+                                <p:cTn id="9" presetID="1" presetClass="entr" presetSubtype="0" fill="hold" nodeType="clickEffect">
+                                  <p:stCondLst>
+                                    <p:cond delay="0"/>
+                                  </p:stCondLst>
+                                  <p:childTnLst>
+                                    <p:set>
+                                      <p:cBhvr>
+                                        <p:cTn id="10" dur="1" fill="hold">
+                                          <p:stCondLst>
+                                            <p:cond delay="0"/>
+                                          </p:stCondLst>
+                                        </p:cTn>
+                                        <p:tgtEl>
+                                          <p:spTgt spid="2">
+                                            <p:txEl>
+                                              <p:pRg st="1" end="1"/>
+                                            </p:txEl>
+                                          </p:spTgt>
+                                        </p:tgtEl>
+                                        <p:attrNameLst>
+                                          <p:attrName>style.visibility</p:attrName>
+                                        </p:attrNameLst>
+                                      </p:cBhvr>
+                                      <p:to>
+                                        <p:strVal val="visible"/>
+                                      </p:to>
+                                    </p:set>
+                                  </p:childTnLst>
+                                </p:cTn>
+                              </p:par>
+                            </p:childTnLst>
+                          </p:cTn>
+                        </p:par>
+                      </p:childTnLst>
+                    </p:cTn>
+                  </p:par>
+                  <p:par>
+                    <p:cTn id="11" fill="hold">
+                      <p:stCondLst>
+                        <p:cond delay="indefinite"/>
+                      </p:stCondLst>
+                      <p:childTnLst>
+                        <p:par>
+                          <p:cTn id="12" fill="hold">
+                            <p:stCondLst>
+                              <p:cond delay="0"/>
+                            </p:stCondLst>
+                            <p:childTnLst>
+                              <p:par>
+                                <p:cTn id="13" presetID="1" presetClass="entr" presetSubtype="0" fill="hold" nodeType="clickEffect">
+                                  <p:stCondLst>
+                                    <p:cond delay="0"/>
+                                  </p:stCondLst>
+                                  <p:childTnLst>
+                                    <p:set>
+                                      <p:cBhvr>
+                                        <p:cTn id="14" dur="1" fill="hold">
+                                          <p:stCondLst>
+                                            <p:cond delay="0"/>
+                                          </p:stCondLst>
+                                        </p:cTn>
+                                        <p:tgtEl>
+                                          <p:spTgt spid="1026"/>
+                                        </p:tgtEl>
+                                        <p:attrNameLst>
+                                          <p:attrName>style.visibility</p:attrName>
+                                        </p:attrNameLst>
+                                      </p:cBhvr>
+                                      <p:to>
+                                        <p:strVal val="visible"/>
+                                      </p:to>
+                                    </p:set>
+                                  </p:childTnLst>
+                                </p:cTn>
+                              </p:par>
+                            </p:childTnLst>
+                          </p:cTn>
+                        </p:par>
+                      </p:childTnLst>
+                    </p:cTn>
+                  </p:par>
+                  <p:par>
+                    <p:cTn id="15" fill="hold">
+                      <p:stCondLst>
+                        <p:cond delay="indefinite"/>
+                      </p:stCondLst>
+                      <p:childTnLst>
+                        <p:par>
+                          <p:cTn id="16" fill="hold">
+                            <p:stCondLst>
+                              <p:cond delay="0"/>
+                            </p:stCondLst>
+                            <p:childTnLst>
+                              <p:par>
+                                <p:cTn id="17" presetID="1" presetClass="entr" presetSubtype="0" fill="hold" nodeType="clickEffect">
+                                  <p:stCondLst>
+                                    <p:cond delay="0"/>
+                                  </p:stCondLst>
+                                  <p:childTnLst>
+                                    <p:set>
+                                      <p:cBhvr>
+                                        <p:cTn id="18" dur="1" fill="hold">
+                                          <p:stCondLst>
+                                            <p:cond delay="0"/>
+                                          </p:stCondLst>
+                                        </p:cTn>
+                                        <p:tgtEl>
+                                          <p:spTgt spid="2">
+                                            <p:txEl>
+                                              <p:pRg st="2" end="2"/>
+                                            </p:txEl>
+                                          </p:spTgt>
+                                        </p:tgtEl>
+                                        <p:attrNameLst>
+                                          <p:attrName>style.visibility</p:attrName>
+                                        </p:attrNameLst>
+                                      </p:cBhvr>
+                                      <p:to>
+                                        <p:strVal val="visible"/>
+                                      </p:to>
+                                    </p:set>
+                                  </p:childTnLst>
+                                </p:cTn>
+                              </p:par>
+                            </p:childTnLst>
+                          </p:cTn>
+                        </p:par>
+                      </p:childTnLst>
+                    </p:cTn>
+                  </p:par>
+                  <p:par>
+                    <p:cTn id="19" fill="hold">
+                      <p:stCondLst>
+                        <p:cond delay="indefinite"/>
+                      </p:stCondLst>
+                      <p:childTnLst>
+                        <p:par>
+                          <p:cTn id="20" fill="hold">
+                            <p:stCondLst>
+                              <p:cond delay="0"/>
+                            </p:stCondLst>
+                            <p:childTnLst>
+                              <p:par>
+                                <p:cTn id="21" presetID="1" presetClass="entr" presetSubtype="0" fill="hold" nodeType="clickEffect">
+                                  <p:stCondLst>
+                                    <p:cond delay="0"/>
+                                  </p:stCondLst>
+                                  <p:childTnLst>
+                                    <p:set>
+                                      <p:cBhvr>
+                                        <p:cTn id="22" dur="1" fill="hold">
+                                          <p:stCondLst>
+                                            <p:cond delay="0"/>
+                                          </p:stCondLst>
+                                        </p:cTn>
+                                        <p:tgtEl>
+                                          <p:spTgt spid="2">
+                                            <p:txEl>
+                                              <p:pRg st="3" end="3"/>
+                                            </p:txEl>
+                                          </p:spTgt>
+                                        </p:tgtEl>
+                                        <p:attrNameLst>
+                                          <p:attrName>style.visibility</p:attrName>
+                                        </p:attrNameLst>
+                                      </p:cBhvr>
+                                      <p:to>
+                                        <p:strVal val="visible"/>
+                                      </p:to>
+                                    </p:set>
+                                  </p:childTnLst>
+                                </p:cTn>
+                              </p:par>
+                            </p:childTnLst>
+                          </p:cTn>
+                        </p:par>
+                      </p:childTnLst>
+                    </p:cTn>
+                  </p:par>
+                  <p:par>
+                    <p:cTn id="23" fill="hold">
+                      <p:stCondLst>
+                        <p:cond delay="indefinite"/>
+                      </p:stCondLst>
+                      <p:childTnLst>
+                        <p:par>
+                          <p:cTn id="24" fill="hold">
+                            <p:stCondLst>
+                              <p:cond delay="0"/>
+                            </p:stCondLst>
+                            <p:childTnLst>
+                              <p:par>
+                                <p:cTn id="25" presetID="1" presetClass="entr" presetSubtype="0" fill="hold" nodeType="clickEffect">
+                                  <p:stCondLst>
+                                    <p:cond delay="0"/>
+                                  </p:stCondLst>
+                                  <p:childTnLst>
+                                    <p:set>
+                                      <p:cBhvr>
+                                        <p:cTn id="26" dur="1" fill="hold">
+                                          <p:stCondLst>
+                                            <p:cond delay="0"/>
+                                          </p:stCondLst>
+                                        </p:cTn>
+                                        <p:tgtEl>
+                                          <p:spTgt spid="2">
+                                            <p:txEl>
+                                              <p:pRg st="4" end="4"/>
+                                            </p:txEl>
+                                          </p:spTgt>
+                                        </p:tgtEl>
+                                        <p:attrNameLst>
+                                          <p:attrName>style.visibility</p:attrName>
+                                        </p:attrNameLst>
+                                      </p:cBhvr>
+                                      <p:to>
+                                        <p:strVal val="visible"/>
+                                      </p:to>
+                                    </p:set>
+                                  </p:childTnLst>
+                                </p:cTn>
+                              </p:par>
+                            </p:childTnLst>
+                          </p:cTn>
+                        </p:par>
+                      </p:childTnLst>
+                    </p:cTn>
+                  </p:par>
+                  <p:par>
+                    <p:cTn id="27" fill="hold">
+                      <p:stCondLst>
+                        <p:cond delay="indefinite"/>
+                      </p:stCondLst>
+                      <p:childTnLst>
+                        <p:par>
+                          <p:cTn id="28" fill="hold">
+                            <p:stCondLst>
+                              <p:cond delay="0"/>
+                            </p:stCondLst>
+                            <p:childTnLst>
+                              <p:par>
+                                <p:cTn id="29" presetID="1" presetClass="entr" presetSubtype="0" fill="hold" nodeType="clickEffect">
+                                  <p:stCondLst>
+                                    <p:cond delay="0"/>
+                                  </p:stCondLst>
+                                  <p:childTnLst>
+                                    <p:set>
+                                      <p:cBhvr>
+                                        <p:cTn id="30" dur="1" fill="hold">
+                                          <p:stCondLst>
+                                            <p:cond delay="0"/>
+                                          </p:stCondLst>
+                                        </p:cTn>
+                                        <p:tgtEl>
+                                          <p:spTgt spid="2">
+                                            <p:txEl>
+                                              <p:pRg st="5" end="5"/>
+                                            </p:txEl>
+                                          </p:spTgt>
+                                        </p:tgtEl>
+                                        <p:attrNameLst>
+                                          <p:attrName>style.visibility</p:attrName>
+                                        </p:attrNameLst>
+                                      </p:cBhvr>
+                                      <p:to>
+                                        <p:strVal val="visible"/>
+                                      </p:to>
+                                    </p:set>
+                                  </p:childTnLst>
+                                </p:cTn>
+                              </p:par>
+                            </p:childTnLst>
+                          </p:cTn>
+                        </p:par>
+                      </p:childTnLst>
+                    </p:cTn>
+                  </p:par>
+                </p:childTnLst>
+              </p:cTn>
+              <p:prevCondLst>
+                <p:cond evt="onPrev" delay="0">
+                  <p:tgtEl>
+                    <p:sldTgt/>
+                  </p:tgtEl>
+                </p:cond>
+              </p:prevCondLst>
+              <p:nextCondLst>
+                <p:cond evt="onNext" delay="0">
+                  <p:tgtEl>
+                    <p:sldTgt/>
+                  </p:tgtEl>
+                </p:cond>
+              </p:nextCondLst>
+            </p:seq>
+          </p:childTnLst>
+        </p:cTn>
+      </p:par>
+    </p:tnLst>
+  </p:timing>
 </p:sld>
 </file>
 
@@ -14025,18 +15520,7 @@
               <a:rPr lang="zh-CN" altLang="en-US" dirty="0">
                 <a:sym typeface="+mn-ea"/>
               </a:rPr>
-              <a:t>主问题：	</a:t>
-            </a:r>
-            <a:br>
-              <a:rPr lang="en-US" altLang="zh-CN" dirty="0">
-                <a:sym typeface="+mn-ea"/>
-              </a:rPr>
-            </a:br>
-            <a:r>
-              <a:rPr lang="zh-CN" altLang="en-US" dirty="0">
-                <a:sym typeface="+mn-ea"/>
-              </a:rPr>
-              <a:t>全连接层的输入是什么</a:t>
+              <a:t>主问题：输入是什么</a:t>
             </a:r>
             <a:r>
               <a:rPr lang="zh-CN" altLang="en-US" dirty="0"/>
@@ -14097,7 +15581,7 @@
               <a:rPr lang="zh-CN" altLang="en-US" dirty="0">
                 <a:sym typeface="+mn-ea"/>
               </a:rPr>
-              <a:t>主问题：	全连接层的输入是什么</a:t>
+              <a:t>主问题：	输入是什么</a:t>
             </a:r>
             <a:r>
               <a:rPr lang="zh-CN" altLang="en-US" dirty="0"/>
@@ -14488,8 +15972,8 @@
         </p:blipFill>
         <p:spPr bwMode="auto">
           <a:xfrm>
-            <a:off x="5433880" y="3694949"/>
-            <a:ext cx="6138479" cy="2810388"/>
+            <a:off x="4621854" y="4235945"/>
+            <a:ext cx="4578706" cy="2096275"/>
           </a:xfrm>
           <a:prstGeom prst="rect">
             <a:avLst/>
@@ -14535,8 +16019,8 @@
         </p:blipFill>
         <p:spPr bwMode="auto">
           <a:xfrm>
-            <a:off x="8120435" y="1362832"/>
-            <a:ext cx="3771900" cy="2159000"/>
+            <a:off x="9445450" y="2958904"/>
+            <a:ext cx="2372816" cy="1358177"/>
           </a:xfrm>
           <a:prstGeom prst="rect">
             <a:avLst/>
@@ -14567,7 +16051,7 @@
         </p:nvSpPr>
         <p:spPr>
           <a:xfrm>
-            <a:off x="5433880" y="3276022"/>
+            <a:off x="4618672" y="3717892"/>
             <a:ext cx="2954655" cy="369332"/>
           </a:xfrm>
           <a:prstGeom prst="rect">
@@ -14585,6 +16069,57 @@
               <a:rPr kumimoji="1" lang="zh-CN" altLang="en-US" dirty="0"/>
               <a:t>拆分成每个数字一张图片：</a:t>
             </a:r>
+          </a:p>
+        </p:txBody>
+      </p:sp>
+      <p:sp>
+        <p:nvSpPr>
+          <p:cNvPr id="7" name="文本框 6">
+            <a:extLst>
+              <a:ext uri="{FF2B5EF4-FFF2-40B4-BE49-F238E27FC236}">
+                <a16:creationId xmlns:a16="http://schemas.microsoft.com/office/drawing/2014/main" id="{01ABAD12-684C-BDC9-DBEF-836F4B8EEB91}"/>
+              </a:ext>
+            </a:extLst>
+          </p:cNvPr>
+          <p:cNvSpPr txBox="1"/>
+          <p:nvPr/>
+        </p:nvSpPr>
+        <p:spPr>
+          <a:xfrm>
+            <a:off x="4276296" y="1842906"/>
+            <a:ext cx="7398179" cy="646331"/>
+          </a:xfrm>
+          <a:prstGeom prst="rect">
+            <a:avLst/>
+          </a:prstGeom>
+          <a:noFill/>
+        </p:spPr>
+        <p:txBody>
+          <a:bodyPr wrap="none" rtlCol="0">
+            <a:spAutoFit/>
+          </a:bodyPr>
+          <a:lstStyle/>
+          <a:p>
+            <a:pPr marL="285750" indent="-285750">
+              <a:buFont typeface="Arial" panose="020B0604020202020204" pitchFamily="34" charset="0"/>
+              <a:buChar char="•"/>
+            </a:pPr>
+            <a:r>
+              <a:rPr kumimoji="1" lang="zh-CN" altLang="en-US" dirty="0"/>
+              <a:t>单个样本的像素太多，造成输入层神经元过多，训练不容易收敛；</a:t>
+            </a:r>
+            <a:endParaRPr kumimoji="1" lang="en-US" altLang="zh-CN" dirty="0"/>
+          </a:p>
+          <a:p>
+            <a:pPr marL="285750" indent="-285750">
+              <a:buFont typeface="Arial" panose="020B0604020202020204" pitchFamily="34" charset="0"/>
+              <a:buChar char="•"/>
+            </a:pPr>
+            <a:r>
+              <a:rPr kumimoji="1" lang="zh-CN" altLang="en-US" dirty="0"/>
+              <a:t>变化太多了（每个数字一变，整个样本就变了），训练不容易收敛；</a:t>
+            </a:r>
+            <a:endParaRPr kumimoji="1" lang="en-US" altLang="zh-CN" dirty="0"/>
           </a:p>
         </p:txBody>
       </p:sp>
@@ -14622,7 +16157,7 @@
                             </p:stCondLst>
                             <p:childTnLst>
                               <p:par>
-                                <p:cTn id="5" presetID="1" presetClass="entr" presetSubtype="0" fill="hold" grpId="0" nodeType="clickEffect">
+                                <p:cTn id="5" presetID="1" presetClass="entr" presetSubtype="0" fill="hold" nodeType="clickEffect">
                                   <p:stCondLst>
                                     <p:cond delay="0"/>
                                   </p:stCondLst>
@@ -14635,7 +16170,320 @@
                                           </p:stCondLst>
                                         </p:cTn>
                                         <p:tgtEl>
-                                          <p:spTgt spid="6"/>
+                                          <p:spTgt spid="4"/>
+                                        </p:tgtEl>
+                                        <p:attrNameLst>
+                                          <p:attrName>style.visibility</p:attrName>
+                                        </p:attrNameLst>
+                                      </p:cBhvr>
+                                      <p:to>
+                                        <p:strVal val="visible"/>
+                                      </p:to>
+                                    </p:set>
+                                  </p:childTnLst>
+                                </p:cTn>
+                              </p:par>
+                            </p:childTnLst>
+                          </p:cTn>
+                        </p:par>
+                      </p:childTnLst>
+                    </p:cTn>
+                  </p:par>
+                  <p:par>
+                    <p:cTn id="7" fill="hold">
+                      <p:stCondLst>
+                        <p:cond delay="indefinite"/>
+                      </p:stCondLst>
+                      <p:childTnLst>
+                        <p:par>
+                          <p:cTn id="8" fill="hold">
+                            <p:stCondLst>
+                              <p:cond delay="0"/>
+                            </p:stCondLst>
+                            <p:childTnLst>
+                              <p:par>
+                                <p:cTn id="9" presetID="1" presetClass="entr" presetSubtype="0" fill="hold" nodeType="clickEffect">
+                                  <p:stCondLst>
+                                    <p:cond delay="0"/>
+                                  </p:stCondLst>
+                                  <p:childTnLst>
+                                    <p:set>
+                                      <p:cBhvr>
+                                        <p:cTn id="10" dur="1" fill="hold">
+                                          <p:stCondLst>
+                                            <p:cond delay="0"/>
+                                          </p:stCondLst>
+                                        </p:cTn>
+                                        <p:tgtEl>
+                                          <p:spTgt spid="6">
+                                            <p:txEl>
+                                              <p:pRg st="0" end="0"/>
+                                            </p:txEl>
+                                          </p:spTgt>
+                                        </p:tgtEl>
+                                        <p:attrNameLst>
+                                          <p:attrName>style.visibility</p:attrName>
+                                        </p:attrNameLst>
+                                      </p:cBhvr>
+                                      <p:to>
+                                        <p:strVal val="visible"/>
+                                      </p:to>
+                                    </p:set>
+                                  </p:childTnLst>
+                                </p:cTn>
+                              </p:par>
+                            </p:childTnLst>
+                          </p:cTn>
+                        </p:par>
+                      </p:childTnLst>
+                    </p:cTn>
+                  </p:par>
+                  <p:par>
+                    <p:cTn id="11" fill="hold">
+                      <p:stCondLst>
+                        <p:cond delay="indefinite"/>
+                      </p:stCondLst>
+                      <p:childTnLst>
+                        <p:par>
+                          <p:cTn id="12" fill="hold">
+                            <p:stCondLst>
+                              <p:cond delay="0"/>
+                            </p:stCondLst>
+                            <p:childTnLst>
+                              <p:par>
+                                <p:cTn id="13" presetID="1" presetClass="entr" presetSubtype="0" fill="hold" nodeType="clickEffect">
+                                  <p:stCondLst>
+                                    <p:cond delay="0"/>
+                                  </p:stCondLst>
+                                  <p:childTnLst>
+                                    <p:set>
+                                      <p:cBhvr>
+                                        <p:cTn id="14" dur="1" fill="hold">
+                                          <p:stCondLst>
+                                            <p:cond delay="0"/>
+                                          </p:stCondLst>
+                                        </p:cTn>
+                                        <p:tgtEl>
+                                          <p:spTgt spid="6">
+                                            <p:txEl>
+                                              <p:pRg st="1" end="1"/>
+                                            </p:txEl>
+                                          </p:spTgt>
+                                        </p:tgtEl>
+                                        <p:attrNameLst>
+                                          <p:attrName>style.visibility</p:attrName>
+                                        </p:attrNameLst>
+                                      </p:cBhvr>
+                                      <p:to>
+                                        <p:strVal val="visible"/>
+                                      </p:to>
+                                    </p:set>
+                                  </p:childTnLst>
+                                </p:cTn>
+                              </p:par>
+                            </p:childTnLst>
+                          </p:cTn>
+                        </p:par>
+                      </p:childTnLst>
+                    </p:cTn>
+                  </p:par>
+                  <p:par>
+                    <p:cTn id="15" fill="hold">
+                      <p:stCondLst>
+                        <p:cond delay="indefinite"/>
+                      </p:stCondLst>
+                      <p:childTnLst>
+                        <p:par>
+                          <p:cTn id="16" fill="hold">
+                            <p:stCondLst>
+                              <p:cond delay="0"/>
+                            </p:stCondLst>
+                            <p:childTnLst>
+                              <p:par>
+                                <p:cTn id="17" presetID="1" presetClass="entr" presetSubtype="0" fill="hold" nodeType="clickEffect">
+                                  <p:stCondLst>
+                                    <p:cond delay="0"/>
+                                  </p:stCondLst>
+                                  <p:childTnLst>
+                                    <p:set>
+                                      <p:cBhvr>
+                                        <p:cTn id="18" dur="1" fill="hold">
+                                          <p:stCondLst>
+                                            <p:cond delay="0"/>
+                                          </p:stCondLst>
+                                        </p:cTn>
+                                        <p:tgtEl>
+                                          <p:spTgt spid="6">
+                                            <p:txEl>
+                                              <p:pRg st="2" end="2"/>
+                                            </p:txEl>
+                                          </p:spTgt>
+                                        </p:tgtEl>
+                                        <p:attrNameLst>
+                                          <p:attrName>style.visibility</p:attrName>
+                                        </p:attrNameLst>
+                                      </p:cBhvr>
+                                      <p:to>
+                                        <p:strVal val="visible"/>
+                                      </p:to>
+                                    </p:set>
+                                  </p:childTnLst>
+                                </p:cTn>
+                              </p:par>
+                            </p:childTnLst>
+                          </p:cTn>
+                        </p:par>
+                      </p:childTnLst>
+                    </p:cTn>
+                  </p:par>
+                  <p:par>
+                    <p:cTn id="19" fill="hold">
+                      <p:stCondLst>
+                        <p:cond delay="indefinite"/>
+                      </p:stCondLst>
+                      <p:childTnLst>
+                        <p:par>
+                          <p:cTn id="20" fill="hold">
+                            <p:stCondLst>
+                              <p:cond delay="0"/>
+                            </p:stCondLst>
+                            <p:childTnLst>
+                              <p:par>
+                                <p:cTn id="21" presetID="1" presetClass="entr" presetSubtype="0" fill="hold" grpId="0" nodeType="clickEffect">
+                                  <p:stCondLst>
+                                    <p:cond delay="0"/>
+                                  </p:stCondLst>
+                                  <p:childTnLst>
+                                    <p:set>
+                                      <p:cBhvr>
+                                        <p:cTn id="22" dur="1" fill="hold">
+                                          <p:stCondLst>
+                                            <p:cond delay="0"/>
+                                          </p:stCondLst>
+                                        </p:cTn>
+                                        <p:tgtEl>
+                                          <p:spTgt spid="7"/>
+                                        </p:tgtEl>
+                                        <p:attrNameLst>
+                                          <p:attrName>style.visibility</p:attrName>
+                                        </p:attrNameLst>
+                                      </p:cBhvr>
+                                      <p:to>
+                                        <p:strVal val="visible"/>
+                                      </p:to>
+                                    </p:set>
+                                  </p:childTnLst>
+                                </p:cTn>
+                              </p:par>
+                            </p:childTnLst>
+                          </p:cTn>
+                        </p:par>
+                      </p:childTnLst>
+                    </p:cTn>
+                  </p:par>
+                  <p:par>
+                    <p:cTn id="23" fill="hold">
+                      <p:stCondLst>
+                        <p:cond delay="indefinite"/>
+                      </p:stCondLst>
+                      <p:childTnLst>
+                        <p:par>
+                          <p:cTn id="24" fill="hold">
+                            <p:stCondLst>
+                              <p:cond delay="0"/>
+                            </p:stCondLst>
+                            <p:childTnLst>
+                              <p:par>
+                                <p:cTn id="25" presetID="1" presetClass="entr" presetSubtype="0" fill="hold" nodeType="clickEffect">
+                                  <p:stCondLst>
+                                    <p:cond delay="0"/>
+                                  </p:stCondLst>
+                                  <p:childTnLst>
+                                    <p:set>
+                                      <p:cBhvr>
+                                        <p:cTn id="26" dur="1" fill="hold">
+                                          <p:stCondLst>
+                                            <p:cond delay="0"/>
+                                          </p:stCondLst>
+                                        </p:cTn>
+                                        <p:tgtEl>
+                                          <p:spTgt spid="6">
+                                            <p:txEl>
+                                              <p:pRg st="3" end="3"/>
+                                            </p:txEl>
+                                          </p:spTgt>
+                                        </p:tgtEl>
+                                        <p:attrNameLst>
+                                          <p:attrName>style.visibility</p:attrName>
+                                        </p:attrNameLst>
+                                      </p:cBhvr>
+                                      <p:to>
+                                        <p:strVal val="visible"/>
+                                      </p:to>
+                                    </p:set>
+                                  </p:childTnLst>
+                                </p:cTn>
+                              </p:par>
+                            </p:childTnLst>
+                          </p:cTn>
+                        </p:par>
+                      </p:childTnLst>
+                    </p:cTn>
+                  </p:par>
+                  <p:par>
+                    <p:cTn id="27" fill="hold">
+                      <p:stCondLst>
+                        <p:cond delay="indefinite"/>
+                      </p:stCondLst>
+                      <p:childTnLst>
+                        <p:par>
+                          <p:cTn id="28" fill="hold">
+                            <p:stCondLst>
+                              <p:cond delay="0"/>
+                            </p:stCondLst>
+                            <p:childTnLst>
+                              <p:par>
+                                <p:cTn id="29" presetID="1" presetClass="entr" presetSubtype="0" fill="hold" grpId="0" nodeType="clickEffect">
+                                  <p:stCondLst>
+                                    <p:cond delay="0"/>
+                                  </p:stCondLst>
+                                  <p:childTnLst>
+                                    <p:set>
+                                      <p:cBhvr>
+                                        <p:cTn id="30" dur="1" fill="hold">
+                                          <p:stCondLst>
+                                            <p:cond delay="0"/>
+                                          </p:stCondLst>
+                                        </p:cTn>
+                                        <p:tgtEl>
+                                          <p:spTgt spid="5"/>
+                                        </p:tgtEl>
+                                        <p:attrNameLst>
+                                          <p:attrName>style.visibility</p:attrName>
+                                        </p:attrNameLst>
+                                      </p:cBhvr>
+                                      <p:to>
+                                        <p:strVal val="visible"/>
+                                      </p:to>
+                                    </p:set>
+                                  </p:childTnLst>
+                                </p:cTn>
+                              </p:par>
+                              <p:par>
+                                <p:cTn id="31" presetID="1" presetClass="entr" presetSubtype="0" fill="hold" nodeType="withEffect">
+                                  <p:stCondLst>
+                                    <p:cond delay="0"/>
+                                  </p:stCondLst>
+                                  <p:childTnLst>
+                                    <p:set>
+                                      <p:cBhvr>
+                                        <p:cTn id="32" dur="1" fill="hold">
+                                          <p:stCondLst>
+                                            <p:cond delay="0"/>
+                                          </p:stCondLst>
+                                        </p:cTn>
+                                        <p:tgtEl>
+                                          <p:spTgt spid="2"/>
                                         </p:tgtEl>
                                         <p:attrNameLst>
                                           <p:attrName>style.visibility</p:attrName>
@@ -14676,7 +16524,8 @@
       </p:par>
     </p:tnLst>
     <p:bldLst>
-      <p:bldP spid="6" grpId="0"/>
+      <p:bldP spid="5" grpId="0"/>
+      <p:bldP spid="7" grpId="0"/>
     </p:bldLst>
   </p:timing>
 </p:sld>
@@ -14721,21 +16570,10 @@
               <a:t>主问题：</a:t>
             </a:r>
             <a:r>
-              <a:rPr lang="en-US" dirty="0">
-                <a:sym typeface="+mn-ea"/>
-              </a:rPr>
-              <a:t>	</a:t>
-            </a:r>
-            <a:br>
-              <a:rPr lang="en-US" dirty="0">
-                <a:sym typeface="+mn-ea"/>
-              </a:rPr>
-            </a:br>
-            <a:r>
               <a:rPr lang="en-US" dirty="0" err="1">
                 <a:sym typeface="+mn-ea"/>
               </a:rPr>
-              <a:t>全连接层的输出是什么</a:t>
+              <a:t>输出是什么</a:t>
             </a:r>
             <a:r>
               <a:rPr lang="zh-CN" altLang="en-US" dirty="0"/>
@@ -14796,7 +16634,7 @@
               <a:rPr lang="zh-CN" altLang="en-US" dirty="0">
                 <a:sym typeface="+mn-ea"/>
               </a:rPr>
-              <a:t>主问题：	全连接层的输出是什么</a:t>
+              <a:t>主问题：	输出是什么</a:t>
             </a:r>
             <a:r>
               <a:rPr lang="zh-CN" altLang="en-US" dirty="0"/>
@@ -15043,7 +16881,18 @@
             </a:pPr>
             <a:r>
               <a:rPr lang="zh-CN" altLang="en-US" dirty="0"/>
-              <a:t>输出层的输出数据是什么？</a:t>
+              <a:t>需要的输出数据是什么？</a:t>
+            </a:r>
+            <a:endParaRPr lang="en-US" altLang="zh-CN" dirty="0"/>
+          </a:p>
+          <a:p>
+            <a:pPr marL="285750" indent="-285750">
+              <a:buFont typeface="Arial" panose="020B0604020202020204" pitchFamily="34" charset="0"/>
+              <a:buChar char="•"/>
+            </a:pPr>
+            <a:r>
+              <a:rPr lang="zh-CN" altLang="en-US" dirty="0"/>
+              <a:t>如何设计输出层的输出数据？</a:t>
             </a:r>
             <a:endParaRPr lang="en-US" altLang="zh-CN" dirty="0"/>
           </a:p>
@@ -15133,6 +16982,46 @@
               <a:buChar char="•"/>
             </a:pPr>
             <a:endParaRPr lang="zh-CN" altLang="en-US" dirty="0"/>
+          </a:p>
+        </p:txBody>
+      </p:sp>
+      <p:sp>
+        <p:nvSpPr>
+          <p:cNvPr id="2" name="文本框 1">
+            <a:extLst>
+              <a:ext uri="{FF2B5EF4-FFF2-40B4-BE49-F238E27FC236}">
+                <a16:creationId xmlns:a16="http://schemas.microsoft.com/office/drawing/2014/main" id="{4562B282-1E64-B2DF-6261-D83AC9468682}"/>
+              </a:ext>
+            </a:extLst>
+          </p:cNvPr>
+          <p:cNvSpPr txBox="1"/>
+          <p:nvPr/>
+        </p:nvSpPr>
+        <p:spPr>
+          <a:xfrm>
+            <a:off x="6096000" y="1778635"/>
+            <a:ext cx="1677062" cy="369332"/>
+          </a:xfrm>
+          <a:prstGeom prst="rect">
+            <a:avLst/>
+          </a:prstGeom>
+          <a:noFill/>
+        </p:spPr>
+        <p:txBody>
+          <a:bodyPr wrap="none" rtlCol="0">
+            <a:spAutoFit/>
+          </a:bodyPr>
+          <a:lstStyle/>
+          <a:p>
+            <a:r>
+              <a:rPr kumimoji="1" lang="zh-CN" altLang="en-US" dirty="0"/>
+              <a:t>一个数字：</a:t>
+            </a:r>
+            <a:r>
+              <a:rPr kumimoji="1" lang="en-US" altLang="zh-CN" dirty="0"/>
+              <a:t>0-9</a:t>
+            </a:r>
+            <a:endParaRPr kumimoji="1" lang="zh-CN" altLang="en-US" dirty="0"/>
           </a:p>
         </p:txBody>
       </p:sp>
@@ -15170,7 +17059,7 @@
                             </p:stCondLst>
                             <p:childTnLst>
                               <p:par>
-                                <p:cTn id="5" presetID="1" presetClass="entr" presetSubtype="0" fill="hold" grpId="0" nodeType="clickEffect">
+                                <p:cTn id="5" presetID="1" presetClass="entr" presetSubtype="0" fill="hold" nodeType="clickEffect">
                                   <p:stCondLst>
                                     <p:cond delay="0"/>
                                   </p:stCondLst>
@@ -15183,7 +17072,154 @@
                                           </p:stCondLst>
                                         </p:cTn>
                                         <p:tgtEl>
-                                          <p:spTgt spid="6"/>
+                                          <p:spTgt spid="6">
+                                            <p:txEl>
+                                              <p:pRg st="0" end="0"/>
+                                            </p:txEl>
+                                          </p:spTgt>
+                                        </p:tgtEl>
+                                        <p:attrNameLst>
+                                          <p:attrName>style.visibility</p:attrName>
+                                        </p:attrNameLst>
+                                      </p:cBhvr>
+                                      <p:to>
+                                        <p:strVal val="visible"/>
+                                      </p:to>
+                                    </p:set>
+                                  </p:childTnLst>
+                                </p:cTn>
+                              </p:par>
+                            </p:childTnLst>
+                          </p:cTn>
+                        </p:par>
+                      </p:childTnLst>
+                    </p:cTn>
+                  </p:par>
+                  <p:par>
+                    <p:cTn id="7" fill="hold">
+                      <p:stCondLst>
+                        <p:cond delay="indefinite"/>
+                      </p:stCondLst>
+                      <p:childTnLst>
+                        <p:par>
+                          <p:cTn id="8" fill="hold">
+                            <p:stCondLst>
+                              <p:cond delay="0"/>
+                            </p:stCondLst>
+                            <p:childTnLst>
+                              <p:par>
+                                <p:cTn id="9" presetID="1" presetClass="entr" presetSubtype="0" fill="hold" grpId="0" nodeType="clickEffect">
+                                  <p:stCondLst>
+                                    <p:cond delay="0"/>
+                                  </p:stCondLst>
+                                  <p:childTnLst>
+                                    <p:set>
+                                      <p:cBhvr>
+                                        <p:cTn id="10" dur="1" fill="hold">
+                                          <p:stCondLst>
+                                            <p:cond delay="0"/>
+                                          </p:stCondLst>
+                                        </p:cTn>
+                                        <p:tgtEl>
+                                          <p:spTgt spid="2"/>
+                                        </p:tgtEl>
+                                        <p:attrNameLst>
+                                          <p:attrName>style.visibility</p:attrName>
+                                        </p:attrNameLst>
+                                      </p:cBhvr>
+                                      <p:to>
+                                        <p:strVal val="visible"/>
+                                      </p:to>
+                                    </p:set>
+                                  </p:childTnLst>
+                                </p:cTn>
+                              </p:par>
+                            </p:childTnLst>
+                          </p:cTn>
+                        </p:par>
+                      </p:childTnLst>
+                    </p:cTn>
+                  </p:par>
+                  <p:par>
+                    <p:cTn id="11" fill="hold">
+                      <p:stCondLst>
+                        <p:cond delay="indefinite"/>
+                      </p:stCondLst>
+                      <p:childTnLst>
+                        <p:par>
+                          <p:cTn id="12" fill="hold">
+                            <p:stCondLst>
+                              <p:cond delay="0"/>
+                            </p:stCondLst>
+                            <p:childTnLst>
+                              <p:par>
+                                <p:cTn id="13" presetID="1" presetClass="entr" presetSubtype="0" fill="hold" nodeType="clickEffect">
+                                  <p:stCondLst>
+                                    <p:cond delay="0"/>
+                                  </p:stCondLst>
+                                  <p:childTnLst>
+                                    <p:set>
+                                      <p:cBhvr>
+                                        <p:cTn id="14" dur="1" fill="hold">
+                                          <p:stCondLst>
+                                            <p:cond delay="0"/>
+                                          </p:stCondLst>
+                                        </p:cTn>
+                                        <p:tgtEl>
+                                          <p:spTgt spid="6">
+                                            <p:txEl>
+                                              <p:pRg st="1" end="1"/>
+                                            </p:txEl>
+                                          </p:spTgt>
+                                        </p:tgtEl>
+                                        <p:attrNameLst>
+                                          <p:attrName>style.visibility</p:attrName>
+                                        </p:attrNameLst>
+                                      </p:cBhvr>
+                                      <p:to>
+                                        <p:strVal val="visible"/>
+                                      </p:to>
+                                    </p:set>
+                                  </p:childTnLst>
+                                </p:cTn>
+                              </p:par>
+                            </p:childTnLst>
+                          </p:cTn>
+                        </p:par>
+                      </p:childTnLst>
+                    </p:cTn>
+                  </p:par>
+                  <p:par>
+                    <p:cTn id="15" fill="hold">
+                      <p:stCondLst>
+                        <p:cond delay="indefinite"/>
+                      </p:stCondLst>
+                      <p:childTnLst>
+                        <p:par>
+                          <p:cTn id="16" fill="hold">
+                            <p:stCondLst>
+                              <p:cond delay="0"/>
+                            </p:stCondLst>
+                            <p:childTnLst>
+                              <p:par>
+                                <p:cTn id="17" presetID="1" presetClass="entr" presetSubtype="0" fill="hold" nodeType="clickEffect">
+                                  <p:stCondLst>
+                                    <p:cond delay="0"/>
+                                  </p:stCondLst>
+                                  <p:childTnLst>
+                                    <p:set>
+                                      <p:cBhvr>
+                                        <p:cTn id="18" dur="1" fill="hold">
+                                          <p:stCondLst>
+                                            <p:cond delay="0"/>
+                                          </p:stCondLst>
+                                        </p:cTn>
+                                        <p:tgtEl>
+                                          <p:spTgt spid="6">
+                                            <p:txEl>
+                                              <p:pRg st="2" end="2"/>
+                                            </p:txEl>
+                                          </p:spTgt>
                                         </p:tgtEl>
                                         <p:attrNameLst>
                                           <p:attrName>style.visibility</p:attrName>
@@ -15224,7 +17260,7 @@
       </p:par>
     </p:tnLst>
     <p:bldLst>
-      <p:bldP spid="6" grpId="0"/>
+      <p:bldP spid="2" grpId="0"/>
     </p:bldLst>
   </p:timing>
 </p:sld>

--- a/lessons/5_handwriting_by_linear_layer/ppt/用全连接层识别手写数字.pptx
+++ b/lessons/5_handwriting_by_linear_layer/ppt/用全连接层识别手写数字.pptx
@@ -7812,10 +7812,10 @@
       </p:pic>
       <p:pic>
         <p:nvPicPr>
-          <p:cNvPr id="5" name="图片 4">
+          <p:cNvPr id="8" name="图片 7">
             <a:extLst>
               <a:ext uri="{FF2B5EF4-FFF2-40B4-BE49-F238E27FC236}">
-                <a16:creationId xmlns:a16="http://schemas.microsoft.com/office/drawing/2014/main" id="{86AF3EE2-79CF-DE06-7943-1C3B0E575762}"/>
+                <a16:creationId xmlns:a16="http://schemas.microsoft.com/office/drawing/2014/main" id="{894F428E-9CDF-8FAE-820C-5E6EF2FBCF0D}"/>
               </a:ext>
             </a:extLst>
           </p:cNvPr>
@@ -7838,8 +7838,8 @@
         </p:blipFill>
         <p:spPr>
           <a:xfrm>
-            <a:off x="7455877" y="3726914"/>
-            <a:ext cx="4057353" cy="1352451"/>
+            <a:off x="7455877" y="3369472"/>
+            <a:ext cx="4449368" cy="1352451"/>
           </a:xfrm>
           <a:prstGeom prst="rect">
             <a:avLst/>
@@ -8134,7 +8134,7 @@
                                           </p:stCondLst>
                                         </p:cTn>
                                         <p:tgtEl>
-                                          <p:spTgt spid="5"/>
+                                          <p:spTgt spid="8"/>
                                         </p:tgtEl>
                                         <p:attrNameLst>
                                           <p:attrName>style.visibility</p:attrName>
@@ -16086,8 +16086,8 @@
         </p:nvSpPr>
         <p:spPr>
           <a:xfrm>
-            <a:off x="4276296" y="1842906"/>
-            <a:ext cx="7398179" cy="646331"/>
+            <a:off x="4276296" y="1718422"/>
+            <a:ext cx="7398179" cy="923330"/>
           </a:xfrm>
           <a:prstGeom prst="rect">
             <a:avLst/>
@@ -16099,6 +16099,17 @@
             <a:spAutoFit/>
           </a:bodyPr>
           <a:lstStyle/>
+          <a:p>
+            <a:pPr marL="285750" indent="-285750">
+              <a:buFont typeface="Arial" panose="020B0604020202020204" pitchFamily="34" charset="0"/>
+              <a:buChar char="•"/>
+            </a:pPr>
+            <a:r>
+              <a:rPr kumimoji="1" lang="zh-CN" altLang="en-US" dirty="0"/>
+              <a:t>输出不确定</a:t>
+            </a:r>
+            <a:endParaRPr kumimoji="1" lang="en-US" altLang="zh-CN" dirty="0"/>
+          </a:p>
           <a:p>
             <a:pPr marL="285750" indent="-285750">
               <a:buFont typeface="Arial" panose="020B0604020202020204" pitchFamily="34" charset="0"/>

--- a/lessons/5_handwriting_by_linear_layer/ppt/用全连接层识别手写数字.pptx
+++ b/lessons/5_handwriting_by_linear_layer/ppt/用全连接层识别手写数字.pptx
@@ -10516,7 +10516,7 @@
         </p:nvSpPr>
         <p:spPr>
           <a:xfrm>
-            <a:off x="6692202" y="1889090"/>
+            <a:off x="6732396" y="1949380"/>
             <a:ext cx="2089033" cy="646331"/>
           </a:xfrm>
           <a:prstGeom prst="rect">
@@ -10549,9 +10549,147 @@
               <a:rPr kumimoji="1" lang="zh-CN" altLang="en-US" dirty="0"/>
               <a:t>避免加权和过大</a:t>
             </a:r>
+            <a:endParaRPr kumimoji="1" lang="en-US" altLang="zh-CN" dirty="0"/>
           </a:p>
         </p:txBody>
       </p:sp>
+      <mc:AlternateContent xmlns:mc="http://schemas.openxmlformats.org/markup-compatibility/2006">
+        <mc:Choice xmlns:a14="http://schemas.microsoft.com/office/drawing/2010/main" Requires="a14">
+          <p:sp>
+            <p:nvSpPr>
+              <p:cNvPr id="2" name="文本框 1">
+                <a:extLst>
+                  <a:ext uri="{FF2B5EF4-FFF2-40B4-BE49-F238E27FC236}">
+                    <a16:creationId xmlns:a16="http://schemas.microsoft.com/office/drawing/2014/main" id="{20ADF61C-E4BF-E46D-8220-EB0FB4E8D591}"/>
+                  </a:ext>
+                </a:extLst>
+              </p:cNvPr>
+              <p:cNvSpPr txBox="1"/>
+              <p:nvPr/>
+            </p:nvSpPr>
+            <p:spPr>
+              <a:xfrm>
+                <a:off x="6774287" y="3165787"/>
+                <a:ext cx="4900188" cy="526426"/>
+              </a:xfrm>
+              <a:prstGeom prst="rect">
+                <a:avLst/>
+              </a:prstGeom>
+              <a:noFill/>
+            </p:spPr>
+            <p:txBody>
+              <a:bodyPr wrap="none" rtlCol="0">
+                <a:spAutoFit/>
+              </a:bodyPr>
+              <a:lstStyle/>
+              <a:p>
+                <a14:m>
+                  <m:oMath xmlns:m="http://schemas.openxmlformats.org/officeDocument/2006/math">
+                    <m:f>
+                      <m:fPr>
+                        <m:ctrlPr>
+                          <a:rPr kumimoji="1" lang="en-US" altLang="zh-CN" i="1" smtClean="0">
+                            <a:latin typeface="Cambria Math" panose="02040503050406030204" pitchFamily="18" charset="0"/>
+                          </a:rPr>
+                        </m:ctrlPr>
+                      </m:fPr>
+                      <m:num>
+                        <m:r>
+                          <a:rPr kumimoji="1" lang="en-US" altLang="zh-CN" b="0" i="1" smtClean="0">
+                            <a:latin typeface="Cambria Math" panose="02040503050406030204" pitchFamily="18" charset="0"/>
+                          </a:rPr>
+                          <m:t>𝑑𝐸</m:t>
+                        </m:r>
+                      </m:num>
+                      <m:den>
+                        <m:r>
+                          <a:rPr kumimoji="1" lang="en-US" altLang="zh-CN" b="0" i="1" smtClean="0">
+                            <a:latin typeface="Cambria Math" panose="02040503050406030204" pitchFamily="18" charset="0"/>
+                          </a:rPr>
+                          <m:t>𝑑</m:t>
+                        </m:r>
+                        <m:sSub>
+                          <m:sSubPr>
+                            <m:ctrlPr>
+                              <a:rPr kumimoji="1" lang="en-US" altLang="zh-CN" b="0" i="1" smtClean="0">
+                                <a:latin typeface="Cambria Math" panose="02040503050406030204" pitchFamily="18" charset="0"/>
+                              </a:rPr>
+                            </m:ctrlPr>
+                          </m:sSubPr>
+                          <m:e>
+                            <m:r>
+                              <a:rPr kumimoji="1" lang="en-US" altLang="zh-CN" b="0" i="1" smtClean="0">
+                                <a:latin typeface="Cambria Math" panose="02040503050406030204" pitchFamily="18" charset="0"/>
+                              </a:rPr>
+                              <m:t>𝑦</m:t>
+                            </m:r>
+                          </m:e>
+                          <m:sub>
+                            <m:r>
+                              <a:rPr kumimoji="1" lang="en-US" altLang="zh-CN" b="0" i="1" smtClean="0">
+                                <a:latin typeface="Cambria Math" panose="02040503050406030204" pitchFamily="18" charset="0"/>
+                              </a:rPr>
+                              <m:t>𝑘</m:t>
+                            </m:r>
+                          </m:sub>
+                        </m:sSub>
+                      </m:den>
+                    </m:f>
+                  </m:oMath>
+                </a14:m>
+                <a:r>
+                  <a:rPr kumimoji="1" lang="zh-CN" altLang="en-US" dirty="0"/>
+                  <a:t>也有问题，但不知道如何求导，所以先不管</a:t>
+                </a:r>
+              </a:p>
+            </p:txBody>
+          </p:sp>
+        </mc:Choice>
+        <mc:Fallback>
+          <p:sp>
+            <p:nvSpPr>
+              <p:cNvPr id="2" name="文本框 1">
+                <a:extLst>
+                  <a:ext uri="{FF2B5EF4-FFF2-40B4-BE49-F238E27FC236}">
+                    <a16:creationId xmlns:a16="http://schemas.microsoft.com/office/drawing/2014/main" id="{20ADF61C-E4BF-E46D-8220-EB0FB4E8D591}"/>
+                  </a:ext>
+                </a:extLst>
+              </p:cNvPr>
+              <p:cNvSpPr txBox="1">
+                <a:spLocks noRot="1" noChangeAspect="1" noMove="1" noResize="1" noEditPoints="1" noAdjustHandles="1" noChangeArrowheads="1" noChangeShapeType="1" noTextEdit="1"/>
+              </p:cNvSpPr>
+              <p:nvPr/>
+            </p:nvSpPr>
+            <p:spPr>
+              <a:xfrm>
+                <a:off x="6774287" y="3165787"/>
+                <a:ext cx="4900188" cy="526426"/>
+              </a:xfrm>
+              <a:prstGeom prst="rect">
+                <a:avLst/>
+              </a:prstGeom>
+              <a:blipFill>
+                <a:blip r:embed="rId3"/>
+                <a:stretch>
+                  <a:fillRect/>
+                </a:stretch>
+              </a:blipFill>
+            </p:spPr>
+            <p:txBody>
+              <a:bodyPr/>
+              <a:lstStyle/>
+              <a:p>
+                <a:r>
+                  <a:rPr lang="zh-CN" altLang="en-US">
+                    <a:noFill/>
+                  </a:rPr>
+                  <a:t> </a:t>
+                </a:r>
+              </a:p>
+            </p:txBody>
+          </p:sp>
+        </mc:Fallback>
+      </mc:AlternateContent>
     </p:spTree>
     <p:custDataLst>
       <p:tags r:id="rId1"/>

--- a/lessons/5_handwriting_by_linear_layer/ppt/用全连接层识别手写数字.pptx
+++ b/lessons/5_handwriting_by_linear_layer/ppt/用全连接层识别手写数字.pptx
@@ -241,7 +241,7 @@
                 <a:latin typeface="微软雅黑" panose="020B0503020204020204" charset="-122"/>
                 <a:ea typeface="微软雅黑" panose="020B0503020204020204" charset="-122"/>
               </a:rPr>
-              <a:t>2022/11/14</a:t>
+              <a:t>2022/11/17</a:t>
             </a:fld>
             <a:endParaRPr lang="zh-CN" altLang="en-US">
               <a:latin typeface="微软雅黑" panose="020B0503020204020204" charset="-122"/>
@@ -424,7 +424,7 @@
           <a:p>
             <a:fld id="{1AC49D05-6128-4D0D-A32A-06A5E73B386C}" type="datetimeFigureOut">
               <a:rPr lang="zh-CN" altLang="en-US" smtClean="0"/>
-              <a:t>2022/11/14</a:t>
+              <a:t>2022/11/17</a:t>
             </a:fld>
             <a:endParaRPr lang="zh-CN" altLang="en-US"/>
           </a:p>
@@ -1086,7 +1086,7 @@
           <a:p>
             <a:fld id="{9EFD9D74-47D9-4702-A33C-335B63B48DBF}" type="datetimeFigureOut">
               <a:rPr lang="zh-CN" altLang="en-US" smtClean="0"/>
-              <a:t>2022/11/14</a:t>
+              <a:t>2022/11/17</a:t>
             </a:fld>
             <a:endParaRPr lang="zh-CN" altLang="en-US" dirty="0"/>
           </a:p>
@@ -1419,7 +1419,7 @@
           <a:p>
             <a:fld id="{760FBDFE-C587-4B4C-A407-44438C67B59E}" type="datetimeFigureOut">
               <a:rPr lang="zh-CN" altLang="en-US" smtClean="0"/>
-              <a:t>2022/11/14</a:t>
+              <a:t>2022/11/17</a:t>
             </a:fld>
             <a:endParaRPr lang="zh-CN" altLang="en-US"/>
           </a:p>
@@ -1592,7 +1592,7 @@
           <a:p>
             <a:fld id="{9EFD9D74-47D9-4702-A33C-335B63B48DBF}" type="datetimeFigureOut">
               <a:rPr lang="zh-CN" altLang="en-US" smtClean="0"/>
-              <a:t>2022/11/14</a:t>
+              <a:t>2022/11/17</a:t>
             </a:fld>
             <a:endParaRPr lang="zh-CN" altLang="en-US" dirty="0"/>
           </a:p>
@@ -2117,7 +2117,7 @@
           <a:p>
             <a:fld id="{760FBDFE-C587-4B4C-A407-44438C67B59E}" type="datetimeFigureOut">
               <a:rPr lang="zh-CN" altLang="en-US" smtClean="0"/>
-              <a:t>2022/11/14</a:t>
+              <a:t>2022/11/17</a:t>
             </a:fld>
             <a:endParaRPr lang="zh-CN" altLang="en-US"/>
           </a:p>
@@ -2865,7 +2865,7 @@
           <a:p>
             <a:fld id="{760FBDFE-C587-4B4C-A407-44438C67B59E}" type="datetimeFigureOut">
               <a:rPr lang="zh-CN" altLang="en-US" smtClean="0"/>
-              <a:t>2022/11/14</a:t>
+              <a:t>2022/11/17</a:t>
             </a:fld>
             <a:endParaRPr lang="zh-CN" altLang="en-US"/>
           </a:p>
@@ -3031,7 +3031,7 @@
           <a:p>
             <a:fld id="{760FBDFE-C587-4B4C-A407-44438C67B59E}" type="datetimeFigureOut">
               <a:rPr lang="zh-CN" altLang="en-US" smtClean="0"/>
-              <a:t>2022/11/14</a:t>
+              <a:t>2022/11/17</a:t>
             </a:fld>
             <a:endParaRPr lang="zh-CN" altLang="en-US"/>
           </a:p>
@@ -3145,7 +3145,7 @@
           <a:p>
             <a:fld id="{760FBDFE-C587-4B4C-A407-44438C67B59E}" type="datetimeFigureOut">
               <a:rPr lang="zh-CN" altLang="en-US" smtClean="0"/>
-              <a:t>2022/11/14</a:t>
+              <a:t>2022/11/17</a:t>
             </a:fld>
             <a:endParaRPr lang="zh-CN" altLang="en-US"/>
           </a:p>
@@ -3475,7 +3475,7 @@
           <a:p>
             <a:fld id="{9EFD9D74-47D9-4702-A33C-335B63B48DBF}" type="datetimeFigureOut">
               <a:rPr lang="zh-CN" altLang="en-US" smtClean="0"/>
-              <a:t>2022/11/14</a:t>
+              <a:t>2022/11/17</a:t>
             </a:fld>
             <a:endParaRPr lang="zh-CN" altLang="en-US" dirty="0"/>
           </a:p>
@@ -3988,7 +3988,7 @@
           <a:p>
             <a:fld id="{760FBDFE-C587-4B4C-A407-44438C67B59E}" type="datetimeFigureOut">
               <a:rPr lang="zh-CN" altLang="en-US" smtClean="0"/>
-              <a:t>2022/11/14</a:t>
+              <a:t>2022/11/17</a:t>
             </a:fld>
             <a:endParaRPr lang="zh-CN" altLang="en-US"/>
           </a:p>
@@ -4102,7 +4102,7 @@
           <a:p>
             <a:fld id="{760FBDFE-C587-4B4C-A407-44438C67B59E}" type="datetimeFigureOut">
               <a:rPr lang="zh-CN" altLang="en-US" smtClean="0"/>
-              <a:t>2022/11/14</a:t>
+              <a:t>2022/11/17</a:t>
             </a:fld>
             <a:endParaRPr lang="zh-CN" altLang="en-US"/>
           </a:p>
@@ -4390,7 +4390,7 @@
           <a:p>
             <a:fld id="{82F288E0-7875-42C4-84C8-98DBBD3BF4D2}" type="datetimeFigureOut">
               <a:rPr lang="zh-CN" altLang="en-US" smtClean="0"/>
-              <a:t>2022/11/14</a:t>
+              <a:t>2022/11/17</a:t>
             </a:fld>
             <a:endParaRPr lang="zh-CN" altLang="en-US"/>
           </a:p>
@@ -4849,7 +4849,7 @@
           <a:p>
             <a:fld id="{760FBDFE-C587-4B4C-A407-44438C67B59E}" type="datetimeFigureOut">
               <a:rPr lang="zh-CN" altLang="en-US" smtClean="0"/>
-              <a:t>2022/11/14</a:t>
+              <a:t>2022/11/17</a:t>
             </a:fld>
             <a:endParaRPr lang="zh-CN" altLang="en-US"/>
           </a:p>
@@ -5518,7 +5518,7 @@
           <a:p>
             <a:fld id="{9EFD9D74-47D9-4702-A33C-335B63B48DBF}" type="datetimeFigureOut">
               <a:rPr lang="zh-CN" altLang="en-US" smtClean="0"/>
-              <a:t>2022/11/14</a:t>
+              <a:t>2022/11/17</a:t>
             </a:fld>
             <a:endParaRPr lang="zh-CN" altLang="en-US" dirty="0"/>
           </a:p>
@@ -5666,7 +5666,7 @@
           <a:p>
             <a:fld id="{9EFD9D74-47D9-4702-A33C-335B63B48DBF}" type="datetimeFigureOut">
               <a:rPr lang="zh-CN" altLang="en-US" smtClean="0"/>
-              <a:t>2022/11/14</a:t>
+              <a:t>2022/11/17</a:t>
             </a:fld>
             <a:endParaRPr lang="zh-CN" altLang="en-US" dirty="0"/>
           </a:p>
@@ -10517,7 +10517,7 @@
         <p:spPr>
           <a:xfrm>
             <a:off x="6732396" y="1949380"/>
-            <a:ext cx="2089033" cy="646331"/>
+            <a:ext cx="2123338" cy="923330"/>
           </a:xfrm>
           <a:prstGeom prst="rect">
             <a:avLst/>
@@ -10548,6 +10548,17 @@
             <a:r>
               <a:rPr kumimoji="1" lang="zh-CN" altLang="en-US" dirty="0"/>
               <a:t>避免加权和过大</a:t>
+            </a:r>
+            <a:br>
+              <a:rPr kumimoji="1" lang="en-US" altLang="zh-CN" dirty="0"/>
+            </a:br>
+            <a:r>
+              <a:rPr kumimoji="1" lang="en-US" altLang="zh-CN" dirty="0"/>
+              <a:t>TODO </a:t>
+            </a:r>
+            <a:r>
+              <a:rPr kumimoji="1" lang="zh-CN" altLang="en-US" dirty="0"/>
+              <a:t>给出原因</a:t>
             </a:r>
             <a:endParaRPr kumimoji="1" lang="en-US" altLang="zh-CN" dirty="0"/>
           </a:p>
@@ -10570,7 +10581,7 @@
             <p:spPr>
               <a:xfrm>
                 <a:off x="6774287" y="3165787"/>
-                <a:ext cx="4900188" cy="526426"/>
+                <a:ext cx="4887364" cy="1237518"/>
               </a:xfrm>
               <a:prstGeom prst="rect">
                 <a:avLst/>
@@ -10583,6 +10594,97 @@
               </a:bodyPr>
               <a:lstStyle/>
               <a:p>
+                <a14:m>
+                  <m:oMath xmlns:m="http://schemas.openxmlformats.org/officeDocument/2006/math">
+                    <m:f>
+                      <m:fPr>
+                        <m:ctrlPr>
+                          <a:rPr kumimoji="1" lang="en-US" altLang="zh-CN" i="1" smtClean="0">
+                            <a:solidFill>
+                              <a:schemeClr val="bg2"/>
+                            </a:solidFill>
+                            <a:latin typeface="Cambria Math" panose="02040503050406030204" pitchFamily="18" charset="0"/>
+                          </a:rPr>
+                        </m:ctrlPr>
+                      </m:fPr>
+                      <m:num>
+                        <m:r>
+                          <a:rPr kumimoji="1" lang="en-US" altLang="zh-CN" b="0" i="1" smtClean="0">
+                            <a:solidFill>
+                              <a:schemeClr val="bg2"/>
+                            </a:solidFill>
+                            <a:latin typeface="Cambria Math" panose="02040503050406030204" pitchFamily="18" charset="0"/>
+                          </a:rPr>
+                          <m:t>𝑑𝐸</m:t>
+                        </m:r>
+                      </m:num>
+                      <m:den>
+                        <m:r>
+                          <a:rPr kumimoji="1" lang="en-US" altLang="zh-CN" b="0" i="1" smtClean="0">
+                            <a:solidFill>
+                              <a:schemeClr val="bg2"/>
+                            </a:solidFill>
+                            <a:latin typeface="Cambria Math" panose="02040503050406030204" pitchFamily="18" charset="0"/>
+                          </a:rPr>
+                          <m:t>𝑑</m:t>
+                        </m:r>
+                        <m:sSub>
+                          <m:sSubPr>
+                            <m:ctrlPr>
+                              <a:rPr kumimoji="1" lang="en-US" altLang="zh-CN" b="0" i="1" smtClean="0">
+                                <a:solidFill>
+                                  <a:schemeClr val="bg2"/>
+                                </a:solidFill>
+                                <a:latin typeface="Cambria Math" panose="02040503050406030204" pitchFamily="18" charset="0"/>
+                              </a:rPr>
+                            </m:ctrlPr>
+                          </m:sSubPr>
+                          <m:e>
+                            <m:r>
+                              <a:rPr kumimoji="1" lang="en-US" altLang="zh-CN" b="0" i="1" smtClean="0">
+                                <a:solidFill>
+                                  <a:schemeClr val="bg2"/>
+                                </a:solidFill>
+                                <a:latin typeface="Cambria Math" panose="02040503050406030204" pitchFamily="18" charset="0"/>
+                              </a:rPr>
+                              <m:t>𝑦</m:t>
+                            </m:r>
+                          </m:e>
+                          <m:sub>
+                            <m:r>
+                              <a:rPr kumimoji="1" lang="en-US" altLang="zh-CN" b="0" i="1" smtClean="0">
+                                <a:solidFill>
+                                  <a:schemeClr val="bg2"/>
+                                </a:solidFill>
+                                <a:latin typeface="Cambria Math" panose="02040503050406030204" pitchFamily="18" charset="0"/>
+                              </a:rPr>
+                              <m:t>𝑘</m:t>
+                            </m:r>
+                          </m:sub>
+                        </m:sSub>
+                      </m:den>
+                    </m:f>
+                  </m:oMath>
+                </a14:m>
+                <a:r>
+                  <a:rPr kumimoji="1" lang="zh-CN" altLang="en-US" dirty="0">
+                    <a:solidFill>
+                      <a:schemeClr val="bg2"/>
+                    </a:solidFill>
+                  </a:rPr>
+                  <a:t>也有问题，但不知道如何求导，所以先不管</a:t>
+                </a:r>
+                <a:endParaRPr kumimoji="1" lang="en-US" altLang="zh-CN" dirty="0">
+                  <a:solidFill>
+                    <a:schemeClr val="bg2"/>
+                  </a:solidFill>
+                </a:endParaRPr>
+              </a:p>
+              <a:p>
+                <a:r>
+                  <a:rPr kumimoji="1" lang="en-US" altLang="zh-CN" dirty="0"/>
+                  <a:t>TODO</a:t>
+                </a:r>
                 <a14:m>
                   <m:oMath xmlns:m="http://schemas.openxmlformats.org/officeDocument/2006/math">
                     <m:f>
@@ -10638,9 +10740,16 @@
                   </m:oMath>
                 </a14:m>
                 <a:r>
+                  <a:rPr kumimoji="1" lang="en-US" altLang="zh-CN" dirty="0"/>
+                  <a:t>=?</a:t>
+                </a:r>
+                <a:r>
                   <a:rPr kumimoji="1" lang="zh-CN" altLang="en-US" dirty="0"/>
-                  <a:t>也有问题，但不知道如何求导，所以先不管</a:t>
+                  <a:t>，并在后向传播中修改代码</a:t>
                 </a:r>
+              </a:p>
+              <a:p>
+                <a:endParaRPr kumimoji="1" lang="zh-CN" altLang="en-US" dirty="0"/>
               </a:p>
             </p:txBody>
           </p:sp>
@@ -10663,7 +10772,7 @@
             <p:spPr>
               <a:xfrm>
                 <a:off x="6774287" y="3165787"/>
-                <a:ext cx="4900188" cy="526426"/>
+                <a:ext cx="4887364" cy="1237518"/>
               </a:xfrm>
               <a:prstGeom prst="rect">
                 <a:avLst/>
@@ -10671,7 +10780,7 @@
               <a:blipFill>
                 <a:blip r:embed="rId3"/>
                 <a:stretch>
-                  <a:fillRect/>
+                  <a:fillRect l="-1036"/>
                 </a:stretch>
               </a:blipFill>
             </p:spPr>

--- a/lessons/5_handwriting_by_linear_layer/ppt/用全连接层识别手写数字.pptx
+++ b/lessons/5_handwriting_by_linear_layer/ppt/用全连接层识别手写数字.pptx
@@ -5,10 +5,10 @@
     <p:sldMasterId id="2147483648" r:id="rId1"/>
   </p:sldMasterIdLst>
   <p:notesMasterIdLst>
-    <p:notesMasterId r:id="rId35"/>
+    <p:notesMasterId r:id="rId36"/>
   </p:notesMasterIdLst>
   <p:handoutMasterIdLst>
-    <p:handoutMasterId r:id="rId36"/>
+    <p:handoutMasterId r:id="rId37"/>
   </p:handoutMasterIdLst>
   <p:sldIdLst>
     <p:sldId id="307" r:id="rId2"/>
@@ -29,26 +29,27 @@
     <p:sldId id="1069" r:id="rId17"/>
     <p:sldId id="1078" r:id="rId18"/>
     <p:sldId id="1083" r:id="rId19"/>
-    <p:sldId id="1084" r:id="rId20"/>
-    <p:sldId id="1085" r:id="rId21"/>
-    <p:sldId id="1086" r:id="rId22"/>
-    <p:sldId id="1071" r:id="rId23"/>
-    <p:sldId id="1077" r:id="rId24"/>
-    <p:sldId id="1070" r:id="rId25"/>
-    <p:sldId id="1079" r:id="rId26"/>
-    <p:sldId id="1087" r:id="rId27"/>
-    <p:sldId id="537" r:id="rId28"/>
-    <p:sldId id="536" r:id="rId29"/>
-    <p:sldId id="1014" r:id="rId30"/>
-    <p:sldId id="1013" r:id="rId31"/>
-    <p:sldId id="997" r:id="rId32"/>
-    <p:sldId id="998" r:id="rId33"/>
-    <p:sldId id="653" r:id="rId34"/>
+    <p:sldId id="1085" r:id="rId20"/>
+    <p:sldId id="1086" r:id="rId21"/>
+    <p:sldId id="1089" r:id="rId22"/>
+    <p:sldId id="1088" r:id="rId23"/>
+    <p:sldId id="1071" r:id="rId24"/>
+    <p:sldId id="1077" r:id="rId25"/>
+    <p:sldId id="1070" r:id="rId26"/>
+    <p:sldId id="1079" r:id="rId27"/>
+    <p:sldId id="1087" r:id="rId28"/>
+    <p:sldId id="537" r:id="rId29"/>
+    <p:sldId id="536" r:id="rId30"/>
+    <p:sldId id="1014" r:id="rId31"/>
+    <p:sldId id="1013" r:id="rId32"/>
+    <p:sldId id="997" r:id="rId33"/>
+    <p:sldId id="998" r:id="rId34"/>
+    <p:sldId id="653" r:id="rId35"/>
   </p:sldIdLst>
   <p:sldSz cx="12192000" cy="6858000"/>
   <p:notesSz cx="6858000" cy="9144000"/>
   <p:custDataLst>
-    <p:tags r:id="rId37"/>
+    <p:tags r:id="rId38"/>
   </p:custDataLst>
   <p:defaultTextStyle>
     <a:defPPr>
@@ -241,7 +242,7 @@
                 <a:latin typeface="微软雅黑" panose="020B0503020204020204" charset="-122"/>
                 <a:ea typeface="微软雅黑" panose="020B0503020204020204" charset="-122"/>
               </a:rPr>
-              <a:t>2022/11/17</a:t>
+              <a:t>2022/11/18</a:t>
             </a:fld>
             <a:endParaRPr lang="zh-CN" altLang="en-US">
               <a:latin typeface="微软雅黑" panose="020B0503020204020204" charset="-122"/>
@@ -424,7 +425,7 @@
           <a:p>
             <a:fld id="{1AC49D05-6128-4D0D-A32A-06A5E73B386C}" type="datetimeFigureOut">
               <a:rPr lang="zh-CN" altLang="en-US" smtClean="0"/>
-              <a:t>2022/11/17</a:t>
+              <a:t>2022/11/18</a:t>
             </a:fld>
             <a:endParaRPr lang="zh-CN" altLang="en-US"/>
           </a:p>
@@ -1086,7 +1087,7 @@
           <a:p>
             <a:fld id="{9EFD9D74-47D9-4702-A33C-335B63B48DBF}" type="datetimeFigureOut">
               <a:rPr lang="zh-CN" altLang="en-US" smtClean="0"/>
-              <a:t>2022/11/17</a:t>
+              <a:t>2022/11/18</a:t>
             </a:fld>
             <a:endParaRPr lang="zh-CN" altLang="en-US" dirty="0"/>
           </a:p>
@@ -1419,7 +1420,7 @@
           <a:p>
             <a:fld id="{760FBDFE-C587-4B4C-A407-44438C67B59E}" type="datetimeFigureOut">
               <a:rPr lang="zh-CN" altLang="en-US" smtClean="0"/>
-              <a:t>2022/11/17</a:t>
+              <a:t>2022/11/18</a:t>
             </a:fld>
             <a:endParaRPr lang="zh-CN" altLang="en-US"/>
           </a:p>
@@ -1592,7 +1593,7 @@
           <a:p>
             <a:fld id="{9EFD9D74-47D9-4702-A33C-335B63B48DBF}" type="datetimeFigureOut">
               <a:rPr lang="zh-CN" altLang="en-US" smtClean="0"/>
-              <a:t>2022/11/17</a:t>
+              <a:t>2022/11/18</a:t>
             </a:fld>
             <a:endParaRPr lang="zh-CN" altLang="en-US" dirty="0"/>
           </a:p>
@@ -2117,7 +2118,7 @@
           <a:p>
             <a:fld id="{760FBDFE-C587-4B4C-A407-44438C67B59E}" type="datetimeFigureOut">
               <a:rPr lang="zh-CN" altLang="en-US" smtClean="0"/>
-              <a:t>2022/11/17</a:t>
+              <a:t>2022/11/18</a:t>
             </a:fld>
             <a:endParaRPr lang="zh-CN" altLang="en-US"/>
           </a:p>
@@ -2865,7 +2866,7 @@
           <a:p>
             <a:fld id="{760FBDFE-C587-4B4C-A407-44438C67B59E}" type="datetimeFigureOut">
               <a:rPr lang="zh-CN" altLang="en-US" smtClean="0"/>
-              <a:t>2022/11/17</a:t>
+              <a:t>2022/11/18</a:t>
             </a:fld>
             <a:endParaRPr lang="zh-CN" altLang="en-US"/>
           </a:p>
@@ -3031,7 +3032,7 @@
           <a:p>
             <a:fld id="{760FBDFE-C587-4B4C-A407-44438C67B59E}" type="datetimeFigureOut">
               <a:rPr lang="zh-CN" altLang="en-US" smtClean="0"/>
-              <a:t>2022/11/17</a:t>
+              <a:t>2022/11/18</a:t>
             </a:fld>
             <a:endParaRPr lang="zh-CN" altLang="en-US"/>
           </a:p>
@@ -3145,7 +3146,7 @@
           <a:p>
             <a:fld id="{760FBDFE-C587-4B4C-A407-44438C67B59E}" type="datetimeFigureOut">
               <a:rPr lang="zh-CN" altLang="en-US" smtClean="0"/>
-              <a:t>2022/11/17</a:t>
+              <a:t>2022/11/18</a:t>
             </a:fld>
             <a:endParaRPr lang="zh-CN" altLang="en-US"/>
           </a:p>
@@ -3475,7 +3476,7 @@
           <a:p>
             <a:fld id="{9EFD9D74-47D9-4702-A33C-335B63B48DBF}" type="datetimeFigureOut">
               <a:rPr lang="zh-CN" altLang="en-US" smtClean="0"/>
-              <a:t>2022/11/17</a:t>
+              <a:t>2022/11/18</a:t>
             </a:fld>
             <a:endParaRPr lang="zh-CN" altLang="en-US" dirty="0"/>
           </a:p>
@@ -3988,7 +3989,7 @@
           <a:p>
             <a:fld id="{760FBDFE-C587-4B4C-A407-44438C67B59E}" type="datetimeFigureOut">
               <a:rPr lang="zh-CN" altLang="en-US" smtClean="0"/>
-              <a:t>2022/11/17</a:t>
+              <a:t>2022/11/18</a:t>
             </a:fld>
             <a:endParaRPr lang="zh-CN" altLang="en-US"/>
           </a:p>
@@ -4102,7 +4103,7 @@
           <a:p>
             <a:fld id="{760FBDFE-C587-4B4C-A407-44438C67B59E}" type="datetimeFigureOut">
               <a:rPr lang="zh-CN" altLang="en-US" smtClean="0"/>
-              <a:t>2022/11/17</a:t>
+              <a:t>2022/11/18</a:t>
             </a:fld>
             <a:endParaRPr lang="zh-CN" altLang="en-US"/>
           </a:p>
@@ -4390,7 +4391,7 @@
           <a:p>
             <a:fld id="{82F288E0-7875-42C4-84C8-98DBBD3BF4D2}" type="datetimeFigureOut">
               <a:rPr lang="zh-CN" altLang="en-US" smtClean="0"/>
-              <a:t>2022/11/17</a:t>
+              <a:t>2022/11/18</a:t>
             </a:fld>
             <a:endParaRPr lang="zh-CN" altLang="en-US"/>
           </a:p>
@@ -4849,7 +4850,7 @@
           <a:p>
             <a:fld id="{760FBDFE-C587-4B4C-A407-44438C67B59E}" type="datetimeFigureOut">
               <a:rPr lang="zh-CN" altLang="en-US" smtClean="0"/>
-              <a:t>2022/11/17</a:t>
+              <a:t>2022/11/18</a:t>
             </a:fld>
             <a:endParaRPr lang="zh-CN" altLang="en-US"/>
           </a:p>
@@ -5518,7 +5519,7 @@
           <a:p>
             <a:fld id="{9EFD9D74-47D9-4702-A33C-335B63B48DBF}" type="datetimeFigureOut">
               <a:rPr lang="zh-CN" altLang="en-US" smtClean="0"/>
-              <a:t>2022/11/17</a:t>
+              <a:t>2022/11/18</a:t>
             </a:fld>
             <a:endParaRPr lang="zh-CN" altLang="en-US" dirty="0"/>
           </a:p>
@@ -5666,7 +5667,7 @@
           <a:p>
             <a:fld id="{9EFD9D74-47D9-4702-A33C-335B63B48DBF}" type="datetimeFigureOut">
               <a:rPr lang="zh-CN" altLang="en-US" smtClean="0"/>
-              <a:t>2022/11/17</a:t>
+              <a:t>2022/11/18</a:t>
             </a:fld>
             <a:endParaRPr lang="zh-CN" altLang="en-US" dirty="0"/>
           </a:p>
@@ -9407,7 +9408,7 @@
             </a:pPr>
             <a:r>
               <a:rPr lang="zh-CN" altLang="en-US" dirty="0"/>
-              <a:t>如何调试？</a:t>
+              <a:t>如何找到未收敛的原因？</a:t>
             </a:r>
             <a:endParaRPr lang="en-US" altLang="zh-CN" dirty="0"/>
           </a:p>
@@ -9418,15 +9419,7 @@
             </a:pPr>
             <a:r>
               <a:rPr lang="zh-CN" altLang="en-US" dirty="0"/>
-              <a:t>应该在哪些地方</a:t>
-            </a:r>
-            <a:r>
-              <a:rPr lang="en-US" altLang="zh-CN" dirty="0"/>
-              <a:t>log</a:t>
-            </a:r>
-            <a:r>
-              <a:rPr lang="zh-CN" altLang="en-US" dirty="0"/>
-              <a:t>？</a:t>
+              <a:t>打印哪些值？</a:t>
             </a:r>
             <a:endParaRPr lang="en-US" altLang="zh-CN" dirty="0"/>
           </a:p>
@@ -9527,7 +9520,7 @@
         <p:spPr>
           <a:xfrm>
             <a:off x="6430946" y="1748567"/>
-            <a:ext cx="2262158" cy="369332"/>
+            <a:ext cx="4403770" cy="369332"/>
           </a:xfrm>
           <a:prstGeom prst="rect">
             <a:avLst/>
@@ -9550,7 +9543,68 @@
             </a:r>
             <a:r>
               <a:rPr kumimoji="1" lang="zh-CN" altLang="en-US" dirty="0"/>
-              <a:t>来调试</a:t>
+              <a:t>来调试，打印一些重要的值</a:t>
+            </a:r>
+          </a:p>
+        </p:txBody>
+      </p:sp>
+      <p:sp>
+        <p:nvSpPr>
+          <p:cNvPr id="4" name="文本框 3">
+            <a:extLst>
+              <a:ext uri="{FF2B5EF4-FFF2-40B4-BE49-F238E27FC236}">
+                <a16:creationId xmlns:a16="http://schemas.microsoft.com/office/drawing/2014/main" id="{1390A33F-F179-195A-20D9-5DE2779630D5}"/>
+              </a:ext>
+            </a:extLst>
+          </p:cNvPr>
+          <p:cNvSpPr txBox="1"/>
+          <p:nvPr/>
+        </p:nvSpPr>
+        <p:spPr>
+          <a:xfrm>
+            <a:off x="4859096" y="2473380"/>
+            <a:ext cx="3933211" cy="923330"/>
+          </a:xfrm>
+          <a:prstGeom prst="rect">
+            <a:avLst/>
+          </a:prstGeom>
+          <a:noFill/>
+        </p:spPr>
+        <p:txBody>
+          <a:bodyPr wrap="square" rtlCol="0">
+            <a:spAutoFit/>
+          </a:bodyPr>
+          <a:lstStyle/>
+          <a:p>
+            <a:pPr marL="285750" indent="-285750">
+              <a:buFont typeface="Arial" panose="020B0604020202020204" pitchFamily="34" charset="0"/>
+              <a:buChar char="•"/>
+            </a:pPr>
+            <a:r>
+              <a:rPr kumimoji="1" lang="zh-CN" altLang="en-US" dirty="0"/>
+              <a:t>前向传播的输入输出</a:t>
+            </a:r>
+            <a:endParaRPr kumimoji="1" lang="en-US" altLang="zh-CN" dirty="0"/>
+          </a:p>
+          <a:p>
+            <a:pPr marL="285750" indent="-285750">
+              <a:buFont typeface="Arial" panose="020B0604020202020204" pitchFamily="34" charset="0"/>
+              <a:buChar char="•"/>
+            </a:pPr>
+            <a:r>
+              <a:rPr kumimoji="1" lang="zh-CN" altLang="en-US" dirty="0"/>
+              <a:t>后向传播的输入输出</a:t>
+            </a:r>
+            <a:endParaRPr kumimoji="1" lang="en-US" altLang="zh-CN" dirty="0"/>
+          </a:p>
+          <a:p>
+            <a:pPr marL="285750" indent="-285750">
+              <a:buFont typeface="Arial" panose="020B0604020202020204" pitchFamily="34" charset="0"/>
+              <a:buChar char="•"/>
+            </a:pPr>
+            <a:r>
+              <a:rPr kumimoji="1" lang="zh-CN" altLang="en-US" dirty="0"/>
+              <a:t>更新后的权重矩阵</a:t>
             </a:r>
           </a:p>
         </p:txBody>
@@ -9589,7 +9643,7 @@
                             </p:stCondLst>
                             <p:childTnLst>
                               <p:par>
-                                <p:cTn id="5" presetID="1" presetClass="entr" presetSubtype="0" fill="hold" grpId="0" nodeType="clickEffect">
+                                <p:cTn id="5" presetID="1" presetClass="entr" presetSubtype="0" fill="hold" nodeType="clickEffect">
                                   <p:stCondLst>
                                     <p:cond delay="0"/>
                                   </p:stCondLst>
@@ -9602,7 +9656,150 @@
                                           </p:stCondLst>
                                         </p:cTn>
                                         <p:tgtEl>
-                                          <p:spTgt spid="6"/>
+                                          <p:spTgt spid="6">
+                                            <p:txEl>
+                                              <p:pRg st="0" end="0"/>
+                                            </p:txEl>
+                                          </p:spTgt>
+                                        </p:tgtEl>
+                                        <p:attrNameLst>
+                                          <p:attrName>style.visibility</p:attrName>
+                                        </p:attrNameLst>
+                                      </p:cBhvr>
+                                      <p:to>
+                                        <p:strVal val="visible"/>
+                                      </p:to>
+                                    </p:set>
+                                  </p:childTnLst>
+                                </p:cTn>
+                              </p:par>
+                            </p:childTnLst>
+                          </p:cTn>
+                        </p:par>
+                      </p:childTnLst>
+                    </p:cTn>
+                  </p:par>
+                  <p:par>
+                    <p:cTn id="7" fill="hold">
+                      <p:stCondLst>
+                        <p:cond delay="indefinite"/>
+                      </p:stCondLst>
+                      <p:childTnLst>
+                        <p:par>
+                          <p:cTn id="8" fill="hold">
+                            <p:stCondLst>
+                              <p:cond delay="0"/>
+                            </p:stCondLst>
+                            <p:childTnLst>
+                              <p:par>
+                                <p:cTn id="9" presetID="1" presetClass="entr" presetSubtype="0" fill="hold" grpId="0" nodeType="clickEffect">
+                                  <p:stCondLst>
+                                    <p:cond delay="0"/>
+                                  </p:stCondLst>
+                                  <p:childTnLst>
+                                    <p:set>
+                                      <p:cBhvr>
+                                        <p:cTn id="10" dur="1" fill="hold">
+                                          <p:stCondLst>
+                                            <p:cond delay="0"/>
+                                          </p:stCondLst>
+                                        </p:cTn>
+                                        <p:tgtEl>
+                                          <p:spTgt spid="2"/>
+                                        </p:tgtEl>
+                                        <p:attrNameLst>
+                                          <p:attrName>style.visibility</p:attrName>
+                                        </p:attrNameLst>
+                                      </p:cBhvr>
+                                      <p:to>
+                                        <p:strVal val="visible"/>
+                                      </p:to>
+                                    </p:set>
+                                  </p:childTnLst>
+                                </p:cTn>
+                              </p:par>
+                            </p:childTnLst>
+                          </p:cTn>
+                        </p:par>
+                      </p:childTnLst>
+                    </p:cTn>
+                  </p:par>
+                  <p:par>
+                    <p:cTn id="11" fill="hold">
+                      <p:stCondLst>
+                        <p:cond delay="indefinite"/>
+                      </p:stCondLst>
+                      <p:childTnLst>
+                        <p:par>
+                          <p:cTn id="12" fill="hold">
+                            <p:stCondLst>
+                              <p:cond delay="0"/>
+                            </p:stCondLst>
+                            <p:childTnLst>
+                              <p:par>
+                                <p:cTn id="13" presetID="1" presetClass="entr" presetSubtype="0" fill="hold" nodeType="clickEffect">
+                                  <p:stCondLst>
+                                    <p:cond delay="0"/>
+                                  </p:stCondLst>
+                                  <p:childTnLst>
+                                    <p:set>
+                                      <p:cBhvr>
+                                        <p:cTn id="14" dur="1" fill="hold">
+                                          <p:stCondLst>
+                                            <p:cond delay="0"/>
+                                          </p:stCondLst>
+                                        </p:cTn>
+                                        <p:tgtEl>
+                                          <p:spTgt spid="6">
+                                            <p:txEl>
+                                              <p:pRg st="1" end="1"/>
+                                            </p:txEl>
+                                          </p:spTgt>
+                                        </p:tgtEl>
+                                        <p:attrNameLst>
+                                          <p:attrName>style.visibility</p:attrName>
+                                        </p:attrNameLst>
+                                      </p:cBhvr>
+                                      <p:to>
+                                        <p:strVal val="visible"/>
+                                      </p:to>
+                                    </p:set>
+                                  </p:childTnLst>
+                                </p:cTn>
+                              </p:par>
+                            </p:childTnLst>
+                          </p:cTn>
+                        </p:par>
+                      </p:childTnLst>
+                    </p:cTn>
+                  </p:par>
+                  <p:par>
+                    <p:cTn id="15" fill="hold">
+                      <p:stCondLst>
+                        <p:cond delay="indefinite"/>
+                      </p:stCondLst>
+                      <p:childTnLst>
+                        <p:par>
+                          <p:cTn id="16" fill="hold">
+                            <p:stCondLst>
+                              <p:cond delay="0"/>
+                            </p:stCondLst>
+                            <p:childTnLst>
+                              <p:par>
+                                <p:cTn id="17" presetID="1" presetClass="entr" presetSubtype="0" fill="hold" grpId="0" nodeType="clickEffect">
+                                  <p:stCondLst>
+                                    <p:cond delay="0"/>
+                                  </p:stCondLst>
+                                  <p:childTnLst>
+                                    <p:set>
+                                      <p:cBhvr>
+                                        <p:cTn id="18" dur="1" fill="hold">
+                                          <p:stCondLst>
+                                            <p:cond delay="0"/>
+                                          </p:stCondLst>
+                                        </p:cTn>
+                                        <p:tgtEl>
+                                          <p:spTgt spid="4"/>
                                         </p:tgtEl>
                                         <p:attrNameLst>
                                           <p:attrName>style.visibility</p:attrName>
@@ -9643,7 +9840,8 @@
       </p:par>
     </p:tnLst>
     <p:bldLst>
-      <p:bldP spid="6" grpId="0"/>
+      <p:bldP spid="2" grpId="0"/>
+      <p:bldP spid="4" grpId="0"/>
     </p:bldLst>
   </p:timing>
 </p:sld>
@@ -9685,7 +9883,7 @@
               <a:rPr lang="zh-CN" altLang="en-US" dirty="0">
                 <a:sym typeface="+mn-ea"/>
               </a:rPr>
-              <a:t>任务：找到未收敛的原因</a:t>
+              <a:t>任务：找到未收敛的原因并修复</a:t>
             </a:r>
             <a:endParaRPr dirty="0">
               <a:sym typeface="+mn-ea"/>
@@ -9928,22 +10126,40 @@
             </a:pPr>
             <a:r>
               <a:rPr lang="zh-CN" altLang="en-US" dirty="0"/>
-              <a:t>请通过打印的方法调试，找到原因</a:t>
-            </a:r>
-            <a:br>
-              <a:rPr lang="en-US" altLang="zh-CN" dirty="0"/>
-            </a:br>
-            <a:r>
-              <a:rPr lang="en-US" altLang="zh-CN" dirty="0"/>
-              <a:t>TODO </a:t>
-            </a:r>
+              <a:t>请通过打印的方法调试，找到异常的数据？</a:t>
+            </a:r>
+            <a:endParaRPr lang="en-US" altLang="zh-CN" dirty="0"/>
+          </a:p>
+          <a:p>
+            <a:pPr marL="285750" indent="-285750">
+              <a:buFont typeface="Arial" panose="020B0604020202020204" pitchFamily="34" charset="0"/>
+              <a:buChar char="•"/>
+            </a:pPr>
             <a:r>
               <a:rPr lang="zh-CN" altLang="en-US" dirty="0"/>
-              <a:t>给出</a:t>
-            </a:r>
-            <a:r>
-              <a:rPr lang="en-US" altLang="zh-CN" dirty="0" err="1"/>
-              <a:t>Log.res</a:t>
+              <a:t>原因是什么？如何修复？</a:t>
+            </a:r>
+            <a:endParaRPr lang="en-US" altLang="zh-CN" dirty="0"/>
+          </a:p>
+          <a:p>
+            <a:pPr marL="285750" indent="-285750">
+              <a:buFont typeface="Arial" panose="020B0604020202020204" pitchFamily="34" charset="0"/>
+              <a:buChar char="•"/>
+            </a:pPr>
+            <a:r>
+              <a:rPr lang="zh-CN" altLang="en-US" dirty="0"/>
+              <a:t>请实现修复</a:t>
+            </a:r>
+            <a:endParaRPr lang="en-US" altLang="zh-CN" dirty="0"/>
+          </a:p>
+          <a:p>
+            <a:pPr marL="285750" indent="-285750">
+              <a:buFont typeface="Arial" panose="020B0604020202020204" pitchFamily="34" charset="0"/>
+              <a:buChar char="•"/>
+            </a:pPr>
+            <a:r>
+              <a:rPr lang="zh-CN" altLang="en-US" dirty="0"/>
+              <a:t>请每个同学都运行修复后的代码，看下是否收敛？</a:t>
             </a:r>
             <a:endParaRPr lang="en-US" altLang="zh-CN" dirty="0"/>
           </a:p>
@@ -10025,6 +10241,200 @@
           </a:p>
         </p:txBody>
       </p:sp>
+      <mc:AlternateContent xmlns:mc="http://schemas.openxmlformats.org/markup-compatibility/2006">
+        <mc:Choice xmlns:a14="http://schemas.microsoft.com/office/drawing/2010/main" Requires="a14">
+          <p:sp>
+            <p:nvSpPr>
+              <p:cNvPr id="2" name="文本框 1">
+                <a:extLst>
+                  <a:ext uri="{FF2B5EF4-FFF2-40B4-BE49-F238E27FC236}">
+                    <a16:creationId xmlns:a16="http://schemas.microsoft.com/office/drawing/2014/main" id="{9E9BD0BD-7653-0A88-0432-4DCCF71865B1}"/>
+                  </a:ext>
+                </a:extLst>
+              </p:cNvPr>
+              <p:cNvSpPr txBox="1"/>
+              <p:nvPr/>
+            </p:nvSpPr>
+            <p:spPr>
+              <a:xfrm>
+                <a:off x="1868992" y="4642318"/>
+                <a:ext cx="10190935" cy="1357423"/>
+              </a:xfrm>
+              <a:prstGeom prst="rect">
+                <a:avLst/>
+              </a:prstGeom>
+              <a:noFill/>
+            </p:spPr>
+            <p:txBody>
+              <a:bodyPr wrap="square" rtlCol="0">
+                <a:spAutoFit/>
+              </a:bodyPr>
+              <a:lstStyle/>
+              <a:p>
+                <a:pPr marL="285750" indent="-285750">
+                  <a:buFont typeface="Arial" panose="020B0604020202020204" pitchFamily="34" charset="0"/>
+                  <a:buChar char="•"/>
+                </a:pPr>
+                <a:r>
+                  <a:rPr kumimoji="1" lang="zh-CN" altLang="en-US" dirty="0"/>
+                  <a:t>增大学习率</a:t>
+                </a:r>
+                <a:endParaRPr kumimoji="1" lang="en-US" altLang="zh-CN" dirty="0"/>
+              </a:p>
+              <a:p>
+                <a:pPr marL="285750" indent="-285750">
+                  <a:buFont typeface="Arial" panose="020B0604020202020204" pitchFamily="34" charset="0"/>
+                  <a:buChar char="•"/>
+                </a:pPr>
+                <a:r>
+                  <a:rPr kumimoji="1" lang="zh-CN" altLang="en-US" dirty="0"/>
+                  <a:t>避免加权和过大</a:t>
+                </a:r>
+                <a:endParaRPr kumimoji="1" lang="en-US" altLang="zh-CN" dirty="0"/>
+              </a:p>
+              <a:p>
+                <a:pPr marL="285750" indent="-285750">
+                  <a:buFont typeface="Arial" panose="020B0604020202020204" pitchFamily="34" charset="0"/>
+                  <a:buChar char="•"/>
+                </a:pPr>
+                <a:r>
+                  <a:rPr kumimoji="1" lang="zh-CN" altLang="en-US" dirty="0"/>
+                  <a:t>因为损失函数变化了，所以在后向传播中计算输出层的误差项时，</a:t>
+                </a:r>
+                <a:r>
+                  <a:rPr kumimoji="1" lang="en-US" altLang="zh-CN" dirty="0">
+                    <a:solidFill>
+                      <a:schemeClr val="bg2"/>
+                    </a:solidFill>
+                  </a:rPr>
+                  <a:t> </a:t>
+                </a:r>
+                <a14:m>
+                  <m:oMath xmlns:m="http://schemas.openxmlformats.org/officeDocument/2006/math">
+                    <m:f>
+                      <m:fPr>
+                        <m:ctrlPr>
+                          <a:rPr kumimoji="1" lang="en-US" altLang="zh-CN" i="1" smtClean="0">
+                            <a:solidFill>
+                              <a:schemeClr val="tx1"/>
+                            </a:solidFill>
+                            <a:latin typeface="Cambria Math" panose="02040503050406030204" pitchFamily="18" charset="0"/>
+                          </a:rPr>
+                        </m:ctrlPr>
+                      </m:fPr>
+                      <m:num>
+                        <m:r>
+                          <a:rPr kumimoji="1" lang="en-US" altLang="zh-CN" b="0" i="1" smtClean="0">
+                            <a:solidFill>
+                              <a:schemeClr val="tx1"/>
+                            </a:solidFill>
+                            <a:latin typeface="Cambria Math" panose="02040503050406030204" pitchFamily="18" charset="0"/>
+                          </a:rPr>
+                          <m:t>𝑑𝐸</m:t>
+                        </m:r>
+                      </m:num>
+                      <m:den>
+                        <m:r>
+                          <a:rPr kumimoji="1" lang="en-US" altLang="zh-CN" b="0" i="1" smtClean="0">
+                            <a:solidFill>
+                              <a:schemeClr val="tx1"/>
+                            </a:solidFill>
+                            <a:latin typeface="Cambria Math" panose="02040503050406030204" pitchFamily="18" charset="0"/>
+                          </a:rPr>
+                          <m:t>𝑑</m:t>
+                        </m:r>
+                        <m:sSub>
+                          <m:sSubPr>
+                            <m:ctrlPr>
+                              <a:rPr kumimoji="1" lang="en-US" altLang="zh-CN" b="0" i="1" smtClean="0">
+                                <a:solidFill>
+                                  <a:schemeClr val="tx1"/>
+                                </a:solidFill>
+                                <a:latin typeface="Cambria Math" panose="02040503050406030204" pitchFamily="18" charset="0"/>
+                              </a:rPr>
+                            </m:ctrlPr>
+                          </m:sSubPr>
+                          <m:e>
+                            <m:r>
+                              <a:rPr kumimoji="1" lang="en-US" altLang="zh-CN" b="0" i="1" smtClean="0">
+                                <a:solidFill>
+                                  <a:schemeClr val="tx1"/>
+                                </a:solidFill>
+                                <a:latin typeface="Cambria Math" panose="02040503050406030204" pitchFamily="18" charset="0"/>
+                              </a:rPr>
+                              <m:t>𝑦</m:t>
+                            </m:r>
+                          </m:e>
+                          <m:sub>
+                            <m:r>
+                              <a:rPr kumimoji="1" lang="en-US" altLang="zh-CN" b="0" i="1" smtClean="0">
+                                <a:solidFill>
+                                  <a:schemeClr val="tx1"/>
+                                </a:solidFill>
+                                <a:latin typeface="Cambria Math" panose="02040503050406030204" pitchFamily="18" charset="0"/>
+                              </a:rPr>
+                              <m:t>𝑘</m:t>
+                            </m:r>
+                          </m:sub>
+                        </m:sSub>
+                      </m:den>
+                    </m:f>
+                  </m:oMath>
+                </a14:m>
+                <a:r>
+                  <a:rPr kumimoji="1" lang="zh-CN" altLang="en-US" dirty="0"/>
+                  <a:t>应该要修改（目前暂时不修改，因为以后会再次修改损失函数）</a:t>
+                </a:r>
+                <a:endParaRPr kumimoji="1" lang="en-US" altLang="zh-CN" dirty="0"/>
+              </a:p>
+            </p:txBody>
+          </p:sp>
+        </mc:Choice>
+        <mc:Fallback>
+          <p:sp>
+            <p:nvSpPr>
+              <p:cNvPr id="2" name="文本框 1">
+                <a:extLst>
+                  <a:ext uri="{FF2B5EF4-FFF2-40B4-BE49-F238E27FC236}">
+                    <a16:creationId xmlns:a16="http://schemas.microsoft.com/office/drawing/2014/main" id="{9E9BD0BD-7653-0A88-0432-4DCCF71865B1}"/>
+                  </a:ext>
+                </a:extLst>
+              </p:cNvPr>
+              <p:cNvSpPr txBox="1">
+                <a:spLocks noRot="1" noChangeAspect="1" noMove="1" noResize="1" noEditPoints="1" noAdjustHandles="1" noChangeArrowheads="1" noChangeShapeType="1" noTextEdit="1"/>
+              </p:cNvSpPr>
+              <p:nvPr/>
+            </p:nvSpPr>
+            <p:spPr>
+              <a:xfrm>
+                <a:off x="1868992" y="4642318"/>
+                <a:ext cx="10190935" cy="1357423"/>
+              </a:xfrm>
+              <a:prstGeom prst="rect">
+                <a:avLst/>
+              </a:prstGeom>
+              <a:blipFill>
+                <a:blip r:embed="rId3"/>
+                <a:stretch>
+                  <a:fillRect l="-374" t="-1852" b="-5556"/>
+                </a:stretch>
+              </a:blipFill>
+            </p:spPr>
+            <p:txBody>
+              <a:bodyPr/>
+              <a:lstStyle/>
+              <a:p>
+                <a:r>
+                  <a:rPr lang="zh-CN" altLang="en-US">
+                    <a:noFill/>
+                  </a:rPr>
+                  <a:t> </a:t>
+                </a:r>
+              </a:p>
+            </p:txBody>
+          </p:sp>
+        </mc:Fallback>
+      </mc:AlternateContent>
     </p:spTree>
     <p:custDataLst>
       <p:tags r:id="rId1"/>
@@ -10059,7 +10469,7 @@
                             </p:stCondLst>
                             <p:childTnLst>
                               <p:par>
-                                <p:cTn id="5" presetID="1" presetClass="entr" presetSubtype="0" fill="hold" grpId="0" nodeType="clickEffect">
+                                <p:cTn id="5" presetID="1" presetClass="entr" presetSubtype="0" fill="hold" nodeType="clickEffect">
                                   <p:stCondLst>
                                     <p:cond delay="0"/>
                                   </p:stCondLst>
@@ -10072,7 +10482,203 @@
                                           </p:stCondLst>
                                         </p:cTn>
                                         <p:tgtEl>
-                                          <p:spTgt spid="6"/>
+                                          <p:spTgt spid="6">
+                                            <p:txEl>
+                                              <p:pRg st="0" end="0"/>
+                                            </p:txEl>
+                                          </p:spTgt>
+                                        </p:tgtEl>
+                                        <p:attrNameLst>
+                                          <p:attrName>style.visibility</p:attrName>
+                                        </p:attrNameLst>
+                                      </p:cBhvr>
+                                      <p:to>
+                                        <p:strVal val="visible"/>
+                                      </p:to>
+                                    </p:set>
+                                  </p:childTnLst>
+                                </p:cTn>
+                              </p:par>
+                            </p:childTnLst>
+                          </p:cTn>
+                        </p:par>
+                      </p:childTnLst>
+                    </p:cTn>
+                  </p:par>
+                  <p:par>
+                    <p:cTn id="7" fill="hold">
+                      <p:stCondLst>
+                        <p:cond delay="indefinite"/>
+                      </p:stCondLst>
+                      <p:childTnLst>
+                        <p:par>
+                          <p:cTn id="8" fill="hold">
+                            <p:stCondLst>
+                              <p:cond delay="0"/>
+                            </p:stCondLst>
+                            <p:childTnLst>
+                              <p:par>
+                                <p:cTn id="9" presetID="1" presetClass="entr" presetSubtype="0" fill="hold" nodeType="clickEffect">
+                                  <p:stCondLst>
+                                    <p:cond delay="0"/>
+                                  </p:stCondLst>
+                                  <p:childTnLst>
+                                    <p:set>
+                                      <p:cBhvr>
+                                        <p:cTn id="10" dur="1" fill="hold">
+                                          <p:stCondLst>
+                                            <p:cond delay="0"/>
+                                          </p:stCondLst>
+                                        </p:cTn>
+                                        <p:tgtEl>
+                                          <p:spTgt spid="6">
+                                            <p:txEl>
+                                              <p:pRg st="1" end="1"/>
+                                            </p:txEl>
+                                          </p:spTgt>
+                                        </p:tgtEl>
+                                        <p:attrNameLst>
+                                          <p:attrName>style.visibility</p:attrName>
+                                        </p:attrNameLst>
+                                      </p:cBhvr>
+                                      <p:to>
+                                        <p:strVal val="visible"/>
+                                      </p:to>
+                                    </p:set>
+                                  </p:childTnLst>
+                                </p:cTn>
+                              </p:par>
+                            </p:childTnLst>
+                          </p:cTn>
+                        </p:par>
+                      </p:childTnLst>
+                    </p:cTn>
+                  </p:par>
+                  <p:par>
+                    <p:cTn id="11" fill="hold">
+                      <p:stCondLst>
+                        <p:cond delay="indefinite"/>
+                      </p:stCondLst>
+                      <p:childTnLst>
+                        <p:par>
+                          <p:cTn id="12" fill="hold">
+                            <p:stCondLst>
+                              <p:cond delay="0"/>
+                            </p:stCondLst>
+                            <p:childTnLst>
+                              <p:par>
+                                <p:cTn id="13" presetID="1" presetClass="entr" presetSubtype="0" fill="hold" grpId="0" nodeType="clickEffect">
+                                  <p:stCondLst>
+                                    <p:cond delay="0"/>
+                                  </p:stCondLst>
+                                  <p:childTnLst>
+                                    <p:set>
+                                      <p:cBhvr>
+                                        <p:cTn id="14" dur="1" fill="hold">
+                                          <p:stCondLst>
+                                            <p:cond delay="0"/>
+                                          </p:stCondLst>
+                                        </p:cTn>
+                                        <p:tgtEl>
+                                          <p:spTgt spid="2"/>
+                                        </p:tgtEl>
+                                        <p:attrNameLst>
+                                          <p:attrName>style.visibility</p:attrName>
+                                        </p:attrNameLst>
+                                      </p:cBhvr>
+                                      <p:to>
+                                        <p:strVal val="visible"/>
+                                      </p:to>
+                                    </p:set>
+                                  </p:childTnLst>
+                                </p:cTn>
+                              </p:par>
+                            </p:childTnLst>
+                          </p:cTn>
+                        </p:par>
+                      </p:childTnLst>
+                    </p:cTn>
+                  </p:par>
+                  <p:par>
+                    <p:cTn id="15" fill="hold">
+                      <p:stCondLst>
+                        <p:cond delay="indefinite"/>
+                      </p:stCondLst>
+                      <p:childTnLst>
+                        <p:par>
+                          <p:cTn id="16" fill="hold">
+                            <p:stCondLst>
+                              <p:cond delay="0"/>
+                            </p:stCondLst>
+                            <p:childTnLst>
+                              <p:par>
+                                <p:cTn id="17" presetID="1" presetClass="entr" presetSubtype="0" fill="hold" nodeType="clickEffect">
+                                  <p:stCondLst>
+                                    <p:cond delay="0"/>
+                                  </p:stCondLst>
+                                  <p:childTnLst>
+                                    <p:set>
+                                      <p:cBhvr>
+                                        <p:cTn id="18" dur="1" fill="hold">
+                                          <p:stCondLst>
+                                            <p:cond delay="0"/>
+                                          </p:stCondLst>
+                                        </p:cTn>
+                                        <p:tgtEl>
+                                          <p:spTgt spid="6">
+                                            <p:txEl>
+                                              <p:pRg st="2" end="2"/>
+                                            </p:txEl>
+                                          </p:spTgt>
+                                        </p:tgtEl>
+                                        <p:attrNameLst>
+                                          <p:attrName>style.visibility</p:attrName>
+                                        </p:attrNameLst>
+                                      </p:cBhvr>
+                                      <p:to>
+                                        <p:strVal val="visible"/>
+                                      </p:to>
+                                    </p:set>
+                                  </p:childTnLst>
+                                </p:cTn>
+                              </p:par>
+                            </p:childTnLst>
+                          </p:cTn>
+                        </p:par>
+                      </p:childTnLst>
+                    </p:cTn>
+                  </p:par>
+                  <p:par>
+                    <p:cTn id="19" fill="hold">
+                      <p:stCondLst>
+                        <p:cond delay="indefinite"/>
+                      </p:stCondLst>
+                      <p:childTnLst>
+                        <p:par>
+                          <p:cTn id="20" fill="hold">
+                            <p:stCondLst>
+                              <p:cond delay="0"/>
+                            </p:stCondLst>
+                            <p:childTnLst>
+                              <p:par>
+                                <p:cTn id="21" presetID="1" presetClass="entr" presetSubtype="0" fill="hold" nodeType="clickEffect">
+                                  <p:stCondLst>
+                                    <p:cond delay="0"/>
+                                  </p:stCondLst>
+                                  <p:childTnLst>
+                                    <p:set>
+                                      <p:cBhvr>
+                                        <p:cTn id="22" dur="1" fill="hold">
+                                          <p:stCondLst>
+                                            <p:cond delay="0"/>
+                                          </p:stCondLst>
+                                        </p:cTn>
+                                        <p:tgtEl>
+                                          <p:spTgt spid="6">
+                                            <p:txEl>
+                                              <p:pRg st="3" end="3"/>
+                                            </p:txEl>
+                                          </p:spTgt>
                                         </p:tgtEl>
                                         <p:attrNameLst>
                                           <p:attrName>style.visibility</p:attrName>
@@ -10113,7 +10719,7 @@
       </p:par>
     </p:tnLst>
     <p:bldLst>
-      <p:bldP spid="6" grpId="0"/>
+      <p:bldP spid="2" grpId="0"/>
     </p:bldLst>
   </p:timing>
 </p:sld>
@@ -10155,7 +10761,7 @@
               <a:rPr lang="zh-CN" altLang="en-US" dirty="0">
                 <a:sym typeface="+mn-ea"/>
               </a:rPr>
-              <a:t>任务：修复</a:t>
+              <a:t>任务：重构调试代码</a:t>
             </a:r>
             <a:endParaRPr dirty="0">
               <a:sym typeface="+mn-ea"/>
@@ -10398,7 +11004,7 @@
             </a:pPr>
             <a:r>
               <a:rPr lang="zh-CN" altLang="en-US" dirty="0"/>
-              <a:t>如何修复？</a:t>
+              <a:t>请增加异常检查的代码，自动化检查异常数据？</a:t>
             </a:r>
             <a:endParaRPr lang="en-US" altLang="zh-CN" dirty="0"/>
           </a:p>
@@ -10409,7 +11015,7 @@
             </a:pPr>
             <a:r>
               <a:rPr lang="zh-CN" altLang="en-US" dirty="0"/>
-              <a:t>请实现修复</a:t>
+              <a:t>请每个同学都运行代码，看下是否通过了自动化检查？</a:t>
             </a:r>
             <a:endParaRPr lang="en-US" altLang="zh-CN" dirty="0"/>
           </a:p>
@@ -10420,7 +11026,7 @@
             </a:pPr>
             <a:r>
               <a:rPr lang="zh-CN" altLang="en-US" dirty="0"/>
-              <a:t>请每个同学都运行修复后的代码，看下是否收敛？</a:t>
+              <a:t>请每个同学都调整下学习率，看下结果？</a:t>
             </a:r>
             <a:endParaRPr lang="en-US" altLang="zh-CN" dirty="0"/>
           </a:p>
@@ -10502,310 +11108,13 @@
           </a:p>
         </p:txBody>
       </p:sp>
-      <p:sp>
-        <p:nvSpPr>
-          <p:cNvPr id="4" name="文本框 3">
-            <a:extLst>
-              <a:ext uri="{FF2B5EF4-FFF2-40B4-BE49-F238E27FC236}">
-                <a16:creationId xmlns:a16="http://schemas.microsoft.com/office/drawing/2014/main" id="{D41A8F72-449C-EAA6-0B76-7706CA88B4A2}"/>
-              </a:ext>
-            </a:extLst>
-          </p:cNvPr>
-          <p:cNvSpPr txBox="1"/>
-          <p:nvPr/>
-        </p:nvSpPr>
-        <p:spPr>
-          <a:xfrm>
-            <a:off x="6732396" y="1949380"/>
-            <a:ext cx="2123338" cy="923330"/>
-          </a:xfrm>
-          <a:prstGeom prst="rect">
-            <a:avLst/>
-          </a:prstGeom>
-          <a:noFill/>
-        </p:spPr>
-        <p:txBody>
-          <a:bodyPr wrap="none" rtlCol="0">
-            <a:spAutoFit/>
-          </a:bodyPr>
-          <a:lstStyle/>
-          <a:p>
-            <a:pPr marL="285750" indent="-285750">
-              <a:buFont typeface="Arial" panose="020B0604020202020204" pitchFamily="34" charset="0"/>
-              <a:buChar char="•"/>
-            </a:pPr>
-            <a:r>
-              <a:rPr kumimoji="1" lang="zh-CN" altLang="en-US" dirty="0"/>
-              <a:t>增大学习率</a:t>
-            </a:r>
-            <a:endParaRPr kumimoji="1" lang="en-US" altLang="zh-CN" dirty="0"/>
-          </a:p>
-          <a:p>
-            <a:pPr marL="285750" indent="-285750">
-              <a:buFont typeface="Arial" panose="020B0604020202020204" pitchFamily="34" charset="0"/>
-              <a:buChar char="•"/>
-            </a:pPr>
-            <a:r>
-              <a:rPr kumimoji="1" lang="zh-CN" altLang="en-US" dirty="0"/>
-              <a:t>避免加权和过大</a:t>
-            </a:r>
-            <a:br>
-              <a:rPr kumimoji="1" lang="en-US" altLang="zh-CN" dirty="0"/>
-            </a:br>
-            <a:r>
-              <a:rPr kumimoji="1" lang="en-US" altLang="zh-CN" dirty="0"/>
-              <a:t>TODO </a:t>
-            </a:r>
-            <a:r>
-              <a:rPr kumimoji="1" lang="zh-CN" altLang="en-US" dirty="0"/>
-              <a:t>给出原因</a:t>
-            </a:r>
-            <a:endParaRPr kumimoji="1" lang="en-US" altLang="zh-CN" dirty="0"/>
-          </a:p>
-        </p:txBody>
-      </p:sp>
-      <mc:AlternateContent xmlns:mc="http://schemas.openxmlformats.org/markup-compatibility/2006">
-        <mc:Choice xmlns:a14="http://schemas.microsoft.com/office/drawing/2010/main" Requires="a14">
-          <p:sp>
-            <p:nvSpPr>
-              <p:cNvPr id="2" name="文本框 1">
-                <a:extLst>
-                  <a:ext uri="{FF2B5EF4-FFF2-40B4-BE49-F238E27FC236}">
-                    <a16:creationId xmlns:a16="http://schemas.microsoft.com/office/drawing/2014/main" id="{20ADF61C-E4BF-E46D-8220-EB0FB4E8D591}"/>
-                  </a:ext>
-                </a:extLst>
-              </p:cNvPr>
-              <p:cNvSpPr txBox="1"/>
-              <p:nvPr/>
-            </p:nvSpPr>
-            <p:spPr>
-              <a:xfrm>
-                <a:off x="6774287" y="3165787"/>
-                <a:ext cx="4887364" cy="1237518"/>
-              </a:xfrm>
-              <a:prstGeom prst="rect">
-                <a:avLst/>
-              </a:prstGeom>
-              <a:noFill/>
-            </p:spPr>
-            <p:txBody>
-              <a:bodyPr wrap="none" rtlCol="0">
-                <a:spAutoFit/>
-              </a:bodyPr>
-              <a:lstStyle/>
-              <a:p>
-                <a14:m>
-                  <m:oMath xmlns:m="http://schemas.openxmlformats.org/officeDocument/2006/math">
-                    <m:f>
-                      <m:fPr>
-                        <m:ctrlPr>
-                          <a:rPr kumimoji="1" lang="en-US" altLang="zh-CN" i="1" smtClean="0">
-                            <a:solidFill>
-                              <a:schemeClr val="bg2"/>
-                            </a:solidFill>
-                            <a:latin typeface="Cambria Math" panose="02040503050406030204" pitchFamily="18" charset="0"/>
-                          </a:rPr>
-                        </m:ctrlPr>
-                      </m:fPr>
-                      <m:num>
-                        <m:r>
-                          <a:rPr kumimoji="1" lang="en-US" altLang="zh-CN" b="0" i="1" smtClean="0">
-                            <a:solidFill>
-                              <a:schemeClr val="bg2"/>
-                            </a:solidFill>
-                            <a:latin typeface="Cambria Math" panose="02040503050406030204" pitchFamily="18" charset="0"/>
-                          </a:rPr>
-                          <m:t>𝑑𝐸</m:t>
-                        </m:r>
-                      </m:num>
-                      <m:den>
-                        <m:r>
-                          <a:rPr kumimoji="1" lang="en-US" altLang="zh-CN" b="0" i="1" smtClean="0">
-                            <a:solidFill>
-                              <a:schemeClr val="bg2"/>
-                            </a:solidFill>
-                            <a:latin typeface="Cambria Math" panose="02040503050406030204" pitchFamily="18" charset="0"/>
-                          </a:rPr>
-                          <m:t>𝑑</m:t>
-                        </m:r>
-                        <m:sSub>
-                          <m:sSubPr>
-                            <m:ctrlPr>
-                              <a:rPr kumimoji="1" lang="en-US" altLang="zh-CN" b="0" i="1" smtClean="0">
-                                <a:solidFill>
-                                  <a:schemeClr val="bg2"/>
-                                </a:solidFill>
-                                <a:latin typeface="Cambria Math" panose="02040503050406030204" pitchFamily="18" charset="0"/>
-                              </a:rPr>
-                            </m:ctrlPr>
-                          </m:sSubPr>
-                          <m:e>
-                            <m:r>
-                              <a:rPr kumimoji="1" lang="en-US" altLang="zh-CN" b="0" i="1" smtClean="0">
-                                <a:solidFill>
-                                  <a:schemeClr val="bg2"/>
-                                </a:solidFill>
-                                <a:latin typeface="Cambria Math" panose="02040503050406030204" pitchFamily="18" charset="0"/>
-                              </a:rPr>
-                              <m:t>𝑦</m:t>
-                            </m:r>
-                          </m:e>
-                          <m:sub>
-                            <m:r>
-                              <a:rPr kumimoji="1" lang="en-US" altLang="zh-CN" b="0" i="1" smtClean="0">
-                                <a:solidFill>
-                                  <a:schemeClr val="bg2"/>
-                                </a:solidFill>
-                                <a:latin typeface="Cambria Math" panose="02040503050406030204" pitchFamily="18" charset="0"/>
-                              </a:rPr>
-                              <m:t>𝑘</m:t>
-                            </m:r>
-                          </m:sub>
-                        </m:sSub>
-                      </m:den>
-                    </m:f>
-                  </m:oMath>
-                </a14:m>
-                <a:r>
-                  <a:rPr kumimoji="1" lang="zh-CN" altLang="en-US" dirty="0">
-                    <a:solidFill>
-                      <a:schemeClr val="bg2"/>
-                    </a:solidFill>
-                  </a:rPr>
-                  <a:t>也有问题，但不知道如何求导，所以先不管</a:t>
-                </a:r>
-                <a:endParaRPr kumimoji="1" lang="en-US" altLang="zh-CN" dirty="0">
-                  <a:solidFill>
-                    <a:schemeClr val="bg2"/>
-                  </a:solidFill>
-                </a:endParaRPr>
-              </a:p>
-              <a:p>
-                <a:r>
-                  <a:rPr kumimoji="1" lang="en-US" altLang="zh-CN" dirty="0"/>
-                  <a:t>TODO</a:t>
-                </a:r>
-                <a14:m>
-                  <m:oMath xmlns:m="http://schemas.openxmlformats.org/officeDocument/2006/math">
-                    <m:f>
-                      <m:fPr>
-                        <m:ctrlPr>
-                          <a:rPr kumimoji="1" lang="en-US" altLang="zh-CN" i="1" smtClean="0">
-                            <a:latin typeface="Cambria Math" panose="02040503050406030204" pitchFamily="18" charset="0"/>
-                          </a:rPr>
-                        </m:ctrlPr>
-                      </m:fPr>
-                      <m:num>
-                        <m:r>
-                          <a:rPr kumimoji="1" lang="en-US" altLang="zh-CN" b="0" i="1" smtClean="0">
-                            <a:latin typeface="Cambria Math" panose="02040503050406030204" pitchFamily="18" charset="0"/>
-                          </a:rPr>
-                          <m:t>𝑑𝐸</m:t>
-                        </m:r>
-                      </m:num>
-                      <m:den>
-                        <m:r>
-                          <a:rPr kumimoji="1" lang="en-US" altLang="zh-CN" b="0" i="1" smtClean="0">
-                            <a:latin typeface="Cambria Math" panose="02040503050406030204" pitchFamily="18" charset="0"/>
-                          </a:rPr>
-                          <m:t>𝑑</m:t>
-                        </m:r>
-                        <m:sSub>
-                          <m:sSubPr>
-                            <m:ctrlPr>
-                              <a:rPr kumimoji="1" lang="en-US" altLang="zh-CN" b="0" i="1" smtClean="0">
-                                <a:latin typeface="Cambria Math" panose="02040503050406030204" pitchFamily="18" charset="0"/>
-                              </a:rPr>
-                            </m:ctrlPr>
-                          </m:sSubPr>
-                          <m:e>
-                            <m:r>
-                              <a:rPr kumimoji="1" lang="en-US" altLang="zh-CN" b="0" i="1" smtClean="0">
-                                <a:latin typeface="Cambria Math" panose="02040503050406030204" pitchFamily="18" charset="0"/>
-                              </a:rPr>
-                              <m:t>𝑦</m:t>
-                            </m:r>
-                          </m:e>
-                          <m:sub>
-                            <m:r>
-                              <a:rPr kumimoji="1" lang="en-US" altLang="zh-CN" b="0" i="1" smtClean="0">
-                                <a:latin typeface="Cambria Math" panose="02040503050406030204" pitchFamily="18" charset="0"/>
-                              </a:rPr>
-                              <m:t>𝑘</m:t>
-                            </m:r>
-                          </m:sub>
-                        </m:sSub>
-                      </m:den>
-                    </m:f>
-                  </m:oMath>
-                </a14:m>
-                <a:r>
-                  <a:rPr kumimoji="1" lang="en-US" altLang="zh-CN" dirty="0"/>
-                  <a:t>=?</a:t>
-                </a:r>
-                <a:r>
-                  <a:rPr kumimoji="1" lang="zh-CN" altLang="en-US" dirty="0"/>
-                  <a:t>，并在后向传播中修改代码</a:t>
-                </a:r>
-              </a:p>
-              <a:p>
-                <a:endParaRPr kumimoji="1" lang="zh-CN" altLang="en-US" dirty="0"/>
-              </a:p>
-            </p:txBody>
-          </p:sp>
-        </mc:Choice>
-        <mc:Fallback>
-          <p:sp>
-            <p:nvSpPr>
-              <p:cNvPr id="2" name="文本框 1">
-                <a:extLst>
-                  <a:ext uri="{FF2B5EF4-FFF2-40B4-BE49-F238E27FC236}">
-                    <a16:creationId xmlns:a16="http://schemas.microsoft.com/office/drawing/2014/main" id="{20ADF61C-E4BF-E46D-8220-EB0FB4E8D591}"/>
-                  </a:ext>
-                </a:extLst>
-              </p:cNvPr>
-              <p:cNvSpPr txBox="1">
-                <a:spLocks noRot="1" noChangeAspect="1" noMove="1" noResize="1" noEditPoints="1" noAdjustHandles="1" noChangeArrowheads="1" noChangeShapeType="1" noTextEdit="1"/>
-              </p:cNvSpPr>
-              <p:nvPr/>
-            </p:nvSpPr>
-            <p:spPr>
-              <a:xfrm>
-                <a:off x="6774287" y="3165787"/>
-                <a:ext cx="4887364" cy="1237518"/>
-              </a:xfrm>
-              <a:prstGeom prst="rect">
-                <a:avLst/>
-              </a:prstGeom>
-              <a:blipFill>
-                <a:blip r:embed="rId3"/>
-                <a:stretch>
-                  <a:fillRect l="-1036"/>
-                </a:stretch>
-              </a:blipFill>
-            </p:spPr>
-            <p:txBody>
-              <a:bodyPr/>
-              <a:lstStyle/>
-              <a:p>
-                <a:r>
-                  <a:rPr lang="zh-CN" altLang="en-US">
-                    <a:noFill/>
-                  </a:rPr>
-                  <a:t> </a:t>
-                </a:r>
-              </a:p>
-            </p:txBody>
-          </p:sp>
-        </mc:Fallback>
-      </mc:AlternateContent>
     </p:spTree>
     <p:custDataLst>
       <p:tags r:id="rId1"/>
     </p:custDataLst>
     <p:extLst>
       <p:ext uri="{BB962C8B-B14F-4D97-AF65-F5344CB8AC3E}">
-        <p14:creationId xmlns:p14="http://schemas.microsoft.com/office/powerpoint/2010/main" val="293921898"/>
+        <p14:creationId xmlns:p14="http://schemas.microsoft.com/office/powerpoint/2010/main" val="1613480914"/>
       </p:ext>
     </p:extLst>
   </p:cSld>
@@ -10833,7 +11142,7 @@
                             </p:stCondLst>
                             <p:childTnLst>
                               <p:par>
-                                <p:cTn id="5" presetID="1" presetClass="entr" presetSubtype="0" fill="hold" grpId="0" nodeType="clickEffect">
+                                <p:cTn id="5" presetID="1" presetClass="entr" presetSubtype="0" fill="hold" nodeType="clickEffect">
                                   <p:stCondLst>
                                     <p:cond delay="0"/>
                                   </p:stCondLst>
@@ -10846,7 +11155,109 @@
                                           </p:stCondLst>
                                         </p:cTn>
                                         <p:tgtEl>
-                                          <p:spTgt spid="6"/>
+                                          <p:spTgt spid="6">
+                                            <p:txEl>
+                                              <p:pRg st="0" end="0"/>
+                                            </p:txEl>
+                                          </p:spTgt>
+                                        </p:tgtEl>
+                                        <p:attrNameLst>
+                                          <p:attrName>style.visibility</p:attrName>
+                                        </p:attrNameLst>
+                                      </p:cBhvr>
+                                      <p:to>
+                                        <p:strVal val="visible"/>
+                                      </p:to>
+                                    </p:set>
+                                  </p:childTnLst>
+                                </p:cTn>
+                              </p:par>
+                            </p:childTnLst>
+                          </p:cTn>
+                        </p:par>
+                      </p:childTnLst>
+                    </p:cTn>
+                  </p:par>
+                  <p:par>
+                    <p:cTn id="7" fill="hold">
+                      <p:stCondLst>
+                        <p:cond delay="indefinite"/>
+                      </p:stCondLst>
+                      <p:childTnLst>
+                        <p:par>
+                          <p:cTn id="8" fill="hold">
+                            <p:stCondLst>
+                              <p:cond delay="0"/>
+                            </p:stCondLst>
+                            <p:childTnLst>
+                              <p:par>
+                                <p:cTn id="9" presetID="1" presetClass="entr" presetSubtype="0" fill="hold" nodeType="clickEffect">
+                                  <p:stCondLst>
+                                    <p:cond delay="0"/>
+                                  </p:stCondLst>
+                                  <p:childTnLst>
+                                    <p:set>
+                                      <p:cBhvr>
+                                        <p:cTn id="10" dur="1" fill="hold">
+                                          <p:stCondLst>
+                                            <p:cond delay="0"/>
+                                          </p:stCondLst>
+                                        </p:cTn>
+                                        <p:tgtEl>
+                                          <p:spTgt spid="6">
+                                            <p:txEl>
+                                              <p:pRg st="1" end="1"/>
+                                            </p:txEl>
+                                          </p:spTgt>
+                                        </p:tgtEl>
+                                        <p:attrNameLst>
+                                          <p:attrName>style.visibility</p:attrName>
+                                        </p:attrNameLst>
+                                      </p:cBhvr>
+                                      <p:to>
+                                        <p:strVal val="visible"/>
+                                      </p:to>
+                                    </p:set>
+                                  </p:childTnLst>
+                                </p:cTn>
+                              </p:par>
+                            </p:childTnLst>
+                          </p:cTn>
+                        </p:par>
+                      </p:childTnLst>
+                    </p:cTn>
+                  </p:par>
+                  <p:par>
+                    <p:cTn id="11" fill="hold">
+                      <p:stCondLst>
+                        <p:cond delay="indefinite"/>
+                      </p:stCondLst>
+                      <p:childTnLst>
+                        <p:par>
+                          <p:cTn id="12" fill="hold">
+                            <p:stCondLst>
+                              <p:cond delay="0"/>
+                            </p:stCondLst>
+                            <p:childTnLst>
+                              <p:par>
+                                <p:cTn id="13" presetID="1" presetClass="entr" presetSubtype="0" fill="hold" nodeType="clickEffect">
+                                  <p:stCondLst>
+                                    <p:cond delay="0"/>
+                                  </p:stCondLst>
+                                  <p:childTnLst>
+                                    <p:set>
+                                      <p:cBhvr>
+                                        <p:cTn id="14" dur="1" fill="hold">
+                                          <p:stCondLst>
+                                            <p:cond delay="0"/>
+                                          </p:stCondLst>
+                                        </p:cTn>
+                                        <p:tgtEl>
+                                          <p:spTgt spid="6">
+                                            <p:txEl>
+                                              <p:pRg st="2" end="2"/>
+                                            </p:txEl>
+                                          </p:spTgt>
                                         </p:tgtEl>
                                         <p:attrNameLst>
                                           <p:attrName>style.visibility</p:attrName>
@@ -10886,9 +11297,6 @@
         </p:cTn>
       </p:par>
     </p:tnLst>
-    <p:bldLst>
-      <p:bldP spid="6" grpId="0"/>
-    </p:bldLst>
   </p:timing>
 </p:sld>
 </file>
@@ -10988,10 +11396,8 @@
           <a:lstStyle/>
           <a:p>
             <a:r>
-              <a:rPr lang="zh-CN" altLang="en-US" dirty="0">
-                <a:sym typeface="+mn-ea"/>
-              </a:rPr>
-              <a:t>任务：重构调试代码</a:t>
+              <a:rPr lang="zh-CN" altLang="en-US" dirty="0"/>
+              <a:t>结学</a:t>
             </a:r>
             <a:endParaRPr dirty="0">
               <a:sym typeface="+mn-ea"/>
@@ -11234,7 +11640,7 @@
             </a:pPr>
             <a:r>
               <a:rPr lang="zh-CN" altLang="en-US" dirty="0"/>
-              <a:t>一个一个去手动检查打印的值太麻烦，如何才能自动化地检查？</a:t>
+              <a:t>未收敛的原因的原因是什么？</a:t>
             </a:r>
             <a:endParaRPr lang="en-US" altLang="zh-CN" dirty="0"/>
           </a:p>
@@ -11245,7 +11651,7 @@
             </a:pPr>
             <a:r>
               <a:rPr lang="zh-CN" altLang="en-US" dirty="0"/>
-              <a:t>请实现代码</a:t>
+              <a:t>如何修复？</a:t>
             </a:r>
             <a:endParaRPr lang="en-US" altLang="zh-CN" dirty="0"/>
           </a:p>
@@ -11256,7 +11662,7 @@
             </a:pPr>
             <a:r>
               <a:rPr lang="zh-CN" altLang="en-US" dirty="0"/>
-              <a:t>请每个同学都运行代码，看下是否通过了自动化检查？</a:t>
+              <a:t>如何自动化地检查？</a:t>
             </a:r>
             <a:endParaRPr lang="en-US" altLang="zh-CN" dirty="0"/>
           </a:p>
@@ -11265,13 +11671,6 @@
               <a:buFont typeface="Arial" panose="020B0604020202020204" pitchFamily="34" charset="0"/>
               <a:buChar char="•"/>
             </a:pPr>
-            <a:r>
-              <a:rPr lang="zh-CN" altLang="en-US" dirty="0"/>
-              <a:t>恢复梯度检查后的代码是什么？</a:t>
-            </a:r>
-            <a:endParaRPr lang="en-US" altLang="zh-CN" dirty="0"/>
-          </a:p>
-          <a:p>
             <a:endParaRPr lang="en-US" altLang="zh-CN" dirty="0"/>
           </a:p>
           <a:p>
@@ -11355,7 +11754,7 @@
     </p:custDataLst>
     <p:extLst>
       <p:ext uri="{BB962C8B-B14F-4D97-AF65-F5344CB8AC3E}">
-        <p14:creationId xmlns:p14="http://schemas.microsoft.com/office/powerpoint/2010/main" val="1613480914"/>
+        <p14:creationId xmlns:p14="http://schemas.microsoft.com/office/powerpoint/2010/main" val="11973512"/>
       </p:ext>
     </p:extLst>
   </p:cSld>
@@ -11383,7 +11782,7 @@
                             </p:stCondLst>
                             <p:childTnLst>
                               <p:par>
-                                <p:cTn id="5" presetID="1" presetClass="entr" presetSubtype="0" fill="hold" grpId="0" nodeType="clickEffect">
+                                <p:cTn id="5" presetID="1" presetClass="entr" presetSubtype="0" fill="hold" nodeType="clickEffect">
                                   <p:stCondLst>
                                     <p:cond delay="0"/>
                                   </p:stCondLst>
@@ -11396,7 +11795,109 @@
                                           </p:stCondLst>
                                         </p:cTn>
                                         <p:tgtEl>
-                                          <p:spTgt spid="6"/>
+                                          <p:spTgt spid="6">
+                                            <p:txEl>
+                                              <p:pRg st="0" end="0"/>
+                                            </p:txEl>
+                                          </p:spTgt>
+                                        </p:tgtEl>
+                                        <p:attrNameLst>
+                                          <p:attrName>style.visibility</p:attrName>
+                                        </p:attrNameLst>
+                                      </p:cBhvr>
+                                      <p:to>
+                                        <p:strVal val="visible"/>
+                                      </p:to>
+                                    </p:set>
+                                  </p:childTnLst>
+                                </p:cTn>
+                              </p:par>
+                            </p:childTnLst>
+                          </p:cTn>
+                        </p:par>
+                      </p:childTnLst>
+                    </p:cTn>
+                  </p:par>
+                  <p:par>
+                    <p:cTn id="7" fill="hold">
+                      <p:stCondLst>
+                        <p:cond delay="indefinite"/>
+                      </p:stCondLst>
+                      <p:childTnLst>
+                        <p:par>
+                          <p:cTn id="8" fill="hold">
+                            <p:stCondLst>
+                              <p:cond delay="0"/>
+                            </p:stCondLst>
+                            <p:childTnLst>
+                              <p:par>
+                                <p:cTn id="9" presetID="1" presetClass="entr" presetSubtype="0" fill="hold" nodeType="clickEffect">
+                                  <p:stCondLst>
+                                    <p:cond delay="0"/>
+                                  </p:stCondLst>
+                                  <p:childTnLst>
+                                    <p:set>
+                                      <p:cBhvr>
+                                        <p:cTn id="10" dur="1" fill="hold">
+                                          <p:stCondLst>
+                                            <p:cond delay="0"/>
+                                          </p:stCondLst>
+                                        </p:cTn>
+                                        <p:tgtEl>
+                                          <p:spTgt spid="6">
+                                            <p:txEl>
+                                              <p:pRg st="1" end="1"/>
+                                            </p:txEl>
+                                          </p:spTgt>
+                                        </p:tgtEl>
+                                        <p:attrNameLst>
+                                          <p:attrName>style.visibility</p:attrName>
+                                        </p:attrNameLst>
+                                      </p:cBhvr>
+                                      <p:to>
+                                        <p:strVal val="visible"/>
+                                      </p:to>
+                                    </p:set>
+                                  </p:childTnLst>
+                                </p:cTn>
+                              </p:par>
+                            </p:childTnLst>
+                          </p:cTn>
+                        </p:par>
+                      </p:childTnLst>
+                    </p:cTn>
+                  </p:par>
+                  <p:par>
+                    <p:cTn id="11" fill="hold">
+                      <p:stCondLst>
+                        <p:cond delay="indefinite"/>
+                      </p:stCondLst>
+                      <p:childTnLst>
+                        <p:par>
+                          <p:cTn id="12" fill="hold">
+                            <p:stCondLst>
+                              <p:cond delay="0"/>
+                            </p:stCondLst>
+                            <p:childTnLst>
+                              <p:par>
+                                <p:cTn id="13" presetID="1" presetClass="entr" presetSubtype="0" fill="hold" nodeType="clickEffect">
+                                  <p:stCondLst>
+                                    <p:cond delay="0"/>
+                                  </p:stCondLst>
+                                  <p:childTnLst>
+                                    <p:set>
+                                      <p:cBhvr>
+                                        <p:cTn id="14" dur="1" fill="hold">
+                                          <p:stCondLst>
+                                            <p:cond delay="0"/>
+                                          </p:stCondLst>
+                                        </p:cTn>
+                                        <p:tgtEl>
+                                          <p:spTgt spid="6">
+                                            <p:txEl>
+                                              <p:pRg st="2" end="2"/>
+                                            </p:txEl>
+                                          </p:spTgt>
                                         </p:tgtEl>
                                         <p:attrNameLst>
                                           <p:attrName>style.visibility</p:attrName>
@@ -11436,14 +11937,69 @@
         </p:cTn>
       </p:par>
     </p:tnLst>
-    <p:bldLst>
-      <p:bldP spid="6" grpId="0"/>
-    </p:bldLst>
   </p:timing>
 </p:sld>
 </file>
 
 <file path=ppt/slides/slide21.xml><?xml version="1.0" encoding="utf-8"?>
+<p:sld xmlns:a="http://schemas.openxmlformats.org/drawingml/2006/main" xmlns:r="http://schemas.openxmlformats.org/officeDocument/2006/relationships" xmlns:p="http://schemas.openxmlformats.org/presentationml/2006/main">
+  <p:cSld>
+    <p:spTree>
+      <p:nvGrpSpPr>
+        <p:cNvPr id="1" name=""/>
+        <p:cNvGrpSpPr/>
+        <p:nvPr/>
+      </p:nvGrpSpPr>
+      <p:grpSpPr>
+        <a:xfrm>
+          <a:off x="0" y="0"/>
+          <a:ext cx="0" cy="0"/>
+          <a:chOff x="0" y="0"/>
+          <a:chExt cx="0" cy="0"/>
+        </a:xfrm>
+      </p:grpSpPr>
+      <p:sp>
+        <p:nvSpPr>
+          <p:cNvPr id="2" name="标题 1"/>
+          <p:cNvSpPr>
+            <a:spLocks noGrp="1"/>
+          </p:cNvSpPr>
+          <p:nvPr>
+            <p:ph type="title"/>
+          </p:nvPr>
+        </p:nvSpPr>
+        <p:spPr/>
+        <p:txBody>
+          <a:bodyPr/>
+          <a:lstStyle/>
+          <a:p>
+            <a:r>
+              <a:rPr lang="zh-CN" altLang="en-US" dirty="0">
+                <a:sym typeface="+mn-ea"/>
+              </a:rPr>
+              <a:t>任务：恢复梯度检查</a:t>
+            </a:r>
+            <a:endParaRPr lang="zh-CN" altLang="en-US" dirty="0"/>
+          </a:p>
+        </p:txBody>
+      </p:sp>
+    </p:spTree>
+    <p:custDataLst>
+      <p:tags r:id="rId1"/>
+    </p:custDataLst>
+    <p:extLst>
+      <p:ext uri="{BB962C8B-B14F-4D97-AF65-F5344CB8AC3E}">
+        <p14:creationId xmlns:p14="http://schemas.microsoft.com/office/powerpoint/2010/main" val="2370231121"/>
+      </p:ext>
+    </p:extLst>
+  </p:cSld>
+  <p:clrMapOvr>
+    <a:masterClrMapping/>
+  </p:clrMapOvr>
+</p:sld>
+</file>
+
+<file path=ppt/slides/slide22.xml><?xml version="1.0" encoding="utf-8"?>
 <p:sld xmlns:a="http://schemas.openxmlformats.org/drawingml/2006/main" xmlns:r="http://schemas.openxmlformats.org/officeDocument/2006/relationships" xmlns:p="http://schemas.openxmlformats.org/presentationml/2006/main">
   <p:cSld>
     <p:spTree>
@@ -11476,8 +12032,10 @@
           <a:lstStyle/>
           <a:p>
             <a:r>
-              <a:rPr lang="zh-CN" altLang="en-US" dirty="0"/>
-              <a:t>结学</a:t>
+              <a:rPr lang="zh-CN" altLang="en-US" dirty="0">
+                <a:sym typeface="+mn-ea"/>
+              </a:rPr>
+              <a:t>任务：恢复梯度检查</a:t>
             </a:r>
             <a:endParaRPr dirty="0">
               <a:sym typeface="+mn-ea"/>
@@ -11720,7 +12278,7 @@
             </a:pPr>
             <a:r>
               <a:rPr lang="zh-CN" altLang="en-US" dirty="0"/>
-              <a:t>未收敛的原因的原因是什么？</a:t>
+              <a:t>恢复梯度检查后的代码是什么？</a:t>
             </a:r>
             <a:endParaRPr lang="en-US" altLang="zh-CN" dirty="0"/>
           </a:p>
@@ -11731,26 +12289,11 @@
             </a:pPr>
             <a:r>
               <a:rPr lang="zh-CN" altLang="en-US" dirty="0"/>
-              <a:t>如何修复？</a:t>
+              <a:t>请每个同学都运行代码，看下是否通过了梯度检查？</a:t>
             </a:r>
             <a:endParaRPr lang="en-US" altLang="zh-CN" dirty="0"/>
           </a:p>
           <a:p>
-            <a:pPr marL="285750" indent="-285750">
-              <a:buFont typeface="Arial" panose="020B0604020202020204" pitchFamily="34" charset="0"/>
-              <a:buChar char="•"/>
-            </a:pPr>
-            <a:r>
-              <a:rPr lang="zh-CN" altLang="en-US" dirty="0"/>
-              <a:t>如何自动化地检查？</a:t>
-            </a:r>
-            <a:endParaRPr lang="en-US" altLang="zh-CN" dirty="0"/>
-          </a:p>
-          <a:p>
-            <a:pPr marL="285750" indent="-285750">
-              <a:buFont typeface="Arial" panose="020B0604020202020204" pitchFamily="34" charset="0"/>
-              <a:buChar char="•"/>
-            </a:pPr>
             <a:endParaRPr lang="en-US" altLang="zh-CN" dirty="0"/>
           </a:p>
           <a:p>
@@ -11834,7 +12377,7 @@
     </p:custDataLst>
     <p:extLst>
       <p:ext uri="{BB962C8B-B14F-4D97-AF65-F5344CB8AC3E}">
-        <p14:creationId xmlns:p14="http://schemas.microsoft.com/office/powerpoint/2010/main" val="11973512"/>
+        <p14:creationId xmlns:p14="http://schemas.microsoft.com/office/powerpoint/2010/main" val="3993699214"/>
       </p:ext>
     </p:extLst>
   </p:cSld>
@@ -11862,7 +12405,7 @@
                             </p:stCondLst>
                             <p:childTnLst>
                               <p:par>
-                                <p:cTn id="5" presetID="1" presetClass="entr" presetSubtype="0" fill="hold" grpId="0" nodeType="clickEffect">
+                                <p:cTn id="5" presetID="1" presetClass="entr" presetSubtype="0" fill="hold" nodeType="clickEffect">
                                   <p:stCondLst>
                                     <p:cond delay="0"/>
                                   </p:stCondLst>
@@ -11875,7 +12418,60 @@
                                           </p:stCondLst>
                                         </p:cTn>
                                         <p:tgtEl>
-                                          <p:spTgt spid="6"/>
+                                          <p:spTgt spid="6">
+                                            <p:txEl>
+                                              <p:pRg st="0" end="0"/>
+                                            </p:txEl>
+                                          </p:spTgt>
+                                        </p:tgtEl>
+                                        <p:attrNameLst>
+                                          <p:attrName>style.visibility</p:attrName>
+                                        </p:attrNameLst>
+                                      </p:cBhvr>
+                                      <p:to>
+                                        <p:strVal val="visible"/>
+                                      </p:to>
+                                    </p:set>
+                                  </p:childTnLst>
+                                </p:cTn>
+                              </p:par>
+                            </p:childTnLst>
+                          </p:cTn>
+                        </p:par>
+                      </p:childTnLst>
+                    </p:cTn>
+                  </p:par>
+                  <p:par>
+                    <p:cTn id="7" fill="hold">
+                      <p:stCondLst>
+                        <p:cond delay="indefinite"/>
+                      </p:stCondLst>
+                      <p:childTnLst>
+                        <p:par>
+                          <p:cTn id="8" fill="hold">
+                            <p:stCondLst>
+                              <p:cond delay="0"/>
+                            </p:stCondLst>
+                            <p:childTnLst>
+                              <p:par>
+                                <p:cTn id="9" presetID="1" presetClass="entr" presetSubtype="0" fill="hold" nodeType="clickEffect">
+                                  <p:stCondLst>
+                                    <p:cond delay="0"/>
+                                  </p:stCondLst>
+                                  <p:childTnLst>
+                                    <p:set>
+                                      <p:cBhvr>
+                                        <p:cTn id="10" dur="1" fill="hold">
+                                          <p:stCondLst>
+                                            <p:cond delay="0"/>
+                                          </p:stCondLst>
+                                        </p:cTn>
+                                        <p:tgtEl>
+                                          <p:spTgt spid="6">
+                                            <p:txEl>
+                                              <p:pRg st="1" end="1"/>
+                                            </p:txEl>
+                                          </p:spTgt>
                                         </p:tgtEl>
                                         <p:attrNameLst>
                                           <p:attrName>style.visibility</p:attrName>
@@ -11915,14 +12511,11 @@
         </p:cTn>
       </p:par>
     </p:tnLst>
-    <p:bldLst>
-      <p:bldP spid="6" grpId="0"/>
-    </p:bldLst>
   </p:timing>
 </p:sld>
 </file>
 
-<file path=ppt/slides/slide22.xml><?xml version="1.0" encoding="utf-8"?>
+<file path=ppt/slides/slide23.xml><?xml version="1.0" encoding="utf-8"?>
 <p:sld xmlns:a="http://schemas.openxmlformats.org/drawingml/2006/main" xmlns:r="http://schemas.openxmlformats.org/officeDocument/2006/relationships" xmlns:p="http://schemas.openxmlformats.org/presentationml/2006/main">
   <p:cSld>
     <p:spTree>
@@ -11992,7 +12585,7 @@
 </p:sld>
 </file>
 
-<file path=ppt/slides/slide23.xml><?xml version="1.0" encoding="utf-8"?>
+<file path=ppt/slides/slide24.xml><?xml version="1.0" encoding="utf-8"?>
 <p:sld xmlns:a="http://schemas.openxmlformats.org/drawingml/2006/main" xmlns:r="http://schemas.openxmlformats.org/officeDocument/2006/relationships" xmlns:p="http://schemas.openxmlformats.org/presentationml/2006/main">
   <p:cSld>
     <p:spTree>
@@ -12415,88 +13008,10 @@
   <p:clrMapOvr>
     <a:masterClrMapping/>
   </p:clrMapOvr>
-  <p:timing>
-    <p:tnLst>
-      <p:par>
-        <p:cTn id="1" dur="indefinite" restart="never" nodeType="tmRoot">
-          <p:childTnLst>
-            <p:seq concurrent="1" nextAc="seek">
-              <p:cTn id="2" dur="indefinite" nodeType="mainSeq">
-                <p:childTnLst>
-                  <p:par>
-                    <p:cTn id="3" fill="hold">
-                      <p:stCondLst>
-                        <p:cond delay="indefinite"/>
-                      </p:stCondLst>
-                      <p:childTnLst>
-                        <p:par>
-                          <p:cTn id="4" fill="hold">
-                            <p:stCondLst>
-                              <p:cond delay="0"/>
-                            </p:stCondLst>
-                            <p:childTnLst>
-                              <p:par>
-                                <p:cTn id="5" presetID="1" presetClass="entr" presetSubtype="0" fill="hold" grpId="0" nodeType="clickEffect">
-                                  <p:stCondLst>
-                                    <p:cond delay="0"/>
-                                  </p:stCondLst>
-                                  <p:childTnLst>
-                                    <p:set>
-                                      <p:cBhvr>
-                                        <p:cTn id="6" dur="1" fill="hold">
-                                          <p:stCondLst>
-                                            <p:cond delay="0"/>
-                                          </p:stCondLst>
-                                        </p:cTn>
-                                        <p:tgtEl>
-                                          <p:spTgt spid="6"/>
-                                        </p:tgtEl>
-                                        <p:attrNameLst>
-                                          <p:attrName>style.visibility</p:attrName>
-                                        </p:attrNameLst>
-                                      </p:cBhvr>
-                                      <p:to>
-                                        <p:strVal val="visible"/>
-                                      </p:to>
-                                    </p:set>
-                                  </p:childTnLst>
-                                </p:cTn>
-                              </p:par>
-                            </p:childTnLst>
-                          </p:cTn>
-                        </p:par>
-                      </p:childTnLst>
-                    </p:cTn>
-                  </p:par>
-                </p:childTnLst>
-              </p:cTn>
-              <p:prevCondLst>
-                <p:cond evt="onPrev" delay="0">
-                  <p:tgtEl>
-                    <p:sldTgt/>
-                  </p:tgtEl>
-                </p:cond>
-              </p:prevCondLst>
-              <p:nextCondLst>
-                <p:cond evt="onNext" delay="0">
-                  <p:tgtEl>
-                    <p:sldTgt/>
-                  </p:tgtEl>
-                </p:cond>
-              </p:nextCondLst>
-            </p:seq>
-          </p:childTnLst>
-        </p:cTn>
-      </p:par>
-    </p:tnLst>
-    <p:bldLst>
-      <p:bldP spid="6" grpId="0"/>
-    </p:bldLst>
-  </p:timing>
 </p:sld>
 </file>
 
-<file path=ppt/slides/slide24.xml><?xml version="1.0" encoding="utf-8"?>
+<file path=ppt/slides/slide25.xml><?xml version="1.0" encoding="utf-8"?>
 <p:sld xmlns:a="http://schemas.openxmlformats.org/drawingml/2006/main" xmlns:r="http://schemas.openxmlformats.org/officeDocument/2006/relationships" xmlns:p="http://schemas.openxmlformats.org/presentationml/2006/main">
   <p:cSld>
     <p:spTree>
@@ -12554,7 +13069,7 @@
 </p:sld>
 </file>
 
-<file path=ppt/slides/slide25.xml><?xml version="1.0" encoding="utf-8"?>
+<file path=ppt/slides/slide26.xml><?xml version="1.0" encoding="utf-8"?>
 <p:sld xmlns:a="http://schemas.openxmlformats.org/drawingml/2006/main" xmlns:r="http://schemas.openxmlformats.org/officeDocument/2006/relationships" xmlns:p="http://schemas.openxmlformats.org/presentationml/2006/main">
   <p:cSld>
     <p:spTree>
@@ -13004,88 +13519,10 @@
   <p:clrMapOvr>
     <a:masterClrMapping/>
   </p:clrMapOvr>
-  <p:timing>
-    <p:tnLst>
-      <p:par>
-        <p:cTn id="1" dur="indefinite" restart="never" nodeType="tmRoot">
-          <p:childTnLst>
-            <p:seq concurrent="1" nextAc="seek">
-              <p:cTn id="2" dur="indefinite" nodeType="mainSeq">
-                <p:childTnLst>
-                  <p:par>
-                    <p:cTn id="3" fill="hold">
-                      <p:stCondLst>
-                        <p:cond delay="indefinite"/>
-                      </p:stCondLst>
-                      <p:childTnLst>
-                        <p:par>
-                          <p:cTn id="4" fill="hold">
-                            <p:stCondLst>
-                              <p:cond delay="0"/>
-                            </p:stCondLst>
-                            <p:childTnLst>
-                              <p:par>
-                                <p:cTn id="5" presetID="1" presetClass="entr" presetSubtype="0" fill="hold" grpId="0" nodeType="clickEffect">
-                                  <p:stCondLst>
-                                    <p:cond delay="0"/>
-                                  </p:stCondLst>
-                                  <p:childTnLst>
-                                    <p:set>
-                                      <p:cBhvr>
-                                        <p:cTn id="6" dur="1" fill="hold">
-                                          <p:stCondLst>
-                                            <p:cond delay="0"/>
-                                          </p:stCondLst>
-                                        </p:cTn>
-                                        <p:tgtEl>
-                                          <p:spTgt spid="6"/>
-                                        </p:tgtEl>
-                                        <p:attrNameLst>
-                                          <p:attrName>style.visibility</p:attrName>
-                                        </p:attrNameLst>
-                                      </p:cBhvr>
-                                      <p:to>
-                                        <p:strVal val="visible"/>
-                                      </p:to>
-                                    </p:set>
-                                  </p:childTnLst>
-                                </p:cTn>
-                              </p:par>
-                            </p:childTnLst>
-                          </p:cTn>
-                        </p:par>
-                      </p:childTnLst>
-                    </p:cTn>
-                  </p:par>
-                </p:childTnLst>
-              </p:cTn>
-              <p:prevCondLst>
-                <p:cond evt="onPrev" delay="0">
-                  <p:tgtEl>
-                    <p:sldTgt/>
-                  </p:tgtEl>
-                </p:cond>
-              </p:prevCondLst>
-              <p:nextCondLst>
-                <p:cond evt="onNext" delay="0">
-                  <p:tgtEl>
-                    <p:sldTgt/>
-                  </p:tgtEl>
-                </p:cond>
-              </p:nextCondLst>
-            </p:seq>
-          </p:childTnLst>
-        </p:cTn>
-      </p:par>
-    </p:tnLst>
-    <p:bldLst>
-      <p:bldP spid="6" grpId="0"/>
-    </p:bldLst>
-  </p:timing>
 </p:sld>
 </file>
 
-<file path=ppt/slides/slide26.xml><?xml version="1.0" encoding="utf-8"?>
+<file path=ppt/slides/slide27.xml><?xml version="1.0" encoding="utf-8"?>
 <p:sld xmlns:a="http://schemas.openxmlformats.org/drawingml/2006/main" xmlns:r="http://schemas.openxmlformats.org/officeDocument/2006/relationships" xmlns:p="http://schemas.openxmlformats.org/presentationml/2006/main">
   <p:cSld>
     <p:spTree>
@@ -13479,88 +13916,10 @@
   <p:clrMapOvr>
     <a:masterClrMapping/>
   </p:clrMapOvr>
-  <p:timing>
-    <p:tnLst>
-      <p:par>
-        <p:cTn id="1" dur="indefinite" restart="never" nodeType="tmRoot">
-          <p:childTnLst>
-            <p:seq concurrent="1" nextAc="seek">
-              <p:cTn id="2" dur="indefinite" nodeType="mainSeq">
-                <p:childTnLst>
-                  <p:par>
-                    <p:cTn id="3" fill="hold">
-                      <p:stCondLst>
-                        <p:cond delay="indefinite"/>
-                      </p:stCondLst>
-                      <p:childTnLst>
-                        <p:par>
-                          <p:cTn id="4" fill="hold">
-                            <p:stCondLst>
-                              <p:cond delay="0"/>
-                            </p:stCondLst>
-                            <p:childTnLst>
-                              <p:par>
-                                <p:cTn id="5" presetID="1" presetClass="entr" presetSubtype="0" fill="hold" grpId="0" nodeType="clickEffect">
-                                  <p:stCondLst>
-                                    <p:cond delay="0"/>
-                                  </p:stCondLst>
-                                  <p:childTnLst>
-                                    <p:set>
-                                      <p:cBhvr>
-                                        <p:cTn id="6" dur="1" fill="hold">
-                                          <p:stCondLst>
-                                            <p:cond delay="0"/>
-                                          </p:stCondLst>
-                                        </p:cTn>
-                                        <p:tgtEl>
-                                          <p:spTgt spid="6"/>
-                                        </p:tgtEl>
-                                        <p:attrNameLst>
-                                          <p:attrName>style.visibility</p:attrName>
-                                        </p:attrNameLst>
-                                      </p:cBhvr>
-                                      <p:to>
-                                        <p:strVal val="visible"/>
-                                      </p:to>
-                                    </p:set>
-                                  </p:childTnLst>
-                                </p:cTn>
-                              </p:par>
-                            </p:childTnLst>
-                          </p:cTn>
-                        </p:par>
-                      </p:childTnLst>
-                    </p:cTn>
-                  </p:par>
-                </p:childTnLst>
-              </p:cTn>
-              <p:prevCondLst>
-                <p:cond evt="onPrev" delay="0">
-                  <p:tgtEl>
-                    <p:sldTgt/>
-                  </p:tgtEl>
-                </p:cond>
-              </p:prevCondLst>
-              <p:nextCondLst>
-                <p:cond evt="onNext" delay="0">
-                  <p:tgtEl>
-                    <p:sldTgt/>
-                  </p:tgtEl>
-                </p:cond>
-              </p:nextCondLst>
-            </p:seq>
-          </p:childTnLst>
-        </p:cTn>
-      </p:par>
-    </p:tnLst>
-    <p:bldLst>
-      <p:bldP spid="6" grpId="0"/>
-    </p:bldLst>
-  </p:timing>
 </p:sld>
 </file>
 
-<file path=ppt/slides/slide27.xml><?xml version="1.0" encoding="utf-8"?>
+<file path=ppt/slides/slide28.xml><?xml version="1.0" encoding="utf-8"?>
 <p:sld xmlns:a="http://schemas.openxmlformats.org/drawingml/2006/main" xmlns:r="http://schemas.openxmlformats.org/officeDocument/2006/relationships" xmlns:p="http://schemas.openxmlformats.org/presentationml/2006/main">
   <p:cSld>
     <p:spTree>
@@ -13610,7 +13969,7 @@
 </p:sld>
 </file>
 
-<file path=ppt/slides/slide28.xml><?xml version="1.0" encoding="utf-8"?>
+<file path=ppt/slides/slide29.xml><?xml version="1.0" encoding="utf-8"?>
 <p:sld xmlns:a="http://schemas.openxmlformats.org/drawingml/2006/main" xmlns:r="http://schemas.openxmlformats.org/officeDocument/2006/relationships" xmlns:p="http://schemas.openxmlformats.org/presentationml/2006/main">
   <p:cSld>
     <p:spTree>
@@ -13782,339 +14141,6 @@
     <p:custDataLst>
       <p:tags r:id="rId1"/>
     </p:custDataLst>
-  </p:cSld>
-  <p:clrMapOvr>
-    <a:masterClrMapping/>
-  </p:clrMapOvr>
-  <p:timing>
-    <p:tnLst>
-      <p:par>
-        <p:cTn id="1" dur="indefinite" restart="never" nodeType="tmRoot">
-          <p:childTnLst>
-            <p:seq concurrent="1" nextAc="seek">
-              <p:cTn id="2" dur="indefinite" nodeType="mainSeq">
-                <p:childTnLst>
-                  <p:par>
-                    <p:cTn id="3" fill="hold">
-                      <p:stCondLst>
-                        <p:cond delay="indefinite"/>
-                      </p:stCondLst>
-                      <p:childTnLst>
-                        <p:par>
-                          <p:cTn id="4" fill="hold">
-                            <p:stCondLst>
-                              <p:cond delay="0"/>
-                            </p:stCondLst>
-                            <p:childTnLst>
-                              <p:par>
-                                <p:cTn id="5" presetID="1" presetClass="entr" presetSubtype="0" fill="hold" grpId="0" nodeType="clickEffect">
-                                  <p:stCondLst>
-                                    <p:cond delay="0"/>
-                                  </p:stCondLst>
-                                  <p:childTnLst>
-                                    <p:set>
-                                      <p:cBhvr>
-                                        <p:cTn id="6" dur="1" fill="hold">
-                                          <p:stCondLst>
-                                            <p:cond delay="0"/>
-                                          </p:stCondLst>
-                                        </p:cTn>
-                                        <p:tgtEl>
-                                          <p:spTgt spid="2">
-                                            <p:txEl>
-                                              <p:pRg st="0" end="0"/>
-                                            </p:txEl>
-                                          </p:spTgt>
-                                        </p:tgtEl>
-                                        <p:attrNameLst>
-                                          <p:attrName>style.visibility</p:attrName>
-                                        </p:attrNameLst>
-                                      </p:cBhvr>
-                                      <p:to>
-                                        <p:strVal val="visible"/>
-                                      </p:to>
-                                    </p:set>
-                                  </p:childTnLst>
-                                </p:cTn>
-                              </p:par>
-                            </p:childTnLst>
-                          </p:cTn>
-                        </p:par>
-                      </p:childTnLst>
-                    </p:cTn>
-                  </p:par>
-                  <p:par>
-                    <p:cTn id="7" fill="hold">
-                      <p:stCondLst>
-                        <p:cond delay="indefinite"/>
-                      </p:stCondLst>
-                      <p:childTnLst>
-                        <p:par>
-                          <p:cTn id="8" fill="hold">
-                            <p:stCondLst>
-                              <p:cond delay="0"/>
-                            </p:stCondLst>
-                            <p:childTnLst>
-                              <p:par>
-                                <p:cTn id="9" presetID="1" presetClass="entr" presetSubtype="0" fill="hold" grpId="0" nodeType="clickEffect">
-                                  <p:stCondLst>
-                                    <p:cond delay="0"/>
-                                  </p:stCondLst>
-                                  <p:childTnLst>
-                                    <p:set>
-                                      <p:cBhvr>
-                                        <p:cTn id="10" dur="1" fill="hold">
-                                          <p:stCondLst>
-                                            <p:cond delay="0"/>
-                                          </p:stCondLst>
-                                        </p:cTn>
-                                        <p:tgtEl>
-                                          <p:spTgt spid="2">
-                                            <p:txEl>
-                                              <p:pRg st="1" end="1"/>
-                                            </p:txEl>
-                                          </p:spTgt>
-                                        </p:tgtEl>
-                                        <p:attrNameLst>
-                                          <p:attrName>style.visibility</p:attrName>
-                                        </p:attrNameLst>
-                                      </p:cBhvr>
-                                      <p:to>
-                                        <p:strVal val="visible"/>
-                                      </p:to>
-                                    </p:set>
-                                  </p:childTnLst>
-                                </p:cTn>
-                              </p:par>
-                            </p:childTnLst>
-                          </p:cTn>
-                        </p:par>
-                      </p:childTnLst>
-                    </p:cTn>
-                  </p:par>
-                </p:childTnLst>
-              </p:cTn>
-              <p:prevCondLst>
-                <p:cond evt="onPrev" delay="0">
-                  <p:tgtEl>
-                    <p:sldTgt/>
-                  </p:tgtEl>
-                </p:cond>
-              </p:prevCondLst>
-              <p:nextCondLst>
-                <p:cond evt="onNext" delay="0">
-                  <p:tgtEl>
-                    <p:sldTgt/>
-                  </p:tgtEl>
-                </p:cond>
-              </p:nextCondLst>
-            </p:seq>
-          </p:childTnLst>
-        </p:cTn>
-      </p:par>
-    </p:tnLst>
-    <p:bldLst>
-      <p:bldP spid="2" grpId="0" uiExpand="1" build="p"/>
-    </p:bldLst>
-  </p:timing>
-</p:sld>
-</file>
-
-<file path=ppt/slides/slide29.xml><?xml version="1.0" encoding="utf-8"?>
-<p:sld xmlns:a="http://schemas.openxmlformats.org/drawingml/2006/main" xmlns:r="http://schemas.openxmlformats.org/officeDocument/2006/relationships" xmlns:p="http://schemas.openxmlformats.org/presentationml/2006/main">
-  <p:cSld>
-    <p:spTree>
-      <p:nvGrpSpPr>
-        <p:cNvPr id="1" name=""/>
-        <p:cNvGrpSpPr/>
-        <p:nvPr/>
-      </p:nvGrpSpPr>
-      <p:grpSpPr>
-        <a:xfrm>
-          <a:off x="0" y="0"/>
-          <a:ext cx="0" cy="0"/>
-          <a:chOff x="0" y="0"/>
-          <a:chExt cx="0" cy="0"/>
-        </a:xfrm>
-      </p:grpSpPr>
-      <p:sp>
-        <p:nvSpPr>
-          <p:cNvPr id="2" name="文本占位符 1"/>
-          <p:cNvSpPr>
-            <a:spLocks noGrp="1"/>
-          </p:cNvSpPr>
-          <p:nvPr>
-            <p:ph type="body" idx="1"/>
-          </p:nvPr>
-        </p:nvSpPr>
-        <p:spPr/>
-        <p:txBody>
-          <a:bodyPr/>
-          <a:lstStyle/>
-          <a:p>
-            <a:pPr marL="285750" indent="-285750">
-              <a:buFont typeface="Arial" panose="020B0604020202020204" pitchFamily="34" charset="0"/>
-              <a:buChar char="•"/>
-            </a:pPr>
-            <a:r>
-              <a:rPr lang="zh-CN" altLang="en-US" dirty="0">
-                <a:sym typeface="+mn-ea"/>
-                <a:hlinkClick r:id="rId3"/>
-              </a:rPr>
-              <a:t>零基础入门深度学习 </a:t>
-            </a:r>
-            <a:r>
-              <a:rPr lang="en-US" altLang="zh-CN" dirty="0">
-                <a:sym typeface="+mn-ea"/>
-                <a:hlinkClick r:id="rId3"/>
-              </a:rPr>
-              <a:t>| </a:t>
-            </a:r>
-            <a:r>
-              <a:rPr lang="zh-CN" altLang="en-US" dirty="0">
-                <a:sym typeface="+mn-ea"/>
-                <a:hlinkClick r:id="rId3"/>
-              </a:rPr>
-              <a:t>第三章：神经网络和反向传播算法</a:t>
-            </a:r>
-            <a:endParaRPr lang="en-US" altLang="zh-CN" dirty="0">
-              <a:sym typeface="+mn-ea"/>
-            </a:endParaRPr>
-          </a:p>
-          <a:p>
-            <a:pPr marL="285750" indent="-285750">
-              <a:buFont typeface="Arial" panose="020B0604020202020204" pitchFamily="34" charset="0"/>
-              <a:buChar char="•"/>
-            </a:pPr>
-            <a:r>
-              <a:rPr lang="zh-CN" altLang="en-US" dirty="0">
-                <a:sym typeface="+mn-ea"/>
-                <a:hlinkClick r:id="rId4"/>
-              </a:rPr>
-              <a:t>机器学习笔记：训练集、验证集和测试集区别</a:t>
-            </a:r>
-            <a:endParaRPr lang="en-US" altLang="zh-CN" dirty="0">
-              <a:sym typeface="+mn-ea"/>
-            </a:endParaRPr>
-          </a:p>
-          <a:p>
-            <a:pPr marL="285750" indent="-285750">
-              <a:buFont typeface="Arial" panose="020B0604020202020204" pitchFamily="34" charset="0"/>
-              <a:buChar char="•"/>
-            </a:pPr>
-            <a:r>
-              <a:rPr lang="zh-CN" altLang="en-US" dirty="0">
-                <a:sym typeface="+mn-ea"/>
-                <a:hlinkClick r:id="rId5"/>
-              </a:rPr>
-              <a:t>数据集</a:t>
-            </a:r>
-            <a:r>
-              <a:rPr lang="en" dirty="0">
-                <a:sym typeface="+mn-ea"/>
-                <a:hlinkClick r:id="rId5"/>
-              </a:rPr>
-              <a:t>shuffle</a:t>
-            </a:r>
-            <a:r>
-              <a:rPr lang="zh-CN" altLang="en-US" dirty="0">
-                <a:sym typeface="+mn-ea"/>
-                <a:hlinkClick r:id="rId5"/>
-              </a:rPr>
-              <a:t>的重要性</a:t>
-            </a:r>
-            <a:endParaRPr dirty="0">
-              <a:sym typeface="+mn-ea"/>
-            </a:endParaRPr>
-          </a:p>
-        </p:txBody>
-      </p:sp>
-      <p:sp>
-        <p:nvSpPr>
-          <p:cNvPr id="3" name="标题 2"/>
-          <p:cNvSpPr>
-            <a:spLocks noGrp="1"/>
-          </p:cNvSpPr>
-          <p:nvPr>
-            <p:ph type="title"/>
-          </p:nvPr>
-        </p:nvSpPr>
-        <p:spPr/>
-        <p:txBody>
-          <a:bodyPr/>
-          <a:lstStyle/>
-          <a:p>
-            <a:r>
-              <a:rPr lang="zh-CN" altLang="en-US" dirty="0"/>
-              <a:t>参考资料</a:t>
-            </a:r>
-          </a:p>
-        </p:txBody>
-      </p:sp>
-      <p:graphicFrame>
-        <p:nvGraphicFramePr>
-          <p:cNvPr id="4" name="对象 3">
-            <a:hlinkClick r:id="" action="ppaction://ole?verb=0"/>
-          </p:cNvPr>
-          <p:cNvGraphicFramePr>
-            <a:graphicFrameLocks noChangeAspect="1"/>
-          </p:cNvGraphicFramePr>
-          <p:nvPr/>
-        </p:nvGraphicFramePr>
-        <p:xfrm>
-          <a:off x="5638800" y="3244850"/>
-          <a:ext cx="914400" cy="368300"/>
-        </p:xfrm>
-        <a:graphic>
-          <a:graphicData uri="http://schemas.openxmlformats.org/presentationml/2006/ole">
-            <mc:AlternateContent xmlns:mc="http://schemas.openxmlformats.org/markup-compatibility/2006">
-              <mc:Choice xmlns:v="urn:schemas-microsoft-com:vml" Requires="v">
-                <p:oleObj r:id="rId6" imgW="914400" imgH="368300" progId="Equation.KSEE3">
-                  <p:embed/>
-                </p:oleObj>
-              </mc:Choice>
-              <mc:Fallback>
-                <p:oleObj r:id="rId6" imgW="914400" imgH="368300" progId="Equation.KSEE3">
-                  <p:embed/>
-                  <p:pic>
-                    <p:nvPicPr>
-                      <p:cNvPr id="4" name="对象 3">
-                        <a:hlinkClick r:id="" action="ppaction://ole?verb=0"/>
-                      </p:cNvPr>
-                      <p:cNvPicPr/>
-                      <p:nvPr/>
-                    </p:nvPicPr>
-                    <p:blipFill>
-                      <a:blip r:embed="rId7"/>
-                      <a:stretch>
-                        <a:fillRect/>
-                      </a:stretch>
-                    </p:blipFill>
-                    <p:spPr>
-                      <a:xfrm>
-                        <a:off x="5638800" y="3244850"/>
-                        <a:ext cx="914400" cy="368300"/>
-                      </a:xfrm>
-                      <a:prstGeom prst="rect">
-                        <a:avLst/>
-                      </a:prstGeom>
-                    </p:spPr>
-                  </p:pic>
-                </p:oleObj>
-              </mc:Fallback>
-            </mc:AlternateContent>
-          </a:graphicData>
-        </a:graphic>
-      </p:graphicFrame>
-    </p:spTree>
-    <p:custDataLst>
-      <p:tags r:id="rId1"/>
-    </p:custDataLst>
-    <p:extLst>
-      <p:ext uri="{BB962C8B-B14F-4D97-AF65-F5344CB8AC3E}">
-        <p14:creationId xmlns:p14="http://schemas.microsoft.com/office/powerpoint/2010/main" val="2517994622"/>
-      </p:ext>
-    </p:extLst>
   </p:cSld>
   <p:clrMapOvr>
     <a:masterClrMapping/>
@@ -14684,6 +14710,73 @@
               <a:buFont typeface="Arial" panose="020B0604020202020204" pitchFamily="34" charset="0"/>
               <a:buChar char="•"/>
             </a:pPr>
+            <a:r>
+              <a:rPr lang="zh-CN" altLang="en-US" dirty="0">
+                <a:sym typeface="+mn-ea"/>
+                <a:hlinkClick r:id="rId3"/>
+              </a:rPr>
+              <a:t>零基础入门深度学习 </a:t>
+            </a:r>
+            <a:r>
+              <a:rPr lang="en-US" altLang="zh-CN" dirty="0">
+                <a:sym typeface="+mn-ea"/>
+                <a:hlinkClick r:id="rId3"/>
+              </a:rPr>
+              <a:t>| </a:t>
+            </a:r>
+            <a:r>
+              <a:rPr lang="zh-CN" altLang="en-US" dirty="0">
+                <a:sym typeface="+mn-ea"/>
+                <a:hlinkClick r:id="rId3"/>
+              </a:rPr>
+              <a:t>第三章：神经网络和反向传播算法</a:t>
+            </a:r>
+            <a:endParaRPr lang="en-US" altLang="zh-CN" dirty="0">
+              <a:sym typeface="+mn-ea"/>
+            </a:endParaRPr>
+          </a:p>
+          <a:p>
+            <a:pPr marL="285750" indent="-285750">
+              <a:buFont typeface="Arial" panose="020B0604020202020204" pitchFamily="34" charset="0"/>
+              <a:buChar char="•"/>
+            </a:pPr>
+            <a:r>
+              <a:rPr lang="zh-CN" altLang="en-US" dirty="0">
+                <a:sym typeface="+mn-ea"/>
+                <a:hlinkClick r:id="rId4"/>
+              </a:rPr>
+              <a:t>机器学习笔记：训练集、验证集和测试集区别</a:t>
+            </a:r>
+            <a:endParaRPr lang="en-US" altLang="zh-CN" dirty="0">
+              <a:sym typeface="+mn-ea"/>
+            </a:endParaRPr>
+          </a:p>
+          <a:p>
+            <a:pPr marL="285750" indent="-285750">
+              <a:buFont typeface="Arial" panose="020B0604020202020204" pitchFamily="34" charset="0"/>
+              <a:buChar char="•"/>
+            </a:pPr>
+            <a:r>
+              <a:rPr lang="zh-CN" altLang="en-US" dirty="0">
+                <a:sym typeface="+mn-ea"/>
+                <a:hlinkClick r:id="rId5"/>
+              </a:rPr>
+              <a:t>数据集</a:t>
+            </a:r>
+            <a:r>
+              <a:rPr lang="en" dirty="0">
+                <a:sym typeface="+mn-ea"/>
+                <a:hlinkClick r:id="rId5"/>
+              </a:rPr>
+              <a:t>shuffle</a:t>
+            </a:r>
+            <a:r>
+              <a:rPr lang="zh-CN" altLang="en-US" dirty="0">
+                <a:sym typeface="+mn-ea"/>
+                <a:hlinkClick r:id="rId5"/>
+              </a:rPr>
+              <a:t>的重要性</a:t>
+            </a:r>
             <a:endParaRPr dirty="0">
               <a:sym typeface="+mn-ea"/>
             </a:endParaRPr>
@@ -14706,19 +14799,74 @@
           <a:lstStyle/>
           <a:p>
             <a:r>
-              <a:rPr lang="zh-CN" altLang="en-US"/>
-              <a:t>下节课预告</a:t>
+              <a:rPr lang="zh-CN" altLang="en-US" dirty="0"/>
+              <a:t>参考资料</a:t>
             </a:r>
           </a:p>
         </p:txBody>
       </p:sp>
+      <p:graphicFrame>
+        <p:nvGraphicFramePr>
+          <p:cNvPr id="4" name="对象 3">
+            <a:hlinkClick r:id="" action="ppaction://ole?verb=0"/>
+          </p:cNvPr>
+          <p:cNvGraphicFramePr>
+            <a:graphicFrameLocks noChangeAspect="1"/>
+          </p:cNvGraphicFramePr>
+          <p:nvPr/>
+        </p:nvGraphicFramePr>
+        <p:xfrm>
+          <a:off x="5638800" y="3244850"/>
+          <a:ext cx="914400" cy="368300"/>
+        </p:xfrm>
+        <a:graphic>
+          <a:graphicData uri="http://schemas.openxmlformats.org/presentationml/2006/ole">
+            <mc:AlternateContent xmlns:mc="http://schemas.openxmlformats.org/markup-compatibility/2006">
+              <mc:Choice xmlns:v="urn:schemas-microsoft-com:vml" Requires="v">
+                <p:oleObj r:id="rId6" imgW="914400" imgH="368300" progId="Equation.KSEE3">
+                  <p:embed/>
+                </p:oleObj>
+              </mc:Choice>
+              <mc:Fallback>
+                <p:oleObj r:id="rId6" imgW="914400" imgH="368300" progId="Equation.KSEE3">
+                  <p:embed/>
+                  <p:pic>
+                    <p:nvPicPr>
+                      <p:cNvPr id="4" name="对象 3">
+                        <a:hlinkClick r:id="" action="ppaction://ole?verb=0"/>
+                      </p:cNvPr>
+                      <p:cNvPicPr/>
+                      <p:nvPr/>
+                    </p:nvPicPr>
+                    <p:blipFill>
+                      <a:blip r:embed="rId7"/>
+                      <a:stretch>
+                        <a:fillRect/>
+                      </a:stretch>
+                    </p:blipFill>
+                    <p:spPr>
+                      <a:xfrm>
+                        <a:off x="5638800" y="3244850"/>
+                        <a:ext cx="914400" cy="368300"/>
+                      </a:xfrm>
+                      <a:prstGeom prst="rect">
+                        <a:avLst/>
+                      </a:prstGeom>
+                    </p:spPr>
+                  </p:pic>
+                </p:oleObj>
+              </mc:Fallback>
+            </mc:AlternateContent>
+          </a:graphicData>
+        </a:graphic>
+      </p:graphicFrame>
     </p:spTree>
     <p:custDataLst>
       <p:tags r:id="rId1"/>
     </p:custDataLst>
     <p:extLst>
       <p:ext uri="{BB962C8B-B14F-4D97-AF65-F5344CB8AC3E}">
-        <p14:creationId xmlns:p14="http://schemas.microsoft.com/office/powerpoint/2010/main" val="1027050507"/>
+        <p14:creationId xmlns:p14="http://schemas.microsoft.com/office/powerpoint/2010/main" val="2517994622"/>
       </p:ext>
     </p:extLst>
   </p:cSld>
@@ -14729,34 +14877,6 @@
 </file>
 
 <file path=ppt/slides/slide31.xml><?xml version="1.0" encoding="utf-8"?>
-<p:sld xmlns:a="http://schemas.openxmlformats.org/drawingml/2006/main" xmlns:r="http://schemas.openxmlformats.org/officeDocument/2006/relationships" xmlns:p="http://schemas.openxmlformats.org/presentationml/2006/main">
-  <p:cSld>
-    <p:spTree>
-      <p:nvGrpSpPr>
-        <p:cNvPr id="1" name=""/>
-        <p:cNvGrpSpPr/>
-        <p:nvPr/>
-      </p:nvGrpSpPr>
-      <p:grpSpPr>
-        <a:xfrm>
-          <a:off x="0" y="0"/>
-          <a:ext cx="0" cy="0"/>
-          <a:chOff x="0" y="0"/>
-          <a:chExt cx="0" cy="0"/>
-        </a:xfrm>
-      </p:grpSpPr>
-    </p:spTree>
-    <p:custDataLst>
-      <p:tags r:id="rId1"/>
-    </p:custDataLst>
-  </p:cSld>
-  <p:clrMapOvr>
-    <a:masterClrMapping/>
-  </p:clrMapOvr>
-</p:sld>
-</file>
-
-<file path=ppt/slides/slide32.xml><?xml version="1.0" encoding="utf-8"?>
 <p:sld xmlns:a="http://schemas.openxmlformats.org/drawingml/2006/main" xmlns:r="http://schemas.openxmlformats.org/officeDocument/2006/relationships" xmlns:p="http://schemas.openxmlformats.org/presentationml/2006/main">
   <p:cSld>
     <p:spTree>
@@ -14792,7 +14912,9 @@
               <a:buFont typeface="Arial" panose="020B0604020202020204" pitchFamily="34" charset="0"/>
               <a:buChar char="•"/>
             </a:pPr>
-            <a:endParaRPr lang="en-US" altLang="zh-CN" dirty="0"/>
+            <a:endParaRPr dirty="0">
+              <a:sym typeface="+mn-ea"/>
+            </a:endParaRPr>
           </a:p>
         </p:txBody>
       </p:sp>
@@ -14812,6 +14934,112 @@
           <a:lstStyle/>
           <a:p>
             <a:r>
+              <a:rPr lang="zh-CN" altLang="en-US"/>
+              <a:t>下节课预告</a:t>
+            </a:r>
+          </a:p>
+        </p:txBody>
+      </p:sp>
+    </p:spTree>
+    <p:custDataLst>
+      <p:tags r:id="rId1"/>
+    </p:custDataLst>
+    <p:extLst>
+      <p:ext uri="{BB962C8B-B14F-4D97-AF65-F5344CB8AC3E}">
+        <p14:creationId xmlns:p14="http://schemas.microsoft.com/office/powerpoint/2010/main" val="1027050507"/>
+      </p:ext>
+    </p:extLst>
+  </p:cSld>
+  <p:clrMapOvr>
+    <a:masterClrMapping/>
+  </p:clrMapOvr>
+</p:sld>
+</file>
+
+<file path=ppt/slides/slide32.xml><?xml version="1.0" encoding="utf-8"?>
+<p:sld xmlns:a="http://schemas.openxmlformats.org/drawingml/2006/main" xmlns:r="http://schemas.openxmlformats.org/officeDocument/2006/relationships" xmlns:p="http://schemas.openxmlformats.org/presentationml/2006/main">
+  <p:cSld>
+    <p:spTree>
+      <p:nvGrpSpPr>
+        <p:cNvPr id="1" name=""/>
+        <p:cNvGrpSpPr/>
+        <p:nvPr/>
+      </p:nvGrpSpPr>
+      <p:grpSpPr>
+        <a:xfrm>
+          <a:off x="0" y="0"/>
+          <a:ext cx="0" cy="0"/>
+          <a:chOff x="0" y="0"/>
+          <a:chExt cx="0" cy="0"/>
+        </a:xfrm>
+      </p:grpSpPr>
+    </p:spTree>
+    <p:custDataLst>
+      <p:tags r:id="rId1"/>
+    </p:custDataLst>
+  </p:cSld>
+  <p:clrMapOvr>
+    <a:masterClrMapping/>
+  </p:clrMapOvr>
+</p:sld>
+</file>
+
+<file path=ppt/slides/slide33.xml><?xml version="1.0" encoding="utf-8"?>
+<p:sld xmlns:a="http://schemas.openxmlformats.org/drawingml/2006/main" xmlns:r="http://schemas.openxmlformats.org/officeDocument/2006/relationships" xmlns:p="http://schemas.openxmlformats.org/presentationml/2006/main">
+  <p:cSld>
+    <p:spTree>
+      <p:nvGrpSpPr>
+        <p:cNvPr id="1" name=""/>
+        <p:cNvGrpSpPr/>
+        <p:nvPr/>
+      </p:nvGrpSpPr>
+      <p:grpSpPr>
+        <a:xfrm>
+          <a:off x="0" y="0"/>
+          <a:ext cx="0" cy="0"/>
+          <a:chOff x="0" y="0"/>
+          <a:chExt cx="0" cy="0"/>
+        </a:xfrm>
+      </p:grpSpPr>
+      <p:sp>
+        <p:nvSpPr>
+          <p:cNvPr id="2" name="文本占位符 1"/>
+          <p:cNvSpPr>
+            <a:spLocks noGrp="1"/>
+          </p:cNvSpPr>
+          <p:nvPr>
+            <p:ph type="body" idx="1"/>
+          </p:nvPr>
+        </p:nvSpPr>
+        <p:spPr/>
+        <p:txBody>
+          <a:bodyPr/>
+          <a:lstStyle/>
+          <a:p>
+            <a:pPr marL="285750" indent="-285750">
+              <a:buFont typeface="Arial" panose="020B0604020202020204" pitchFamily="34" charset="0"/>
+              <a:buChar char="•"/>
+            </a:pPr>
+            <a:endParaRPr lang="en-US" altLang="zh-CN" dirty="0"/>
+          </a:p>
+        </p:txBody>
+      </p:sp>
+      <p:sp>
+        <p:nvSpPr>
+          <p:cNvPr id="3" name="标题 2"/>
+          <p:cNvSpPr>
+            <a:spLocks noGrp="1"/>
+          </p:cNvSpPr>
+          <p:nvPr>
+            <p:ph type="title"/>
+          </p:nvPr>
+        </p:nvSpPr>
+        <p:spPr/>
+        <p:txBody>
+          <a:bodyPr/>
+          <a:lstStyle/>
+          <a:p>
+            <a:r>
               <a:rPr lang="zh-CN" altLang="en-US" dirty="0"/>
               <a:t>问答</a:t>
             </a:r>
@@ -14829,7 +15057,7 @@
 </p:sld>
 </file>
 
-<file path=ppt/slides/slide33.xml><?xml version="1.0" encoding="utf-8"?>
+<file path=ppt/slides/slide34.xml><?xml version="1.0" encoding="utf-8"?>
 <p:sld xmlns:a="http://schemas.openxmlformats.org/drawingml/2006/main" xmlns:r="http://schemas.openxmlformats.org/officeDocument/2006/relationships" xmlns:p="http://schemas.openxmlformats.org/presentationml/2006/main">
   <p:cSld>
     <p:spTree>
@@ -17563,6 +17791,15 @@
 </file>
 
 <file path=ppt/tags/tag102.xml><?xml version="1.0" encoding="utf-8"?>
+<p:tagLst xmlns:a="http://schemas.openxmlformats.org/drawingml/2006/main" xmlns:r="http://schemas.openxmlformats.org/officeDocument/2006/relationships" xmlns:p="http://schemas.openxmlformats.org/presentationml/2006/main">
+  <p:tag name="KSO_WM_BEAUTIFY_FLAG" val="#wm#"/>
+  <p:tag name="KSO_WM_TEMPLATE_CATEGORY" val="custom"/>
+  <p:tag name="KSO_WM_TEMPLATE_INDEX" val="20187308"/>
+  <p:tag name="KSO_WM_SPECIAL_SOURCE" val="bdnull"/>
+</p:tagLst>
+</file>
+
+<file path=ppt/tags/tag103.xml><?xml version="1.0" encoding="utf-8"?>
 <p:tagLst xmlns:a="http://schemas.openxmlformats.org/drawingml/2006/main" xmlns:r="http://schemas.openxmlformats.org/officeDocument/2006/relationships" xmlns:p="http://schemas.openxmlformats.org/presentationml/2006/main">
   <p:tag name="KSO_WM_BEAUTIFY_FLAG" val="#wm#"/>
   <p:tag name="KSO_WM_TEMPLATE_CATEGORY" val="custom"/>

--- a/lessons/5_handwriting_by_linear_layer/ppt/用全连接层识别手写数字.pptx
+++ b/lessons/5_handwriting_by_linear_layer/ppt/用全连接层识别手写数字.pptx
@@ -5,51 +5,54 @@
     <p:sldMasterId id="2147483648" r:id="rId1"/>
   </p:sldMasterIdLst>
   <p:notesMasterIdLst>
-    <p:notesMasterId r:id="rId36"/>
+    <p:notesMasterId r:id="rId39"/>
   </p:notesMasterIdLst>
   <p:handoutMasterIdLst>
-    <p:handoutMasterId r:id="rId37"/>
+    <p:handoutMasterId r:id="rId40"/>
   </p:handoutMasterIdLst>
   <p:sldIdLst>
     <p:sldId id="307" r:id="rId2"/>
     <p:sldId id="308" r:id="rId3"/>
     <p:sldId id="284" r:id="rId4"/>
-    <p:sldId id="1044" r:id="rId5"/>
-    <p:sldId id="1004" r:id="rId6"/>
-    <p:sldId id="1001" r:id="rId7"/>
-    <p:sldId id="1072" r:id="rId8"/>
-    <p:sldId id="1066" r:id="rId9"/>
-    <p:sldId id="1080" r:id="rId10"/>
-    <p:sldId id="1081" r:id="rId11"/>
-    <p:sldId id="1074" r:id="rId12"/>
-    <p:sldId id="1067" r:id="rId13"/>
-    <p:sldId id="1075" r:id="rId14"/>
-    <p:sldId id="1068" r:id="rId15"/>
-    <p:sldId id="1076" r:id="rId16"/>
-    <p:sldId id="1069" r:id="rId17"/>
-    <p:sldId id="1078" r:id="rId18"/>
-    <p:sldId id="1083" r:id="rId19"/>
-    <p:sldId id="1085" r:id="rId20"/>
-    <p:sldId id="1086" r:id="rId21"/>
-    <p:sldId id="1089" r:id="rId22"/>
-    <p:sldId id="1088" r:id="rId23"/>
-    <p:sldId id="1071" r:id="rId24"/>
-    <p:sldId id="1077" r:id="rId25"/>
-    <p:sldId id="1070" r:id="rId26"/>
-    <p:sldId id="1079" r:id="rId27"/>
-    <p:sldId id="1087" r:id="rId28"/>
-    <p:sldId id="537" r:id="rId29"/>
-    <p:sldId id="536" r:id="rId30"/>
-    <p:sldId id="1014" r:id="rId31"/>
-    <p:sldId id="1013" r:id="rId32"/>
-    <p:sldId id="997" r:id="rId33"/>
-    <p:sldId id="998" r:id="rId34"/>
-    <p:sldId id="653" r:id="rId35"/>
+    <p:sldId id="1092" r:id="rId5"/>
+    <p:sldId id="1044" r:id="rId6"/>
+    <p:sldId id="1004" r:id="rId7"/>
+    <p:sldId id="1001" r:id="rId8"/>
+    <p:sldId id="1072" r:id="rId9"/>
+    <p:sldId id="1066" r:id="rId10"/>
+    <p:sldId id="1080" r:id="rId11"/>
+    <p:sldId id="1081" r:id="rId12"/>
+    <p:sldId id="1074" r:id="rId13"/>
+    <p:sldId id="1067" r:id="rId14"/>
+    <p:sldId id="1075" r:id="rId15"/>
+    <p:sldId id="1068" r:id="rId16"/>
+    <p:sldId id="1076" r:id="rId17"/>
+    <p:sldId id="1069" r:id="rId18"/>
+    <p:sldId id="1078" r:id="rId19"/>
+    <p:sldId id="1083" r:id="rId20"/>
+    <p:sldId id="1085" r:id="rId21"/>
+    <p:sldId id="1086" r:id="rId22"/>
+    <p:sldId id="1089" r:id="rId23"/>
+    <p:sldId id="1088" r:id="rId24"/>
+    <p:sldId id="1071" r:id="rId25"/>
+    <p:sldId id="1077" r:id="rId26"/>
+    <p:sldId id="1070" r:id="rId27"/>
+    <p:sldId id="1079" r:id="rId28"/>
+    <p:sldId id="1090" r:id="rId29"/>
+    <p:sldId id="1087" r:id="rId30"/>
+    <p:sldId id="1091" r:id="rId31"/>
+    <p:sldId id="537" r:id="rId32"/>
+    <p:sldId id="536" r:id="rId33"/>
+    <p:sldId id="1014" r:id="rId34"/>
+    <p:sldId id="1013" r:id="rId35"/>
+    <p:sldId id="997" r:id="rId36"/>
+    <p:sldId id="998" r:id="rId37"/>
+    <p:sldId id="653" r:id="rId38"/>
   </p:sldIdLst>
   <p:sldSz cx="12192000" cy="6858000"/>
   <p:notesSz cx="6858000" cy="9144000"/>
   <p:custDataLst>
-    <p:tags r:id="rId38"/>
+    <p:tags r:id="rId41"/>
   </p:custDataLst>
   <p:defaultTextStyle>
     <a:defPPr>
@@ -242,7 +245,7 @@
                 <a:latin typeface="微软雅黑" panose="020B0503020204020204" charset="-122"/>
                 <a:ea typeface="微软雅黑" panose="020B0503020204020204" charset="-122"/>
               </a:rPr>
-              <a:t>2022/11/18</a:t>
+              <a:t>2022/11/19</a:t>
             </a:fld>
             <a:endParaRPr lang="zh-CN" altLang="en-US">
               <a:latin typeface="微软雅黑" panose="020B0503020204020204" charset="-122"/>
@@ -425,7 +428,7 @@
           <a:p>
             <a:fld id="{1AC49D05-6128-4D0D-A32A-06A5E73B386C}" type="datetimeFigureOut">
               <a:rPr lang="zh-CN" altLang="en-US" smtClean="0"/>
-              <a:t>2022/11/18</a:t>
+              <a:t>2022/11/19</a:t>
             </a:fld>
             <a:endParaRPr lang="zh-CN" altLang="en-US"/>
           </a:p>
@@ -1087,7 +1090,7 @@
           <a:p>
             <a:fld id="{9EFD9D74-47D9-4702-A33C-335B63B48DBF}" type="datetimeFigureOut">
               <a:rPr lang="zh-CN" altLang="en-US" smtClean="0"/>
-              <a:t>2022/11/18</a:t>
+              <a:t>2022/11/19</a:t>
             </a:fld>
             <a:endParaRPr lang="zh-CN" altLang="en-US" dirty="0"/>
           </a:p>
@@ -1420,7 +1423,7 @@
           <a:p>
             <a:fld id="{760FBDFE-C587-4B4C-A407-44438C67B59E}" type="datetimeFigureOut">
               <a:rPr lang="zh-CN" altLang="en-US" smtClean="0"/>
-              <a:t>2022/11/18</a:t>
+              <a:t>2022/11/19</a:t>
             </a:fld>
             <a:endParaRPr lang="zh-CN" altLang="en-US"/>
           </a:p>
@@ -1593,7 +1596,7 @@
           <a:p>
             <a:fld id="{9EFD9D74-47D9-4702-A33C-335B63B48DBF}" type="datetimeFigureOut">
               <a:rPr lang="zh-CN" altLang="en-US" smtClean="0"/>
-              <a:t>2022/11/18</a:t>
+              <a:t>2022/11/19</a:t>
             </a:fld>
             <a:endParaRPr lang="zh-CN" altLang="en-US" dirty="0"/>
           </a:p>
@@ -2118,7 +2121,7 @@
           <a:p>
             <a:fld id="{760FBDFE-C587-4B4C-A407-44438C67B59E}" type="datetimeFigureOut">
               <a:rPr lang="zh-CN" altLang="en-US" smtClean="0"/>
-              <a:t>2022/11/18</a:t>
+              <a:t>2022/11/19</a:t>
             </a:fld>
             <a:endParaRPr lang="zh-CN" altLang="en-US"/>
           </a:p>
@@ -2866,7 +2869,7 @@
           <a:p>
             <a:fld id="{760FBDFE-C587-4B4C-A407-44438C67B59E}" type="datetimeFigureOut">
               <a:rPr lang="zh-CN" altLang="en-US" smtClean="0"/>
-              <a:t>2022/11/18</a:t>
+              <a:t>2022/11/19</a:t>
             </a:fld>
             <a:endParaRPr lang="zh-CN" altLang="en-US"/>
           </a:p>
@@ -3032,7 +3035,7 @@
           <a:p>
             <a:fld id="{760FBDFE-C587-4B4C-A407-44438C67B59E}" type="datetimeFigureOut">
               <a:rPr lang="zh-CN" altLang="en-US" smtClean="0"/>
-              <a:t>2022/11/18</a:t>
+              <a:t>2022/11/19</a:t>
             </a:fld>
             <a:endParaRPr lang="zh-CN" altLang="en-US"/>
           </a:p>
@@ -3146,7 +3149,7 @@
           <a:p>
             <a:fld id="{760FBDFE-C587-4B4C-A407-44438C67B59E}" type="datetimeFigureOut">
               <a:rPr lang="zh-CN" altLang="en-US" smtClean="0"/>
-              <a:t>2022/11/18</a:t>
+              <a:t>2022/11/19</a:t>
             </a:fld>
             <a:endParaRPr lang="zh-CN" altLang="en-US"/>
           </a:p>
@@ -3476,7 +3479,7 @@
           <a:p>
             <a:fld id="{9EFD9D74-47D9-4702-A33C-335B63B48DBF}" type="datetimeFigureOut">
               <a:rPr lang="zh-CN" altLang="en-US" smtClean="0"/>
-              <a:t>2022/11/18</a:t>
+              <a:t>2022/11/19</a:t>
             </a:fld>
             <a:endParaRPr lang="zh-CN" altLang="en-US" dirty="0"/>
           </a:p>
@@ -3989,7 +3992,7 @@
           <a:p>
             <a:fld id="{760FBDFE-C587-4B4C-A407-44438C67B59E}" type="datetimeFigureOut">
               <a:rPr lang="zh-CN" altLang="en-US" smtClean="0"/>
-              <a:t>2022/11/18</a:t>
+              <a:t>2022/11/19</a:t>
             </a:fld>
             <a:endParaRPr lang="zh-CN" altLang="en-US"/>
           </a:p>
@@ -4103,7 +4106,7 @@
           <a:p>
             <a:fld id="{760FBDFE-C587-4B4C-A407-44438C67B59E}" type="datetimeFigureOut">
               <a:rPr lang="zh-CN" altLang="en-US" smtClean="0"/>
-              <a:t>2022/11/18</a:t>
+              <a:t>2022/11/19</a:t>
             </a:fld>
             <a:endParaRPr lang="zh-CN" altLang="en-US"/>
           </a:p>
@@ -4391,7 +4394,7 @@
           <a:p>
             <a:fld id="{82F288E0-7875-42C4-84C8-98DBBD3BF4D2}" type="datetimeFigureOut">
               <a:rPr lang="zh-CN" altLang="en-US" smtClean="0"/>
-              <a:t>2022/11/18</a:t>
+              <a:t>2022/11/19</a:t>
             </a:fld>
             <a:endParaRPr lang="zh-CN" altLang="en-US"/>
           </a:p>
@@ -4850,7 +4853,7 @@
           <a:p>
             <a:fld id="{760FBDFE-C587-4B4C-A407-44438C67B59E}" type="datetimeFigureOut">
               <a:rPr lang="zh-CN" altLang="en-US" smtClean="0"/>
-              <a:t>2022/11/18</a:t>
+              <a:t>2022/11/19</a:t>
             </a:fld>
             <a:endParaRPr lang="zh-CN" altLang="en-US"/>
           </a:p>
@@ -5519,7 +5522,7 @@
           <a:p>
             <a:fld id="{9EFD9D74-47D9-4702-A33C-335B63B48DBF}" type="datetimeFigureOut">
               <a:rPr lang="zh-CN" altLang="en-US" smtClean="0"/>
-              <a:t>2022/11/18</a:t>
+              <a:t>2022/11/19</a:t>
             </a:fld>
             <a:endParaRPr lang="zh-CN" altLang="en-US" dirty="0"/>
           </a:p>
@@ -5667,7 +5670,7 @@
           <a:p>
             <a:fld id="{9EFD9D74-47D9-4702-A33C-335B63B48DBF}" type="datetimeFigureOut">
               <a:rPr lang="zh-CN" altLang="en-US" smtClean="0"/>
-              <a:t>2022/11/18</a:t>
+              <a:t>2022/11/19</a:t>
             </a:fld>
             <a:endParaRPr lang="zh-CN" altLang="en-US" dirty="0"/>
           </a:p>
@@ -6495,6 +6498,674 @@
       </p:grpSpPr>
       <p:sp>
         <p:nvSpPr>
+          <p:cNvPr id="3" name="标题 2"/>
+          <p:cNvSpPr>
+            <a:spLocks noGrp="1"/>
+          </p:cNvSpPr>
+          <p:nvPr>
+            <p:ph type="title"/>
+          </p:nvPr>
+        </p:nvSpPr>
+        <p:spPr/>
+        <p:txBody>
+          <a:bodyPr/>
+          <a:lstStyle/>
+          <a:p>
+            <a:r>
+              <a:rPr lang="zh-CN" altLang="en-US" dirty="0">
+                <a:sym typeface="+mn-ea"/>
+              </a:rPr>
+              <a:t>主问题：	输出是什么</a:t>
+            </a:r>
+            <a:r>
+              <a:rPr lang="zh-CN" altLang="en-US" dirty="0"/>
+              <a:t>？</a:t>
+            </a:r>
+            <a:endParaRPr dirty="0">
+              <a:sym typeface="+mn-ea"/>
+            </a:endParaRPr>
+          </a:p>
+        </p:txBody>
+      </p:sp>
+      <p:sp>
+        <p:nvSpPr>
+          <p:cNvPr id="6" name="文本占位符 1">
+            <a:extLst>
+              <a:ext uri="{FF2B5EF4-FFF2-40B4-BE49-F238E27FC236}">
+                <a16:creationId xmlns:a16="http://schemas.microsoft.com/office/drawing/2014/main" id="{BA88068A-4FDC-6963-46A5-ADEC46CDA15E}"/>
+              </a:ext>
+            </a:extLst>
+          </p:cNvPr>
+          <p:cNvSpPr txBox="1">
+            <a:spLocks/>
+          </p:cNvSpPr>
+          <p:nvPr/>
+        </p:nvSpPr>
+        <p:spPr>
+          <a:xfrm>
+            <a:off x="822325" y="1778635"/>
+            <a:ext cx="10852150" cy="4553585"/>
+          </a:xfrm>
+        </p:spPr>
+        <p:txBody>
+          <a:bodyPr lIns="101600" tIns="38100" rIns="76200" bIns="38100">
+            <a:noAutofit/>
+          </a:bodyPr>
+          <a:lstStyle>
+            <a:lvl1pPr marL="0" indent="0" algn="l" defTabSz="914400" rtl="0" eaLnBrk="1" fontAlgn="auto" latinLnBrk="0" hangingPunct="1">
+              <a:lnSpc>
+                <a:spcPct val="130000"/>
+              </a:lnSpc>
+              <a:spcBef>
+                <a:spcPts val="0"/>
+              </a:spcBef>
+              <a:spcAft>
+                <a:spcPts val="1000"/>
+              </a:spcAft>
+              <a:buFont typeface="Arial" panose="020B0604020202020204" pitchFamily="34" charset="0"/>
+              <a:buNone/>
+              <a:defRPr kumimoji="0" lang="zh-CN" altLang="en-US" sz="1600" b="0" i="0" u="none" strike="noStrike" kern="1200" cap="none" spc="150" normalizeH="0" baseline="0" noProof="1">
+                <a:solidFill>
+                  <a:schemeClr val="tx1"/>
+                </a:solidFill>
+                <a:uFillTx/>
+                <a:latin typeface="+mn-lt"/>
+                <a:ea typeface="+mn-ea"/>
+                <a:cs typeface="+mn-cs"/>
+                <a:sym typeface="+mn-ea"/>
+              </a:defRPr>
+            </a:lvl1pPr>
+            <a:lvl2pPr marL="457200" indent="0" algn="l" defTabSz="914400" rtl="0" eaLnBrk="1" fontAlgn="auto" latinLnBrk="0" hangingPunct="1">
+              <a:lnSpc>
+                <a:spcPct val="130000"/>
+              </a:lnSpc>
+              <a:spcBef>
+                <a:spcPts val="0"/>
+              </a:spcBef>
+              <a:spcAft>
+                <a:spcPts val="1000"/>
+              </a:spcAft>
+              <a:buFont typeface="Arial" panose="020B0604020202020204" pitchFamily="34" charset="0"/>
+              <a:buNone/>
+              <a:tabLst>
+                <a:tab pos="1609725" algn="l"/>
+              </a:tabLst>
+              <a:defRPr sz="2000" u="none" strike="noStrike" kern="1200" cap="none" spc="150" normalizeH="0" baseline="0">
+                <a:solidFill>
+                  <a:schemeClr val="tx1">
+                    <a:tint val="75000"/>
+                  </a:schemeClr>
+                </a:solidFill>
+                <a:uFillTx/>
+                <a:latin typeface="+mn-lt"/>
+                <a:ea typeface="+mn-ea"/>
+                <a:cs typeface="+mn-cs"/>
+              </a:defRPr>
+            </a:lvl2pPr>
+            <a:lvl3pPr marL="914400" indent="0" algn="l" defTabSz="914400" rtl="0" eaLnBrk="1" fontAlgn="auto" latinLnBrk="0" hangingPunct="1">
+              <a:lnSpc>
+                <a:spcPct val="130000"/>
+              </a:lnSpc>
+              <a:spcBef>
+                <a:spcPts val="0"/>
+              </a:spcBef>
+              <a:spcAft>
+                <a:spcPts val="1000"/>
+              </a:spcAft>
+              <a:buFont typeface="Arial" panose="020B0604020202020204" pitchFamily="34" charset="0"/>
+              <a:buNone/>
+              <a:defRPr sz="1800" u="none" strike="noStrike" kern="1200" cap="none" spc="150" normalizeH="0" baseline="0">
+                <a:solidFill>
+                  <a:schemeClr val="tx1">
+                    <a:tint val="75000"/>
+                  </a:schemeClr>
+                </a:solidFill>
+                <a:uFillTx/>
+                <a:latin typeface="+mn-lt"/>
+                <a:ea typeface="+mn-ea"/>
+                <a:cs typeface="+mn-cs"/>
+              </a:defRPr>
+            </a:lvl3pPr>
+            <a:lvl4pPr marL="1371600" indent="0" algn="l" defTabSz="914400" rtl="0" eaLnBrk="1" fontAlgn="auto" latinLnBrk="0" hangingPunct="1">
+              <a:lnSpc>
+                <a:spcPct val="130000"/>
+              </a:lnSpc>
+              <a:spcBef>
+                <a:spcPts val="0"/>
+              </a:spcBef>
+              <a:spcAft>
+                <a:spcPts val="1000"/>
+              </a:spcAft>
+              <a:buFont typeface="Arial" panose="020B0604020202020204" pitchFamily="34" charset="0"/>
+              <a:buNone/>
+              <a:defRPr sz="1600" u="none" strike="noStrike" kern="1200" cap="none" spc="150" normalizeH="0" baseline="0">
+                <a:solidFill>
+                  <a:schemeClr val="tx1">
+                    <a:tint val="75000"/>
+                  </a:schemeClr>
+                </a:solidFill>
+                <a:uFillTx/>
+                <a:latin typeface="+mn-lt"/>
+                <a:ea typeface="+mn-ea"/>
+                <a:cs typeface="+mn-cs"/>
+              </a:defRPr>
+            </a:lvl4pPr>
+            <a:lvl5pPr marL="1828800" indent="0" algn="l" defTabSz="914400" rtl="0" eaLnBrk="1" fontAlgn="auto" latinLnBrk="0" hangingPunct="1">
+              <a:lnSpc>
+                <a:spcPct val="130000"/>
+              </a:lnSpc>
+              <a:spcBef>
+                <a:spcPts val="0"/>
+              </a:spcBef>
+              <a:spcAft>
+                <a:spcPts val="1000"/>
+              </a:spcAft>
+              <a:buFont typeface="Arial" panose="020B0604020202020204" pitchFamily="34" charset="0"/>
+              <a:buNone/>
+              <a:defRPr sz="1600" u="none" strike="noStrike" kern="1200" cap="none" spc="150" normalizeH="0" baseline="0">
+                <a:solidFill>
+                  <a:schemeClr val="tx1">
+                    <a:tint val="75000"/>
+                  </a:schemeClr>
+                </a:solidFill>
+                <a:uFillTx/>
+                <a:latin typeface="+mn-lt"/>
+                <a:ea typeface="+mn-ea"/>
+                <a:cs typeface="+mn-cs"/>
+              </a:defRPr>
+            </a:lvl5pPr>
+            <a:lvl6pPr marL="2286000" indent="0" algn="l" defTabSz="914400" rtl="0" eaLnBrk="1" latinLnBrk="0" hangingPunct="1">
+              <a:lnSpc>
+                <a:spcPct val="90000"/>
+              </a:lnSpc>
+              <a:spcBef>
+                <a:spcPts val="500"/>
+              </a:spcBef>
+              <a:buFont typeface="Arial" panose="020B0604020202020204" pitchFamily="34" charset="0"/>
+              <a:buNone/>
+              <a:defRPr sz="1600" kern="1200">
+                <a:solidFill>
+                  <a:schemeClr val="tx1">
+                    <a:tint val="75000"/>
+                  </a:schemeClr>
+                </a:solidFill>
+                <a:latin typeface="+mn-lt"/>
+                <a:ea typeface="+mn-ea"/>
+                <a:cs typeface="+mn-cs"/>
+              </a:defRPr>
+            </a:lvl6pPr>
+            <a:lvl7pPr marL="2743200" indent="0" algn="l" defTabSz="914400" rtl="0" eaLnBrk="1" latinLnBrk="0" hangingPunct="1">
+              <a:lnSpc>
+                <a:spcPct val="90000"/>
+              </a:lnSpc>
+              <a:spcBef>
+                <a:spcPts val="500"/>
+              </a:spcBef>
+              <a:buFont typeface="Arial" panose="020B0604020202020204" pitchFamily="34" charset="0"/>
+              <a:buNone/>
+              <a:defRPr sz="1600" kern="1200">
+                <a:solidFill>
+                  <a:schemeClr val="tx1">
+                    <a:tint val="75000"/>
+                  </a:schemeClr>
+                </a:solidFill>
+                <a:latin typeface="+mn-lt"/>
+                <a:ea typeface="+mn-ea"/>
+                <a:cs typeface="+mn-cs"/>
+              </a:defRPr>
+            </a:lvl7pPr>
+            <a:lvl8pPr marL="3200400" indent="0" algn="l" defTabSz="914400" rtl="0" eaLnBrk="1" latinLnBrk="0" hangingPunct="1">
+              <a:lnSpc>
+                <a:spcPct val="90000"/>
+              </a:lnSpc>
+              <a:spcBef>
+                <a:spcPts val="500"/>
+              </a:spcBef>
+              <a:buFont typeface="Arial" panose="020B0604020202020204" pitchFamily="34" charset="0"/>
+              <a:buNone/>
+              <a:defRPr sz="1600" kern="1200">
+                <a:solidFill>
+                  <a:schemeClr val="tx1">
+                    <a:tint val="75000"/>
+                  </a:schemeClr>
+                </a:solidFill>
+                <a:latin typeface="+mn-lt"/>
+                <a:ea typeface="+mn-ea"/>
+                <a:cs typeface="+mn-cs"/>
+              </a:defRPr>
+            </a:lvl8pPr>
+            <a:lvl9pPr marL="3657600" indent="0" algn="l" defTabSz="914400" rtl="0" eaLnBrk="1" latinLnBrk="0" hangingPunct="1">
+              <a:lnSpc>
+                <a:spcPct val="90000"/>
+              </a:lnSpc>
+              <a:spcBef>
+                <a:spcPts val="500"/>
+              </a:spcBef>
+              <a:buFont typeface="Arial" panose="020B0604020202020204" pitchFamily="34" charset="0"/>
+              <a:buNone/>
+              <a:defRPr sz="1600" kern="1200">
+                <a:solidFill>
+                  <a:schemeClr val="tx1">
+                    <a:tint val="75000"/>
+                  </a:schemeClr>
+                </a:solidFill>
+                <a:latin typeface="+mn-lt"/>
+                <a:ea typeface="+mn-ea"/>
+                <a:cs typeface="+mn-cs"/>
+              </a:defRPr>
+            </a:lvl9pPr>
+          </a:lstStyle>
+          <a:p>
+            <a:pPr marL="285750" indent="-285750">
+              <a:buFont typeface="Arial" panose="020B0604020202020204" pitchFamily="34" charset="0"/>
+              <a:buChar char="•"/>
+            </a:pPr>
+            <a:r>
+              <a:rPr lang="zh-CN" altLang="en-US" dirty="0"/>
+              <a:t>需要的输出数据是什么？</a:t>
+            </a:r>
+            <a:endParaRPr lang="en-US" altLang="zh-CN" dirty="0"/>
+          </a:p>
+          <a:p>
+            <a:pPr marL="285750" indent="-285750">
+              <a:buFont typeface="Arial" panose="020B0604020202020204" pitchFamily="34" charset="0"/>
+              <a:buChar char="•"/>
+            </a:pPr>
+            <a:r>
+              <a:rPr lang="zh-CN" altLang="en-US" dirty="0"/>
+              <a:t>如何设计输出层的输出数据？</a:t>
+            </a:r>
+            <a:endParaRPr lang="en-US" altLang="zh-CN" dirty="0"/>
+          </a:p>
+          <a:p>
+            <a:pPr marL="285750" indent="-285750">
+              <a:buFont typeface="Arial" panose="020B0604020202020204" pitchFamily="34" charset="0"/>
+              <a:buChar char="•"/>
+            </a:pPr>
+            <a:r>
+              <a:rPr lang="zh-CN" altLang="en-US" dirty="0"/>
+              <a:t>如何确定输出的是哪个数字？</a:t>
+            </a:r>
+            <a:endParaRPr lang="en-US" altLang="zh-CN" dirty="0"/>
+          </a:p>
+          <a:p>
+            <a:endParaRPr lang="en-US" altLang="zh-CN" dirty="0"/>
+          </a:p>
+          <a:p>
+            <a:pPr marL="285750" indent="-285750">
+              <a:buFont typeface="Arial" panose="020B0604020202020204" pitchFamily="34" charset="0"/>
+              <a:buChar char="•"/>
+            </a:pPr>
+            <a:r>
+              <a:rPr lang="zh-CN" altLang="en-US" dirty="0"/>
+              <a:t>自学、互学、展学</a:t>
+            </a:r>
+          </a:p>
+          <a:p>
+            <a:pPr marL="285750" indent="-285750">
+              <a:buFont typeface="Arial" panose="020B0604020202020204" pitchFamily="34" charset="0"/>
+              <a:buChar char="•"/>
+            </a:pPr>
+            <a:endParaRPr lang="zh-CN" altLang="en-US" dirty="0"/>
+          </a:p>
+          <a:p>
+            <a:pPr marL="285750" indent="-285750">
+              <a:buFont typeface="Arial" panose="020B0604020202020204" pitchFamily="34" charset="0"/>
+              <a:buChar char="•"/>
+            </a:pPr>
+            <a:endParaRPr lang="en-US" altLang="zh-CN" dirty="0"/>
+          </a:p>
+          <a:p>
+            <a:pPr marL="285750" indent="-285750">
+              <a:buFont typeface="Arial" panose="020B0604020202020204" pitchFamily="34" charset="0"/>
+              <a:buChar char="•"/>
+            </a:pPr>
+            <a:endParaRPr lang="zh-CN" altLang="en-US" dirty="0"/>
+          </a:p>
+          <a:p>
+            <a:pPr marL="285750" indent="-285750">
+              <a:buFont typeface="Arial" panose="020B0604020202020204" pitchFamily="34" charset="0"/>
+              <a:buChar char="•"/>
+            </a:pPr>
+            <a:endParaRPr lang="zh-CN" altLang="en-US" dirty="0"/>
+          </a:p>
+          <a:p>
+            <a:pPr marL="285750" indent="-285750">
+              <a:buFont typeface="Arial" panose="020B0604020202020204" pitchFamily="34" charset="0"/>
+              <a:buChar char="•"/>
+            </a:pPr>
+            <a:endParaRPr lang="zh-CN" altLang="en-US" dirty="0"/>
+          </a:p>
+          <a:p>
+            <a:pPr marL="285750" indent="-285750">
+              <a:buFont typeface="Arial" panose="020B0604020202020204" pitchFamily="34" charset="0"/>
+              <a:buChar char="•"/>
+            </a:pPr>
+            <a:endParaRPr lang="zh-CN" altLang="en-US" dirty="0"/>
+          </a:p>
+          <a:p>
+            <a:pPr marL="285750" indent="-285750">
+              <a:buFont typeface="Arial" panose="020B0604020202020204" pitchFamily="34" charset="0"/>
+              <a:buChar char="•"/>
+            </a:pPr>
+            <a:endParaRPr lang="zh-CN" altLang="en-US" dirty="0"/>
+          </a:p>
+          <a:p>
+            <a:pPr marL="285750" indent="-285750">
+              <a:buFont typeface="Arial" panose="020B0604020202020204" pitchFamily="34" charset="0"/>
+              <a:buChar char="•"/>
+            </a:pPr>
+            <a:endParaRPr lang="zh-CN" altLang="en-US" dirty="0"/>
+          </a:p>
+          <a:p>
+            <a:pPr marL="285750" indent="-285750">
+              <a:buFont typeface="Arial" panose="020B0604020202020204" pitchFamily="34" charset="0"/>
+              <a:buChar char="•"/>
+            </a:pPr>
+            <a:endParaRPr lang="zh-CN" altLang="en-US" dirty="0"/>
+          </a:p>
+        </p:txBody>
+      </p:sp>
+      <p:sp>
+        <p:nvSpPr>
+          <p:cNvPr id="2" name="文本框 1">
+            <a:extLst>
+              <a:ext uri="{FF2B5EF4-FFF2-40B4-BE49-F238E27FC236}">
+                <a16:creationId xmlns:a16="http://schemas.microsoft.com/office/drawing/2014/main" id="{4562B282-1E64-B2DF-6261-D83AC9468682}"/>
+              </a:ext>
+            </a:extLst>
+          </p:cNvPr>
+          <p:cNvSpPr txBox="1"/>
+          <p:nvPr/>
+        </p:nvSpPr>
+        <p:spPr>
+          <a:xfrm>
+            <a:off x="6096000" y="1778635"/>
+            <a:ext cx="1677062" cy="369332"/>
+          </a:xfrm>
+          <a:prstGeom prst="rect">
+            <a:avLst/>
+          </a:prstGeom>
+          <a:noFill/>
+        </p:spPr>
+        <p:txBody>
+          <a:bodyPr wrap="none" rtlCol="0">
+            <a:spAutoFit/>
+          </a:bodyPr>
+          <a:lstStyle/>
+          <a:p>
+            <a:r>
+              <a:rPr kumimoji="1" lang="zh-CN" altLang="en-US" dirty="0"/>
+              <a:t>一个数字：</a:t>
+            </a:r>
+            <a:r>
+              <a:rPr kumimoji="1" lang="en-US" altLang="zh-CN" dirty="0"/>
+              <a:t>0-9</a:t>
+            </a:r>
+            <a:endParaRPr kumimoji="1" lang="zh-CN" altLang="en-US" dirty="0"/>
+          </a:p>
+        </p:txBody>
+      </p:sp>
+    </p:spTree>
+    <p:custDataLst>
+      <p:tags r:id="rId1"/>
+    </p:custDataLst>
+    <p:extLst>
+      <p:ext uri="{BB962C8B-B14F-4D97-AF65-F5344CB8AC3E}">
+        <p14:creationId xmlns:p14="http://schemas.microsoft.com/office/powerpoint/2010/main" val="1040660923"/>
+      </p:ext>
+    </p:extLst>
+  </p:cSld>
+  <p:clrMapOvr>
+    <a:masterClrMapping/>
+  </p:clrMapOvr>
+  <p:timing>
+    <p:tnLst>
+      <p:par>
+        <p:cTn id="1" dur="indefinite" restart="never" nodeType="tmRoot">
+          <p:childTnLst>
+            <p:seq concurrent="1" nextAc="seek">
+              <p:cTn id="2" dur="indefinite" nodeType="mainSeq">
+                <p:childTnLst>
+                  <p:par>
+                    <p:cTn id="3" fill="hold">
+                      <p:stCondLst>
+                        <p:cond delay="indefinite"/>
+                      </p:stCondLst>
+                      <p:childTnLst>
+                        <p:par>
+                          <p:cTn id="4" fill="hold">
+                            <p:stCondLst>
+                              <p:cond delay="0"/>
+                            </p:stCondLst>
+                            <p:childTnLst>
+                              <p:par>
+                                <p:cTn id="5" presetID="1" presetClass="entr" presetSubtype="0" fill="hold" nodeType="clickEffect">
+                                  <p:stCondLst>
+                                    <p:cond delay="0"/>
+                                  </p:stCondLst>
+                                  <p:childTnLst>
+                                    <p:set>
+                                      <p:cBhvr>
+                                        <p:cTn id="6" dur="1" fill="hold">
+                                          <p:stCondLst>
+                                            <p:cond delay="0"/>
+                                          </p:stCondLst>
+                                        </p:cTn>
+                                        <p:tgtEl>
+                                          <p:spTgt spid="6">
+                                            <p:txEl>
+                                              <p:pRg st="0" end="0"/>
+                                            </p:txEl>
+                                          </p:spTgt>
+                                        </p:tgtEl>
+                                        <p:attrNameLst>
+                                          <p:attrName>style.visibility</p:attrName>
+                                        </p:attrNameLst>
+                                      </p:cBhvr>
+                                      <p:to>
+                                        <p:strVal val="visible"/>
+                                      </p:to>
+                                    </p:set>
+                                  </p:childTnLst>
+                                </p:cTn>
+                              </p:par>
+                            </p:childTnLst>
+                          </p:cTn>
+                        </p:par>
+                      </p:childTnLst>
+                    </p:cTn>
+                  </p:par>
+                  <p:par>
+                    <p:cTn id="7" fill="hold">
+                      <p:stCondLst>
+                        <p:cond delay="indefinite"/>
+                      </p:stCondLst>
+                      <p:childTnLst>
+                        <p:par>
+                          <p:cTn id="8" fill="hold">
+                            <p:stCondLst>
+                              <p:cond delay="0"/>
+                            </p:stCondLst>
+                            <p:childTnLst>
+                              <p:par>
+                                <p:cTn id="9" presetID="1" presetClass="entr" presetSubtype="0" fill="hold" grpId="0" nodeType="clickEffect">
+                                  <p:stCondLst>
+                                    <p:cond delay="0"/>
+                                  </p:stCondLst>
+                                  <p:childTnLst>
+                                    <p:set>
+                                      <p:cBhvr>
+                                        <p:cTn id="10" dur="1" fill="hold">
+                                          <p:stCondLst>
+                                            <p:cond delay="0"/>
+                                          </p:stCondLst>
+                                        </p:cTn>
+                                        <p:tgtEl>
+                                          <p:spTgt spid="2"/>
+                                        </p:tgtEl>
+                                        <p:attrNameLst>
+                                          <p:attrName>style.visibility</p:attrName>
+                                        </p:attrNameLst>
+                                      </p:cBhvr>
+                                      <p:to>
+                                        <p:strVal val="visible"/>
+                                      </p:to>
+                                    </p:set>
+                                  </p:childTnLst>
+                                </p:cTn>
+                              </p:par>
+                            </p:childTnLst>
+                          </p:cTn>
+                        </p:par>
+                      </p:childTnLst>
+                    </p:cTn>
+                  </p:par>
+                  <p:par>
+                    <p:cTn id="11" fill="hold">
+                      <p:stCondLst>
+                        <p:cond delay="indefinite"/>
+                      </p:stCondLst>
+                      <p:childTnLst>
+                        <p:par>
+                          <p:cTn id="12" fill="hold">
+                            <p:stCondLst>
+                              <p:cond delay="0"/>
+                            </p:stCondLst>
+                            <p:childTnLst>
+                              <p:par>
+                                <p:cTn id="13" presetID="1" presetClass="entr" presetSubtype="0" fill="hold" nodeType="clickEffect">
+                                  <p:stCondLst>
+                                    <p:cond delay="0"/>
+                                  </p:stCondLst>
+                                  <p:childTnLst>
+                                    <p:set>
+                                      <p:cBhvr>
+                                        <p:cTn id="14" dur="1" fill="hold">
+                                          <p:stCondLst>
+                                            <p:cond delay="0"/>
+                                          </p:stCondLst>
+                                        </p:cTn>
+                                        <p:tgtEl>
+                                          <p:spTgt spid="6">
+                                            <p:txEl>
+                                              <p:pRg st="1" end="1"/>
+                                            </p:txEl>
+                                          </p:spTgt>
+                                        </p:tgtEl>
+                                        <p:attrNameLst>
+                                          <p:attrName>style.visibility</p:attrName>
+                                        </p:attrNameLst>
+                                      </p:cBhvr>
+                                      <p:to>
+                                        <p:strVal val="visible"/>
+                                      </p:to>
+                                    </p:set>
+                                  </p:childTnLst>
+                                </p:cTn>
+                              </p:par>
+                            </p:childTnLst>
+                          </p:cTn>
+                        </p:par>
+                      </p:childTnLst>
+                    </p:cTn>
+                  </p:par>
+                  <p:par>
+                    <p:cTn id="15" fill="hold">
+                      <p:stCondLst>
+                        <p:cond delay="indefinite"/>
+                      </p:stCondLst>
+                      <p:childTnLst>
+                        <p:par>
+                          <p:cTn id="16" fill="hold">
+                            <p:stCondLst>
+                              <p:cond delay="0"/>
+                            </p:stCondLst>
+                            <p:childTnLst>
+                              <p:par>
+                                <p:cTn id="17" presetID="1" presetClass="entr" presetSubtype="0" fill="hold" nodeType="clickEffect">
+                                  <p:stCondLst>
+                                    <p:cond delay="0"/>
+                                  </p:stCondLst>
+                                  <p:childTnLst>
+                                    <p:set>
+                                      <p:cBhvr>
+                                        <p:cTn id="18" dur="1" fill="hold">
+                                          <p:stCondLst>
+                                            <p:cond delay="0"/>
+                                          </p:stCondLst>
+                                        </p:cTn>
+                                        <p:tgtEl>
+                                          <p:spTgt spid="6">
+                                            <p:txEl>
+                                              <p:pRg st="2" end="2"/>
+                                            </p:txEl>
+                                          </p:spTgt>
+                                        </p:tgtEl>
+                                        <p:attrNameLst>
+                                          <p:attrName>style.visibility</p:attrName>
+                                        </p:attrNameLst>
+                                      </p:cBhvr>
+                                      <p:to>
+                                        <p:strVal val="visible"/>
+                                      </p:to>
+                                    </p:set>
+                                  </p:childTnLst>
+                                </p:cTn>
+                              </p:par>
+                            </p:childTnLst>
+                          </p:cTn>
+                        </p:par>
+                      </p:childTnLst>
+                    </p:cTn>
+                  </p:par>
+                </p:childTnLst>
+              </p:cTn>
+              <p:prevCondLst>
+                <p:cond evt="onPrev" delay="0">
+                  <p:tgtEl>
+                    <p:sldTgt/>
+                  </p:tgtEl>
+                </p:cond>
+              </p:prevCondLst>
+              <p:nextCondLst>
+                <p:cond evt="onNext" delay="0">
+                  <p:tgtEl>
+                    <p:sldTgt/>
+                  </p:tgtEl>
+                </p:cond>
+              </p:nextCondLst>
+            </p:seq>
+          </p:childTnLst>
+        </p:cTn>
+      </p:par>
+    </p:tnLst>
+    <p:bldLst>
+      <p:bldP spid="2" grpId="0"/>
+    </p:bldLst>
+  </p:timing>
+</p:sld>
+</file>
+
+<file path=ppt/slides/slide11.xml><?xml version="1.0" encoding="utf-8"?>
+<p:sld xmlns:a="http://schemas.openxmlformats.org/drawingml/2006/main" xmlns:r="http://schemas.openxmlformats.org/officeDocument/2006/relationships" xmlns:p="http://schemas.openxmlformats.org/presentationml/2006/main">
+  <p:cSld>
+    <p:spTree>
+      <p:nvGrpSpPr>
+        <p:cNvPr id="1" name=""/>
+        <p:cNvGrpSpPr/>
+        <p:nvPr/>
+      </p:nvGrpSpPr>
+      <p:grpSpPr>
+        <a:xfrm>
+          <a:off x="0" y="0"/>
+          <a:ext cx="0" cy="0"/>
+          <a:chOff x="0" y="0"/>
+          <a:chExt cx="0" cy="0"/>
+        </a:xfrm>
+      </p:grpSpPr>
+      <p:sp>
+        <p:nvSpPr>
           <p:cNvPr id="2" name="标题 1"/>
           <p:cNvSpPr>
             <a:spLocks noGrp="1"/>
@@ -6543,7 +7214,7 @@
 </p:sld>
 </file>
 
-<file path=ppt/slides/slide11.xml><?xml version="1.0" encoding="utf-8"?>
+<file path=ppt/slides/slide12.xml><?xml version="1.0" encoding="utf-8"?>
 <p:sld xmlns:a="http://schemas.openxmlformats.org/drawingml/2006/main" xmlns:r="http://schemas.openxmlformats.org/officeDocument/2006/relationships" xmlns:p="http://schemas.openxmlformats.org/presentationml/2006/main">
   <p:cSld>
     <p:spTree>
@@ -7284,7 +7955,7 @@
 </p:sld>
 </file>
 
-<file path=ppt/slides/slide12.xml><?xml version="1.0" encoding="utf-8"?>
+<file path=ppt/slides/slide13.xml><?xml version="1.0" encoding="utf-8"?>
 <p:sld xmlns:a="http://schemas.openxmlformats.org/drawingml/2006/main" xmlns:r="http://schemas.openxmlformats.org/officeDocument/2006/relationships" xmlns:p="http://schemas.openxmlformats.org/presentationml/2006/main">
   <p:cSld>
     <p:spTree>
@@ -7362,7 +8033,7 @@
 </p:sld>
 </file>
 
-<file path=ppt/slides/slide13.xml><?xml version="1.0" encoding="utf-8"?>
+<file path=ppt/slides/slide14.xml><?xml version="1.0" encoding="utf-8"?>
 <p:sld xmlns:a="http://schemas.openxmlformats.org/drawingml/2006/main" xmlns:r="http://schemas.openxmlformats.org/officeDocument/2006/relationships" xmlns:p="http://schemas.openxmlformats.org/presentationml/2006/main">
   <p:cSld>
     <p:spTree>
@@ -8228,7 +8899,7 @@
 </p:sld>
 </file>
 
-<file path=ppt/slides/slide14.xml><?xml version="1.0" encoding="utf-8"?>
+<file path=ppt/slides/slide15.xml><?xml version="1.0" encoding="utf-8"?>
 <p:sld xmlns:a="http://schemas.openxmlformats.org/drawingml/2006/main" xmlns:r="http://schemas.openxmlformats.org/officeDocument/2006/relationships" xmlns:p="http://schemas.openxmlformats.org/presentationml/2006/main">
   <p:cSld>
     <p:spTree>
@@ -8304,7 +8975,7 @@
 </p:sld>
 </file>
 
-<file path=ppt/slides/slide15.xml><?xml version="1.0" encoding="utf-8"?>
+<file path=ppt/slides/slide16.xml><?xml version="1.0" encoding="utf-8"?>
 <p:sld xmlns:a="http://schemas.openxmlformats.org/drawingml/2006/main" xmlns:r="http://schemas.openxmlformats.org/officeDocument/2006/relationships" xmlns:p="http://schemas.openxmlformats.org/presentationml/2006/main">
   <p:cSld>
     <p:spTree>
@@ -9051,7 +9722,7 @@
 </p:sld>
 </file>
 
-<file path=ppt/slides/slide16.xml><?xml version="1.0" encoding="utf-8"?>
+<file path=ppt/slides/slide17.xml><?xml version="1.0" encoding="utf-8"?>
 <p:sld xmlns:a="http://schemas.openxmlformats.org/drawingml/2006/main" xmlns:r="http://schemas.openxmlformats.org/officeDocument/2006/relationships" xmlns:p="http://schemas.openxmlformats.org/presentationml/2006/main">
   <p:cSld>
     <p:spTree>
@@ -9125,7 +9796,7 @@
 </p:sld>
 </file>
 
-<file path=ppt/slides/slide17.xml><?xml version="1.0" encoding="utf-8"?>
+<file path=ppt/slides/slide18.xml><?xml version="1.0" encoding="utf-8"?>
 <p:sld xmlns:a="http://schemas.openxmlformats.org/drawingml/2006/main" xmlns:r="http://schemas.openxmlformats.org/officeDocument/2006/relationships" xmlns:p="http://schemas.openxmlformats.org/presentationml/2006/main">
   <p:cSld>
     <p:spTree>
@@ -9847,7 +10518,7 @@
 </p:sld>
 </file>
 
-<file path=ppt/slides/slide18.xml><?xml version="1.0" encoding="utf-8"?>
+<file path=ppt/slides/slide19.xml><?xml version="1.0" encoding="utf-8"?>
 <p:sld xmlns:a="http://schemas.openxmlformats.org/drawingml/2006/main" xmlns:r="http://schemas.openxmlformats.org/officeDocument/2006/relationships" xmlns:p="http://schemas.openxmlformats.org/presentationml/2006/main">
   <p:cSld>
     <p:spTree>
@@ -10241,8 +10912,8 @@
           </a:p>
         </p:txBody>
       </p:sp>
-      <mc:AlternateContent xmlns:mc="http://schemas.openxmlformats.org/markup-compatibility/2006">
-        <mc:Choice xmlns:a14="http://schemas.microsoft.com/office/drawing/2010/main" Requires="a14">
+      <mc:AlternateContent xmlns:mc="http://schemas.openxmlformats.org/markup-compatibility/2006" xmlns:a14="http://schemas.microsoft.com/office/drawing/2010/main">
+        <mc:Choice Requires="a14">
           <p:sp>
             <p:nvSpPr>
               <p:cNvPr id="2" name="文本框 1">
@@ -10390,7 +11061,7 @@
             </p:txBody>
           </p:sp>
         </mc:Choice>
-        <mc:Fallback>
+        <mc:Fallback xmlns="">
           <p:sp>
             <p:nvSpPr>
               <p:cNvPr id="2" name="文本框 1">
@@ -10725,582 +11396,6 @@
 </p:sld>
 </file>
 
-<file path=ppt/slides/slide19.xml><?xml version="1.0" encoding="utf-8"?>
-<p:sld xmlns:a="http://schemas.openxmlformats.org/drawingml/2006/main" xmlns:r="http://schemas.openxmlformats.org/officeDocument/2006/relationships" xmlns:p="http://schemas.openxmlformats.org/presentationml/2006/main">
-  <p:cSld>
-    <p:spTree>
-      <p:nvGrpSpPr>
-        <p:cNvPr id="1" name=""/>
-        <p:cNvGrpSpPr/>
-        <p:nvPr/>
-      </p:nvGrpSpPr>
-      <p:grpSpPr>
-        <a:xfrm>
-          <a:off x="0" y="0"/>
-          <a:ext cx="0" cy="0"/>
-          <a:chOff x="0" y="0"/>
-          <a:chExt cx="0" cy="0"/>
-        </a:xfrm>
-      </p:grpSpPr>
-      <p:sp>
-        <p:nvSpPr>
-          <p:cNvPr id="3" name="标题 2"/>
-          <p:cNvSpPr>
-            <a:spLocks noGrp="1"/>
-          </p:cNvSpPr>
-          <p:nvPr>
-            <p:ph type="title"/>
-          </p:nvPr>
-        </p:nvSpPr>
-        <p:spPr/>
-        <p:txBody>
-          <a:bodyPr/>
-          <a:lstStyle/>
-          <a:p>
-            <a:r>
-              <a:rPr lang="zh-CN" altLang="en-US" dirty="0">
-                <a:sym typeface="+mn-ea"/>
-              </a:rPr>
-              <a:t>任务：重构调试代码</a:t>
-            </a:r>
-            <a:endParaRPr dirty="0">
-              <a:sym typeface="+mn-ea"/>
-            </a:endParaRPr>
-          </a:p>
-        </p:txBody>
-      </p:sp>
-      <p:sp>
-        <p:nvSpPr>
-          <p:cNvPr id="6" name="文本占位符 1">
-            <a:extLst>
-              <a:ext uri="{FF2B5EF4-FFF2-40B4-BE49-F238E27FC236}">
-                <a16:creationId xmlns:a16="http://schemas.microsoft.com/office/drawing/2014/main" id="{BA88068A-4FDC-6963-46A5-ADEC46CDA15E}"/>
-              </a:ext>
-            </a:extLst>
-          </p:cNvPr>
-          <p:cNvSpPr txBox="1">
-            <a:spLocks/>
-          </p:cNvSpPr>
-          <p:nvPr/>
-        </p:nvSpPr>
-        <p:spPr>
-          <a:xfrm>
-            <a:off x="822325" y="1778635"/>
-            <a:ext cx="10852150" cy="4553585"/>
-          </a:xfrm>
-        </p:spPr>
-        <p:txBody>
-          <a:bodyPr lIns="101600" tIns="38100" rIns="76200" bIns="38100">
-            <a:noAutofit/>
-          </a:bodyPr>
-          <a:lstStyle>
-            <a:lvl1pPr marL="0" indent="0" algn="l" defTabSz="914400" rtl="0" eaLnBrk="1" fontAlgn="auto" latinLnBrk="0" hangingPunct="1">
-              <a:lnSpc>
-                <a:spcPct val="130000"/>
-              </a:lnSpc>
-              <a:spcBef>
-                <a:spcPts val="0"/>
-              </a:spcBef>
-              <a:spcAft>
-                <a:spcPts val="1000"/>
-              </a:spcAft>
-              <a:buFont typeface="Arial" panose="020B0604020202020204" pitchFamily="34" charset="0"/>
-              <a:buNone/>
-              <a:defRPr kumimoji="0" lang="zh-CN" altLang="en-US" sz="1600" b="0" i="0" u="none" strike="noStrike" kern="1200" cap="none" spc="150" normalizeH="0" baseline="0" noProof="1">
-                <a:solidFill>
-                  <a:schemeClr val="tx1"/>
-                </a:solidFill>
-                <a:uFillTx/>
-                <a:latin typeface="+mn-lt"/>
-                <a:ea typeface="+mn-ea"/>
-                <a:cs typeface="+mn-cs"/>
-                <a:sym typeface="+mn-ea"/>
-              </a:defRPr>
-            </a:lvl1pPr>
-            <a:lvl2pPr marL="457200" indent="0" algn="l" defTabSz="914400" rtl="0" eaLnBrk="1" fontAlgn="auto" latinLnBrk="0" hangingPunct="1">
-              <a:lnSpc>
-                <a:spcPct val="130000"/>
-              </a:lnSpc>
-              <a:spcBef>
-                <a:spcPts val="0"/>
-              </a:spcBef>
-              <a:spcAft>
-                <a:spcPts val="1000"/>
-              </a:spcAft>
-              <a:buFont typeface="Arial" panose="020B0604020202020204" pitchFamily="34" charset="0"/>
-              <a:buNone/>
-              <a:tabLst>
-                <a:tab pos="1609725" algn="l"/>
-              </a:tabLst>
-              <a:defRPr sz="2000" u="none" strike="noStrike" kern="1200" cap="none" spc="150" normalizeH="0" baseline="0">
-                <a:solidFill>
-                  <a:schemeClr val="tx1">
-                    <a:tint val="75000"/>
-                  </a:schemeClr>
-                </a:solidFill>
-                <a:uFillTx/>
-                <a:latin typeface="+mn-lt"/>
-                <a:ea typeface="+mn-ea"/>
-                <a:cs typeface="+mn-cs"/>
-              </a:defRPr>
-            </a:lvl2pPr>
-            <a:lvl3pPr marL="914400" indent="0" algn="l" defTabSz="914400" rtl="0" eaLnBrk="1" fontAlgn="auto" latinLnBrk="0" hangingPunct="1">
-              <a:lnSpc>
-                <a:spcPct val="130000"/>
-              </a:lnSpc>
-              <a:spcBef>
-                <a:spcPts val="0"/>
-              </a:spcBef>
-              <a:spcAft>
-                <a:spcPts val="1000"/>
-              </a:spcAft>
-              <a:buFont typeface="Arial" panose="020B0604020202020204" pitchFamily="34" charset="0"/>
-              <a:buNone/>
-              <a:defRPr sz="1800" u="none" strike="noStrike" kern="1200" cap="none" spc="150" normalizeH="0" baseline="0">
-                <a:solidFill>
-                  <a:schemeClr val="tx1">
-                    <a:tint val="75000"/>
-                  </a:schemeClr>
-                </a:solidFill>
-                <a:uFillTx/>
-                <a:latin typeface="+mn-lt"/>
-                <a:ea typeface="+mn-ea"/>
-                <a:cs typeface="+mn-cs"/>
-              </a:defRPr>
-            </a:lvl3pPr>
-            <a:lvl4pPr marL="1371600" indent="0" algn="l" defTabSz="914400" rtl="0" eaLnBrk="1" fontAlgn="auto" latinLnBrk="0" hangingPunct="1">
-              <a:lnSpc>
-                <a:spcPct val="130000"/>
-              </a:lnSpc>
-              <a:spcBef>
-                <a:spcPts val="0"/>
-              </a:spcBef>
-              <a:spcAft>
-                <a:spcPts val="1000"/>
-              </a:spcAft>
-              <a:buFont typeface="Arial" panose="020B0604020202020204" pitchFamily="34" charset="0"/>
-              <a:buNone/>
-              <a:defRPr sz="1600" u="none" strike="noStrike" kern="1200" cap="none" spc="150" normalizeH="0" baseline="0">
-                <a:solidFill>
-                  <a:schemeClr val="tx1">
-                    <a:tint val="75000"/>
-                  </a:schemeClr>
-                </a:solidFill>
-                <a:uFillTx/>
-                <a:latin typeface="+mn-lt"/>
-                <a:ea typeface="+mn-ea"/>
-                <a:cs typeface="+mn-cs"/>
-              </a:defRPr>
-            </a:lvl4pPr>
-            <a:lvl5pPr marL="1828800" indent="0" algn="l" defTabSz="914400" rtl="0" eaLnBrk="1" fontAlgn="auto" latinLnBrk="0" hangingPunct="1">
-              <a:lnSpc>
-                <a:spcPct val="130000"/>
-              </a:lnSpc>
-              <a:spcBef>
-                <a:spcPts val="0"/>
-              </a:spcBef>
-              <a:spcAft>
-                <a:spcPts val="1000"/>
-              </a:spcAft>
-              <a:buFont typeface="Arial" panose="020B0604020202020204" pitchFamily="34" charset="0"/>
-              <a:buNone/>
-              <a:defRPr sz="1600" u="none" strike="noStrike" kern="1200" cap="none" spc="150" normalizeH="0" baseline="0">
-                <a:solidFill>
-                  <a:schemeClr val="tx1">
-                    <a:tint val="75000"/>
-                  </a:schemeClr>
-                </a:solidFill>
-                <a:uFillTx/>
-                <a:latin typeface="+mn-lt"/>
-                <a:ea typeface="+mn-ea"/>
-                <a:cs typeface="+mn-cs"/>
-              </a:defRPr>
-            </a:lvl5pPr>
-            <a:lvl6pPr marL="2286000" indent="0" algn="l" defTabSz="914400" rtl="0" eaLnBrk="1" latinLnBrk="0" hangingPunct="1">
-              <a:lnSpc>
-                <a:spcPct val="90000"/>
-              </a:lnSpc>
-              <a:spcBef>
-                <a:spcPts val="500"/>
-              </a:spcBef>
-              <a:buFont typeface="Arial" panose="020B0604020202020204" pitchFamily="34" charset="0"/>
-              <a:buNone/>
-              <a:defRPr sz="1600" kern="1200">
-                <a:solidFill>
-                  <a:schemeClr val="tx1">
-                    <a:tint val="75000"/>
-                  </a:schemeClr>
-                </a:solidFill>
-                <a:latin typeface="+mn-lt"/>
-                <a:ea typeface="+mn-ea"/>
-                <a:cs typeface="+mn-cs"/>
-              </a:defRPr>
-            </a:lvl6pPr>
-            <a:lvl7pPr marL="2743200" indent="0" algn="l" defTabSz="914400" rtl="0" eaLnBrk="1" latinLnBrk="0" hangingPunct="1">
-              <a:lnSpc>
-                <a:spcPct val="90000"/>
-              </a:lnSpc>
-              <a:spcBef>
-                <a:spcPts val="500"/>
-              </a:spcBef>
-              <a:buFont typeface="Arial" panose="020B0604020202020204" pitchFamily="34" charset="0"/>
-              <a:buNone/>
-              <a:defRPr sz="1600" kern="1200">
-                <a:solidFill>
-                  <a:schemeClr val="tx1">
-                    <a:tint val="75000"/>
-                  </a:schemeClr>
-                </a:solidFill>
-                <a:latin typeface="+mn-lt"/>
-                <a:ea typeface="+mn-ea"/>
-                <a:cs typeface="+mn-cs"/>
-              </a:defRPr>
-            </a:lvl7pPr>
-            <a:lvl8pPr marL="3200400" indent="0" algn="l" defTabSz="914400" rtl="0" eaLnBrk="1" latinLnBrk="0" hangingPunct="1">
-              <a:lnSpc>
-                <a:spcPct val="90000"/>
-              </a:lnSpc>
-              <a:spcBef>
-                <a:spcPts val="500"/>
-              </a:spcBef>
-              <a:buFont typeface="Arial" panose="020B0604020202020204" pitchFamily="34" charset="0"/>
-              <a:buNone/>
-              <a:defRPr sz="1600" kern="1200">
-                <a:solidFill>
-                  <a:schemeClr val="tx1">
-                    <a:tint val="75000"/>
-                  </a:schemeClr>
-                </a:solidFill>
-                <a:latin typeface="+mn-lt"/>
-                <a:ea typeface="+mn-ea"/>
-                <a:cs typeface="+mn-cs"/>
-              </a:defRPr>
-            </a:lvl8pPr>
-            <a:lvl9pPr marL="3657600" indent="0" algn="l" defTabSz="914400" rtl="0" eaLnBrk="1" latinLnBrk="0" hangingPunct="1">
-              <a:lnSpc>
-                <a:spcPct val="90000"/>
-              </a:lnSpc>
-              <a:spcBef>
-                <a:spcPts val="500"/>
-              </a:spcBef>
-              <a:buFont typeface="Arial" panose="020B0604020202020204" pitchFamily="34" charset="0"/>
-              <a:buNone/>
-              <a:defRPr sz="1600" kern="1200">
-                <a:solidFill>
-                  <a:schemeClr val="tx1">
-                    <a:tint val="75000"/>
-                  </a:schemeClr>
-                </a:solidFill>
-                <a:latin typeface="+mn-lt"/>
-                <a:ea typeface="+mn-ea"/>
-                <a:cs typeface="+mn-cs"/>
-              </a:defRPr>
-            </a:lvl9pPr>
-          </a:lstStyle>
-          <a:p>
-            <a:pPr marL="285750" indent="-285750">
-              <a:buFont typeface="Arial" panose="020B0604020202020204" pitchFamily="34" charset="0"/>
-              <a:buChar char="•"/>
-            </a:pPr>
-            <a:r>
-              <a:rPr lang="zh-CN" altLang="en-US" dirty="0"/>
-              <a:t>请增加异常检查的代码，自动化检查异常数据？</a:t>
-            </a:r>
-            <a:endParaRPr lang="en-US" altLang="zh-CN" dirty="0"/>
-          </a:p>
-          <a:p>
-            <a:pPr marL="285750" indent="-285750">
-              <a:buFont typeface="Arial" panose="020B0604020202020204" pitchFamily="34" charset="0"/>
-              <a:buChar char="•"/>
-            </a:pPr>
-            <a:r>
-              <a:rPr lang="zh-CN" altLang="en-US" dirty="0"/>
-              <a:t>请每个同学都运行代码，看下是否通过了自动化检查？</a:t>
-            </a:r>
-            <a:endParaRPr lang="en-US" altLang="zh-CN" dirty="0"/>
-          </a:p>
-          <a:p>
-            <a:pPr marL="285750" indent="-285750">
-              <a:buFont typeface="Arial" panose="020B0604020202020204" pitchFamily="34" charset="0"/>
-              <a:buChar char="•"/>
-            </a:pPr>
-            <a:r>
-              <a:rPr lang="zh-CN" altLang="en-US" dirty="0"/>
-              <a:t>请每个同学都调整下学习率，看下结果？</a:t>
-            </a:r>
-            <a:endParaRPr lang="en-US" altLang="zh-CN" dirty="0"/>
-          </a:p>
-          <a:p>
-            <a:endParaRPr lang="en-US" altLang="zh-CN" dirty="0"/>
-          </a:p>
-          <a:p>
-            <a:pPr marL="285750" indent="-285750">
-              <a:buFont typeface="Arial" panose="020B0604020202020204" pitchFamily="34" charset="0"/>
-              <a:buChar char="•"/>
-            </a:pPr>
-            <a:r>
-              <a:rPr lang="zh-CN" altLang="en-US" dirty="0"/>
-              <a:t>自学、展学</a:t>
-            </a:r>
-          </a:p>
-          <a:p>
-            <a:pPr marL="285750" indent="-285750">
-              <a:buFont typeface="Arial" panose="020B0604020202020204" pitchFamily="34" charset="0"/>
-              <a:buChar char="•"/>
-            </a:pPr>
-            <a:endParaRPr lang="zh-CN" altLang="en-US" dirty="0"/>
-          </a:p>
-          <a:p>
-            <a:pPr marL="285750" indent="-285750">
-              <a:buFont typeface="Arial" panose="020B0604020202020204" pitchFamily="34" charset="0"/>
-              <a:buChar char="•"/>
-            </a:pPr>
-            <a:endParaRPr lang="en-US" altLang="zh-CN" dirty="0"/>
-          </a:p>
-          <a:p>
-            <a:pPr marL="285750" indent="-285750">
-              <a:buFont typeface="Arial" panose="020B0604020202020204" pitchFamily="34" charset="0"/>
-              <a:buChar char="•"/>
-            </a:pPr>
-            <a:endParaRPr lang="zh-CN" altLang="en-US" dirty="0"/>
-          </a:p>
-          <a:p>
-            <a:pPr marL="285750" indent="-285750">
-              <a:buFont typeface="Arial" panose="020B0604020202020204" pitchFamily="34" charset="0"/>
-              <a:buChar char="•"/>
-            </a:pPr>
-            <a:endParaRPr lang="zh-CN" altLang="en-US" dirty="0"/>
-          </a:p>
-          <a:p>
-            <a:pPr marL="285750" indent="-285750">
-              <a:buFont typeface="Arial" panose="020B0604020202020204" pitchFamily="34" charset="0"/>
-              <a:buChar char="•"/>
-            </a:pPr>
-            <a:endParaRPr lang="zh-CN" altLang="en-US" dirty="0"/>
-          </a:p>
-          <a:p>
-            <a:pPr marL="285750" indent="-285750">
-              <a:buFont typeface="Arial" panose="020B0604020202020204" pitchFamily="34" charset="0"/>
-              <a:buChar char="•"/>
-            </a:pPr>
-            <a:endParaRPr lang="zh-CN" altLang="en-US" dirty="0"/>
-          </a:p>
-          <a:p>
-            <a:pPr marL="285750" indent="-285750">
-              <a:buFont typeface="Arial" panose="020B0604020202020204" pitchFamily="34" charset="0"/>
-              <a:buChar char="•"/>
-            </a:pPr>
-            <a:endParaRPr lang="zh-CN" altLang="en-US" dirty="0"/>
-          </a:p>
-          <a:p>
-            <a:pPr marL="285750" indent="-285750">
-              <a:buFont typeface="Arial" panose="020B0604020202020204" pitchFamily="34" charset="0"/>
-              <a:buChar char="•"/>
-            </a:pPr>
-            <a:endParaRPr lang="zh-CN" altLang="en-US" dirty="0"/>
-          </a:p>
-          <a:p>
-            <a:pPr marL="285750" indent="-285750">
-              <a:buFont typeface="Arial" panose="020B0604020202020204" pitchFamily="34" charset="0"/>
-              <a:buChar char="•"/>
-            </a:pPr>
-            <a:endParaRPr lang="zh-CN" altLang="en-US" dirty="0"/>
-          </a:p>
-        </p:txBody>
-      </p:sp>
-    </p:spTree>
-    <p:custDataLst>
-      <p:tags r:id="rId1"/>
-    </p:custDataLst>
-    <p:extLst>
-      <p:ext uri="{BB962C8B-B14F-4D97-AF65-F5344CB8AC3E}">
-        <p14:creationId xmlns:p14="http://schemas.microsoft.com/office/powerpoint/2010/main" val="1613480914"/>
-      </p:ext>
-    </p:extLst>
-  </p:cSld>
-  <p:clrMapOvr>
-    <a:masterClrMapping/>
-  </p:clrMapOvr>
-  <p:timing>
-    <p:tnLst>
-      <p:par>
-        <p:cTn id="1" dur="indefinite" restart="never" nodeType="tmRoot">
-          <p:childTnLst>
-            <p:seq concurrent="1" nextAc="seek">
-              <p:cTn id="2" dur="indefinite" nodeType="mainSeq">
-                <p:childTnLst>
-                  <p:par>
-                    <p:cTn id="3" fill="hold">
-                      <p:stCondLst>
-                        <p:cond delay="indefinite"/>
-                      </p:stCondLst>
-                      <p:childTnLst>
-                        <p:par>
-                          <p:cTn id="4" fill="hold">
-                            <p:stCondLst>
-                              <p:cond delay="0"/>
-                            </p:stCondLst>
-                            <p:childTnLst>
-                              <p:par>
-                                <p:cTn id="5" presetID="1" presetClass="entr" presetSubtype="0" fill="hold" nodeType="clickEffect">
-                                  <p:stCondLst>
-                                    <p:cond delay="0"/>
-                                  </p:stCondLst>
-                                  <p:childTnLst>
-                                    <p:set>
-                                      <p:cBhvr>
-                                        <p:cTn id="6" dur="1" fill="hold">
-                                          <p:stCondLst>
-                                            <p:cond delay="0"/>
-                                          </p:stCondLst>
-                                        </p:cTn>
-                                        <p:tgtEl>
-                                          <p:spTgt spid="6">
-                                            <p:txEl>
-                                              <p:pRg st="0" end="0"/>
-                                            </p:txEl>
-                                          </p:spTgt>
-                                        </p:tgtEl>
-                                        <p:attrNameLst>
-                                          <p:attrName>style.visibility</p:attrName>
-                                        </p:attrNameLst>
-                                      </p:cBhvr>
-                                      <p:to>
-                                        <p:strVal val="visible"/>
-                                      </p:to>
-                                    </p:set>
-                                  </p:childTnLst>
-                                </p:cTn>
-                              </p:par>
-                            </p:childTnLst>
-                          </p:cTn>
-                        </p:par>
-                      </p:childTnLst>
-                    </p:cTn>
-                  </p:par>
-                  <p:par>
-                    <p:cTn id="7" fill="hold">
-                      <p:stCondLst>
-                        <p:cond delay="indefinite"/>
-                      </p:stCondLst>
-                      <p:childTnLst>
-                        <p:par>
-                          <p:cTn id="8" fill="hold">
-                            <p:stCondLst>
-                              <p:cond delay="0"/>
-                            </p:stCondLst>
-                            <p:childTnLst>
-                              <p:par>
-                                <p:cTn id="9" presetID="1" presetClass="entr" presetSubtype="0" fill="hold" nodeType="clickEffect">
-                                  <p:stCondLst>
-                                    <p:cond delay="0"/>
-                                  </p:stCondLst>
-                                  <p:childTnLst>
-                                    <p:set>
-                                      <p:cBhvr>
-                                        <p:cTn id="10" dur="1" fill="hold">
-                                          <p:stCondLst>
-                                            <p:cond delay="0"/>
-                                          </p:stCondLst>
-                                        </p:cTn>
-                                        <p:tgtEl>
-                                          <p:spTgt spid="6">
-                                            <p:txEl>
-                                              <p:pRg st="1" end="1"/>
-                                            </p:txEl>
-                                          </p:spTgt>
-                                        </p:tgtEl>
-                                        <p:attrNameLst>
-                                          <p:attrName>style.visibility</p:attrName>
-                                        </p:attrNameLst>
-                                      </p:cBhvr>
-                                      <p:to>
-                                        <p:strVal val="visible"/>
-                                      </p:to>
-                                    </p:set>
-                                  </p:childTnLst>
-                                </p:cTn>
-                              </p:par>
-                            </p:childTnLst>
-                          </p:cTn>
-                        </p:par>
-                      </p:childTnLst>
-                    </p:cTn>
-                  </p:par>
-                  <p:par>
-                    <p:cTn id="11" fill="hold">
-                      <p:stCondLst>
-                        <p:cond delay="indefinite"/>
-                      </p:stCondLst>
-                      <p:childTnLst>
-                        <p:par>
-                          <p:cTn id="12" fill="hold">
-                            <p:stCondLst>
-                              <p:cond delay="0"/>
-                            </p:stCondLst>
-                            <p:childTnLst>
-                              <p:par>
-                                <p:cTn id="13" presetID="1" presetClass="entr" presetSubtype="0" fill="hold" nodeType="clickEffect">
-                                  <p:stCondLst>
-                                    <p:cond delay="0"/>
-                                  </p:stCondLst>
-                                  <p:childTnLst>
-                                    <p:set>
-                                      <p:cBhvr>
-                                        <p:cTn id="14" dur="1" fill="hold">
-                                          <p:stCondLst>
-                                            <p:cond delay="0"/>
-                                          </p:stCondLst>
-                                        </p:cTn>
-                                        <p:tgtEl>
-                                          <p:spTgt spid="6">
-                                            <p:txEl>
-                                              <p:pRg st="2" end="2"/>
-                                            </p:txEl>
-                                          </p:spTgt>
-                                        </p:tgtEl>
-                                        <p:attrNameLst>
-                                          <p:attrName>style.visibility</p:attrName>
-                                        </p:attrNameLst>
-                                      </p:cBhvr>
-                                      <p:to>
-                                        <p:strVal val="visible"/>
-                                      </p:to>
-                                    </p:set>
-                                  </p:childTnLst>
-                                </p:cTn>
-                              </p:par>
-                            </p:childTnLst>
-                          </p:cTn>
-                        </p:par>
-                      </p:childTnLst>
-                    </p:cTn>
-                  </p:par>
-                </p:childTnLst>
-              </p:cTn>
-              <p:prevCondLst>
-                <p:cond evt="onPrev" delay="0">
-                  <p:tgtEl>
-                    <p:sldTgt/>
-                  </p:tgtEl>
-                </p:cond>
-              </p:prevCondLst>
-              <p:nextCondLst>
-                <p:cond evt="onNext" delay="0">
-                  <p:tgtEl>
-                    <p:sldTgt/>
-                  </p:tgtEl>
-                </p:cond>
-              </p:nextCondLst>
-            </p:seq>
-          </p:childTnLst>
-        </p:cTn>
-      </p:par>
-    </p:tnLst>
-  </p:timing>
-</p:sld>
-</file>
-
 <file path=ppt/slides/slide2.xml><?xml version="1.0" encoding="utf-8"?>
 <p:sld xmlns:a="http://schemas.openxmlformats.org/drawingml/2006/main" xmlns:r="http://schemas.openxmlformats.org/officeDocument/2006/relationships" xmlns:p="http://schemas.openxmlformats.org/presentationml/2006/main">
   <p:cSld>
@@ -11396,8 +11491,10 @@
           <a:lstStyle/>
           <a:p>
             <a:r>
-              <a:rPr lang="zh-CN" altLang="en-US" dirty="0"/>
-              <a:t>结学</a:t>
+              <a:rPr lang="zh-CN" altLang="en-US" dirty="0">
+                <a:sym typeface="+mn-ea"/>
+              </a:rPr>
+              <a:t>任务：重构调试代码</a:t>
             </a:r>
             <a:endParaRPr dirty="0">
               <a:sym typeface="+mn-ea"/>
@@ -11640,7 +11737,7 @@
             </a:pPr>
             <a:r>
               <a:rPr lang="zh-CN" altLang="en-US" dirty="0"/>
-              <a:t>未收敛的原因的原因是什么？</a:t>
+              <a:t>请增加异常检查的代码，自动化检查异常数据？</a:t>
             </a:r>
             <a:endParaRPr lang="en-US" altLang="zh-CN" dirty="0"/>
           </a:p>
@@ -11651,7 +11748,7 @@
             </a:pPr>
             <a:r>
               <a:rPr lang="zh-CN" altLang="en-US" dirty="0"/>
-              <a:t>如何修复？</a:t>
+              <a:t>请每个同学都运行代码，看下是否通过了自动化检查？</a:t>
             </a:r>
             <a:endParaRPr lang="en-US" altLang="zh-CN" dirty="0"/>
           </a:p>
@@ -11662,15 +11759,11 @@
             </a:pPr>
             <a:r>
               <a:rPr lang="zh-CN" altLang="en-US" dirty="0"/>
-              <a:t>如何自动化地检查？</a:t>
+              <a:t>请每个同学都调整下学习率，看下结果？</a:t>
             </a:r>
             <a:endParaRPr lang="en-US" altLang="zh-CN" dirty="0"/>
           </a:p>
           <a:p>
-            <a:pPr marL="285750" indent="-285750">
-              <a:buFont typeface="Arial" panose="020B0604020202020204" pitchFamily="34" charset="0"/>
-              <a:buChar char="•"/>
-            </a:pPr>
             <a:endParaRPr lang="en-US" altLang="zh-CN" dirty="0"/>
           </a:p>
           <a:p>
@@ -11754,7 +11847,7 @@
     </p:custDataLst>
     <p:extLst>
       <p:ext uri="{BB962C8B-B14F-4D97-AF65-F5344CB8AC3E}">
-        <p14:creationId xmlns:p14="http://schemas.microsoft.com/office/powerpoint/2010/main" val="11973512"/>
+        <p14:creationId xmlns:p14="http://schemas.microsoft.com/office/powerpoint/2010/main" val="1613480914"/>
       </p:ext>
     </p:extLst>
   </p:cSld>
@@ -11960,6 +12053,584 @@
       </p:grpSpPr>
       <p:sp>
         <p:nvSpPr>
+          <p:cNvPr id="3" name="标题 2"/>
+          <p:cNvSpPr>
+            <a:spLocks noGrp="1"/>
+          </p:cNvSpPr>
+          <p:nvPr>
+            <p:ph type="title"/>
+          </p:nvPr>
+        </p:nvSpPr>
+        <p:spPr/>
+        <p:txBody>
+          <a:bodyPr/>
+          <a:lstStyle/>
+          <a:p>
+            <a:r>
+              <a:rPr lang="zh-CN" altLang="en-US" dirty="0"/>
+              <a:t>结学</a:t>
+            </a:r>
+            <a:endParaRPr dirty="0">
+              <a:sym typeface="+mn-ea"/>
+            </a:endParaRPr>
+          </a:p>
+        </p:txBody>
+      </p:sp>
+      <p:sp>
+        <p:nvSpPr>
+          <p:cNvPr id="6" name="文本占位符 1">
+            <a:extLst>
+              <a:ext uri="{FF2B5EF4-FFF2-40B4-BE49-F238E27FC236}">
+                <a16:creationId xmlns:a16="http://schemas.microsoft.com/office/drawing/2014/main" id="{BA88068A-4FDC-6963-46A5-ADEC46CDA15E}"/>
+              </a:ext>
+            </a:extLst>
+          </p:cNvPr>
+          <p:cNvSpPr txBox="1">
+            <a:spLocks/>
+          </p:cNvSpPr>
+          <p:nvPr/>
+        </p:nvSpPr>
+        <p:spPr>
+          <a:xfrm>
+            <a:off x="822325" y="1778635"/>
+            <a:ext cx="10852150" cy="4553585"/>
+          </a:xfrm>
+        </p:spPr>
+        <p:txBody>
+          <a:bodyPr lIns="101600" tIns="38100" rIns="76200" bIns="38100">
+            <a:noAutofit/>
+          </a:bodyPr>
+          <a:lstStyle>
+            <a:lvl1pPr marL="0" indent="0" algn="l" defTabSz="914400" rtl="0" eaLnBrk="1" fontAlgn="auto" latinLnBrk="0" hangingPunct="1">
+              <a:lnSpc>
+                <a:spcPct val="130000"/>
+              </a:lnSpc>
+              <a:spcBef>
+                <a:spcPts val="0"/>
+              </a:spcBef>
+              <a:spcAft>
+                <a:spcPts val="1000"/>
+              </a:spcAft>
+              <a:buFont typeface="Arial" panose="020B0604020202020204" pitchFamily="34" charset="0"/>
+              <a:buNone/>
+              <a:defRPr kumimoji="0" lang="zh-CN" altLang="en-US" sz="1600" b="0" i="0" u="none" strike="noStrike" kern="1200" cap="none" spc="150" normalizeH="0" baseline="0" noProof="1">
+                <a:solidFill>
+                  <a:schemeClr val="tx1"/>
+                </a:solidFill>
+                <a:uFillTx/>
+                <a:latin typeface="+mn-lt"/>
+                <a:ea typeface="+mn-ea"/>
+                <a:cs typeface="+mn-cs"/>
+                <a:sym typeface="+mn-ea"/>
+              </a:defRPr>
+            </a:lvl1pPr>
+            <a:lvl2pPr marL="457200" indent="0" algn="l" defTabSz="914400" rtl="0" eaLnBrk="1" fontAlgn="auto" latinLnBrk="0" hangingPunct="1">
+              <a:lnSpc>
+                <a:spcPct val="130000"/>
+              </a:lnSpc>
+              <a:spcBef>
+                <a:spcPts val="0"/>
+              </a:spcBef>
+              <a:spcAft>
+                <a:spcPts val="1000"/>
+              </a:spcAft>
+              <a:buFont typeface="Arial" panose="020B0604020202020204" pitchFamily="34" charset="0"/>
+              <a:buNone/>
+              <a:tabLst>
+                <a:tab pos="1609725" algn="l"/>
+              </a:tabLst>
+              <a:defRPr sz="2000" u="none" strike="noStrike" kern="1200" cap="none" spc="150" normalizeH="0" baseline="0">
+                <a:solidFill>
+                  <a:schemeClr val="tx1">
+                    <a:tint val="75000"/>
+                  </a:schemeClr>
+                </a:solidFill>
+                <a:uFillTx/>
+                <a:latin typeface="+mn-lt"/>
+                <a:ea typeface="+mn-ea"/>
+                <a:cs typeface="+mn-cs"/>
+              </a:defRPr>
+            </a:lvl2pPr>
+            <a:lvl3pPr marL="914400" indent="0" algn="l" defTabSz="914400" rtl="0" eaLnBrk="1" fontAlgn="auto" latinLnBrk="0" hangingPunct="1">
+              <a:lnSpc>
+                <a:spcPct val="130000"/>
+              </a:lnSpc>
+              <a:spcBef>
+                <a:spcPts val="0"/>
+              </a:spcBef>
+              <a:spcAft>
+                <a:spcPts val="1000"/>
+              </a:spcAft>
+              <a:buFont typeface="Arial" panose="020B0604020202020204" pitchFamily="34" charset="0"/>
+              <a:buNone/>
+              <a:defRPr sz="1800" u="none" strike="noStrike" kern="1200" cap="none" spc="150" normalizeH="0" baseline="0">
+                <a:solidFill>
+                  <a:schemeClr val="tx1">
+                    <a:tint val="75000"/>
+                  </a:schemeClr>
+                </a:solidFill>
+                <a:uFillTx/>
+                <a:latin typeface="+mn-lt"/>
+                <a:ea typeface="+mn-ea"/>
+                <a:cs typeface="+mn-cs"/>
+              </a:defRPr>
+            </a:lvl3pPr>
+            <a:lvl4pPr marL="1371600" indent="0" algn="l" defTabSz="914400" rtl="0" eaLnBrk="1" fontAlgn="auto" latinLnBrk="0" hangingPunct="1">
+              <a:lnSpc>
+                <a:spcPct val="130000"/>
+              </a:lnSpc>
+              <a:spcBef>
+                <a:spcPts val="0"/>
+              </a:spcBef>
+              <a:spcAft>
+                <a:spcPts val="1000"/>
+              </a:spcAft>
+              <a:buFont typeface="Arial" panose="020B0604020202020204" pitchFamily="34" charset="0"/>
+              <a:buNone/>
+              <a:defRPr sz="1600" u="none" strike="noStrike" kern="1200" cap="none" spc="150" normalizeH="0" baseline="0">
+                <a:solidFill>
+                  <a:schemeClr val="tx1">
+                    <a:tint val="75000"/>
+                  </a:schemeClr>
+                </a:solidFill>
+                <a:uFillTx/>
+                <a:latin typeface="+mn-lt"/>
+                <a:ea typeface="+mn-ea"/>
+                <a:cs typeface="+mn-cs"/>
+              </a:defRPr>
+            </a:lvl4pPr>
+            <a:lvl5pPr marL="1828800" indent="0" algn="l" defTabSz="914400" rtl="0" eaLnBrk="1" fontAlgn="auto" latinLnBrk="0" hangingPunct="1">
+              <a:lnSpc>
+                <a:spcPct val="130000"/>
+              </a:lnSpc>
+              <a:spcBef>
+                <a:spcPts val="0"/>
+              </a:spcBef>
+              <a:spcAft>
+                <a:spcPts val="1000"/>
+              </a:spcAft>
+              <a:buFont typeface="Arial" panose="020B0604020202020204" pitchFamily="34" charset="0"/>
+              <a:buNone/>
+              <a:defRPr sz="1600" u="none" strike="noStrike" kern="1200" cap="none" spc="150" normalizeH="0" baseline="0">
+                <a:solidFill>
+                  <a:schemeClr val="tx1">
+                    <a:tint val="75000"/>
+                  </a:schemeClr>
+                </a:solidFill>
+                <a:uFillTx/>
+                <a:latin typeface="+mn-lt"/>
+                <a:ea typeface="+mn-ea"/>
+                <a:cs typeface="+mn-cs"/>
+              </a:defRPr>
+            </a:lvl5pPr>
+            <a:lvl6pPr marL="2286000" indent="0" algn="l" defTabSz="914400" rtl="0" eaLnBrk="1" latinLnBrk="0" hangingPunct="1">
+              <a:lnSpc>
+                <a:spcPct val="90000"/>
+              </a:lnSpc>
+              <a:spcBef>
+                <a:spcPts val="500"/>
+              </a:spcBef>
+              <a:buFont typeface="Arial" panose="020B0604020202020204" pitchFamily="34" charset="0"/>
+              <a:buNone/>
+              <a:defRPr sz="1600" kern="1200">
+                <a:solidFill>
+                  <a:schemeClr val="tx1">
+                    <a:tint val="75000"/>
+                  </a:schemeClr>
+                </a:solidFill>
+                <a:latin typeface="+mn-lt"/>
+                <a:ea typeface="+mn-ea"/>
+                <a:cs typeface="+mn-cs"/>
+              </a:defRPr>
+            </a:lvl6pPr>
+            <a:lvl7pPr marL="2743200" indent="0" algn="l" defTabSz="914400" rtl="0" eaLnBrk="1" latinLnBrk="0" hangingPunct="1">
+              <a:lnSpc>
+                <a:spcPct val="90000"/>
+              </a:lnSpc>
+              <a:spcBef>
+                <a:spcPts val="500"/>
+              </a:spcBef>
+              <a:buFont typeface="Arial" panose="020B0604020202020204" pitchFamily="34" charset="0"/>
+              <a:buNone/>
+              <a:defRPr sz="1600" kern="1200">
+                <a:solidFill>
+                  <a:schemeClr val="tx1">
+                    <a:tint val="75000"/>
+                  </a:schemeClr>
+                </a:solidFill>
+                <a:latin typeface="+mn-lt"/>
+                <a:ea typeface="+mn-ea"/>
+                <a:cs typeface="+mn-cs"/>
+              </a:defRPr>
+            </a:lvl7pPr>
+            <a:lvl8pPr marL="3200400" indent="0" algn="l" defTabSz="914400" rtl="0" eaLnBrk="1" latinLnBrk="0" hangingPunct="1">
+              <a:lnSpc>
+                <a:spcPct val="90000"/>
+              </a:lnSpc>
+              <a:spcBef>
+                <a:spcPts val="500"/>
+              </a:spcBef>
+              <a:buFont typeface="Arial" panose="020B0604020202020204" pitchFamily="34" charset="0"/>
+              <a:buNone/>
+              <a:defRPr sz="1600" kern="1200">
+                <a:solidFill>
+                  <a:schemeClr val="tx1">
+                    <a:tint val="75000"/>
+                  </a:schemeClr>
+                </a:solidFill>
+                <a:latin typeface="+mn-lt"/>
+                <a:ea typeface="+mn-ea"/>
+                <a:cs typeface="+mn-cs"/>
+              </a:defRPr>
+            </a:lvl8pPr>
+            <a:lvl9pPr marL="3657600" indent="0" algn="l" defTabSz="914400" rtl="0" eaLnBrk="1" latinLnBrk="0" hangingPunct="1">
+              <a:lnSpc>
+                <a:spcPct val="90000"/>
+              </a:lnSpc>
+              <a:spcBef>
+                <a:spcPts val="500"/>
+              </a:spcBef>
+              <a:buFont typeface="Arial" panose="020B0604020202020204" pitchFamily="34" charset="0"/>
+              <a:buNone/>
+              <a:defRPr sz="1600" kern="1200">
+                <a:solidFill>
+                  <a:schemeClr val="tx1">
+                    <a:tint val="75000"/>
+                  </a:schemeClr>
+                </a:solidFill>
+                <a:latin typeface="+mn-lt"/>
+                <a:ea typeface="+mn-ea"/>
+                <a:cs typeface="+mn-cs"/>
+              </a:defRPr>
+            </a:lvl9pPr>
+          </a:lstStyle>
+          <a:p>
+            <a:pPr marL="285750" indent="-285750">
+              <a:buFont typeface="Arial" panose="020B0604020202020204" pitchFamily="34" charset="0"/>
+              <a:buChar char="•"/>
+            </a:pPr>
+            <a:r>
+              <a:rPr lang="zh-CN" altLang="en-US" dirty="0"/>
+              <a:t>未收敛的原因的原因是什么？</a:t>
+            </a:r>
+            <a:endParaRPr lang="en-US" altLang="zh-CN" dirty="0"/>
+          </a:p>
+          <a:p>
+            <a:pPr marL="285750" indent="-285750">
+              <a:buFont typeface="Arial" panose="020B0604020202020204" pitchFamily="34" charset="0"/>
+              <a:buChar char="•"/>
+            </a:pPr>
+            <a:r>
+              <a:rPr lang="zh-CN" altLang="en-US" dirty="0"/>
+              <a:t>如何修复？</a:t>
+            </a:r>
+            <a:endParaRPr lang="en-US" altLang="zh-CN" dirty="0"/>
+          </a:p>
+          <a:p>
+            <a:pPr marL="285750" indent="-285750">
+              <a:buFont typeface="Arial" panose="020B0604020202020204" pitchFamily="34" charset="0"/>
+              <a:buChar char="•"/>
+            </a:pPr>
+            <a:r>
+              <a:rPr lang="zh-CN" altLang="en-US" dirty="0"/>
+              <a:t>如何自动化地检查？</a:t>
+            </a:r>
+            <a:endParaRPr lang="en-US" altLang="zh-CN" dirty="0"/>
+          </a:p>
+          <a:p>
+            <a:pPr marL="285750" indent="-285750">
+              <a:buFont typeface="Arial" panose="020B0604020202020204" pitchFamily="34" charset="0"/>
+              <a:buChar char="•"/>
+            </a:pPr>
+            <a:endParaRPr lang="en-US" altLang="zh-CN" dirty="0"/>
+          </a:p>
+          <a:p>
+            <a:pPr marL="285750" indent="-285750">
+              <a:buFont typeface="Arial" panose="020B0604020202020204" pitchFamily="34" charset="0"/>
+              <a:buChar char="•"/>
+            </a:pPr>
+            <a:r>
+              <a:rPr lang="zh-CN" altLang="en-US" dirty="0"/>
+              <a:t>自学、展学</a:t>
+            </a:r>
+          </a:p>
+          <a:p>
+            <a:pPr marL="285750" indent="-285750">
+              <a:buFont typeface="Arial" panose="020B0604020202020204" pitchFamily="34" charset="0"/>
+              <a:buChar char="•"/>
+            </a:pPr>
+            <a:endParaRPr lang="zh-CN" altLang="en-US" dirty="0"/>
+          </a:p>
+          <a:p>
+            <a:pPr marL="285750" indent="-285750">
+              <a:buFont typeface="Arial" panose="020B0604020202020204" pitchFamily="34" charset="0"/>
+              <a:buChar char="•"/>
+            </a:pPr>
+            <a:endParaRPr lang="en-US" altLang="zh-CN" dirty="0"/>
+          </a:p>
+          <a:p>
+            <a:pPr marL="285750" indent="-285750">
+              <a:buFont typeface="Arial" panose="020B0604020202020204" pitchFamily="34" charset="0"/>
+              <a:buChar char="•"/>
+            </a:pPr>
+            <a:endParaRPr lang="zh-CN" altLang="en-US" dirty="0"/>
+          </a:p>
+          <a:p>
+            <a:pPr marL="285750" indent="-285750">
+              <a:buFont typeface="Arial" panose="020B0604020202020204" pitchFamily="34" charset="0"/>
+              <a:buChar char="•"/>
+            </a:pPr>
+            <a:endParaRPr lang="zh-CN" altLang="en-US" dirty="0"/>
+          </a:p>
+          <a:p>
+            <a:pPr marL="285750" indent="-285750">
+              <a:buFont typeface="Arial" panose="020B0604020202020204" pitchFamily="34" charset="0"/>
+              <a:buChar char="•"/>
+            </a:pPr>
+            <a:endParaRPr lang="zh-CN" altLang="en-US" dirty="0"/>
+          </a:p>
+          <a:p>
+            <a:pPr marL="285750" indent="-285750">
+              <a:buFont typeface="Arial" panose="020B0604020202020204" pitchFamily="34" charset="0"/>
+              <a:buChar char="•"/>
+            </a:pPr>
+            <a:endParaRPr lang="zh-CN" altLang="en-US" dirty="0"/>
+          </a:p>
+          <a:p>
+            <a:pPr marL="285750" indent="-285750">
+              <a:buFont typeface="Arial" panose="020B0604020202020204" pitchFamily="34" charset="0"/>
+              <a:buChar char="•"/>
+            </a:pPr>
+            <a:endParaRPr lang="zh-CN" altLang="en-US" dirty="0"/>
+          </a:p>
+          <a:p>
+            <a:pPr marL="285750" indent="-285750">
+              <a:buFont typeface="Arial" panose="020B0604020202020204" pitchFamily="34" charset="0"/>
+              <a:buChar char="•"/>
+            </a:pPr>
+            <a:endParaRPr lang="zh-CN" altLang="en-US" dirty="0"/>
+          </a:p>
+          <a:p>
+            <a:pPr marL="285750" indent="-285750">
+              <a:buFont typeface="Arial" panose="020B0604020202020204" pitchFamily="34" charset="0"/>
+              <a:buChar char="•"/>
+            </a:pPr>
+            <a:endParaRPr lang="zh-CN" altLang="en-US" dirty="0"/>
+          </a:p>
+        </p:txBody>
+      </p:sp>
+    </p:spTree>
+    <p:custDataLst>
+      <p:tags r:id="rId1"/>
+    </p:custDataLst>
+    <p:extLst>
+      <p:ext uri="{BB962C8B-B14F-4D97-AF65-F5344CB8AC3E}">
+        <p14:creationId xmlns:p14="http://schemas.microsoft.com/office/powerpoint/2010/main" val="11973512"/>
+      </p:ext>
+    </p:extLst>
+  </p:cSld>
+  <p:clrMapOvr>
+    <a:masterClrMapping/>
+  </p:clrMapOvr>
+  <p:timing>
+    <p:tnLst>
+      <p:par>
+        <p:cTn id="1" dur="indefinite" restart="never" nodeType="tmRoot">
+          <p:childTnLst>
+            <p:seq concurrent="1" nextAc="seek">
+              <p:cTn id="2" dur="indefinite" nodeType="mainSeq">
+                <p:childTnLst>
+                  <p:par>
+                    <p:cTn id="3" fill="hold">
+                      <p:stCondLst>
+                        <p:cond delay="indefinite"/>
+                      </p:stCondLst>
+                      <p:childTnLst>
+                        <p:par>
+                          <p:cTn id="4" fill="hold">
+                            <p:stCondLst>
+                              <p:cond delay="0"/>
+                            </p:stCondLst>
+                            <p:childTnLst>
+                              <p:par>
+                                <p:cTn id="5" presetID="1" presetClass="entr" presetSubtype="0" fill="hold" nodeType="clickEffect">
+                                  <p:stCondLst>
+                                    <p:cond delay="0"/>
+                                  </p:stCondLst>
+                                  <p:childTnLst>
+                                    <p:set>
+                                      <p:cBhvr>
+                                        <p:cTn id="6" dur="1" fill="hold">
+                                          <p:stCondLst>
+                                            <p:cond delay="0"/>
+                                          </p:stCondLst>
+                                        </p:cTn>
+                                        <p:tgtEl>
+                                          <p:spTgt spid="6">
+                                            <p:txEl>
+                                              <p:pRg st="0" end="0"/>
+                                            </p:txEl>
+                                          </p:spTgt>
+                                        </p:tgtEl>
+                                        <p:attrNameLst>
+                                          <p:attrName>style.visibility</p:attrName>
+                                        </p:attrNameLst>
+                                      </p:cBhvr>
+                                      <p:to>
+                                        <p:strVal val="visible"/>
+                                      </p:to>
+                                    </p:set>
+                                  </p:childTnLst>
+                                </p:cTn>
+                              </p:par>
+                            </p:childTnLst>
+                          </p:cTn>
+                        </p:par>
+                      </p:childTnLst>
+                    </p:cTn>
+                  </p:par>
+                  <p:par>
+                    <p:cTn id="7" fill="hold">
+                      <p:stCondLst>
+                        <p:cond delay="indefinite"/>
+                      </p:stCondLst>
+                      <p:childTnLst>
+                        <p:par>
+                          <p:cTn id="8" fill="hold">
+                            <p:stCondLst>
+                              <p:cond delay="0"/>
+                            </p:stCondLst>
+                            <p:childTnLst>
+                              <p:par>
+                                <p:cTn id="9" presetID="1" presetClass="entr" presetSubtype="0" fill="hold" nodeType="clickEffect">
+                                  <p:stCondLst>
+                                    <p:cond delay="0"/>
+                                  </p:stCondLst>
+                                  <p:childTnLst>
+                                    <p:set>
+                                      <p:cBhvr>
+                                        <p:cTn id="10" dur="1" fill="hold">
+                                          <p:stCondLst>
+                                            <p:cond delay="0"/>
+                                          </p:stCondLst>
+                                        </p:cTn>
+                                        <p:tgtEl>
+                                          <p:spTgt spid="6">
+                                            <p:txEl>
+                                              <p:pRg st="1" end="1"/>
+                                            </p:txEl>
+                                          </p:spTgt>
+                                        </p:tgtEl>
+                                        <p:attrNameLst>
+                                          <p:attrName>style.visibility</p:attrName>
+                                        </p:attrNameLst>
+                                      </p:cBhvr>
+                                      <p:to>
+                                        <p:strVal val="visible"/>
+                                      </p:to>
+                                    </p:set>
+                                  </p:childTnLst>
+                                </p:cTn>
+                              </p:par>
+                            </p:childTnLst>
+                          </p:cTn>
+                        </p:par>
+                      </p:childTnLst>
+                    </p:cTn>
+                  </p:par>
+                  <p:par>
+                    <p:cTn id="11" fill="hold">
+                      <p:stCondLst>
+                        <p:cond delay="indefinite"/>
+                      </p:stCondLst>
+                      <p:childTnLst>
+                        <p:par>
+                          <p:cTn id="12" fill="hold">
+                            <p:stCondLst>
+                              <p:cond delay="0"/>
+                            </p:stCondLst>
+                            <p:childTnLst>
+                              <p:par>
+                                <p:cTn id="13" presetID="1" presetClass="entr" presetSubtype="0" fill="hold" nodeType="clickEffect">
+                                  <p:stCondLst>
+                                    <p:cond delay="0"/>
+                                  </p:stCondLst>
+                                  <p:childTnLst>
+                                    <p:set>
+                                      <p:cBhvr>
+                                        <p:cTn id="14" dur="1" fill="hold">
+                                          <p:stCondLst>
+                                            <p:cond delay="0"/>
+                                          </p:stCondLst>
+                                        </p:cTn>
+                                        <p:tgtEl>
+                                          <p:spTgt spid="6">
+                                            <p:txEl>
+                                              <p:pRg st="2" end="2"/>
+                                            </p:txEl>
+                                          </p:spTgt>
+                                        </p:tgtEl>
+                                        <p:attrNameLst>
+                                          <p:attrName>style.visibility</p:attrName>
+                                        </p:attrNameLst>
+                                      </p:cBhvr>
+                                      <p:to>
+                                        <p:strVal val="visible"/>
+                                      </p:to>
+                                    </p:set>
+                                  </p:childTnLst>
+                                </p:cTn>
+                              </p:par>
+                            </p:childTnLst>
+                          </p:cTn>
+                        </p:par>
+                      </p:childTnLst>
+                    </p:cTn>
+                  </p:par>
+                </p:childTnLst>
+              </p:cTn>
+              <p:prevCondLst>
+                <p:cond evt="onPrev" delay="0">
+                  <p:tgtEl>
+                    <p:sldTgt/>
+                  </p:tgtEl>
+                </p:cond>
+              </p:prevCondLst>
+              <p:nextCondLst>
+                <p:cond evt="onNext" delay="0">
+                  <p:tgtEl>
+                    <p:sldTgt/>
+                  </p:tgtEl>
+                </p:cond>
+              </p:nextCondLst>
+            </p:seq>
+          </p:childTnLst>
+        </p:cTn>
+      </p:par>
+    </p:tnLst>
+  </p:timing>
+</p:sld>
+</file>
+
+<file path=ppt/slides/slide22.xml><?xml version="1.0" encoding="utf-8"?>
+<p:sld xmlns:a="http://schemas.openxmlformats.org/drawingml/2006/main" xmlns:r="http://schemas.openxmlformats.org/officeDocument/2006/relationships" xmlns:p="http://schemas.openxmlformats.org/presentationml/2006/main">
+  <p:cSld>
+    <p:spTree>
+      <p:nvGrpSpPr>
+        <p:cNvPr id="1" name=""/>
+        <p:cNvGrpSpPr/>
+        <p:nvPr/>
+      </p:nvGrpSpPr>
+      <p:grpSpPr>
+        <a:xfrm>
+          <a:off x="0" y="0"/>
+          <a:ext cx="0" cy="0"/>
+          <a:chOff x="0" y="0"/>
+          <a:chExt cx="0" cy="0"/>
+        </a:xfrm>
+      </p:grpSpPr>
+      <p:sp>
+        <p:nvSpPr>
           <p:cNvPr id="2" name="标题 1"/>
           <p:cNvSpPr>
             <a:spLocks noGrp="1"/>
@@ -11999,7 +12670,7 @@
 </p:sld>
 </file>
 
-<file path=ppt/slides/slide22.xml><?xml version="1.0" encoding="utf-8"?>
+<file path=ppt/slides/slide23.xml><?xml version="1.0" encoding="utf-8"?>
 <p:sld xmlns:a="http://schemas.openxmlformats.org/drawingml/2006/main" xmlns:r="http://schemas.openxmlformats.org/officeDocument/2006/relationships" xmlns:p="http://schemas.openxmlformats.org/presentationml/2006/main">
   <p:cSld>
     <p:spTree>
@@ -12515,7 +13186,7 @@
 </p:sld>
 </file>
 
-<file path=ppt/slides/slide23.xml><?xml version="1.0" encoding="utf-8"?>
+<file path=ppt/slides/slide24.xml><?xml version="1.0" encoding="utf-8"?>
 <p:sld xmlns:a="http://schemas.openxmlformats.org/drawingml/2006/main" xmlns:r="http://schemas.openxmlformats.org/officeDocument/2006/relationships" xmlns:p="http://schemas.openxmlformats.org/presentationml/2006/main">
   <p:cSld>
     <p:spTree>
@@ -12585,7 +13256,7 @@
 </p:sld>
 </file>
 
-<file path=ppt/slides/slide24.xml><?xml version="1.0" encoding="utf-8"?>
+<file path=ppt/slides/slide25.xml><?xml version="1.0" encoding="utf-8"?>
 <p:sld xmlns:a="http://schemas.openxmlformats.org/drawingml/2006/main" xmlns:r="http://schemas.openxmlformats.org/officeDocument/2006/relationships" xmlns:p="http://schemas.openxmlformats.org/presentationml/2006/main">
   <p:cSld>
     <p:spTree>
@@ -12883,17 +13554,6 @@
             </a:pPr>
             <a:r>
               <a:rPr lang="zh-CN" altLang="en-US" dirty="0"/>
-              <a:t>请每个同学都运行代码，看下是否推理正确？</a:t>
-            </a:r>
-            <a:endParaRPr lang="en-US" altLang="zh-CN" dirty="0"/>
-          </a:p>
-          <a:p>
-            <a:pPr marL="285750" indent="-285750">
-              <a:buFont typeface="Arial" panose="020B0604020202020204" pitchFamily="34" charset="0"/>
-              <a:buChar char="•"/>
-            </a:pPr>
-            <a:r>
-              <a:rPr lang="zh-CN" altLang="en-US" dirty="0"/>
               <a:t>请实现“使用</a:t>
             </a:r>
             <a:r>
@@ -12902,7 +13562,7 @@
             </a:r>
             <a:r>
               <a:rPr lang="zh-CN" altLang="en-US" dirty="0"/>
-              <a:t>的测试集推理多个样本，给出正确率”的代码</a:t>
+              <a:t>的测试集推理多个样本，并给出正确率”的代码</a:t>
             </a:r>
             <a:endParaRPr lang="en-US" altLang="zh-CN" dirty="0"/>
           </a:p>
@@ -12913,7 +13573,7 @@
             </a:pPr>
             <a:r>
               <a:rPr lang="zh-CN" altLang="en-US" dirty="0"/>
-              <a:t>请每个同学都运行代码，查看正确率</a:t>
+              <a:t>请每个同学都运行代码，查看正确率收敛了吗？</a:t>
             </a:r>
             <a:endParaRPr lang="en-US" altLang="zh-CN" dirty="0"/>
           </a:p>
@@ -12927,7 +13587,7 @@
             </a:pPr>
             <a:r>
               <a:rPr lang="zh-CN" altLang="en-US" dirty="0"/>
-              <a:t>自学、展学</a:t>
+              <a:t>自学、互学、展学</a:t>
             </a:r>
           </a:p>
           <a:p>
@@ -13008,10 +13668,187 @@
   <p:clrMapOvr>
     <a:masterClrMapping/>
   </p:clrMapOvr>
+  <p:timing>
+    <p:tnLst>
+      <p:par>
+        <p:cTn id="1" dur="indefinite" restart="never" nodeType="tmRoot">
+          <p:childTnLst>
+            <p:seq concurrent="1" nextAc="seek">
+              <p:cTn id="2" dur="indefinite" nodeType="mainSeq">
+                <p:childTnLst>
+                  <p:par>
+                    <p:cTn id="3" fill="hold">
+                      <p:stCondLst>
+                        <p:cond delay="indefinite"/>
+                      </p:stCondLst>
+                      <p:childTnLst>
+                        <p:par>
+                          <p:cTn id="4" fill="hold">
+                            <p:stCondLst>
+                              <p:cond delay="0"/>
+                            </p:stCondLst>
+                            <p:childTnLst>
+                              <p:par>
+                                <p:cTn id="5" presetID="1" presetClass="entr" presetSubtype="0" fill="hold" nodeType="clickEffect">
+                                  <p:stCondLst>
+                                    <p:cond delay="0"/>
+                                  </p:stCondLst>
+                                  <p:childTnLst>
+                                    <p:set>
+                                      <p:cBhvr>
+                                        <p:cTn id="6" dur="1" fill="hold">
+                                          <p:stCondLst>
+                                            <p:cond delay="0"/>
+                                          </p:stCondLst>
+                                        </p:cTn>
+                                        <p:tgtEl>
+                                          <p:spTgt spid="6">
+                                            <p:txEl>
+                                              <p:pRg st="0" end="0"/>
+                                            </p:txEl>
+                                          </p:spTgt>
+                                        </p:tgtEl>
+                                        <p:attrNameLst>
+                                          <p:attrName>style.visibility</p:attrName>
+                                        </p:attrNameLst>
+                                      </p:cBhvr>
+                                      <p:to>
+                                        <p:strVal val="visible"/>
+                                      </p:to>
+                                    </p:set>
+                                  </p:childTnLst>
+                                </p:cTn>
+                              </p:par>
+                            </p:childTnLst>
+                          </p:cTn>
+                        </p:par>
+                      </p:childTnLst>
+                    </p:cTn>
+                  </p:par>
+                  <p:par>
+                    <p:cTn id="7" fill="hold">
+                      <p:stCondLst>
+                        <p:cond delay="indefinite"/>
+                      </p:stCondLst>
+                      <p:childTnLst>
+                        <p:par>
+                          <p:cTn id="8" fill="hold">
+                            <p:stCondLst>
+                              <p:cond delay="0"/>
+                            </p:stCondLst>
+                            <p:childTnLst>
+                              <p:par>
+                                <p:cTn id="9" presetID="1" presetClass="entr" presetSubtype="0" fill="hold" nodeType="clickEffect">
+                                  <p:stCondLst>
+                                    <p:cond delay="0"/>
+                                  </p:stCondLst>
+                                  <p:childTnLst>
+                                    <p:set>
+                                      <p:cBhvr>
+                                        <p:cTn id="10" dur="1" fill="hold">
+                                          <p:stCondLst>
+                                            <p:cond delay="0"/>
+                                          </p:stCondLst>
+                                        </p:cTn>
+                                        <p:tgtEl>
+                                          <p:spTgt spid="6">
+                                            <p:txEl>
+                                              <p:pRg st="1" end="1"/>
+                                            </p:txEl>
+                                          </p:spTgt>
+                                        </p:tgtEl>
+                                        <p:attrNameLst>
+                                          <p:attrName>style.visibility</p:attrName>
+                                        </p:attrNameLst>
+                                      </p:cBhvr>
+                                      <p:to>
+                                        <p:strVal val="visible"/>
+                                      </p:to>
+                                    </p:set>
+                                  </p:childTnLst>
+                                </p:cTn>
+                              </p:par>
+                            </p:childTnLst>
+                          </p:cTn>
+                        </p:par>
+                      </p:childTnLst>
+                    </p:cTn>
+                  </p:par>
+                  <p:par>
+                    <p:cTn id="11" fill="hold">
+                      <p:stCondLst>
+                        <p:cond delay="indefinite"/>
+                      </p:stCondLst>
+                      <p:childTnLst>
+                        <p:par>
+                          <p:cTn id="12" fill="hold">
+                            <p:stCondLst>
+                              <p:cond delay="0"/>
+                            </p:stCondLst>
+                            <p:childTnLst>
+                              <p:par>
+                                <p:cTn id="13" presetID="1" presetClass="entr" presetSubtype="0" fill="hold" nodeType="clickEffect">
+                                  <p:stCondLst>
+                                    <p:cond delay="0"/>
+                                  </p:stCondLst>
+                                  <p:childTnLst>
+                                    <p:set>
+                                      <p:cBhvr>
+                                        <p:cTn id="14" dur="1" fill="hold">
+                                          <p:stCondLst>
+                                            <p:cond delay="0"/>
+                                          </p:stCondLst>
+                                        </p:cTn>
+                                        <p:tgtEl>
+                                          <p:spTgt spid="6">
+                                            <p:txEl>
+                                              <p:pRg st="2" end="2"/>
+                                            </p:txEl>
+                                          </p:spTgt>
+                                        </p:tgtEl>
+                                        <p:attrNameLst>
+                                          <p:attrName>style.visibility</p:attrName>
+                                        </p:attrNameLst>
+                                      </p:cBhvr>
+                                      <p:to>
+                                        <p:strVal val="visible"/>
+                                      </p:to>
+                                    </p:set>
+                                  </p:childTnLst>
+                                </p:cTn>
+                              </p:par>
+                            </p:childTnLst>
+                          </p:cTn>
+                        </p:par>
+                      </p:childTnLst>
+                    </p:cTn>
+                  </p:par>
+                </p:childTnLst>
+              </p:cTn>
+              <p:prevCondLst>
+                <p:cond evt="onPrev" delay="0">
+                  <p:tgtEl>
+                    <p:sldTgt/>
+                  </p:tgtEl>
+                </p:cond>
+              </p:prevCondLst>
+              <p:nextCondLst>
+                <p:cond evt="onNext" delay="0">
+                  <p:tgtEl>
+                    <p:sldTgt/>
+                  </p:tgtEl>
+                </p:cond>
+              </p:nextCondLst>
+            </p:seq>
+          </p:childTnLst>
+        </p:cTn>
+      </p:par>
+    </p:tnLst>
+  </p:timing>
 </p:sld>
 </file>
 
-<file path=ppt/slides/slide25.xml><?xml version="1.0" encoding="utf-8"?>
+<file path=ppt/slides/slide26.xml><?xml version="1.0" encoding="utf-8"?>
 <p:sld xmlns:a="http://schemas.openxmlformats.org/drawingml/2006/main" xmlns:r="http://schemas.openxmlformats.org/officeDocument/2006/relationships" xmlns:p="http://schemas.openxmlformats.org/presentationml/2006/main">
   <p:cSld>
     <p:spTree>
@@ -13060,459 +13897,6 @@
     <p:extLst>
       <p:ext uri="{BB962C8B-B14F-4D97-AF65-F5344CB8AC3E}">
         <p14:creationId xmlns:p14="http://schemas.microsoft.com/office/powerpoint/2010/main" val="330186799"/>
-      </p:ext>
-    </p:extLst>
-  </p:cSld>
-  <p:clrMapOvr>
-    <a:masterClrMapping/>
-  </p:clrMapOvr>
-</p:sld>
-</file>
-
-<file path=ppt/slides/slide26.xml><?xml version="1.0" encoding="utf-8"?>
-<p:sld xmlns:a="http://schemas.openxmlformats.org/drawingml/2006/main" xmlns:r="http://schemas.openxmlformats.org/officeDocument/2006/relationships" xmlns:p="http://schemas.openxmlformats.org/presentationml/2006/main">
-  <p:cSld>
-    <p:spTree>
-      <p:nvGrpSpPr>
-        <p:cNvPr id="1" name=""/>
-        <p:cNvGrpSpPr/>
-        <p:nvPr/>
-      </p:nvGrpSpPr>
-      <p:grpSpPr>
-        <a:xfrm>
-          <a:off x="0" y="0"/>
-          <a:ext cx="0" cy="0"/>
-          <a:chOff x="0" y="0"/>
-          <a:chExt cx="0" cy="0"/>
-        </a:xfrm>
-      </p:grpSpPr>
-      <p:sp>
-        <p:nvSpPr>
-          <p:cNvPr id="3" name="标题 2"/>
-          <p:cNvSpPr>
-            <a:spLocks noGrp="1"/>
-          </p:cNvSpPr>
-          <p:nvPr>
-            <p:ph type="title"/>
-          </p:nvPr>
-        </p:nvSpPr>
-        <p:spPr/>
-        <p:txBody>
-          <a:bodyPr/>
-          <a:lstStyle/>
-          <a:p>
-            <a:r>
-              <a:rPr lang="zh-CN" altLang="en-US" dirty="0">
-                <a:sym typeface="+mn-ea"/>
-              </a:rPr>
-              <a:t>主问题：如何解决过拟合？</a:t>
-            </a:r>
-            <a:endParaRPr dirty="0">
-              <a:sym typeface="+mn-ea"/>
-            </a:endParaRPr>
-          </a:p>
-        </p:txBody>
-      </p:sp>
-      <p:sp>
-        <p:nvSpPr>
-          <p:cNvPr id="6" name="文本占位符 1">
-            <a:extLst>
-              <a:ext uri="{FF2B5EF4-FFF2-40B4-BE49-F238E27FC236}">
-                <a16:creationId xmlns:a16="http://schemas.microsoft.com/office/drawing/2014/main" id="{BA88068A-4FDC-6963-46A5-ADEC46CDA15E}"/>
-              </a:ext>
-            </a:extLst>
-          </p:cNvPr>
-          <p:cNvSpPr txBox="1">
-            <a:spLocks/>
-          </p:cNvSpPr>
-          <p:nvPr/>
-        </p:nvSpPr>
-        <p:spPr>
-          <a:xfrm>
-            <a:off x="822325" y="1778635"/>
-            <a:ext cx="10852150" cy="4553585"/>
-          </a:xfrm>
-        </p:spPr>
-        <p:txBody>
-          <a:bodyPr lIns="101600" tIns="38100" rIns="76200" bIns="38100">
-            <a:noAutofit/>
-          </a:bodyPr>
-          <a:lstStyle>
-            <a:lvl1pPr marL="0" indent="0" algn="l" defTabSz="914400" rtl="0" eaLnBrk="1" fontAlgn="auto" latinLnBrk="0" hangingPunct="1">
-              <a:lnSpc>
-                <a:spcPct val="130000"/>
-              </a:lnSpc>
-              <a:spcBef>
-                <a:spcPts val="0"/>
-              </a:spcBef>
-              <a:spcAft>
-                <a:spcPts val="1000"/>
-              </a:spcAft>
-              <a:buFont typeface="Arial" panose="020B0604020202020204" pitchFamily="34" charset="0"/>
-              <a:buNone/>
-              <a:defRPr kumimoji="0" lang="zh-CN" altLang="en-US" sz="1600" b="0" i="0" u="none" strike="noStrike" kern="1200" cap="none" spc="150" normalizeH="0" baseline="0" noProof="1">
-                <a:solidFill>
-                  <a:schemeClr val="tx1"/>
-                </a:solidFill>
-                <a:uFillTx/>
-                <a:latin typeface="+mn-lt"/>
-                <a:ea typeface="+mn-ea"/>
-                <a:cs typeface="+mn-cs"/>
-                <a:sym typeface="+mn-ea"/>
-              </a:defRPr>
-            </a:lvl1pPr>
-            <a:lvl2pPr marL="457200" indent="0" algn="l" defTabSz="914400" rtl="0" eaLnBrk="1" fontAlgn="auto" latinLnBrk="0" hangingPunct="1">
-              <a:lnSpc>
-                <a:spcPct val="130000"/>
-              </a:lnSpc>
-              <a:spcBef>
-                <a:spcPts val="0"/>
-              </a:spcBef>
-              <a:spcAft>
-                <a:spcPts val="1000"/>
-              </a:spcAft>
-              <a:buFont typeface="Arial" panose="020B0604020202020204" pitchFamily="34" charset="0"/>
-              <a:buNone/>
-              <a:tabLst>
-                <a:tab pos="1609725" algn="l"/>
-              </a:tabLst>
-              <a:defRPr sz="2000" u="none" strike="noStrike" kern="1200" cap="none" spc="150" normalizeH="0" baseline="0">
-                <a:solidFill>
-                  <a:schemeClr val="tx1">
-                    <a:tint val="75000"/>
-                  </a:schemeClr>
-                </a:solidFill>
-                <a:uFillTx/>
-                <a:latin typeface="+mn-lt"/>
-                <a:ea typeface="+mn-ea"/>
-                <a:cs typeface="+mn-cs"/>
-              </a:defRPr>
-            </a:lvl2pPr>
-            <a:lvl3pPr marL="914400" indent="0" algn="l" defTabSz="914400" rtl="0" eaLnBrk="1" fontAlgn="auto" latinLnBrk="0" hangingPunct="1">
-              <a:lnSpc>
-                <a:spcPct val="130000"/>
-              </a:lnSpc>
-              <a:spcBef>
-                <a:spcPts val="0"/>
-              </a:spcBef>
-              <a:spcAft>
-                <a:spcPts val="1000"/>
-              </a:spcAft>
-              <a:buFont typeface="Arial" panose="020B0604020202020204" pitchFamily="34" charset="0"/>
-              <a:buNone/>
-              <a:defRPr sz="1800" u="none" strike="noStrike" kern="1200" cap="none" spc="150" normalizeH="0" baseline="0">
-                <a:solidFill>
-                  <a:schemeClr val="tx1">
-                    <a:tint val="75000"/>
-                  </a:schemeClr>
-                </a:solidFill>
-                <a:uFillTx/>
-                <a:latin typeface="+mn-lt"/>
-                <a:ea typeface="+mn-ea"/>
-                <a:cs typeface="+mn-cs"/>
-              </a:defRPr>
-            </a:lvl3pPr>
-            <a:lvl4pPr marL="1371600" indent="0" algn="l" defTabSz="914400" rtl="0" eaLnBrk="1" fontAlgn="auto" latinLnBrk="0" hangingPunct="1">
-              <a:lnSpc>
-                <a:spcPct val="130000"/>
-              </a:lnSpc>
-              <a:spcBef>
-                <a:spcPts val="0"/>
-              </a:spcBef>
-              <a:spcAft>
-                <a:spcPts val="1000"/>
-              </a:spcAft>
-              <a:buFont typeface="Arial" panose="020B0604020202020204" pitchFamily="34" charset="0"/>
-              <a:buNone/>
-              <a:defRPr sz="1600" u="none" strike="noStrike" kern="1200" cap="none" spc="150" normalizeH="0" baseline="0">
-                <a:solidFill>
-                  <a:schemeClr val="tx1">
-                    <a:tint val="75000"/>
-                  </a:schemeClr>
-                </a:solidFill>
-                <a:uFillTx/>
-                <a:latin typeface="+mn-lt"/>
-                <a:ea typeface="+mn-ea"/>
-                <a:cs typeface="+mn-cs"/>
-              </a:defRPr>
-            </a:lvl4pPr>
-            <a:lvl5pPr marL="1828800" indent="0" algn="l" defTabSz="914400" rtl="0" eaLnBrk="1" fontAlgn="auto" latinLnBrk="0" hangingPunct="1">
-              <a:lnSpc>
-                <a:spcPct val="130000"/>
-              </a:lnSpc>
-              <a:spcBef>
-                <a:spcPts val="0"/>
-              </a:spcBef>
-              <a:spcAft>
-                <a:spcPts val="1000"/>
-              </a:spcAft>
-              <a:buFont typeface="Arial" panose="020B0604020202020204" pitchFamily="34" charset="0"/>
-              <a:buNone/>
-              <a:defRPr sz="1600" u="none" strike="noStrike" kern="1200" cap="none" spc="150" normalizeH="0" baseline="0">
-                <a:solidFill>
-                  <a:schemeClr val="tx1">
-                    <a:tint val="75000"/>
-                  </a:schemeClr>
-                </a:solidFill>
-                <a:uFillTx/>
-                <a:latin typeface="+mn-lt"/>
-                <a:ea typeface="+mn-ea"/>
-                <a:cs typeface="+mn-cs"/>
-              </a:defRPr>
-            </a:lvl5pPr>
-            <a:lvl6pPr marL="2286000" indent="0" algn="l" defTabSz="914400" rtl="0" eaLnBrk="1" latinLnBrk="0" hangingPunct="1">
-              <a:lnSpc>
-                <a:spcPct val="90000"/>
-              </a:lnSpc>
-              <a:spcBef>
-                <a:spcPts val="500"/>
-              </a:spcBef>
-              <a:buFont typeface="Arial" panose="020B0604020202020204" pitchFamily="34" charset="0"/>
-              <a:buNone/>
-              <a:defRPr sz="1600" kern="1200">
-                <a:solidFill>
-                  <a:schemeClr val="tx1">
-                    <a:tint val="75000"/>
-                  </a:schemeClr>
-                </a:solidFill>
-                <a:latin typeface="+mn-lt"/>
-                <a:ea typeface="+mn-ea"/>
-                <a:cs typeface="+mn-cs"/>
-              </a:defRPr>
-            </a:lvl6pPr>
-            <a:lvl7pPr marL="2743200" indent="0" algn="l" defTabSz="914400" rtl="0" eaLnBrk="1" latinLnBrk="0" hangingPunct="1">
-              <a:lnSpc>
-                <a:spcPct val="90000"/>
-              </a:lnSpc>
-              <a:spcBef>
-                <a:spcPts val="500"/>
-              </a:spcBef>
-              <a:buFont typeface="Arial" panose="020B0604020202020204" pitchFamily="34" charset="0"/>
-              <a:buNone/>
-              <a:defRPr sz="1600" kern="1200">
-                <a:solidFill>
-                  <a:schemeClr val="tx1">
-                    <a:tint val="75000"/>
-                  </a:schemeClr>
-                </a:solidFill>
-                <a:latin typeface="+mn-lt"/>
-                <a:ea typeface="+mn-ea"/>
-                <a:cs typeface="+mn-cs"/>
-              </a:defRPr>
-            </a:lvl7pPr>
-            <a:lvl8pPr marL="3200400" indent="0" algn="l" defTabSz="914400" rtl="0" eaLnBrk="1" latinLnBrk="0" hangingPunct="1">
-              <a:lnSpc>
-                <a:spcPct val="90000"/>
-              </a:lnSpc>
-              <a:spcBef>
-                <a:spcPts val="500"/>
-              </a:spcBef>
-              <a:buFont typeface="Arial" panose="020B0604020202020204" pitchFamily="34" charset="0"/>
-              <a:buNone/>
-              <a:defRPr sz="1600" kern="1200">
-                <a:solidFill>
-                  <a:schemeClr val="tx1">
-                    <a:tint val="75000"/>
-                  </a:schemeClr>
-                </a:solidFill>
-                <a:latin typeface="+mn-lt"/>
-                <a:ea typeface="+mn-ea"/>
-                <a:cs typeface="+mn-cs"/>
-              </a:defRPr>
-            </a:lvl8pPr>
-            <a:lvl9pPr marL="3657600" indent="0" algn="l" defTabSz="914400" rtl="0" eaLnBrk="1" latinLnBrk="0" hangingPunct="1">
-              <a:lnSpc>
-                <a:spcPct val="90000"/>
-              </a:lnSpc>
-              <a:spcBef>
-                <a:spcPts val="500"/>
-              </a:spcBef>
-              <a:buFont typeface="Arial" panose="020B0604020202020204" pitchFamily="34" charset="0"/>
-              <a:buNone/>
-              <a:defRPr sz="1600" kern="1200">
-                <a:solidFill>
-                  <a:schemeClr val="tx1">
-                    <a:tint val="75000"/>
-                  </a:schemeClr>
-                </a:solidFill>
-                <a:latin typeface="+mn-lt"/>
-                <a:ea typeface="+mn-ea"/>
-                <a:cs typeface="+mn-cs"/>
-              </a:defRPr>
-            </a:lvl9pPr>
-          </a:lstStyle>
-          <a:p>
-            <a:pPr marL="285750" indent="-285750">
-              <a:buFont typeface="Arial" panose="020B0604020202020204" pitchFamily="34" charset="0"/>
-              <a:buChar char="•"/>
-            </a:pPr>
-            <a:r>
-              <a:rPr lang="zh-CN" altLang="en-US" dirty="0"/>
-              <a:t>什么是过拟合？</a:t>
-            </a:r>
-            <a:endParaRPr lang="en-US" altLang="zh-CN" dirty="0"/>
-          </a:p>
-          <a:p>
-            <a:pPr marL="285750" indent="-285750">
-              <a:buFont typeface="Arial" panose="020B0604020202020204" pitchFamily="34" charset="0"/>
-              <a:buChar char="•"/>
-            </a:pPr>
-            <a:r>
-              <a:rPr lang="zh-CN" altLang="en-US" dirty="0"/>
-              <a:t>如何解决现在遇到的过拟合的问题？</a:t>
-            </a:r>
-            <a:endParaRPr lang="en-US" altLang="zh-CN" dirty="0"/>
-          </a:p>
-          <a:p>
-            <a:pPr marL="285750" indent="-285750">
-              <a:buFont typeface="Arial" panose="020B0604020202020204" pitchFamily="34" charset="0"/>
-              <a:buChar char="•"/>
-            </a:pPr>
-            <a:r>
-              <a:rPr lang="zh-CN" altLang="en-US" dirty="0"/>
-              <a:t>为什么</a:t>
-            </a:r>
-            <a:r>
-              <a:rPr lang="en-US" altLang="zh-CN" dirty="0"/>
-              <a:t>Shuffle</a:t>
-            </a:r>
-            <a:r>
-              <a:rPr lang="zh-CN" altLang="en-US" dirty="0"/>
-              <a:t>能避免过拟合？</a:t>
-            </a:r>
-            <a:endParaRPr lang="en-US" altLang="zh-CN" dirty="0"/>
-          </a:p>
-          <a:p>
-            <a:pPr marL="285750" indent="-285750">
-              <a:buFont typeface="Arial" panose="020B0604020202020204" pitchFamily="34" charset="0"/>
-              <a:buChar char="•"/>
-            </a:pPr>
-            <a:endParaRPr lang="en-US" altLang="zh-CN" dirty="0"/>
-          </a:p>
-          <a:p>
-            <a:pPr marL="285750" indent="-285750">
-              <a:buFont typeface="Arial" panose="020B0604020202020204" pitchFamily="34" charset="0"/>
-              <a:buChar char="•"/>
-            </a:pPr>
-            <a:r>
-              <a:rPr lang="zh-CN" altLang="en-US" dirty="0"/>
-              <a:t>自学、展学</a:t>
-            </a:r>
-          </a:p>
-          <a:p>
-            <a:pPr marL="285750" indent="-285750">
-              <a:buFont typeface="Arial" panose="020B0604020202020204" pitchFamily="34" charset="0"/>
-              <a:buChar char="•"/>
-            </a:pPr>
-            <a:endParaRPr lang="zh-CN" altLang="en-US" dirty="0"/>
-          </a:p>
-          <a:p>
-            <a:pPr marL="285750" indent="-285750">
-              <a:buFont typeface="Arial" panose="020B0604020202020204" pitchFamily="34" charset="0"/>
-              <a:buChar char="•"/>
-            </a:pPr>
-            <a:endParaRPr lang="en-US" altLang="zh-CN" dirty="0"/>
-          </a:p>
-          <a:p>
-            <a:pPr marL="285750" indent="-285750">
-              <a:buFont typeface="Arial" panose="020B0604020202020204" pitchFamily="34" charset="0"/>
-              <a:buChar char="•"/>
-            </a:pPr>
-            <a:endParaRPr lang="zh-CN" altLang="en-US" dirty="0"/>
-          </a:p>
-          <a:p>
-            <a:pPr marL="285750" indent="-285750">
-              <a:buFont typeface="Arial" panose="020B0604020202020204" pitchFamily="34" charset="0"/>
-              <a:buChar char="•"/>
-            </a:pPr>
-            <a:endParaRPr lang="zh-CN" altLang="en-US" dirty="0"/>
-          </a:p>
-          <a:p>
-            <a:pPr marL="285750" indent="-285750">
-              <a:buFont typeface="Arial" panose="020B0604020202020204" pitchFamily="34" charset="0"/>
-              <a:buChar char="•"/>
-            </a:pPr>
-            <a:endParaRPr lang="zh-CN" altLang="en-US" dirty="0"/>
-          </a:p>
-          <a:p>
-            <a:pPr marL="285750" indent="-285750">
-              <a:buFont typeface="Arial" panose="020B0604020202020204" pitchFamily="34" charset="0"/>
-              <a:buChar char="•"/>
-            </a:pPr>
-            <a:endParaRPr lang="zh-CN" altLang="en-US" dirty="0"/>
-          </a:p>
-          <a:p>
-            <a:pPr marL="285750" indent="-285750">
-              <a:buFont typeface="Arial" panose="020B0604020202020204" pitchFamily="34" charset="0"/>
-              <a:buChar char="•"/>
-            </a:pPr>
-            <a:endParaRPr lang="zh-CN" altLang="en-US" dirty="0"/>
-          </a:p>
-          <a:p>
-            <a:pPr marL="285750" indent="-285750">
-              <a:buFont typeface="Arial" panose="020B0604020202020204" pitchFamily="34" charset="0"/>
-              <a:buChar char="•"/>
-            </a:pPr>
-            <a:endParaRPr lang="zh-CN" altLang="en-US" dirty="0"/>
-          </a:p>
-          <a:p>
-            <a:pPr marL="285750" indent="-285750">
-              <a:buFont typeface="Arial" panose="020B0604020202020204" pitchFamily="34" charset="0"/>
-              <a:buChar char="•"/>
-            </a:pPr>
-            <a:endParaRPr lang="zh-CN" altLang="en-US" dirty="0"/>
-          </a:p>
-        </p:txBody>
-      </p:sp>
-      <p:sp>
-        <p:nvSpPr>
-          <p:cNvPr id="2" name="文本框 1">
-            <a:extLst>
-              <a:ext uri="{FF2B5EF4-FFF2-40B4-BE49-F238E27FC236}">
-                <a16:creationId xmlns:a16="http://schemas.microsoft.com/office/drawing/2014/main" id="{6AA9B263-38AB-9B0F-CF95-CE8AF4847553}"/>
-              </a:ext>
-            </a:extLst>
-          </p:cNvPr>
-          <p:cNvSpPr txBox="1"/>
-          <p:nvPr/>
-        </p:nvSpPr>
-        <p:spPr>
-          <a:xfrm>
-            <a:off x="4873451" y="3265714"/>
-            <a:ext cx="6933362" cy="646331"/>
-          </a:xfrm>
-          <a:prstGeom prst="rect">
-            <a:avLst/>
-          </a:prstGeom>
-          <a:noFill/>
-        </p:spPr>
-        <p:txBody>
-          <a:bodyPr wrap="square" rtlCol="0">
-            <a:spAutoFit/>
-          </a:bodyPr>
-          <a:lstStyle/>
-          <a:p>
-            <a:r>
-              <a:rPr lang="zh-CN" altLang="en-US" b="0" i="0" dirty="0">
-                <a:solidFill>
-                  <a:srgbClr val="121212"/>
-                </a:solidFill>
-                <a:effectLst/>
-                <a:latin typeface="-apple-system"/>
-              </a:rPr>
-              <a:t>固定的数据集顺序意味着固定的训练样本，也就意味着权值更新的方向是固定的，而无顺序的数据集，意味着更新方向是随机的</a:t>
-            </a:r>
-            <a:endParaRPr kumimoji="1" lang="zh-CN" altLang="en-US" dirty="0"/>
-          </a:p>
-        </p:txBody>
-      </p:sp>
-    </p:spTree>
-    <p:custDataLst>
-      <p:tags r:id="rId1"/>
-    </p:custDataLst>
-    <p:extLst>
-      <p:ext uri="{BB962C8B-B14F-4D97-AF65-F5344CB8AC3E}">
-        <p14:creationId xmlns:p14="http://schemas.microsoft.com/office/powerpoint/2010/main" val="3934053307"/>
       </p:ext>
     </p:extLst>
   </p:cSld>
@@ -13558,13 +13942,7 @@
               <a:rPr lang="zh-CN" altLang="en-US" dirty="0">
                 <a:sym typeface="+mn-ea"/>
               </a:rPr>
-              <a:t>任务：实现</a:t>
-            </a:r>
-            <a:r>
-              <a:rPr lang="en-US" altLang="zh-CN" dirty="0">
-                <a:sym typeface="+mn-ea"/>
-              </a:rPr>
-              <a:t>Shuffle</a:t>
+              <a:t>主问题：如何解决过拟合？</a:t>
             </a:r>
             <a:endParaRPr dirty="0">
               <a:sym typeface="+mn-ea"/>
@@ -13807,12 +14185,9 @@
             </a:pPr>
             <a:r>
               <a:rPr lang="zh-CN" altLang="en-US" dirty="0"/>
-              <a:t>请实现</a:t>
-            </a:r>
-            <a:r>
-              <a:rPr lang="en-US" altLang="zh-CN" dirty="0"/>
-              <a:t>Shuffle</a:t>
-            </a:r>
+              <a:t>现在在训练和推理时，正确率分别是什么情况？</a:t>
+            </a:r>
+            <a:endParaRPr lang="en-US" altLang="zh-CN" dirty="0"/>
           </a:p>
           <a:p>
             <a:pPr marL="285750" indent="-285750">
@@ -13821,11 +14196,19 @@
             </a:pPr>
             <a:r>
               <a:rPr lang="zh-CN" altLang="en-US" dirty="0"/>
-              <a:t>请每个同学都运行代码，看下是否提高了推理正确率？</a:t>
+              <a:t>这被称为过拟合</a:t>
             </a:r>
             <a:endParaRPr lang="en-US" altLang="zh-CN" dirty="0"/>
           </a:p>
           <a:p>
+            <a:pPr marL="285750" indent="-285750">
+              <a:buFont typeface="Arial" panose="020B0604020202020204" pitchFamily="34" charset="0"/>
+              <a:buChar char="•"/>
+            </a:pPr>
+            <a:r>
+              <a:rPr lang="zh-CN" altLang="en-US" dirty="0"/>
+              <a:t>请根据该图，说下三种拟合情况？</a:t>
+            </a:r>
             <a:endParaRPr lang="en-US" altLang="zh-CN" dirty="0"/>
           </a:p>
           <a:p>
@@ -13835,7 +14218,25 @@
             </a:pPr>
             <a:r>
               <a:rPr lang="zh-CN" altLang="en-US" dirty="0"/>
-              <a:t>自学、展学</a:t>
+              <a:t>为什么会出现过拟合？</a:t>
+            </a:r>
+            <a:endParaRPr lang="en-US" altLang="zh-CN" dirty="0"/>
+          </a:p>
+          <a:p>
+            <a:pPr marL="285750" indent="-285750">
+              <a:buFont typeface="Arial" panose="020B0604020202020204" pitchFamily="34" charset="0"/>
+              <a:buChar char="•"/>
+            </a:pPr>
+            <a:endParaRPr lang="en-US" altLang="zh-CN" dirty="0"/>
+          </a:p>
+          <a:p>
+            <a:pPr marL="285750" indent="-285750">
+              <a:buFont typeface="Arial" panose="020B0604020202020204" pitchFamily="34" charset="0"/>
+              <a:buChar char="•"/>
+            </a:pPr>
+            <a:r>
+              <a:rPr lang="zh-CN" altLang="en-US" dirty="0"/>
+              <a:t>自学、互学、展学</a:t>
             </a:r>
           </a:p>
           <a:p>
@@ -13903,19 +14304,420 @@
           </a:p>
         </p:txBody>
       </p:sp>
+      <p:sp>
+        <p:nvSpPr>
+          <p:cNvPr id="8" name="文本框 7">
+            <a:extLst>
+              <a:ext uri="{FF2B5EF4-FFF2-40B4-BE49-F238E27FC236}">
+                <a16:creationId xmlns:a16="http://schemas.microsoft.com/office/drawing/2014/main" id="{0ECEA58C-4F97-0D9F-015D-DF391BABE426}"/>
+              </a:ext>
+            </a:extLst>
+          </p:cNvPr>
+          <p:cNvSpPr txBox="1"/>
+          <p:nvPr/>
+        </p:nvSpPr>
+        <p:spPr>
+          <a:xfrm>
+            <a:off x="1161870" y="5002531"/>
+            <a:ext cx="2576118" cy="369332"/>
+          </a:xfrm>
+          <a:prstGeom prst="rect">
+            <a:avLst/>
+          </a:prstGeom>
+          <a:noFill/>
+        </p:spPr>
+        <p:txBody>
+          <a:bodyPr wrap="square" rtlCol="0">
+            <a:spAutoFit/>
+          </a:bodyPr>
+          <a:lstStyle/>
+          <a:p>
+            <a:r>
+              <a:rPr kumimoji="1" lang="zh-CN" altLang="en-US" dirty="0"/>
+              <a:t>训练集样本太少</a:t>
+            </a:r>
+          </a:p>
+        </p:txBody>
+      </p:sp>
+      <p:pic>
+        <p:nvPicPr>
+          <p:cNvPr id="2050" name="Picture 2">
+            <a:extLst>
+              <a:ext uri="{FF2B5EF4-FFF2-40B4-BE49-F238E27FC236}">
+                <a16:creationId xmlns:a16="http://schemas.microsoft.com/office/drawing/2014/main" id="{A1A9D5CF-4E71-FEE7-D82F-73DBBF84F089}"/>
+              </a:ext>
+            </a:extLst>
+          </p:cNvPr>
+          <p:cNvPicPr>
+            <a:picLocks noChangeAspect="1" noChangeArrowheads="1"/>
+          </p:cNvPicPr>
+          <p:nvPr/>
+        </p:nvPicPr>
+        <p:blipFill>
+          <a:blip r:embed="rId3">
+            <a:extLst>
+              <a:ext uri="{28A0092B-C50C-407E-A947-70E740481C1C}">
+                <a14:useLocalDpi xmlns:a14="http://schemas.microsoft.com/office/drawing/2010/main" val="0"/>
+              </a:ext>
+            </a:extLst>
+          </a:blip>
+          <a:srcRect/>
+          <a:stretch>
+            <a:fillRect/>
+          </a:stretch>
+        </p:blipFill>
+        <p:spPr bwMode="auto">
+          <a:xfrm>
+            <a:off x="3959441" y="3429000"/>
+            <a:ext cx="7070689" cy="2317615"/>
+          </a:xfrm>
+          <a:prstGeom prst="rect">
+            <a:avLst/>
+          </a:prstGeom>
+          <a:noFill/>
+          <a:extLst>
+            <a:ext uri="{909E8E84-426E-40DD-AFC4-6F175D3DCCD1}">
+              <a14:hiddenFill xmlns:a14="http://schemas.microsoft.com/office/drawing/2010/main">
+                <a:solidFill>
+                  <a:srgbClr val="FFFFFF"/>
+                </a:solidFill>
+              </a14:hiddenFill>
+            </a:ext>
+          </a:extLst>
+        </p:spPr>
+      </p:pic>
     </p:spTree>
     <p:custDataLst>
       <p:tags r:id="rId1"/>
     </p:custDataLst>
     <p:extLst>
       <p:ext uri="{BB962C8B-B14F-4D97-AF65-F5344CB8AC3E}">
-        <p14:creationId xmlns:p14="http://schemas.microsoft.com/office/powerpoint/2010/main" val="3787498677"/>
+        <p14:creationId xmlns:p14="http://schemas.microsoft.com/office/powerpoint/2010/main" val="3934053307"/>
       </p:ext>
     </p:extLst>
   </p:cSld>
   <p:clrMapOvr>
     <a:masterClrMapping/>
   </p:clrMapOvr>
+  <p:timing>
+    <p:tnLst>
+      <p:par>
+        <p:cTn id="1" dur="indefinite" restart="never" nodeType="tmRoot">
+          <p:childTnLst>
+            <p:seq concurrent="1" nextAc="seek">
+              <p:cTn id="2" dur="indefinite" nodeType="mainSeq">
+                <p:childTnLst>
+                  <p:par>
+                    <p:cTn id="3" fill="hold">
+                      <p:stCondLst>
+                        <p:cond delay="indefinite"/>
+                      </p:stCondLst>
+                      <p:childTnLst>
+                        <p:par>
+                          <p:cTn id="4" fill="hold">
+                            <p:stCondLst>
+                              <p:cond delay="0"/>
+                            </p:stCondLst>
+                            <p:childTnLst>
+                              <p:par>
+                                <p:cTn id="5" presetID="1" presetClass="entr" presetSubtype="0" fill="hold" nodeType="clickEffect">
+                                  <p:stCondLst>
+                                    <p:cond delay="0"/>
+                                  </p:stCondLst>
+                                  <p:childTnLst>
+                                    <p:set>
+                                      <p:cBhvr>
+                                        <p:cTn id="6" dur="1" fill="hold">
+                                          <p:stCondLst>
+                                            <p:cond delay="0"/>
+                                          </p:stCondLst>
+                                        </p:cTn>
+                                        <p:tgtEl>
+                                          <p:spTgt spid="6">
+                                            <p:txEl>
+                                              <p:pRg st="0" end="0"/>
+                                            </p:txEl>
+                                          </p:spTgt>
+                                        </p:tgtEl>
+                                        <p:attrNameLst>
+                                          <p:attrName>style.visibility</p:attrName>
+                                        </p:attrNameLst>
+                                      </p:cBhvr>
+                                      <p:to>
+                                        <p:strVal val="visible"/>
+                                      </p:to>
+                                    </p:set>
+                                  </p:childTnLst>
+                                </p:cTn>
+                              </p:par>
+                            </p:childTnLst>
+                          </p:cTn>
+                        </p:par>
+                      </p:childTnLst>
+                    </p:cTn>
+                  </p:par>
+                  <p:par>
+                    <p:cTn id="7" fill="hold">
+                      <p:stCondLst>
+                        <p:cond delay="indefinite"/>
+                      </p:stCondLst>
+                      <p:childTnLst>
+                        <p:par>
+                          <p:cTn id="8" fill="hold">
+                            <p:stCondLst>
+                              <p:cond delay="0"/>
+                            </p:stCondLst>
+                            <p:childTnLst>
+                              <p:par>
+                                <p:cTn id="9" presetID="1" presetClass="entr" presetSubtype="0" fill="hold" nodeType="clickEffect">
+                                  <p:stCondLst>
+                                    <p:cond delay="0"/>
+                                  </p:stCondLst>
+                                  <p:childTnLst>
+                                    <p:set>
+                                      <p:cBhvr>
+                                        <p:cTn id="10" dur="1" fill="hold">
+                                          <p:stCondLst>
+                                            <p:cond delay="0"/>
+                                          </p:stCondLst>
+                                        </p:cTn>
+                                        <p:tgtEl>
+                                          <p:spTgt spid="6">
+                                            <p:txEl>
+                                              <p:pRg st="1" end="1"/>
+                                            </p:txEl>
+                                          </p:spTgt>
+                                        </p:tgtEl>
+                                        <p:attrNameLst>
+                                          <p:attrName>style.visibility</p:attrName>
+                                        </p:attrNameLst>
+                                      </p:cBhvr>
+                                      <p:to>
+                                        <p:strVal val="visible"/>
+                                      </p:to>
+                                    </p:set>
+                                  </p:childTnLst>
+                                </p:cTn>
+                              </p:par>
+                            </p:childTnLst>
+                          </p:cTn>
+                        </p:par>
+                      </p:childTnLst>
+                    </p:cTn>
+                  </p:par>
+                  <p:par>
+                    <p:cTn id="11" fill="hold">
+                      <p:stCondLst>
+                        <p:cond delay="indefinite"/>
+                      </p:stCondLst>
+                      <p:childTnLst>
+                        <p:par>
+                          <p:cTn id="12" fill="hold">
+                            <p:stCondLst>
+                              <p:cond delay="0"/>
+                            </p:stCondLst>
+                            <p:childTnLst>
+                              <p:par>
+                                <p:cTn id="13" presetID="1" presetClass="entr" presetSubtype="0" fill="hold" nodeType="clickEffect">
+                                  <p:stCondLst>
+                                    <p:cond delay="0"/>
+                                  </p:stCondLst>
+                                  <p:childTnLst>
+                                    <p:set>
+                                      <p:cBhvr>
+                                        <p:cTn id="14" dur="1" fill="hold">
+                                          <p:stCondLst>
+                                            <p:cond delay="0"/>
+                                          </p:stCondLst>
+                                        </p:cTn>
+                                        <p:tgtEl>
+                                          <p:spTgt spid="2050"/>
+                                        </p:tgtEl>
+                                        <p:attrNameLst>
+                                          <p:attrName>style.visibility</p:attrName>
+                                        </p:attrNameLst>
+                                      </p:cBhvr>
+                                      <p:to>
+                                        <p:strVal val="visible"/>
+                                      </p:to>
+                                    </p:set>
+                                  </p:childTnLst>
+                                </p:cTn>
+                              </p:par>
+                            </p:childTnLst>
+                          </p:cTn>
+                        </p:par>
+                      </p:childTnLst>
+                    </p:cTn>
+                  </p:par>
+                  <p:par>
+                    <p:cTn id="15" fill="hold">
+                      <p:stCondLst>
+                        <p:cond delay="indefinite"/>
+                      </p:stCondLst>
+                      <p:childTnLst>
+                        <p:par>
+                          <p:cTn id="16" fill="hold">
+                            <p:stCondLst>
+                              <p:cond delay="0"/>
+                            </p:stCondLst>
+                            <p:childTnLst>
+                              <p:par>
+                                <p:cTn id="17" presetID="1" presetClass="entr" presetSubtype="0" fill="hold" nodeType="clickEffect">
+                                  <p:stCondLst>
+                                    <p:cond delay="0"/>
+                                  </p:stCondLst>
+                                  <p:childTnLst>
+                                    <p:set>
+                                      <p:cBhvr>
+                                        <p:cTn id="18" dur="1" fill="hold">
+                                          <p:stCondLst>
+                                            <p:cond delay="0"/>
+                                          </p:stCondLst>
+                                        </p:cTn>
+                                        <p:tgtEl>
+                                          <p:spTgt spid="6">
+                                            <p:txEl>
+                                              <p:pRg st="2" end="2"/>
+                                            </p:txEl>
+                                          </p:spTgt>
+                                        </p:tgtEl>
+                                        <p:attrNameLst>
+                                          <p:attrName>style.visibility</p:attrName>
+                                        </p:attrNameLst>
+                                      </p:cBhvr>
+                                      <p:to>
+                                        <p:strVal val="visible"/>
+                                      </p:to>
+                                    </p:set>
+                                  </p:childTnLst>
+                                </p:cTn>
+                              </p:par>
+                            </p:childTnLst>
+                          </p:cTn>
+                        </p:par>
+                      </p:childTnLst>
+                    </p:cTn>
+                  </p:par>
+                  <p:par>
+                    <p:cTn id="19" fill="hold">
+                      <p:stCondLst>
+                        <p:cond delay="indefinite"/>
+                      </p:stCondLst>
+                      <p:childTnLst>
+                        <p:par>
+                          <p:cTn id="20" fill="hold">
+                            <p:stCondLst>
+                              <p:cond delay="0"/>
+                            </p:stCondLst>
+                            <p:childTnLst>
+                              <p:par>
+                                <p:cTn id="21" presetID="1" presetClass="entr" presetSubtype="0" fill="hold" nodeType="clickEffect">
+                                  <p:stCondLst>
+                                    <p:cond delay="0"/>
+                                  </p:stCondLst>
+                                  <p:childTnLst>
+                                    <p:set>
+                                      <p:cBhvr>
+                                        <p:cTn id="22" dur="1" fill="hold">
+                                          <p:stCondLst>
+                                            <p:cond delay="0"/>
+                                          </p:stCondLst>
+                                        </p:cTn>
+                                        <p:tgtEl>
+                                          <p:spTgt spid="6">
+                                            <p:txEl>
+                                              <p:pRg st="3" end="3"/>
+                                            </p:txEl>
+                                          </p:spTgt>
+                                        </p:tgtEl>
+                                        <p:attrNameLst>
+                                          <p:attrName>style.visibility</p:attrName>
+                                        </p:attrNameLst>
+                                      </p:cBhvr>
+                                      <p:to>
+                                        <p:strVal val="visible"/>
+                                      </p:to>
+                                    </p:set>
+                                  </p:childTnLst>
+                                </p:cTn>
+                              </p:par>
+                            </p:childTnLst>
+                          </p:cTn>
+                        </p:par>
+                      </p:childTnLst>
+                    </p:cTn>
+                  </p:par>
+                  <p:par>
+                    <p:cTn id="23" fill="hold">
+                      <p:stCondLst>
+                        <p:cond delay="indefinite"/>
+                      </p:stCondLst>
+                      <p:childTnLst>
+                        <p:par>
+                          <p:cTn id="24" fill="hold">
+                            <p:stCondLst>
+                              <p:cond delay="0"/>
+                            </p:stCondLst>
+                            <p:childTnLst>
+                              <p:par>
+                                <p:cTn id="25" presetID="1" presetClass="entr" presetSubtype="0" fill="hold" grpId="0" nodeType="clickEffect">
+                                  <p:stCondLst>
+                                    <p:cond delay="0"/>
+                                  </p:stCondLst>
+                                  <p:childTnLst>
+                                    <p:set>
+                                      <p:cBhvr>
+                                        <p:cTn id="26" dur="1" fill="hold">
+                                          <p:stCondLst>
+                                            <p:cond delay="0"/>
+                                          </p:stCondLst>
+                                        </p:cTn>
+                                        <p:tgtEl>
+                                          <p:spTgt spid="8"/>
+                                        </p:tgtEl>
+                                        <p:attrNameLst>
+                                          <p:attrName>style.visibility</p:attrName>
+                                        </p:attrNameLst>
+                                      </p:cBhvr>
+                                      <p:to>
+                                        <p:strVal val="visible"/>
+                                      </p:to>
+                                    </p:set>
+                                  </p:childTnLst>
+                                </p:cTn>
+                              </p:par>
+                            </p:childTnLst>
+                          </p:cTn>
+                        </p:par>
+                      </p:childTnLst>
+                    </p:cTn>
+                  </p:par>
+                </p:childTnLst>
+              </p:cTn>
+              <p:prevCondLst>
+                <p:cond evt="onPrev" delay="0">
+                  <p:tgtEl>
+                    <p:sldTgt/>
+                  </p:tgtEl>
+                </p:cond>
+              </p:prevCondLst>
+              <p:nextCondLst>
+                <p:cond evt="onNext" delay="0">
+                  <p:tgtEl>
+                    <p:sldTgt/>
+                  </p:tgtEl>
+                </p:cond>
+              </p:nextCondLst>
+            </p:seq>
+          </p:childTnLst>
+        </p:cTn>
+      </p:par>
+    </p:tnLst>
+    <p:bldLst>
+      <p:bldP spid="8" grpId="0"/>
+    </p:bldLst>
+  </p:timing>
 </p:sld>
 </file>
 
@@ -13938,7 +14740,7 @@
       </p:grpSpPr>
       <p:sp>
         <p:nvSpPr>
-          <p:cNvPr id="2" name="标题 1"/>
+          <p:cNvPr id="3" name="标题 2"/>
           <p:cNvSpPr>
             <a:spLocks noGrp="1"/>
           </p:cNvSpPr>
@@ -13952,20 +14754,845 @@
           <a:lstStyle/>
           <a:p>
             <a:r>
-              <a:rPr lang="zh-CN" altLang="en-US"/>
-              <a:t>总结</a:t>
-            </a:r>
+              <a:rPr lang="zh-CN" altLang="en-US" dirty="0">
+                <a:sym typeface="+mn-ea"/>
+              </a:rPr>
+              <a:t>主问题：如何解决过拟合？</a:t>
+            </a:r>
+            <a:endParaRPr dirty="0">
+              <a:sym typeface="+mn-ea"/>
+            </a:endParaRPr>
           </a:p>
         </p:txBody>
       </p:sp>
+      <p:sp>
+        <p:nvSpPr>
+          <p:cNvPr id="6" name="文本占位符 1">
+            <a:extLst>
+              <a:ext uri="{FF2B5EF4-FFF2-40B4-BE49-F238E27FC236}">
+                <a16:creationId xmlns:a16="http://schemas.microsoft.com/office/drawing/2014/main" id="{BA88068A-4FDC-6963-46A5-ADEC46CDA15E}"/>
+              </a:ext>
+            </a:extLst>
+          </p:cNvPr>
+          <p:cNvSpPr txBox="1">
+            <a:spLocks/>
+          </p:cNvSpPr>
+          <p:nvPr/>
+        </p:nvSpPr>
+        <p:spPr>
+          <a:xfrm>
+            <a:off x="822325" y="1778635"/>
+            <a:ext cx="10852150" cy="4553585"/>
+          </a:xfrm>
+        </p:spPr>
+        <p:txBody>
+          <a:bodyPr lIns="101600" tIns="38100" rIns="76200" bIns="38100">
+            <a:noAutofit/>
+          </a:bodyPr>
+          <a:lstStyle>
+            <a:lvl1pPr marL="0" indent="0" algn="l" defTabSz="914400" rtl="0" eaLnBrk="1" fontAlgn="auto" latinLnBrk="0" hangingPunct="1">
+              <a:lnSpc>
+                <a:spcPct val="130000"/>
+              </a:lnSpc>
+              <a:spcBef>
+                <a:spcPts val="0"/>
+              </a:spcBef>
+              <a:spcAft>
+                <a:spcPts val="1000"/>
+              </a:spcAft>
+              <a:buFont typeface="Arial" panose="020B0604020202020204" pitchFamily="34" charset="0"/>
+              <a:buNone/>
+              <a:defRPr kumimoji="0" lang="zh-CN" altLang="en-US" sz="1600" b="0" i="0" u="none" strike="noStrike" kern="1200" cap="none" spc="150" normalizeH="0" baseline="0" noProof="1">
+                <a:solidFill>
+                  <a:schemeClr val="tx1"/>
+                </a:solidFill>
+                <a:uFillTx/>
+                <a:latin typeface="+mn-lt"/>
+                <a:ea typeface="+mn-ea"/>
+                <a:cs typeface="+mn-cs"/>
+                <a:sym typeface="+mn-ea"/>
+              </a:defRPr>
+            </a:lvl1pPr>
+            <a:lvl2pPr marL="457200" indent="0" algn="l" defTabSz="914400" rtl="0" eaLnBrk="1" fontAlgn="auto" latinLnBrk="0" hangingPunct="1">
+              <a:lnSpc>
+                <a:spcPct val="130000"/>
+              </a:lnSpc>
+              <a:spcBef>
+                <a:spcPts val="0"/>
+              </a:spcBef>
+              <a:spcAft>
+                <a:spcPts val="1000"/>
+              </a:spcAft>
+              <a:buFont typeface="Arial" panose="020B0604020202020204" pitchFamily="34" charset="0"/>
+              <a:buNone/>
+              <a:tabLst>
+                <a:tab pos="1609725" algn="l"/>
+              </a:tabLst>
+              <a:defRPr sz="2000" u="none" strike="noStrike" kern="1200" cap="none" spc="150" normalizeH="0" baseline="0">
+                <a:solidFill>
+                  <a:schemeClr val="tx1">
+                    <a:tint val="75000"/>
+                  </a:schemeClr>
+                </a:solidFill>
+                <a:uFillTx/>
+                <a:latin typeface="+mn-lt"/>
+                <a:ea typeface="+mn-ea"/>
+                <a:cs typeface="+mn-cs"/>
+              </a:defRPr>
+            </a:lvl2pPr>
+            <a:lvl3pPr marL="914400" indent="0" algn="l" defTabSz="914400" rtl="0" eaLnBrk="1" fontAlgn="auto" latinLnBrk="0" hangingPunct="1">
+              <a:lnSpc>
+                <a:spcPct val="130000"/>
+              </a:lnSpc>
+              <a:spcBef>
+                <a:spcPts val="0"/>
+              </a:spcBef>
+              <a:spcAft>
+                <a:spcPts val="1000"/>
+              </a:spcAft>
+              <a:buFont typeface="Arial" panose="020B0604020202020204" pitchFamily="34" charset="0"/>
+              <a:buNone/>
+              <a:defRPr sz="1800" u="none" strike="noStrike" kern="1200" cap="none" spc="150" normalizeH="0" baseline="0">
+                <a:solidFill>
+                  <a:schemeClr val="tx1">
+                    <a:tint val="75000"/>
+                  </a:schemeClr>
+                </a:solidFill>
+                <a:uFillTx/>
+                <a:latin typeface="+mn-lt"/>
+                <a:ea typeface="+mn-ea"/>
+                <a:cs typeface="+mn-cs"/>
+              </a:defRPr>
+            </a:lvl3pPr>
+            <a:lvl4pPr marL="1371600" indent="0" algn="l" defTabSz="914400" rtl="0" eaLnBrk="1" fontAlgn="auto" latinLnBrk="0" hangingPunct="1">
+              <a:lnSpc>
+                <a:spcPct val="130000"/>
+              </a:lnSpc>
+              <a:spcBef>
+                <a:spcPts val="0"/>
+              </a:spcBef>
+              <a:spcAft>
+                <a:spcPts val="1000"/>
+              </a:spcAft>
+              <a:buFont typeface="Arial" panose="020B0604020202020204" pitchFamily="34" charset="0"/>
+              <a:buNone/>
+              <a:defRPr sz="1600" u="none" strike="noStrike" kern="1200" cap="none" spc="150" normalizeH="0" baseline="0">
+                <a:solidFill>
+                  <a:schemeClr val="tx1">
+                    <a:tint val="75000"/>
+                  </a:schemeClr>
+                </a:solidFill>
+                <a:uFillTx/>
+                <a:latin typeface="+mn-lt"/>
+                <a:ea typeface="+mn-ea"/>
+                <a:cs typeface="+mn-cs"/>
+              </a:defRPr>
+            </a:lvl4pPr>
+            <a:lvl5pPr marL="1828800" indent="0" algn="l" defTabSz="914400" rtl="0" eaLnBrk="1" fontAlgn="auto" latinLnBrk="0" hangingPunct="1">
+              <a:lnSpc>
+                <a:spcPct val="130000"/>
+              </a:lnSpc>
+              <a:spcBef>
+                <a:spcPts val="0"/>
+              </a:spcBef>
+              <a:spcAft>
+                <a:spcPts val="1000"/>
+              </a:spcAft>
+              <a:buFont typeface="Arial" panose="020B0604020202020204" pitchFamily="34" charset="0"/>
+              <a:buNone/>
+              <a:defRPr sz="1600" u="none" strike="noStrike" kern="1200" cap="none" spc="150" normalizeH="0" baseline="0">
+                <a:solidFill>
+                  <a:schemeClr val="tx1">
+                    <a:tint val="75000"/>
+                  </a:schemeClr>
+                </a:solidFill>
+                <a:uFillTx/>
+                <a:latin typeface="+mn-lt"/>
+                <a:ea typeface="+mn-ea"/>
+                <a:cs typeface="+mn-cs"/>
+              </a:defRPr>
+            </a:lvl5pPr>
+            <a:lvl6pPr marL="2286000" indent="0" algn="l" defTabSz="914400" rtl="0" eaLnBrk="1" latinLnBrk="0" hangingPunct="1">
+              <a:lnSpc>
+                <a:spcPct val="90000"/>
+              </a:lnSpc>
+              <a:spcBef>
+                <a:spcPts val="500"/>
+              </a:spcBef>
+              <a:buFont typeface="Arial" panose="020B0604020202020204" pitchFamily="34" charset="0"/>
+              <a:buNone/>
+              <a:defRPr sz="1600" kern="1200">
+                <a:solidFill>
+                  <a:schemeClr val="tx1">
+                    <a:tint val="75000"/>
+                  </a:schemeClr>
+                </a:solidFill>
+                <a:latin typeface="+mn-lt"/>
+                <a:ea typeface="+mn-ea"/>
+                <a:cs typeface="+mn-cs"/>
+              </a:defRPr>
+            </a:lvl6pPr>
+            <a:lvl7pPr marL="2743200" indent="0" algn="l" defTabSz="914400" rtl="0" eaLnBrk="1" latinLnBrk="0" hangingPunct="1">
+              <a:lnSpc>
+                <a:spcPct val="90000"/>
+              </a:lnSpc>
+              <a:spcBef>
+                <a:spcPts val="500"/>
+              </a:spcBef>
+              <a:buFont typeface="Arial" panose="020B0604020202020204" pitchFamily="34" charset="0"/>
+              <a:buNone/>
+              <a:defRPr sz="1600" kern="1200">
+                <a:solidFill>
+                  <a:schemeClr val="tx1">
+                    <a:tint val="75000"/>
+                  </a:schemeClr>
+                </a:solidFill>
+                <a:latin typeface="+mn-lt"/>
+                <a:ea typeface="+mn-ea"/>
+                <a:cs typeface="+mn-cs"/>
+              </a:defRPr>
+            </a:lvl7pPr>
+            <a:lvl8pPr marL="3200400" indent="0" algn="l" defTabSz="914400" rtl="0" eaLnBrk="1" latinLnBrk="0" hangingPunct="1">
+              <a:lnSpc>
+                <a:spcPct val="90000"/>
+              </a:lnSpc>
+              <a:spcBef>
+                <a:spcPts val="500"/>
+              </a:spcBef>
+              <a:buFont typeface="Arial" panose="020B0604020202020204" pitchFamily="34" charset="0"/>
+              <a:buNone/>
+              <a:defRPr sz="1600" kern="1200">
+                <a:solidFill>
+                  <a:schemeClr val="tx1">
+                    <a:tint val="75000"/>
+                  </a:schemeClr>
+                </a:solidFill>
+                <a:latin typeface="+mn-lt"/>
+                <a:ea typeface="+mn-ea"/>
+                <a:cs typeface="+mn-cs"/>
+              </a:defRPr>
+            </a:lvl8pPr>
+            <a:lvl9pPr marL="3657600" indent="0" algn="l" defTabSz="914400" rtl="0" eaLnBrk="1" latinLnBrk="0" hangingPunct="1">
+              <a:lnSpc>
+                <a:spcPct val="90000"/>
+              </a:lnSpc>
+              <a:spcBef>
+                <a:spcPts val="500"/>
+              </a:spcBef>
+              <a:buFont typeface="Arial" panose="020B0604020202020204" pitchFamily="34" charset="0"/>
+              <a:buNone/>
+              <a:defRPr sz="1600" kern="1200">
+                <a:solidFill>
+                  <a:schemeClr val="tx1">
+                    <a:tint val="75000"/>
+                  </a:schemeClr>
+                </a:solidFill>
+                <a:latin typeface="+mn-lt"/>
+                <a:ea typeface="+mn-ea"/>
+                <a:cs typeface="+mn-cs"/>
+              </a:defRPr>
+            </a:lvl9pPr>
+          </a:lstStyle>
+          <a:p>
+            <a:pPr marL="285750" indent="-285750">
+              <a:buFont typeface="Arial" panose="020B0604020202020204" pitchFamily="34" charset="0"/>
+              <a:buChar char="•"/>
+            </a:pPr>
+            <a:r>
+              <a:rPr lang="zh-CN" altLang="en-US" dirty="0"/>
+              <a:t>如何解决现在遇到的过拟合的问题？</a:t>
+            </a:r>
+            <a:endParaRPr lang="en-US" altLang="zh-CN" dirty="0"/>
+          </a:p>
+          <a:p>
+            <a:pPr marL="285750" indent="-285750">
+              <a:buFont typeface="Arial" panose="020B0604020202020204" pitchFamily="34" charset="0"/>
+              <a:buChar char="•"/>
+            </a:pPr>
+            <a:r>
+              <a:rPr lang="en-US" altLang="zh-CN" dirty="0"/>
+              <a:t>Shuffle</a:t>
+            </a:r>
+            <a:r>
+              <a:rPr lang="zh-CN" altLang="en-US" dirty="0"/>
+              <a:t>是什么？</a:t>
+            </a:r>
+            <a:endParaRPr lang="en-US" altLang="zh-CN" dirty="0"/>
+          </a:p>
+          <a:p>
+            <a:pPr marL="285750" indent="-285750">
+              <a:buFont typeface="Arial" panose="020B0604020202020204" pitchFamily="34" charset="0"/>
+              <a:buChar char="•"/>
+            </a:pPr>
+            <a:r>
+              <a:rPr lang="zh-CN" altLang="en-US" dirty="0"/>
+              <a:t>为什么</a:t>
+            </a:r>
+            <a:r>
+              <a:rPr lang="en-US" altLang="zh-CN" dirty="0"/>
+              <a:t>Shuffle</a:t>
+            </a:r>
+            <a:r>
+              <a:rPr lang="zh-CN" altLang="en-US" dirty="0"/>
+              <a:t>能避免过拟合？</a:t>
+            </a:r>
+            <a:endParaRPr lang="en-US" altLang="zh-CN" dirty="0"/>
+          </a:p>
+          <a:p>
+            <a:pPr marL="285750" indent="-285750">
+              <a:buFont typeface="Arial" panose="020B0604020202020204" pitchFamily="34" charset="0"/>
+              <a:buChar char="•"/>
+            </a:pPr>
+            <a:endParaRPr lang="en-US" altLang="zh-CN" dirty="0"/>
+          </a:p>
+          <a:p>
+            <a:pPr marL="285750" indent="-285750">
+              <a:buFont typeface="Arial" panose="020B0604020202020204" pitchFamily="34" charset="0"/>
+              <a:buChar char="•"/>
+            </a:pPr>
+            <a:r>
+              <a:rPr lang="zh-CN" altLang="en-US" dirty="0"/>
+              <a:t>自学、互学、展学</a:t>
+            </a:r>
+          </a:p>
+          <a:p>
+            <a:pPr marL="285750" indent="-285750">
+              <a:buFont typeface="Arial" panose="020B0604020202020204" pitchFamily="34" charset="0"/>
+              <a:buChar char="•"/>
+            </a:pPr>
+            <a:endParaRPr lang="zh-CN" altLang="en-US" dirty="0"/>
+          </a:p>
+          <a:p>
+            <a:pPr marL="285750" indent="-285750">
+              <a:buFont typeface="Arial" panose="020B0604020202020204" pitchFamily="34" charset="0"/>
+              <a:buChar char="•"/>
+            </a:pPr>
+            <a:endParaRPr lang="en-US" altLang="zh-CN" dirty="0"/>
+          </a:p>
+          <a:p>
+            <a:pPr marL="285750" indent="-285750">
+              <a:buFont typeface="Arial" panose="020B0604020202020204" pitchFamily="34" charset="0"/>
+              <a:buChar char="•"/>
+            </a:pPr>
+            <a:endParaRPr lang="zh-CN" altLang="en-US" dirty="0"/>
+          </a:p>
+          <a:p>
+            <a:pPr marL="285750" indent="-285750">
+              <a:buFont typeface="Arial" panose="020B0604020202020204" pitchFamily="34" charset="0"/>
+              <a:buChar char="•"/>
+            </a:pPr>
+            <a:endParaRPr lang="zh-CN" altLang="en-US" dirty="0"/>
+          </a:p>
+          <a:p>
+            <a:pPr marL="285750" indent="-285750">
+              <a:buFont typeface="Arial" panose="020B0604020202020204" pitchFamily="34" charset="0"/>
+              <a:buChar char="•"/>
+            </a:pPr>
+            <a:endParaRPr lang="zh-CN" altLang="en-US" dirty="0"/>
+          </a:p>
+          <a:p>
+            <a:pPr marL="285750" indent="-285750">
+              <a:buFont typeface="Arial" panose="020B0604020202020204" pitchFamily="34" charset="0"/>
+              <a:buChar char="•"/>
+            </a:pPr>
+            <a:endParaRPr lang="zh-CN" altLang="en-US" dirty="0"/>
+          </a:p>
+          <a:p>
+            <a:pPr marL="285750" indent="-285750">
+              <a:buFont typeface="Arial" panose="020B0604020202020204" pitchFamily="34" charset="0"/>
+              <a:buChar char="•"/>
+            </a:pPr>
+            <a:endParaRPr lang="zh-CN" altLang="en-US" dirty="0"/>
+          </a:p>
+          <a:p>
+            <a:pPr marL="285750" indent="-285750">
+              <a:buFont typeface="Arial" panose="020B0604020202020204" pitchFamily="34" charset="0"/>
+              <a:buChar char="•"/>
+            </a:pPr>
+            <a:endParaRPr lang="zh-CN" altLang="en-US" dirty="0"/>
+          </a:p>
+          <a:p>
+            <a:pPr marL="285750" indent="-285750">
+              <a:buFont typeface="Arial" panose="020B0604020202020204" pitchFamily="34" charset="0"/>
+              <a:buChar char="•"/>
+            </a:pPr>
+            <a:endParaRPr lang="zh-CN" altLang="en-US" dirty="0"/>
+          </a:p>
+        </p:txBody>
+      </p:sp>
+      <p:sp>
+        <p:nvSpPr>
+          <p:cNvPr id="2" name="文本框 1">
+            <a:extLst>
+              <a:ext uri="{FF2B5EF4-FFF2-40B4-BE49-F238E27FC236}">
+                <a16:creationId xmlns:a16="http://schemas.microsoft.com/office/drawing/2014/main" id="{6AA9B263-38AB-9B0F-CF95-CE8AF4847553}"/>
+              </a:ext>
+            </a:extLst>
+          </p:cNvPr>
+          <p:cNvSpPr txBox="1"/>
+          <p:nvPr/>
+        </p:nvSpPr>
+        <p:spPr>
+          <a:xfrm>
+            <a:off x="669882" y="4607832"/>
+            <a:ext cx="5661766" cy="923330"/>
+          </a:xfrm>
+          <a:prstGeom prst="rect">
+            <a:avLst/>
+          </a:prstGeom>
+          <a:noFill/>
+        </p:spPr>
+        <p:txBody>
+          <a:bodyPr wrap="square" rtlCol="0">
+            <a:spAutoFit/>
+          </a:bodyPr>
+          <a:lstStyle/>
+          <a:p>
+            <a:r>
+              <a:rPr lang="zh-CN" altLang="en-US" b="0" i="0" dirty="0">
+                <a:solidFill>
+                  <a:srgbClr val="121212"/>
+                </a:solidFill>
+                <a:effectLst/>
+                <a:latin typeface="-apple-system"/>
+              </a:rPr>
+              <a:t>固定的数据集顺序意味着固定的训练样本，也就意味着权值更新的方向是固定的，而无顺序的数据集，意味着更新方向是随机的，更容易到最优点</a:t>
+            </a:r>
+            <a:endParaRPr kumimoji="1" lang="zh-CN" altLang="en-US" dirty="0"/>
+          </a:p>
+        </p:txBody>
+      </p:sp>
+      <p:sp>
+        <p:nvSpPr>
+          <p:cNvPr id="4" name="文本框 3">
+            <a:extLst>
+              <a:ext uri="{FF2B5EF4-FFF2-40B4-BE49-F238E27FC236}">
+                <a16:creationId xmlns:a16="http://schemas.microsoft.com/office/drawing/2014/main" id="{E96753B7-ADA6-C527-41C2-0493E99085A7}"/>
+              </a:ext>
+            </a:extLst>
+          </p:cNvPr>
+          <p:cNvSpPr txBox="1"/>
+          <p:nvPr/>
+        </p:nvSpPr>
+        <p:spPr>
+          <a:xfrm>
+            <a:off x="5385917" y="1832118"/>
+            <a:ext cx="6933362" cy="646331"/>
+          </a:xfrm>
+          <a:prstGeom prst="rect">
+            <a:avLst/>
+          </a:prstGeom>
+          <a:noFill/>
+        </p:spPr>
+        <p:txBody>
+          <a:bodyPr wrap="square" rtlCol="0">
+            <a:spAutoFit/>
+          </a:bodyPr>
+          <a:lstStyle/>
+          <a:p>
+            <a:pPr marL="285750" indent="-285750">
+              <a:buFont typeface="Arial" panose="020B0604020202020204" pitchFamily="34" charset="0"/>
+              <a:buChar char="•"/>
+            </a:pPr>
+            <a:r>
+              <a:rPr kumimoji="1" lang="zh-CN" altLang="en-US" dirty="0"/>
+              <a:t>增加训练样本个数</a:t>
+            </a:r>
+            <a:endParaRPr kumimoji="1" lang="en-US" altLang="zh-CN" dirty="0"/>
+          </a:p>
+          <a:p>
+            <a:pPr marL="285750" indent="-285750">
+              <a:buFont typeface="Arial" panose="020B0604020202020204" pitchFamily="34" charset="0"/>
+              <a:buChar char="•"/>
+            </a:pPr>
+            <a:r>
+              <a:rPr kumimoji="1" lang="zh-CN" altLang="en-US" dirty="0"/>
+              <a:t>训练数据集</a:t>
+            </a:r>
+            <a:r>
+              <a:rPr kumimoji="1" lang="en-US" altLang="zh-CN" dirty="0"/>
+              <a:t>shuffle</a:t>
+            </a:r>
+            <a:endParaRPr kumimoji="1" lang="zh-CN" altLang="en-US" dirty="0"/>
+          </a:p>
+        </p:txBody>
+      </p:sp>
+      <p:pic>
+        <p:nvPicPr>
+          <p:cNvPr id="1026" name="Picture 2">
+            <a:extLst>
+              <a:ext uri="{FF2B5EF4-FFF2-40B4-BE49-F238E27FC236}">
+                <a16:creationId xmlns:a16="http://schemas.microsoft.com/office/drawing/2014/main" id="{C9BC852B-1B24-FCF8-74B1-6BA539EE232C}"/>
+              </a:ext>
+            </a:extLst>
+          </p:cNvPr>
+          <p:cNvPicPr>
+            <a:picLocks noChangeAspect="1" noChangeArrowheads="1"/>
+          </p:cNvPicPr>
+          <p:nvPr/>
+        </p:nvPicPr>
+        <p:blipFill>
+          <a:blip r:embed="rId3">
+            <a:extLst>
+              <a:ext uri="{28A0092B-C50C-407E-A947-70E740481C1C}">
+                <a14:useLocalDpi xmlns:a14="http://schemas.microsoft.com/office/drawing/2010/main" val="0"/>
+              </a:ext>
+            </a:extLst>
+          </a:blip>
+          <a:srcRect/>
+          <a:stretch>
+            <a:fillRect/>
+          </a:stretch>
+        </p:blipFill>
+        <p:spPr bwMode="auto">
+          <a:xfrm>
+            <a:off x="6127820" y="2920849"/>
+            <a:ext cx="5449556" cy="2732584"/>
+          </a:xfrm>
+          <a:prstGeom prst="rect">
+            <a:avLst/>
+          </a:prstGeom>
+          <a:noFill/>
+          <a:extLst>
+            <a:ext uri="{909E8E84-426E-40DD-AFC4-6F175D3DCCD1}">
+              <a14:hiddenFill xmlns:a14="http://schemas.microsoft.com/office/drawing/2010/main">
+                <a:solidFill>
+                  <a:srgbClr val="FFFFFF"/>
+                </a:solidFill>
+              </a14:hiddenFill>
+            </a:ext>
+          </a:extLst>
+        </p:spPr>
+      </p:pic>
     </p:spTree>
     <p:custDataLst>
       <p:tags r:id="rId1"/>
     </p:custDataLst>
+    <p:extLst>
+      <p:ext uri="{BB962C8B-B14F-4D97-AF65-F5344CB8AC3E}">
+        <p14:creationId xmlns:p14="http://schemas.microsoft.com/office/powerpoint/2010/main" val="2293458754"/>
+      </p:ext>
+    </p:extLst>
   </p:cSld>
   <p:clrMapOvr>
     <a:masterClrMapping/>
   </p:clrMapOvr>
+  <p:timing>
+    <p:tnLst>
+      <p:par>
+        <p:cTn id="1" dur="indefinite" restart="never" nodeType="tmRoot">
+          <p:childTnLst>
+            <p:seq concurrent="1" nextAc="seek">
+              <p:cTn id="2" dur="indefinite" nodeType="mainSeq">
+                <p:childTnLst>
+                  <p:par>
+                    <p:cTn id="3" fill="hold">
+                      <p:stCondLst>
+                        <p:cond delay="indefinite"/>
+                      </p:stCondLst>
+                      <p:childTnLst>
+                        <p:par>
+                          <p:cTn id="4" fill="hold">
+                            <p:stCondLst>
+                              <p:cond delay="0"/>
+                            </p:stCondLst>
+                            <p:childTnLst>
+                              <p:par>
+                                <p:cTn id="5" presetID="1" presetClass="entr" presetSubtype="0" fill="hold" nodeType="clickEffect">
+                                  <p:stCondLst>
+                                    <p:cond delay="0"/>
+                                  </p:stCondLst>
+                                  <p:childTnLst>
+                                    <p:set>
+                                      <p:cBhvr>
+                                        <p:cTn id="6" dur="1" fill="hold">
+                                          <p:stCondLst>
+                                            <p:cond delay="0"/>
+                                          </p:stCondLst>
+                                        </p:cTn>
+                                        <p:tgtEl>
+                                          <p:spTgt spid="6">
+                                            <p:txEl>
+                                              <p:pRg st="0" end="0"/>
+                                            </p:txEl>
+                                          </p:spTgt>
+                                        </p:tgtEl>
+                                        <p:attrNameLst>
+                                          <p:attrName>style.visibility</p:attrName>
+                                        </p:attrNameLst>
+                                      </p:cBhvr>
+                                      <p:to>
+                                        <p:strVal val="visible"/>
+                                      </p:to>
+                                    </p:set>
+                                  </p:childTnLst>
+                                </p:cTn>
+                              </p:par>
+                            </p:childTnLst>
+                          </p:cTn>
+                        </p:par>
+                      </p:childTnLst>
+                    </p:cTn>
+                  </p:par>
+                  <p:par>
+                    <p:cTn id="7" fill="hold">
+                      <p:stCondLst>
+                        <p:cond delay="indefinite"/>
+                      </p:stCondLst>
+                      <p:childTnLst>
+                        <p:par>
+                          <p:cTn id="8" fill="hold">
+                            <p:stCondLst>
+                              <p:cond delay="0"/>
+                            </p:stCondLst>
+                            <p:childTnLst>
+                              <p:par>
+                                <p:cTn id="9" presetID="1" presetClass="entr" presetSubtype="0" fill="hold" grpId="0" nodeType="clickEffect">
+                                  <p:stCondLst>
+                                    <p:cond delay="0"/>
+                                  </p:stCondLst>
+                                  <p:childTnLst>
+                                    <p:set>
+                                      <p:cBhvr>
+                                        <p:cTn id="10" dur="1" fill="hold">
+                                          <p:stCondLst>
+                                            <p:cond delay="0"/>
+                                          </p:stCondLst>
+                                        </p:cTn>
+                                        <p:tgtEl>
+                                          <p:spTgt spid="4"/>
+                                        </p:tgtEl>
+                                        <p:attrNameLst>
+                                          <p:attrName>style.visibility</p:attrName>
+                                        </p:attrNameLst>
+                                      </p:cBhvr>
+                                      <p:to>
+                                        <p:strVal val="visible"/>
+                                      </p:to>
+                                    </p:set>
+                                  </p:childTnLst>
+                                </p:cTn>
+                              </p:par>
+                            </p:childTnLst>
+                          </p:cTn>
+                        </p:par>
+                      </p:childTnLst>
+                    </p:cTn>
+                  </p:par>
+                  <p:par>
+                    <p:cTn id="11" fill="hold">
+                      <p:stCondLst>
+                        <p:cond delay="indefinite"/>
+                      </p:stCondLst>
+                      <p:childTnLst>
+                        <p:par>
+                          <p:cTn id="12" fill="hold">
+                            <p:stCondLst>
+                              <p:cond delay="0"/>
+                            </p:stCondLst>
+                            <p:childTnLst>
+                              <p:par>
+                                <p:cTn id="13" presetID="1" presetClass="entr" presetSubtype="0" fill="hold" nodeType="clickEffect">
+                                  <p:stCondLst>
+                                    <p:cond delay="0"/>
+                                  </p:stCondLst>
+                                  <p:childTnLst>
+                                    <p:set>
+                                      <p:cBhvr>
+                                        <p:cTn id="14" dur="1" fill="hold">
+                                          <p:stCondLst>
+                                            <p:cond delay="0"/>
+                                          </p:stCondLst>
+                                        </p:cTn>
+                                        <p:tgtEl>
+                                          <p:spTgt spid="6">
+                                            <p:txEl>
+                                              <p:pRg st="1" end="1"/>
+                                            </p:txEl>
+                                          </p:spTgt>
+                                        </p:tgtEl>
+                                        <p:attrNameLst>
+                                          <p:attrName>style.visibility</p:attrName>
+                                        </p:attrNameLst>
+                                      </p:cBhvr>
+                                      <p:to>
+                                        <p:strVal val="visible"/>
+                                      </p:to>
+                                    </p:set>
+                                  </p:childTnLst>
+                                </p:cTn>
+                              </p:par>
+                            </p:childTnLst>
+                          </p:cTn>
+                        </p:par>
+                      </p:childTnLst>
+                    </p:cTn>
+                  </p:par>
+                  <p:par>
+                    <p:cTn id="15" fill="hold">
+                      <p:stCondLst>
+                        <p:cond delay="indefinite"/>
+                      </p:stCondLst>
+                      <p:childTnLst>
+                        <p:par>
+                          <p:cTn id="16" fill="hold">
+                            <p:stCondLst>
+                              <p:cond delay="0"/>
+                            </p:stCondLst>
+                            <p:childTnLst>
+                              <p:par>
+                                <p:cTn id="17" presetID="1" presetClass="entr" presetSubtype="0" fill="hold" nodeType="clickEffect">
+                                  <p:stCondLst>
+                                    <p:cond delay="0"/>
+                                  </p:stCondLst>
+                                  <p:childTnLst>
+                                    <p:set>
+                                      <p:cBhvr>
+                                        <p:cTn id="18" dur="1" fill="hold">
+                                          <p:stCondLst>
+                                            <p:cond delay="0"/>
+                                          </p:stCondLst>
+                                        </p:cTn>
+                                        <p:tgtEl>
+                                          <p:spTgt spid="6">
+                                            <p:txEl>
+                                              <p:pRg st="2" end="2"/>
+                                            </p:txEl>
+                                          </p:spTgt>
+                                        </p:tgtEl>
+                                        <p:attrNameLst>
+                                          <p:attrName>style.visibility</p:attrName>
+                                        </p:attrNameLst>
+                                      </p:cBhvr>
+                                      <p:to>
+                                        <p:strVal val="visible"/>
+                                      </p:to>
+                                    </p:set>
+                                  </p:childTnLst>
+                                </p:cTn>
+                              </p:par>
+                            </p:childTnLst>
+                          </p:cTn>
+                        </p:par>
+                      </p:childTnLst>
+                    </p:cTn>
+                  </p:par>
+                  <p:par>
+                    <p:cTn id="19" fill="hold">
+                      <p:stCondLst>
+                        <p:cond delay="indefinite"/>
+                      </p:stCondLst>
+                      <p:childTnLst>
+                        <p:par>
+                          <p:cTn id="20" fill="hold">
+                            <p:stCondLst>
+                              <p:cond delay="0"/>
+                            </p:stCondLst>
+                            <p:childTnLst>
+                              <p:par>
+                                <p:cTn id="21" presetID="1" presetClass="entr" presetSubtype="0" fill="hold" nodeType="clickEffect">
+                                  <p:stCondLst>
+                                    <p:cond delay="0"/>
+                                  </p:stCondLst>
+                                  <p:childTnLst>
+                                    <p:set>
+                                      <p:cBhvr>
+                                        <p:cTn id="22" dur="1" fill="hold">
+                                          <p:stCondLst>
+                                            <p:cond delay="0"/>
+                                          </p:stCondLst>
+                                        </p:cTn>
+                                        <p:tgtEl>
+                                          <p:spTgt spid="1026"/>
+                                        </p:tgtEl>
+                                        <p:attrNameLst>
+                                          <p:attrName>style.visibility</p:attrName>
+                                        </p:attrNameLst>
+                                      </p:cBhvr>
+                                      <p:to>
+                                        <p:strVal val="visible"/>
+                                      </p:to>
+                                    </p:set>
+                                  </p:childTnLst>
+                                </p:cTn>
+                              </p:par>
+                            </p:childTnLst>
+                          </p:cTn>
+                        </p:par>
+                      </p:childTnLst>
+                    </p:cTn>
+                  </p:par>
+                  <p:par>
+                    <p:cTn id="23" fill="hold">
+                      <p:stCondLst>
+                        <p:cond delay="indefinite"/>
+                      </p:stCondLst>
+                      <p:childTnLst>
+                        <p:par>
+                          <p:cTn id="24" fill="hold">
+                            <p:stCondLst>
+                              <p:cond delay="0"/>
+                            </p:stCondLst>
+                            <p:childTnLst>
+                              <p:par>
+                                <p:cTn id="25" presetID="1" presetClass="entr" presetSubtype="0" fill="hold" grpId="0" nodeType="clickEffect">
+                                  <p:stCondLst>
+                                    <p:cond delay="0"/>
+                                  </p:stCondLst>
+                                  <p:childTnLst>
+                                    <p:set>
+                                      <p:cBhvr>
+                                        <p:cTn id="26" dur="1" fill="hold">
+                                          <p:stCondLst>
+                                            <p:cond delay="0"/>
+                                          </p:stCondLst>
+                                        </p:cTn>
+                                        <p:tgtEl>
+                                          <p:spTgt spid="2"/>
+                                        </p:tgtEl>
+                                        <p:attrNameLst>
+                                          <p:attrName>style.visibility</p:attrName>
+                                        </p:attrNameLst>
+                                      </p:cBhvr>
+                                      <p:to>
+                                        <p:strVal val="visible"/>
+                                      </p:to>
+                                    </p:set>
+                                  </p:childTnLst>
+                                </p:cTn>
+                              </p:par>
+                            </p:childTnLst>
+                          </p:cTn>
+                        </p:par>
+                      </p:childTnLst>
+                    </p:cTn>
+                  </p:par>
+                </p:childTnLst>
+              </p:cTn>
+              <p:prevCondLst>
+                <p:cond evt="onPrev" delay="0">
+                  <p:tgtEl>
+                    <p:sldTgt/>
+                  </p:tgtEl>
+                </p:cond>
+              </p:prevCondLst>
+              <p:nextCondLst>
+                <p:cond evt="onNext" delay="0">
+                  <p:tgtEl>
+                    <p:sldTgt/>
+                  </p:tgtEl>
+                </p:cond>
+              </p:nextCondLst>
+            </p:seq>
+          </p:childTnLst>
+        </p:cTn>
+      </p:par>
+    </p:tnLst>
+    <p:bldLst>
+      <p:bldP spid="2" grpId="0"/>
+      <p:bldP spid="4" grpId="0"/>
+    </p:bldLst>
+  </p:timing>
 </p:sld>
 </file>
 
@@ -13988,80 +15615,6 @@
       </p:grpSpPr>
       <p:sp>
         <p:nvSpPr>
-          <p:cNvPr id="2" name="文本占位符 1"/>
-          <p:cNvSpPr>
-            <a:spLocks noGrp="1"/>
-          </p:cNvSpPr>
-          <p:nvPr>
-            <p:ph type="body" idx="1"/>
-          </p:nvPr>
-        </p:nvSpPr>
-        <p:spPr/>
-        <p:txBody>
-          <a:bodyPr/>
-          <a:lstStyle/>
-          <a:p>
-            <a:pPr marL="285750" indent="-285750">
-              <a:buFont typeface="Arial" panose="020B0604020202020204" pitchFamily="34" charset="0"/>
-              <a:buChar char="•"/>
-            </a:pPr>
-            <a:r>
-              <a:rPr lang="en-US" dirty="0" err="1"/>
-              <a:t>请总结本节课的内容</a:t>
-            </a:r>
-            <a:r>
-              <a:rPr lang="zh-CN" altLang="en-US" dirty="0"/>
-              <a:t>？</a:t>
-            </a:r>
-            <a:endParaRPr lang="en-US" dirty="0"/>
-          </a:p>
-          <a:p>
-            <a:pPr marL="285750" indent="-285750">
-              <a:buFont typeface="Arial" panose="020B0604020202020204" pitchFamily="34" charset="0"/>
-              <a:buChar char="•"/>
-            </a:pPr>
-            <a:r>
-              <a:rPr lang="en-US" dirty="0" err="1"/>
-              <a:t>请回答所有主问题</a:t>
-            </a:r>
-            <a:r>
-              <a:rPr lang="zh-CN" altLang="en-US" dirty="0"/>
-              <a:t>？</a:t>
-            </a:r>
-            <a:endParaRPr lang="en-US" altLang="zh-CN" dirty="0"/>
-          </a:p>
-          <a:p>
-            <a:endParaRPr dirty="0">
-              <a:solidFill>
-                <a:schemeClr val="bg2"/>
-              </a:solidFill>
-              <a:sym typeface="+mn-ea"/>
-            </a:endParaRPr>
-          </a:p>
-          <a:p>
-            <a:pPr marL="285750" indent="-285750">
-              <a:buFont typeface="Arial" panose="020B0604020202020204" pitchFamily="34" charset="0"/>
-              <a:buChar char="•"/>
-            </a:pPr>
-            <a:r>
-              <a:rPr lang="zh-CN" altLang="en-US" dirty="0"/>
-              <a:t>自学、展学</a:t>
-            </a:r>
-            <a:endParaRPr lang="en-US" altLang="zh-CN" dirty="0"/>
-          </a:p>
-          <a:p>
-            <a:pPr marL="285750" indent="-285750">
-              <a:buFont typeface="Arial" panose="020B0604020202020204" pitchFamily="34" charset="0"/>
-              <a:buChar char="•"/>
-            </a:pPr>
-            <a:endParaRPr dirty="0">
-              <a:sym typeface="+mn-ea"/>
-            </a:endParaRPr>
-          </a:p>
-        </p:txBody>
-      </p:sp>
-      <p:sp>
-        <p:nvSpPr>
           <p:cNvPr id="3" name="标题 2"/>
           <p:cNvSpPr>
             <a:spLocks noGrp="1"/>
@@ -14076,75 +15629,622 @@
           <a:lstStyle/>
           <a:p>
             <a:r>
-              <a:rPr lang="zh-CN" altLang="en-US"/>
-              <a:t>总结</a:t>
-            </a:r>
+              <a:rPr lang="zh-CN" altLang="en-US" dirty="0">
+                <a:sym typeface="+mn-ea"/>
+              </a:rPr>
+              <a:t>任务：解决过拟合</a:t>
+            </a:r>
+            <a:endParaRPr dirty="0">
+              <a:sym typeface="+mn-ea"/>
+            </a:endParaRPr>
           </a:p>
         </p:txBody>
       </p:sp>
-      <p:graphicFrame>
-        <p:nvGraphicFramePr>
-          <p:cNvPr id="4" name="对象 3">
-            <a:hlinkClick r:id="" action="ppaction://ole?verb=0"/>
+      <p:sp>
+        <p:nvSpPr>
+          <p:cNvPr id="6" name="文本占位符 1">
+            <a:extLst>
+              <a:ext uri="{FF2B5EF4-FFF2-40B4-BE49-F238E27FC236}">
+                <a16:creationId xmlns:a16="http://schemas.microsoft.com/office/drawing/2014/main" id="{BA88068A-4FDC-6963-46A5-ADEC46CDA15E}"/>
+              </a:ext>
+            </a:extLst>
           </p:cNvPr>
-          <p:cNvGraphicFramePr>
-            <a:graphicFrameLocks noChangeAspect="1"/>
-          </p:cNvGraphicFramePr>
+          <p:cNvSpPr txBox="1">
+            <a:spLocks/>
+          </p:cNvSpPr>
           <p:nvPr/>
-        </p:nvGraphicFramePr>
-        <p:xfrm>
-          <a:off x="5638800" y="3244850"/>
-          <a:ext cx="914400" cy="368300"/>
-        </p:xfrm>
-        <a:graphic>
-          <a:graphicData uri="http://schemas.openxmlformats.org/presentationml/2006/ole">
-            <mc:AlternateContent xmlns:mc="http://schemas.openxmlformats.org/markup-compatibility/2006">
-              <mc:Choice xmlns:v="urn:schemas-microsoft-com:vml" Requires="v">
-                <p:oleObj r:id="rId3" imgW="914400" imgH="368300" progId="Equation.KSEE3">
-                  <p:embed/>
-                </p:oleObj>
-              </mc:Choice>
-              <mc:Fallback>
-                <p:oleObj r:id="rId3" imgW="914400" imgH="368300" progId="Equation.KSEE3">
-                  <p:embed/>
-                  <p:pic>
-                    <p:nvPicPr>
-                      <p:cNvPr id="4" name="对象 3">
-                        <a:hlinkClick r:id="" action="ppaction://ole?verb=0"/>
-                      </p:cNvPr>
-                      <p:cNvPicPr/>
-                      <p:nvPr/>
-                    </p:nvPicPr>
-                    <p:blipFill>
-                      <a:blip r:embed="rId4"/>
-                      <a:stretch>
-                        <a:fillRect/>
-                      </a:stretch>
-                    </p:blipFill>
-                    <p:spPr>
-                      <a:xfrm>
-                        <a:off x="5638800" y="3244850"/>
-                        <a:ext cx="914400" cy="368300"/>
-                      </a:xfrm>
-                      <a:prstGeom prst="rect">
-                        <a:avLst/>
-                      </a:prstGeom>
-                    </p:spPr>
-                  </p:pic>
-                </p:oleObj>
-              </mc:Fallback>
-            </mc:AlternateContent>
-          </a:graphicData>
-        </a:graphic>
-      </p:graphicFrame>
+        </p:nvSpPr>
+        <p:spPr>
+          <a:xfrm>
+            <a:off x="822325" y="1778635"/>
+            <a:ext cx="10852150" cy="4553585"/>
+          </a:xfrm>
+        </p:spPr>
+        <p:txBody>
+          <a:bodyPr lIns="101600" tIns="38100" rIns="76200" bIns="38100">
+            <a:noAutofit/>
+          </a:bodyPr>
+          <a:lstStyle>
+            <a:lvl1pPr marL="0" indent="0" algn="l" defTabSz="914400" rtl="0" eaLnBrk="1" fontAlgn="auto" latinLnBrk="0" hangingPunct="1">
+              <a:lnSpc>
+                <a:spcPct val="130000"/>
+              </a:lnSpc>
+              <a:spcBef>
+                <a:spcPts val="0"/>
+              </a:spcBef>
+              <a:spcAft>
+                <a:spcPts val="1000"/>
+              </a:spcAft>
+              <a:buFont typeface="Arial" panose="020B0604020202020204" pitchFamily="34" charset="0"/>
+              <a:buNone/>
+              <a:defRPr kumimoji="0" lang="zh-CN" altLang="en-US" sz="1600" b="0" i="0" u="none" strike="noStrike" kern="1200" cap="none" spc="150" normalizeH="0" baseline="0" noProof="1">
+                <a:solidFill>
+                  <a:schemeClr val="tx1"/>
+                </a:solidFill>
+                <a:uFillTx/>
+                <a:latin typeface="+mn-lt"/>
+                <a:ea typeface="+mn-ea"/>
+                <a:cs typeface="+mn-cs"/>
+                <a:sym typeface="+mn-ea"/>
+              </a:defRPr>
+            </a:lvl1pPr>
+            <a:lvl2pPr marL="457200" indent="0" algn="l" defTabSz="914400" rtl="0" eaLnBrk="1" fontAlgn="auto" latinLnBrk="0" hangingPunct="1">
+              <a:lnSpc>
+                <a:spcPct val="130000"/>
+              </a:lnSpc>
+              <a:spcBef>
+                <a:spcPts val="0"/>
+              </a:spcBef>
+              <a:spcAft>
+                <a:spcPts val="1000"/>
+              </a:spcAft>
+              <a:buFont typeface="Arial" panose="020B0604020202020204" pitchFamily="34" charset="0"/>
+              <a:buNone/>
+              <a:tabLst>
+                <a:tab pos="1609725" algn="l"/>
+              </a:tabLst>
+              <a:defRPr sz="2000" u="none" strike="noStrike" kern="1200" cap="none" spc="150" normalizeH="0" baseline="0">
+                <a:solidFill>
+                  <a:schemeClr val="tx1">
+                    <a:tint val="75000"/>
+                  </a:schemeClr>
+                </a:solidFill>
+                <a:uFillTx/>
+                <a:latin typeface="+mn-lt"/>
+                <a:ea typeface="+mn-ea"/>
+                <a:cs typeface="+mn-cs"/>
+              </a:defRPr>
+            </a:lvl2pPr>
+            <a:lvl3pPr marL="914400" indent="0" algn="l" defTabSz="914400" rtl="0" eaLnBrk="1" fontAlgn="auto" latinLnBrk="0" hangingPunct="1">
+              <a:lnSpc>
+                <a:spcPct val="130000"/>
+              </a:lnSpc>
+              <a:spcBef>
+                <a:spcPts val="0"/>
+              </a:spcBef>
+              <a:spcAft>
+                <a:spcPts val="1000"/>
+              </a:spcAft>
+              <a:buFont typeface="Arial" panose="020B0604020202020204" pitchFamily="34" charset="0"/>
+              <a:buNone/>
+              <a:defRPr sz="1800" u="none" strike="noStrike" kern="1200" cap="none" spc="150" normalizeH="0" baseline="0">
+                <a:solidFill>
+                  <a:schemeClr val="tx1">
+                    <a:tint val="75000"/>
+                  </a:schemeClr>
+                </a:solidFill>
+                <a:uFillTx/>
+                <a:latin typeface="+mn-lt"/>
+                <a:ea typeface="+mn-ea"/>
+                <a:cs typeface="+mn-cs"/>
+              </a:defRPr>
+            </a:lvl3pPr>
+            <a:lvl4pPr marL="1371600" indent="0" algn="l" defTabSz="914400" rtl="0" eaLnBrk="1" fontAlgn="auto" latinLnBrk="0" hangingPunct="1">
+              <a:lnSpc>
+                <a:spcPct val="130000"/>
+              </a:lnSpc>
+              <a:spcBef>
+                <a:spcPts val="0"/>
+              </a:spcBef>
+              <a:spcAft>
+                <a:spcPts val="1000"/>
+              </a:spcAft>
+              <a:buFont typeface="Arial" panose="020B0604020202020204" pitchFamily="34" charset="0"/>
+              <a:buNone/>
+              <a:defRPr sz="1600" u="none" strike="noStrike" kern="1200" cap="none" spc="150" normalizeH="0" baseline="0">
+                <a:solidFill>
+                  <a:schemeClr val="tx1">
+                    <a:tint val="75000"/>
+                  </a:schemeClr>
+                </a:solidFill>
+                <a:uFillTx/>
+                <a:latin typeface="+mn-lt"/>
+                <a:ea typeface="+mn-ea"/>
+                <a:cs typeface="+mn-cs"/>
+              </a:defRPr>
+            </a:lvl4pPr>
+            <a:lvl5pPr marL="1828800" indent="0" algn="l" defTabSz="914400" rtl="0" eaLnBrk="1" fontAlgn="auto" latinLnBrk="0" hangingPunct="1">
+              <a:lnSpc>
+                <a:spcPct val="130000"/>
+              </a:lnSpc>
+              <a:spcBef>
+                <a:spcPts val="0"/>
+              </a:spcBef>
+              <a:spcAft>
+                <a:spcPts val="1000"/>
+              </a:spcAft>
+              <a:buFont typeface="Arial" panose="020B0604020202020204" pitchFamily="34" charset="0"/>
+              <a:buNone/>
+              <a:defRPr sz="1600" u="none" strike="noStrike" kern="1200" cap="none" spc="150" normalizeH="0" baseline="0">
+                <a:solidFill>
+                  <a:schemeClr val="tx1">
+                    <a:tint val="75000"/>
+                  </a:schemeClr>
+                </a:solidFill>
+                <a:uFillTx/>
+                <a:latin typeface="+mn-lt"/>
+                <a:ea typeface="+mn-ea"/>
+                <a:cs typeface="+mn-cs"/>
+              </a:defRPr>
+            </a:lvl5pPr>
+            <a:lvl6pPr marL="2286000" indent="0" algn="l" defTabSz="914400" rtl="0" eaLnBrk="1" latinLnBrk="0" hangingPunct="1">
+              <a:lnSpc>
+                <a:spcPct val="90000"/>
+              </a:lnSpc>
+              <a:spcBef>
+                <a:spcPts val="500"/>
+              </a:spcBef>
+              <a:buFont typeface="Arial" panose="020B0604020202020204" pitchFamily="34" charset="0"/>
+              <a:buNone/>
+              <a:defRPr sz="1600" kern="1200">
+                <a:solidFill>
+                  <a:schemeClr val="tx1">
+                    <a:tint val="75000"/>
+                  </a:schemeClr>
+                </a:solidFill>
+                <a:latin typeface="+mn-lt"/>
+                <a:ea typeface="+mn-ea"/>
+                <a:cs typeface="+mn-cs"/>
+              </a:defRPr>
+            </a:lvl6pPr>
+            <a:lvl7pPr marL="2743200" indent="0" algn="l" defTabSz="914400" rtl="0" eaLnBrk="1" latinLnBrk="0" hangingPunct="1">
+              <a:lnSpc>
+                <a:spcPct val="90000"/>
+              </a:lnSpc>
+              <a:spcBef>
+                <a:spcPts val="500"/>
+              </a:spcBef>
+              <a:buFont typeface="Arial" panose="020B0604020202020204" pitchFamily="34" charset="0"/>
+              <a:buNone/>
+              <a:defRPr sz="1600" kern="1200">
+                <a:solidFill>
+                  <a:schemeClr val="tx1">
+                    <a:tint val="75000"/>
+                  </a:schemeClr>
+                </a:solidFill>
+                <a:latin typeface="+mn-lt"/>
+                <a:ea typeface="+mn-ea"/>
+                <a:cs typeface="+mn-cs"/>
+              </a:defRPr>
+            </a:lvl7pPr>
+            <a:lvl8pPr marL="3200400" indent="0" algn="l" defTabSz="914400" rtl="0" eaLnBrk="1" latinLnBrk="0" hangingPunct="1">
+              <a:lnSpc>
+                <a:spcPct val="90000"/>
+              </a:lnSpc>
+              <a:spcBef>
+                <a:spcPts val="500"/>
+              </a:spcBef>
+              <a:buFont typeface="Arial" panose="020B0604020202020204" pitchFamily="34" charset="0"/>
+              <a:buNone/>
+              <a:defRPr sz="1600" kern="1200">
+                <a:solidFill>
+                  <a:schemeClr val="tx1">
+                    <a:tint val="75000"/>
+                  </a:schemeClr>
+                </a:solidFill>
+                <a:latin typeface="+mn-lt"/>
+                <a:ea typeface="+mn-ea"/>
+                <a:cs typeface="+mn-cs"/>
+              </a:defRPr>
+            </a:lvl8pPr>
+            <a:lvl9pPr marL="3657600" indent="0" algn="l" defTabSz="914400" rtl="0" eaLnBrk="1" latinLnBrk="0" hangingPunct="1">
+              <a:lnSpc>
+                <a:spcPct val="90000"/>
+              </a:lnSpc>
+              <a:spcBef>
+                <a:spcPts val="500"/>
+              </a:spcBef>
+              <a:buFont typeface="Arial" panose="020B0604020202020204" pitchFamily="34" charset="0"/>
+              <a:buNone/>
+              <a:defRPr sz="1600" kern="1200">
+                <a:solidFill>
+                  <a:schemeClr val="tx1">
+                    <a:tint val="75000"/>
+                  </a:schemeClr>
+                </a:solidFill>
+                <a:latin typeface="+mn-lt"/>
+                <a:ea typeface="+mn-ea"/>
+                <a:cs typeface="+mn-cs"/>
+              </a:defRPr>
+            </a:lvl9pPr>
+          </a:lstStyle>
+          <a:p>
+            <a:pPr marL="285750" indent="-285750">
+              <a:buFont typeface="Arial" panose="020B0604020202020204" pitchFamily="34" charset="0"/>
+              <a:buChar char="•"/>
+            </a:pPr>
+            <a:r>
+              <a:rPr kumimoji="1" lang="zh-CN" altLang="en-US" dirty="0"/>
+              <a:t>请实现每个解决方案的代码</a:t>
+            </a:r>
+            <a:endParaRPr kumimoji="1" lang="en-US" altLang="zh-CN" dirty="0"/>
+          </a:p>
+          <a:p>
+            <a:pPr marL="285750" indent="-285750">
+              <a:buFont typeface="Arial" panose="020B0604020202020204" pitchFamily="34" charset="0"/>
+              <a:buChar char="•"/>
+            </a:pPr>
+            <a:r>
+              <a:rPr kumimoji="1" lang="zh-CN" altLang="en-US" dirty="0"/>
+              <a:t>请每个同学分别运行每个解决方案的代码，看下</a:t>
+            </a:r>
+            <a:r>
+              <a:rPr lang="zh-CN" altLang="en-US" dirty="0"/>
+              <a:t>是否都提高了推理正确率？</a:t>
+            </a:r>
+            <a:endParaRPr lang="en-US" altLang="zh-CN" dirty="0"/>
+          </a:p>
+          <a:p>
+            <a:pPr marL="285750" indent="-285750">
+              <a:buFont typeface="Arial" panose="020B0604020202020204" pitchFamily="34" charset="0"/>
+              <a:buChar char="•"/>
+            </a:pPr>
+            <a:r>
+              <a:rPr lang="zh-CN" altLang="en-US" dirty="0"/>
+              <a:t>请每个同学观察实现</a:t>
+            </a:r>
+            <a:r>
+              <a:rPr lang="en-US" altLang="zh-CN" dirty="0"/>
+              <a:t>shuffle</a:t>
+            </a:r>
+            <a:r>
+              <a:rPr lang="zh-CN" altLang="en-US" dirty="0"/>
+              <a:t>前后的正确率的变化趋势，说明为什么这样变化？</a:t>
+            </a:r>
+            <a:endParaRPr kumimoji="1" lang="en-US" altLang="zh-CN" dirty="0"/>
+          </a:p>
+          <a:p>
+            <a:pPr marL="285750" indent="-285750">
+              <a:buFont typeface="Arial" panose="020B0604020202020204" pitchFamily="34" charset="0"/>
+              <a:buChar char="•"/>
+            </a:pPr>
+            <a:r>
+              <a:rPr kumimoji="1" lang="zh-CN" altLang="en-US" dirty="0"/>
+              <a:t>请每个同学运行包含两个解决方案的代码，看下</a:t>
+            </a:r>
+            <a:r>
+              <a:rPr lang="zh-CN" altLang="en-US" dirty="0"/>
+              <a:t>是否提高了推理正确率？</a:t>
+            </a:r>
+            <a:br>
+              <a:rPr lang="en-US" altLang="zh-CN" dirty="0"/>
+            </a:br>
+            <a:endParaRPr lang="en-US" altLang="zh-CN" dirty="0"/>
+          </a:p>
+          <a:p>
+            <a:pPr marL="285750" indent="-285750">
+              <a:buFont typeface="Arial" panose="020B0604020202020204" pitchFamily="34" charset="0"/>
+              <a:buChar char="•"/>
+            </a:pPr>
+            <a:r>
+              <a:rPr lang="zh-CN" altLang="en-US" dirty="0"/>
+              <a:t>自学、互学、展学</a:t>
+            </a:r>
+          </a:p>
+          <a:p>
+            <a:pPr marL="285750" indent="-285750">
+              <a:buFont typeface="Arial" panose="020B0604020202020204" pitchFamily="34" charset="0"/>
+              <a:buChar char="•"/>
+            </a:pPr>
+            <a:endParaRPr lang="zh-CN" altLang="en-US" dirty="0"/>
+          </a:p>
+          <a:p>
+            <a:pPr marL="285750" indent="-285750">
+              <a:buFont typeface="Arial" panose="020B0604020202020204" pitchFamily="34" charset="0"/>
+              <a:buChar char="•"/>
+            </a:pPr>
+            <a:endParaRPr lang="en-US" altLang="zh-CN" dirty="0"/>
+          </a:p>
+          <a:p>
+            <a:pPr marL="285750" indent="-285750">
+              <a:buFont typeface="Arial" panose="020B0604020202020204" pitchFamily="34" charset="0"/>
+              <a:buChar char="•"/>
+            </a:pPr>
+            <a:endParaRPr lang="zh-CN" altLang="en-US" dirty="0"/>
+          </a:p>
+          <a:p>
+            <a:pPr marL="285750" indent="-285750">
+              <a:buFont typeface="Arial" panose="020B0604020202020204" pitchFamily="34" charset="0"/>
+              <a:buChar char="•"/>
+            </a:pPr>
+            <a:endParaRPr lang="zh-CN" altLang="en-US" dirty="0"/>
+          </a:p>
+          <a:p>
+            <a:pPr marL="285750" indent="-285750">
+              <a:buFont typeface="Arial" panose="020B0604020202020204" pitchFamily="34" charset="0"/>
+              <a:buChar char="•"/>
+            </a:pPr>
+            <a:endParaRPr lang="zh-CN" altLang="en-US" dirty="0"/>
+          </a:p>
+          <a:p>
+            <a:pPr marL="285750" indent="-285750">
+              <a:buFont typeface="Arial" panose="020B0604020202020204" pitchFamily="34" charset="0"/>
+              <a:buChar char="•"/>
+            </a:pPr>
+            <a:endParaRPr lang="zh-CN" altLang="en-US" dirty="0"/>
+          </a:p>
+          <a:p>
+            <a:pPr marL="285750" indent="-285750">
+              <a:buFont typeface="Arial" panose="020B0604020202020204" pitchFamily="34" charset="0"/>
+              <a:buChar char="•"/>
+            </a:pPr>
+            <a:endParaRPr lang="zh-CN" altLang="en-US" dirty="0"/>
+          </a:p>
+          <a:p>
+            <a:pPr marL="285750" indent="-285750">
+              <a:buFont typeface="Arial" panose="020B0604020202020204" pitchFamily="34" charset="0"/>
+              <a:buChar char="•"/>
+            </a:pPr>
+            <a:endParaRPr lang="zh-CN" altLang="en-US" dirty="0"/>
+          </a:p>
+          <a:p>
+            <a:pPr marL="285750" indent="-285750">
+              <a:buFont typeface="Arial" panose="020B0604020202020204" pitchFamily="34" charset="0"/>
+              <a:buChar char="•"/>
+            </a:pPr>
+            <a:endParaRPr lang="zh-CN" altLang="en-US" dirty="0"/>
+          </a:p>
+        </p:txBody>
+      </p:sp>
     </p:spTree>
     <p:custDataLst>
       <p:tags r:id="rId1"/>
     </p:custDataLst>
+    <p:extLst>
+      <p:ext uri="{BB962C8B-B14F-4D97-AF65-F5344CB8AC3E}">
+        <p14:creationId xmlns:p14="http://schemas.microsoft.com/office/powerpoint/2010/main" val="3787498677"/>
+      </p:ext>
+    </p:extLst>
   </p:cSld>
   <p:clrMapOvr>
     <a:masterClrMapping/>
   </p:clrMapOvr>
+  <p:timing>
+    <p:tnLst>
+      <p:par>
+        <p:cTn id="1" dur="indefinite" restart="never" nodeType="tmRoot">
+          <p:childTnLst>
+            <p:seq concurrent="1" nextAc="seek">
+              <p:cTn id="2" dur="indefinite" nodeType="mainSeq">
+                <p:childTnLst>
+                  <p:par>
+                    <p:cTn id="3" fill="hold">
+                      <p:stCondLst>
+                        <p:cond delay="indefinite"/>
+                      </p:stCondLst>
+                      <p:childTnLst>
+                        <p:par>
+                          <p:cTn id="4" fill="hold">
+                            <p:stCondLst>
+                              <p:cond delay="0"/>
+                            </p:stCondLst>
+                            <p:childTnLst>
+                              <p:par>
+                                <p:cTn id="5" presetID="1" presetClass="entr" presetSubtype="0" fill="hold" nodeType="clickEffect">
+                                  <p:stCondLst>
+                                    <p:cond delay="0"/>
+                                  </p:stCondLst>
+                                  <p:childTnLst>
+                                    <p:set>
+                                      <p:cBhvr>
+                                        <p:cTn id="6" dur="1" fill="hold">
+                                          <p:stCondLst>
+                                            <p:cond delay="0"/>
+                                          </p:stCondLst>
+                                        </p:cTn>
+                                        <p:tgtEl>
+                                          <p:spTgt spid="6">
+                                            <p:txEl>
+                                              <p:pRg st="0" end="0"/>
+                                            </p:txEl>
+                                          </p:spTgt>
+                                        </p:tgtEl>
+                                        <p:attrNameLst>
+                                          <p:attrName>style.visibility</p:attrName>
+                                        </p:attrNameLst>
+                                      </p:cBhvr>
+                                      <p:to>
+                                        <p:strVal val="visible"/>
+                                      </p:to>
+                                    </p:set>
+                                  </p:childTnLst>
+                                </p:cTn>
+                              </p:par>
+                            </p:childTnLst>
+                          </p:cTn>
+                        </p:par>
+                      </p:childTnLst>
+                    </p:cTn>
+                  </p:par>
+                  <p:par>
+                    <p:cTn id="7" fill="hold">
+                      <p:stCondLst>
+                        <p:cond delay="indefinite"/>
+                      </p:stCondLst>
+                      <p:childTnLst>
+                        <p:par>
+                          <p:cTn id="8" fill="hold">
+                            <p:stCondLst>
+                              <p:cond delay="0"/>
+                            </p:stCondLst>
+                            <p:childTnLst>
+                              <p:par>
+                                <p:cTn id="9" presetID="1" presetClass="entr" presetSubtype="0" fill="hold" nodeType="clickEffect">
+                                  <p:stCondLst>
+                                    <p:cond delay="0"/>
+                                  </p:stCondLst>
+                                  <p:childTnLst>
+                                    <p:set>
+                                      <p:cBhvr>
+                                        <p:cTn id="10" dur="1" fill="hold">
+                                          <p:stCondLst>
+                                            <p:cond delay="0"/>
+                                          </p:stCondLst>
+                                        </p:cTn>
+                                        <p:tgtEl>
+                                          <p:spTgt spid="6">
+                                            <p:txEl>
+                                              <p:pRg st="1" end="1"/>
+                                            </p:txEl>
+                                          </p:spTgt>
+                                        </p:tgtEl>
+                                        <p:attrNameLst>
+                                          <p:attrName>style.visibility</p:attrName>
+                                        </p:attrNameLst>
+                                      </p:cBhvr>
+                                      <p:to>
+                                        <p:strVal val="visible"/>
+                                      </p:to>
+                                    </p:set>
+                                  </p:childTnLst>
+                                </p:cTn>
+                              </p:par>
+                            </p:childTnLst>
+                          </p:cTn>
+                        </p:par>
+                      </p:childTnLst>
+                    </p:cTn>
+                  </p:par>
+                  <p:par>
+                    <p:cTn id="11" fill="hold">
+                      <p:stCondLst>
+                        <p:cond delay="indefinite"/>
+                      </p:stCondLst>
+                      <p:childTnLst>
+                        <p:par>
+                          <p:cTn id="12" fill="hold">
+                            <p:stCondLst>
+                              <p:cond delay="0"/>
+                            </p:stCondLst>
+                            <p:childTnLst>
+                              <p:par>
+                                <p:cTn id="13" presetID="1" presetClass="entr" presetSubtype="0" fill="hold" nodeType="clickEffect">
+                                  <p:stCondLst>
+                                    <p:cond delay="0"/>
+                                  </p:stCondLst>
+                                  <p:childTnLst>
+                                    <p:set>
+                                      <p:cBhvr>
+                                        <p:cTn id="14" dur="1" fill="hold">
+                                          <p:stCondLst>
+                                            <p:cond delay="0"/>
+                                          </p:stCondLst>
+                                        </p:cTn>
+                                        <p:tgtEl>
+                                          <p:spTgt spid="6">
+                                            <p:txEl>
+                                              <p:pRg st="2" end="2"/>
+                                            </p:txEl>
+                                          </p:spTgt>
+                                        </p:tgtEl>
+                                        <p:attrNameLst>
+                                          <p:attrName>style.visibility</p:attrName>
+                                        </p:attrNameLst>
+                                      </p:cBhvr>
+                                      <p:to>
+                                        <p:strVal val="visible"/>
+                                      </p:to>
+                                    </p:set>
+                                  </p:childTnLst>
+                                </p:cTn>
+                              </p:par>
+                            </p:childTnLst>
+                          </p:cTn>
+                        </p:par>
+                      </p:childTnLst>
+                    </p:cTn>
+                  </p:par>
+                  <p:par>
+                    <p:cTn id="15" fill="hold">
+                      <p:stCondLst>
+                        <p:cond delay="indefinite"/>
+                      </p:stCondLst>
+                      <p:childTnLst>
+                        <p:par>
+                          <p:cTn id="16" fill="hold">
+                            <p:stCondLst>
+                              <p:cond delay="0"/>
+                            </p:stCondLst>
+                            <p:childTnLst>
+                              <p:par>
+                                <p:cTn id="17" presetID="1" presetClass="entr" presetSubtype="0" fill="hold" nodeType="clickEffect">
+                                  <p:stCondLst>
+                                    <p:cond delay="0"/>
+                                  </p:stCondLst>
+                                  <p:childTnLst>
+                                    <p:set>
+                                      <p:cBhvr>
+                                        <p:cTn id="18" dur="1" fill="hold">
+                                          <p:stCondLst>
+                                            <p:cond delay="0"/>
+                                          </p:stCondLst>
+                                        </p:cTn>
+                                        <p:tgtEl>
+                                          <p:spTgt spid="6">
+                                            <p:txEl>
+                                              <p:pRg st="3" end="3"/>
+                                            </p:txEl>
+                                          </p:spTgt>
+                                        </p:tgtEl>
+                                        <p:attrNameLst>
+                                          <p:attrName>style.visibility</p:attrName>
+                                        </p:attrNameLst>
+                                      </p:cBhvr>
+                                      <p:to>
+                                        <p:strVal val="visible"/>
+                                      </p:to>
+                                    </p:set>
+                                  </p:childTnLst>
+                                </p:cTn>
+                              </p:par>
+                            </p:childTnLst>
+                          </p:cTn>
+                        </p:par>
+                      </p:childTnLst>
+                    </p:cTn>
+                  </p:par>
+                </p:childTnLst>
+              </p:cTn>
+              <p:prevCondLst>
+                <p:cond evt="onPrev" delay="0">
+                  <p:tgtEl>
+                    <p:sldTgt/>
+                  </p:tgtEl>
+                </p:cond>
+              </p:prevCondLst>
+              <p:nextCondLst>
+                <p:cond evt="onNext" delay="0">
+                  <p:tgtEl>
+                    <p:sldTgt/>
+                  </p:tgtEl>
+                </p:cond>
+              </p:nextCondLst>
+            </p:seq>
+          </p:childTnLst>
+        </p:cTn>
+      </p:par>
+    </p:tnLst>
+  </p:timing>
 </p:sld>
 </file>
 
@@ -14261,6 +16361,21 @@
               <a:buFont typeface="Arial" panose="020B0604020202020204" pitchFamily="34" charset="0"/>
               <a:buChar char="•"/>
             </a:pPr>
+            <a:r>
+              <a:rPr lang="zh-CN" altLang="en-US" dirty="0"/>
+              <a:t>主问题：如何使训练收敛？</a:t>
+            </a:r>
+            <a:endParaRPr lang="en-US" altLang="zh-CN" dirty="0"/>
+          </a:p>
+          <a:p>
+            <a:pPr marL="285750" indent="-285750">
+              <a:buFont typeface="Arial" panose="020B0604020202020204" pitchFamily="34" charset="0"/>
+              <a:buChar char="•"/>
+            </a:pPr>
+            <a:r>
+              <a:rPr lang="zh-CN" altLang="en-US" dirty="0"/>
+              <a:t>任务：恢复梯度检查</a:t>
+            </a:r>
             <a:endParaRPr lang="en-US" altLang="zh-CN" dirty="0"/>
           </a:p>
         </p:txBody>
@@ -14646,6 +16761,104 @@
                       </p:childTnLst>
                     </p:cTn>
                   </p:par>
+                  <p:par>
+                    <p:cTn id="31" fill="hold">
+                      <p:stCondLst>
+                        <p:cond delay="indefinite"/>
+                      </p:stCondLst>
+                      <p:childTnLst>
+                        <p:par>
+                          <p:cTn id="32" fill="hold">
+                            <p:stCondLst>
+                              <p:cond delay="0"/>
+                            </p:stCondLst>
+                            <p:childTnLst>
+                              <p:par>
+                                <p:cTn id="33" presetID="1" presetClass="entr" presetSubtype="0" fill="hold" grpId="0" nodeType="clickEffect">
+                                  <p:stCondLst>
+                                    <p:cond delay="0"/>
+                                  </p:stCondLst>
+                                  <p:childTnLst>
+                                    <p:set>
+                                      <p:cBhvr>
+                                        <p:cTn id="34" dur="1" fill="hold">
+                                          <p:stCondLst>
+                                            <p:cond delay="0"/>
+                                          </p:stCondLst>
+                                        </p:cTn>
+                                        <p:tgtEl>
+                                          <p:spTgt spid="2">
+                                            <p:txEl>
+                                              <p:pRg st="7" end="7"/>
+                                            </p:txEl>
+                                          </p:spTgt>
+                                        </p:tgtEl>
+                                        <p:attrNameLst>
+                                          <p:attrName>style.visibility</p:attrName>
+                                        </p:attrNameLst>
+                                      </p:cBhvr>
+                                      <p:to>
+                                        <p:strVal val="visible"/>
+                                      </p:to>
+                                    </p:set>
+                                  </p:childTnLst>
+                                </p:cTn>
+                              </p:par>
+                            </p:childTnLst>
+                          </p:cTn>
+                        </p:par>
+                      </p:childTnLst>
+                    </p:cTn>
+                  </p:par>
+                  <p:par>
+                    <p:cTn id="35" fill="hold">
+                      <p:stCondLst>
+                        <p:cond delay="indefinite"/>
+                      </p:stCondLst>
+                      <p:childTnLst>
+                        <p:par>
+                          <p:cTn id="36" fill="hold">
+                            <p:stCondLst>
+                              <p:cond delay="0"/>
+                            </p:stCondLst>
+                            <p:childTnLst>
+                              <p:par>
+                                <p:cTn id="37" presetID="1" presetClass="entr" presetSubtype="0" fill="hold" grpId="0" nodeType="clickEffect">
+                                  <p:stCondLst>
+                                    <p:cond delay="0"/>
+                                  </p:stCondLst>
+                                  <p:childTnLst>
+                                    <p:set>
+                                      <p:cBhvr>
+                                        <p:cTn id="38" dur="1" fill="hold">
+                                          <p:stCondLst>
+                                            <p:cond delay="0"/>
+                                          </p:stCondLst>
+                                        </p:cTn>
+                                        <p:tgtEl>
+                                          <p:spTgt spid="2">
+                                            <p:txEl>
+                                              <p:pRg st="8" end="8"/>
+                                            </p:txEl>
+                                          </p:spTgt>
+                                        </p:tgtEl>
+                                        <p:attrNameLst>
+                                          <p:attrName>style.visibility</p:attrName>
+                                        </p:attrNameLst>
+                                      </p:cBhvr>
+                                      <p:to>
+                                        <p:strVal val="visible"/>
+                                      </p:to>
+                                    </p:set>
+                                  </p:childTnLst>
+                                </p:cTn>
+                              </p:par>
+                            </p:childTnLst>
+                          </p:cTn>
+                        </p:par>
+                      </p:childTnLst>
+                    </p:cTn>
+                  </p:par>
                 </p:childTnLst>
               </p:cTn>
               <p:prevCondLst>
@@ -14693,6 +16906,574 @@
       </p:grpSpPr>
       <p:sp>
         <p:nvSpPr>
+          <p:cNvPr id="3" name="标题 2"/>
+          <p:cNvSpPr>
+            <a:spLocks noGrp="1"/>
+          </p:cNvSpPr>
+          <p:nvPr>
+            <p:ph type="title"/>
+          </p:nvPr>
+        </p:nvSpPr>
+        <p:spPr/>
+        <p:txBody>
+          <a:bodyPr/>
+          <a:lstStyle/>
+          <a:p>
+            <a:r>
+              <a:rPr lang="zh-CN" altLang="en-US" dirty="0"/>
+              <a:t>结学</a:t>
+            </a:r>
+            <a:endParaRPr dirty="0">
+              <a:sym typeface="+mn-ea"/>
+            </a:endParaRPr>
+          </a:p>
+        </p:txBody>
+      </p:sp>
+      <p:sp>
+        <p:nvSpPr>
+          <p:cNvPr id="6" name="文本占位符 1">
+            <a:extLst>
+              <a:ext uri="{FF2B5EF4-FFF2-40B4-BE49-F238E27FC236}">
+                <a16:creationId xmlns:a16="http://schemas.microsoft.com/office/drawing/2014/main" id="{BA88068A-4FDC-6963-46A5-ADEC46CDA15E}"/>
+              </a:ext>
+            </a:extLst>
+          </p:cNvPr>
+          <p:cNvSpPr txBox="1">
+            <a:spLocks/>
+          </p:cNvSpPr>
+          <p:nvPr/>
+        </p:nvSpPr>
+        <p:spPr>
+          <a:xfrm>
+            <a:off x="822325" y="1778635"/>
+            <a:ext cx="10852150" cy="4553585"/>
+          </a:xfrm>
+        </p:spPr>
+        <p:txBody>
+          <a:bodyPr lIns="101600" tIns="38100" rIns="76200" bIns="38100">
+            <a:noAutofit/>
+          </a:bodyPr>
+          <a:lstStyle>
+            <a:lvl1pPr marL="0" indent="0" algn="l" defTabSz="914400" rtl="0" eaLnBrk="1" fontAlgn="auto" latinLnBrk="0" hangingPunct="1">
+              <a:lnSpc>
+                <a:spcPct val="130000"/>
+              </a:lnSpc>
+              <a:spcBef>
+                <a:spcPts val="0"/>
+              </a:spcBef>
+              <a:spcAft>
+                <a:spcPts val="1000"/>
+              </a:spcAft>
+              <a:buFont typeface="Arial" panose="020B0604020202020204" pitchFamily="34" charset="0"/>
+              <a:buNone/>
+              <a:defRPr kumimoji="0" lang="zh-CN" altLang="en-US" sz="1600" b="0" i="0" u="none" strike="noStrike" kern="1200" cap="none" spc="150" normalizeH="0" baseline="0" noProof="1">
+                <a:solidFill>
+                  <a:schemeClr val="tx1"/>
+                </a:solidFill>
+                <a:uFillTx/>
+                <a:latin typeface="+mn-lt"/>
+                <a:ea typeface="+mn-ea"/>
+                <a:cs typeface="+mn-cs"/>
+                <a:sym typeface="+mn-ea"/>
+              </a:defRPr>
+            </a:lvl1pPr>
+            <a:lvl2pPr marL="457200" indent="0" algn="l" defTabSz="914400" rtl="0" eaLnBrk="1" fontAlgn="auto" latinLnBrk="0" hangingPunct="1">
+              <a:lnSpc>
+                <a:spcPct val="130000"/>
+              </a:lnSpc>
+              <a:spcBef>
+                <a:spcPts val="0"/>
+              </a:spcBef>
+              <a:spcAft>
+                <a:spcPts val="1000"/>
+              </a:spcAft>
+              <a:buFont typeface="Arial" panose="020B0604020202020204" pitchFamily="34" charset="0"/>
+              <a:buNone/>
+              <a:tabLst>
+                <a:tab pos="1609725" algn="l"/>
+              </a:tabLst>
+              <a:defRPr sz="2000" u="none" strike="noStrike" kern="1200" cap="none" spc="150" normalizeH="0" baseline="0">
+                <a:solidFill>
+                  <a:schemeClr val="tx1">
+                    <a:tint val="75000"/>
+                  </a:schemeClr>
+                </a:solidFill>
+                <a:uFillTx/>
+                <a:latin typeface="+mn-lt"/>
+                <a:ea typeface="+mn-ea"/>
+                <a:cs typeface="+mn-cs"/>
+              </a:defRPr>
+            </a:lvl2pPr>
+            <a:lvl3pPr marL="914400" indent="0" algn="l" defTabSz="914400" rtl="0" eaLnBrk="1" fontAlgn="auto" latinLnBrk="0" hangingPunct="1">
+              <a:lnSpc>
+                <a:spcPct val="130000"/>
+              </a:lnSpc>
+              <a:spcBef>
+                <a:spcPts val="0"/>
+              </a:spcBef>
+              <a:spcAft>
+                <a:spcPts val="1000"/>
+              </a:spcAft>
+              <a:buFont typeface="Arial" panose="020B0604020202020204" pitchFamily="34" charset="0"/>
+              <a:buNone/>
+              <a:defRPr sz="1800" u="none" strike="noStrike" kern="1200" cap="none" spc="150" normalizeH="0" baseline="0">
+                <a:solidFill>
+                  <a:schemeClr val="tx1">
+                    <a:tint val="75000"/>
+                  </a:schemeClr>
+                </a:solidFill>
+                <a:uFillTx/>
+                <a:latin typeface="+mn-lt"/>
+                <a:ea typeface="+mn-ea"/>
+                <a:cs typeface="+mn-cs"/>
+              </a:defRPr>
+            </a:lvl3pPr>
+            <a:lvl4pPr marL="1371600" indent="0" algn="l" defTabSz="914400" rtl="0" eaLnBrk="1" fontAlgn="auto" latinLnBrk="0" hangingPunct="1">
+              <a:lnSpc>
+                <a:spcPct val="130000"/>
+              </a:lnSpc>
+              <a:spcBef>
+                <a:spcPts val="0"/>
+              </a:spcBef>
+              <a:spcAft>
+                <a:spcPts val="1000"/>
+              </a:spcAft>
+              <a:buFont typeface="Arial" panose="020B0604020202020204" pitchFamily="34" charset="0"/>
+              <a:buNone/>
+              <a:defRPr sz="1600" u="none" strike="noStrike" kern="1200" cap="none" spc="150" normalizeH="0" baseline="0">
+                <a:solidFill>
+                  <a:schemeClr val="tx1">
+                    <a:tint val="75000"/>
+                  </a:schemeClr>
+                </a:solidFill>
+                <a:uFillTx/>
+                <a:latin typeface="+mn-lt"/>
+                <a:ea typeface="+mn-ea"/>
+                <a:cs typeface="+mn-cs"/>
+              </a:defRPr>
+            </a:lvl4pPr>
+            <a:lvl5pPr marL="1828800" indent="0" algn="l" defTabSz="914400" rtl="0" eaLnBrk="1" fontAlgn="auto" latinLnBrk="0" hangingPunct="1">
+              <a:lnSpc>
+                <a:spcPct val="130000"/>
+              </a:lnSpc>
+              <a:spcBef>
+                <a:spcPts val="0"/>
+              </a:spcBef>
+              <a:spcAft>
+                <a:spcPts val="1000"/>
+              </a:spcAft>
+              <a:buFont typeface="Arial" panose="020B0604020202020204" pitchFamily="34" charset="0"/>
+              <a:buNone/>
+              <a:defRPr sz="1600" u="none" strike="noStrike" kern="1200" cap="none" spc="150" normalizeH="0" baseline="0">
+                <a:solidFill>
+                  <a:schemeClr val="tx1">
+                    <a:tint val="75000"/>
+                  </a:schemeClr>
+                </a:solidFill>
+                <a:uFillTx/>
+                <a:latin typeface="+mn-lt"/>
+                <a:ea typeface="+mn-ea"/>
+                <a:cs typeface="+mn-cs"/>
+              </a:defRPr>
+            </a:lvl5pPr>
+            <a:lvl6pPr marL="2286000" indent="0" algn="l" defTabSz="914400" rtl="0" eaLnBrk="1" latinLnBrk="0" hangingPunct="1">
+              <a:lnSpc>
+                <a:spcPct val="90000"/>
+              </a:lnSpc>
+              <a:spcBef>
+                <a:spcPts val="500"/>
+              </a:spcBef>
+              <a:buFont typeface="Arial" panose="020B0604020202020204" pitchFamily="34" charset="0"/>
+              <a:buNone/>
+              <a:defRPr sz="1600" kern="1200">
+                <a:solidFill>
+                  <a:schemeClr val="tx1">
+                    <a:tint val="75000"/>
+                  </a:schemeClr>
+                </a:solidFill>
+                <a:latin typeface="+mn-lt"/>
+                <a:ea typeface="+mn-ea"/>
+                <a:cs typeface="+mn-cs"/>
+              </a:defRPr>
+            </a:lvl6pPr>
+            <a:lvl7pPr marL="2743200" indent="0" algn="l" defTabSz="914400" rtl="0" eaLnBrk="1" latinLnBrk="0" hangingPunct="1">
+              <a:lnSpc>
+                <a:spcPct val="90000"/>
+              </a:lnSpc>
+              <a:spcBef>
+                <a:spcPts val="500"/>
+              </a:spcBef>
+              <a:buFont typeface="Arial" panose="020B0604020202020204" pitchFamily="34" charset="0"/>
+              <a:buNone/>
+              <a:defRPr sz="1600" kern="1200">
+                <a:solidFill>
+                  <a:schemeClr val="tx1">
+                    <a:tint val="75000"/>
+                  </a:schemeClr>
+                </a:solidFill>
+                <a:latin typeface="+mn-lt"/>
+                <a:ea typeface="+mn-ea"/>
+                <a:cs typeface="+mn-cs"/>
+              </a:defRPr>
+            </a:lvl7pPr>
+            <a:lvl8pPr marL="3200400" indent="0" algn="l" defTabSz="914400" rtl="0" eaLnBrk="1" latinLnBrk="0" hangingPunct="1">
+              <a:lnSpc>
+                <a:spcPct val="90000"/>
+              </a:lnSpc>
+              <a:spcBef>
+                <a:spcPts val="500"/>
+              </a:spcBef>
+              <a:buFont typeface="Arial" panose="020B0604020202020204" pitchFamily="34" charset="0"/>
+              <a:buNone/>
+              <a:defRPr sz="1600" kern="1200">
+                <a:solidFill>
+                  <a:schemeClr val="tx1">
+                    <a:tint val="75000"/>
+                  </a:schemeClr>
+                </a:solidFill>
+                <a:latin typeface="+mn-lt"/>
+                <a:ea typeface="+mn-ea"/>
+                <a:cs typeface="+mn-cs"/>
+              </a:defRPr>
+            </a:lvl8pPr>
+            <a:lvl9pPr marL="3657600" indent="0" algn="l" defTabSz="914400" rtl="0" eaLnBrk="1" latinLnBrk="0" hangingPunct="1">
+              <a:lnSpc>
+                <a:spcPct val="90000"/>
+              </a:lnSpc>
+              <a:spcBef>
+                <a:spcPts val="500"/>
+              </a:spcBef>
+              <a:buFont typeface="Arial" panose="020B0604020202020204" pitchFamily="34" charset="0"/>
+              <a:buNone/>
+              <a:defRPr sz="1600" kern="1200">
+                <a:solidFill>
+                  <a:schemeClr val="tx1">
+                    <a:tint val="75000"/>
+                  </a:schemeClr>
+                </a:solidFill>
+                <a:latin typeface="+mn-lt"/>
+                <a:ea typeface="+mn-ea"/>
+                <a:cs typeface="+mn-cs"/>
+              </a:defRPr>
+            </a:lvl9pPr>
+          </a:lstStyle>
+          <a:p>
+            <a:pPr marL="285750" indent="-285750">
+              <a:buFont typeface="Arial" panose="020B0604020202020204" pitchFamily="34" charset="0"/>
+              <a:buChar char="•"/>
+            </a:pPr>
+            <a:r>
+              <a:rPr lang="zh-CN" altLang="en-US" dirty="0"/>
+              <a:t>什么现象属于过拟合？</a:t>
+            </a:r>
+            <a:endParaRPr lang="en-US" altLang="zh-CN" dirty="0"/>
+          </a:p>
+          <a:p>
+            <a:pPr marL="285750" indent="-285750">
+              <a:buFont typeface="Arial" panose="020B0604020202020204" pitchFamily="34" charset="0"/>
+              <a:buChar char="•"/>
+            </a:pPr>
+            <a:r>
+              <a:rPr lang="zh-CN" altLang="en-US" dirty="0"/>
+              <a:t>如何解决过拟合？</a:t>
+            </a:r>
+            <a:endParaRPr lang="en-US" altLang="zh-CN" dirty="0"/>
+          </a:p>
+          <a:p>
+            <a:pPr marL="285750" indent="-285750">
+              <a:buFont typeface="Arial" panose="020B0604020202020204" pitchFamily="34" charset="0"/>
+              <a:buChar char="•"/>
+            </a:pPr>
+            <a:endParaRPr lang="en-US" altLang="zh-CN" dirty="0"/>
+          </a:p>
+          <a:p>
+            <a:pPr marL="285750" indent="-285750">
+              <a:buFont typeface="Arial" panose="020B0604020202020204" pitchFamily="34" charset="0"/>
+              <a:buChar char="•"/>
+            </a:pPr>
+            <a:r>
+              <a:rPr lang="zh-CN" altLang="en-US" dirty="0"/>
+              <a:t>自学、展学</a:t>
+            </a:r>
+          </a:p>
+          <a:p>
+            <a:pPr marL="285750" indent="-285750">
+              <a:buFont typeface="Arial" panose="020B0604020202020204" pitchFamily="34" charset="0"/>
+              <a:buChar char="•"/>
+            </a:pPr>
+            <a:endParaRPr lang="zh-CN" altLang="en-US" dirty="0"/>
+          </a:p>
+          <a:p>
+            <a:pPr marL="285750" indent="-285750">
+              <a:buFont typeface="Arial" panose="020B0604020202020204" pitchFamily="34" charset="0"/>
+              <a:buChar char="•"/>
+            </a:pPr>
+            <a:endParaRPr lang="en-US" altLang="zh-CN" dirty="0"/>
+          </a:p>
+          <a:p>
+            <a:pPr marL="285750" indent="-285750">
+              <a:buFont typeface="Arial" panose="020B0604020202020204" pitchFamily="34" charset="0"/>
+              <a:buChar char="•"/>
+            </a:pPr>
+            <a:endParaRPr lang="zh-CN" altLang="en-US" dirty="0"/>
+          </a:p>
+          <a:p>
+            <a:pPr marL="285750" indent="-285750">
+              <a:buFont typeface="Arial" panose="020B0604020202020204" pitchFamily="34" charset="0"/>
+              <a:buChar char="•"/>
+            </a:pPr>
+            <a:endParaRPr lang="zh-CN" altLang="en-US" dirty="0"/>
+          </a:p>
+          <a:p>
+            <a:pPr marL="285750" indent="-285750">
+              <a:buFont typeface="Arial" panose="020B0604020202020204" pitchFamily="34" charset="0"/>
+              <a:buChar char="•"/>
+            </a:pPr>
+            <a:endParaRPr lang="zh-CN" altLang="en-US" dirty="0"/>
+          </a:p>
+          <a:p>
+            <a:pPr marL="285750" indent="-285750">
+              <a:buFont typeface="Arial" panose="020B0604020202020204" pitchFamily="34" charset="0"/>
+              <a:buChar char="•"/>
+            </a:pPr>
+            <a:endParaRPr lang="zh-CN" altLang="en-US" dirty="0"/>
+          </a:p>
+          <a:p>
+            <a:pPr marL="285750" indent="-285750">
+              <a:buFont typeface="Arial" panose="020B0604020202020204" pitchFamily="34" charset="0"/>
+              <a:buChar char="•"/>
+            </a:pPr>
+            <a:endParaRPr lang="zh-CN" altLang="en-US" dirty="0"/>
+          </a:p>
+          <a:p>
+            <a:pPr marL="285750" indent="-285750">
+              <a:buFont typeface="Arial" panose="020B0604020202020204" pitchFamily="34" charset="0"/>
+              <a:buChar char="•"/>
+            </a:pPr>
+            <a:endParaRPr lang="zh-CN" altLang="en-US" dirty="0"/>
+          </a:p>
+          <a:p>
+            <a:pPr marL="285750" indent="-285750">
+              <a:buFont typeface="Arial" panose="020B0604020202020204" pitchFamily="34" charset="0"/>
+              <a:buChar char="•"/>
+            </a:pPr>
+            <a:endParaRPr lang="zh-CN" altLang="en-US" dirty="0"/>
+          </a:p>
+        </p:txBody>
+      </p:sp>
+    </p:spTree>
+    <p:custDataLst>
+      <p:tags r:id="rId1"/>
+    </p:custDataLst>
+    <p:extLst>
+      <p:ext uri="{BB962C8B-B14F-4D97-AF65-F5344CB8AC3E}">
+        <p14:creationId xmlns:p14="http://schemas.microsoft.com/office/powerpoint/2010/main" val="1026856484"/>
+      </p:ext>
+    </p:extLst>
+  </p:cSld>
+  <p:clrMapOvr>
+    <a:masterClrMapping/>
+  </p:clrMapOvr>
+  <p:timing>
+    <p:tnLst>
+      <p:par>
+        <p:cTn id="1" dur="indefinite" restart="never" nodeType="tmRoot">
+          <p:childTnLst>
+            <p:seq concurrent="1" nextAc="seek">
+              <p:cTn id="2" dur="indefinite" nodeType="mainSeq">
+                <p:childTnLst>
+                  <p:par>
+                    <p:cTn id="3" fill="hold">
+                      <p:stCondLst>
+                        <p:cond delay="indefinite"/>
+                      </p:stCondLst>
+                      <p:childTnLst>
+                        <p:par>
+                          <p:cTn id="4" fill="hold">
+                            <p:stCondLst>
+                              <p:cond delay="0"/>
+                            </p:stCondLst>
+                            <p:childTnLst>
+                              <p:par>
+                                <p:cTn id="5" presetID="1" presetClass="entr" presetSubtype="0" fill="hold" nodeType="clickEffect">
+                                  <p:stCondLst>
+                                    <p:cond delay="0"/>
+                                  </p:stCondLst>
+                                  <p:childTnLst>
+                                    <p:set>
+                                      <p:cBhvr>
+                                        <p:cTn id="6" dur="1" fill="hold">
+                                          <p:stCondLst>
+                                            <p:cond delay="0"/>
+                                          </p:stCondLst>
+                                        </p:cTn>
+                                        <p:tgtEl>
+                                          <p:spTgt spid="6">
+                                            <p:txEl>
+                                              <p:pRg st="0" end="0"/>
+                                            </p:txEl>
+                                          </p:spTgt>
+                                        </p:tgtEl>
+                                        <p:attrNameLst>
+                                          <p:attrName>style.visibility</p:attrName>
+                                        </p:attrNameLst>
+                                      </p:cBhvr>
+                                      <p:to>
+                                        <p:strVal val="visible"/>
+                                      </p:to>
+                                    </p:set>
+                                  </p:childTnLst>
+                                </p:cTn>
+                              </p:par>
+                            </p:childTnLst>
+                          </p:cTn>
+                        </p:par>
+                      </p:childTnLst>
+                    </p:cTn>
+                  </p:par>
+                  <p:par>
+                    <p:cTn id="7" fill="hold">
+                      <p:stCondLst>
+                        <p:cond delay="indefinite"/>
+                      </p:stCondLst>
+                      <p:childTnLst>
+                        <p:par>
+                          <p:cTn id="8" fill="hold">
+                            <p:stCondLst>
+                              <p:cond delay="0"/>
+                            </p:stCondLst>
+                            <p:childTnLst>
+                              <p:par>
+                                <p:cTn id="9" presetID="1" presetClass="entr" presetSubtype="0" fill="hold" nodeType="clickEffect">
+                                  <p:stCondLst>
+                                    <p:cond delay="0"/>
+                                  </p:stCondLst>
+                                  <p:childTnLst>
+                                    <p:set>
+                                      <p:cBhvr>
+                                        <p:cTn id="10" dur="1" fill="hold">
+                                          <p:stCondLst>
+                                            <p:cond delay="0"/>
+                                          </p:stCondLst>
+                                        </p:cTn>
+                                        <p:tgtEl>
+                                          <p:spTgt spid="6">
+                                            <p:txEl>
+                                              <p:pRg st="1" end="1"/>
+                                            </p:txEl>
+                                          </p:spTgt>
+                                        </p:tgtEl>
+                                        <p:attrNameLst>
+                                          <p:attrName>style.visibility</p:attrName>
+                                        </p:attrNameLst>
+                                      </p:cBhvr>
+                                      <p:to>
+                                        <p:strVal val="visible"/>
+                                      </p:to>
+                                    </p:set>
+                                  </p:childTnLst>
+                                </p:cTn>
+                              </p:par>
+                            </p:childTnLst>
+                          </p:cTn>
+                        </p:par>
+                      </p:childTnLst>
+                    </p:cTn>
+                  </p:par>
+                </p:childTnLst>
+              </p:cTn>
+              <p:prevCondLst>
+                <p:cond evt="onPrev" delay="0">
+                  <p:tgtEl>
+                    <p:sldTgt/>
+                  </p:tgtEl>
+                </p:cond>
+              </p:prevCondLst>
+              <p:nextCondLst>
+                <p:cond evt="onNext" delay="0">
+                  <p:tgtEl>
+                    <p:sldTgt/>
+                  </p:tgtEl>
+                </p:cond>
+              </p:nextCondLst>
+            </p:seq>
+          </p:childTnLst>
+        </p:cTn>
+      </p:par>
+    </p:tnLst>
+  </p:timing>
+</p:sld>
+</file>
+
+<file path=ppt/slides/slide31.xml><?xml version="1.0" encoding="utf-8"?>
+<p:sld xmlns:a="http://schemas.openxmlformats.org/drawingml/2006/main" xmlns:r="http://schemas.openxmlformats.org/officeDocument/2006/relationships" xmlns:p="http://schemas.openxmlformats.org/presentationml/2006/main">
+  <p:cSld>
+    <p:spTree>
+      <p:nvGrpSpPr>
+        <p:cNvPr id="1" name=""/>
+        <p:cNvGrpSpPr/>
+        <p:nvPr/>
+      </p:nvGrpSpPr>
+      <p:grpSpPr>
+        <a:xfrm>
+          <a:off x="0" y="0"/>
+          <a:ext cx="0" cy="0"/>
+          <a:chOff x="0" y="0"/>
+          <a:chExt cx="0" cy="0"/>
+        </a:xfrm>
+      </p:grpSpPr>
+      <p:sp>
+        <p:nvSpPr>
+          <p:cNvPr id="2" name="标题 1"/>
+          <p:cNvSpPr>
+            <a:spLocks noGrp="1"/>
+          </p:cNvSpPr>
+          <p:nvPr>
+            <p:ph type="title"/>
+          </p:nvPr>
+        </p:nvSpPr>
+        <p:spPr/>
+        <p:txBody>
+          <a:bodyPr/>
+          <a:lstStyle/>
+          <a:p>
+            <a:r>
+              <a:rPr lang="zh-CN" altLang="en-US"/>
+              <a:t>总结</a:t>
+            </a:r>
+          </a:p>
+        </p:txBody>
+      </p:sp>
+    </p:spTree>
+    <p:custDataLst>
+      <p:tags r:id="rId1"/>
+    </p:custDataLst>
+  </p:cSld>
+  <p:clrMapOvr>
+    <a:masterClrMapping/>
+  </p:clrMapOvr>
+</p:sld>
+</file>
+
+<file path=ppt/slides/slide32.xml><?xml version="1.0" encoding="utf-8"?>
+<p:sld xmlns:a="http://schemas.openxmlformats.org/drawingml/2006/main" xmlns:r="http://schemas.openxmlformats.org/officeDocument/2006/relationships" xmlns:p="http://schemas.openxmlformats.org/presentationml/2006/main">
+  <p:cSld>
+    <p:spTree>
+      <p:nvGrpSpPr>
+        <p:cNvPr id="1" name=""/>
+        <p:cNvGrpSpPr/>
+        <p:nvPr/>
+      </p:nvGrpSpPr>
+      <p:grpSpPr>
+        <a:xfrm>
+          <a:off x="0" y="0"/>
+          <a:ext cx="0" cy="0"/>
+          <a:chOff x="0" y="0"/>
+          <a:chExt cx="0" cy="0"/>
+        </a:xfrm>
+      </p:grpSpPr>
+      <p:sp>
+        <p:nvSpPr>
           <p:cNvPr id="2" name="文本占位符 1"/>
           <p:cNvSpPr>
             <a:spLocks noGrp="1"/>
@@ -14711,27 +17492,35 @@
               <a:buChar char="•"/>
             </a:pPr>
             <a:r>
-              <a:rPr lang="zh-CN" altLang="en-US" dirty="0">
-                <a:sym typeface="+mn-ea"/>
-                <a:hlinkClick r:id="rId3"/>
-              </a:rPr>
-              <a:t>零基础入门深度学习 </a:t>
-            </a:r>
-            <a:r>
-              <a:rPr lang="en-US" altLang="zh-CN" dirty="0">
-                <a:sym typeface="+mn-ea"/>
-                <a:hlinkClick r:id="rId3"/>
-              </a:rPr>
-              <a:t>| </a:t>
-            </a:r>
-            <a:r>
-              <a:rPr lang="zh-CN" altLang="en-US" dirty="0">
-                <a:sym typeface="+mn-ea"/>
-                <a:hlinkClick r:id="rId3"/>
-              </a:rPr>
-              <a:t>第三章：神经网络和反向传播算法</a:t>
-            </a:r>
-            <a:endParaRPr lang="en-US" altLang="zh-CN" dirty="0">
+              <a:rPr lang="en-US" dirty="0" err="1"/>
+              <a:t>请总结本节课的内容</a:t>
+            </a:r>
+            <a:r>
+              <a:rPr lang="zh-CN" altLang="en-US" dirty="0"/>
+              <a:t>？</a:t>
+            </a:r>
+            <a:endParaRPr lang="en-US" dirty="0"/>
+          </a:p>
+          <a:p>
+            <a:pPr marL="285750" indent="-285750">
+              <a:buFont typeface="Arial" panose="020B0604020202020204" pitchFamily="34" charset="0"/>
+              <a:buChar char="•"/>
+            </a:pPr>
+            <a:r>
+              <a:rPr lang="en-US" dirty="0" err="1"/>
+              <a:t>请回答所有主问题</a:t>
+            </a:r>
+            <a:r>
+              <a:rPr lang="zh-CN" altLang="en-US" dirty="0"/>
+              <a:t>？</a:t>
+            </a:r>
+            <a:endParaRPr lang="en-US" altLang="zh-CN" dirty="0"/>
+          </a:p>
+          <a:p>
+            <a:endParaRPr dirty="0">
+              <a:solidFill>
+                <a:schemeClr val="bg2"/>
+              </a:solidFill>
               <a:sym typeface="+mn-ea"/>
             </a:endParaRPr>
           </a:p>
@@ -14741,42 +17530,16 @@
               <a:buChar char="•"/>
             </a:pPr>
             <a:r>
-              <a:rPr lang="zh-CN" altLang="en-US" dirty="0">
-                <a:sym typeface="+mn-ea"/>
-                <a:hlinkClick r:id="rId4"/>
-              </a:rPr>
-              <a:t>机器学习笔记：训练集、验证集和测试集区别</a:t>
-            </a:r>
-            <a:endParaRPr lang="en-US" altLang="zh-CN" dirty="0">
-              <a:sym typeface="+mn-ea"/>
-            </a:endParaRPr>
-          </a:p>
-          <a:p>
-            <a:pPr marL="285750" indent="-285750">
-              <a:buFont typeface="Arial" panose="020B0604020202020204" pitchFamily="34" charset="0"/>
-              <a:buChar char="•"/>
-            </a:pPr>
-            <a:r>
-              <a:rPr lang="zh-CN" altLang="en-US" dirty="0">
-                <a:sym typeface="+mn-ea"/>
-                <a:hlinkClick r:id="rId5"/>
-              </a:rPr>
-              <a:t>数据集</a:t>
-            </a:r>
-            <a:r>
-              <a:rPr lang="en" dirty="0">
-                <a:sym typeface="+mn-ea"/>
-                <a:hlinkClick r:id="rId5"/>
-              </a:rPr>
-              <a:t>shuffle</a:t>
-            </a:r>
-            <a:r>
-              <a:rPr lang="zh-CN" altLang="en-US" dirty="0">
-                <a:sym typeface="+mn-ea"/>
-                <a:hlinkClick r:id="rId5"/>
-              </a:rPr>
-              <a:t>的重要性</a:t>
-            </a:r>
+              <a:rPr lang="zh-CN" altLang="en-US" dirty="0"/>
+              <a:t>自学、展学</a:t>
+            </a:r>
+            <a:endParaRPr lang="en-US" altLang="zh-CN" dirty="0"/>
+          </a:p>
+          <a:p>
+            <a:pPr marL="285750" indent="-285750">
+              <a:buFont typeface="Arial" panose="020B0604020202020204" pitchFamily="34" charset="0"/>
+              <a:buChar char="•"/>
+            </a:pPr>
             <a:endParaRPr dirty="0">
               <a:sym typeface="+mn-ea"/>
             </a:endParaRPr>
@@ -14799,8 +17562,8 @@
           <a:lstStyle/>
           <a:p>
             <a:r>
-              <a:rPr lang="zh-CN" altLang="en-US" dirty="0"/>
-              <a:t>参考资料</a:t>
+              <a:rPr lang="zh-CN" altLang="en-US"/>
+              <a:t>总结</a:t>
             </a:r>
           </a:p>
         </p:txBody>
@@ -14823,12 +17586,12 @@
           <a:graphicData uri="http://schemas.openxmlformats.org/presentationml/2006/ole">
             <mc:AlternateContent xmlns:mc="http://schemas.openxmlformats.org/markup-compatibility/2006">
               <mc:Choice xmlns:v="urn:schemas-microsoft-com:vml" Requires="v">
-                <p:oleObj r:id="rId6" imgW="914400" imgH="368300" progId="Equation.KSEE3">
+                <p:oleObj r:id="rId3" imgW="914400" imgH="368300" progId="Equation.KSEE3">
                   <p:embed/>
                 </p:oleObj>
               </mc:Choice>
               <mc:Fallback>
-                <p:oleObj r:id="rId6" imgW="914400" imgH="368300" progId="Equation.KSEE3">
+                <p:oleObj r:id="rId3" imgW="914400" imgH="368300" progId="Equation.KSEE3">
                   <p:embed/>
                   <p:pic>
                     <p:nvPicPr>
@@ -14839,7 +17602,425 @@
                       <p:nvPr/>
                     </p:nvPicPr>
                     <p:blipFill>
-                      <a:blip r:embed="rId7"/>
+                      <a:blip r:embed="rId4"/>
+                      <a:stretch>
+                        <a:fillRect/>
+                      </a:stretch>
+                    </p:blipFill>
+                    <p:spPr>
+                      <a:xfrm>
+                        <a:off x="5638800" y="3244850"/>
+                        <a:ext cx="914400" cy="368300"/>
+                      </a:xfrm>
+                      <a:prstGeom prst="rect">
+                        <a:avLst/>
+                      </a:prstGeom>
+                    </p:spPr>
+                  </p:pic>
+                </p:oleObj>
+              </mc:Fallback>
+            </mc:AlternateContent>
+          </a:graphicData>
+        </a:graphic>
+      </p:graphicFrame>
+    </p:spTree>
+    <p:custDataLst>
+      <p:tags r:id="rId1"/>
+    </p:custDataLst>
+  </p:cSld>
+  <p:clrMapOvr>
+    <a:masterClrMapping/>
+  </p:clrMapOvr>
+  <p:timing>
+    <p:tnLst>
+      <p:par>
+        <p:cTn id="1" dur="indefinite" restart="never" nodeType="tmRoot">
+          <p:childTnLst>
+            <p:seq concurrent="1" nextAc="seek">
+              <p:cTn id="2" dur="indefinite" nodeType="mainSeq">
+                <p:childTnLst>
+                  <p:par>
+                    <p:cTn id="3" fill="hold">
+                      <p:stCondLst>
+                        <p:cond delay="indefinite"/>
+                      </p:stCondLst>
+                      <p:childTnLst>
+                        <p:par>
+                          <p:cTn id="4" fill="hold">
+                            <p:stCondLst>
+                              <p:cond delay="0"/>
+                            </p:stCondLst>
+                            <p:childTnLst>
+                              <p:par>
+                                <p:cTn id="5" presetID="1" presetClass="entr" presetSubtype="0" fill="hold" grpId="0" nodeType="clickEffect">
+                                  <p:stCondLst>
+                                    <p:cond delay="0"/>
+                                  </p:stCondLst>
+                                  <p:childTnLst>
+                                    <p:set>
+                                      <p:cBhvr>
+                                        <p:cTn id="6" dur="1" fill="hold">
+                                          <p:stCondLst>
+                                            <p:cond delay="0"/>
+                                          </p:stCondLst>
+                                        </p:cTn>
+                                        <p:tgtEl>
+                                          <p:spTgt spid="2">
+                                            <p:txEl>
+                                              <p:pRg st="0" end="0"/>
+                                            </p:txEl>
+                                          </p:spTgt>
+                                        </p:tgtEl>
+                                        <p:attrNameLst>
+                                          <p:attrName>style.visibility</p:attrName>
+                                        </p:attrNameLst>
+                                      </p:cBhvr>
+                                      <p:to>
+                                        <p:strVal val="visible"/>
+                                      </p:to>
+                                    </p:set>
+                                  </p:childTnLst>
+                                </p:cTn>
+                              </p:par>
+                            </p:childTnLst>
+                          </p:cTn>
+                        </p:par>
+                      </p:childTnLst>
+                    </p:cTn>
+                  </p:par>
+                  <p:par>
+                    <p:cTn id="7" fill="hold">
+                      <p:stCondLst>
+                        <p:cond delay="indefinite"/>
+                      </p:stCondLst>
+                      <p:childTnLst>
+                        <p:par>
+                          <p:cTn id="8" fill="hold">
+                            <p:stCondLst>
+                              <p:cond delay="0"/>
+                            </p:stCondLst>
+                            <p:childTnLst>
+                              <p:par>
+                                <p:cTn id="9" presetID="1" presetClass="entr" presetSubtype="0" fill="hold" grpId="0" nodeType="clickEffect">
+                                  <p:stCondLst>
+                                    <p:cond delay="0"/>
+                                  </p:stCondLst>
+                                  <p:childTnLst>
+                                    <p:set>
+                                      <p:cBhvr>
+                                        <p:cTn id="10" dur="1" fill="hold">
+                                          <p:stCondLst>
+                                            <p:cond delay="0"/>
+                                          </p:stCondLst>
+                                        </p:cTn>
+                                        <p:tgtEl>
+                                          <p:spTgt spid="2">
+                                            <p:txEl>
+                                              <p:pRg st="1" end="1"/>
+                                            </p:txEl>
+                                          </p:spTgt>
+                                        </p:tgtEl>
+                                        <p:attrNameLst>
+                                          <p:attrName>style.visibility</p:attrName>
+                                        </p:attrNameLst>
+                                      </p:cBhvr>
+                                      <p:to>
+                                        <p:strVal val="visible"/>
+                                      </p:to>
+                                    </p:set>
+                                  </p:childTnLst>
+                                </p:cTn>
+                              </p:par>
+                            </p:childTnLst>
+                          </p:cTn>
+                        </p:par>
+                      </p:childTnLst>
+                    </p:cTn>
+                  </p:par>
+                </p:childTnLst>
+              </p:cTn>
+              <p:prevCondLst>
+                <p:cond evt="onPrev" delay="0">
+                  <p:tgtEl>
+                    <p:sldTgt/>
+                  </p:tgtEl>
+                </p:cond>
+              </p:prevCondLst>
+              <p:nextCondLst>
+                <p:cond evt="onNext" delay="0">
+                  <p:tgtEl>
+                    <p:sldTgt/>
+                  </p:tgtEl>
+                </p:cond>
+              </p:nextCondLst>
+            </p:seq>
+          </p:childTnLst>
+        </p:cTn>
+      </p:par>
+    </p:tnLst>
+    <p:bldLst>
+      <p:bldP spid="2" grpId="0" uiExpand="1" build="p"/>
+    </p:bldLst>
+  </p:timing>
+</p:sld>
+</file>
+
+<file path=ppt/slides/slide33.xml><?xml version="1.0" encoding="utf-8"?>
+<p:sld xmlns:a="http://schemas.openxmlformats.org/drawingml/2006/main" xmlns:r="http://schemas.openxmlformats.org/officeDocument/2006/relationships" xmlns:p="http://schemas.openxmlformats.org/presentationml/2006/main">
+  <p:cSld>
+    <p:spTree>
+      <p:nvGrpSpPr>
+        <p:cNvPr id="1" name=""/>
+        <p:cNvGrpSpPr/>
+        <p:nvPr/>
+      </p:nvGrpSpPr>
+      <p:grpSpPr>
+        <a:xfrm>
+          <a:off x="0" y="0"/>
+          <a:ext cx="0" cy="0"/>
+          <a:chOff x="0" y="0"/>
+          <a:chExt cx="0" cy="0"/>
+        </a:xfrm>
+      </p:grpSpPr>
+      <p:sp>
+        <p:nvSpPr>
+          <p:cNvPr id="2" name="文本占位符 1"/>
+          <p:cNvSpPr>
+            <a:spLocks noGrp="1"/>
+          </p:cNvSpPr>
+          <p:nvPr>
+            <p:ph type="body" idx="1"/>
+          </p:nvPr>
+        </p:nvSpPr>
+        <p:spPr/>
+        <p:txBody>
+          <a:bodyPr/>
+          <a:lstStyle/>
+          <a:p>
+            <a:pPr marL="285750" indent="-285750">
+              <a:buFont typeface="Arial" panose="020B0604020202020204" pitchFamily="34" charset="0"/>
+              <a:buChar char="•"/>
+            </a:pPr>
+            <a:r>
+              <a:rPr lang="zh-CN" altLang="en-US" dirty="0">
+                <a:sym typeface="+mn-ea"/>
+                <a:hlinkClick r:id="rId3"/>
+              </a:rPr>
+              <a:t>零基础入门深度学习 </a:t>
+            </a:r>
+            <a:r>
+              <a:rPr lang="en-US" altLang="zh-CN" dirty="0">
+                <a:sym typeface="+mn-ea"/>
+                <a:hlinkClick r:id="rId3"/>
+              </a:rPr>
+              <a:t>| </a:t>
+            </a:r>
+            <a:r>
+              <a:rPr lang="zh-CN" altLang="en-US" dirty="0">
+                <a:sym typeface="+mn-ea"/>
+                <a:hlinkClick r:id="rId3"/>
+              </a:rPr>
+              <a:t>第三章：神经网络和反向传播算法</a:t>
+            </a:r>
+            <a:endParaRPr lang="en-US" altLang="zh-CN" dirty="0">
+              <a:sym typeface="+mn-ea"/>
+            </a:endParaRPr>
+          </a:p>
+          <a:p>
+            <a:pPr marL="285750" indent="-285750">
+              <a:buFont typeface="Arial" panose="020B0604020202020204" pitchFamily="34" charset="0"/>
+              <a:buChar char="•"/>
+            </a:pPr>
+            <a:r>
+              <a:rPr lang="zh-CN" altLang="en-US" dirty="0">
+                <a:sym typeface="+mn-ea"/>
+                <a:hlinkClick r:id="rId4"/>
+              </a:rPr>
+              <a:t>机器学习笔记：训练集、验证集和测试集区别</a:t>
+            </a:r>
+            <a:endParaRPr lang="en-US" altLang="zh-CN" dirty="0">
+              <a:sym typeface="+mn-ea"/>
+            </a:endParaRPr>
+          </a:p>
+          <a:p>
+            <a:pPr marL="285750" indent="-285750">
+              <a:buFont typeface="Arial" panose="020B0604020202020204" pitchFamily="34" charset="0"/>
+              <a:buChar char="•"/>
+            </a:pPr>
+            <a:r>
+              <a:rPr lang="zh-CN" altLang="en-US" dirty="0">
+                <a:sym typeface="+mn-ea"/>
+                <a:hlinkClick r:id="rId5"/>
+              </a:rPr>
+              <a:t>过拟合（定义、出现的原因</a:t>
+            </a:r>
+            <a:r>
+              <a:rPr lang="en-US" altLang="zh-CN" dirty="0">
+                <a:sym typeface="+mn-ea"/>
+                <a:hlinkClick r:id="rId5"/>
+              </a:rPr>
+              <a:t>4</a:t>
+            </a:r>
+            <a:r>
+              <a:rPr lang="zh-CN" altLang="en-US" dirty="0">
+                <a:sym typeface="+mn-ea"/>
+                <a:hlinkClick r:id="rId5"/>
+              </a:rPr>
+              <a:t>种、解决方案</a:t>
+            </a:r>
+            <a:r>
+              <a:rPr lang="en-US" altLang="zh-CN" dirty="0">
+                <a:sym typeface="+mn-ea"/>
+                <a:hlinkClick r:id="rId5"/>
+              </a:rPr>
+              <a:t>7</a:t>
+            </a:r>
+            <a:r>
+              <a:rPr lang="zh-CN" altLang="en-US" dirty="0">
+                <a:sym typeface="+mn-ea"/>
+                <a:hlinkClick r:id="rId5"/>
+              </a:rPr>
+              <a:t>种）</a:t>
+            </a:r>
+            <a:endParaRPr lang="en-US" altLang="zh-CN" dirty="0">
+              <a:sym typeface="+mn-ea"/>
+            </a:endParaRPr>
+          </a:p>
+          <a:p>
+            <a:pPr marL="285750" indent="-285750">
+              <a:buFont typeface="Arial" panose="020B0604020202020204" pitchFamily="34" charset="0"/>
+              <a:buChar char="•"/>
+            </a:pPr>
+            <a:r>
+              <a:rPr lang="zh-CN" altLang="en-US" dirty="0">
+                <a:sym typeface="+mn-ea"/>
+                <a:hlinkClick r:id="rId6"/>
+              </a:rPr>
+              <a:t>欠拟合、过拟合及如何防止过拟合</a:t>
+            </a:r>
+            <a:endParaRPr lang="en-US" altLang="zh-CN" dirty="0">
+              <a:sym typeface="+mn-ea"/>
+            </a:endParaRPr>
+          </a:p>
+          <a:p>
+            <a:pPr marL="285750" indent="-285750">
+              <a:buFont typeface="Arial" panose="020B0604020202020204" pitchFamily="34" charset="0"/>
+              <a:buChar char="•"/>
+            </a:pPr>
+            <a:r>
+              <a:rPr lang="zh-CN" altLang="en-US" dirty="0">
+                <a:sym typeface="+mn-ea"/>
+                <a:hlinkClick r:id="rId7"/>
+              </a:rPr>
+              <a:t>机器学习，深度学习模型训练阶段的</a:t>
+            </a:r>
+            <a:r>
+              <a:rPr lang="en-US" altLang="zh-CN" dirty="0">
+                <a:sym typeface="+mn-ea"/>
+                <a:hlinkClick r:id="rId7"/>
+              </a:rPr>
+              <a:t>Shuffle</a:t>
+            </a:r>
+            <a:r>
+              <a:rPr lang="zh-CN" altLang="en-US" dirty="0">
+                <a:sym typeface="+mn-ea"/>
+                <a:hlinkClick r:id="rId7"/>
+              </a:rPr>
+              <a:t>重要么？为什么？</a:t>
+            </a:r>
+            <a:endParaRPr lang="en-US" altLang="zh-CN" dirty="0">
+              <a:sym typeface="+mn-ea"/>
+            </a:endParaRPr>
+          </a:p>
+          <a:p>
+            <a:pPr marL="285750" indent="-285750">
+              <a:buFont typeface="Arial" panose="020B0604020202020204" pitchFamily="34" charset="0"/>
+              <a:buChar char="•"/>
+            </a:pPr>
+            <a:r>
+              <a:rPr lang="zh-CN" altLang="en-US" dirty="0">
+                <a:sym typeface="+mn-ea"/>
+                <a:hlinkClick r:id="rId8"/>
+              </a:rPr>
+              <a:t>数据集</a:t>
+            </a:r>
+            <a:r>
+              <a:rPr lang="en" dirty="0">
+                <a:sym typeface="+mn-ea"/>
+                <a:hlinkClick r:id="rId8"/>
+              </a:rPr>
+              <a:t>shuffle</a:t>
+            </a:r>
+            <a:r>
+              <a:rPr lang="zh-CN" altLang="en-US" dirty="0">
+                <a:sym typeface="+mn-ea"/>
+                <a:hlinkClick r:id="rId8"/>
+              </a:rPr>
+              <a:t>的重要性</a:t>
+            </a:r>
+            <a:endParaRPr dirty="0">
+              <a:sym typeface="+mn-ea"/>
+            </a:endParaRPr>
+          </a:p>
+        </p:txBody>
+      </p:sp>
+      <p:sp>
+        <p:nvSpPr>
+          <p:cNvPr id="3" name="标题 2"/>
+          <p:cNvSpPr>
+            <a:spLocks noGrp="1"/>
+          </p:cNvSpPr>
+          <p:nvPr>
+            <p:ph type="title"/>
+          </p:nvPr>
+        </p:nvSpPr>
+        <p:spPr/>
+        <p:txBody>
+          <a:bodyPr/>
+          <a:lstStyle/>
+          <a:p>
+            <a:r>
+              <a:rPr lang="zh-CN" altLang="en-US" dirty="0"/>
+              <a:t>参考资料</a:t>
+            </a:r>
+          </a:p>
+        </p:txBody>
+      </p:sp>
+      <p:graphicFrame>
+        <p:nvGraphicFramePr>
+          <p:cNvPr id="4" name="对象 3">
+            <a:hlinkClick r:id="" action="ppaction://ole?verb=0"/>
+          </p:cNvPr>
+          <p:cNvGraphicFramePr>
+            <a:graphicFrameLocks noChangeAspect="1"/>
+          </p:cNvGraphicFramePr>
+          <p:nvPr/>
+        </p:nvGraphicFramePr>
+        <p:xfrm>
+          <a:off x="5638800" y="3244850"/>
+          <a:ext cx="914400" cy="368300"/>
+        </p:xfrm>
+        <a:graphic>
+          <a:graphicData uri="http://schemas.openxmlformats.org/presentationml/2006/ole">
+            <mc:AlternateContent xmlns:mc="http://schemas.openxmlformats.org/markup-compatibility/2006">
+              <mc:Choice xmlns:v="urn:schemas-microsoft-com:vml" Requires="v">
+                <p:oleObj r:id="rId9" imgW="914400" imgH="368300" progId="Equation.KSEE3">
+                  <p:embed/>
+                </p:oleObj>
+              </mc:Choice>
+              <mc:Fallback>
+                <p:oleObj r:id="rId9" imgW="914400" imgH="368300" progId="Equation.KSEE3">
+                  <p:embed/>
+                  <p:pic>
+                    <p:nvPicPr>
+                      <p:cNvPr id="4" name="对象 3">
+                        <a:hlinkClick r:id="" action="ppaction://ole?verb=0"/>
+                      </p:cNvPr>
+                      <p:cNvPicPr/>
+                      <p:nvPr/>
+                    </p:nvPicPr>
+                    <p:blipFill>
+                      <a:blip r:embed="rId10"/>
                       <a:stretch>
                         <a:fillRect/>
                       </a:stretch>
@@ -14876,7 +18057,7 @@
 </p:sld>
 </file>
 
-<file path=ppt/slides/slide31.xml><?xml version="1.0" encoding="utf-8"?>
+<file path=ppt/slides/slide34.xml><?xml version="1.0" encoding="utf-8"?>
 <p:sld xmlns:a="http://schemas.openxmlformats.org/drawingml/2006/main" xmlns:r="http://schemas.openxmlformats.org/officeDocument/2006/relationships" xmlns:p="http://schemas.openxmlformats.org/presentationml/2006/main">
   <p:cSld>
     <p:spTree>
@@ -14912,6 +18093,24 @@
               <a:buFont typeface="Arial" panose="020B0604020202020204" pitchFamily="34" charset="0"/>
               <a:buChar char="•"/>
             </a:pPr>
+            <a:r>
+              <a:rPr lang="zh-CN" altLang="en-US" dirty="0">
+                <a:sym typeface="+mn-ea"/>
+              </a:rPr>
+              <a:t>使用交叉熵损失函数和</a:t>
+            </a:r>
+            <a:r>
+              <a:rPr lang="en" dirty="0" err="1">
+                <a:sym typeface="+mn-ea"/>
+              </a:rPr>
+              <a:t>Softmax</a:t>
+            </a:r>
+            <a:r>
+              <a:rPr lang="zh-CN" altLang="en-US" dirty="0">
+                <a:sym typeface="+mn-ea"/>
+              </a:rPr>
+              <a:t>激活函数</a:t>
+            </a:r>
             <a:endParaRPr dirty="0">
               <a:sym typeface="+mn-ea"/>
             </a:endParaRPr>
@@ -14956,7 +18155,7 @@
 </p:sld>
 </file>
 
-<file path=ppt/slides/slide32.xml><?xml version="1.0" encoding="utf-8"?>
+<file path=ppt/slides/slide35.xml><?xml version="1.0" encoding="utf-8"?>
 <p:sld xmlns:a="http://schemas.openxmlformats.org/drawingml/2006/main" xmlns:r="http://schemas.openxmlformats.org/officeDocument/2006/relationships" xmlns:p="http://schemas.openxmlformats.org/presentationml/2006/main">
   <p:cSld>
     <p:spTree>
@@ -14984,7 +18183,7 @@
 </p:sld>
 </file>
 
-<file path=ppt/slides/slide33.xml><?xml version="1.0" encoding="utf-8"?>
+<file path=ppt/slides/slide36.xml><?xml version="1.0" encoding="utf-8"?>
 <p:sld xmlns:a="http://schemas.openxmlformats.org/drawingml/2006/main" xmlns:r="http://schemas.openxmlformats.org/officeDocument/2006/relationships" xmlns:p="http://schemas.openxmlformats.org/presentationml/2006/main">
   <p:cSld>
     <p:spTree>
@@ -15057,7 +18256,7 @@
 </p:sld>
 </file>
 
-<file path=ppt/slides/slide34.xml><?xml version="1.0" encoding="utf-8"?>
+<file path=ppt/slides/slide37.xml><?xml version="1.0" encoding="utf-8"?>
 <p:sld xmlns:a="http://schemas.openxmlformats.org/drawingml/2006/main" xmlns:r="http://schemas.openxmlformats.org/officeDocument/2006/relationships" xmlns:p="http://schemas.openxmlformats.org/presentationml/2006/main">
   <p:cSld>
     <p:spTree>
@@ -15086,6 +18285,237 @@
 </file>
 
 <file path=ppt/slides/slide4.xml><?xml version="1.0" encoding="utf-8"?>
+<p:sld xmlns:a="http://schemas.openxmlformats.org/drawingml/2006/main" xmlns:r="http://schemas.openxmlformats.org/officeDocument/2006/relationships" xmlns:p="http://schemas.openxmlformats.org/presentationml/2006/main">
+  <p:cSld>
+    <p:spTree>
+      <p:nvGrpSpPr>
+        <p:cNvPr id="1" name=""/>
+        <p:cNvGrpSpPr/>
+        <p:nvPr/>
+      </p:nvGrpSpPr>
+      <p:grpSpPr>
+        <a:xfrm>
+          <a:off x="0" y="0"/>
+          <a:ext cx="0" cy="0"/>
+          <a:chOff x="0" y="0"/>
+          <a:chExt cx="0" cy="0"/>
+        </a:xfrm>
+      </p:grpSpPr>
+      <p:sp>
+        <p:nvSpPr>
+          <p:cNvPr id="2" name="文本占位符 1"/>
+          <p:cNvSpPr>
+            <a:spLocks noGrp="1"/>
+          </p:cNvSpPr>
+          <p:nvPr>
+            <p:ph type="body" idx="1"/>
+          </p:nvPr>
+        </p:nvSpPr>
+        <p:spPr/>
+        <p:txBody>
+          <a:bodyPr/>
+          <a:lstStyle/>
+          <a:p>
+            <a:pPr marL="285750" indent="-285750">
+              <a:buFont typeface="Arial" panose="020B0604020202020204" pitchFamily="34" charset="0"/>
+              <a:buChar char="•"/>
+            </a:pPr>
+            <a:r>
+              <a:rPr lang="zh-CN" altLang="en-US" dirty="0"/>
+              <a:t>任务：实现推理</a:t>
+            </a:r>
+            <a:endParaRPr lang="en-US" altLang="zh-CN" dirty="0"/>
+          </a:p>
+          <a:p>
+            <a:pPr marL="285750" indent="-285750">
+              <a:buFont typeface="Arial" panose="020B0604020202020204" pitchFamily="34" charset="0"/>
+              <a:buChar char="•"/>
+            </a:pPr>
+            <a:r>
+              <a:rPr lang="zh-CN" altLang="en-US" dirty="0"/>
+              <a:t>主问题：如何解决过拟合？</a:t>
+            </a:r>
+            <a:endParaRPr lang="en-US" altLang="zh-CN" dirty="0"/>
+          </a:p>
+          <a:p>
+            <a:pPr marL="285750" indent="-285750">
+              <a:buFont typeface="Arial" panose="020B0604020202020204" pitchFamily="34" charset="0"/>
+              <a:buChar char="•"/>
+            </a:pPr>
+            <a:endParaRPr lang="en-US" altLang="zh-CN" dirty="0"/>
+          </a:p>
+        </p:txBody>
+      </p:sp>
+      <p:sp>
+        <p:nvSpPr>
+          <p:cNvPr id="3" name="标题 2"/>
+          <p:cNvSpPr>
+            <a:spLocks noGrp="1"/>
+          </p:cNvSpPr>
+          <p:nvPr>
+            <p:ph type="title"/>
+          </p:nvPr>
+        </p:nvSpPr>
+        <p:spPr/>
+        <p:txBody>
+          <a:bodyPr/>
+          <a:lstStyle/>
+          <a:p>
+            <a:r>
+              <a:rPr lang="zh-CN" altLang="en-US" dirty="0"/>
+              <a:t>内容预览</a:t>
+            </a:r>
+          </a:p>
+        </p:txBody>
+      </p:sp>
+    </p:spTree>
+    <p:custDataLst>
+      <p:tags r:id="rId1"/>
+    </p:custDataLst>
+    <p:extLst>
+      <p:ext uri="{BB962C8B-B14F-4D97-AF65-F5344CB8AC3E}">
+        <p14:creationId xmlns:p14="http://schemas.microsoft.com/office/powerpoint/2010/main" val="1223955801"/>
+      </p:ext>
+    </p:extLst>
+  </p:cSld>
+  <p:clrMapOvr>
+    <a:masterClrMapping/>
+  </p:clrMapOvr>
+  <p:timing>
+    <p:tnLst>
+      <p:par>
+        <p:cTn id="1" dur="indefinite" restart="never" nodeType="tmRoot">
+          <p:childTnLst>
+            <p:seq concurrent="1" nextAc="seek">
+              <p:cTn id="2" dur="indefinite" nodeType="mainSeq">
+                <p:childTnLst>
+                  <p:par>
+                    <p:cTn id="3" fill="hold">
+                      <p:stCondLst>
+                        <p:cond delay="indefinite"/>
+                      </p:stCondLst>
+                      <p:childTnLst>
+                        <p:par>
+                          <p:cTn id="4" fill="hold">
+                            <p:stCondLst>
+                              <p:cond delay="0"/>
+                            </p:stCondLst>
+                            <p:childTnLst>
+                              <p:par>
+                                <p:cTn id="5" presetID="1" presetClass="entr" presetSubtype="0" fill="hold" grpId="0" nodeType="clickEffect">
+                                  <p:stCondLst>
+                                    <p:cond delay="0"/>
+                                  </p:stCondLst>
+                                  <p:childTnLst>
+                                    <p:set>
+                                      <p:cBhvr>
+                                        <p:cTn id="6" dur="1" fill="hold">
+                                          <p:stCondLst>
+                                            <p:cond delay="0"/>
+                                          </p:stCondLst>
+                                        </p:cTn>
+                                        <p:tgtEl>
+                                          <p:spTgt spid="2">
+                                            <p:txEl>
+                                              <p:pRg st="0" end="0"/>
+                                            </p:txEl>
+                                          </p:spTgt>
+                                        </p:tgtEl>
+                                        <p:attrNameLst>
+                                          <p:attrName>style.visibility</p:attrName>
+                                        </p:attrNameLst>
+                                      </p:cBhvr>
+                                      <p:to>
+                                        <p:strVal val="visible"/>
+                                      </p:to>
+                                    </p:set>
+                                  </p:childTnLst>
+                                </p:cTn>
+                              </p:par>
+                            </p:childTnLst>
+                          </p:cTn>
+                        </p:par>
+                      </p:childTnLst>
+                    </p:cTn>
+                  </p:par>
+                  <p:par>
+                    <p:cTn id="7" fill="hold">
+                      <p:stCondLst>
+                        <p:cond delay="indefinite"/>
+                      </p:stCondLst>
+                      <p:childTnLst>
+                        <p:par>
+                          <p:cTn id="8" fill="hold">
+                            <p:stCondLst>
+                              <p:cond delay="0"/>
+                            </p:stCondLst>
+                            <p:childTnLst>
+                              <p:par>
+                                <p:cTn id="9" presetID="1" presetClass="entr" presetSubtype="0" fill="hold" grpId="0" nodeType="clickEffect">
+                                  <p:stCondLst>
+                                    <p:cond delay="0"/>
+                                  </p:stCondLst>
+                                  <p:childTnLst>
+                                    <p:set>
+                                      <p:cBhvr>
+                                        <p:cTn id="10" dur="1" fill="hold">
+                                          <p:stCondLst>
+                                            <p:cond delay="0"/>
+                                          </p:stCondLst>
+                                        </p:cTn>
+                                        <p:tgtEl>
+                                          <p:spTgt spid="2">
+                                            <p:txEl>
+                                              <p:pRg st="1" end="1"/>
+                                            </p:txEl>
+                                          </p:spTgt>
+                                        </p:tgtEl>
+                                        <p:attrNameLst>
+                                          <p:attrName>style.visibility</p:attrName>
+                                        </p:attrNameLst>
+                                      </p:cBhvr>
+                                      <p:to>
+                                        <p:strVal val="visible"/>
+                                      </p:to>
+                                    </p:set>
+                                  </p:childTnLst>
+                                </p:cTn>
+                              </p:par>
+                            </p:childTnLst>
+                          </p:cTn>
+                        </p:par>
+                      </p:childTnLst>
+                    </p:cTn>
+                  </p:par>
+                </p:childTnLst>
+              </p:cTn>
+              <p:prevCondLst>
+                <p:cond evt="onPrev" delay="0">
+                  <p:tgtEl>
+                    <p:sldTgt/>
+                  </p:tgtEl>
+                </p:cond>
+              </p:prevCondLst>
+              <p:nextCondLst>
+                <p:cond evt="onNext" delay="0">
+                  <p:tgtEl>
+                    <p:sldTgt/>
+                  </p:tgtEl>
+                </p:cond>
+              </p:nextCondLst>
+            </p:seq>
+          </p:childTnLst>
+        </p:cTn>
+      </p:par>
+    </p:tnLst>
+    <p:bldLst>
+      <p:bldP spid="2" grpId="0" build="p"/>
+    </p:bldLst>
+  </p:timing>
+</p:sld>
+</file>
+
+<file path=ppt/slides/slide5.xml><?xml version="1.0" encoding="utf-8"?>
 <p:sld xmlns:a="http://schemas.openxmlformats.org/drawingml/2006/main" xmlns:r="http://schemas.openxmlformats.org/officeDocument/2006/relationships" xmlns:p="http://schemas.openxmlformats.org/presentationml/2006/main">
   <p:cSld>
     <p:spTree>
@@ -15363,7 +18793,7 @@
 </p:sld>
 </file>
 
-<file path=ppt/slides/slide5.xml><?xml version="1.0" encoding="utf-8"?>
+<file path=ppt/slides/slide6.xml><?xml version="1.0" encoding="utf-8"?>
 <p:sld xmlns:a="http://schemas.openxmlformats.org/drawingml/2006/main" xmlns:r="http://schemas.openxmlformats.org/officeDocument/2006/relationships" xmlns:p="http://schemas.openxmlformats.org/presentationml/2006/main">
   <p:cSld>
     <p:spTree>
@@ -15959,7 +19389,7 @@
 </p:sld>
 </file>
 
-<file path=ppt/slides/slide6.xml><?xml version="1.0" encoding="utf-8"?>
+<file path=ppt/slides/slide7.xml><?xml version="1.0" encoding="utf-8"?>
 <p:sld xmlns:a="http://schemas.openxmlformats.org/drawingml/2006/main" xmlns:r="http://schemas.openxmlformats.org/officeDocument/2006/relationships" xmlns:p="http://schemas.openxmlformats.org/presentationml/2006/main">
   <p:cSld>
     <p:spTree>
@@ -16020,7 +19450,7 @@
 </p:sld>
 </file>
 
-<file path=ppt/slides/slide7.xml><?xml version="1.0" encoding="utf-8"?>
+<file path=ppt/slides/slide8.xml><?xml version="1.0" encoding="utf-8"?>
 <p:sld xmlns:a="http://schemas.openxmlformats.org/drawingml/2006/main" xmlns:r="http://schemas.openxmlformats.org/officeDocument/2006/relationships" xmlns:p="http://schemas.openxmlformats.org/presentationml/2006/main">
   <p:cSld>
     <p:spTree>
@@ -17017,7 +20447,7 @@
 </p:sld>
 </file>
 
-<file path=ppt/slides/slide8.xml><?xml version="1.0" encoding="utf-8"?>
+<file path=ppt/slides/slide9.xml><?xml version="1.0" encoding="utf-8"?>
 <p:sld xmlns:a="http://schemas.openxmlformats.org/drawingml/2006/main" xmlns:r="http://schemas.openxmlformats.org/officeDocument/2006/relationships" xmlns:p="http://schemas.openxmlformats.org/presentationml/2006/main">
   <p:cSld>
     <p:spTree>
@@ -17081,674 +20511,6 @@
   <p:clrMapOvr>
     <a:masterClrMapping/>
   </p:clrMapOvr>
-</p:sld>
-</file>
-
-<file path=ppt/slides/slide9.xml><?xml version="1.0" encoding="utf-8"?>
-<p:sld xmlns:a="http://schemas.openxmlformats.org/drawingml/2006/main" xmlns:r="http://schemas.openxmlformats.org/officeDocument/2006/relationships" xmlns:p="http://schemas.openxmlformats.org/presentationml/2006/main">
-  <p:cSld>
-    <p:spTree>
-      <p:nvGrpSpPr>
-        <p:cNvPr id="1" name=""/>
-        <p:cNvGrpSpPr/>
-        <p:nvPr/>
-      </p:nvGrpSpPr>
-      <p:grpSpPr>
-        <a:xfrm>
-          <a:off x="0" y="0"/>
-          <a:ext cx="0" cy="0"/>
-          <a:chOff x="0" y="0"/>
-          <a:chExt cx="0" cy="0"/>
-        </a:xfrm>
-      </p:grpSpPr>
-      <p:sp>
-        <p:nvSpPr>
-          <p:cNvPr id="3" name="标题 2"/>
-          <p:cNvSpPr>
-            <a:spLocks noGrp="1"/>
-          </p:cNvSpPr>
-          <p:nvPr>
-            <p:ph type="title"/>
-          </p:nvPr>
-        </p:nvSpPr>
-        <p:spPr/>
-        <p:txBody>
-          <a:bodyPr/>
-          <a:lstStyle/>
-          <a:p>
-            <a:r>
-              <a:rPr lang="zh-CN" altLang="en-US" dirty="0">
-                <a:sym typeface="+mn-ea"/>
-              </a:rPr>
-              <a:t>主问题：	输出是什么</a:t>
-            </a:r>
-            <a:r>
-              <a:rPr lang="zh-CN" altLang="en-US" dirty="0"/>
-              <a:t>？</a:t>
-            </a:r>
-            <a:endParaRPr dirty="0">
-              <a:sym typeface="+mn-ea"/>
-            </a:endParaRPr>
-          </a:p>
-        </p:txBody>
-      </p:sp>
-      <p:sp>
-        <p:nvSpPr>
-          <p:cNvPr id="6" name="文本占位符 1">
-            <a:extLst>
-              <a:ext uri="{FF2B5EF4-FFF2-40B4-BE49-F238E27FC236}">
-                <a16:creationId xmlns:a16="http://schemas.microsoft.com/office/drawing/2014/main" id="{BA88068A-4FDC-6963-46A5-ADEC46CDA15E}"/>
-              </a:ext>
-            </a:extLst>
-          </p:cNvPr>
-          <p:cNvSpPr txBox="1">
-            <a:spLocks/>
-          </p:cNvSpPr>
-          <p:nvPr/>
-        </p:nvSpPr>
-        <p:spPr>
-          <a:xfrm>
-            <a:off x="822325" y="1778635"/>
-            <a:ext cx="10852150" cy="4553585"/>
-          </a:xfrm>
-        </p:spPr>
-        <p:txBody>
-          <a:bodyPr lIns="101600" tIns="38100" rIns="76200" bIns="38100">
-            <a:noAutofit/>
-          </a:bodyPr>
-          <a:lstStyle>
-            <a:lvl1pPr marL="0" indent="0" algn="l" defTabSz="914400" rtl="0" eaLnBrk="1" fontAlgn="auto" latinLnBrk="0" hangingPunct="1">
-              <a:lnSpc>
-                <a:spcPct val="130000"/>
-              </a:lnSpc>
-              <a:spcBef>
-                <a:spcPts val="0"/>
-              </a:spcBef>
-              <a:spcAft>
-                <a:spcPts val="1000"/>
-              </a:spcAft>
-              <a:buFont typeface="Arial" panose="020B0604020202020204" pitchFamily="34" charset="0"/>
-              <a:buNone/>
-              <a:defRPr kumimoji="0" lang="zh-CN" altLang="en-US" sz="1600" b="0" i="0" u="none" strike="noStrike" kern="1200" cap="none" spc="150" normalizeH="0" baseline="0" noProof="1">
-                <a:solidFill>
-                  <a:schemeClr val="tx1"/>
-                </a:solidFill>
-                <a:uFillTx/>
-                <a:latin typeface="+mn-lt"/>
-                <a:ea typeface="+mn-ea"/>
-                <a:cs typeface="+mn-cs"/>
-                <a:sym typeface="+mn-ea"/>
-              </a:defRPr>
-            </a:lvl1pPr>
-            <a:lvl2pPr marL="457200" indent="0" algn="l" defTabSz="914400" rtl="0" eaLnBrk="1" fontAlgn="auto" latinLnBrk="0" hangingPunct="1">
-              <a:lnSpc>
-                <a:spcPct val="130000"/>
-              </a:lnSpc>
-              <a:spcBef>
-                <a:spcPts val="0"/>
-              </a:spcBef>
-              <a:spcAft>
-                <a:spcPts val="1000"/>
-              </a:spcAft>
-              <a:buFont typeface="Arial" panose="020B0604020202020204" pitchFamily="34" charset="0"/>
-              <a:buNone/>
-              <a:tabLst>
-                <a:tab pos="1609725" algn="l"/>
-              </a:tabLst>
-              <a:defRPr sz="2000" u="none" strike="noStrike" kern="1200" cap="none" spc="150" normalizeH="0" baseline="0">
-                <a:solidFill>
-                  <a:schemeClr val="tx1">
-                    <a:tint val="75000"/>
-                  </a:schemeClr>
-                </a:solidFill>
-                <a:uFillTx/>
-                <a:latin typeface="+mn-lt"/>
-                <a:ea typeface="+mn-ea"/>
-                <a:cs typeface="+mn-cs"/>
-              </a:defRPr>
-            </a:lvl2pPr>
-            <a:lvl3pPr marL="914400" indent="0" algn="l" defTabSz="914400" rtl="0" eaLnBrk="1" fontAlgn="auto" latinLnBrk="0" hangingPunct="1">
-              <a:lnSpc>
-                <a:spcPct val="130000"/>
-              </a:lnSpc>
-              <a:spcBef>
-                <a:spcPts val="0"/>
-              </a:spcBef>
-              <a:spcAft>
-                <a:spcPts val="1000"/>
-              </a:spcAft>
-              <a:buFont typeface="Arial" panose="020B0604020202020204" pitchFamily="34" charset="0"/>
-              <a:buNone/>
-              <a:defRPr sz="1800" u="none" strike="noStrike" kern="1200" cap="none" spc="150" normalizeH="0" baseline="0">
-                <a:solidFill>
-                  <a:schemeClr val="tx1">
-                    <a:tint val="75000"/>
-                  </a:schemeClr>
-                </a:solidFill>
-                <a:uFillTx/>
-                <a:latin typeface="+mn-lt"/>
-                <a:ea typeface="+mn-ea"/>
-                <a:cs typeface="+mn-cs"/>
-              </a:defRPr>
-            </a:lvl3pPr>
-            <a:lvl4pPr marL="1371600" indent="0" algn="l" defTabSz="914400" rtl="0" eaLnBrk="1" fontAlgn="auto" latinLnBrk="0" hangingPunct="1">
-              <a:lnSpc>
-                <a:spcPct val="130000"/>
-              </a:lnSpc>
-              <a:spcBef>
-                <a:spcPts val="0"/>
-              </a:spcBef>
-              <a:spcAft>
-                <a:spcPts val="1000"/>
-              </a:spcAft>
-              <a:buFont typeface="Arial" panose="020B0604020202020204" pitchFamily="34" charset="0"/>
-              <a:buNone/>
-              <a:defRPr sz="1600" u="none" strike="noStrike" kern="1200" cap="none" spc="150" normalizeH="0" baseline="0">
-                <a:solidFill>
-                  <a:schemeClr val="tx1">
-                    <a:tint val="75000"/>
-                  </a:schemeClr>
-                </a:solidFill>
-                <a:uFillTx/>
-                <a:latin typeface="+mn-lt"/>
-                <a:ea typeface="+mn-ea"/>
-                <a:cs typeface="+mn-cs"/>
-              </a:defRPr>
-            </a:lvl4pPr>
-            <a:lvl5pPr marL="1828800" indent="0" algn="l" defTabSz="914400" rtl="0" eaLnBrk="1" fontAlgn="auto" latinLnBrk="0" hangingPunct="1">
-              <a:lnSpc>
-                <a:spcPct val="130000"/>
-              </a:lnSpc>
-              <a:spcBef>
-                <a:spcPts val="0"/>
-              </a:spcBef>
-              <a:spcAft>
-                <a:spcPts val="1000"/>
-              </a:spcAft>
-              <a:buFont typeface="Arial" panose="020B0604020202020204" pitchFamily="34" charset="0"/>
-              <a:buNone/>
-              <a:defRPr sz="1600" u="none" strike="noStrike" kern="1200" cap="none" spc="150" normalizeH="0" baseline="0">
-                <a:solidFill>
-                  <a:schemeClr val="tx1">
-                    <a:tint val="75000"/>
-                  </a:schemeClr>
-                </a:solidFill>
-                <a:uFillTx/>
-                <a:latin typeface="+mn-lt"/>
-                <a:ea typeface="+mn-ea"/>
-                <a:cs typeface="+mn-cs"/>
-              </a:defRPr>
-            </a:lvl5pPr>
-            <a:lvl6pPr marL="2286000" indent="0" algn="l" defTabSz="914400" rtl="0" eaLnBrk="1" latinLnBrk="0" hangingPunct="1">
-              <a:lnSpc>
-                <a:spcPct val="90000"/>
-              </a:lnSpc>
-              <a:spcBef>
-                <a:spcPts val="500"/>
-              </a:spcBef>
-              <a:buFont typeface="Arial" panose="020B0604020202020204" pitchFamily="34" charset="0"/>
-              <a:buNone/>
-              <a:defRPr sz="1600" kern="1200">
-                <a:solidFill>
-                  <a:schemeClr val="tx1">
-                    <a:tint val="75000"/>
-                  </a:schemeClr>
-                </a:solidFill>
-                <a:latin typeface="+mn-lt"/>
-                <a:ea typeface="+mn-ea"/>
-                <a:cs typeface="+mn-cs"/>
-              </a:defRPr>
-            </a:lvl6pPr>
-            <a:lvl7pPr marL="2743200" indent="0" algn="l" defTabSz="914400" rtl="0" eaLnBrk="1" latinLnBrk="0" hangingPunct="1">
-              <a:lnSpc>
-                <a:spcPct val="90000"/>
-              </a:lnSpc>
-              <a:spcBef>
-                <a:spcPts val="500"/>
-              </a:spcBef>
-              <a:buFont typeface="Arial" panose="020B0604020202020204" pitchFamily="34" charset="0"/>
-              <a:buNone/>
-              <a:defRPr sz="1600" kern="1200">
-                <a:solidFill>
-                  <a:schemeClr val="tx1">
-                    <a:tint val="75000"/>
-                  </a:schemeClr>
-                </a:solidFill>
-                <a:latin typeface="+mn-lt"/>
-                <a:ea typeface="+mn-ea"/>
-                <a:cs typeface="+mn-cs"/>
-              </a:defRPr>
-            </a:lvl7pPr>
-            <a:lvl8pPr marL="3200400" indent="0" algn="l" defTabSz="914400" rtl="0" eaLnBrk="1" latinLnBrk="0" hangingPunct="1">
-              <a:lnSpc>
-                <a:spcPct val="90000"/>
-              </a:lnSpc>
-              <a:spcBef>
-                <a:spcPts val="500"/>
-              </a:spcBef>
-              <a:buFont typeface="Arial" panose="020B0604020202020204" pitchFamily="34" charset="0"/>
-              <a:buNone/>
-              <a:defRPr sz="1600" kern="1200">
-                <a:solidFill>
-                  <a:schemeClr val="tx1">
-                    <a:tint val="75000"/>
-                  </a:schemeClr>
-                </a:solidFill>
-                <a:latin typeface="+mn-lt"/>
-                <a:ea typeface="+mn-ea"/>
-                <a:cs typeface="+mn-cs"/>
-              </a:defRPr>
-            </a:lvl8pPr>
-            <a:lvl9pPr marL="3657600" indent="0" algn="l" defTabSz="914400" rtl="0" eaLnBrk="1" latinLnBrk="0" hangingPunct="1">
-              <a:lnSpc>
-                <a:spcPct val="90000"/>
-              </a:lnSpc>
-              <a:spcBef>
-                <a:spcPts val="500"/>
-              </a:spcBef>
-              <a:buFont typeface="Arial" panose="020B0604020202020204" pitchFamily="34" charset="0"/>
-              <a:buNone/>
-              <a:defRPr sz="1600" kern="1200">
-                <a:solidFill>
-                  <a:schemeClr val="tx1">
-                    <a:tint val="75000"/>
-                  </a:schemeClr>
-                </a:solidFill>
-                <a:latin typeface="+mn-lt"/>
-                <a:ea typeface="+mn-ea"/>
-                <a:cs typeface="+mn-cs"/>
-              </a:defRPr>
-            </a:lvl9pPr>
-          </a:lstStyle>
-          <a:p>
-            <a:pPr marL="285750" indent="-285750">
-              <a:buFont typeface="Arial" panose="020B0604020202020204" pitchFamily="34" charset="0"/>
-              <a:buChar char="•"/>
-            </a:pPr>
-            <a:r>
-              <a:rPr lang="zh-CN" altLang="en-US" dirty="0"/>
-              <a:t>需要的输出数据是什么？</a:t>
-            </a:r>
-            <a:endParaRPr lang="en-US" altLang="zh-CN" dirty="0"/>
-          </a:p>
-          <a:p>
-            <a:pPr marL="285750" indent="-285750">
-              <a:buFont typeface="Arial" panose="020B0604020202020204" pitchFamily="34" charset="0"/>
-              <a:buChar char="•"/>
-            </a:pPr>
-            <a:r>
-              <a:rPr lang="zh-CN" altLang="en-US" dirty="0"/>
-              <a:t>如何设计输出层的输出数据？</a:t>
-            </a:r>
-            <a:endParaRPr lang="en-US" altLang="zh-CN" dirty="0"/>
-          </a:p>
-          <a:p>
-            <a:pPr marL="285750" indent="-285750">
-              <a:buFont typeface="Arial" panose="020B0604020202020204" pitchFamily="34" charset="0"/>
-              <a:buChar char="•"/>
-            </a:pPr>
-            <a:r>
-              <a:rPr lang="zh-CN" altLang="en-US" dirty="0"/>
-              <a:t>如何确定输出的是哪个数字？</a:t>
-            </a:r>
-            <a:endParaRPr lang="en-US" altLang="zh-CN" dirty="0"/>
-          </a:p>
-          <a:p>
-            <a:endParaRPr lang="en-US" altLang="zh-CN" dirty="0"/>
-          </a:p>
-          <a:p>
-            <a:pPr marL="285750" indent="-285750">
-              <a:buFont typeface="Arial" panose="020B0604020202020204" pitchFamily="34" charset="0"/>
-              <a:buChar char="•"/>
-            </a:pPr>
-            <a:r>
-              <a:rPr lang="zh-CN" altLang="en-US" dirty="0"/>
-              <a:t>自学、互学、展学</a:t>
-            </a:r>
-          </a:p>
-          <a:p>
-            <a:pPr marL="285750" indent="-285750">
-              <a:buFont typeface="Arial" panose="020B0604020202020204" pitchFamily="34" charset="0"/>
-              <a:buChar char="•"/>
-            </a:pPr>
-            <a:endParaRPr lang="zh-CN" altLang="en-US" dirty="0"/>
-          </a:p>
-          <a:p>
-            <a:pPr marL="285750" indent="-285750">
-              <a:buFont typeface="Arial" panose="020B0604020202020204" pitchFamily="34" charset="0"/>
-              <a:buChar char="•"/>
-            </a:pPr>
-            <a:endParaRPr lang="en-US" altLang="zh-CN" dirty="0"/>
-          </a:p>
-          <a:p>
-            <a:pPr marL="285750" indent="-285750">
-              <a:buFont typeface="Arial" panose="020B0604020202020204" pitchFamily="34" charset="0"/>
-              <a:buChar char="•"/>
-            </a:pPr>
-            <a:endParaRPr lang="zh-CN" altLang="en-US" dirty="0"/>
-          </a:p>
-          <a:p>
-            <a:pPr marL="285750" indent="-285750">
-              <a:buFont typeface="Arial" panose="020B0604020202020204" pitchFamily="34" charset="0"/>
-              <a:buChar char="•"/>
-            </a:pPr>
-            <a:endParaRPr lang="zh-CN" altLang="en-US" dirty="0"/>
-          </a:p>
-          <a:p>
-            <a:pPr marL="285750" indent="-285750">
-              <a:buFont typeface="Arial" panose="020B0604020202020204" pitchFamily="34" charset="0"/>
-              <a:buChar char="•"/>
-            </a:pPr>
-            <a:endParaRPr lang="zh-CN" altLang="en-US" dirty="0"/>
-          </a:p>
-          <a:p>
-            <a:pPr marL="285750" indent="-285750">
-              <a:buFont typeface="Arial" panose="020B0604020202020204" pitchFamily="34" charset="0"/>
-              <a:buChar char="•"/>
-            </a:pPr>
-            <a:endParaRPr lang="zh-CN" altLang="en-US" dirty="0"/>
-          </a:p>
-          <a:p>
-            <a:pPr marL="285750" indent="-285750">
-              <a:buFont typeface="Arial" panose="020B0604020202020204" pitchFamily="34" charset="0"/>
-              <a:buChar char="•"/>
-            </a:pPr>
-            <a:endParaRPr lang="zh-CN" altLang="en-US" dirty="0"/>
-          </a:p>
-          <a:p>
-            <a:pPr marL="285750" indent="-285750">
-              <a:buFont typeface="Arial" panose="020B0604020202020204" pitchFamily="34" charset="0"/>
-              <a:buChar char="•"/>
-            </a:pPr>
-            <a:endParaRPr lang="zh-CN" altLang="en-US" dirty="0"/>
-          </a:p>
-          <a:p>
-            <a:pPr marL="285750" indent="-285750">
-              <a:buFont typeface="Arial" panose="020B0604020202020204" pitchFamily="34" charset="0"/>
-              <a:buChar char="•"/>
-            </a:pPr>
-            <a:endParaRPr lang="zh-CN" altLang="en-US" dirty="0"/>
-          </a:p>
-        </p:txBody>
-      </p:sp>
-      <p:sp>
-        <p:nvSpPr>
-          <p:cNvPr id="2" name="文本框 1">
-            <a:extLst>
-              <a:ext uri="{FF2B5EF4-FFF2-40B4-BE49-F238E27FC236}">
-                <a16:creationId xmlns:a16="http://schemas.microsoft.com/office/drawing/2014/main" id="{4562B282-1E64-B2DF-6261-D83AC9468682}"/>
-              </a:ext>
-            </a:extLst>
-          </p:cNvPr>
-          <p:cNvSpPr txBox="1"/>
-          <p:nvPr/>
-        </p:nvSpPr>
-        <p:spPr>
-          <a:xfrm>
-            <a:off x="6096000" y="1778635"/>
-            <a:ext cx="1677062" cy="369332"/>
-          </a:xfrm>
-          <a:prstGeom prst="rect">
-            <a:avLst/>
-          </a:prstGeom>
-          <a:noFill/>
-        </p:spPr>
-        <p:txBody>
-          <a:bodyPr wrap="none" rtlCol="0">
-            <a:spAutoFit/>
-          </a:bodyPr>
-          <a:lstStyle/>
-          <a:p>
-            <a:r>
-              <a:rPr kumimoji="1" lang="zh-CN" altLang="en-US" dirty="0"/>
-              <a:t>一个数字：</a:t>
-            </a:r>
-            <a:r>
-              <a:rPr kumimoji="1" lang="en-US" altLang="zh-CN" dirty="0"/>
-              <a:t>0-9</a:t>
-            </a:r>
-            <a:endParaRPr kumimoji="1" lang="zh-CN" altLang="en-US" dirty="0"/>
-          </a:p>
-        </p:txBody>
-      </p:sp>
-    </p:spTree>
-    <p:custDataLst>
-      <p:tags r:id="rId1"/>
-    </p:custDataLst>
-    <p:extLst>
-      <p:ext uri="{BB962C8B-B14F-4D97-AF65-F5344CB8AC3E}">
-        <p14:creationId xmlns:p14="http://schemas.microsoft.com/office/powerpoint/2010/main" val="1040660923"/>
-      </p:ext>
-    </p:extLst>
-  </p:cSld>
-  <p:clrMapOvr>
-    <a:masterClrMapping/>
-  </p:clrMapOvr>
-  <p:timing>
-    <p:tnLst>
-      <p:par>
-        <p:cTn id="1" dur="indefinite" restart="never" nodeType="tmRoot">
-          <p:childTnLst>
-            <p:seq concurrent="1" nextAc="seek">
-              <p:cTn id="2" dur="indefinite" nodeType="mainSeq">
-                <p:childTnLst>
-                  <p:par>
-                    <p:cTn id="3" fill="hold">
-                      <p:stCondLst>
-                        <p:cond delay="indefinite"/>
-                      </p:stCondLst>
-                      <p:childTnLst>
-                        <p:par>
-                          <p:cTn id="4" fill="hold">
-                            <p:stCondLst>
-                              <p:cond delay="0"/>
-                            </p:stCondLst>
-                            <p:childTnLst>
-                              <p:par>
-                                <p:cTn id="5" presetID="1" presetClass="entr" presetSubtype="0" fill="hold" nodeType="clickEffect">
-                                  <p:stCondLst>
-                                    <p:cond delay="0"/>
-                                  </p:stCondLst>
-                                  <p:childTnLst>
-                                    <p:set>
-                                      <p:cBhvr>
-                                        <p:cTn id="6" dur="1" fill="hold">
-                                          <p:stCondLst>
-                                            <p:cond delay="0"/>
-                                          </p:stCondLst>
-                                        </p:cTn>
-                                        <p:tgtEl>
-                                          <p:spTgt spid="6">
-                                            <p:txEl>
-                                              <p:pRg st="0" end="0"/>
-                                            </p:txEl>
-                                          </p:spTgt>
-                                        </p:tgtEl>
-                                        <p:attrNameLst>
-                                          <p:attrName>style.visibility</p:attrName>
-                                        </p:attrNameLst>
-                                      </p:cBhvr>
-                                      <p:to>
-                                        <p:strVal val="visible"/>
-                                      </p:to>
-                                    </p:set>
-                                  </p:childTnLst>
-                                </p:cTn>
-                              </p:par>
-                            </p:childTnLst>
-                          </p:cTn>
-                        </p:par>
-                      </p:childTnLst>
-                    </p:cTn>
-                  </p:par>
-                  <p:par>
-                    <p:cTn id="7" fill="hold">
-                      <p:stCondLst>
-                        <p:cond delay="indefinite"/>
-                      </p:stCondLst>
-                      <p:childTnLst>
-                        <p:par>
-                          <p:cTn id="8" fill="hold">
-                            <p:stCondLst>
-                              <p:cond delay="0"/>
-                            </p:stCondLst>
-                            <p:childTnLst>
-                              <p:par>
-                                <p:cTn id="9" presetID="1" presetClass="entr" presetSubtype="0" fill="hold" grpId="0" nodeType="clickEffect">
-                                  <p:stCondLst>
-                                    <p:cond delay="0"/>
-                                  </p:stCondLst>
-                                  <p:childTnLst>
-                                    <p:set>
-                                      <p:cBhvr>
-                                        <p:cTn id="10" dur="1" fill="hold">
-                                          <p:stCondLst>
-                                            <p:cond delay="0"/>
-                                          </p:stCondLst>
-                                        </p:cTn>
-                                        <p:tgtEl>
-                                          <p:spTgt spid="2"/>
-                                        </p:tgtEl>
-                                        <p:attrNameLst>
-                                          <p:attrName>style.visibility</p:attrName>
-                                        </p:attrNameLst>
-                                      </p:cBhvr>
-                                      <p:to>
-                                        <p:strVal val="visible"/>
-                                      </p:to>
-                                    </p:set>
-                                  </p:childTnLst>
-                                </p:cTn>
-                              </p:par>
-                            </p:childTnLst>
-                          </p:cTn>
-                        </p:par>
-                      </p:childTnLst>
-                    </p:cTn>
-                  </p:par>
-                  <p:par>
-                    <p:cTn id="11" fill="hold">
-                      <p:stCondLst>
-                        <p:cond delay="indefinite"/>
-                      </p:stCondLst>
-                      <p:childTnLst>
-                        <p:par>
-                          <p:cTn id="12" fill="hold">
-                            <p:stCondLst>
-                              <p:cond delay="0"/>
-                            </p:stCondLst>
-                            <p:childTnLst>
-                              <p:par>
-                                <p:cTn id="13" presetID="1" presetClass="entr" presetSubtype="0" fill="hold" nodeType="clickEffect">
-                                  <p:stCondLst>
-                                    <p:cond delay="0"/>
-                                  </p:stCondLst>
-                                  <p:childTnLst>
-                                    <p:set>
-                                      <p:cBhvr>
-                                        <p:cTn id="14" dur="1" fill="hold">
-                                          <p:stCondLst>
-                                            <p:cond delay="0"/>
-                                          </p:stCondLst>
-                                        </p:cTn>
-                                        <p:tgtEl>
-                                          <p:spTgt spid="6">
-                                            <p:txEl>
-                                              <p:pRg st="1" end="1"/>
-                                            </p:txEl>
-                                          </p:spTgt>
-                                        </p:tgtEl>
-                                        <p:attrNameLst>
-                                          <p:attrName>style.visibility</p:attrName>
-                                        </p:attrNameLst>
-                                      </p:cBhvr>
-                                      <p:to>
-                                        <p:strVal val="visible"/>
-                                      </p:to>
-                                    </p:set>
-                                  </p:childTnLst>
-                                </p:cTn>
-                              </p:par>
-                            </p:childTnLst>
-                          </p:cTn>
-                        </p:par>
-                      </p:childTnLst>
-                    </p:cTn>
-                  </p:par>
-                  <p:par>
-                    <p:cTn id="15" fill="hold">
-                      <p:stCondLst>
-                        <p:cond delay="indefinite"/>
-                      </p:stCondLst>
-                      <p:childTnLst>
-                        <p:par>
-                          <p:cTn id="16" fill="hold">
-                            <p:stCondLst>
-                              <p:cond delay="0"/>
-                            </p:stCondLst>
-                            <p:childTnLst>
-                              <p:par>
-                                <p:cTn id="17" presetID="1" presetClass="entr" presetSubtype="0" fill="hold" nodeType="clickEffect">
-                                  <p:stCondLst>
-                                    <p:cond delay="0"/>
-                                  </p:stCondLst>
-                                  <p:childTnLst>
-                                    <p:set>
-                                      <p:cBhvr>
-                                        <p:cTn id="18" dur="1" fill="hold">
-                                          <p:stCondLst>
-                                            <p:cond delay="0"/>
-                                          </p:stCondLst>
-                                        </p:cTn>
-                                        <p:tgtEl>
-                                          <p:spTgt spid="6">
-                                            <p:txEl>
-                                              <p:pRg st="2" end="2"/>
-                                            </p:txEl>
-                                          </p:spTgt>
-                                        </p:tgtEl>
-                                        <p:attrNameLst>
-                                          <p:attrName>style.visibility</p:attrName>
-                                        </p:attrNameLst>
-                                      </p:cBhvr>
-                                      <p:to>
-                                        <p:strVal val="visible"/>
-                                      </p:to>
-                                    </p:set>
-                                  </p:childTnLst>
-                                </p:cTn>
-                              </p:par>
-                            </p:childTnLst>
-                          </p:cTn>
-                        </p:par>
-                      </p:childTnLst>
-                    </p:cTn>
-                  </p:par>
-                </p:childTnLst>
-              </p:cTn>
-              <p:prevCondLst>
-                <p:cond evt="onPrev" delay="0">
-                  <p:tgtEl>
-                    <p:sldTgt/>
-                  </p:tgtEl>
-                </p:cond>
-              </p:prevCondLst>
-              <p:nextCondLst>
-                <p:cond evt="onNext" delay="0">
-                  <p:tgtEl>
-                    <p:sldTgt/>
-                  </p:tgtEl>
-                </p:cond>
-              </p:nextCondLst>
-            </p:seq>
-          </p:childTnLst>
-        </p:cTn>
-      </p:par>
-    </p:tnLst>
-    <p:bldLst>
-      <p:bldP spid="2" grpId="0"/>
-    </p:bldLst>
-  </p:timing>
 </p:sld>
 </file>
 
@@ -17800,6 +20562,33 @@
 </file>
 
 <file path=ppt/tags/tag103.xml><?xml version="1.0" encoding="utf-8"?>
+<p:tagLst xmlns:a="http://schemas.openxmlformats.org/drawingml/2006/main" xmlns:r="http://schemas.openxmlformats.org/officeDocument/2006/relationships" xmlns:p="http://schemas.openxmlformats.org/presentationml/2006/main">
+  <p:tag name="KSO_WM_BEAUTIFY_FLAG" val="#wm#"/>
+  <p:tag name="KSO_WM_TEMPLATE_CATEGORY" val="custom"/>
+  <p:tag name="KSO_WM_TEMPLATE_INDEX" val="20187308"/>
+  <p:tag name="KSO_WM_SPECIAL_SOURCE" val="bdnull"/>
+</p:tagLst>
+</file>
+
+<file path=ppt/tags/tag104.xml><?xml version="1.0" encoding="utf-8"?>
+<p:tagLst xmlns:a="http://schemas.openxmlformats.org/drawingml/2006/main" xmlns:r="http://schemas.openxmlformats.org/officeDocument/2006/relationships" xmlns:p="http://schemas.openxmlformats.org/presentationml/2006/main">
+  <p:tag name="KSO_WM_BEAUTIFY_FLAG" val="#wm#"/>
+  <p:tag name="KSO_WM_TEMPLATE_CATEGORY" val="custom"/>
+  <p:tag name="KSO_WM_TEMPLATE_INDEX" val="20187308"/>
+  <p:tag name="KSO_WM_SPECIAL_SOURCE" val="bdnull"/>
+</p:tagLst>
+</file>
+
+<file path=ppt/tags/tag105.xml><?xml version="1.0" encoding="utf-8"?>
+<p:tagLst xmlns:a="http://schemas.openxmlformats.org/drawingml/2006/main" xmlns:r="http://schemas.openxmlformats.org/officeDocument/2006/relationships" xmlns:p="http://schemas.openxmlformats.org/presentationml/2006/main">
+  <p:tag name="KSO_WM_BEAUTIFY_FLAG" val="#wm#"/>
+  <p:tag name="KSO_WM_TEMPLATE_CATEGORY" val="custom"/>
+  <p:tag name="KSO_WM_TEMPLATE_INDEX" val="20187308"/>
+  <p:tag name="KSO_WM_SPECIAL_SOURCE" val="bdnull"/>
+</p:tagLst>
+</file>
+
+<file path=ppt/tags/tag106.xml><?xml version="1.0" encoding="utf-8"?>
 <p:tagLst xmlns:a="http://schemas.openxmlformats.org/drawingml/2006/main" xmlns:r="http://schemas.openxmlformats.org/officeDocument/2006/relationships" xmlns:p="http://schemas.openxmlformats.org/presentationml/2006/main">
   <p:tag name="KSO_WM_BEAUTIFY_FLAG" val="#wm#"/>
   <p:tag name="KSO_WM_TEMPLATE_CATEGORY" val="custom"/>

--- a/lessons/5_handwriting_by_linear_layer/ppt/用全连接层识别手写数字.pptx
+++ b/lessons/5_handwriting_by_linear_layer/ppt/用全连接层识别手写数字.pptx
@@ -13573,7 +13573,15 @@
             </a:pPr>
             <a:r>
               <a:rPr lang="zh-CN" altLang="en-US" dirty="0"/>
-              <a:t>请每个同学都运行代码，查看正确率收敛了吗？</a:t>
+              <a:t>请每个同学都运行代码，查看推理正确率是否接近</a:t>
+            </a:r>
+            <a:r>
+              <a:rPr lang="en-US" altLang="zh-CN"/>
+              <a:t>100%</a:t>
+            </a:r>
+            <a:r>
+              <a:rPr lang="zh-CN" altLang="en-US"/>
+              <a:t>？</a:t>
             </a:r>
             <a:endParaRPr lang="en-US" altLang="zh-CN" dirty="0"/>
           </a:p>

--- a/lessons/5_handwriting_by_linear_layer/ppt/用全连接层识别手写数字.pptx
+++ b/lessons/5_handwriting_by_linear_layer/ppt/用全连接层识别手写数字.pptx
@@ -13576,11 +13576,11 @@
               <a:t>请每个同学都运行代码，查看推理正确率是否接近</a:t>
             </a:r>
             <a:r>
-              <a:rPr lang="en-US" altLang="zh-CN"/>
+              <a:rPr lang="en-US" altLang="zh-CN" dirty="0"/>
               <a:t>100%</a:t>
             </a:r>
             <a:r>
-              <a:rPr lang="zh-CN" altLang="en-US"/>
+              <a:rPr lang="zh-CN" altLang="en-US" dirty="0"/>
               <a:t>？</a:t>
             </a:r>
             <a:endParaRPr lang="en-US" altLang="zh-CN" dirty="0"/>
@@ -15018,6 +15018,17 @@
               <a:buChar char="•"/>
             </a:pPr>
             <a:r>
+              <a:rPr lang="zh-CN" altLang="en-US" dirty="0"/>
+              <a:t>如果想要使每次训练的样本个数较小（训练时间更快），但有达到更大训练样本个数的效果，该如何做？</a:t>
+            </a:r>
+            <a:endParaRPr lang="en-US" altLang="zh-CN" dirty="0"/>
+          </a:p>
+          <a:p>
+            <a:pPr marL="285750" indent="-285750">
+              <a:buFont typeface="Arial" panose="020B0604020202020204" pitchFamily="34" charset="0"/>
+              <a:buChar char="•"/>
+            </a:pPr>
+            <a:r>
               <a:rPr lang="en-US" altLang="zh-CN" dirty="0"/>
               <a:t>Shuffle</a:t>
             </a:r>
@@ -15185,7 +15196,7 @@
         <p:spPr>
           <a:xfrm>
             <a:off x="5385917" y="1832118"/>
-            <a:ext cx="6933362" cy="646331"/>
+            <a:ext cx="6933362" cy="369332"/>
           </a:xfrm>
           <a:prstGeom prst="rect">
             <a:avLst/>
@@ -15207,21 +15218,6 @@
               <a:t>增加训练样本个数</a:t>
             </a:r>
             <a:endParaRPr kumimoji="1" lang="en-US" altLang="zh-CN" dirty="0"/>
-          </a:p>
-          <a:p>
-            <a:pPr marL="285750" indent="-285750">
-              <a:buFont typeface="Arial" panose="020B0604020202020204" pitchFamily="34" charset="0"/>
-              <a:buChar char="•"/>
-            </a:pPr>
-            <a:r>
-              <a:rPr kumimoji="1" lang="zh-CN" altLang="en-US" dirty="0"/>
-              <a:t>训练数据集</a:t>
-            </a:r>
-            <a:r>
-              <a:rPr kumimoji="1" lang="en-US" altLang="zh-CN" dirty="0"/>
-              <a:t>shuffle</a:t>
-            </a:r>
-            <a:endParaRPr kumimoji="1" lang="zh-CN" altLang="en-US" dirty="0"/>
           </a:p>
         </p:txBody>
       </p:sp>
@@ -15254,7 +15250,7 @@
         </p:blipFill>
         <p:spPr bwMode="auto">
           <a:xfrm>
-            <a:off x="6127820" y="2920849"/>
+            <a:off x="6278284" y="3290774"/>
             <a:ext cx="5449556" cy="2732584"/>
           </a:xfrm>
           <a:prstGeom prst="rect">
@@ -15272,6 +15268,50 @@
           </a:extLst>
         </p:spPr>
       </p:pic>
+      <p:sp>
+        <p:nvSpPr>
+          <p:cNvPr id="5" name="文本框 4">
+            <a:extLst>
+              <a:ext uri="{FF2B5EF4-FFF2-40B4-BE49-F238E27FC236}">
+                <a16:creationId xmlns:a16="http://schemas.microsoft.com/office/drawing/2014/main" id="{7BD5A7D9-F453-758A-90CC-E8A40F08DBB0}"/>
+              </a:ext>
+            </a:extLst>
+          </p:cNvPr>
+          <p:cNvSpPr txBox="1"/>
+          <p:nvPr/>
+        </p:nvSpPr>
+        <p:spPr>
+          <a:xfrm>
+            <a:off x="4373604" y="2747920"/>
+            <a:ext cx="2538184" cy="369332"/>
+          </a:xfrm>
+          <a:prstGeom prst="rect">
+            <a:avLst/>
+          </a:prstGeom>
+          <a:noFill/>
+        </p:spPr>
+        <p:txBody>
+          <a:bodyPr wrap="square" rtlCol="0">
+            <a:spAutoFit/>
+          </a:bodyPr>
+          <a:lstStyle/>
+          <a:p>
+            <a:pPr marL="285750" indent="-285750">
+              <a:buFont typeface="Arial" panose="020B0604020202020204" pitchFamily="34" charset="0"/>
+              <a:buChar char="•"/>
+            </a:pPr>
+            <a:r>
+              <a:rPr kumimoji="1" lang="zh-CN" altLang="en-US" dirty="0"/>
+              <a:t>训练数据集</a:t>
+            </a:r>
+            <a:r>
+              <a:rPr kumimoji="1" lang="en-US" altLang="zh-CN" dirty="0"/>
+              <a:t>shuffle</a:t>
+            </a:r>
+            <a:endParaRPr kumimoji="1" lang="zh-CN" altLang="en-US" dirty="0"/>
+          </a:p>
+        </p:txBody>
+      </p:sp>
     </p:spTree>
     <p:custDataLst>
       <p:tags r:id="rId1"/>
@@ -15449,7 +15489,7 @@
                             </p:stCondLst>
                             <p:childTnLst>
                               <p:par>
-                                <p:cTn id="17" presetID="1" presetClass="entr" presetSubtype="0" fill="hold" nodeType="clickEffect">
+                                <p:cTn id="17" presetID="1" presetClass="entr" presetSubtype="0" fill="hold" grpId="0" nodeType="clickEffect">
                                   <p:stCondLst>
                                     <p:cond delay="0"/>
                                   </p:stCondLst>
@@ -15462,11 +15502,7 @@
                                           </p:stCondLst>
                                         </p:cTn>
                                         <p:tgtEl>
-                                          <p:spTgt spid="6">
-                                            <p:txEl>
-                                              <p:pRg st="2" end="2"/>
-                                            </p:txEl>
-                                          </p:spTgt>
+                                          <p:spTgt spid="5"/>
                                         </p:tgtEl>
                                         <p:attrNameLst>
                                           <p:attrName>style.visibility</p:attrName>
@@ -15511,7 +15547,11 @@
                                           </p:stCondLst>
                                         </p:cTn>
                                         <p:tgtEl>
-                                          <p:spTgt spid="1026"/>
+                                          <p:spTgt spid="6">
+                                            <p:txEl>
+                                              <p:pRg st="2" end="2"/>
+                                            </p:txEl>
+                                          </p:spTgt>
                                         </p:tgtEl>
                                         <p:attrNameLst>
                                           <p:attrName>style.visibility</p:attrName>
@@ -15543,7 +15583,7 @@
                             </p:stCondLst>
                             <p:childTnLst>
                               <p:par>
-                                <p:cTn id="25" presetID="1" presetClass="entr" presetSubtype="0" fill="hold" grpId="0" nodeType="clickEffect">
+                                <p:cTn id="25" presetID="1" presetClass="entr" presetSubtype="0" fill="hold" nodeType="clickEffect">
                                   <p:stCondLst>
                                     <p:cond delay="0"/>
                                   </p:stCondLst>
@@ -15551,6 +15591,100 @@
                                     <p:set>
                                       <p:cBhvr>
                                         <p:cTn id="26" dur="1" fill="hold">
+                                          <p:stCondLst>
+                                            <p:cond delay="0"/>
+                                          </p:stCondLst>
+                                        </p:cTn>
+                                        <p:tgtEl>
+                                          <p:spTgt spid="6">
+                                            <p:txEl>
+                                              <p:pRg st="3" end="3"/>
+                                            </p:txEl>
+                                          </p:spTgt>
+                                        </p:tgtEl>
+                                        <p:attrNameLst>
+                                          <p:attrName>style.visibility</p:attrName>
+                                        </p:attrNameLst>
+                                      </p:cBhvr>
+                                      <p:to>
+                                        <p:strVal val="visible"/>
+                                      </p:to>
+                                    </p:set>
+                                  </p:childTnLst>
+                                </p:cTn>
+                              </p:par>
+                            </p:childTnLst>
+                          </p:cTn>
+                        </p:par>
+                      </p:childTnLst>
+                    </p:cTn>
+                  </p:par>
+                  <p:par>
+                    <p:cTn id="27" fill="hold">
+                      <p:stCondLst>
+                        <p:cond delay="indefinite"/>
+                      </p:stCondLst>
+                      <p:childTnLst>
+                        <p:par>
+                          <p:cTn id="28" fill="hold">
+                            <p:stCondLst>
+                              <p:cond delay="0"/>
+                            </p:stCondLst>
+                            <p:childTnLst>
+                              <p:par>
+                                <p:cTn id="29" presetID="1" presetClass="entr" presetSubtype="0" fill="hold" nodeType="clickEffect">
+                                  <p:stCondLst>
+                                    <p:cond delay="0"/>
+                                  </p:stCondLst>
+                                  <p:childTnLst>
+                                    <p:set>
+                                      <p:cBhvr>
+                                        <p:cTn id="30" dur="1" fill="hold">
+                                          <p:stCondLst>
+                                            <p:cond delay="0"/>
+                                          </p:stCondLst>
+                                        </p:cTn>
+                                        <p:tgtEl>
+                                          <p:spTgt spid="1026"/>
+                                        </p:tgtEl>
+                                        <p:attrNameLst>
+                                          <p:attrName>style.visibility</p:attrName>
+                                        </p:attrNameLst>
+                                      </p:cBhvr>
+                                      <p:to>
+                                        <p:strVal val="visible"/>
+                                      </p:to>
+                                    </p:set>
+                                  </p:childTnLst>
+                                </p:cTn>
+                              </p:par>
+                            </p:childTnLst>
+                          </p:cTn>
+                        </p:par>
+                      </p:childTnLst>
+                    </p:cTn>
+                  </p:par>
+                  <p:par>
+                    <p:cTn id="31" fill="hold">
+                      <p:stCondLst>
+                        <p:cond delay="indefinite"/>
+                      </p:stCondLst>
+                      <p:childTnLst>
+                        <p:par>
+                          <p:cTn id="32" fill="hold">
+                            <p:stCondLst>
+                              <p:cond delay="0"/>
+                            </p:stCondLst>
+                            <p:childTnLst>
+                              <p:par>
+                                <p:cTn id="33" presetID="1" presetClass="entr" presetSubtype="0" fill="hold" grpId="0" nodeType="clickEffect">
+                                  <p:stCondLst>
+                                    <p:cond delay="0"/>
+                                  </p:stCondLst>
+                                  <p:childTnLst>
+                                    <p:set>
+                                      <p:cBhvr>
+                                        <p:cTn id="34" dur="1" fill="hold">
                                           <p:stCondLst>
                                             <p:cond delay="0"/>
                                           </p:stCondLst>
@@ -15599,6 +15733,7 @@
     <p:bldLst>
       <p:bldP spid="2" grpId="0"/>
       <p:bldP spid="4" grpId="0"/>
+      <p:bldP spid="5" grpId="0"/>
     </p:bldLst>
   </p:timing>
 </p:sld>
@@ -15883,7 +16018,7 @@
             </a:pPr>
             <a:r>
               <a:rPr kumimoji="1" lang="zh-CN" altLang="en-US" dirty="0"/>
-              <a:t>请实现每个解决方案的代码</a:t>
+              <a:t>请实现所有解决方案的代码</a:t>
             </a:r>
             <a:endParaRPr kumimoji="1" lang="en-US" altLang="zh-CN" dirty="0"/>
           </a:p>
@@ -15909,7 +16044,7 @@
             </a:pPr>
             <a:r>
               <a:rPr lang="zh-CN" altLang="en-US" dirty="0"/>
-              <a:t>请每个同学观察实现</a:t>
+              <a:t>请每个同学观察实现第二个接近方案（</a:t>
             </a:r>
             <a:r>
               <a:rPr lang="en-US" altLang="zh-CN" dirty="0"/>
@@ -15917,7 +16052,7 @@
             </a:r>
             <a:r>
               <a:rPr lang="zh-CN" altLang="en-US" dirty="0"/>
-              <a:t>前后的正确率的变化趋势，说明为什么这样变化？</a:t>
+              <a:t>）前和实现后的正确率的变化趋势，说明为什么这样变化？</a:t>
             </a:r>
             <a:endParaRPr kumimoji="1" lang="en-US" altLang="zh-CN" dirty="0"/>
           </a:p>

--- a/lessons/5_handwriting_by_linear_layer/ppt/用全连接层识别手写数字.pptx
+++ b/lessons/5_handwriting_by_linear_layer/ppt/用全连接层识别手写数字.pptx
@@ -245,7 +245,7 @@
                 <a:latin typeface="微软雅黑" panose="020B0503020204020204" charset="-122"/>
                 <a:ea typeface="微软雅黑" panose="020B0503020204020204" charset="-122"/>
               </a:rPr>
-              <a:t>2022/11/19</a:t>
+              <a:t>2022/11/20</a:t>
             </a:fld>
             <a:endParaRPr lang="zh-CN" altLang="en-US">
               <a:latin typeface="微软雅黑" panose="020B0503020204020204" charset="-122"/>
@@ -428,7 +428,7 @@
           <a:p>
             <a:fld id="{1AC49D05-6128-4D0D-A32A-06A5E73B386C}" type="datetimeFigureOut">
               <a:rPr lang="zh-CN" altLang="en-US" smtClean="0"/>
-              <a:t>2022/11/19</a:t>
+              <a:t>2022/11/20</a:t>
             </a:fld>
             <a:endParaRPr lang="zh-CN" altLang="en-US"/>
           </a:p>
@@ -1090,7 +1090,7 @@
           <a:p>
             <a:fld id="{9EFD9D74-47D9-4702-A33C-335B63B48DBF}" type="datetimeFigureOut">
               <a:rPr lang="zh-CN" altLang="en-US" smtClean="0"/>
-              <a:t>2022/11/19</a:t>
+              <a:t>2022/11/20</a:t>
             </a:fld>
             <a:endParaRPr lang="zh-CN" altLang="en-US" dirty="0"/>
           </a:p>
@@ -1423,7 +1423,7 @@
           <a:p>
             <a:fld id="{760FBDFE-C587-4B4C-A407-44438C67B59E}" type="datetimeFigureOut">
               <a:rPr lang="zh-CN" altLang="en-US" smtClean="0"/>
-              <a:t>2022/11/19</a:t>
+              <a:t>2022/11/20</a:t>
             </a:fld>
             <a:endParaRPr lang="zh-CN" altLang="en-US"/>
           </a:p>
@@ -1596,7 +1596,7 @@
           <a:p>
             <a:fld id="{9EFD9D74-47D9-4702-A33C-335B63B48DBF}" type="datetimeFigureOut">
               <a:rPr lang="zh-CN" altLang="en-US" smtClean="0"/>
-              <a:t>2022/11/19</a:t>
+              <a:t>2022/11/20</a:t>
             </a:fld>
             <a:endParaRPr lang="zh-CN" altLang="en-US" dirty="0"/>
           </a:p>
@@ -2121,7 +2121,7 @@
           <a:p>
             <a:fld id="{760FBDFE-C587-4B4C-A407-44438C67B59E}" type="datetimeFigureOut">
               <a:rPr lang="zh-CN" altLang="en-US" smtClean="0"/>
-              <a:t>2022/11/19</a:t>
+              <a:t>2022/11/20</a:t>
             </a:fld>
             <a:endParaRPr lang="zh-CN" altLang="en-US"/>
           </a:p>
@@ -2869,7 +2869,7 @@
           <a:p>
             <a:fld id="{760FBDFE-C587-4B4C-A407-44438C67B59E}" type="datetimeFigureOut">
               <a:rPr lang="zh-CN" altLang="en-US" smtClean="0"/>
-              <a:t>2022/11/19</a:t>
+              <a:t>2022/11/20</a:t>
             </a:fld>
             <a:endParaRPr lang="zh-CN" altLang="en-US"/>
           </a:p>
@@ -3035,7 +3035,7 @@
           <a:p>
             <a:fld id="{760FBDFE-C587-4B4C-A407-44438C67B59E}" type="datetimeFigureOut">
               <a:rPr lang="zh-CN" altLang="en-US" smtClean="0"/>
-              <a:t>2022/11/19</a:t>
+              <a:t>2022/11/20</a:t>
             </a:fld>
             <a:endParaRPr lang="zh-CN" altLang="en-US"/>
           </a:p>
@@ -3149,7 +3149,7 @@
           <a:p>
             <a:fld id="{760FBDFE-C587-4B4C-A407-44438C67B59E}" type="datetimeFigureOut">
               <a:rPr lang="zh-CN" altLang="en-US" smtClean="0"/>
-              <a:t>2022/11/19</a:t>
+              <a:t>2022/11/20</a:t>
             </a:fld>
             <a:endParaRPr lang="zh-CN" altLang="en-US"/>
           </a:p>
@@ -3479,7 +3479,7 @@
           <a:p>
             <a:fld id="{9EFD9D74-47D9-4702-A33C-335B63B48DBF}" type="datetimeFigureOut">
               <a:rPr lang="zh-CN" altLang="en-US" smtClean="0"/>
-              <a:t>2022/11/19</a:t>
+              <a:t>2022/11/20</a:t>
             </a:fld>
             <a:endParaRPr lang="zh-CN" altLang="en-US" dirty="0"/>
           </a:p>
@@ -3992,7 +3992,7 @@
           <a:p>
             <a:fld id="{760FBDFE-C587-4B4C-A407-44438C67B59E}" type="datetimeFigureOut">
               <a:rPr lang="zh-CN" altLang="en-US" smtClean="0"/>
-              <a:t>2022/11/19</a:t>
+              <a:t>2022/11/20</a:t>
             </a:fld>
             <a:endParaRPr lang="zh-CN" altLang="en-US"/>
           </a:p>
@@ -4106,7 +4106,7 @@
           <a:p>
             <a:fld id="{760FBDFE-C587-4B4C-A407-44438C67B59E}" type="datetimeFigureOut">
               <a:rPr lang="zh-CN" altLang="en-US" smtClean="0"/>
-              <a:t>2022/11/19</a:t>
+              <a:t>2022/11/20</a:t>
             </a:fld>
             <a:endParaRPr lang="zh-CN" altLang="en-US"/>
           </a:p>
@@ -4394,7 +4394,7 @@
           <a:p>
             <a:fld id="{82F288E0-7875-42C4-84C8-98DBBD3BF4D2}" type="datetimeFigureOut">
               <a:rPr lang="zh-CN" altLang="en-US" smtClean="0"/>
-              <a:t>2022/11/19</a:t>
+              <a:t>2022/11/20</a:t>
             </a:fld>
             <a:endParaRPr lang="zh-CN" altLang="en-US"/>
           </a:p>
@@ -4853,7 +4853,7 @@
           <a:p>
             <a:fld id="{760FBDFE-C587-4B4C-A407-44438C67B59E}" type="datetimeFigureOut">
               <a:rPr lang="zh-CN" altLang="en-US" smtClean="0"/>
-              <a:t>2022/11/19</a:t>
+              <a:t>2022/11/20</a:t>
             </a:fld>
             <a:endParaRPr lang="zh-CN" altLang="en-US"/>
           </a:p>
@@ -5522,7 +5522,7 @@
           <a:p>
             <a:fld id="{9EFD9D74-47D9-4702-A33C-335B63B48DBF}" type="datetimeFigureOut">
               <a:rPr lang="zh-CN" altLang="en-US" smtClean="0"/>
-              <a:t>2022/11/19</a:t>
+              <a:t>2022/11/20</a:t>
             </a:fld>
             <a:endParaRPr lang="zh-CN" altLang="en-US" dirty="0"/>
           </a:p>
@@ -5670,7 +5670,7 @@
           <a:p>
             <a:fld id="{9EFD9D74-47D9-4702-A33C-335B63B48DBF}" type="datetimeFigureOut">
               <a:rPr lang="zh-CN" altLang="en-US" smtClean="0"/>
-              <a:t>2022/11/19</a:t>
+              <a:t>2022/11/20</a:t>
             </a:fld>
             <a:endParaRPr lang="zh-CN" altLang="en-US" dirty="0"/>
           </a:p>
@@ -15019,7 +15019,7 @@
             </a:pPr>
             <a:r>
               <a:rPr lang="zh-CN" altLang="en-US" dirty="0"/>
-              <a:t>如果想要使每次训练的样本个数较小（训练时间更快），但有达到更大训练样本个数的效果，该如何做？</a:t>
+              <a:t>如果想要使每次训练的样本个数较小（训练时间更快），但又能达到更大训练样本个数的效果，该如何做？</a:t>
             </a:r>
             <a:endParaRPr lang="en-US" altLang="zh-CN" dirty="0"/>
           </a:p>
@@ -15209,7 +15209,7 @@
           </a:bodyPr>
           <a:lstStyle/>
           <a:p>
-            <a:pPr marL="285750" indent="-285750">
+            <a:pPr marL="742950" lvl="1" indent="-285750">
               <a:buFont typeface="Arial" panose="020B0604020202020204" pitchFamily="34" charset="0"/>
               <a:buChar char="•"/>
             </a:pPr>
@@ -17581,7 +17581,7 @@
           <a:lstStyle/>
           <a:p>
             <a:r>
-              <a:rPr lang="zh-CN" altLang="en-US"/>
+              <a:rPr lang="zh-CN" altLang="en-US" dirty="0"/>
               <a:t>总结</a:t>
             </a:r>
           </a:p>
@@ -18276,7 +18276,7 @@
           <a:lstStyle/>
           <a:p>
             <a:r>
-              <a:rPr lang="zh-CN" altLang="en-US"/>
+              <a:rPr lang="zh-CN" altLang="en-US" dirty="0"/>
               <a:t>下节课预告</a:t>
             </a:r>
           </a:p>
